--- a/info-plotting/FlowChart.pptx
+++ b/info-plotting/FlowChart.pptx
@@ -104,6 +104,11 @@
       </a:defRPr>
     </a:lvl9pPr>
   </p:defaultTextStyle>
+  <p:extLst>
+    <p:ext uri="{EFAFB233-063F-42B5-8137-9DF3F51BA10A}">
+      <p15:sldGuideLst xmlns:p15="http://schemas.microsoft.com/office/powerpoint/2012/main"/>
+    </p:ext>
+  </p:extLst>
 </p:presentation>
 </file>
 
@@ -2980,8 +2985,8 @@
         </p:nvSpPr>
         <p:spPr>
           <a:xfrm>
-            <a:off x="388838" y="653260"/>
-            <a:ext cx="2015360" cy="646331"/>
+            <a:off x="625010" y="1685113"/>
+            <a:ext cx="1399742" cy="461665"/>
           </a:xfrm>
           <a:prstGeom prst="rect">
             <a:avLst/>
@@ -2995,13 +3000,13 @@
           <a:lstStyle/>
           <a:p>
             <a:r>
-              <a:rPr lang="en-US" dirty="0"/>
+              <a:rPr lang="en-US" sz="1200" dirty="0"/>
               <a:t>POPUP1</a:t>
             </a:r>
           </a:p>
           <a:p>
             <a:r>
-              <a:rPr lang="en-US" dirty="0"/>
+              <a:rPr lang="en-US" sz="1200" dirty="0"/>
               <a:t>Load Map (prompt)</a:t>
             </a:r>
           </a:p>
@@ -3021,8 +3026,8 @@
         </p:nvSpPr>
         <p:spPr>
           <a:xfrm>
-            <a:off x="2672258" y="2825595"/>
-            <a:ext cx="3561348" cy="369332"/>
+            <a:off x="2282362" y="2941173"/>
+            <a:ext cx="2408123" cy="276999"/>
           </a:xfrm>
           <a:prstGeom prst="rect">
             <a:avLst/>
@@ -3036,15 +3041,15 @@
           <a:lstStyle/>
           <a:p>
             <a:r>
-              <a:rPr lang="en-US" dirty="0"/>
+              <a:rPr lang="en-US" sz="1200" dirty="0"/>
               <a:t>INPUTEXISTS: app </a:t>
             </a:r>
             <a:r>
-              <a:rPr lang="en-US" dirty="0" err="1"/>
+              <a:rPr lang="en-US" sz="1200" dirty="0" err="1"/>
               <a:t>inits</a:t>
             </a:r>
             <a:r>
-              <a:rPr lang="en-US" dirty="0"/>
+              <a:rPr lang="en-US" sz="1200" dirty="0"/>
               <a:t> the prompt</a:t>
             </a:r>
           </a:p>
@@ -3064,8 +3069,8 @@
         </p:nvSpPr>
         <p:spPr>
           <a:xfrm>
-            <a:off x="388838" y="192503"/>
-            <a:ext cx="1247457" cy="369332"/>
+            <a:off x="456997" y="1166933"/>
+            <a:ext cx="891591" cy="276999"/>
           </a:xfrm>
           <a:prstGeom prst="rect">
             <a:avLst/>
@@ -3079,7 +3084,7 @@
           <a:lstStyle/>
           <a:p>
             <a:r>
-              <a:rPr lang="en-US" dirty="0"/>
+              <a:rPr lang="en-US" sz="1200" dirty="0"/>
               <a:t>App: opens</a:t>
             </a:r>
           </a:p>
@@ -3099,8 +3104,8 @@
         </p:nvSpPr>
         <p:spPr>
           <a:xfrm>
-            <a:off x="674418" y="1683880"/>
-            <a:ext cx="5793766" cy="369332"/>
+            <a:off x="738435" y="2416685"/>
+            <a:ext cx="3929409" cy="276999"/>
           </a:xfrm>
           <a:prstGeom prst="rect">
             <a:avLst/>
@@ -3114,7 +3119,7 @@
           <a:lstStyle/>
           <a:p>
             <a:r>
-              <a:rPr lang="en-US" dirty="0"/>
+              <a:rPr lang="en-US" sz="1200" dirty="0"/>
               <a:t>App: checks if input file exists (INPUTEXISTS=TRUE or FALSE)</a:t>
             </a:r>
           </a:p>
@@ -3134,8 +3139,8 @@
         </p:nvSpPr>
         <p:spPr>
           <a:xfrm>
-            <a:off x="884229" y="2567192"/>
-            <a:ext cx="1736116" cy="646331"/>
+            <a:off x="739928" y="2945579"/>
+            <a:ext cx="1217321" cy="461665"/>
           </a:xfrm>
           <a:prstGeom prst="rect">
             <a:avLst/>
@@ -3149,13 +3154,13 @@
           <a:lstStyle/>
           <a:p>
             <a:r>
-              <a:rPr lang="en-US" dirty="0"/>
+              <a:rPr lang="en-US" sz="1200" dirty="0"/>
               <a:t>POPUP2</a:t>
             </a:r>
           </a:p>
           <a:p>
             <a:r>
-              <a:rPr lang="en-US" dirty="0"/>
+              <a:rPr lang="en-US" sz="1200" dirty="0"/>
               <a:t>Point 1 (prompt)</a:t>
             </a:r>
           </a:p>
@@ -3175,8 +3180,8 @@
         </p:nvSpPr>
         <p:spPr>
           <a:xfrm>
-            <a:off x="674418" y="1386005"/>
-            <a:ext cx="3561348" cy="369332"/>
+            <a:off x="738435" y="2224974"/>
+            <a:ext cx="2005120" cy="276999"/>
           </a:xfrm>
           <a:prstGeom prst="rect">
             <a:avLst/>
@@ -3190,7 +3195,7 @@
           <a:lstStyle/>
           <a:p>
             <a:r>
-              <a:rPr lang="en-US" dirty="0"/>
+              <a:rPr lang="en-US" sz="1200" dirty="0"/>
               <a:t>User enters a map name </a:t>
             </a:r>
           </a:p>
@@ -3210,8 +3215,8 @@
         </p:nvSpPr>
         <p:spPr>
           <a:xfrm>
-            <a:off x="884229" y="3323849"/>
-            <a:ext cx="4578943" cy="369332"/>
+            <a:off x="814111" y="3472161"/>
+            <a:ext cx="2643464" cy="276999"/>
           </a:xfrm>
           <a:prstGeom prst="rect">
             <a:avLst/>
@@ -3225,7 +3230,7 @@
           <a:lstStyle/>
           <a:p>
             <a:r>
-              <a:rPr lang="en-US" dirty="0"/>
+              <a:rPr lang="en-US" sz="1200" dirty="0"/>
               <a:t>User checks and/or corrects the values</a:t>
             </a:r>
           </a:p>
@@ -3245,8 +3250,8 @@
         </p:nvSpPr>
         <p:spPr>
           <a:xfrm>
-            <a:off x="2672258" y="648249"/>
-            <a:ext cx="2319866" cy="369332"/>
+            <a:off x="1448607" y="1681888"/>
+            <a:ext cx="1608133" cy="276999"/>
           </a:xfrm>
           <a:prstGeom prst="rect">
             <a:avLst/>
@@ -3260,7 +3265,7 @@
           <a:lstStyle/>
           <a:p>
             <a:r>
-              <a:rPr lang="en-US" dirty="0"/>
+              <a:rPr lang="en-US" sz="1200" dirty="0"/>
               <a:t>WIDGET SMILEY opens</a:t>
             </a:r>
           </a:p>
@@ -3280,8 +3285,8 @@
         </p:nvSpPr>
         <p:spPr>
           <a:xfrm>
-            <a:off x="4954955" y="3305253"/>
-            <a:ext cx="4578943" cy="369332"/>
+            <a:off x="3870914" y="3486689"/>
+            <a:ext cx="2969244" cy="276999"/>
           </a:xfrm>
           <a:prstGeom prst="rect">
             <a:avLst/>
@@ -3295,7 +3300,7 @@
           <a:lstStyle/>
           <a:p>
             <a:r>
-              <a:rPr lang="en-US" dirty="0"/>
+              <a:rPr lang="en-US" sz="1200" dirty="0"/>
               <a:t>User validates by clicking WIDGET SMILEY</a:t>
             </a:r>
           </a:p>
@@ -3315,8 +3320,8 @@
         </p:nvSpPr>
         <p:spPr>
           <a:xfrm>
-            <a:off x="4954954" y="2079216"/>
-            <a:ext cx="4578943" cy="369332"/>
+            <a:off x="2282362" y="2671121"/>
+            <a:ext cx="3299287" cy="276999"/>
           </a:xfrm>
           <a:prstGeom prst="rect">
             <a:avLst/>
@@ -3330,7 +3335,7 @@
           <a:lstStyle/>
           <a:p>
             <a:r>
-              <a:rPr lang="en-US" dirty="0"/>
+              <a:rPr lang="en-US" sz="1200" dirty="0"/>
               <a:t>User validates by clicking SMILEY WIDGET</a:t>
             </a:r>
           </a:p>
@@ -3350,8 +3355,8 @@
         </p:nvSpPr>
         <p:spPr>
           <a:xfrm>
-            <a:off x="6285519" y="2513009"/>
-            <a:ext cx="2336089" cy="369332"/>
+            <a:off x="4973723" y="2924565"/>
+            <a:ext cx="1618905" cy="276999"/>
           </a:xfrm>
           <a:prstGeom prst="rect">
             <a:avLst/>
@@ -3365,14 +3370,14 @@
           <a:lstStyle/>
           <a:p>
             <a:r>
-              <a:rPr lang="en-US" dirty="0"/>
+              <a:rPr lang="en-US" sz="1200" dirty="0"/>
               <a:t>WIDGET SMILEY </a:t>
             </a:r>
             <a:r>
-              <a:rPr lang="en-US" dirty="0" err="1"/>
+              <a:rPr lang="en-US" sz="1200" dirty="0" err="1"/>
               <a:t>reinits</a:t>
             </a:r>
-            <a:endParaRPr lang="en-US" dirty="0"/>
+            <a:endParaRPr lang="en-US" sz="1200" dirty="0"/>
           </a:p>
         </p:txBody>
       </p:sp>
@@ -3390,8 +3395,8 @@
         </p:nvSpPr>
         <p:spPr>
           <a:xfrm>
-            <a:off x="2672257" y="3985906"/>
-            <a:ext cx="3561348" cy="369332"/>
+            <a:off x="2282362" y="3766770"/>
+            <a:ext cx="2471559" cy="276999"/>
           </a:xfrm>
           <a:prstGeom prst="rect">
             <a:avLst/>
@@ -3405,15 +3410,15 @@
           <a:lstStyle/>
           <a:p>
             <a:r>
-              <a:rPr lang="en-US" dirty="0"/>
+              <a:rPr lang="en-US" sz="1200" dirty="0"/>
               <a:t>INPUTEXISTS: app </a:t>
             </a:r>
             <a:r>
-              <a:rPr lang="en-US" dirty="0" err="1"/>
+              <a:rPr lang="en-US" sz="1200" dirty="0" err="1"/>
               <a:t>inits</a:t>
             </a:r>
             <a:r>
-              <a:rPr lang="en-US" dirty="0"/>
+              <a:rPr lang="en-US" sz="1200" dirty="0"/>
               <a:t> the prompt</a:t>
             </a:r>
           </a:p>
@@ -3433,8 +3438,8 @@
         </p:nvSpPr>
         <p:spPr>
           <a:xfrm>
-            <a:off x="884228" y="3727503"/>
-            <a:ext cx="1736116" cy="646331"/>
+            <a:off x="701450" y="3721764"/>
+            <a:ext cx="1217321" cy="461665"/>
           </a:xfrm>
           <a:prstGeom prst="rect">
             <a:avLst/>
@@ -3448,13 +3453,13 @@
           <a:lstStyle/>
           <a:p>
             <a:r>
-              <a:rPr lang="en-US" dirty="0"/>
+              <a:rPr lang="en-US" sz="1200" dirty="0"/>
               <a:t>POPUP2</a:t>
             </a:r>
           </a:p>
           <a:p>
             <a:r>
-              <a:rPr lang="en-US" dirty="0"/>
+              <a:rPr lang="en-US" sz="1200" dirty="0"/>
               <a:t>Point 2 (prompt)</a:t>
             </a:r>
           </a:p>
@@ -3474,8 +3479,8 @@
         </p:nvSpPr>
         <p:spPr>
           <a:xfrm>
-            <a:off x="884228" y="4484160"/>
-            <a:ext cx="4578943" cy="369332"/>
+            <a:off x="814109" y="4218932"/>
+            <a:ext cx="2643465" cy="276999"/>
           </a:xfrm>
           <a:prstGeom prst="rect">
             <a:avLst/>
@@ -3489,7 +3494,7 @@
           <a:lstStyle/>
           <a:p>
             <a:r>
-              <a:rPr lang="en-US" dirty="0"/>
+              <a:rPr lang="en-US" sz="1200" dirty="0"/>
               <a:t>User checks and/or corrects the values</a:t>
             </a:r>
           </a:p>
@@ -3509,8 +3514,8 @@
         </p:nvSpPr>
         <p:spPr>
           <a:xfrm>
-            <a:off x="4954954" y="4465564"/>
-            <a:ext cx="4578943" cy="369332"/>
+            <a:off x="3884380" y="4274215"/>
+            <a:ext cx="2840270" cy="276999"/>
           </a:xfrm>
           <a:prstGeom prst="rect">
             <a:avLst/>
@@ -3524,7 +3529,7 @@
           <a:lstStyle/>
           <a:p>
             <a:r>
-              <a:rPr lang="en-US" dirty="0"/>
+              <a:rPr lang="en-US" sz="1200" dirty="0"/>
               <a:t>User validates by clicking WIDGET SMILEY</a:t>
             </a:r>
           </a:p>
@@ -3544,8 +3549,8 @@
         </p:nvSpPr>
         <p:spPr>
           <a:xfrm>
-            <a:off x="6285518" y="3673320"/>
-            <a:ext cx="2336089" cy="369332"/>
+            <a:off x="4973722" y="3696194"/>
+            <a:ext cx="1618905" cy="276999"/>
           </a:xfrm>
           <a:prstGeom prst="rect">
             <a:avLst/>
@@ -3559,14 +3564,14 @@
           <a:lstStyle/>
           <a:p>
             <a:r>
-              <a:rPr lang="en-US" dirty="0"/>
+              <a:rPr lang="en-US" sz="1200" dirty="0"/>
               <a:t>WIDGET SMILEY </a:t>
             </a:r>
             <a:r>
-              <a:rPr lang="en-US" dirty="0" err="1"/>
+              <a:rPr lang="en-US" sz="1200" dirty="0" err="1"/>
               <a:t>reinits</a:t>
             </a:r>
-            <a:endParaRPr lang="en-US" dirty="0"/>
+            <a:endParaRPr lang="en-US" sz="1200" dirty="0"/>
           </a:p>
         </p:txBody>
       </p:sp>
@@ -3584,8 +3589,8 @@
         </p:nvSpPr>
         <p:spPr>
           <a:xfrm>
-            <a:off x="674418" y="2511994"/>
-            <a:ext cx="8845324" cy="1196913"/>
+            <a:off x="738436" y="2949655"/>
+            <a:ext cx="5854190" cy="770327"/>
           </a:xfrm>
           <a:prstGeom prst="rect">
             <a:avLst/>
@@ -3613,7 +3618,7 @@
           <a:lstStyle/>
           <a:p>
             <a:pPr algn="ctr"/>
-            <a:endParaRPr lang="en-US"/>
+            <a:endParaRPr lang="en-US" sz="1200"/>
           </a:p>
         </p:txBody>
       </p:sp>
@@ -3631,8 +3636,8 @@
         </p:nvSpPr>
         <p:spPr>
           <a:xfrm>
-            <a:off x="674418" y="3756781"/>
-            <a:ext cx="8845324" cy="1196913"/>
+            <a:off x="738436" y="3750794"/>
+            <a:ext cx="5854190" cy="770327"/>
           </a:xfrm>
           <a:prstGeom prst="rect">
             <a:avLst/>
@@ -3660,7 +3665,7 @@
           <a:lstStyle/>
           <a:p>
             <a:pPr algn="ctr"/>
-            <a:endParaRPr lang="en-US"/>
+            <a:endParaRPr lang="en-US" sz="1200"/>
           </a:p>
         </p:txBody>
       </p:sp>
@@ -3678,8 +3683,8 @@
         </p:nvSpPr>
         <p:spPr>
           <a:xfrm>
-            <a:off x="2672257" y="5259971"/>
-            <a:ext cx="3561348" cy="369332"/>
+            <a:off x="2282362" y="4624154"/>
+            <a:ext cx="2445605" cy="276999"/>
           </a:xfrm>
           <a:prstGeom prst="rect">
             <a:avLst/>
@@ -3693,15 +3698,15 @@
           <a:lstStyle/>
           <a:p>
             <a:r>
-              <a:rPr lang="en-US" dirty="0"/>
+              <a:rPr lang="en-US" sz="1200" dirty="0"/>
               <a:t>INPUTEXISTS: app </a:t>
             </a:r>
             <a:r>
-              <a:rPr lang="en-US" dirty="0" err="1"/>
+              <a:rPr lang="en-US" sz="1200" dirty="0" err="1"/>
               <a:t>inits</a:t>
             </a:r>
             <a:r>
-              <a:rPr lang="en-US" dirty="0"/>
+              <a:rPr lang="en-US" sz="1200" dirty="0"/>
               <a:t> the prompt</a:t>
             </a:r>
           </a:p>
@@ -3721,8 +3726,8 @@
         </p:nvSpPr>
         <p:spPr>
           <a:xfrm>
-            <a:off x="884228" y="5001568"/>
-            <a:ext cx="1736116" cy="646331"/>
+            <a:off x="713315" y="4541155"/>
+            <a:ext cx="1217321" cy="461665"/>
           </a:xfrm>
           <a:prstGeom prst="rect">
             <a:avLst/>
@@ -3736,13 +3741,13 @@
           <a:lstStyle/>
           <a:p>
             <a:r>
-              <a:rPr lang="en-US" dirty="0"/>
+              <a:rPr lang="en-US" sz="1200" dirty="0"/>
               <a:t>POPUP3</a:t>
             </a:r>
           </a:p>
           <a:p>
             <a:r>
-              <a:rPr lang="en-US" dirty="0"/>
+              <a:rPr lang="en-US" sz="1200" dirty="0"/>
               <a:t>Point 2 (prompt)</a:t>
             </a:r>
           </a:p>
@@ -3762,8 +3767,8 @@
         </p:nvSpPr>
         <p:spPr>
           <a:xfrm>
-            <a:off x="884228" y="5758225"/>
-            <a:ext cx="4578943" cy="369332"/>
+            <a:off x="816662" y="5040361"/>
+            <a:ext cx="2831073" cy="276999"/>
           </a:xfrm>
           <a:prstGeom prst="rect">
             <a:avLst/>
@@ -3777,7 +3782,7 @@
           <a:lstStyle/>
           <a:p>
             <a:r>
-              <a:rPr lang="en-US" dirty="0"/>
+              <a:rPr lang="en-US" sz="1200" dirty="0"/>
               <a:t>User checks and/or corrects the values</a:t>
             </a:r>
           </a:p>
@@ -3797,8 +3802,8 @@
         </p:nvSpPr>
         <p:spPr>
           <a:xfrm>
-            <a:off x="4954954" y="5739629"/>
-            <a:ext cx="4578943" cy="369332"/>
+            <a:off x="3865183" y="5075155"/>
+            <a:ext cx="2918288" cy="276999"/>
           </a:xfrm>
           <a:prstGeom prst="rect">
             <a:avLst/>
@@ -3812,7 +3817,7 @@
           <a:lstStyle/>
           <a:p>
             <a:r>
-              <a:rPr lang="en-US" dirty="0"/>
+              <a:rPr lang="en-US" sz="1200" dirty="0"/>
               <a:t>User validates by clicking WIDGET SMILEY</a:t>
             </a:r>
           </a:p>
@@ -3832,8 +3837,8 @@
         </p:nvSpPr>
         <p:spPr>
           <a:xfrm>
-            <a:off x="6321828" y="4943957"/>
-            <a:ext cx="2336089" cy="369332"/>
+            <a:off x="4973721" y="4564157"/>
+            <a:ext cx="1618905" cy="276999"/>
           </a:xfrm>
           <a:prstGeom prst="rect">
             <a:avLst/>
@@ -3847,14 +3852,14 @@
           <a:lstStyle/>
           <a:p>
             <a:r>
-              <a:rPr lang="en-US" dirty="0"/>
+              <a:rPr lang="en-US" sz="1200" dirty="0"/>
               <a:t>WIDGET SMILEY </a:t>
             </a:r>
             <a:r>
-              <a:rPr lang="en-US" dirty="0" err="1"/>
+              <a:rPr lang="en-US" sz="1200" dirty="0" err="1"/>
               <a:t>reinits</a:t>
             </a:r>
-            <a:endParaRPr lang="en-US" dirty="0"/>
+            <a:endParaRPr lang="en-US" sz="1200" dirty="0"/>
           </a:p>
         </p:txBody>
       </p:sp>
@@ -3872,8 +3877,8 @@
         </p:nvSpPr>
         <p:spPr>
           <a:xfrm>
-            <a:off x="674418" y="5030846"/>
-            <a:ext cx="8845324" cy="1196913"/>
+            <a:off x="738435" y="4570776"/>
+            <a:ext cx="5854191" cy="770327"/>
           </a:xfrm>
           <a:prstGeom prst="rect">
             <a:avLst/>
@@ -3901,7 +3906,7 @@
           <a:lstStyle/>
           <a:p>
             <a:pPr algn="ctr"/>
-            <a:endParaRPr lang="en-US"/>
+            <a:endParaRPr lang="en-US" sz="1200"/>
           </a:p>
         </p:txBody>
       </p:sp>
@@ -3919,8 +3924,8 @@
         </p:nvSpPr>
         <p:spPr>
           <a:xfrm>
-            <a:off x="1012566" y="6722597"/>
-            <a:ext cx="3561348" cy="646331"/>
+            <a:off x="860400" y="5631890"/>
+            <a:ext cx="2424204" cy="461665"/>
           </a:xfrm>
           <a:prstGeom prst="rect">
             <a:avLst/>
@@ -3934,13 +3939,13 @@
           <a:lstStyle/>
           <a:p>
             <a:r>
-              <a:rPr lang="en-US" dirty="0"/>
+              <a:rPr lang="en-US" sz="1200" dirty="0"/>
               <a:t>IFPOLARIS: POLARIS WIDGET</a:t>
             </a:r>
           </a:p>
           <a:p>
             <a:r>
-              <a:rPr lang="en-US" dirty="0"/>
+              <a:rPr lang="en-US" sz="1200" dirty="0"/>
               <a:t>IFMAGNETIC: MN WIDGET</a:t>
             </a:r>
           </a:p>
@@ -3960,8 +3965,8 @@
         </p:nvSpPr>
         <p:spPr>
           <a:xfrm>
-            <a:off x="898383" y="6308807"/>
-            <a:ext cx="2317622" cy="369332"/>
+            <a:off x="819216" y="5393266"/>
+            <a:ext cx="1608261" cy="276999"/>
           </a:xfrm>
           <a:prstGeom prst="rect">
             <a:avLst/>
@@ -3975,7 +3980,7 @@
           <a:lstStyle/>
           <a:p>
             <a:r>
-              <a:rPr lang="en-US" dirty="0"/>
+              <a:rPr lang="en-US" sz="1200" dirty="0"/>
               <a:t>WIDGET NORTH opens</a:t>
             </a:r>
           </a:p>
@@ -3995,8 +4000,8 @@
         </p:nvSpPr>
         <p:spPr>
           <a:xfrm>
-            <a:off x="4992124" y="7368928"/>
-            <a:ext cx="4578943" cy="369332"/>
+            <a:off x="3782882" y="5779938"/>
+            <a:ext cx="2937092" cy="276999"/>
           </a:xfrm>
           <a:prstGeom prst="rect">
             <a:avLst/>
@@ -4010,7 +4015,7 @@
           <a:lstStyle/>
           <a:p>
             <a:r>
-              <a:rPr lang="en-US" dirty="0"/>
+              <a:rPr lang="en-US" sz="1200" dirty="0"/>
               <a:t>User starts plot by clicking WIDGET NORTH</a:t>
             </a:r>
           </a:p>
@@ -4030,8 +4035,8 @@
         </p:nvSpPr>
         <p:spPr>
           <a:xfrm>
-            <a:off x="688573" y="6338085"/>
-            <a:ext cx="8845324" cy="1535915"/>
+            <a:off x="743541" y="5412109"/>
+            <a:ext cx="5849085" cy="678867"/>
           </a:xfrm>
           <a:prstGeom prst="rect">
             <a:avLst/>
@@ -4059,7 +4064,7 @@
           <a:lstStyle/>
           <a:p>
             <a:pPr algn="ctr"/>
-            <a:endParaRPr lang="en-US"/>
+            <a:endParaRPr lang="en-US" sz="1200"/>
           </a:p>
         </p:txBody>
       </p:sp>
@@ -4077,8 +4082,8 @@
         </p:nvSpPr>
         <p:spPr>
           <a:xfrm>
-            <a:off x="884228" y="8661589"/>
-            <a:ext cx="9783512" cy="369332"/>
+            <a:off x="789525" y="6687526"/>
+            <a:ext cx="6574107" cy="276999"/>
           </a:xfrm>
           <a:prstGeom prst="rect">
             <a:avLst/>
@@ -4092,7 +4097,7 @@
           <a:lstStyle/>
           <a:p>
             <a:r>
-              <a:rPr lang="en-US" dirty="0"/>
+              <a:rPr lang="en-US" sz="1200" dirty="0"/>
               <a:t>Current Position WIDGET opens and positions on the screen frame of reference at the Current Position</a:t>
             </a:r>
           </a:p>
@@ -4112,8 +4117,8 @@
         </p:nvSpPr>
         <p:spPr>
           <a:xfrm>
-            <a:off x="4499272" y="9552770"/>
-            <a:ext cx="5981200" cy="369332"/>
+            <a:off x="2211762" y="7245844"/>
+            <a:ext cx="3854170" cy="276999"/>
           </a:xfrm>
           <a:prstGeom prst="rect">
             <a:avLst/>
@@ -4127,7 +4132,7 @@
           <a:lstStyle/>
           <a:p>
             <a:r>
-              <a:rPr lang="en-US" dirty="0"/>
+              <a:rPr lang="en-US" sz="1200" dirty="0"/>
               <a:t>User enforces a point by clicking Current Position WIDGET</a:t>
             </a:r>
           </a:p>
@@ -4147,8 +4152,8 @@
         </p:nvSpPr>
         <p:spPr>
           <a:xfrm>
-            <a:off x="742581" y="8057568"/>
-            <a:ext cx="10043951" cy="1881318"/>
+            <a:off x="738435" y="6298782"/>
+            <a:ext cx="6574107" cy="875090"/>
           </a:xfrm>
           <a:prstGeom prst="rect">
             <a:avLst/>
@@ -4176,7 +4181,7 @@
           <a:lstStyle/>
           <a:p>
             <a:pPr algn="ctr"/>
-            <a:endParaRPr lang="en-US"/>
+            <a:endParaRPr lang="en-US" sz="1200"/>
           </a:p>
         </p:txBody>
       </p:sp>
@@ -4194,8 +4199,8 @@
         </p:nvSpPr>
         <p:spPr>
           <a:xfrm>
-            <a:off x="898383" y="8087557"/>
-            <a:ext cx="4022255" cy="646331"/>
+            <a:off x="794631" y="6318082"/>
+            <a:ext cx="2741391" cy="461665"/>
           </a:xfrm>
           <a:prstGeom prst="rect">
             <a:avLst/>
@@ -4209,13 +4214,13 @@
           <a:lstStyle/>
           <a:p>
             <a:r>
-              <a:rPr lang="en-US" dirty="0"/>
+              <a:rPr lang="en-US" sz="1200" dirty="0"/>
               <a:t>App Gets Current Position (GPS)</a:t>
             </a:r>
           </a:p>
           <a:p>
             <a:r>
-              <a:rPr lang="en-US" dirty="0"/>
+              <a:rPr lang="en-US" sz="1200" dirty="0"/>
               <a:t>App calculates coordinates on the screen</a:t>
             </a:r>
           </a:p>
@@ -4235,8 +4240,8 @@
         </p:nvSpPr>
         <p:spPr>
           <a:xfrm>
-            <a:off x="898383" y="8986866"/>
-            <a:ext cx="4110036" cy="369332"/>
+            <a:off x="794631" y="6896872"/>
+            <a:ext cx="2752998" cy="276999"/>
           </a:xfrm>
           <a:prstGeom prst="rect">
             <a:avLst/>
@@ -4250,8 +4255,8 @@
           <a:lstStyle/>
           <a:p>
             <a:r>
-              <a:rPr lang="en-US" dirty="0"/>
-              <a:t>First point of the track plots on the screen</a:t>
+              <a:rPr lang="en-US" sz="1200" dirty="0"/>
+              <a:t>First point of the Track Plot on the screen</a:t>
             </a:r>
           </a:p>
         </p:txBody>
@@ -4270,8 +4275,8 @@
         </p:nvSpPr>
         <p:spPr>
           <a:xfrm>
-            <a:off x="4443395" y="12328582"/>
-            <a:ext cx="5981200" cy="369332"/>
+            <a:off x="2250187" y="9359412"/>
+            <a:ext cx="2472471" cy="276999"/>
           </a:xfrm>
           <a:prstGeom prst="rect">
             <a:avLst/>
@@ -4285,16 +4290,9 @@
           <a:lstStyle/>
           <a:p>
             <a:r>
-              <a:rPr lang="en-US" dirty="0"/>
-              <a:t>END: double-click on north widget </a:t>
-            </a:r>
-            <a:r>
-              <a:rPr lang="en-US" dirty="0">
-                <a:sym typeface="Wingdings" panose="05000000000000000000" pitchFamily="2" charset="2"/>
-              </a:rPr>
-              <a:t> close</a:t>
-            </a:r>
-            <a:endParaRPr lang="en-US" dirty="0"/>
+              <a:rPr lang="en-US" sz="1200" dirty="0"/>
+              <a:t>User double-clicks on north widget</a:t>
+            </a:r>
           </a:p>
         </p:txBody>
       </p:sp>
@@ -4312,51 +4310,8 @@
         </p:nvSpPr>
         <p:spPr>
           <a:xfrm>
-            <a:off x="884228" y="10948590"/>
-            <a:ext cx="9709966" cy="369332"/>
-          </a:xfrm>
-          <a:prstGeom prst="rect">
-            <a:avLst/>
-          </a:prstGeom>
-          <a:noFill/>
-        </p:spPr>
-        <p:txBody>
-          <a:bodyPr wrap="none" rtlCol="0">
-            <a:spAutoFit/>
-          </a:bodyPr>
-          <a:lstStyle/>
-          <a:p>
-            <a:r>
-              <a:rPr lang="en-US" dirty="0"/>
-              <a:t>Current Position WIDGET </a:t>
-            </a:r>
-            <a:r>
-              <a:rPr lang="en-US" dirty="0" err="1"/>
-              <a:t>reinits</a:t>
-            </a:r>
-            <a:r>
-              <a:rPr lang="en-US" dirty="0"/>
-              <a:t> and positions on the screen frame of reference at the Current Position</a:t>
-            </a:r>
-          </a:p>
-        </p:txBody>
-      </p:sp>
-      <p:sp>
-        <p:nvSpPr>
-          <p:cNvPr id="61" name="TextBox 60">
-            <a:extLst>
-              <a:ext uri="{FF2B5EF4-FFF2-40B4-BE49-F238E27FC236}">
-                <a16:creationId xmlns:a16="http://schemas.microsoft.com/office/drawing/2014/main" id="{5C914A9A-CDDE-4608-BE04-521465C60511}"/>
-              </a:ext>
-            </a:extLst>
-          </p:cNvPr>
-          <p:cNvSpPr txBox="1"/>
-          <p:nvPr/>
-        </p:nvSpPr>
-        <p:spPr>
-          <a:xfrm>
-            <a:off x="4499272" y="11839771"/>
-            <a:ext cx="5981200" cy="369332"/>
+            <a:off x="7507026" y="5583196"/>
+            <a:ext cx="1579824" cy="276999"/>
           </a:xfrm>
           <a:prstGeom prst="rect">
             <a:avLst/>
@@ -4370,8 +4325,8 @@
           <a:lstStyle/>
           <a:p>
             <a:r>
-              <a:rPr lang="en-US" dirty="0"/>
-              <a:t>User enforces a point by clicking Current Position WIDGET</a:t>
+              <a:rPr lang="en-US" sz="1200" dirty="0"/>
+              <a:t>App gets North</a:t>
             </a:r>
           </a:p>
         </p:txBody>
@@ -4390,8 +4345,8 @@
         </p:nvSpPr>
         <p:spPr>
           <a:xfrm>
-            <a:off x="742581" y="10344569"/>
-            <a:ext cx="10043951" cy="1881318"/>
+            <a:off x="738435" y="7930408"/>
+            <a:ext cx="5409180" cy="1094612"/>
           </a:xfrm>
           <a:prstGeom prst="rect">
             <a:avLst/>
@@ -4419,7 +4374,7 @@
           <a:lstStyle/>
           <a:p>
             <a:pPr algn="ctr"/>
-            <a:endParaRPr lang="en-US"/>
+            <a:endParaRPr lang="en-US" sz="1200"/>
           </a:p>
         </p:txBody>
       </p:sp>
@@ -4437,8 +4392,8 @@
         </p:nvSpPr>
         <p:spPr>
           <a:xfrm>
-            <a:off x="898383" y="10374558"/>
-            <a:ext cx="4022255" cy="646331"/>
+            <a:off x="819216" y="8009963"/>
+            <a:ext cx="2741391" cy="461665"/>
           </a:xfrm>
           <a:prstGeom prst="rect">
             <a:avLst/>
@@ -4452,13 +4407,13 @@
           <a:lstStyle/>
           <a:p>
             <a:r>
-              <a:rPr lang="en-US" dirty="0"/>
+              <a:rPr lang="en-US" sz="1200" dirty="0"/>
               <a:t>App Gets Current Position (GPS)</a:t>
             </a:r>
           </a:p>
           <a:p>
             <a:r>
-              <a:rPr lang="en-US" dirty="0"/>
+              <a:rPr lang="en-US" sz="1200" dirty="0"/>
               <a:t>App calculates coordinates on the screen</a:t>
             </a:r>
           </a:p>
@@ -4478,8 +4433,8 @@
         </p:nvSpPr>
         <p:spPr>
           <a:xfrm>
-            <a:off x="898383" y="11273867"/>
-            <a:ext cx="4121834" cy="369332"/>
+            <a:off x="819216" y="8588754"/>
+            <a:ext cx="2825966" cy="276999"/>
           </a:xfrm>
           <a:prstGeom prst="rect">
             <a:avLst/>
@@ -4493,7 +4448,7 @@
           <a:lstStyle/>
           <a:p>
             <a:r>
-              <a:rPr lang="en-US" dirty="0"/>
+              <a:rPr lang="en-US" sz="1200" dirty="0"/>
               <a:t>Next point of the track plots on the screen</a:t>
             </a:r>
           </a:p>
@@ -4513,8 +4468,8 @@
         </p:nvSpPr>
         <p:spPr>
           <a:xfrm>
-            <a:off x="4443395" y="9974488"/>
-            <a:ext cx="5981200" cy="369332"/>
+            <a:off x="2034757" y="7471557"/>
+            <a:ext cx="3674300" cy="276999"/>
           </a:xfrm>
           <a:prstGeom prst="rect">
             <a:avLst/>
@@ -4528,12 +4483,873 @@
           <a:lstStyle/>
           <a:p>
             <a:r>
-              <a:rPr lang="en-US" dirty="0"/>
+              <a:rPr lang="en-US" sz="1200" dirty="0"/>
               <a:t>Or App calculates the next point at an app setting rate</a:t>
             </a:r>
           </a:p>
         </p:txBody>
       </p:sp>
+      <p:sp>
+        <p:nvSpPr>
+          <p:cNvPr id="49" name="TextBox 48">
+            <a:extLst>
+              <a:ext uri="{FF2B5EF4-FFF2-40B4-BE49-F238E27FC236}">
+                <a16:creationId xmlns:a16="http://schemas.microsoft.com/office/drawing/2014/main" id="{A0A719E5-C139-4980-B3E3-9EA14F81B21D}"/>
+              </a:ext>
+            </a:extLst>
+          </p:cNvPr>
+          <p:cNvSpPr txBox="1"/>
+          <p:nvPr/>
+        </p:nvSpPr>
+        <p:spPr>
+          <a:xfrm>
+            <a:off x="7699188" y="5860195"/>
+            <a:ext cx="1579824" cy="461665"/>
+          </a:xfrm>
+          <a:prstGeom prst="rect">
+            <a:avLst/>
+          </a:prstGeom>
+          <a:noFill/>
+        </p:spPr>
+        <p:txBody>
+          <a:bodyPr wrap="square" rtlCol="0">
+            <a:spAutoFit/>
+          </a:bodyPr>
+          <a:lstStyle/>
+          <a:p>
+            <a:r>
+              <a:rPr lang="en-US" sz="1200" dirty="0"/>
+              <a:t>Map and Track Plot rotate to North</a:t>
+            </a:r>
+          </a:p>
+        </p:txBody>
+      </p:sp>
+      <p:sp>
+        <p:nvSpPr>
+          <p:cNvPr id="3" name="Rectangle 2">
+            <a:extLst>
+              <a:ext uri="{FF2B5EF4-FFF2-40B4-BE49-F238E27FC236}">
+                <a16:creationId xmlns:a16="http://schemas.microsoft.com/office/drawing/2014/main" id="{4E31853C-19B3-4392-9563-23329F0D0090}"/>
+              </a:ext>
+            </a:extLst>
+          </p:cNvPr>
+          <p:cNvSpPr/>
+          <p:nvPr/>
+        </p:nvSpPr>
+        <p:spPr>
+          <a:xfrm flipH="1">
+            <a:off x="7469824" y="5412109"/>
+            <a:ext cx="1714255" cy="914400"/>
+          </a:xfrm>
+          <a:prstGeom prst="rect">
+            <a:avLst/>
+          </a:prstGeom>
+          <a:noFill/>
+        </p:spPr>
+        <p:style>
+          <a:lnRef idx="2">
+            <a:schemeClr val="accent1">
+              <a:shade val="50000"/>
+            </a:schemeClr>
+          </a:lnRef>
+          <a:fillRef idx="1">
+            <a:schemeClr val="accent1"/>
+          </a:fillRef>
+          <a:effectRef idx="0">
+            <a:schemeClr val="accent1"/>
+          </a:effectRef>
+          <a:fontRef idx="minor">
+            <a:schemeClr val="lt1"/>
+          </a:fontRef>
+        </p:style>
+        <p:txBody>
+          <a:bodyPr rtlCol="0" anchor="ctr"/>
+          <a:lstStyle/>
+          <a:p>
+            <a:pPr algn="ctr"/>
+            <a:endParaRPr lang="en-US"/>
+          </a:p>
+        </p:txBody>
+      </p:sp>
+      <p:cxnSp>
+        <p:nvCxnSpPr>
+          <p:cNvPr id="5" name="Connector: Elbow 4">
+            <a:extLst>
+              <a:ext uri="{FF2B5EF4-FFF2-40B4-BE49-F238E27FC236}">
+                <a16:creationId xmlns:a16="http://schemas.microsoft.com/office/drawing/2014/main" id="{0D384E4F-57F6-4B0A-AB20-1BA63B9D2299}"/>
+              </a:ext>
+            </a:extLst>
+          </p:cNvPr>
+          <p:cNvCxnSpPr>
+            <a:cxnSpLocks/>
+            <a:stCxn id="3" idx="2"/>
+            <a:endCxn id="3" idx="1"/>
+          </p:cNvCxnSpPr>
+          <p:nvPr/>
+        </p:nvCxnSpPr>
+        <p:spPr>
+          <a:xfrm rot="5400000" flipH="1" flipV="1">
+            <a:off x="8526915" y="5669345"/>
+            <a:ext cx="457200" cy="857128"/>
+          </a:xfrm>
+          <a:prstGeom prst="bentConnector4">
+            <a:avLst>
+              <a:gd name="adj1" fmla="val -50000"/>
+              <a:gd name="adj2" fmla="val 126670"/>
+            </a:avLst>
+          </a:prstGeom>
+          <a:ln>
+            <a:tailEnd type="triangle"/>
+          </a:ln>
+        </p:spPr>
+        <p:style>
+          <a:lnRef idx="1">
+            <a:schemeClr val="accent1"/>
+          </a:lnRef>
+          <a:fillRef idx="0">
+            <a:schemeClr val="accent1"/>
+          </a:fillRef>
+          <a:effectRef idx="0">
+            <a:schemeClr val="accent1"/>
+          </a:effectRef>
+          <a:fontRef idx="minor">
+            <a:schemeClr val="tx1"/>
+          </a:fontRef>
+        </p:style>
+      </p:cxnSp>
+      <p:sp>
+        <p:nvSpPr>
+          <p:cNvPr id="51" name="TextBox 50">
+            <a:extLst>
+              <a:ext uri="{FF2B5EF4-FFF2-40B4-BE49-F238E27FC236}">
+                <a16:creationId xmlns:a16="http://schemas.microsoft.com/office/drawing/2014/main" id="{896CCADD-15BF-44B9-AA7F-FF240900B117}"/>
+              </a:ext>
+            </a:extLst>
+          </p:cNvPr>
+          <p:cNvSpPr txBox="1"/>
+          <p:nvPr/>
+        </p:nvSpPr>
+        <p:spPr>
+          <a:xfrm>
+            <a:off x="9698485" y="5583195"/>
+            <a:ext cx="1579824" cy="276999"/>
+          </a:xfrm>
+          <a:prstGeom prst="rect">
+            <a:avLst/>
+          </a:prstGeom>
+          <a:noFill/>
+        </p:spPr>
+        <p:txBody>
+          <a:bodyPr wrap="square" rtlCol="0">
+            <a:spAutoFit/>
+          </a:bodyPr>
+          <a:lstStyle/>
+          <a:p>
+            <a:r>
+              <a:rPr lang="en-US" sz="1200" dirty="0"/>
+              <a:t>User zooms or drags</a:t>
+            </a:r>
+          </a:p>
+        </p:txBody>
+      </p:sp>
+      <p:sp>
+        <p:nvSpPr>
+          <p:cNvPr id="53" name="TextBox 52">
+            <a:extLst>
+              <a:ext uri="{FF2B5EF4-FFF2-40B4-BE49-F238E27FC236}">
+                <a16:creationId xmlns:a16="http://schemas.microsoft.com/office/drawing/2014/main" id="{5DC676CF-D252-49C7-B379-F1A0CFFCA509}"/>
+              </a:ext>
+            </a:extLst>
+          </p:cNvPr>
+          <p:cNvSpPr txBox="1"/>
+          <p:nvPr/>
+        </p:nvSpPr>
+        <p:spPr>
+          <a:xfrm>
+            <a:off x="9887893" y="5872847"/>
+            <a:ext cx="1579824" cy="276999"/>
+          </a:xfrm>
+          <a:prstGeom prst="rect">
+            <a:avLst/>
+          </a:prstGeom>
+          <a:noFill/>
+        </p:spPr>
+        <p:txBody>
+          <a:bodyPr wrap="square" rtlCol="0">
+            <a:spAutoFit/>
+          </a:bodyPr>
+          <a:lstStyle/>
+          <a:p>
+            <a:r>
+              <a:rPr lang="en-US" sz="1200" dirty="0"/>
+              <a:t>App updates display</a:t>
+            </a:r>
+          </a:p>
+        </p:txBody>
+      </p:sp>
+      <p:sp>
+        <p:nvSpPr>
+          <p:cNvPr id="66" name="Rectangle 65">
+            <a:extLst>
+              <a:ext uri="{FF2B5EF4-FFF2-40B4-BE49-F238E27FC236}">
+                <a16:creationId xmlns:a16="http://schemas.microsoft.com/office/drawing/2014/main" id="{1D4E84B8-9164-433C-BD01-F52D5FAEF7F7}"/>
+              </a:ext>
+            </a:extLst>
+          </p:cNvPr>
+          <p:cNvSpPr/>
+          <p:nvPr/>
+        </p:nvSpPr>
+        <p:spPr>
+          <a:xfrm flipH="1">
+            <a:off x="9508376" y="5395821"/>
+            <a:ext cx="2720955" cy="1482745"/>
+          </a:xfrm>
+          <a:prstGeom prst="rect">
+            <a:avLst/>
+          </a:prstGeom>
+          <a:noFill/>
+        </p:spPr>
+        <p:style>
+          <a:lnRef idx="2">
+            <a:schemeClr val="accent1">
+              <a:shade val="50000"/>
+            </a:schemeClr>
+          </a:lnRef>
+          <a:fillRef idx="1">
+            <a:schemeClr val="accent1"/>
+          </a:fillRef>
+          <a:effectRef idx="0">
+            <a:schemeClr val="accent1"/>
+          </a:effectRef>
+          <a:fontRef idx="minor">
+            <a:schemeClr val="lt1"/>
+          </a:fontRef>
+        </p:style>
+        <p:txBody>
+          <a:bodyPr rtlCol="0" anchor="ctr"/>
+          <a:lstStyle/>
+          <a:p>
+            <a:pPr algn="ctr"/>
+            <a:endParaRPr lang="en-US"/>
+          </a:p>
+        </p:txBody>
+      </p:sp>
+      <p:cxnSp>
+        <p:nvCxnSpPr>
+          <p:cNvPr id="67" name="Connector: Elbow 66">
+            <a:extLst>
+              <a:ext uri="{FF2B5EF4-FFF2-40B4-BE49-F238E27FC236}">
+                <a16:creationId xmlns:a16="http://schemas.microsoft.com/office/drawing/2014/main" id="{F1C65818-895E-46E0-9E50-F6BDC78526D7}"/>
+              </a:ext>
+            </a:extLst>
+          </p:cNvPr>
+          <p:cNvCxnSpPr>
+            <a:cxnSpLocks/>
+            <a:stCxn id="66" idx="2"/>
+            <a:endCxn id="66" idx="1"/>
+          </p:cNvCxnSpPr>
+          <p:nvPr/>
+        </p:nvCxnSpPr>
+        <p:spPr>
+          <a:xfrm rot="5400000" flipH="1" flipV="1">
+            <a:off x="11178406" y="5827641"/>
+            <a:ext cx="741372" cy="1360478"/>
+          </a:xfrm>
+          <a:prstGeom prst="bentConnector4">
+            <a:avLst>
+              <a:gd name="adj1" fmla="val -30835"/>
+              <a:gd name="adj2" fmla="val 116803"/>
+            </a:avLst>
+          </a:prstGeom>
+          <a:ln>
+            <a:tailEnd type="triangle"/>
+          </a:ln>
+        </p:spPr>
+        <p:style>
+          <a:lnRef idx="1">
+            <a:schemeClr val="accent1"/>
+          </a:lnRef>
+          <a:fillRef idx="0">
+            <a:schemeClr val="accent1"/>
+          </a:fillRef>
+          <a:effectRef idx="0">
+            <a:schemeClr val="accent1"/>
+          </a:effectRef>
+          <a:fontRef idx="minor">
+            <a:schemeClr val="tx1"/>
+          </a:fontRef>
+        </p:style>
+      </p:cxnSp>
+      <p:sp>
+        <p:nvSpPr>
+          <p:cNvPr id="68" name="TextBox 67">
+            <a:extLst>
+              <a:ext uri="{FF2B5EF4-FFF2-40B4-BE49-F238E27FC236}">
+                <a16:creationId xmlns:a16="http://schemas.microsoft.com/office/drawing/2014/main" id="{F3A49ABB-8240-4235-85BF-53FDBFDA3A2B}"/>
+              </a:ext>
+            </a:extLst>
+          </p:cNvPr>
+          <p:cNvSpPr txBox="1"/>
+          <p:nvPr/>
+        </p:nvSpPr>
+        <p:spPr>
+          <a:xfrm>
+            <a:off x="10041206" y="6167410"/>
+            <a:ext cx="1961207" cy="646331"/>
+          </a:xfrm>
+          <a:prstGeom prst="rect">
+            <a:avLst/>
+          </a:prstGeom>
+          <a:noFill/>
+        </p:spPr>
+        <p:txBody>
+          <a:bodyPr wrap="square" rtlCol="0">
+            <a:spAutoFit/>
+          </a:bodyPr>
+          <a:lstStyle/>
+          <a:p>
+            <a:r>
+              <a:rPr lang="en-US" sz="1200" dirty="0"/>
+              <a:t>Map Display</a:t>
+            </a:r>
+          </a:p>
+          <a:p>
+            <a:r>
+              <a:rPr lang="en-US" sz="1200" dirty="0"/>
+              <a:t>Current </a:t>
+            </a:r>
+            <a:r>
+              <a:rPr lang="en-US" sz="1200" dirty="0" err="1"/>
+              <a:t>PositionWIDGET</a:t>
+            </a:r>
+            <a:endParaRPr lang="en-US" sz="1200" dirty="0"/>
+          </a:p>
+          <a:p>
+            <a:r>
+              <a:rPr lang="en-US" sz="1200" dirty="0"/>
+              <a:t>Track Plot</a:t>
+            </a:r>
+          </a:p>
+        </p:txBody>
+      </p:sp>
+      <p:sp>
+        <p:nvSpPr>
+          <p:cNvPr id="69" name="TextBox 68">
+            <a:extLst>
+              <a:ext uri="{FF2B5EF4-FFF2-40B4-BE49-F238E27FC236}">
+                <a16:creationId xmlns:a16="http://schemas.microsoft.com/office/drawing/2014/main" id="{3D538EA4-1716-421D-83B0-D434EFFC75AD}"/>
+              </a:ext>
+            </a:extLst>
+          </p:cNvPr>
+          <p:cNvSpPr txBox="1"/>
+          <p:nvPr/>
+        </p:nvSpPr>
+        <p:spPr>
+          <a:xfrm>
+            <a:off x="2929477" y="11050723"/>
+            <a:ext cx="1431408" cy="646331"/>
+          </a:xfrm>
+          <a:prstGeom prst="rect">
+            <a:avLst/>
+          </a:prstGeom>
+          <a:noFill/>
+        </p:spPr>
+        <p:txBody>
+          <a:bodyPr wrap="square" rtlCol="0">
+            <a:spAutoFit/>
+          </a:bodyPr>
+          <a:lstStyle/>
+          <a:p>
+            <a:r>
+              <a:rPr lang="en-US" sz="1200" dirty="0"/>
+              <a:t>END:</a:t>
+            </a:r>
+          </a:p>
+          <a:p>
+            <a:r>
+              <a:rPr lang="en-US" sz="1200" dirty="0"/>
+              <a:t>app closes</a:t>
+            </a:r>
+          </a:p>
+          <a:p>
+            <a:r>
+              <a:rPr lang="en-US" sz="1200" dirty="0"/>
+              <a:t>Plot is lost</a:t>
+            </a:r>
+          </a:p>
+        </p:txBody>
+      </p:sp>
+      <p:sp>
+        <p:nvSpPr>
+          <p:cNvPr id="70" name="TextBox 69">
+            <a:extLst>
+              <a:ext uri="{FF2B5EF4-FFF2-40B4-BE49-F238E27FC236}">
+                <a16:creationId xmlns:a16="http://schemas.microsoft.com/office/drawing/2014/main" id="{24579913-66A6-480D-A24F-9905ACC7CBA3}"/>
+              </a:ext>
+            </a:extLst>
+          </p:cNvPr>
+          <p:cNvSpPr txBox="1"/>
+          <p:nvPr/>
+        </p:nvSpPr>
+        <p:spPr>
+          <a:xfrm>
+            <a:off x="5177870" y="9255003"/>
+            <a:ext cx="1932951" cy="461665"/>
+          </a:xfrm>
+          <a:prstGeom prst="rect">
+            <a:avLst/>
+          </a:prstGeom>
+          <a:noFill/>
+        </p:spPr>
+        <p:txBody>
+          <a:bodyPr wrap="square" rtlCol="0">
+            <a:spAutoFit/>
+          </a:bodyPr>
+          <a:lstStyle/>
+          <a:p>
+            <a:r>
+              <a:rPr lang="en-US" sz="1200" dirty="0"/>
+              <a:t>RELOAD: </a:t>
+            </a:r>
+          </a:p>
+          <a:p>
+            <a:r>
+              <a:rPr lang="en-US" sz="1200" dirty="0"/>
+              <a:t>App goes to Load Map</a:t>
+            </a:r>
+          </a:p>
+        </p:txBody>
+      </p:sp>
+      <p:cxnSp>
+        <p:nvCxnSpPr>
+          <p:cNvPr id="15" name="Connector: Elbow 14">
+            <a:extLst>
+              <a:ext uri="{FF2B5EF4-FFF2-40B4-BE49-F238E27FC236}">
+                <a16:creationId xmlns:a16="http://schemas.microsoft.com/office/drawing/2014/main" id="{0BB9D150-9111-43FC-8315-F70B8AE118EB}"/>
+              </a:ext>
+            </a:extLst>
+          </p:cNvPr>
+          <p:cNvCxnSpPr>
+            <a:cxnSpLocks/>
+            <a:stCxn id="22" idx="2"/>
+            <a:endCxn id="16" idx="1"/>
+          </p:cNvCxnSpPr>
+          <p:nvPr/>
+        </p:nvCxnSpPr>
+        <p:spPr>
+          <a:xfrm rot="5400000" flipH="1">
+            <a:off x="-639554" y="3027933"/>
+            <a:ext cx="7888542" cy="5604112"/>
+          </a:xfrm>
+          <a:prstGeom prst="bentConnector4">
+            <a:avLst>
+              <a:gd name="adj1" fmla="val -2898"/>
+              <a:gd name="adj2" fmla="val 104079"/>
+            </a:avLst>
+          </a:prstGeom>
+          <a:ln>
+            <a:tailEnd type="triangle"/>
+          </a:ln>
+        </p:spPr>
+        <p:style>
+          <a:lnRef idx="1">
+            <a:schemeClr val="accent1"/>
+          </a:lnRef>
+          <a:fillRef idx="0">
+            <a:schemeClr val="accent1"/>
+          </a:fillRef>
+          <a:effectRef idx="0">
+            <a:schemeClr val="accent1"/>
+          </a:effectRef>
+          <a:fontRef idx="minor">
+            <a:schemeClr val="tx1"/>
+          </a:fontRef>
+        </p:style>
+      </p:cxnSp>
+      <p:sp>
+        <p:nvSpPr>
+          <p:cNvPr id="16" name="Rectangle 15">
+            <a:extLst>
+              <a:ext uri="{FF2B5EF4-FFF2-40B4-BE49-F238E27FC236}">
+                <a16:creationId xmlns:a16="http://schemas.microsoft.com/office/drawing/2014/main" id="{956068C7-416D-42B2-8900-2DB5A3999714}"/>
+              </a:ext>
+            </a:extLst>
+          </p:cNvPr>
+          <p:cNvSpPr/>
+          <p:nvPr/>
+        </p:nvSpPr>
+        <p:spPr>
+          <a:xfrm>
+            <a:off x="502661" y="1645211"/>
+            <a:ext cx="2647950" cy="481013"/>
+          </a:xfrm>
+          <a:prstGeom prst="rect">
+            <a:avLst/>
+          </a:prstGeom>
+          <a:noFill/>
+        </p:spPr>
+        <p:style>
+          <a:lnRef idx="2">
+            <a:schemeClr val="accent1">
+              <a:shade val="50000"/>
+            </a:schemeClr>
+          </a:lnRef>
+          <a:fillRef idx="1">
+            <a:schemeClr val="accent1"/>
+          </a:fillRef>
+          <a:effectRef idx="0">
+            <a:schemeClr val="accent1"/>
+          </a:effectRef>
+          <a:fontRef idx="minor">
+            <a:schemeClr val="lt1"/>
+          </a:fontRef>
+        </p:style>
+        <p:txBody>
+          <a:bodyPr rtlCol="0" anchor="ctr"/>
+          <a:lstStyle/>
+          <a:p>
+            <a:pPr algn="ctr"/>
+            <a:endParaRPr lang="en-US"/>
+          </a:p>
+        </p:txBody>
+      </p:sp>
+      <p:sp>
+        <p:nvSpPr>
+          <p:cNvPr id="22" name="Rectangle 21">
+            <a:extLst>
+              <a:ext uri="{FF2B5EF4-FFF2-40B4-BE49-F238E27FC236}">
+                <a16:creationId xmlns:a16="http://schemas.microsoft.com/office/drawing/2014/main" id="{E0608456-E120-44D0-B0B9-64A6118C7CCF}"/>
+              </a:ext>
+            </a:extLst>
+          </p:cNvPr>
+          <p:cNvSpPr/>
+          <p:nvPr/>
+        </p:nvSpPr>
+        <p:spPr>
+          <a:xfrm>
+            <a:off x="5102725" y="9221565"/>
+            <a:ext cx="2008096" cy="552695"/>
+          </a:xfrm>
+          <a:prstGeom prst="rect">
+            <a:avLst/>
+          </a:prstGeom>
+          <a:noFill/>
+        </p:spPr>
+        <p:style>
+          <a:lnRef idx="2">
+            <a:schemeClr val="accent1">
+              <a:shade val="50000"/>
+            </a:schemeClr>
+          </a:lnRef>
+          <a:fillRef idx="1">
+            <a:schemeClr val="accent1"/>
+          </a:fillRef>
+          <a:effectRef idx="0">
+            <a:schemeClr val="accent1"/>
+          </a:effectRef>
+          <a:fontRef idx="minor">
+            <a:schemeClr val="lt1"/>
+          </a:fontRef>
+        </p:style>
+        <p:txBody>
+          <a:bodyPr rtlCol="0" anchor="ctr"/>
+          <a:lstStyle/>
+          <a:p>
+            <a:pPr algn="ctr"/>
+            <a:endParaRPr lang="en-US"/>
+          </a:p>
+        </p:txBody>
+      </p:sp>
+      <p:cxnSp>
+        <p:nvCxnSpPr>
+          <p:cNvPr id="78" name="Connector: Elbow 77">
+            <a:extLst>
+              <a:ext uri="{FF2B5EF4-FFF2-40B4-BE49-F238E27FC236}">
+                <a16:creationId xmlns:a16="http://schemas.microsoft.com/office/drawing/2014/main" id="{74791F58-6EB7-4B6B-BE36-6D44A06DD8B9}"/>
+              </a:ext>
+            </a:extLst>
+          </p:cNvPr>
+          <p:cNvCxnSpPr>
+            <a:cxnSpLocks/>
+            <a:stCxn id="62" idx="3"/>
+          </p:cNvCxnSpPr>
+          <p:nvPr/>
+        </p:nvCxnSpPr>
+        <p:spPr>
+          <a:xfrm flipH="1" flipV="1">
+            <a:off x="5972175" y="7490162"/>
+            <a:ext cx="175440" cy="987552"/>
+          </a:xfrm>
+          <a:prstGeom prst="bentConnector4">
+            <a:avLst>
+              <a:gd name="adj1" fmla="val -130301"/>
+              <a:gd name="adj2" fmla="val 100135"/>
+            </a:avLst>
+          </a:prstGeom>
+          <a:ln>
+            <a:tailEnd type="triangle"/>
+          </a:ln>
+        </p:spPr>
+        <p:style>
+          <a:lnRef idx="1">
+            <a:schemeClr val="accent1"/>
+          </a:lnRef>
+          <a:fillRef idx="0">
+            <a:schemeClr val="accent1"/>
+          </a:fillRef>
+          <a:effectRef idx="0">
+            <a:schemeClr val="accent1"/>
+          </a:effectRef>
+          <a:fontRef idx="minor">
+            <a:schemeClr val="tx1"/>
+          </a:fontRef>
+        </p:style>
+      </p:cxnSp>
+      <p:cxnSp>
+        <p:nvCxnSpPr>
+          <p:cNvPr id="86" name="Straight Arrow Connector 85">
+            <a:extLst>
+              <a:ext uri="{FF2B5EF4-FFF2-40B4-BE49-F238E27FC236}">
+                <a16:creationId xmlns:a16="http://schemas.microsoft.com/office/drawing/2014/main" id="{B578197B-4014-4076-937B-8943035FCF9C}"/>
+              </a:ext>
+            </a:extLst>
+          </p:cNvPr>
+          <p:cNvCxnSpPr>
+            <a:cxnSpLocks/>
+            <a:endCxn id="69" idx="0"/>
+          </p:cNvCxnSpPr>
+          <p:nvPr/>
+        </p:nvCxnSpPr>
+        <p:spPr>
+          <a:xfrm>
+            <a:off x="3645181" y="10246939"/>
+            <a:ext cx="0" cy="803784"/>
+          </a:xfrm>
+          <a:prstGeom prst="straightConnector1">
+            <a:avLst/>
+          </a:prstGeom>
+          <a:ln>
+            <a:tailEnd type="triangle"/>
+          </a:ln>
+        </p:spPr>
+        <p:style>
+          <a:lnRef idx="1">
+            <a:schemeClr val="accent1"/>
+          </a:lnRef>
+          <a:fillRef idx="0">
+            <a:schemeClr val="accent1"/>
+          </a:fillRef>
+          <a:effectRef idx="0">
+            <a:schemeClr val="accent1"/>
+          </a:effectRef>
+          <a:fontRef idx="minor">
+            <a:schemeClr val="tx1"/>
+          </a:fontRef>
+        </p:style>
+      </p:cxnSp>
+      <p:cxnSp>
+        <p:nvCxnSpPr>
+          <p:cNvPr id="90" name="Straight Arrow Connector 89">
+            <a:extLst>
+              <a:ext uri="{FF2B5EF4-FFF2-40B4-BE49-F238E27FC236}">
+                <a16:creationId xmlns:a16="http://schemas.microsoft.com/office/drawing/2014/main" id="{8E5481E4-3291-4EA3-8F4A-F19F5449931F}"/>
+              </a:ext>
+            </a:extLst>
+          </p:cNvPr>
+          <p:cNvCxnSpPr>
+            <a:cxnSpLocks/>
+            <a:stCxn id="59" idx="3"/>
+            <a:endCxn id="22" idx="1"/>
+          </p:cNvCxnSpPr>
+          <p:nvPr/>
+        </p:nvCxnSpPr>
+        <p:spPr>
+          <a:xfrm>
+            <a:off x="4722658" y="9497912"/>
+            <a:ext cx="380067" cy="1"/>
+          </a:xfrm>
+          <a:prstGeom prst="straightConnector1">
+            <a:avLst/>
+          </a:prstGeom>
+          <a:ln>
+            <a:tailEnd type="triangle"/>
+          </a:ln>
+        </p:spPr>
+        <p:style>
+          <a:lnRef idx="1">
+            <a:schemeClr val="accent1"/>
+          </a:lnRef>
+          <a:fillRef idx="0">
+            <a:schemeClr val="accent1"/>
+          </a:fillRef>
+          <a:effectRef idx="0">
+            <a:schemeClr val="accent1"/>
+          </a:effectRef>
+          <a:fontRef idx="minor">
+            <a:schemeClr val="tx1"/>
+          </a:fontRef>
+        </p:style>
+      </p:cxnSp>
+      <p:sp>
+        <p:nvSpPr>
+          <p:cNvPr id="96" name="TextBox 95">
+            <a:extLst>
+              <a:ext uri="{FF2B5EF4-FFF2-40B4-BE49-F238E27FC236}">
+                <a16:creationId xmlns:a16="http://schemas.microsoft.com/office/drawing/2014/main" id="{36BB7C93-BCEF-407E-B969-0CD44DAB93A6}"/>
+              </a:ext>
+            </a:extLst>
+          </p:cNvPr>
+          <p:cNvSpPr txBox="1"/>
+          <p:nvPr/>
+        </p:nvSpPr>
+        <p:spPr>
+          <a:xfrm>
+            <a:off x="7639098" y="9250575"/>
+            <a:ext cx="1375705" cy="461665"/>
+          </a:xfrm>
+          <a:prstGeom prst="rect">
+            <a:avLst/>
+          </a:prstGeom>
+          <a:noFill/>
+        </p:spPr>
+        <p:txBody>
+          <a:bodyPr wrap="square" rtlCol="0">
+            <a:spAutoFit/>
+          </a:bodyPr>
+          <a:lstStyle/>
+          <a:p>
+            <a:r>
+              <a:rPr lang="en-US" sz="1200" dirty="0"/>
+              <a:t>Getting North</a:t>
+            </a:r>
+          </a:p>
+          <a:p>
+            <a:r>
+              <a:rPr lang="en-US" sz="1200" dirty="0"/>
+              <a:t>stops</a:t>
+            </a:r>
+          </a:p>
+        </p:txBody>
+      </p:sp>
+      <p:sp>
+        <p:nvSpPr>
+          <p:cNvPr id="97" name="TextBox 96">
+            <a:extLst>
+              <a:ext uri="{FF2B5EF4-FFF2-40B4-BE49-F238E27FC236}">
+                <a16:creationId xmlns:a16="http://schemas.microsoft.com/office/drawing/2014/main" id="{A9F0D853-1484-488B-9523-9261BFEBEFB5}"/>
+              </a:ext>
+            </a:extLst>
+          </p:cNvPr>
+          <p:cNvSpPr txBox="1"/>
+          <p:nvPr/>
+        </p:nvSpPr>
+        <p:spPr>
+          <a:xfrm>
+            <a:off x="9902377" y="9221565"/>
+            <a:ext cx="1932951" cy="461665"/>
+          </a:xfrm>
+          <a:prstGeom prst="rect">
+            <a:avLst/>
+          </a:prstGeom>
+          <a:noFill/>
+        </p:spPr>
+        <p:txBody>
+          <a:bodyPr wrap="square" rtlCol="0">
+            <a:spAutoFit/>
+          </a:bodyPr>
+          <a:lstStyle/>
+          <a:p>
+            <a:r>
+              <a:rPr lang="en-US" sz="1200" dirty="0"/>
+              <a:t>Zooming and dragging</a:t>
+            </a:r>
+          </a:p>
+          <a:p>
+            <a:r>
+              <a:rPr lang="en-US" sz="1200" dirty="0" err="1"/>
+              <a:t>reinit</a:t>
+            </a:r>
+            <a:endParaRPr lang="en-US" sz="1200" dirty="0"/>
+          </a:p>
+        </p:txBody>
+      </p:sp>
+      <p:cxnSp>
+        <p:nvCxnSpPr>
+          <p:cNvPr id="99" name="Straight Arrow Connector 98">
+            <a:extLst>
+              <a:ext uri="{FF2B5EF4-FFF2-40B4-BE49-F238E27FC236}">
+                <a16:creationId xmlns:a16="http://schemas.microsoft.com/office/drawing/2014/main" id="{8F768047-0472-44CB-9A9D-B202A4B7D684}"/>
+              </a:ext>
+            </a:extLst>
+          </p:cNvPr>
+          <p:cNvCxnSpPr>
+            <a:stCxn id="52" idx="3"/>
+          </p:cNvCxnSpPr>
+          <p:nvPr/>
+        </p:nvCxnSpPr>
+        <p:spPr>
+          <a:xfrm flipV="1">
+            <a:off x="6592626" y="5751542"/>
+            <a:ext cx="877198" cy="1"/>
+          </a:xfrm>
+          <a:prstGeom prst="straightConnector1">
+            <a:avLst/>
+          </a:prstGeom>
+          <a:ln>
+            <a:tailEnd type="triangle"/>
+          </a:ln>
+        </p:spPr>
+        <p:style>
+          <a:lnRef idx="1">
+            <a:schemeClr val="accent1"/>
+          </a:lnRef>
+          <a:fillRef idx="0">
+            <a:schemeClr val="accent1"/>
+          </a:fillRef>
+          <a:effectRef idx="0">
+            <a:schemeClr val="accent1"/>
+          </a:effectRef>
+          <a:fontRef idx="minor">
+            <a:schemeClr val="tx1"/>
+          </a:fontRef>
+        </p:style>
+      </p:cxnSp>
+      <p:cxnSp>
+        <p:nvCxnSpPr>
+          <p:cNvPr id="102" name="Straight Connector 101">
+            <a:extLst>
+              <a:ext uri="{FF2B5EF4-FFF2-40B4-BE49-F238E27FC236}">
+                <a16:creationId xmlns:a16="http://schemas.microsoft.com/office/drawing/2014/main" id="{762ABD5D-F334-4D26-9CB8-ADD1DCEDFE87}"/>
+              </a:ext>
+            </a:extLst>
+          </p:cNvPr>
+          <p:cNvCxnSpPr/>
+          <p:nvPr/>
+        </p:nvCxnSpPr>
+        <p:spPr>
+          <a:xfrm>
+            <a:off x="5972175" y="7268706"/>
+            <a:ext cx="0" cy="479850"/>
+          </a:xfrm>
+          <a:prstGeom prst="line">
+            <a:avLst/>
+          </a:prstGeom>
+        </p:spPr>
+        <p:style>
+          <a:lnRef idx="1">
+            <a:schemeClr val="accent1"/>
+          </a:lnRef>
+          <a:fillRef idx="0">
+            <a:schemeClr val="accent1"/>
+          </a:fillRef>
+          <a:effectRef idx="0">
+            <a:schemeClr val="accent1"/>
+          </a:effectRef>
+          <a:fontRef idx="minor">
+            <a:schemeClr val="tx1"/>
+          </a:fontRef>
+        </p:style>
+      </p:cxnSp>
     </p:spTree>
     <p:extLst>
       <p:ext uri="{BB962C8B-B14F-4D97-AF65-F5344CB8AC3E}">

--- a/info-plotting/FlowChart.pptx
+++ b/info-plotting/FlowChart.pptx
@@ -2973,10 +2973,10 @@
       </p:grpSpPr>
       <p:sp>
         <p:nvSpPr>
-          <p:cNvPr id="23" name="TextBox 22">
-            <a:extLst>
-              <a:ext uri="{FF2B5EF4-FFF2-40B4-BE49-F238E27FC236}">
-                <a16:creationId xmlns:a16="http://schemas.microsoft.com/office/drawing/2014/main" id="{9B02845D-6650-40E7-BA00-E293B2F87588}"/>
+          <p:cNvPr id="42" name="TextBox 41">
+            <a:extLst>
+              <a:ext uri="{FF2B5EF4-FFF2-40B4-BE49-F238E27FC236}">
+                <a16:creationId xmlns:a16="http://schemas.microsoft.com/office/drawing/2014/main" id="{4D3C06A1-ABDB-4DF5-96A6-7CA490F4E2E4}"/>
               </a:ext>
             </a:extLst>
           </p:cNvPr>
@@ -2985,8 +2985,8 @@
         </p:nvSpPr>
         <p:spPr>
           <a:xfrm>
-            <a:off x="625010" y="1685113"/>
-            <a:ext cx="1399742" cy="461665"/>
+            <a:off x="713315" y="4541155"/>
+            <a:ext cx="4121898" cy="461665"/>
           </a:xfrm>
           <a:prstGeom prst="rect">
             <a:avLst/>
@@ -3001,6 +3001,47 @@
           <a:p>
             <a:r>
               <a:rPr lang="en-US" sz="1200" dirty="0"/>
+              <a:t>POPUP3</a:t>
+            </a:r>
+          </a:p>
+          <a:p>
+            <a:r>
+              <a:rPr lang="en-US" sz="1200" dirty="0"/>
+              <a:t>Reference Distance, Scale, rotation angle, North mode (prompt)</a:t>
+            </a:r>
+          </a:p>
+        </p:txBody>
+      </p:sp>
+      <p:sp>
+        <p:nvSpPr>
+          <p:cNvPr id="23" name="TextBox 22">
+            <a:extLst>
+              <a:ext uri="{FF2B5EF4-FFF2-40B4-BE49-F238E27FC236}">
+                <a16:creationId xmlns:a16="http://schemas.microsoft.com/office/drawing/2014/main" id="{9B02845D-6650-40E7-BA00-E293B2F87588}"/>
+              </a:ext>
+            </a:extLst>
+          </p:cNvPr>
+          <p:cNvSpPr txBox="1"/>
+          <p:nvPr/>
+        </p:nvSpPr>
+        <p:spPr>
+          <a:xfrm>
+            <a:off x="625010" y="1685113"/>
+            <a:ext cx="1399742" cy="461665"/>
+          </a:xfrm>
+          <a:prstGeom prst="rect">
+            <a:avLst/>
+          </a:prstGeom>
+          <a:noFill/>
+        </p:spPr>
+        <p:txBody>
+          <a:bodyPr wrap="none" rtlCol="0">
+            <a:spAutoFit/>
+          </a:bodyPr>
+          <a:lstStyle/>
+          <a:p>
+            <a:r>
+              <a:rPr lang="en-US" sz="1200" dirty="0"/>
               <a:t>POPUP1</a:t>
             </a:r>
           </a:p>
@@ -3140,7 +3181,7 @@
         <p:spPr>
           <a:xfrm>
             <a:off x="739928" y="2945579"/>
-            <a:ext cx="1217321" cy="461665"/>
+            <a:ext cx="2661819" cy="461665"/>
           </a:xfrm>
           <a:prstGeom prst="rect">
             <a:avLst/>
@@ -3161,7 +3202,7 @@
           <a:p>
             <a:r>
               <a:rPr lang="en-US" sz="1200" dirty="0"/>
-              <a:t>Point 1 (prompt)</a:t>
+              <a:t>Point 1 Latitude and longitude (prompt)</a:t>
             </a:r>
           </a:p>
         </p:txBody>
@@ -3395,7 +3436,7 @@
         </p:nvSpPr>
         <p:spPr>
           <a:xfrm>
-            <a:off x="2282362" y="3766770"/>
+            <a:off x="2282362" y="3721050"/>
             <a:ext cx="2471559" cy="276999"/>
           </a:xfrm>
           <a:prstGeom prst="rect">
@@ -3439,7 +3480,7 @@
         <p:spPr>
           <a:xfrm>
             <a:off x="701450" y="3721764"/>
-            <a:ext cx="1217321" cy="461665"/>
+            <a:ext cx="2661819" cy="461665"/>
           </a:xfrm>
           <a:prstGeom prst="rect">
             <a:avLst/>
@@ -3460,7 +3501,7 @@
           <a:p>
             <a:r>
               <a:rPr lang="en-US" sz="1200" dirty="0"/>
-              <a:t>Point 2 (prompt)</a:t>
+              <a:t>Point 2 Latitude and longitude (prompt)</a:t>
             </a:r>
           </a:p>
         </p:txBody>
@@ -3683,7 +3724,7 @@
         </p:nvSpPr>
         <p:spPr>
           <a:xfrm>
-            <a:off x="2282362" y="4624154"/>
+            <a:off x="2282362" y="4540334"/>
             <a:ext cx="2445605" cy="276999"/>
           </a:xfrm>
           <a:prstGeom prst="rect">
@@ -3708,47 +3749,6 @@
             <a:r>
               <a:rPr lang="en-US" sz="1200" dirty="0"/>
               <a:t> the prompt</a:t>
-            </a:r>
-          </a:p>
-        </p:txBody>
-      </p:sp>
-      <p:sp>
-        <p:nvSpPr>
-          <p:cNvPr id="42" name="TextBox 41">
-            <a:extLst>
-              <a:ext uri="{FF2B5EF4-FFF2-40B4-BE49-F238E27FC236}">
-                <a16:creationId xmlns:a16="http://schemas.microsoft.com/office/drawing/2014/main" id="{4D3C06A1-ABDB-4DF5-96A6-7CA490F4E2E4}"/>
-              </a:ext>
-            </a:extLst>
-          </p:cNvPr>
-          <p:cNvSpPr txBox="1"/>
-          <p:nvPr/>
-        </p:nvSpPr>
-        <p:spPr>
-          <a:xfrm>
-            <a:off x="713315" y="4541155"/>
-            <a:ext cx="1217321" cy="461665"/>
-          </a:xfrm>
-          <a:prstGeom prst="rect">
-            <a:avLst/>
-          </a:prstGeom>
-          <a:noFill/>
-        </p:spPr>
-        <p:txBody>
-          <a:bodyPr wrap="none" rtlCol="0">
-            <a:spAutoFit/>
-          </a:bodyPr>
-          <a:lstStyle/>
-          <a:p>
-            <a:r>
-              <a:rPr lang="en-US" sz="1200" dirty="0"/>
-              <a:t>POPUP3</a:t>
-            </a:r>
-          </a:p>
-          <a:p>
-            <a:r>
-              <a:rPr lang="en-US" sz="1200" dirty="0"/>
-              <a:t>Point 2 (prompt)</a:t>
             </a:r>
           </a:p>
         </p:txBody>
@@ -4310,7 +4310,7 @@
         </p:nvSpPr>
         <p:spPr>
           <a:xfrm>
-            <a:off x="7507026" y="5583196"/>
+            <a:off x="7570526" y="6390916"/>
             <a:ext cx="1579824" cy="276999"/>
           </a:xfrm>
           <a:prstGeom prst="rect">
@@ -4503,7 +4503,7 @@
         </p:nvSpPr>
         <p:spPr>
           <a:xfrm>
-            <a:off x="7699188" y="5860195"/>
+            <a:off x="7762688" y="6667915"/>
             <a:ext cx="1579824" cy="461665"/>
           </a:xfrm>
           <a:prstGeom prst="rect">
@@ -4538,8 +4538,8 @@
         </p:nvSpPr>
         <p:spPr>
           <a:xfrm flipH="1">
-            <a:off x="7469824" y="5412109"/>
-            <a:ext cx="1714255" cy="914400"/>
+            <a:off x="7555794" y="6326089"/>
+            <a:ext cx="1628285" cy="851301"/>
           </a:xfrm>
           <a:prstGeom prst="rect">
             <a:avLst/>
@@ -4589,13 +4589,13 @@
         </p:nvCxnSpPr>
         <p:spPr>
           <a:xfrm rot="5400000" flipH="1" flipV="1">
-            <a:off x="8526915" y="5669345"/>
-            <a:ext cx="457200" cy="857128"/>
+            <a:off x="8564182" y="6557493"/>
+            <a:ext cx="425650" cy="814143"/>
           </a:xfrm>
           <a:prstGeom prst="bentConnector4">
             <a:avLst>
-              <a:gd name="adj1" fmla="val -50000"/>
-              <a:gd name="adj2" fmla="val 126670"/>
+              <a:gd name="adj1" fmla="val -53706"/>
+              <a:gd name="adj2" fmla="val 128079"/>
             </a:avLst>
           </a:prstGeom>
           <a:ln>
@@ -4631,7 +4631,7 @@
         </p:nvSpPr>
         <p:spPr>
           <a:xfrm>
-            <a:off x="9698485" y="5583195"/>
+            <a:off x="9698485" y="6484895"/>
             <a:ext cx="1579824" cy="276999"/>
           </a:xfrm>
           <a:prstGeom prst="rect">
@@ -4666,7 +4666,7 @@
         </p:nvSpPr>
         <p:spPr>
           <a:xfrm>
-            <a:off x="9887893" y="5872847"/>
+            <a:off x="9887893" y="6774547"/>
             <a:ext cx="1579824" cy="276999"/>
           </a:xfrm>
           <a:prstGeom prst="rect">
@@ -4701,7 +4701,7 @@
         </p:nvSpPr>
         <p:spPr>
           <a:xfrm flipH="1">
-            <a:off x="9508376" y="5395821"/>
+            <a:off x="9508376" y="6297521"/>
             <a:ext cx="2720955" cy="1482745"/>
           </a:xfrm>
           <a:prstGeom prst="rect">
@@ -4752,7 +4752,7 @@
         </p:nvCxnSpPr>
         <p:spPr>
           <a:xfrm rot="5400000" flipH="1" flipV="1">
-            <a:off x="11178406" y="5827641"/>
+            <a:off x="11178406" y="6729341"/>
             <a:ext cx="741372" cy="1360478"/>
           </a:xfrm>
           <a:prstGeom prst="bentConnector4">
@@ -4794,7 +4794,7 @@
         </p:nvSpPr>
         <p:spPr>
           <a:xfrm>
-            <a:off x="10041206" y="6167410"/>
+            <a:off x="10041206" y="7069110"/>
             <a:ext cx="1961207" cy="646331"/>
           </a:xfrm>
           <a:prstGeom prst="rect">
@@ -5283,14 +5283,15 @@
             </a:extLst>
           </p:cNvPr>
           <p:cNvCxnSpPr>
-            <a:stCxn id="52" idx="3"/>
+            <a:cxnSpLocks/>
+            <a:endCxn id="3" idx="3"/>
           </p:cNvCxnSpPr>
           <p:nvPr/>
         </p:nvCxnSpPr>
         <p:spPr>
           <a:xfrm flipV="1">
-            <a:off x="6592626" y="5751542"/>
-            <a:ext cx="877198" cy="1"/>
+            <a:off x="7320187" y="6751740"/>
+            <a:ext cx="235607" cy="3792"/>
           </a:xfrm>
           <a:prstGeom prst="straightConnector1">
             <a:avLst/>
@@ -5334,6 +5335,597 @@
           <a:prstGeom prst="line">
             <a:avLst/>
           </a:prstGeom>
+        </p:spPr>
+        <p:style>
+          <a:lnRef idx="1">
+            <a:schemeClr val="accent1"/>
+          </a:lnRef>
+          <a:fillRef idx="0">
+            <a:schemeClr val="accent1"/>
+          </a:fillRef>
+          <a:effectRef idx="0">
+            <a:schemeClr val="accent1"/>
+          </a:effectRef>
+          <a:fontRef idx="minor">
+            <a:schemeClr val="tx1"/>
+          </a:fontRef>
+        </p:style>
+      </p:cxnSp>
+      <p:sp>
+        <p:nvSpPr>
+          <p:cNvPr id="106" name="TextBox 105">
+            <a:extLst>
+              <a:ext uri="{FF2B5EF4-FFF2-40B4-BE49-F238E27FC236}">
+                <a16:creationId xmlns:a16="http://schemas.microsoft.com/office/drawing/2014/main" id="{AC2AA987-EE3F-413D-ADD1-E93CEA0BD56B}"/>
+              </a:ext>
+            </a:extLst>
+          </p:cNvPr>
+          <p:cNvSpPr txBox="1"/>
+          <p:nvPr/>
+        </p:nvSpPr>
+        <p:spPr>
+          <a:xfrm>
+            <a:off x="10005118" y="3179550"/>
+            <a:ext cx="1579824" cy="276999"/>
+          </a:xfrm>
+          <a:prstGeom prst="rect">
+            <a:avLst/>
+          </a:prstGeom>
+          <a:noFill/>
+        </p:spPr>
+        <p:txBody>
+          <a:bodyPr wrap="square" rtlCol="0">
+            <a:spAutoFit/>
+          </a:bodyPr>
+          <a:lstStyle/>
+          <a:p>
+            <a:r>
+              <a:rPr lang="en-US" sz="1200" dirty="0"/>
+              <a:t>User zooms or drags</a:t>
+            </a:r>
+          </a:p>
+        </p:txBody>
+      </p:sp>
+      <p:sp>
+        <p:nvSpPr>
+          <p:cNvPr id="109" name="TextBox 108">
+            <a:extLst>
+              <a:ext uri="{FF2B5EF4-FFF2-40B4-BE49-F238E27FC236}">
+                <a16:creationId xmlns:a16="http://schemas.microsoft.com/office/drawing/2014/main" id="{BAC4DB99-D973-4B30-A0CE-5E6E1C9B4A46}"/>
+              </a:ext>
+            </a:extLst>
+          </p:cNvPr>
+          <p:cNvSpPr txBox="1"/>
+          <p:nvPr/>
+        </p:nvSpPr>
+        <p:spPr>
+          <a:xfrm>
+            <a:off x="7434753" y="2977845"/>
+            <a:ext cx="1579824" cy="276999"/>
+          </a:xfrm>
+          <a:prstGeom prst="rect">
+            <a:avLst/>
+          </a:prstGeom>
+          <a:noFill/>
+        </p:spPr>
+        <p:txBody>
+          <a:bodyPr wrap="square" rtlCol="0">
+            <a:spAutoFit/>
+          </a:bodyPr>
+          <a:lstStyle/>
+          <a:p>
+            <a:r>
+              <a:rPr lang="en-US" sz="1200" dirty="0"/>
+              <a:t>App sets REF_ZERO</a:t>
+            </a:r>
+          </a:p>
+        </p:txBody>
+      </p:sp>
+      <p:sp>
+        <p:nvSpPr>
+          <p:cNvPr id="112" name="TextBox 111">
+            <a:extLst>
+              <a:ext uri="{FF2B5EF4-FFF2-40B4-BE49-F238E27FC236}">
+                <a16:creationId xmlns:a16="http://schemas.microsoft.com/office/drawing/2014/main" id="{F0B2395D-56DB-4B3A-AC9D-D9BEA5B7676B}"/>
+              </a:ext>
+            </a:extLst>
+          </p:cNvPr>
+          <p:cNvSpPr txBox="1"/>
+          <p:nvPr/>
+        </p:nvSpPr>
+        <p:spPr>
+          <a:xfrm>
+            <a:off x="7434752" y="1712314"/>
+            <a:ext cx="2263721" cy="461665"/>
+          </a:xfrm>
+          <a:prstGeom prst="rect">
+            <a:avLst/>
+          </a:prstGeom>
+          <a:noFill/>
+        </p:spPr>
+        <p:txBody>
+          <a:bodyPr wrap="square" rtlCol="0">
+            <a:spAutoFit/>
+          </a:bodyPr>
+          <a:lstStyle/>
+          <a:p>
+            <a:r>
+              <a:rPr lang="en-US" sz="1200" dirty="0"/>
+              <a:t>App sets MAP_CANVAS_ZERO</a:t>
+            </a:r>
+          </a:p>
+          <a:p>
+            <a:r>
+              <a:rPr lang="en-US" sz="1200" dirty="0" err="1"/>
+              <a:t>inits</a:t>
+            </a:r>
+            <a:r>
+              <a:rPr lang="en-US" sz="1200" dirty="0"/>
+              <a:t> MOVES_CANVAS …</a:t>
+            </a:r>
+          </a:p>
+        </p:txBody>
+      </p:sp>
+      <p:sp>
+        <p:nvSpPr>
+          <p:cNvPr id="113" name="TextBox 112">
+            <a:extLst>
+              <a:ext uri="{FF2B5EF4-FFF2-40B4-BE49-F238E27FC236}">
+                <a16:creationId xmlns:a16="http://schemas.microsoft.com/office/drawing/2014/main" id="{4C924AF9-A6BE-4A2F-B956-0090404BE3D6}"/>
+              </a:ext>
+            </a:extLst>
+          </p:cNvPr>
+          <p:cNvSpPr txBox="1"/>
+          <p:nvPr/>
+        </p:nvSpPr>
+        <p:spPr>
+          <a:xfrm>
+            <a:off x="7430840" y="3252779"/>
+            <a:ext cx="1579824" cy="461665"/>
+          </a:xfrm>
+          <a:prstGeom prst="rect">
+            <a:avLst/>
+          </a:prstGeom>
+          <a:noFill/>
+        </p:spPr>
+        <p:txBody>
+          <a:bodyPr wrap="square" rtlCol="0">
+            <a:spAutoFit/>
+          </a:bodyPr>
+          <a:lstStyle/>
+          <a:p>
+            <a:r>
+              <a:rPr lang="en-US" sz="1200" dirty="0"/>
+              <a:t>App sets MOVES_CANVAS</a:t>
+            </a:r>
+          </a:p>
+        </p:txBody>
+      </p:sp>
+      <p:cxnSp>
+        <p:nvCxnSpPr>
+          <p:cNvPr id="115" name="Straight Connector 114">
+            <a:extLst>
+              <a:ext uri="{FF2B5EF4-FFF2-40B4-BE49-F238E27FC236}">
+                <a16:creationId xmlns:a16="http://schemas.microsoft.com/office/drawing/2014/main" id="{311179FF-E005-4BC7-A8AA-7CF3440EB88B}"/>
+              </a:ext>
+            </a:extLst>
+          </p:cNvPr>
+          <p:cNvCxnSpPr/>
+          <p:nvPr/>
+        </p:nvCxnSpPr>
+        <p:spPr>
+          <a:xfrm>
+            <a:off x="9010664" y="2941173"/>
+            <a:ext cx="0" cy="755021"/>
+          </a:xfrm>
+          <a:prstGeom prst="line">
+            <a:avLst/>
+          </a:prstGeom>
+        </p:spPr>
+        <p:style>
+          <a:lnRef idx="1">
+            <a:schemeClr val="accent1"/>
+          </a:lnRef>
+          <a:fillRef idx="0">
+            <a:schemeClr val="accent1"/>
+          </a:fillRef>
+          <a:effectRef idx="0">
+            <a:schemeClr val="accent1"/>
+          </a:effectRef>
+          <a:fontRef idx="minor">
+            <a:schemeClr val="tx1"/>
+          </a:fontRef>
+        </p:style>
+      </p:cxnSp>
+      <p:cxnSp>
+        <p:nvCxnSpPr>
+          <p:cNvPr id="117" name="Straight Arrow Connector 116">
+            <a:extLst>
+              <a:ext uri="{FF2B5EF4-FFF2-40B4-BE49-F238E27FC236}">
+                <a16:creationId xmlns:a16="http://schemas.microsoft.com/office/drawing/2014/main" id="{9DDFE566-6342-4DEB-A7B9-43040B13A6F3}"/>
+              </a:ext>
+            </a:extLst>
+          </p:cNvPr>
+          <p:cNvCxnSpPr>
+            <a:cxnSpLocks/>
+            <a:stCxn id="106" idx="1"/>
+          </p:cNvCxnSpPr>
+          <p:nvPr/>
+        </p:nvCxnSpPr>
+        <p:spPr>
+          <a:xfrm flipH="1">
+            <a:off x="9014577" y="3318050"/>
+            <a:ext cx="990541" cy="4710"/>
+          </a:xfrm>
+          <a:prstGeom prst="straightConnector1">
+            <a:avLst/>
+          </a:prstGeom>
+          <a:ln>
+            <a:tailEnd type="triangle"/>
+          </a:ln>
+        </p:spPr>
+        <p:style>
+          <a:lnRef idx="1">
+            <a:schemeClr val="accent1"/>
+          </a:lnRef>
+          <a:fillRef idx="0">
+            <a:schemeClr val="accent1"/>
+          </a:fillRef>
+          <a:effectRef idx="0">
+            <a:schemeClr val="accent1"/>
+          </a:effectRef>
+          <a:fontRef idx="minor">
+            <a:schemeClr val="tx1"/>
+          </a:fontRef>
+        </p:style>
+      </p:cxnSp>
+      <p:cxnSp>
+        <p:nvCxnSpPr>
+          <p:cNvPr id="120" name="Connector: Elbow 119">
+            <a:extLst>
+              <a:ext uri="{FF2B5EF4-FFF2-40B4-BE49-F238E27FC236}">
+                <a16:creationId xmlns:a16="http://schemas.microsoft.com/office/drawing/2014/main" id="{FAD006EF-FDF2-4168-9266-0DA5F69055A5}"/>
+              </a:ext>
+            </a:extLst>
+          </p:cNvPr>
+          <p:cNvCxnSpPr>
+            <a:stCxn id="39" idx="3"/>
+            <a:endCxn id="106" idx="3"/>
+          </p:cNvCxnSpPr>
+          <p:nvPr/>
+        </p:nvCxnSpPr>
+        <p:spPr>
+          <a:xfrm flipV="1">
+            <a:off x="6592626" y="3318050"/>
+            <a:ext cx="4992316" cy="16769"/>
+          </a:xfrm>
+          <a:prstGeom prst="bentConnector5">
+            <a:avLst>
+              <a:gd name="adj1" fmla="val 10264"/>
+              <a:gd name="adj2" fmla="val 6014491"/>
+              <a:gd name="adj3" fmla="val 104579"/>
+            </a:avLst>
+          </a:prstGeom>
+          <a:ln>
+            <a:tailEnd type="triangle"/>
+          </a:ln>
+        </p:spPr>
+        <p:style>
+          <a:lnRef idx="1">
+            <a:schemeClr val="accent1"/>
+          </a:lnRef>
+          <a:fillRef idx="0">
+            <a:schemeClr val="accent1"/>
+          </a:fillRef>
+          <a:effectRef idx="0">
+            <a:schemeClr val="accent1"/>
+          </a:effectRef>
+          <a:fontRef idx="minor">
+            <a:schemeClr val="tx1"/>
+          </a:fontRef>
+        </p:style>
+      </p:cxnSp>
+      <p:sp>
+        <p:nvSpPr>
+          <p:cNvPr id="123" name="TextBox 122">
+            <a:extLst>
+              <a:ext uri="{FF2B5EF4-FFF2-40B4-BE49-F238E27FC236}">
+                <a16:creationId xmlns:a16="http://schemas.microsoft.com/office/drawing/2014/main" id="{DF29168E-CD43-4410-BEB5-3925D08007D7}"/>
+              </a:ext>
+            </a:extLst>
+          </p:cNvPr>
+          <p:cNvSpPr txBox="1"/>
+          <p:nvPr/>
+        </p:nvSpPr>
+        <p:spPr>
+          <a:xfrm>
+            <a:off x="7398901" y="3789876"/>
+            <a:ext cx="1579824" cy="461665"/>
+          </a:xfrm>
+          <a:prstGeom prst="rect">
+            <a:avLst/>
+          </a:prstGeom>
+          <a:noFill/>
+        </p:spPr>
+        <p:txBody>
+          <a:bodyPr wrap="square" rtlCol="0">
+            <a:spAutoFit/>
+          </a:bodyPr>
+          <a:lstStyle/>
+          <a:p>
+            <a:r>
+              <a:rPr lang="en-US" sz="1200" dirty="0"/>
+              <a:t>App updates MOVES_CANVAS</a:t>
+            </a:r>
+          </a:p>
+        </p:txBody>
+      </p:sp>
+      <p:sp>
+        <p:nvSpPr>
+          <p:cNvPr id="124" name="TextBox 123">
+            <a:extLst>
+              <a:ext uri="{FF2B5EF4-FFF2-40B4-BE49-F238E27FC236}">
+                <a16:creationId xmlns:a16="http://schemas.microsoft.com/office/drawing/2014/main" id="{AE34D609-54A6-4886-AB04-1EDBD883D8AA}"/>
+              </a:ext>
+            </a:extLst>
+          </p:cNvPr>
+          <p:cNvSpPr txBox="1"/>
+          <p:nvPr/>
+        </p:nvSpPr>
+        <p:spPr>
+          <a:xfrm>
+            <a:off x="7410239" y="4218932"/>
+            <a:ext cx="1579824" cy="276999"/>
+          </a:xfrm>
+          <a:prstGeom prst="rect">
+            <a:avLst/>
+          </a:prstGeom>
+          <a:noFill/>
+        </p:spPr>
+        <p:txBody>
+          <a:bodyPr wrap="square" rtlCol="0">
+            <a:spAutoFit/>
+          </a:bodyPr>
+          <a:lstStyle/>
+          <a:p>
+            <a:r>
+              <a:rPr lang="en-US" sz="1200" dirty="0"/>
+              <a:t>App sets REF_MOVES</a:t>
+            </a:r>
+          </a:p>
+        </p:txBody>
+      </p:sp>
+      <p:sp>
+        <p:nvSpPr>
+          <p:cNvPr id="125" name="TextBox 124">
+            <a:extLst>
+              <a:ext uri="{FF2B5EF4-FFF2-40B4-BE49-F238E27FC236}">
+                <a16:creationId xmlns:a16="http://schemas.microsoft.com/office/drawing/2014/main" id="{9599AEA4-BDCC-4CCE-A6A8-5AC027748E0B}"/>
+              </a:ext>
+            </a:extLst>
+          </p:cNvPr>
+          <p:cNvSpPr txBox="1"/>
+          <p:nvPr/>
+        </p:nvSpPr>
+        <p:spPr>
+          <a:xfrm>
+            <a:off x="10021456" y="3994220"/>
+            <a:ext cx="1579824" cy="276999"/>
+          </a:xfrm>
+          <a:prstGeom prst="rect">
+            <a:avLst/>
+          </a:prstGeom>
+          <a:noFill/>
+        </p:spPr>
+        <p:txBody>
+          <a:bodyPr wrap="square" rtlCol="0">
+            <a:spAutoFit/>
+          </a:bodyPr>
+          <a:lstStyle/>
+          <a:p>
+            <a:r>
+              <a:rPr lang="en-US" sz="1200" dirty="0"/>
+              <a:t>User zooms or drags</a:t>
+            </a:r>
+          </a:p>
+        </p:txBody>
+      </p:sp>
+      <p:cxnSp>
+        <p:nvCxnSpPr>
+          <p:cNvPr id="126" name="Straight Connector 125">
+            <a:extLst>
+              <a:ext uri="{FF2B5EF4-FFF2-40B4-BE49-F238E27FC236}">
+                <a16:creationId xmlns:a16="http://schemas.microsoft.com/office/drawing/2014/main" id="{EC4CC67F-E272-4FDA-82AF-70CB116D1CF8}"/>
+              </a:ext>
+            </a:extLst>
+          </p:cNvPr>
+          <p:cNvCxnSpPr>
+            <a:cxnSpLocks/>
+            <a:stCxn id="124" idx="3"/>
+          </p:cNvCxnSpPr>
+          <p:nvPr/>
+        </p:nvCxnSpPr>
+        <p:spPr>
+          <a:xfrm flipV="1">
+            <a:off x="8990063" y="3859549"/>
+            <a:ext cx="0" cy="497883"/>
+          </a:xfrm>
+          <a:prstGeom prst="line">
+            <a:avLst/>
+          </a:prstGeom>
+        </p:spPr>
+        <p:style>
+          <a:lnRef idx="1">
+            <a:schemeClr val="accent1"/>
+          </a:lnRef>
+          <a:fillRef idx="0">
+            <a:schemeClr val="accent1"/>
+          </a:fillRef>
+          <a:effectRef idx="0">
+            <a:schemeClr val="accent1"/>
+          </a:effectRef>
+          <a:fontRef idx="minor">
+            <a:schemeClr val="tx1"/>
+          </a:fontRef>
+        </p:style>
+      </p:cxnSp>
+      <p:cxnSp>
+        <p:nvCxnSpPr>
+          <p:cNvPr id="127" name="Straight Arrow Connector 126">
+            <a:extLst>
+              <a:ext uri="{FF2B5EF4-FFF2-40B4-BE49-F238E27FC236}">
+                <a16:creationId xmlns:a16="http://schemas.microsoft.com/office/drawing/2014/main" id="{307D66CC-94F5-439C-912B-A74EC8197E1A}"/>
+              </a:ext>
+            </a:extLst>
+          </p:cNvPr>
+          <p:cNvCxnSpPr>
+            <a:cxnSpLocks/>
+          </p:cNvCxnSpPr>
+          <p:nvPr/>
+        </p:nvCxnSpPr>
+        <p:spPr>
+          <a:xfrm flipH="1">
+            <a:off x="9014577" y="4132720"/>
+            <a:ext cx="990541" cy="4710"/>
+          </a:xfrm>
+          <a:prstGeom prst="straightConnector1">
+            <a:avLst/>
+          </a:prstGeom>
+          <a:ln>
+            <a:tailEnd type="triangle"/>
+          </a:ln>
+        </p:spPr>
+        <p:style>
+          <a:lnRef idx="1">
+            <a:schemeClr val="accent1"/>
+          </a:lnRef>
+          <a:fillRef idx="0">
+            <a:schemeClr val="accent1"/>
+          </a:fillRef>
+          <a:effectRef idx="0">
+            <a:schemeClr val="accent1"/>
+          </a:effectRef>
+          <a:fontRef idx="minor">
+            <a:schemeClr val="tx1"/>
+          </a:fontRef>
+        </p:style>
+      </p:cxnSp>
+      <p:cxnSp>
+        <p:nvCxnSpPr>
+          <p:cNvPr id="128" name="Connector: Elbow 127">
+            <a:extLst>
+              <a:ext uri="{FF2B5EF4-FFF2-40B4-BE49-F238E27FC236}">
+                <a16:creationId xmlns:a16="http://schemas.microsoft.com/office/drawing/2014/main" id="{44411B18-10F5-4A55-BAFB-A179A1539EDA}"/>
+              </a:ext>
+            </a:extLst>
+          </p:cNvPr>
+          <p:cNvCxnSpPr>
+            <a:cxnSpLocks/>
+            <a:endCxn id="125" idx="3"/>
+          </p:cNvCxnSpPr>
+          <p:nvPr/>
+        </p:nvCxnSpPr>
+        <p:spPr>
+          <a:xfrm>
+            <a:off x="6592626" y="4108931"/>
+            <a:ext cx="5008654" cy="23789"/>
+          </a:xfrm>
+          <a:prstGeom prst="bentConnector5">
+            <a:avLst>
+              <a:gd name="adj1" fmla="val 9887"/>
+              <a:gd name="adj2" fmla="val -1613401"/>
+              <a:gd name="adj3" fmla="val 104564"/>
+            </a:avLst>
+          </a:prstGeom>
+          <a:ln>
+            <a:tailEnd type="triangle"/>
+          </a:ln>
+        </p:spPr>
+        <p:style>
+          <a:lnRef idx="1">
+            <a:schemeClr val="accent1"/>
+          </a:lnRef>
+          <a:fillRef idx="0">
+            <a:schemeClr val="accent1"/>
+          </a:fillRef>
+          <a:effectRef idx="0">
+            <a:schemeClr val="accent1"/>
+          </a:effectRef>
+          <a:fontRef idx="minor">
+            <a:schemeClr val="tx1"/>
+          </a:fontRef>
+        </p:style>
+      </p:cxnSp>
+      <p:cxnSp>
+        <p:nvCxnSpPr>
+          <p:cNvPr id="149" name="Connector: Elbow 148">
+            <a:extLst>
+              <a:ext uri="{FF2B5EF4-FFF2-40B4-BE49-F238E27FC236}">
+                <a16:creationId xmlns:a16="http://schemas.microsoft.com/office/drawing/2014/main" id="{4F695D58-EBA5-4105-9F68-477EC43A403C}"/>
+              </a:ext>
+            </a:extLst>
+          </p:cNvPr>
+          <p:cNvCxnSpPr>
+            <a:stCxn id="52" idx="2"/>
+            <a:endCxn id="56" idx="0"/>
+          </p:cNvCxnSpPr>
+          <p:nvPr/>
+        </p:nvCxnSpPr>
+        <p:spPr>
+          <a:xfrm rot="16200000" flipH="1">
+            <a:off x="3742883" y="6016176"/>
+            <a:ext cx="207806" cy="357405"/>
+          </a:xfrm>
+          <a:prstGeom prst="bentConnector3">
+            <a:avLst/>
+          </a:prstGeom>
+          <a:ln>
+            <a:tailEnd type="triangle"/>
+          </a:ln>
+        </p:spPr>
+        <p:style>
+          <a:lnRef idx="1">
+            <a:schemeClr val="accent1"/>
+          </a:lnRef>
+          <a:fillRef idx="0">
+            <a:schemeClr val="accent1"/>
+          </a:fillRef>
+          <a:effectRef idx="0">
+            <a:schemeClr val="accent1"/>
+          </a:effectRef>
+          <a:fontRef idx="minor">
+            <a:schemeClr val="tx1"/>
+          </a:fontRef>
+        </p:style>
+      </p:cxnSp>
+      <p:cxnSp>
+        <p:nvCxnSpPr>
+          <p:cNvPr id="151" name="Connector: Elbow 150">
+            <a:extLst>
+              <a:ext uri="{FF2B5EF4-FFF2-40B4-BE49-F238E27FC236}">
+                <a16:creationId xmlns:a16="http://schemas.microsoft.com/office/drawing/2014/main" id="{E6BD15B0-6FA3-4F49-A607-E0E1C66A8F18}"/>
+              </a:ext>
+            </a:extLst>
+          </p:cNvPr>
+          <p:cNvCxnSpPr>
+            <a:stCxn id="52" idx="2"/>
+            <a:endCxn id="3" idx="0"/>
+          </p:cNvCxnSpPr>
+          <p:nvPr/>
+        </p:nvCxnSpPr>
+        <p:spPr>
+          <a:xfrm rot="16200000" flipH="1">
+            <a:off x="5901454" y="3857606"/>
+            <a:ext cx="235113" cy="4701852"/>
+          </a:xfrm>
+          <a:prstGeom prst="bentConnector3">
+            <a:avLst>
+              <a:gd name="adj1" fmla="val 27313"/>
+            </a:avLst>
+          </a:prstGeom>
+          <a:ln>
+            <a:tailEnd type="triangle"/>
+          </a:ln>
         </p:spPr>
         <p:style>
           <a:lnRef idx="1">

--- a/info-plotting/FlowChart.pptx
+++ b/info-plotting/FlowChart.pptx
@@ -6,6 +6,7 @@
   </p:sldMasterIdLst>
   <p:sldIdLst>
     <p:sldId id="256" r:id="rId2"/>
+    <p:sldId id="257" r:id="rId3"/>
   </p:sldIdLst>
   <p:sldSz cx="12801600" cy="12801600"/>
   <p:notesSz cx="6858000" cy="9144000"/>
@@ -243,7 +244,7 @@
           <a:p>
             <a:fld id="{CC3FB59E-B561-4CF6-927F-5F946CB43DCE}" type="datetimeFigureOut">
               <a:rPr lang="en-US" smtClean="0"/>
-              <a:t>12/23/2024</a:t>
+              <a:t>12/30/2024</a:t>
             </a:fld>
             <a:endParaRPr lang="en-US"/>
           </a:p>
@@ -413,7 +414,7 @@
           <a:p>
             <a:fld id="{CC3FB59E-B561-4CF6-927F-5F946CB43DCE}" type="datetimeFigureOut">
               <a:rPr lang="en-US" smtClean="0"/>
-              <a:t>12/23/2024</a:t>
+              <a:t>12/30/2024</a:t>
             </a:fld>
             <a:endParaRPr lang="en-US"/>
           </a:p>
@@ -593,7 +594,7 @@
           <a:p>
             <a:fld id="{CC3FB59E-B561-4CF6-927F-5F946CB43DCE}" type="datetimeFigureOut">
               <a:rPr lang="en-US" smtClean="0"/>
-              <a:t>12/23/2024</a:t>
+              <a:t>12/30/2024</a:t>
             </a:fld>
             <a:endParaRPr lang="en-US"/>
           </a:p>
@@ -763,7 +764,7 @@
           <a:p>
             <a:fld id="{CC3FB59E-B561-4CF6-927F-5F946CB43DCE}" type="datetimeFigureOut">
               <a:rPr lang="en-US" smtClean="0"/>
-              <a:t>12/23/2024</a:t>
+              <a:t>12/30/2024</a:t>
             </a:fld>
             <a:endParaRPr lang="en-US"/>
           </a:p>
@@ -1007,7 +1008,7 @@
           <a:p>
             <a:fld id="{CC3FB59E-B561-4CF6-927F-5F946CB43DCE}" type="datetimeFigureOut">
               <a:rPr lang="en-US" smtClean="0"/>
-              <a:t>12/23/2024</a:t>
+              <a:t>12/30/2024</a:t>
             </a:fld>
             <a:endParaRPr lang="en-US"/>
           </a:p>
@@ -1239,7 +1240,7 @@
           <a:p>
             <a:fld id="{CC3FB59E-B561-4CF6-927F-5F946CB43DCE}" type="datetimeFigureOut">
               <a:rPr lang="en-US" smtClean="0"/>
-              <a:t>12/23/2024</a:t>
+              <a:t>12/30/2024</a:t>
             </a:fld>
             <a:endParaRPr lang="en-US"/>
           </a:p>
@@ -1606,7 +1607,7 @@
           <a:p>
             <a:fld id="{CC3FB59E-B561-4CF6-927F-5F946CB43DCE}" type="datetimeFigureOut">
               <a:rPr lang="en-US" smtClean="0"/>
-              <a:t>12/23/2024</a:t>
+              <a:t>12/30/2024</a:t>
             </a:fld>
             <a:endParaRPr lang="en-US"/>
           </a:p>
@@ -1724,7 +1725,7 @@
           <a:p>
             <a:fld id="{CC3FB59E-B561-4CF6-927F-5F946CB43DCE}" type="datetimeFigureOut">
               <a:rPr lang="en-US" smtClean="0"/>
-              <a:t>12/23/2024</a:t>
+              <a:t>12/30/2024</a:t>
             </a:fld>
             <a:endParaRPr lang="en-US"/>
           </a:p>
@@ -1819,7 +1820,7 @@
           <a:p>
             <a:fld id="{CC3FB59E-B561-4CF6-927F-5F946CB43DCE}" type="datetimeFigureOut">
               <a:rPr lang="en-US" smtClean="0"/>
-              <a:t>12/23/2024</a:t>
+              <a:t>12/30/2024</a:t>
             </a:fld>
             <a:endParaRPr lang="en-US"/>
           </a:p>
@@ -2096,7 +2097,7 @@
           <a:p>
             <a:fld id="{CC3FB59E-B561-4CF6-927F-5F946CB43DCE}" type="datetimeFigureOut">
               <a:rPr lang="en-US" smtClean="0"/>
-              <a:t>12/23/2024</a:t>
+              <a:t>12/30/2024</a:t>
             </a:fld>
             <a:endParaRPr lang="en-US"/>
           </a:p>
@@ -2353,7 +2354,7 @@
           <a:p>
             <a:fld id="{CC3FB59E-B561-4CF6-927F-5F946CB43DCE}" type="datetimeFigureOut">
               <a:rPr lang="en-US" smtClean="0"/>
-              <a:t>12/23/2024</a:t>
+              <a:t>12/30/2024</a:t>
             </a:fld>
             <a:endParaRPr lang="en-US"/>
           </a:p>
@@ -2566,7 +2567,7 @@
           <a:p>
             <a:fld id="{CC3FB59E-B561-4CF6-927F-5F946CB43DCE}" type="datetimeFigureOut">
               <a:rPr lang="en-US" smtClean="0"/>
-              <a:t>12/23/2024</a:t>
+              <a:t>12/30/2024</a:t>
             </a:fld>
             <a:endParaRPr lang="en-US"/>
           </a:p>
@@ -5955,6 +5956,1156 @@
 </p:sld>
 </file>
 
+<file path=ppt/slides/slide2.xml><?xml version="1.0" encoding="utf-8"?>
+<p:sld xmlns:a="http://schemas.openxmlformats.org/drawingml/2006/main" xmlns:r="http://schemas.openxmlformats.org/officeDocument/2006/relationships" xmlns:p="http://schemas.openxmlformats.org/presentationml/2006/main">
+  <p:cSld>
+    <p:spTree>
+      <p:nvGrpSpPr>
+        <p:cNvPr id="1" name=""/>
+        <p:cNvGrpSpPr/>
+        <p:nvPr/>
+      </p:nvGrpSpPr>
+      <p:grpSpPr>
+        <a:xfrm>
+          <a:off x="0" y="0"/>
+          <a:ext cx="0" cy="0"/>
+          <a:chOff x="0" y="0"/>
+          <a:chExt cx="0" cy="0"/>
+        </a:xfrm>
+      </p:grpSpPr>
+      <p:sp>
+        <p:nvSpPr>
+          <p:cNvPr id="2" name="TextBox 1">
+            <a:extLst>
+              <a:ext uri="{FF2B5EF4-FFF2-40B4-BE49-F238E27FC236}">
+                <a16:creationId xmlns:a16="http://schemas.microsoft.com/office/drawing/2014/main" id="{BF16C64F-842E-4E5B-A5FB-E401158964A7}"/>
+              </a:ext>
+            </a:extLst>
+          </p:cNvPr>
+          <p:cNvSpPr txBox="1"/>
+          <p:nvPr/>
+        </p:nvSpPr>
+        <p:spPr>
+          <a:xfrm>
+            <a:off x="456998" y="1166933"/>
+            <a:ext cx="891591" cy="276999"/>
+          </a:xfrm>
+          <a:prstGeom prst="rect">
+            <a:avLst/>
+          </a:prstGeom>
+          <a:noFill/>
+        </p:spPr>
+        <p:txBody>
+          <a:bodyPr wrap="none" rtlCol="0">
+            <a:spAutoFit/>
+          </a:bodyPr>
+          <a:lstStyle/>
+          <a:p>
+            <a:r>
+              <a:rPr lang="en-US" sz="1200" dirty="0"/>
+              <a:t>App: opens</a:t>
+            </a:r>
+          </a:p>
+        </p:txBody>
+      </p:sp>
+      <p:sp>
+        <p:nvSpPr>
+          <p:cNvPr id="3" name="TextBox 2">
+            <a:extLst>
+              <a:ext uri="{FF2B5EF4-FFF2-40B4-BE49-F238E27FC236}">
+                <a16:creationId xmlns:a16="http://schemas.microsoft.com/office/drawing/2014/main" id="{D2FB0986-A2AB-48A4-8651-EE2E2C5D987B}"/>
+              </a:ext>
+            </a:extLst>
+          </p:cNvPr>
+          <p:cNvSpPr txBox="1"/>
+          <p:nvPr/>
+        </p:nvSpPr>
+        <p:spPr>
+          <a:xfrm>
+            <a:off x="456997" y="458273"/>
+            <a:ext cx="731611" cy="276999"/>
+          </a:xfrm>
+          <a:prstGeom prst="rect">
+            <a:avLst/>
+          </a:prstGeom>
+          <a:noFill/>
+        </p:spPr>
+        <p:txBody>
+          <a:bodyPr wrap="none" rtlCol="0">
+            <a:spAutoFit/>
+          </a:bodyPr>
+          <a:lstStyle/>
+          <a:p>
+            <a:r>
+              <a:rPr lang="en-US" sz="1200" dirty="0"/>
+              <a:t>App icon</a:t>
+            </a:r>
+          </a:p>
+        </p:txBody>
+      </p:sp>
+      <p:cxnSp>
+        <p:nvCxnSpPr>
+          <p:cNvPr id="5" name="Connector: Elbow 4">
+            <a:extLst>
+              <a:ext uri="{FF2B5EF4-FFF2-40B4-BE49-F238E27FC236}">
+                <a16:creationId xmlns:a16="http://schemas.microsoft.com/office/drawing/2014/main" id="{25F3C8D4-D3D5-4902-9CA4-CD0D9D5CC1CF}"/>
+              </a:ext>
+            </a:extLst>
+          </p:cNvPr>
+          <p:cNvCxnSpPr>
+            <a:stCxn id="3" idx="2"/>
+            <a:endCxn id="2" idx="0"/>
+          </p:cNvCxnSpPr>
+          <p:nvPr/>
+        </p:nvCxnSpPr>
+        <p:spPr>
+          <a:xfrm rot="16200000" flipH="1">
+            <a:off x="646968" y="911106"/>
+            <a:ext cx="431661" cy="79991"/>
+          </a:xfrm>
+          <a:prstGeom prst="bentConnector3">
+            <a:avLst/>
+          </a:prstGeom>
+          <a:ln>
+            <a:tailEnd type="triangle"/>
+          </a:ln>
+        </p:spPr>
+        <p:style>
+          <a:lnRef idx="1">
+            <a:schemeClr val="accent1"/>
+          </a:lnRef>
+          <a:fillRef idx="0">
+            <a:schemeClr val="accent1"/>
+          </a:fillRef>
+          <a:effectRef idx="0">
+            <a:schemeClr val="accent1"/>
+          </a:effectRef>
+          <a:fontRef idx="minor">
+            <a:schemeClr val="tx1"/>
+          </a:fontRef>
+        </p:style>
+      </p:cxnSp>
+      <p:sp>
+        <p:nvSpPr>
+          <p:cNvPr id="7" name="TextBox 6">
+            <a:extLst>
+              <a:ext uri="{FF2B5EF4-FFF2-40B4-BE49-F238E27FC236}">
+                <a16:creationId xmlns:a16="http://schemas.microsoft.com/office/drawing/2014/main" id="{26D8665F-4028-4EE0-BA3D-38778DFF863E}"/>
+              </a:ext>
+            </a:extLst>
+          </p:cNvPr>
+          <p:cNvSpPr txBox="1"/>
+          <p:nvPr/>
+        </p:nvSpPr>
+        <p:spPr>
+          <a:xfrm>
+            <a:off x="456997" y="1502257"/>
+            <a:ext cx="2422458" cy="461665"/>
+          </a:xfrm>
+          <a:prstGeom prst="rect">
+            <a:avLst/>
+          </a:prstGeom>
+          <a:noFill/>
+        </p:spPr>
+        <p:txBody>
+          <a:bodyPr wrap="none" rtlCol="0">
+            <a:spAutoFit/>
+          </a:bodyPr>
+          <a:lstStyle/>
+          <a:p>
+            <a:r>
+              <a:rPr lang="en-US" sz="1200" dirty="0"/>
+              <a:t>Window POPUP1</a:t>
+            </a:r>
+          </a:p>
+          <a:p>
+            <a:r>
+              <a:rPr lang="en-US" sz="1200" dirty="0"/>
+              <a:t>Load Map (prompt for MAP_NAME)</a:t>
+            </a:r>
+          </a:p>
+        </p:txBody>
+      </p:sp>
+      <p:sp>
+        <p:nvSpPr>
+          <p:cNvPr id="8" name="TextBox 7">
+            <a:extLst>
+              <a:ext uri="{FF2B5EF4-FFF2-40B4-BE49-F238E27FC236}">
+                <a16:creationId xmlns:a16="http://schemas.microsoft.com/office/drawing/2014/main" id="{101117B2-FCF1-487E-A595-5BA52A307157}"/>
+              </a:ext>
+            </a:extLst>
+          </p:cNvPr>
+          <p:cNvSpPr txBox="1"/>
+          <p:nvPr/>
+        </p:nvSpPr>
+        <p:spPr>
+          <a:xfrm>
+            <a:off x="2721147" y="1166932"/>
+            <a:ext cx="1608133" cy="276999"/>
+          </a:xfrm>
+          <a:prstGeom prst="rect">
+            <a:avLst/>
+          </a:prstGeom>
+          <a:noFill/>
+        </p:spPr>
+        <p:txBody>
+          <a:bodyPr wrap="none" rtlCol="0">
+            <a:spAutoFit/>
+          </a:bodyPr>
+          <a:lstStyle/>
+          <a:p>
+            <a:r>
+              <a:rPr lang="en-US" sz="1200" dirty="0"/>
+              <a:t>WIDGET SMILEY opens</a:t>
+            </a:r>
+          </a:p>
+        </p:txBody>
+      </p:sp>
+      <p:sp>
+        <p:nvSpPr>
+          <p:cNvPr id="10" name="TextBox 9">
+            <a:extLst>
+              <a:ext uri="{FF2B5EF4-FFF2-40B4-BE49-F238E27FC236}">
+                <a16:creationId xmlns:a16="http://schemas.microsoft.com/office/drawing/2014/main" id="{58DDB24C-72D8-453F-B481-9A68ED8D504C}"/>
+              </a:ext>
+            </a:extLst>
+          </p:cNvPr>
+          <p:cNvSpPr txBox="1"/>
+          <p:nvPr/>
+        </p:nvSpPr>
+        <p:spPr>
+          <a:xfrm>
+            <a:off x="4436095" y="1321594"/>
+            <a:ext cx="3929409" cy="276999"/>
+          </a:xfrm>
+          <a:prstGeom prst="rect">
+            <a:avLst/>
+          </a:prstGeom>
+          <a:noFill/>
+        </p:spPr>
+        <p:txBody>
+          <a:bodyPr wrap="none" rtlCol="0">
+            <a:spAutoFit/>
+          </a:bodyPr>
+          <a:lstStyle/>
+          <a:p>
+            <a:r>
+              <a:rPr lang="en-US" sz="1200" dirty="0"/>
+              <a:t>App: checks if input file exists (INPUTEXISTS=TRUE or FALSE)</a:t>
+            </a:r>
+          </a:p>
+        </p:txBody>
+      </p:sp>
+      <p:sp>
+        <p:nvSpPr>
+          <p:cNvPr id="11" name="TextBox 10">
+            <a:extLst>
+              <a:ext uri="{FF2B5EF4-FFF2-40B4-BE49-F238E27FC236}">
+                <a16:creationId xmlns:a16="http://schemas.microsoft.com/office/drawing/2014/main" id="{0B6AFCCD-292A-48CE-988B-920F32E68B41}"/>
+              </a:ext>
+            </a:extLst>
+          </p:cNvPr>
+          <p:cNvSpPr txBox="1"/>
+          <p:nvPr/>
+        </p:nvSpPr>
+        <p:spPr>
+          <a:xfrm>
+            <a:off x="2879455" y="2014946"/>
+            <a:ext cx="3042371" cy="276999"/>
+          </a:xfrm>
+          <a:prstGeom prst="rect">
+            <a:avLst/>
+          </a:prstGeom>
+          <a:noFill/>
+        </p:spPr>
+        <p:txBody>
+          <a:bodyPr wrap="none" rtlCol="0">
+            <a:spAutoFit/>
+          </a:bodyPr>
+          <a:lstStyle/>
+          <a:p>
+            <a:r>
+              <a:rPr lang="en-US" sz="1200" dirty="0"/>
+              <a:t>WIDGET SMILEY  on mouse event DoubleClick</a:t>
+            </a:r>
+          </a:p>
+        </p:txBody>
+      </p:sp>
+      <p:sp>
+        <p:nvSpPr>
+          <p:cNvPr id="12" name="TextBox 11">
+            <a:extLst>
+              <a:ext uri="{FF2B5EF4-FFF2-40B4-BE49-F238E27FC236}">
+                <a16:creationId xmlns:a16="http://schemas.microsoft.com/office/drawing/2014/main" id="{59F6227F-7CC7-460E-864D-DEE2A9369E46}"/>
+              </a:ext>
+            </a:extLst>
+          </p:cNvPr>
+          <p:cNvSpPr txBox="1"/>
+          <p:nvPr/>
+        </p:nvSpPr>
+        <p:spPr>
+          <a:xfrm>
+            <a:off x="7434752" y="1712314"/>
+            <a:ext cx="2263721" cy="461665"/>
+          </a:xfrm>
+          <a:prstGeom prst="rect">
+            <a:avLst/>
+          </a:prstGeom>
+          <a:noFill/>
+        </p:spPr>
+        <p:txBody>
+          <a:bodyPr wrap="square" rtlCol="0">
+            <a:spAutoFit/>
+          </a:bodyPr>
+          <a:lstStyle/>
+          <a:p>
+            <a:r>
+              <a:rPr lang="en-US" sz="1200" dirty="0"/>
+              <a:t>App sets MAP_CANVAS_ZERO</a:t>
+            </a:r>
+          </a:p>
+          <a:p>
+            <a:r>
+              <a:rPr lang="en-US" sz="1200" dirty="0" err="1"/>
+              <a:t>inits</a:t>
+            </a:r>
+            <a:r>
+              <a:rPr lang="en-US" sz="1200" dirty="0"/>
+              <a:t> MOVES_CANVAS …</a:t>
+            </a:r>
+          </a:p>
+        </p:txBody>
+      </p:sp>
+      <p:sp>
+        <p:nvSpPr>
+          <p:cNvPr id="13" name="TextBox 12">
+            <a:extLst>
+              <a:ext uri="{FF2B5EF4-FFF2-40B4-BE49-F238E27FC236}">
+                <a16:creationId xmlns:a16="http://schemas.microsoft.com/office/drawing/2014/main" id="{6F1E896F-F34E-4881-9949-E301F05994A8}"/>
+              </a:ext>
+            </a:extLst>
+          </p:cNvPr>
+          <p:cNvSpPr txBox="1"/>
+          <p:nvPr/>
+        </p:nvSpPr>
+        <p:spPr>
+          <a:xfrm>
+            <a:off x="902793" y="3389086"/>
+            <a:ext cx="2439514" cy="830997"/>
+          </a:xfrm>
+          <a:prstGeom prst="rect">
+            <a:avLst/>
+          </a:prstGeom>
+          <a:noFill/>
+        </p:spPr>
+        <p:txBody>
+          <a:bodyPr wrap="none" rtlCol="0">
+            <a:spAutoFit/>
+          </a:bodyPr>
+          <a:lstStyle/>
+          <a:p>
+            <a:r>
+              <a:rPr lang="en-US" sz="1200" dirty="0"/>
+              <a:t>Window POPUP2</a:t>
+            </a:r>
+          </a:p>
+          <a:p>
+            <a:r>
+              <a:rPr lang="en-US" sz="1200" dirty="0" err="1"/>
+              <a:t>Point_PROMPT</a:t>
+            </a:r>
+            <a:endParaRPr lang="en-US" sz="1200" dirty="0"/>
+          </a:p>
+          <a:p>
+            <a:r>
+              <a:rPr lang="en-US" sz="1200" dirty="0" err="1"/>
+              <a:t>Latitude_PROMPT</a:t>
+            </a:r>
+            <a:r>
+              <a:rPr lang="en-US" sz="1200" dirty="0"/>
+              <a:t>=</a:t>
+            </a:r>
+            <a:r>
+              <a:rPr lang="en-US" sz="1200" dirty="0" err="1"/>
+              <a:t>Latitude_REF</a:t>
+            </a:r>
+            <a:endParaRPr lang="en-US" sz="1200" dirty="0"/>
+          </a:p>
+          <a:p>
+            <a:r>
+              <a:rPr lang="en-US" sz="1200" dirty="0" err="1"/>
+              <a:t>Longitude_PROMPT</a:t>
+            </a:r>
+            <a:r>
+              <a:rPr lang="en-US" sz="1200" dirty="0"/>
+              <a:t>=</a:t>
+            </a:r>
+            <a:r>
+              <a:rPr lang="en-US" sz="1200" dirty="0" err="1"/>
+              <a:t>Longitude_REF</a:t>
+            </a:r>
+            <a:endParaRPr lang="en-US" sz="1200" dirty="0"/>
+          </a:p>
+        </p:txBody>
+      </p:sp>
+      <p:sp>
+        <p:nvSpPr>
+          <p:cNvPr id="14" name="TextBox 13">
+            <a:extLst>
+              <a:ext uri="{FF2B5EF4-FFF2-40B4-BE49-F238E27FC236}">
+                <a16:creationId xmlns:a16="http://schemas.microsoft.com/office/drawing/2014/main" id="{6C1A19B2-2D2C-4964-AC90-E8E6C41CF091}"/>
+              </a:ext>
+            </a:extLst>
+          </p:cNvPr>
+          <p:cNvSpPr txBox="1"/>
+          <p:nvPr/>
+        </p:nvSpPr>
+        <p:spPr>
+          <a:xfrm>
+            <a:off x="7667452" y="2465519"/>
+            <a:ext cx="1838324" cy="1754326"/>
+          </a:xfrm>
+          <a:prstGeom prst="rect">
+            <a:avLst/>
+          </a:prstGeom>
+          <a:noFill/>
+          <a:ln w="3175">
+            <a:solidFill>
+              <a:schemeClr val="tx1"/>
+            </a:solidFill>
+          </a:ln>
+        </p:spPr>
+        <p:txBody>
+          <a:bodyPr wrap="none" rtlCol="0">
+            <a:spAutoFit/>
+          </a:bodyPr>
+          <a:lstStyle/>
+          <a:p>
+            <a:r>
+              <a:rPr lang="en-US" sz="1200" dirty="0"/>
+              <a:t>Variables assignments:</a:t>
+            </a:r>
+          </a:p>
+          <a:p>
+            <a:r>
+              <a:rPr lang="en-US" sz="1200" dirty="0" err="1"/>
+              <a:t>Latitude_REF</a:t>
+            </a:r>
+            <a:r>
+              <a:rPr lang="en-US" sz="1200" dirty="0"/>
+              <a:t>=value</a:t>
+            </a:r>
+          </a:p>
+          <a:p>
+            <a:r>
+              <a:rPr lang="en-US" sz="1200" dirty="0" err="1"/>
+              <a:t>Longitude_REF</a:t>
+            </a:r>
+            <a:r>
+              <a:rPr lang="en-US" sz="1200" dirty="0"/>
+              <a:t>=value</a:t>
+            </a:r>
+          </a:p>
+          <a:p>
+            <a:r>
+              <a:rPr lang="en-US" sz="1200" dirty="0"/>
+              <a:t>Latitude_POINT2=value</a:t>
+            </a:r>
+          </a:p>
+          <a:p>
+            <a:r>
+              <a:rPr lang="en-US" sz="1200" dirty="0"/>
+              <a:t>Longitude_ POINT2 =value</a:t>
+            </a:r>
+          </a:p>
+          <a:p>
+            <a:r>
+              <a:rPr lang="en-US" sz="1200" dirty="0" err="1"/>
+              <a:t>Distance_REF</a:t>
+            </a:r>
+            <a:r>
+              <a:rPr lang="en-US" sz="1200" dirty="0"/>
+              <a:t>=value</a:t>
+            </a:r>
+          </a:p>
+          <a:p>
+            <a:r>
+              <a:rPr lang="en-US" sz="1200" dirty="0"/>
+              <a:t>Scale =value</a:t>
+            </a:r>
+          </a:p>
+          <a:p>
+            <a:r>
+              <a:rPr lang="en-US" sz="1200" dirty="0" err="1"/>
+              <a:t>Rotation_Angle</a:t>
+            </a:r>
+            <a:r>
+              <a:rPr lang="en-US" sz="1200" dirty="0"/>
+              <a:t> =value</a:t>
+            </a:r>
+          </a:p>
+          <a:p>
+            <a:r>
+              <a:rPr lang="en-US" sz="1200" dirty="0" err="1"/>
+              <a:t>North_Mode</a:t>
+            </a:r>
+            <a:r>
+              <a:rPr lang="en-US" sz="1200" dirty="0"/>
+              <a:t> =value</a:t>
+            </a:r>
+          </a:p>
+        </p:txBody>
+      </p:sp>
+      <p:sp>
+        <p:nvSpPr>
+          <p:cNvPr id="15" name="TextBox 14">
+            <a:extLst>
+              <a:ext uri="{FF2B5EF4-FFF2-40B4-BE49-F238E27FC236}">
+                <a16:creationId xmlns:a16="http://schemas.microsoft.com/office/drawing/2014/main" id="{1A7D0027-BD19-422F-B4A8-98092D01095B}"/>
+              </a:ext>
+            </a:extLst>
+          </p:cNvPr>
+          <p:cNvSpPr txBox="1"/>
+          <p:nvPr/>
+        </p:nvSpPr>
+        <p:spPr>
+          <a:xfrm>
+            <a:off x="9884872" y="2465519"/>
+            <a:ext cx="1630575" cy="1754326"/>
+          </a:xfrm>
+          <a:prstGeom prst="rect">
+            <a:avLst/>
+          </a:prstGeom>
+          <a:noFill/>
+          <a:ln w="3175">
+            <a:solidFill>
+              <a:schemeClr val="tx1"/>
+            </a:solidFill>
+          </a:ln>
+        </p:spPr>
+        <p:txBody>
+          <a:bodyPr wrap="none" rtlCol="0">
+            <a:spAutoFit/>
+          </a:bodyPr>
+          <a:lstStyle/>
+          <a:p>
+            <a:r>
+              <a:rPr lang="en-US" sz="1200" dirty="0"/>
+              <a:t>Variables assignments:</a:t>
+            </a:r>
+          </a:p>
+          <a:p>
+            <a:r>
+              <a:rPr lang="en-US" sz="1200" dirty="0" err="1"/>
+              <a:t>Latitude_REF</a:t>
+            </a:r>
+            <a:r>
+              <a:rPr lang="en-US" sz="1200" dirty="0"/>
+              <a:t>=“”</a:t>
+            </a:r>
+          </a:p>
+          <a:p>
+            <a:r>
+              <a:rPr lang="en-US" sz="1200" dirty="0" err="1"/>
+              <a:t>Longitude_REF</a:t>
+            </a:r>
+            <a:r>
+              <a:rPr lang="en-US" sz="1200" dirty="0"/>
+              <a:t>=“”</a:t>
+            </a:r>
+          </a:p>
+          <a:p>
+            <a:r>
+              <a:rPr lang="en-US" sz="1200" dirty="0"/>
+              <a:t>Latitude_POINT2=“”</a:t>
+            </a:r>
+          </a:p>
+          <a:p>
+            <a:r>
+              <a:rPr lang="en-US" sz="1200" dirty="0"/>
+              <a:t>Longitude_ POINT2 =“”</a:t>
+            </a:r>
+          </a:p>
+          <a:p>
+            <a:r>
+              <a:rPr lang="en-US" sz="1200" dirty="0" err="1"/>
+              <a:t>Distance_REF</a:t>
+            </a:r>
+            <a:r>
+              <a:rPr lang="en-US" sz="1200" dirty="0"/>
+              <a:t>=“”</a:t>
+            </a:r>
+          </a:p>
+          <a:p>
+            <a:r>
+              <a:rPr lang="en-US" sz="1200" dirty="0"/>
+              <a:t>Scale =“”</a:t>
+            </a:r>
+          </a:p>
+          <a:p>
+            <a:r>
+              <a:rPr lang="en-US" sz="1200" dirty="0" err="1"/>
+              <a:t>Rotation_Angle</a:t>
+            </a:r>
+            <a:r>
+              <a:rPr lang="en-US" sz="1200" dirty="0"/>
+              <a:t> =“”</a:t>
+            </a:r>
+          </a:p>
+          <a:p>
+            <a:r>
+              <a:rPr lang="en-US" sz="1200" dirty="0" err="1"/>
+              <a:t>North_Mode</a:t>
+            </a:r>
+            <a:r>
+              <a:rPr lang="en-US" sz="1200" dirty="0"/>
+              <a:t> =“”</a:t>
+            </a:r>
+          </a:p>
+        </p:txBody>
+      </p:sp>
+      <p:sp>
+        <p:nvSpPr>
+          <p:cNvPr id="16" name="TextBox 15">
+            <a:extLst>
+              <a:ext uri="{FF2B5EF4-FFF2-40B4-BE49-F238E27FC236}">
+                <a16:creationId xmlns:a16="http://schemas.microsoft.com/office/drawing/2014/main" id="{032AB9B5-FE9D-4A43-8786-CA2B86D2DC24}"/>
+              </a:ext>
+            </a:extLst>
+          </p:cNvPr>
+          <p:cNvSpPr txBox="1"/>
+          <p:nvPr/>
+        </p:nvSpPr>
+        <p:spPr>
+          <a:xfrm>
+            <a:off x="1321405" y="2349416"/>
+            <a:ext cx="2781402" cy="1015663"/>
+          </a:xfrm>
+          <a:prstGeom prst="rect">
+            <a:avLst/>
+          </a:prstGeom>
+          <a:noFill/>
+        </p:spPr>
+        <p:txBody>
+          <a:bodyPr wrap="none" rtlCol="0">
+            <a:spAutoFit/>
+          </a:bodyPr>
+          <a:lstStyle/>
+          <a:p>
+            <a:r>
+              <a:rPr lang="en-US" sz="1200" dirty="0"/>
+              <a:t>Routine INPUT_FILE_CHECK(MAP_NAME)</a:t>
+            </a:r>
+          </a:p>
+          <a:p>
+            <a:r>
+              <a:rPr lang="en-US" sz="1200" dirty="0"/>
+              <a:t>IF INPUT FILE EXISTS:</a:t>
+            </a:r>
+          </a:p>
+          <a:p>
+            <a:r>
+              <a:rPr lang="en-US" sz="1200" dirty="0"/>
+              <a:t>INPUTEXISTS=TRUE</a:t>
+            </a:r>
+          </a:p>
+          <a:p>
+            <a:r>
+              <a:rPr lang="en-US" sz="1200" dirty="0"/>
+              <a:t>ELSE:</a:t>
+            </a:r>
+          </a:p>
+          <a:p>
+            <a:r>
+              <a:rPr lang="en-US" sz="1200" dirty="0"/>
+              <a:t>INPUTEXISTS=FALSE</a:t>
+            </a:r>
+          </a:p>
+        </p:txBody>
+      </p:sp>
+      <p:sp>
+        <p:nvSpPr>
+          <p:cNvPr id="17" name="TextBox 16">
+            <a:extLst>
+              <a:ext uri="{FF2B5EF4-FFF2-40B4-BE49-F238E27FC236}">
+                <a16:creationId xmlns:a16="http://schemas.microsoft.com/office/drawing/2014/main" id="{81AE2384-18E2-40DE-B481-D886AF4CF6AE}"/>
+              </a:ext>
+            </a:extLst>
+          </p:cNvPr>
+          <p:cNvSpPr txBox="1"/>
+          <p:nvPr/>
+        </p:nvSpPr>
+        <p:spPr>
+          <a:xfrm>
+            <a:off x="4102807" y="3716566"/>
+            <a:ext cx="2474780" cy="461665"/>
+          </a:xfrm>
+          <a:prstGeom prst="rect">
+            <a:avLst/>
+          </a:prstGeom>
+          <a:noFill/>
+        </p:spPr>
+        <p:txBody>
+          <a:bodyPr wrap="none" rtlCol="0">
+            <a:spAutoFit/>
+          </a:bodyPr>
+          <a:lstStyle/>
+          <a:p>
+            <a:r>
+              <a:rPr lang="en-US" sz="1200" dirty="0" err="1"/>
+              <a:t>Latitude_REF</a:t>
+            </a:r>
+            <a:r>
+              <a:rPr lang="en-US" sz="1200" dirty="0"/>
+              <a:t>= </a:t>
+            </a:r>
+            <a:r>
+              <a:rPr lang="en-US" sz="1200" dirty="0" err="1"/>
+              <a:t>Latitude_PROMPT</a:t>
+            </a:r>
+            <a:endParaRPr lang="en-US" sz="1200" dirty="0"/>
+          </a:p>
+          <a:p>
+            <a:r>
+              <a:rPr lang="en-US" sz="1200" dirty="0" err="1"/>
+              <a:t>Longitude_REF</a:t>
+            </a:r>
+            <a:r>
+              <a:rPr lang="en-US" sz="1200" dirty="0"/>
+              <a:t>= </a:t>
+            </a:r>
+            <a:r>
+              <a:rPr lang="en-US" sz="1200" dirty="0" err="1"/>
+              <a:t>Longitude_PROMPT</a:t>
+            </a:r>
+            <a:endParaRPr lang="en-US" sz="1200" dirty="0"/>
+          </a:p>
+        </p:txBody>
+      </p:sp>
+      <p:sp>
+        <p:nvSpPr>
+          <p:cNvPr id="18" name="TextBox 17">
+            <a:extLst>
+              <a:ext uri="{FF2B5EF4-FFF2-40B4-BE49-F238E27FC236}">
+                <a16:creationId xmlns:a16="http://schemas.microsoft.com/office/drawing/2014/main" id="{7103DB9A-2F63-41AB-953A-DF430BAC7364}"/>
+              </a:ext>
+            </a:extLst>
+          </p:cNvPr>
+          <p:cNvSpPr txBox="1"/>
+          <p:nvPr/>
+        </p:nvSpPr>
+        <p:spPr>
+          <a:xfrm>
+            <a:off x="4102807" y="4237672"/>
+            <a:ext cx="2790572" cy="461665"/>
+          </a:xfrm>
+          <a:prstGeom prst="rect">
+            <a:avLst/>
+          </a:prstGeom>
+          <a:noFill/>
+        </p:spPr>
+        <p:txBody>
+          <a:bodyPr wrap="none" rtlCol="0">
+            <a:spAutoFit/>
+          </a:bodyPr>
+          <a:lstStyle/>
+          <a:p>
+            <a:r>
+              <a:rPr lang="en-US" sz="1200" dirty="0"/>
+              <a:t>Latitude_ POINT2 = </a:t>
+            </a:r>
+            <a:r>
+              <a:rPr lang="en-US" sz="1200" dirty="0" err="1"/>
+              <a:t>Latitude_PROMPT</a:t>
+            </a:r>
+            <a:endParaRPr lang="en-US" sz="1200" dirty="0"/>
+          </a:p>
+          <a:p>
+            <a:r>
+              <a:rPr lang="en-US" sz="1200" dirty="0"/>
+              <a:t>Longitude_ POINT2 = </a:t>
+            </a:r>
+            <a:r>
+              <a:rPr lang="en-US" sz="1200" dirty="0" err="1"/>
+              <a:t>Longitude_PROMPT</a:t>
+            </a:r>
+            <a:endParaRPr lang="en-US" sz="1200" dirty="0"/>
+          </a:p>
+        </p:txBody>
+      </p:sp>
+      <p:sp>
+        <p:nvSpPr>
+          <p:cNvPr id="19" name="Rectangle 18">
+            <a:extLst>
+              <a:ext uri="{FF2B5EF4-FFF2-40B4-BE49-F238E27FC236}">
+                <a16:creationId xmlns:a16="http://schemas.microsoft.com/office/drawing/2014/main" id="{F4467DB0-5B6E-499B-98E8-4AD50F4E8D9D}"/>
+              </a:ext>
+            </a:extLst>
+          </p:cNvPr>
+          <p:cNvSpPr/>
+          <p:nvPr/>
+        </p:nvSpPr>
+        <p:spPr>
+          <a:xfrm>
+            <a:off x="4507631" y="2210916"/>
+            <a:ext cx="1253035" cy="276999"/>
+          </a:xfrm>
+          <a:prstGeom prst="rect">
+            <a:avLst/>
+          </a:prstGeom>
+        </p:spPr>
+        <p:txBody>
+          <a:bodyPr wrap="none">
+            <a:spAutoFit/>
+          </a:bodyPr>
+          <a:lstStyle/>
+          <a:p>
+            <a:r>
+              <a:rPr lang="en-US" sz="1200" dirty="0"/>
+              <a:t>Sets MAP_NAME</a:t>
+            </a:r>
+          </a:p>
+        </p:txBody>
+      </p:sp>
+      <p:sp>
+        <p:nvSpPr>
+          <p:cNvPr id="20" name="TextBox 19">
+            <a:extLst>
+              <a:ext uri="{FF2B5EF4-FFF2-40B4-BE49-F238E27FC236}">
+                <a16:creationId xmlns:a16="http://schemas.microsoft.com/office/drawing/2014/main" id="{C6402CD7-8D6E-4A13-8A69-B6924F70410D}"/>
+              </a:ext>
+            </a:extLst>
+          </p:cNvPr>
+          <p:cNvSpPr txBox="1"/>
+          <p:nvPr/>
+        </p:nvSpPr>
+        <p:spPr>
+          <a:xfrm>
+            <a:off x="1085699" y="4867467"/>
+            <a:ext cx="612668" cy="276999"/>
+          </a:xfrm>
+          <a:prstGeom prst="rect">
+            <a:avLst/>
+          </a:prstGeom>
+          <a:noFill/>
+          <a:ln w="3175">
+            <a:solidFill>
+              <a:schemeClr val="tx1"/>
+            </a:solidFill>
+          </a:ln>
+        </p:spPr>
+        <p:txBody>
+          <a:bodyPr wrap="none" rtlCol="0">
+            <a:spAutoFit/>
+          </a:bodyPr>
+          <a:lstStyle/>
+          <a:p>
+            <a:r>
+              <a:rPr lang="en-US" sz="1200" dirty="0"/>
+              <a:t>ITER=1</a:t>
+            </a:r>
+          </a:p>
+        </p:txBody>
+      </p:sp>
+      <p:sp>
+        <p:nvSpPr>
+          <p:cNvPr id="21" name="TextBox 20">
+            <a:extLst>
+              <a:ext uri="{FF2B5EF4-FFF2-40B4-BE49-F238E27FC236}">
+                <a16:creationId xmlns:a16="http://schemas.microsoft.com/office/drawing/2014/main" id="{4A5BB1B9-3E9E-4B7E-B94C-F35C879C9457}"/>
+              </a:ext>
+            </a:extLst>
+          </p:cNvPr>
+          <p:cNvSpPr txBox="1"/>
+          <p:nvPr/>
+        </p:nvSpPr>
+        <p:spPr>
+          <a:xfrm>
+            <a:off x="1934972" y="4867467"/>
+            <a:ext cx="612668" cy="276999"/>
+          </a:xfrm>
+          <a:prstGeom prst="rect">
+            <a:avLst/>
+          </a:prstGeom>
+          <a:noFill/>
+          <a:ln w="3175">
+            <a:solidFill>
+              <a:schemeClr val="tx1"/>
+            </a:solidFill>
+          </a:ln>
+        </p:spPr>
+        <p:txBody>
+          <a:bodyPr wrap="none" rtlCol="0">
+            <a:spAutoFit/>
+          </a:bodyPr>
+          <a:lstStyle/>
+          <a:p>
+            <a:r>
+              <a:rPr lang="en-US" sz="1200" dirty="0"/>
+              <a:t>ITER=2</a:t>
+            </a:r>
+          </a:p>
+        </p:txBody>
+      </p:sp>
+      <p:sp>
+        <p:nvSpPr>
+          <p:cNvPr id="22" name="TextBox 21">
+            <a:extLst>
+              <a:ext uri="{FF2B5EF4-FFF2-40B4-BE49-F238E27FC236}">
+                <a16:creationId xmlns:a16="http://schemas.microsoft.com/office/drawing/2014/main" id="{D9540B5F-FD13-4BA0-894A-508294B49E12}"/>
+              </a:ext>
+            </a:extLst>
+          </p:cNvPr>
+          <p:cNvSpPr txBox="1"/>
+          <p:nvPr/>
+        </p:nvSpPr>
+        <p:spPr>
+          <a:xfrm>
+            <a:off x="643246" y="5745602"/>
+            <a:ext cx="2922018" cy="1015663"/>
+          </a:xfrm>
+          <a:prstGeom prst="rect">
+            <a:avLst/>
+          </a:prstGeom>
+          <a:noFill/>
+        </p:spPr>
+        <p:txBody>
+          <a:bodyPr wrap="none" rtlCol="0">
+            <a:spAutoFit/>
+          </a:bodyPr>
+          <a:lstStyle/>
+          <a:p>
+            <a:r>
+              <a:rPr lang="en-US" sz="1200" dirty="0"/>
+              <a:t>POPUP3</a:t>
+            </a:r>
+          </a:p>
+          <a:p>
+            <a:r>
+              <a:rPr lang="en-US" sz="1200" dirty="0" err="1"/>
+              <a:t>Distance_REF</a:t>
+            </a:r>
+            <a:r>
+              <a:rPr lang="en-US" sz="1200" dirty="0"/>
+              <a:t> _PROMPT= </a:t>
+            </a:r>
+            <a:r>
+              <a:rPr lang="en-US" sz="1200" dirty="0" err="1"/>
+              <a:t>Distance_REF</a:t>
+            </a:r>
+            <a:endParaRPr lang="en-US" sz="1200" dirty="0"/>
+          </a:p>
+          <a:p>
+            <a:r>
+              <a:rPr lang="en-US" sz="1200" dirty="0" err="1"/>
+              <a:t>Scale_PROMPT</a:t>
+            </a:r>
+            <a:r>
+              <a:rPr lang="en-US" sz="1200" dirty="0"/>
+              <a:t>= Scale</a:t>
+            </a:r>
+          </a:p>
+          <a:p>
+            <a:r>
+              <a:rPr lang="en-US" sz="1200" dirty="0" err="1"/>
+              <a:t>Rotation_Angle</a:t>
+            </a:r>
+            <a:r>
+              <a:rPr lang="en-US" sz="1200" dirty="0"/>
+              <a:t>_ PROMPT = </a:t>
+            </a:r>
+            <a:r>
+              <a:rPr lang="en-US" sz="1200" dirty="0" err="1"/>
+              <a:t>Rotation_Angle</a:t>
+            </a:r>
+            <a:endParaRPr lang="en-US" sz="1200" dirty="0"/>
+          </a:p>
+          <a:p>
+            <a:r>
+              <a:rPr lang="en-US" sz="1200" dirty="0" err="1"/>
+              <a:t>North_Mode</a:t>
+            </a:r>
+            <a:r>
+              <a:rPr lang="en-US" sz="1200" dirty="0"/>
+              <a:t>_ PROMPT = </a:t>
+            </a:r>
+            <a:r>
+              <a:rPr lang="en-US" sz="1200" dirty="0" err="1"/>
+              <a:t>North_Mode</a:t>
+            </a:r>
+            <a:endParaRPr lang="en-US" sz="1200" dirty="0"/>
+          </a:p>
+        </p:txBody>
+      </p:sp>
+      <p:sp>
+        <p:nvSpPr>
+          <p:cNvPr id="23" name="TextBox 22">
+            <a:extLst>
+              <a:ext uri="{FF2B5EF4-FFF2-40B4-BE49-F238E27FC236}">
+                <a16:creationId xmlns:a16="http://schemas.microsoft.com/office/drawing/2014/main" id="{460ADE07-F705-41DC-B867-C1FA5D5FFDAF}"/>
+              </a:ext>
+            </a:extLst>
+          </p:cNvPr>
+          <p:cNvSpPr txBox="1"/>
+          <p:nvPr/>
+        </p:nvSpPr>
+        <p:spPr>
+          <a:xfrm>
+            <a:off x="2915315" y="4806971"/>
+            <a:ext cx="2684774" cy="830997"/>
+          </a:xfrm>
+          <a:prstGeom prst="rect">
+            <a:avLst/>
+          </a:prstGeom>
+          <a:noFill/>
+        </p:spPr>
+        <p:txBody>
+          <a:bodyPr wrap="none" rtlCol="0">
+            <a:spAutoFit/>
+          </a:bodyPr>
+          <a:lstStyle/>
+          <a:p>
+            <a:r>
+              <a:rPr lang="en-US" sz="1200" dirty="0"/>
+              <a:t>Window POPUP2</a:t>
+            </a:r>
+          </a:p>
+          <a:p>
+            <a:r>
+              <a:rPr lang="en-US" sz="1200" dirty="0" err="1"/>
+              <a:t>Point_PROMPT</a:t>
+            </a:r>
+            <a:endParaRPr lang="en-US" sz="1200" dirty="0"/>
+          </a:p>
+          <a:p>
+            <a:r>
+              <a:rPr lang="en-US" sz="1200" dirty="0" err="1"/>
+              <a:t>Latitude_PROMPT</a:t>
+            </a:r>
+            <a:r>
+              <a:rPr lang="en-US" sz="1200" dirty="0"/>
+              <a:t>=Latitude_POINT2</a:t>
+            </a:r>
+          </a:p>
+          <a:p>
+            <a:r>
+              <a:rPr lang="en-US" sz="1200" dirty="0" err="1"/>
+              <a:t>Longitude_PROMPT</a:t>
+            </a:r>
+            <a:r>
+              <a:rPr lang="en-US" sz="1200" dirty="0"/>
+              <a:t>=Longitude_POINT2</a:t>
+            </a:r>
+          </a:p>
+        </p:txBody>
+      </p:sp>
+      <p:sp>
+        <p:nvSpPr>
+          <p:cNvPr id="24" name="TextBox 23">
+            <a:extLst>
+              <a:ext uri="{FF2B5EF4-FFF2-40B4-BE49-F238E27FC236}">
+                <a16:creationId xmlns:a16="http://schemas.microsoft.com/office/drawing/2014/main" id="{F39F54EF-7C78-4CC6-852C-08EFA5663B7A}"/>
+              </a:ext>
+            </a:extLst>
+          </p:cNvPr>
+          <p:cNvSpPr txBox="1"/>
+          <p:nvPr/>
+        </p:nvSpPr>
+        <p:spPr>
+          <a:xfrm>
+            <a:off x="5498093" y="5788372"/>
+            <a:ext cx="2922018" cy="830997"/>
+          </a:xfrm>
+          <a:prstGeom prst="rect">
+            <a:avLst/>
+          </a:prstGeom>
+          <a:noFill/>
+        </p:spPr>
+        <p:txBody>
+          <a:bodyPr wrap="none" rtlCol="0">
+            <a:spAutoFit/>
+          </a:bodyPr>
+          <a:lstStyle/>
+          <a:p>
+            <a:r>
+              <a:rPr lang="en-US" sz="1200" dirty="0" err="1"/>
+              <a:t>Distance_REF</a:t>
+            </a:r>
+            <a:r>
+              <a:rPr lang="en-US" sz="1200" dirty="0"/>
+              <a:t> = </a:t>
+            </a:r>
+            <a:r>
+              <a:rPr lang="en-US" sz="1200" dirty="0" err="1"/>
+              <a:t>Distance_REF</a:t>
+            </a:r>
+            <a:r>
+              <a:rPr lang="en-US" sz="1200" dirty="0"/>
+              <a:t> _PROMPT</a:t>
+            </a:r>
+          </a:p>
+          <a:p>
+            <a:r>
+              <a:rPr lang="en-US" sz="1200" dirty="0"/>
+              <a:t>Scale = </a:t>
+            </a:r>
+            <a:r>
+              <a:rPr lang="en-US" sz="1200" dirty="0" err="1"/>
+              <a:t>Scale_PROMPT</a:t>
+            </a:r>
+            <a:endParaRPr lang="en-US" sz="1200" dirty="0"/>
+          </a:p>
+          <a:p>
+            <a:r>
+              <a:rPr lang="en-US" sz="1200" dirty="0" err="1"/>
+              <a:t>Rotation_Angle</a:t>
+            </a:r>
+            <a:r>
+              <a:rPr lang="en-US" sz="1200" dirty="0"/>
+              <a:t> = </a:t>
+            </a:r>
+            <a:r>
+              <a:rPr lang="en-US" sz="1200" dirty="0" err="1"/>
+              <a:t>Rotation_Angle</a:t>
+            </a:r>
+            <a:r>
+              <a:rPr lang="en-US" sz="1200" dirty="0"/>
+              <a:t>_ PROMPT</a:t>
+            </a:r>
+          </a:p>
+          <a:p>
+            <a:r>
+              <a:rPr lang="en-US" sz="1200" dirty="0" err="1"/>
+              <a:t>North_Mode</a:t>
+            </a:r>
+            <a:r>
+              <a:rPr lang="en-US" sz="1200" dirty="0"/>
+              <a:t> = </a:t>
+            </a:r>
+            <a:r>
+              <a:rPr lang="en-US" sz="1200" dirty="0" err="1"/>
+              <a:t>North_Mode</a:t>
+            </a:r>
+            <a:r>
+              <a:rPr lang="en-US" sz="1200" dirty="0"/>
+              <a:t>_ PROMPT</a:t>
+            </a:r>
+          </a:p>
+        </p:txBody>
+      </p:sp>
+    </p:spTree>
+    <p:extLst>
+      <p:ext uri="{BB962C8B-B14F-4D97-AF65-F5344CB8AC3E}">
+        <p14:creationId xmlns:p14="http://schemas.microsoft.com/office/powerpoint/2010/main" val="963423317"/>
+      </p:ext>
+    </p:extLst>
+  </p:cSld>
+  <p:clrMapOvr>
+    <a:masterClrMapping/>
+  </p:clrMapOvr>
+</p:sld>
+</file>
+
 <file path=ppt/theme/theme1.xml><?xml version="1.0" encoding="utf-8"?>
 <a:theme xmlns:a="http://schemas.openxmlformats.org/drawingml/2006/main" name="Office Theme">
   <a:themeElements>

--- a/info-plotting/FlowChart.pptx
+++ b/info-plotting/FlowChart.pptx
@@ -5988,7 +5988,7 @@
         <p:spPr>
           <a:xfrm>
             <a:off x="456998" y="1166933"/>
-            <a:ext cx="891591" cy="276999"/>
+            <a:ext cx="1458220" cy="461665"/>
           </a:xfrm>
           <a:prstGeom prst="rect">
             <a:avLst/>
@@ -6004,6 +6004,12 @@
             <a:r>
               <a:rPr lang="en-US" sz="1200" dirty="0"/>
               <a:t>App: opens</a:t>
+            </a:r>
+          </a:p>
+          <a:p>
+            <a:r>
+              <a:rPr lang="en-US" sz="1200" dirty="0"/>
+              <a:t>Sets MAP_NAME=“”</a:t>
             </a:r>
           </a:p>
         </p:txBody>
@@ -6060,8 +6066,8 @@
         </p:nvCxnSpPr>
         <p:spPr>
           <a:xfrm rot="16200000" flipH="1">
-            <a:off x="646968" y="911106"/>
-            <a:ext cx="431661" cy="79991"/>
+            <a:off x="788625" y="769449"/>
+            <a:ext cx="431661" cy="363305"/>
           </a:xfrm>
           <a:prstGeom prst="bentConnector3">
             <a:avLst/>
@@ -6099,7 +6105,7 @@
         </p:nvSpPr>
         <p:spPr>
           <a:xfrm>
-            <a:off x="456997" y="1502257"/>
+            <a:off x="487138" y="1909140"/>
             <a:ext cx="2422458" cy="461665"/>
           </a:xfrm>
           <a:prstGeom prst="rect">
@@ -6114,7 +6120,7 @@
           <a:lstStyle/>
           <a:p>
             <a:r>
-              <a:rPr lang="en-US" sz="1200" dirty="0"/>
+              <a:rPr lang="en-US" sz="1200" b="1" dirty="0"/>
               <a:t>Window POPUP1</a:t>
             </a:r>
           </a:p>
@@ -6140,8 +6146,8 @@
         </p:nvSpPr>
         <p:spPr>
           <a:xfrm>
-            <a:off x="2721147" y="1166932"/>
-            <a:ext cx="1608133" cy="276999"/>
+            <a:off x="3892903" y="1166932"/>
+            <a:ext cx="1633781" cy="276999"/>
           </a:xfrm>
           <a:prstGeom prst="rect">
             <a:avLst/>
@@ -6155,18 +6161,22 @@
           <a:lstStyle/>
           <a:p>
             <a:r>
-              <a:rPr lang="en-US" sz="1200" dirty="0"/>
-              <a:t>WIDGET SMILEY opens</a:t>
-            </a:r>
-          </a:p>
-        </p:txBody>
-      </p:sp>
-      <p:sp>
-        <p:nvSpPr>
-          <p:cNvPr id="10" name="TextBox 9">
-            <a:extLst>
-              <a:ext uri="{FF2B5EF4-FFF2-40B4-BE49-F238E27FC236}">
-                <a16:creationId xmlns:a16="http://schemas.microsoft.com/office/drawing/2014/main" id="{58DDB24C-72D8-453F-B481-9A68ED8D504C}"/>
+              <a:rPr lang="en-US" sz="1200" b="1" dirty="0"/>
+              <a:t>WIDGET SMILEY </a:t>
+            </a:r>
+            <a:r>
+              <a:rPr lang="en-US" sz="1200" dirty="0"/>
+              <a:t>opens</a:t>
+            </a:r>
+          </a:p>
+        </p:txBody>
+      </p:sp>
+      <p:sp>
+        <p:nvSpPr>
+          <p:cNvPr id="11" name="TextBox 10">
+            <a:extLst>
+              <a:ext uri="{FF2B5EF4-FFF2-40B4-BE49-F238E27FC236}">
+                <a16:creationId xmlns:a16="http://schemas.microsoft.com/office/drawing/2014/main" id="{0B6AFCCD-292A-48CE-988B-920F32E68B41}"/>
               </a:ext>
             </a:extLst>
           </p:cNvPr>
@@ -6175,8 +6185,8 @@
         </p:nvSpPr>
         <p:spPr>
           <a:xfrm>
-            <a:off x="4436095" y="1321594"/>
-            <a:ext cx="3929409" cy="276999"/>
+            <a:off x="3892903" y="1837599"/>
+            <a:ext cx="3042371" cy="276999"/>
           </a:xfrm>
           <a:prstGeom prst="rect">
             <a:avLst/>
@@ -6190,18 +6200,22 @@
           <a:lstStyle/>
           <a:p>
             <a:r>
-              <a:rPr lang="en-US" sz="1200" dirty="0"/>
-              <a:t>App: checks if input file exists (INPUTEXISTS=TRUE or FALSE)</a:t>
-            </a:r>
-          </a:p>
-        </p:txBody>
-      </p:sp>
-      <p:sp>
-        <p:nvSpPr>
-          <p:cNvPr id="11" name="TextBox 10">
-            <a:extLst>
-              <a:ext uri="{FF2B5EF4-FFF2-40B4-BE49-F238E27FC236}">
-                <a16:creationId xmlns:a16="http://schemas.microsoft.com/office/drawing/2014/main" id="{0B6AFCCD-292A-48CE-988B-920F32E68B41}"/>
+              <a:rPr lang="en-US" sz="1200" b="1" dirty="0"/>
+              <a:t>WIDGET SMILEY  </a:t>
+            </a:r>
+            <a:r>
+              <a:rPr lang="en-US" sz="1200" dirty="0"/>
+              <a:t>on mouse event DoubleClick</a:t>
+            </a:r>
+          </a:p>
+        </p:txBody>
+      </p:sp>
+      <p:sp>
+        <p:nvSpPr>
+          <p:cNvPr id="12" name="TextBox 11">
+            <a:extLst>
+              <a:ext uri="{FF2B5EF4-FFF2-40B4-BE49-F238E27FC236}">
+                <a16:creationId xmlns:a16="http://schemas.microsoft.com/office/drawing/2014/main" id="{59F6227F-7CC7-460E-864D-DEE2A9369E46}"/>
               </a:ext>
             </a:extLst>
           </p:cNvPr>
@@ -6210,8 +6224,101 @@
         </p:nvSpPr>
         <p:spPr>
           <a:xfrm>
-            <a:off x="2879455" y="2014946"/>
-            <a:ext cx="3042371" cy="276999"/>
+            <a:off x="8420111" y="485621"/>
+            <a:ext cx="2543110" cy="1015663"/>
+          </a:xfrm>
+          <a:prstGeom prst="rect">
+            <a:avLst/>
+          </a:prstGeom>
+          <a:noFill/>
+        </p:spPr>
+        <p:txBody>
+          <a:bodyPr wrap="square" rtlCol="0">
+            <a:spAutoFit/>
+          </a:bodyPr>
+          <a:lstStyle/>
+          <a:p>
+            <a:r>
+              <a:rPr lang="en-US" sz="1200" b="1" dirty="0"/>
+              <a:t>Routine LOAD_MAP</a:t>
+            </a:r>
+            <a:r>
+              <a:rPr lang="en-US" sz="1200" dirty="0"/>
+              <a:t>(MAP_NAME)</a:t>
+            </a:r>
+          </a:p>
+          <a:p>
+            <a:r>
+              <a:rPr lang="en-US" sz="1200" dirty="0"/>
+              <a:t>sets </a:t>
+            </a:r>
+            <a:r>
+              <a:rPr lang="en-US" sz="1200" dirty="0" err="1"/>
+              <a:t>width_MAP</a:t>
+            </a:r>
+            <a:r>
+              <a:rPr lang="en-US" sz="1200" dirty="0"/>
+              <a:t>, </a:t>
+            </a:r>
+            <a:r>
+              <a:rPr lang="en-US" sz="1200" dirty="0" err="1"/>
+              <a:t>height_Map</a:t>
+            </a:r>
+            <a:endParaRPr lang="en-US" sz="1200" dirty="0"/>
+          </a:p>
+          <a:p>
+            <a:r>
+              <a:rPr lang="en-US" sz="1200" dirty="0"/>
+              <a:t>Sets </a:t>
+            </a:r>
+            <a:r>
+              <a:rPr lang="en-US" sz="1200" dirty="0" err="1"/>
+              <a:t>HorPix_Map</a:t>
+            </a:r>
+            <a:r>
+              <a:rPr lang="en-US" sz="1200" dirty="0"/>
+              <a:t>, </a:t>
+            </a:r>
+            <a:r>
+              <a:rPr lang="en-US" sz="1200" dirty="0" err="1"/>
+              <a:t>VerPix_map</a:t>
+            </a:r>
+            <a:endParaRPr lang="en-US" sz="1200" dirty="0"/>
+          </a:p>
+          <a:p>
+            <a:r>
+              <a:rPr lang="en-US" sz="1200" dirty="0"/>
+              <a:t>sets MAP_CANVAS_ZERO</a:t>
+            </a:r>
+          </a:p>
+          <a:p>
+            <a:r>
+              <a:rPr lang="en-US" sz="1200" dirty="0" err="1"/>
+              <a:t>inits</a:t>
+            </a:r>
+            <a:r>
+              <a:rPr lang="en-US" sz="1200" dirty="0"/>
+              <a:t> MOVES_CANVAS …</a:t>
+            </a:r>
+          </a:p>
+        </p:txBody>
+      </p:sp>
+      <p:sp>
+        <p:nvSpPr>
+          <p:cNvPr id="13" name="TextBox 12">
+            <a:extLst>
+              <a:ext uri="{FF2B5EF4-FFF2-40B4-BE49-F238E27FC236}">
+                <a16:creationId xmlns:a16="http://schemas.microsoft.com/office/drawing/2014/main" id="{6F1E896F-F34E-4881-9949-E301F05994A8}"/>
+              </a:ext>
+            </a:extLst>
+          </p:cNvPr>
+          <p:cNvSpPr txBox="1"/>
+          <p:nvPr/>
+        </p:nvSpPr>
+        <p:spPr>
+          <a:xfrm>
+            <a:off x="2000340" y="7260422"/>
+            <a:ext cx="2901179" cy="830997"/>
           </a:xfrm>
           <a:prstGeom prst="rect">
             <a:avLst/>
@@ -6225,91 +6332,15 @@
           <a:lstStyle/>
           <a:p>
             <a:r>
-              <a:rPr lang="en-US" sz="1200" dirty="0"/>
-              <a:t>WIDGET SMILEY  on mouse event DoubleClick</a:t>
-            </a:r>
-          </a:p>
-        </p:txBody>
-      </p:sp>
-      <p:sp>
-        <p:nvSpPr>
-          <p:cNvPr id="12" name="TextBox 11">
-            <a:extLst>
-              <a:ext uri="{FF2B5EF4-FFF2-40B4-BE49-F238E27FC236}">
-                <a16:creationId xmlns:a16="http://schemas.microsoft.com/office/drawing/2014/main" id="{59F6227F-7CC7-460E-864D-DEE2A9369E46}"/>
-              </a:ext>
-            </a:extLst>
-          </p:cNvPr>
-          <p:cNvSpPr txBox="1"/>
-          <p:nvPr/>
-        </p:nvSpPr>
-        <p:spPr>
-          <a:xfrm>
-            <a:off x="7434752" y="1712314"/>
-            <a:ext cx="2263721" cy="461665"/>
-          </a:xfrm>
-          <a:prstGeom prst="rect">
-            <a:avLst/>
-          </a:prstGeom>
-          <a:noFill/>
-        </p:spPr>
-        <p:txBody>
-          <a:bodyPr wrap="square" rtlCol="0">
-            <a:spAutoFit/>
-          </a:bodyPr>
-          <a:lstStyle/>
-          <a:p>
-            <a:r>
-              <a:rPr lang="en-US" sz="1200" dirty="0"/>
-              <a:t>App sets MAP_CANVAS_ZERO</a:t>
-            </a:r>
-          </a:p>
-          <a:p>
-            <a:r>
-              <a:rPr lang="en-US" sz="1200" dirty="0" err="1"/>
-              <a:t>inits</a:t>
-            </a:r>
-            <a:r>
-              <a:rPr lang="en-US" sz="1200" dirty="0"/>
-              <a:t> MOVES_CANVAS …</a:t>
-            </a:r>
-          </a:p>
-        </p:txBody>
-      </p:sp>
-      <p:sp>
-        <p:nvSpPr>
-          <p:cNvPr id="13" name="TextBox 12">
-            <a:extLst>
-              <a:ext uri="{FF2B5EF4-FFF2-40B4-BE49-F238E27FC236}">
-                <a16:creationId xmlns:a16="http://schemas.microsoft.com/office/drawing/2014/main" id="{6F1E896F-F34E-4881-9949-E301F05994A8}"/>
-              </a:ext>
-            </a:extLst>
-          </p:cNvPr>
-          <p:cNvSpPr txBox="1"/>
-          <p:nvPr/>
-        </p:nvSpPr>
-        <p:spPr>
-          <a:xfrm>
-            <a:off x="902793" y="3389086"/>
-            <a:ext cx="2439514" cy="830997"/>
-          </a:xfrm>
-          <a:prstGeom prst="rect">
-            <a:avLst/>
-          </a:prstGeom>
-          <a:noFill/>
-        </p:spPr>
-        <p:txBody>
-          <a:bodyPr wrap="none" rtlCol="0">
-            <a:spAutoFit/>
-          </a:bodyPr>
-          <a:lstStyle/>
-          <a:p>
-            <a:r>
-              <a:rPr lang="en-US" sz="1200" dirty="0"/>
+              <a:rPr lang="en-US" sz="1200" b="1" dirty="0"/>
               <a:t>Window POPUP2</a:t>
             </a:r>
           </a:p>
           <a:p>
+            <a:r>
+              <a:rPr lang="en-US" sz="1200" dirty="0"/>
+              <a:t>	</a:t>
+            </a:r>
             <a:r>
               <a:rPr lang="en-US" sz="1200" dirty="0" err="1"/>
               <a:t>Point_PROMPT</a:t>
@@ -6318,6 +6349,10 @@
           </a:p>
           <a:p>
             <a:r>
+              <a:rPr lang="en-US" sz="1200" dirty="0"/>
+              <a:t>	</a:t>
+            </a:r>
+            <a:r>
               <a:rPr lang="en-US" sz="1200" dirty="0" err="1"/>
               <a:t>Latitude_PROMPT</a:t>
             </a:r>
@@ -6333,6 +6368,10 @@
           </a:p>
           <a:p>
             <a:r>
+              <a:rPr lang="en-US" sz="1200" dirty="0"/>
+              <a:t>	</a:t>
+            </a:r>
+            <a:r>
               <a:rPr lang="en-US" sz="1200" dirty="0" err="1"/>
               <a:t>Longitude_PROMPT</a:t>
             </a:r>
@@ -6362,7 +6401,7 @@
         </p:nvSpPr>
         <p:spPr>
           <a:xfrm>
-            <a:off x="7667452" y="2465519"/>
+            <a:off x="3543828" y="4164452"/>
             <a:ext cx="1838324" cy="1754326"/>
           </a:xfrm>
           <a:prstGeom prst="rect">
@@ -6470,7 +6509,7 @@
         </p:nvSpPr>
         <p:spPr>
           <a:xfrm>
-            <a:off x="9884872" y="2465519"/>
+            <a:off x="1855176" y="4227952"/>
             <a:ext cx="1630575" cy="1754326"/>
           </a:xfrm>
           <a:prstGeom prst="rect">
@@ -6578,8 +6617,8 @@
         </p:nvSpPr>
         <p:spPr>
           <a:xfrm>
-            <a:off x="1321405" y="2349416"/>
-            <a:ext cx="2781402" cy="1015663"/>
+            <a:off x="695119" y="3113665"/>
+            <a:ext cx="2818272" cy="1015663"/>
           </a:xfrm>
           <a:prstGeom prst="rect">
             <a:avLst/>
@@ -6593,8 +6632,12 @@
           <a:lstStyle/>
           <a:p>
             <a:r>
-              <a:rPr lang="en-US" sz="1200" dirty="0"/>
-              <a:t>Routine INPUT_FILE_CHECK(MAP_NAME)</a:t>
+              <a:rPr lang="en-US" sz="1200" b="1" dirty="0"/>
+              <a:t>Routine INPUT_FILE_CHECK</a:t>
+            </a:r>
+            <a:r>
+              <a:rPr lang="en-US" sz="1200" dirty="0"/>
+              <a:t>(MAP_NAME)</a:t>
             </a:r>
           </a:p>
           <a:p>
@@ -6637,152 +6680,8 @@
         </p:nvSpPr>
         <p:spPr>
           <a:xfrm>
-            <a:off x="4102807" y="3716566"/>
-            <a:ext cx="2474780" cy="461665"/>
-          </a:xfrm>
-          <a:prstGeom prst="rect">
-            <a:avLst/>
-          </a:prstGeom>
-          <a:noFill/>
-        </p:spPr>
-        <p:txBody>
-          <a:bodyPr wrap="none" rtlCol="0">
-            <a:spAutoFit/>
-          </a:bodyPr>
-          <a:lstStyle/>
-          <a:p>
-            <a:r>
-              <a:rPr lang="en-US" sz="1200" dirty="0" err="1"/>
-              <a:t>Latitude_REF</a:t>
-            </a:r>
-            <a:r>
-              <a:rPr lang="en-US" sz="1200" dirty="0"/>
-              <a:t>= </a:t>
-            </a:r>
-            <a:r>
-              <a:rPr lang="en-US" sz="1200" dirty="0" err="1"/>
-              <a:t>Latitude_PROMPT</a:t>
-            </a:r>
-            <a:endParaRPr lang="en-US" sz="1200" dirty="0"/>
-          </a:p>
-          <a:p>
-            <a:r>
-              <a:rPr lang="en-US" sz="1200" dirty="0" err="1"/>
-              <a:t>Longitude_REF</a:t>
-            </a:r>
-            <a:r>
-              <a:rPr lang="en-US" sz="1200" dirty="0"/>
-              <a:t>= </a:t>
-            </a:r>
-            <a:r>
-              <a:rPr lang="en-US" sz="1200" dirty="0" err="1"/>
-              <a:t>Longitude_PROMPT</a:t>
-            </a:r>
-            <a:endParaRPr lang="en-US" sz="1200" dirty="0"/>
-          </a:p>
-        </p:txBody>
-      </p:sp>
-      <p:sp>
-        <p:nvSpPr>
-          <p:cNvPr id="18" name="TextBox 17">
-            <a:extLst>
-              <a:ext uri="{FF2B5EF4-FFF2-40B4-BE49-F238E27FC236}">
-                <a16:creationId xmlns:a16="http://schemas.microsoft.com/office/drawing/2014/main" id="{7103DB9A-2F63-41AB-953A-DF430BAC7364}"/>
-              </a:ext>
-            </a:extLst>
-          </p:cNvPr>
-          <p:cNvSpPr txBox="1"/>
-          <p:nvPr/>
-        </p:nvSpPr>
-        <p:spPr>
-          <a:xfrm>
-            <a:off x="4102807" y="4237672"/>
-            <a:ext cx="2790572" cy="461665"/>
-          </a:xfrm>
-          <a:prstGeom prst="rect">
-            <a:avLst/>
-          </a:prstGeom>
-          <a:noFill/>
-        </p:spPr>
-        <p:txBody>
-          <a:bodyPr wrap="none" rtlCol="0">
-            <a:spAutoFit/>
-          </a:bodyPr>
-          <a:lstStyle/>
-          <a:p>
-            <a:r>
-              <a:rPr lang="en-US" sz="1200" dirty="0"/>
-              <a:t>Latitude_ POINT2 = </a:t>
-            </a:r>
-            <a:r>
-              <a:rPr lang="en-US" sz="1200" dirty="0" err="1"/>
-              <a:t>Latitude_PROMPT</a:t>
-            </a:r>
-            <a:endParaRPr lang="en-US" sz="1200" dirty="0"/>
-          </a:p>
-          <a:p>
-            <a:r>
-              <a:rPr lang="en-US" sz="1200" dirty="0"/>
-              <a:t>Longitude_ POINT2 = </a:t>
-            </a:r>
-            <a:r>
-              <a:rPr lang="en-US" sz="1200" dirty="0" err="1"/>
-              <a:t>Longitude_PROMPT</a:t>
-            </a:r>
-            <a:endParaRPr lang="en-US" sz="1200" dirty="0"/>
-          </a:p>
-        </p:txBody>
-      </p:sp>
-      <p:sp>
-        <p:nvSpPr>
-          <p:cNvPr id="19" name="Rectangle 18">
-            <a:extLst>
-              <a:ext uri="{FF2B5EF4-FFF2-40B4-BE49-F238E27FC236}">
-                <a16:creationId xmlns:a16="http://schemas.microsoft.com/office/drawing/2014/main" id="{F4467DB0-5B6E-499B-98E8-4AD50F4E8D9D}"/>
-              </a:ext>
-            </a:extLst>
-          </p:cNvPr>
-          <p:cNvSpPr/>
-          <p:nvPr/>
-        </p:nvSpPr>
-        <p:spPr>
-          <a:xfrm>
-            <a:off x="4507631" y="2210916"/>
-            <a:ext cx="1253035" cy="276999"/>
-          </a:xfrm>
-          <a:prstGeom prst="rect">
-            <a:avLst/>
-          </a:prstGeom>
-        </p:spPr>
-        <p:txBody>
-          <a:bodyPr wrap="none">
-            <a:spAutoFit/>
-          </a:bodyPr>
-          <a:lstStyle/>
-          <a:p>
-            <a:r>
-              <a:rPr lang="en-US" sz="1200" dirty="0"/>
-              <a:t>Sets MAP_NAME</a:t>
-            </a:r>
-          </a:p>
-        </p:txBody>
-      </p:sp>
-      <p:sp>
-        <p:nvSpPr>
-          <p:cNvPr id="20" name="TextBox 19">
-            <a:extLst>
-              <a:ext uri="{FF2B5EF4-FFF2-40B4-BE49-F238E27FC236}">
-                <a16:creationId xmlns:a16="http://schemas.microsoft.com/office/drawing/2014/main" id="{C6402CD7-8D6E-4A13-8A69-B6924F70410D}"/>
-              </a:ext>
-            </a:extLst>
-          </p:cNvPr>
-          <p:cNvSpPr txBox="1"/>
-          <p:nvPr/>
-        </p:nvSpPr>
-        <p:spPr>
-          <a:xfrm>
-            <a:off x="1085699" y="4867467"/>
-            <a:ext cx="612668" cy="276999"/>
+            <a:off x="1859188" y="9777138"/>
+            <a:ext cx="2474780" cy="830997"/>
           </a:xfrm>
           <a:prstGeom prst="rect">
             <a:avLst/>
@@ -6802,17 +6701,61 @@
           <a:p>
             <a:r>
               <a:rPr lang="en-US" sz="1200" dirty="0"/>
-              <a:t>ITER=1</a:t>
-            </a:r>
-          </a:p>
-        </p:txBody>
-      </p:sp>
-      <p:sp>
-        <p:nvSpPr>
-          <p:cNvPr id="21" name="TextBox 20">
-            <a:extLst>
-              <a:ext uri="{FF2B5EF4-FFF2-40B4-BE49-F238E27FC236}">
-                <a16:creationId xmlns:a16="http://schemas.microsoft.com/office/drawing/2014/main" id="{4A5BB1B9-3E9E-4B7E-B94C-F35C879C9457}"/>
+              <a:t>Sets MOVES_CANVAS</a:t>
+            </a:r>
+          </a:p>
+          <a:p>
+            <a:r>
+              <a:rPr lang="en-US" sz="1200" dirty="0"/>
+              <a:t>Sets </a:t>
+            </a:r>
+            <a:r>
+              <a:rPr lang="en-US" sz="1200" dirty="0" err="1"/>
+              <a:t>Ref_MOVES</a:t>
+            </a:r>
+            <a:r>
+              <a:rPr lang="en-US" sz="1200" dirty="0"/>
+              <a:t>=0</a:t>
+            </a:r>
+          </a:p>
+          <a:p>
+            <a:r>
+              <a:rPr lang="en-US" sz="1200" dirty="0" err="1"/>
+              <a:t>Latitude_REF</a:t>
+            </a:r>
+            <a:r>
+              <a:rPr lang="en-US" sz="1200" dirty="0"/>
+              <a:t>= </a:t>
+            </a:r>
+            <a:r>
+              <a:rPr lang="en-US" sz="1200" dirty="0" err="1"/>
+              <a:t>Latitude_PROMPT</a:t>
+            </a:r>
+            <a:endParaRPr lang="en-US" sz="1200" dirty="0"/>
+          </a:p>
+          <a:p>
+            <a:r>
+              <a:rPr lang="en-US" sz="1200" dirty="0" err="1"/>
+              <a:t>Longitude_REF</a:t>
+            </a:r>
+            <a:r>
+              <a:rPr lang="en-US" sz="1200" dirty="0"/>
+              <a:t>= </a:t>
+            </a:r>
+            <a:r>
+              <a:rPr lang="en-US" sz="1200" dirty="0" err="1"/>
+              <a:t>Longitude_PROMPT</a:t>
+            </a:r>
+            <a:endParaRPr lang="en-US" sz="1200" dirty="0"/>
+          </a:p>
+        </p:txBody>
+      </p:sp>
+      <p:sp>
+        <p:nvSpPr>
+          <p:cNvPr id="18" name="TextBox 17">
+            <a:extLst>
+              <a:ext uri="{FF2B5EF4-FFF2-40B4-BE49-F238E27FC236}">
+                <a16:creationId xmlns:a16="http://schemas.microsoft.com/office/drawing/2014/main" id="{7103DB9A-2F63-41AB-953A-DF430BAC7364}"/>
               </a:ext>
             </a:extLst>
           </p:cNvPr>
@@ -6821,8 +6764,8 @@
         </p:nvSpPr>
         <p:spPr>
           <a:xfrm>
-            <a:off x="1934972" y="4867467"/>
-            <a:ext cx="612668" cy="276999"/>
+            <a:off x="5416549" y="9805463"/>
+            <a:ext cx="2790572" cy="646331"/>
           </a:xfrm>
           <a:prstGeom prst="rect">
             <a:avLst/>
@@ -6842,17 +6785,89 @@
           <a:p>
             <a:r>
               <a:rPr lang="en-US" sz="1200" dirty="0"/>
-              <a:t>ITER=2</a:t>
-            </a:r>
-          </a:p>
-        </p:txBody>
-      </p:sp>
-      <p:sp>
-        <p:nvSpPr>
-          <p:cNvPr id="22" name="TextBox 21">
-            <a:extLst>
-              <a:ext uri="{FF2B5EF4-FFF2-40B4-BE49-F238E27FC236}">
-                <a16:creationId xmlns:a16="http://schemas.microsoft.com/office/drawing/2014/main" id="{D9540B5F-FD13-4BA0-894A-508294B49E12}"/>
+              <a:t>Sets </a:t>
+            </a:r>
+            <a:r>
+              <a:rPr lang="en-US" sz="1200" dirty="0" err="1"/>
+              <a:t>Ref_MOVES</a:t>
+            </a:r>
+            <a:r>
+              <a:rPr lang="en-US" sz="1200" dirty="0"/>
+              <a:t>(</a:t>
+            </a:r>
+            <a:r>
+              <a:rPr lang="en-US" sz="1200" dirty="0" err="1"/>
+              <a:t>X_Moves,Y_Moves</a:t>
+            </a:r>
+            <a:r>
+              <a:rPr lang="en-US" sz="1200" dirty="0"/>
+              <a:t>)</a:t>
+            </a:r>
+          </a:p>
+          <a:p>
+            <a:r>
+              <a:rPr lang="en-US" sz="1200" dirty="0"/>
+              <a:t>Latitude_ POINT2 = </a:t>
+            </a:r>
+            <a:r>
+              <a:rPr lang="en-US" sz="1200" dirty="0" err="1"/>
+              <a:t>Latitude_PROMPT</a:t>
+            </a:r>
+            <a:endParaRPr lang="en-US" sz="1200" dirty="0"/>
+          </a:p>
+          <a:p>
+            <a:r>
+              <a:rPr lang="en-US" sz="1200" dirty="0"/>
+              <a:t>Longitude_ POINT2 = </a:t>
+            </a:r>
+            <a:r>
+              <a:rPr lang="en-US" sz="1200" dirty="0" err="1"/>
+              <a:t>Longitude_PROMPT</a:t>
+            </a:r>
+            <a:endParaRPr lang="en-US" sz="1200" dirty="0"/>
+          </a:p>
+        </p:txBody>
+      </p:sp>
+      <p:sp>
+        <p:nvSpPr>
+          <p:cNvPr id="19" name="Rectangle 18">
+            <a:extLst>
+              <a:ext uri="{FF2B5EF4-FFF2-40B4-BE49-F238E27FC236}">
+                <a16:creationId xmlns:a16="http://schemas.microsoft.com/office/drawing/2014/main" id="{F4467DB0-5B6E-499B-98E8-4AD50F4E8D9D}"/>
+              </a:ext>
+            </a:extLst>
+          </p:cNvPr>
+          <p:cNvSpPr/>
+          <p:nvPr/>
+        </p:nvSpPr>
+        <p:spPr>
+          <a:xfrm>
+            <a:off x="786045" y="2719927"/>
+            <a:ext cx="1401025" cy="276999"/>
+          </a:xfrm>
+          <a:prstGeom prst="rect">
+            <a:avLst/>
+          </a:prstGeom>
+        </p:spPr>
+        <p:txBody>
+          <a:bodyPr wrap="none">
+            <a:spAutoFit/>
+          </a:bodyPr>
+          <a:lstStyle/>
+          <a:p>
+            <a:r>
+              <a:rPr lang="en-US" sz="1200" dirty="0"/>
+              <a:t>Resets MAP_NAME</a:t>
+            </a:r>
+          </a:p>
+        </p:txBody>
+      </p:sp>
+      <p:sp>
+        <p:nvSpPr>
+          <p:cNvPr id="21" name="TextBox 20">
+            <a:extLst>
+              <a:ext uri="{FF2B5EF4-FFF2-40B4-BE49-F238E27FC236}">
+                <a16:creationId xmlns:a16="http://schemas.microsoft.com/office/drawing/2014/main" id="{4A5BB1B9-3E9E-4B7E-B94C-F35C879C9457}"/>
               </a:ext>
             </a:extLst>
           </p:cNvPr>
@@ -6861,13 +6876,18 @@
         </p:nvSpPr>
         <p:spPr>
           <a:xfrm>
-            <a:off x="643246" y="5745602"/>
-            <a:ext cx="2922018" cy="1015663"/>
+            <a:off x="5809912" y="6672862"/>
+            <a:ext cx="612668" cy="276999"/>
           </a:xfrm>
           <a:prstGeom prst="rect">
             <a:avLst/>
           </a:prstGeom>
           <a:noFill/>
+          <a:ln w="3175">
+            <a:solidFill>
+              <a:schemeClr val="tx1"/>
+            </a:solidFill>
+          </a:ln>
         </p:spPr>
         <p:txBody>
           <a:bodyPr wrap="none" rtlCol="0">
@@ -6877,72 +6897,17 @@
           <a:p>
             <a:r>
               <a:rPr lang="en-US" sz="1200" dirty="0"/>
-              <a:t>POPUP3</a:t>
-            </a:r>
-          </a:p>
-          <a:p>
-            <a:r>
-              <a:rPr lang="en-US" sz="1200" dirty="0" err="1"/>
-              <a:t>Distance_REF</a:t>
-            </a:r>
-            <a:r>
-              <a:rPr lang="en-US" sz="1200" dirty="0"/>
-              <a:t> _PROMPT= </a:t>
-            </a:r>
-            <a:r>
-              <a:rPr lang="en-US" sz="1200" dirty="0" err="1"/>
-              <a:t>Distance_REF</a:t>
-            </a:r>
-            <a:endParaRPr lang="en-US" sz="1200" dirty="0"/>
-          </a:p>
-          <a:p>
-            <a:r>
-              <a:rPr lang="en-US" sz="1200" dirty="0" err="1"/>
-              <a:t>Scale_PROMPT</a:t>
-            </a:r>
-            <a:r>
-              <a:rPr lang="en-US" sz="1200" dirty="0"/>
-              <a:t>= Scale</a:t>
-            </a:r>
-          </a:p>
-          <a:p>
-            <a:r>
-              <a:rPr lang="en-US" sz="1200" dirty="0" err="1"/>
-              <a:t>Rotation_Angle</a:t>
-            </a:r>
-            <a:r>
-              <a:rPr lang="en-US" sz="1200" dirty="0"/>
-              <a:t>_ PROMPT = </a:t>
-            </a:r>
-            <a:r>
-              <a:rPr lang="en-US" sz="1200" dirty="0" err="1"/>
-              <a:t>Rotation_Angle</a:t>
-            </a:r>
-            <a:endParaRPr lang="en-US" sz="1200" dirty="0"/>
-          </a:p>
-          <a:p>
-            <a:r>
-              <a:rPr lang="en-US" sz="1200" dirty="0" err="1"/>
-              <a:t>North_Mode</a:t>
-            </a:r>
-            <a:r>
-              <a:rPr lang="en-US" sz="1200" dirty="0"/>
-              <a:t>_ PROMPT = </a:t>
-            </a:r>
-            <a:r>
-              <a:rPr lang="en-US" sz="1200" dirty="0" err="1"/>
-              <a:t>North_Mode</a:t>
-            </a:r>
-            <a:endParaRPr lang="en-US" sz="1200" dirty="0"/>
-          </a:p>
-        </p:txBody>
-      </p:sp>
-      <p:sp>
-        <p:nvSpPr>
-          <p:cNvPr id="23" name="TextBox 22">
-            <a:extLst>
-              <a:ext uri="{FF2B5EF4-FFF2-40B4-BE49-F238E27FC236}">
-                <a16:creationId xmlns:a16="http://schemas.microsoft.com/office/drawing/2014/main" id="{460ADE07-F705-41DC-B867-C1FA5D5FFDAF}"/>
+              <a:t>ITER=2</a:t>
+            </a:r>
+          </a:p>
+        </p:txBody>
+      </p:sp>
+      <p:sp>
+        <p:nvSpPr>
+          <p:cNvPr id="22" name="TextBox 21">
+            <a:extLst>
+              <a:ext uri="{FF2B5EF4-FFF2-40B4-BE49-F238E27FC236}">
+                <a16:creationId xmlns:a16="http://schemas.microsoft.com/office/drawing/2014/main" id="{D9540B5F-FD13-4BA0-894A-508294B49E12}"/>
               </a:ext>
             </a:extLst>
           </p:cNvPr>
@@ -6951,8 +6916,8 @@
         </p:nvSpPr>
         <p:spPr>
           <a:xfrm>
-            <a:off x="2915315" y="4806971"/>
-            <a:ext cx="2684774" cy="830997"/>
+            <a:off x="9340251" y="6720804"/>
+            <a:ext cx="2922018" cy="1015663"/>
           </a:xfrm>
           <a:prstGeom prst="rect">
             <a:avLst/>
@@ -6966,45 +6931,73 @@
           <a:lstStyle/>
           <a:p>
             <a:r>
-              <a:rPr lang="en-US" sz="1200" dirty="0"/>
-              <a:t>Window POPUP2</a:t>
+              <a:rPr lang="en-US" sz="1200" b="1" dirty="0"/>
+              <a:t>POPUP3</a:t>
             </a:r>
           </a:p>
           <a:p>
             <a:r>
               <a:rPr lang="en-US" sz="1200" dirty="0" err="1"/>
-              <a:t>Point_PROMPT</a:t>
+              <a:t>Distance_REF</a:t>
+            </a:r>
+            <a:r>
+              <a:rPr lang="en-US" sz="1200" dirty="0"/>
+              <a:t> _PROMPT= </a:t>
+            </a:r>
+            <a:r>
+              <a:rPr lang="en-US" sz="1200" dirty="0" err="1"/>
+              <a:t>Distance_REF</a:t>
             </a:r>
             <a:endParaRPr lang="en-US" sz="1200" dirty="0"/>
           </a:p>
           <a:p>
             <a:r>
               <a:rPr lang="en-US" sz="1200" dirty="0" err="1"/>
-              <a:t>Latitude_PROMPT</a:t>
-            </a:r>
-            <a:r>
-              <a:rPr lang="en-US" sz="1200" dirty="0"/>
-              <a:t>=Latitude_POINT2</a:t>
+              <a:t>Scale_PROMPT</a:t>
+            </a:r>
+            <a:r>
+              <a:rPr lang="en-US" sz="1200" dirty="0"/>
+              <a:t>= Scale</a:t>
             </a:r>
           </a:p>
           <a:p>
             <a:r>
               <a:rPr lang="en-US" sz="1200" dirty="0" err="1"/>
-              <a:t>Longitude_PROMPT</a:t>
-            </a:r>
-            <a:r>
-              <a:rPr lang="en-US" sz="1200" dirty="0"/>
-              <a:t>=Longitude_POINT2</a:t>
-            </a:r>
-          </a:p>
-        </p:txBody>
-      </p:sp>
-      <p:sp>
-        <p:nvSpPr>
-          <p:cNvPr id="24" name="TextBox 23">
-            <a:extLst>
-              <a:ext uri="{FF2B5EF4-FFF2-40B4-BE49-F238E27FC236}">
-                <a16:creationId xmlns:a16="http://schemas.microsoft.com/office/drawing/2014/main" id="{F39F54EF-7C78-4CC6-852C-08EFA5663B7A}"/>
+              <a:t>Rotation_Angle</a:t>
+            </a:r>
+            <a:r>
+              <a:rPr lang="en-US" sz="1200" dirty="0"/>
+              <a:t>_ PROMPT = </a:t>
+            </a:r>
+            <a:r>
+              <a:rPr lang="en-US" sz="1200" dirty="0" err="1"/>
+              <a:t>Rotation_Angle</a:t>
+            </a:r>
+            <a:endParaRPr lang="en-US" sz="1200" dirty="0"/>
+          </a:p>
+          <a:p>
+            <a:r>
+              <a:rPr lang="en-US" sz="1200" dirty="0" err="1"/>
+              <a:t>North_Mode</a:t>
+            </a:r>
+            <a:r>
+              <a:rPr lang="en-US" sz="1200" dirty="0"/>
+              <a:t>_ PROMPT = </a:t>
+            </a:r>
+            <a:r>
+              <a:rPr lang="en-US" sz="1200" dirty="0" err="1"/>
+              <a:t>North_Mode</a:t>
+            </a:r>
+            <a:endParaRPr lang="en-US" sz="1200" dirty="0"/>
+          </a:p>
+        </p:txBody>
+      </p:sp>
+      <p:sp>
+        <p:nvSpPr>
+          <p:cNvPr id="23" name="TextBox 22">
+            <a:extLst>
+              <a:ext uri="{FF2B5EF4-FFF2-40B4-BE49-F238E27FC236}">
+                <a16:creationId xmlns:a16="http://schemas.microsoft.com/office/drawing/2014/main" id="{460ADE07-F705-41DC-B867-C1FA5D5FFDAF}"/>
               </a:ext>
             </a:extLst>
           </p:cNvPr>
@@ -7013,8 +7006,8 @@
         </p:nvSpPr>
         <p:spPr>
           <a:xfrm>
-            <a:off x="5498093" y="5788372"/>
-            <a:ext cx="2922018" cy="830997"/>
+            <a:off x="5349303" y="7190874"/>
+            <a:ext cx="3146439" cy="830997"/>
           </a:xfrm>
           <a:prstGeom prst="rect">
             <a:avLst/>
@@ -7028,6 +7021,85 @@
           <a:lstStyle/>
           <a:p>
             <a:r>
+              <a:rPr lang="en-US" sz="1200" b="1" dirty="0"/>
+              <a:t>Window POPUP2</a:t>
+            </a:r>
+          </a:p>
+          <a:p>
+            <a:r>
+              <a:rPr lang="en-US" sz="1200" dirty="0"/>
+              <a:t>	</a:t>
+            </a:r>
+            <a:r>
+              <a:rPr lang="en-US" sz="1200" dirty="0" err="1"/>
+              <a:t>Point_PROMPT</a:t>
+            </a:r>
+            <a:endParaRPr lang="en-US" sz="1200" dirty="0"/>
+          </a:p>
+          <a:p>
+            <a:r>
+              <a:rPr lang="en-US" sz="1200" dirty="0"/>
+              <a:t>	</a:t>
+            </a:r>
+            <a:r>
+              <a:rPr lang="en-US" sz="1200" dirty="0" err="1"/>
+              <a:t>Latitude_PROMPT</a:t>
+            </a:r>
+            <a:r>
+              <a:rPr lang="en-US" sz="1200" dirty="0"/>
+              <a:t>=Latitude_POINT2</a:t>
+            </a:r>
+          </a:p>
+          <a:p>
+            <a:r>
+              <a:rPr lang="en-US" sz="1200" dirty="0"/>
+              <a:t>	</a:t>
+            </a:r>
+            <a:r>
+              <a:rPr lang="en-US" sz="1200" dirty="0" err="1"/>
+              <a:t>Longitude_PROMPT</a:t>
+            </a:r>
+            <a:r>
+              <a:rPr lang="en-US" sz="1200" dirty="0"/>
+              <a:t>=Longitude_POINT2</a:t>
+            </a:r>
+          </a:p>
+        </p:txBody>
+      </p:sp>
+      <p:sp>
+        <p:nvSpPr>
+          <p:cNvPr id="24" name="TextBox 23">
+            <a:extLst>
+              <a:ext uri="{FF2B5EF4-FFF2-40B4-BE49-F238E27FC236}">
+                <a16:creationId xmlns:a16="http://schemas.microsoft.com/office/drawing/2014/main" id="{F39F54EF-7C78-4CC6-852C-08EFA5663B7A}"/>
+              </a:ext>
+            </a:extLst>
+          </p:cNvPr>
+          <p:cNvSpPr txBox="1"/>
+          <p:nvPr/>
+        </p:nvSpPr>
+        <p:spPr>
+          <a:xfrm>
+            <a:off x="9502212" y="8111101"/>
+            <a:ext cx="2922018" cy="830997"/>
+          </a:xfrm>
+          <a:prstGeom prst="rect">
+            <a:avLst/>
+          </a:prstGeom>
+          <a:noFill/>
+          <a:ln w="3175">
+            <a:solidFill>
+              <a:schemeClr val="tx1"/>
+            </a:solidFill>
+          </a:ln>
+        </p:spPr>
+        <p:txBody>
+          <a:bodyPr wrap="none" rtlCol="0">
+            <a:spAutoFit/>
+          </a:bodyPr>
+          <a:lstStyle/>
+          <a:p>
+            <a:r>
               <a:rPr lang="en-US" sz="1200" dirty="0" err="1"/>
               <a:t>Distance_REF</a:t>
             </a:r>
@@ -7093,6 +7165,1638 @@
           </a:p>
         </p:txBody>
       </p:sp>
+      <p:cxnSp>
+        <p:nvCxnSpPr>
+          <p:cNvPr id="26" name="Connector: Elbow 25">
+            <a:extLst>
+              <a:ext uri="{FF2B5EF4-FFF2-40B4-BE49-F238E27FC236}">
+                <a16:creationId xmlns:a16="http://schemas.microsoft.com/office/drawing/2014/main" id="{5D50EDCC-3521-47A8-99DA-2C238932499A}"/>
+              </a:ext>
+            </a:extLst>
+          </p:cNvPr>
+          <p:cNvCxnSpPr>
+            <a:stCxn id="2" idx="2"/>
+            <a:endCxn id="7" idx="0"/>
+          </p:cNvCxnSpPr>
+          <p:nvPr/>
+        </p:nvCxnSpPr>
+        <p:spPr>
+          <a:xfrm rot="16200000" flipH="1">
+            <a:off x="1301966" y="1512739"/>
+            <a:ext cx="280542" cy="512259"/>
+          </a:xfrm>
+          <a:prstGeom prst="bentConnector3">
+            <a:avLst>
+              <a:gd name="adj1" fmla="val 50000"/>
+            </a:avLst>
+          </a:prstGeom>
+          <a:ln>
+            <a:tailEnd type="triangle"/>
+          </a:ln>
+        </p:spPr>
+        <p:style>
+          <a:lnRef idx="1">
+            <a:schemeClr val="accent1"/>
+          </a:lnRef>
+          <a:fillRef idx="0">
+            <a:schemeClr val="accent1"/>
+          </a:fillRef>
+          <a:effectRef idx="0">
+            <a:schemeClr val="accent1"/>
+          </a:effectRef>
+          <a:fontRef idx="minor">
+            <a:schemeClr val="tx1"/>
+          </a:fontRef>
+        </p:style>
+      </p:cxnSp>
+      <p:cxnSp>
+        <p:nvCxnSpPr>
+          <p:cNvPr id="29" name="Connector: Elbow 28">
+            <a:extLst>
+              <a:ext uri="{FF2B5EF4-FFF2-40B4-BE49-F238E27FC236}">
+                <a16:creationId xmlns:a16="http://schemas.microsoft.com/office/drawing/2014/main" id="{C6DB65A4-0595-4D3B-BE76-2A9BD1479D63}"/>
+              </a:ext>
+            </a:extLst>
+          </p:cNvPr>
+          <p:cNvCxnSpPr>
+            <a:stCxn id="7" idx="3"/>
+            <a:endCxn id="19" idx="0"/>
+          </p:cNvCxnSpPr>
+          <p:nvPr/>
+        </p:nvCxnSpPr>
+        <p:spPr>
+          <a:xfrm flipH="1">
+            <a:off x="1486558" y="2139973"/>
+            <a:ext cx="1423038" cy="579954"/>
+          </a:xfrm>
+          <a:prstGeom prst="bentConnector4">
+            <a:avLst>
+              <a:gd name="adj1" fmla="val -16064"/>
+              <a:gd name="adj2" fmla="val 69901"/>
+            </a:avLst>
+          </a:prstGeom>
+          <a:ln>
+            <a:tailEnd type="triangle"/>
+          </a:ln>
+        </p:spPr>
+        <p:style>
+          <a:lnRef idx="1">
+            <a:schemeClr val="accent1"/>
+          </a:lnRef>
+          <a:fillRef idx="0">
+            <a:schemeClr val="accent1"/>
+          </a:fillRef>
+          <a:effectRef idx="0">
+            <a:schemeClr val="accent1"/>
+          </a:effectRef>
+          <a:fontRef idx="minor">
+            <a:schemeClr val="tx1"/>
+          </a:fontRef>
+        </p:style>
+      </p:cxnSp>
+      <p:cxnSp>
+        <p:nvCxnSpPr>
+          <p:cNvPr id="41" name="Connector: Elbow 40">
+            <a:extLst>
+              <a:ext uri="{FF2B5EF4-FFF2-40B4-BE49-F238E27FC236}">
+                <a16:creationId xmlns:a16="http://schemas.microsoft.com/office/drawing/2014/main" id="{4A97B4F9-48BF-4028-8F5B-6E569E79A9F1}"/>
+              </a:ext>
+            </a:extLst>
+          </p:cNvPr>
+          <p:cNvCxnSpPr>
+            <a:stCxn id="2" idx="3"/>
+            <a:endCxn id="8" idx="1"/>
+          </p:cNvCxnSpPr>
+          <p:nvPr/>
+        </p:nvCxnSpPr>
+        <p:spPr>
+          <a:xfrm flipV="1">
+            <a:off x="1915218" y="1305432"/>
+            <a:ext cx="1977685" cy="92334"/>
+          </a:xfrm>
+          <a:prstGeom prst="bentConnector3">
+            <a:avLst/>
+          </a:prstGeom>
+          <a:ln>
+            <a:tailEnd type="triangle"/>
+          </a:ln>
+        </p:spPr>
+        <p:style>
+          <a:lnRef idx="1">
+            <a:schemeClr val="accent1"/>
+          </a:lnRef>
+          <a:fillRef idx="0">
+            <a:schemeClr val="accent1"/>
+          </a:fillRef>
+          <a:effectRef idx="0">
+            <a:schemeClr val="accent1"/>
+          </a:effectRef>
+          <a:fontRef idx="minor">
+            <a:schemeClr val="tx1"/>
+          </a:fontRef>
+        </p:style>
+      </p:cxnSp>
+      <p:cxnSp>
+        <p:nvCxnSpPr>
+          <p:cNvPr id="43" name="Connector: Elbow 42">
+            <a:extLst>
+              <a:ext uri="{FF2B5EF4-FFF2-40B4-BE49-F238E27FC236}">
+                <a16:creationId xmlns:a16="http://schemas.microsoft.com/office/drawing/2014/main" id="{283285D8-B741-446C-ACF5-23318CC47870}"/>
+              </a:ext>
+            </a:extLst>
+          </p:cNvPr>
+          <p:cNvCxnSpPr>
+            <a:stCxn id="19" idx="3"/>
+            <a:endCxn id="16" idx="1"/>
+          </p:cNvCxnSpPr>
+          <p:nvPr/>
+        </p:nvCxnSpPr>
+        <p:spPr>
+          <a:xfrm flipH="1">
+            <a:off x="695119" y="2858427"/>
+            <a:ext cx="1491951" cy="763070"/>
+          </a:xfrm>
+          <a:prstGeom prst="bentConnector5">
+            <a:avLst>
+              <a:gd name="adj1" fmla="val -15322"/>
+              <a:gd name="adj2" fmla="val 25799"/>
+              <a:gd name="adj3" fmla="val 115322"/>
+            </a:avLst>
+          </a:prstGeom>
+          <a:ln>
+            <a:tailEnd type="triangle"/>
+          </a:ln>
+        </p:spPr>
+        <p:style>
+          <a:lnRef idx="1">
+            <a:schemeClr val="accent1"/>
+          </a:lnRef>
+          <a:fillRef idx="0">
+            <a:schemeClr val="accent1"/>
+          </a:fillRef>
+          <a:effectRef idx="0">
+            <a:schemeClr val="accent1"/>
+          </a:effectRef>
+          <a:fontRef idx="minor">
+            <a:schemeClr val="tx1"/>
+          </a:fontRef>
+        </p:style>
+      </p:cxnSp>
+      <p:cxnSp>
+        <p:nvCxnSpPr>
+          <p:cNvPr id="49" name="Connector: Elbow 48">
+            <a:extLst>
+              <a:ext uri="{FF2B5EF4-FFF2-40B4-BE49-F238E27FC236}">
+                <a16:creationId xmlns:a16="http://schemas.microsoft.com/office/drawing/2014/main" id="{B18021BC-B23A-4572-932E-0FC6BD42B9FD}"/>
+              </a:ext>
+            </a:extLst>
+          </p:cNvPr>
+          <p:cNvCxnSpPr>
+            <a:stCxn id="8" idx="2"/>
+            <a:endCxn id="11" idx="0"/>
+          </p:cNvCxnSpPr>
+          <p:nvPr/>
+        </p:nvCxnSpPr>
+        <p:spPr>
+          <a:xfrm rot="16200000" flipH="1">
+            <a:off x="4865107" y="1288617"/>
+            <a:ext cx="393668" cy="704295"/>
+          </a:xfrm>
+          <a:prstGeom prst="bentConnector3">
+            <a:avLst/>
+          </a:prstGeom>
+          <a:ln>
+            <a:tailEnd type="triangle"/>
+          </a:ln>
+        </p:spPr>
+        <p:style>
+          <a:lnRef idx="1">
+            <a:schemeClr val="accent1"/>
+          </a:lnRef>
+          <a:fillRef idx="0">
+            <a:schemeClr val="accent1"/>
+          </a:fillRef>
+          <a:effectRef idx="0">
+            <a:schemeClr val="accent1"/>
+          </a:effectRef>
+          <a:fontRef idx="minor">
+            <a:schemeClr val="tx1"/>
+          </a:fontRef>
+        </p:style>
+      </p:cxnSp>
+      <p:sp>
+        <p:nvSpPr>
+          <p:cNvPr id="62" name="Freeform: Shape 61">
+            <a:extLst>
+              <a:ext uri="{FF2B5EF4-FFF2-40B4-BE49-F238E27FC236}">
+                <a16:creationId xmlns:a16="http://schemas.microsoft.com/office/drawing/2014/main" id="{36DCCFBB-346E-4C6A-978F-1A72183D6F32}"/>
+              </a:ext>
+            </a:extLst>
+          </p:cNvPr>
+          <p:cNvSpPr/>
+          <p:nvPr/>
+        </p:nvSpPr>
+        <p:spPr>
+          <a:xfrm>
+            <a:off x="2184400" y="1149350"/>
+            <a:ext cx="6273800" cy="1703387"/>
+          </a:xfrm>
+          <a:custGeom>
+            <a:avLst/>
+            <a:gdLst>
+              <a:gd name="connsiteX0" fmla="*/ 0 w 4483100"/>
+              <a:gd name="connsiteY0" fmla="*/ 1435100 h 1435100"/>
+              <a:gd name="connsiteX1" fmla="*/ 368300 w 4483100"/>
+              <a:gd name="connsiteY1" fmla="*/ 1435100 h 1435100"/>
+              <a:gd name="connsiteX2" fmla="*/ 368300 w 4483100"/>
+              <a:gd name="connsiteY2" fmla="*/ 1028700 h 1435100"/>
+              <a:gd name="connsiteX3" fmla="*/ 3441700 w 4483100"/>
+              <a:gd name="connsiteY3" fmla="*/ 1028700 h 1435100"/>
+              <a:gd name="connsiteX4" fmla="*/ 3429000 w 4483100"/>
+              <a:gd name="connsiteY4" fmla="*/ 12700 h 1435100"/>
+              <a:gd name="connsiteX5" fmla="*/ 4483100 w 4483100"/>
+              <a:gd name="connsiteY5" fmla="*/ 0 h 1435100"/>
+              <a:gd name="connsiteX0" fmla="*/ 0 w 4483100"/>
+              <a:gd name="connsiteY0" fmla="*/ 1435100 h 1435100"/>
+              <a:gd name="connsiteX1" fmla="*/ 368300 w 4483100"/>
+              <a:gd name="connsiteY1" fmla="*/ 1435100 h 1435100"/>
+              <a:gd name="connsiteX2" fmla="*/ 368300 w 4483100"/>
+              <a:gd name="connsiteY2" fmla="*/ 1028700 h 1435100"/>
+              <a:gd name="connsiteX3" fmla="*/ 3436937 w 4483100"/>
+              <a:gd name="connsiteY3" fmla="*/ 1023938 h 1435100"/>
+              <a:gd name="connsiteX4" fmla="*/ 3429000 w 4483100"/>
+              <a:gd name="connsiteY4" fmla="*/ 12700 h 1435100"/>
+              <a:gd name="connsiteX5" fmla="*/ 4483100 w 4483100"/>
+              <a:gd name="connsiteY5" fmla="*/ 0 h 1435100"/>
+              <a:gd name="connsiteX0" fmla="*/ 0 w 4483100"/>
+              <a:gd name="connsiteY0" fmla="*/ 1435100 h 1435100"/>
+              <a:gd name="connsiteX1" fmla="*/ 373063 w 4483100"/>
+              <a:gd name="connsiteY1" fmla="*/ 1430337 h 1435100"/>
+              <a:gd name="connsiteX2" fmla="*/ 368300 w 4483100"/>
+              <a:gd name="connsiteY2" fmla="*/ 1028700 h 1435100"/>
+              <a:gd name="connsiteX3" fmla="*/ 3436937 w 4483100"/>
+              <a:gd name="connsiteY3" fmla="*/ 1023938 h 1435100"/>
+              <a:gd name="connsiteX4" fmla="*/ 3429000 w 4483100"/>
+              <a:gd name="connsiteY4" fmla="*/ 12700 h 1435100"/>
+              <a:gd name="connsiteX5" fmla="*/ 4483100 w 4483100"/>
+              <a:gd name="connsiteY5" fmla="*/ 0 h 1435100"/>
+              <a:gd name="connsiteX0" fmla="*/ 0 w 4483100"/>
+              <a:gd name="connsiteY0" fmla="*/ 1435100 h 1435100"/>
+              <a:gd name="connsiteX1" fmla="*/ 373063 w 4483100"/>
+              <a:gd name="connsiteY1" fmla="*/ 1430337 h 1435100"/>
+              <a:gd name="connsiteX2" fmla="*/ 368300 w 4483100"/>
+              <a:gd name="connsiteY2" fmla="*/ 1028700 h 1435100"/>
+              <a:gd name="connsiteX3" fmla="*/ 3413125 w 4483100"/>
+              <a:gd name="connsiteY3" fmla="*/ 1021557 h 1435100"/>
+              <a:gd name="connsiteX4" fmla="*/ 3429000 w 4483100"/>
+              <a:gd name="connsiteY4" fmla="*/ 12700 h 1435100"/>
+              <a:gd name="connsiteX5" fmla="*/ 4483100 w 4483100"/>
+              <a:gd name="connsiteY5" fmla="*/ 0 h 1435100"/>
+              <a:gd name="connsiteX0" fmla="*/ 0 w 4483100"/>
+              <a:gd name="connsiteY0" fmla="*/ 1435100 h 1435100"/>
+              <a:gd name="connsiteX1" fmla="*/ 373063 w 4483100"/>
+              <a:gd name="connsiteY1" fmla="*/ 1430337 h 1435100"/>
+              <a:gd name="connsiteX2" fmla="*/ 368300 w 4483100"/>
+              <a:gd name="connsiteY2" fmla="*/ 1028700 h 1435100"/>
+              <a:gd name="connsiteX3" fmla="*/ 3413125 w 4483100"/>
+              <a:gd name="connsiteY3" fmla="*/ 1021557 h 1435100"/>
+              <a:gd name="connsiteX4" fmla="*/ 3414712 w 4483100"/>
+              <a:gd name="connsiteY4" fmla="*/ 12700 h 1435100"/>
+              <a:gd name="connsiteX5" fmla="*/ 4483100 w 4483100"/>
+              <a:gd name="connsiteY5" fmla="*/ 0 h 1435100"/>
+              <a:gd name="connsiteX0" fmla="*/ 0 w 4483100"/>
+              <a:gd name="connsiteY0" fmla="*/ 1435100 h 1435100"/>
+              <a:gd name="connsiteX1" fmla="*/ 368300 w 4483100"/>
+              <a:gd name="connsiteY1" fmla="*/ 1435100 h 1435100"/>
+              <a:gd name="connsiteX2" fmla="*/ 368300 w 4483100"/>
+              <a:gd name="connsiteY2" fmla="*/ 1028700 h 1435100"/>
+              <a:gd name="connsiteX3" fmla="*/ 3413125 w 4483100"/>
+              <a:gd name="connsiteY3" fmla="*/ 1021557 h 1435100"/>
+              <a:gd name="connsiteX4" fmla="*/ 3414712 w 4483100"/>
+              <a:gd name="connsiteY4" fmla="*/ 12700 h 1435100"/>
+              <a:gd name="connsiteX5" fmla="*/ 4483100 w 4483100"/>
+              <a:gd name="connsiteY5" fmla="*/ 0 h 1435100"/>
+              <a:gd name="connsiteX0" fmla="*/ 0 w 6273800"/>
+              <a:gd name="connsiteY0" fmla="*/ 1695450 h 1695450"/>
+              <a:gd name="connsiteX1" fmla="*/ 2159000 w 6273800"/>
+              <a:gd name="connsiteY1" fmla="*/ 1435100 h 1695450"/>
+              <a:gd name="connsiteX2" fmla="*/ 2159000 w 6273800"/>
+              <a:gd name="connsiteY2" fmla="*/ 1028700 h 1695450"/>
+              <a:gd name="connsiteX3" fmla="*/ 5203825 w 6273800"/>
+              <a:gd name="connsiteY3" fmla="*/ 1021557 h 1695450"/>
+              <a:gd name="connsiteX4" fmla="*/ 5205412 w 6273800"/>
+              <a:gd name="connsiteY4" fmla="*/ 12700 h 1695450"/>
+              <a:gd name="connsiteX5" fmla="*/ 6273800 w 6273800"/>
+              <a:gd name="connsiteY5" fmla="*/ 0 h 1695450"/>
+              <a:gd name="connsiteX0" fmla="*/ 0 w 6273800"/>
+              <a:gd name="connsiteY0" fmla="*/ 1695450 h 1695450"/>
+              <a:gd name="connsiteX1" fmla="*/ 1441450 w 6273800"/>
+              <a:gd name="connsiteY1" fmla="*/ 1670050 h 1695450"/>
+              <a:gd name="connsiteX2" fmla="*/ 2159000 w 6273800"/>
+              <a:gd name="connsiteY2" fmla="*/ 1028700 h 1695450"/>
+              <a:gd name="connsiteX3" fmla="*/ 5203825 w 6273800"/>
+              <a:gd name="connsiteY3" fmla="*/ 1021557 h 1695450"/>
+              <a:gd name="connsiteX4" fmla="*/ 5205412 w 6273800"/>
+              <a:gd name="connsiteY4" fmla="*/ 12700 h 1695450"/>
+              <a:gd name="connsiteX5" fmla="*/ 6273800 w 6273800"/>
+              <a:gd name="connsiteY5" fmla="*/ 0 h 1695450"/>
+              <a:gd name="connsiteX0" fmla="*/ 0 w 6273800"/>
+              <a:gd name="connsiteY0" fmla="*/ 1695450 h 1695450"/>
+              <a:gd name="connsiteX1" fmla="*/ 1441450 w 6273800"/>
+              <a:gd name="connsiteY1" fmla="*/ 1670050 h 1695450"/>
+              <a:gd name="connsiteX2" fmla="*/ 1416050 w 6273800"/>
+              <a:gd name="connsiteY2" fmla="*/ 1028700 h 1695450"/>
+              <a:gd name="connsiteX3" fmla="*/ 5203825 w 6273800"/>
+              <a:gd name="connsiteY3" fmla="*/ 1021557 h 1695450"/>
+              <a:gd name="connsiteX4" fmla="*/ 5205412 w 6273800"/>
+              <a:gd name="connsiteY4" fmla="*/ 12700 h 1695450"/>
+              <a:gd name="connsiteX5" fmla="*/ 6273800 w 6273800"/>
+              <a:gd name="connsiteY5" fmla="*/ 0 h 1695450"/>
+              <a:gd name="connsiteX0" fmla="*/ 0 w 6273800"/>
+              <a:gd name="connsiteY0" fmla="*/ 1695450 h 1695450"/>
+              <a:gd name="connsiteX1" fmla="*/ 1422400 w 6273800"/>
+              <a:gd name="connsiteY1" fmla="*/ 1682750 h 1695450"/>
+              <a:gd name="connsiteX2" fmla="*/ 1416050 w 6273800"/>
+              <a:gd name="connsiteY2" fmla="*/ 1028700 h 1695450"/>
+              <a:gd name="connsiteX3" fmla="*/ 5203825 w 6273800"/>
+              <a:gd name="connsiteY3" fmla="*/ 1021557 h 1695450"/>
+              <a:gd name="connsiteX4" fmla="*/ 5205412 w 6273800"/>
+              <a:gd name="connsiteY4" fmla="*/ 12700 h 1695450"/>
+              <a:gd name="connsiteX5" fmla="*/ 6273800 w 6273800"/>
+              <a:gd name="connsiteY5" fmla="*/ 0 h 1695450"/>
+              <a:gd name="connsiteX0" fmla="*/ 0 w 6273800"/>
+              <a:gd name="connsiteY0" fmla="*/ 1695450 h 1695450"/>
+              <a:gd name="connsiteX1" fmla="*/ 1422400 w 6273800"/>
+              <a:gd name="connsiteY1" fmla="*/ 1682750 h 1695450"/>
+              <a:gd name="connsiteX2" fmla="*/ 1416050 w 6273800"/>
+              <a:gd name="connsiteY2" fmla="*/ 1028700 h 1695450"/>
+              <a:gd name="connsiteX3" fmla="*/ 5203825 w 6273800"/>
+              <a:gd name="connsiteY3" fmla="*/ 1021557 h 1695450"/>
+              <a:gd name="connsiteX4" fmla="*/ 5205412 w 6273800"/>
+              <a:gd name="connsiteY4" fmla="*/ 12700 h 1695450"/>
+              <a:gd name="connsiteX5" fmla="*/ 6273800 w 6273800"/>
+              <a:gd name="connsiteY5" fmla="*/ 0 h 1695450"/>
+              <a:gd name="connsiteX0" fmla="*/ 0 w 6273800"/>
+              <a:gd name="connsiteY0" fmla="*/ 1695450 h 1697037"/>
+              <a:gd name="connsiteX1" fmla="*/ 1420019 w 6273800"/>
+              <a:gd name="connsiteY1" fmla="*/ 1697037 h 1697037"/>
+              <a:gd name="connsiteX2" fmla="*/ 1416050 w 6273800"/>
+              <a:gd name="connsiteY2" fmla="*/ 1028700 h 1697037"/>
+              <a:gd name="connsiteX3" fmla="*/ 5203825 w 6273800"/>
+              <a:gd name="connsiteY3" fmla="*/ 1021557 h 1697037"/>
+              <a:gd name="connsiteX4" fmla="*/ 5205412 w 6273800"/>
+              <a:gd name="connsiteY4" fmla="*/ 12700 h 1697037"/>
+              <a:gd name="connsiteX5" fmla="*/ 6273800 w 6273800"/>
+              <a:gd name="connsiteY5" fmla="*/ 0 h 1697037"/>
+              <a:gd name="connsiteX0" fmla="*/ 0 w 6273800"/>
+              <a:gd name="connsiteY0" fmla="*/ 1701800 h 1703387"/>
+              <a:gd name="connsiteX1" fmla="*/ 1420019 w 6273800"/>
+              <a:gd name="connsiteY1" fmla="*/ 1703387 h 1703387"/>
+              <a:gd name="connsiteX2" fmla="*/ 1416050 w 6273800"/>
+              <a:gd name="connsiteY2" fmla="*/ 1035050 h 1703387"/>
+              <a:gd name="connsiteX3" fmla="*/ 5203825 w 6273800"/>
+              <a:gd name="connsiteY3" fmla="*/ 1027907 h 1703387"/>
+              <a:gd name="connsiteX4" fmla="*/ 5199062 w 6273800"/>
+              <a:gd name="connsiteY4" fmla="*/ 0 h 1703387"/>
+              <a:gd name="connsiteX5" fmla="*/ 6273800 w 6273800"/>
+              <a:gd name="connsiteY5" fmla="*/ 6350 h 1703387"/>
+            </a:gdLst>
+            <a:ahLst/>
+            <a:cxnLst>
+              <a:cxn ang="0">
+                <a:pos x="connsiteX0" y="connsiteY0"/>
+              </a:cxn>
+              <a:cxn ang="0">
+                <a:pos x="connsiteX1" y="connsiteY1"/>
+              </a:cxn>
+              <a:cxn ang="0">
+                <a:pos x="connsiteX2" y="connsiteY2"/>
+              </a:cxn>
+              <a:cxn ang="0">
+                <a:pos x="connsiteX3" y="connsiteY3"/>
+              </a:cxn>
+              <a:cxn ang="0">
+                <a:pos x="connsiteX4" y="connsiteY4"/>
+              </a:cxn>
+              <a:cxn ang="0">
+                <a:pos x="connsiteX5" y="connsiteY5"/>
+              </a:cxn>
+            </a:cxnLst>
+            <a:rect l="l" t="t" r="r" b="b"/>
+            <a:pathLst>
+              <a:path w="6273800" h="1703387">
+                <a:moveTo>
+                  <a:pt x="0" y="1701800"/>
+                </a:moveTo>
+                <a:lnTo>
+                  <a:pt x="1420019" y="1703387"/>
+                </a:lnTo>
+                <a:cubicBezTo>
+                  <a:pt x="1416844" y="1376362"/>
+                  <a:pt x="1417638" y="1168929"/>
+                  <a:pt x="1416050" y="1035050"/>
+                </a:cubicBezTo>
+                <a:lnTo>
+                  <a:pt x="5203825" y="1027907"/>
+                </a:lnTo>
+                <a:cubicBezTo>
+                  <a:pt x="5201179" y="690828"/>
+                  <a:pt x="5201708" y="337079"/>
+                  <a:pt x="5199062" y="0"/>
+                </a:cubicBezTo>
+                <a:lnTo>
+                  <a:pt x="6273800" y="6350"/>
+                </a:lnTo>
+              </a:path>
+            </a:pathLst>
+          </a:custGeom>
+          <a:ln>
+            <a:tailEnd type="triangle"/>
+          </a:ln>
+        </p:spPr>
+        <p:style>
+          <a:lnRef idx="1">
+            <a:schemeClr val="accent1"/>
+          </a:lnRef>
+          <a:fillRef idx="0">
+            <a:schemeClr val="accent1"/>
+          </a:fillRef>
+          <a:effectRef idx="0">
+            <a:schemeClr val="accent1"/>
+          </a:effectRef>
+          <a:fontRef idx="minor">
+            <a:schemeClr val="tx1"/>
+          </a:fontRef>
+        </p:style>
+        <p:txBody>
+          <a:bodyPr rtlCol="0" anchor="ctr"/>
+          <a:lstStyle/>
+          <a:p>
+            <a:pPr algn="ctr"/>
+            <a:endParaRPr lang="en-US" dirty="0"/>
+          </a:p>
+        </p:txBody>
+      </p:sp>
+      <p:cxnSp>
+        <p:nvCxnSpPr>
+          <p:cNvPr id="65" name="Connector: Elbow 64">
+            <a:extLst>
+              <a:ext uri="{FF2B5EF4-FFF2-40B4-BE49-F238E27FC236}">
+                <a16:creationId xmlns:a16="http://schemas.microsoft.com/office/drawing/2014/main" id="{0DF6A7DB-3A75-4859-98D4-84D6712B0914}"/>
+              </a:ext>
+            </a:extLst>
+          </p:cNvPr>
+          <p:cNvCxnSpPr>
+            <a:cxnSpLocks/>
+            <a:endCxn id="15" idx="0"/>
+          </p:cNvCxnSpPr>
+          <p:nvPr/>
+        </p:nvCxnSpPr>
+        <p:spPr>
+          <a:xfrm>
+            <a:off x="2241096" y="3973182"/>
+            <a:ext cx="429368" cy="254770"/>
+          </a:xfrm>
+          <a:prstGeom prst="bentConnector2">
+            <a:avLst/>
+          </a:prstGeom>
+          <a:ln>
+            <a:tailEnd type="triangle"/>
+          </a:ln>
+        </p:spPr>
+        <p:style>
+          <a:lnRef idx="1">
+            <a:schemeClr val="accent1"/>
+          </a:lnRef>
+          <a:fillRef idx="0">
+            <a:schemeClr val="accent1"/>
+          </a:fillRef>
+          <a:effectRef idx="0">
+            <a:schemeClr val="accent1"/>
+          </a:effectRef>
+          <a:fontRef idx="minor">
+            <a:schemeClr val="tx1"/>
+          </a:fontRef>
+        </p:style>
+      </p:cxnSp>
+      <p:cxnSp>
+        <p:nvCxnSpPr>
+          <p:cNvPr id="73" name="Connector: Elbow 72">
+            <a:extLst>
+              <a:ext uri="{FF2B5EF4-FFF2-40B4-BE49-F238E27FC236}">
+                <a16:creationId xmlns:a16="http://schemas.microsoft.com/office/drawing/2014/main" id="{E12B9D40-D7AF-4BBC-965C-F182A3990B1B}"/>
+              </a:ext>
+            </a:extLst>
+          </p:cNvPr>
+          <p:cNvCxnSpPr>
+            <a:endCxn id="14" idx="0"/>
+          </p:cNvCxnSpPr>
+          <p:nvPr/>
+        </p:nvCxnSpPr>
+        <p:spPr>
+          <a:xfrm>
+            <a:off x="2163451" y="3581097"/>
+            <a:ext cx="2299539" cy="583355"/>
+          </a:xfrm>
+          <a:prstGeom prst="bentConnector2">
+            <a:avLst/>
+          </a:prstGeom>
+          <a:ln>
+            <a:tailEnd type="triangle"/>
+          </a:ln>
+        </p:spPr>
+        <p:style>
+          <a:lnRef idx="1">
+            <a:schemeClr val="accent1"/>
+          </a:lnRef>
+          <a:fillRef idx="0">
+            <a:schemeClr val="accent1"/>
+          </a:fillRef>
+          <a:effectRef idx="0">
+            <a:schemeClr val="accent1"/>
+          </a:effectRef>
+          <a:fontRef idx="minor">
+            <a:schemeClr val="tx1"/>
+          </a:fontRef>
+        </p:style>
+      </p:cxnSp>
+      <p:sp>
+        <p:nvSpPr>
+          <p:cNvPr id="74" name="TextBox 73">
+            <a:extLst>
+              <a:ext uri="{FF2B5EF4-FFF2-40B4-BE49-F238E27FC236}">
+                <a16:creationId xmlns:a16="http://schemas.microsoft.com/office/drawing/2014/main" id="{67BE84AB-5F8C-47C8-8345-863B66E01BF7}"/>
+              </a:ext>
+            </a:extLst>
+          </p:cNvPr>
+          <p:cNvSpPr txBox="1"/>
+          <p:nvPr/>
+        </p:nvSpPr>
+        <p:spPr>
+          <a:xfrm>
+            <a:off x="2000340" y="7006401"/>
+            <a:ext cx="1633781" cy="276999"/>
+          </a:xfrm>
+          <a:prstGeom prst="rect">
+            <a:avLst/>
+          </a:prstGeom>
+          <a:noFill/>
+        </p:spPr>
+        <p:txBody>
+          <a:bodyPr wrap="none" rtlCol="0">
+            <a:spAutoFit/>
+          </a:bodyPr>
+          <a:lstStyle/>
+          <a:p>
+            <a:r>
+              <a:rPr lang="en-US" sz="1200" b="1" dirty="0"/>
+              <a:t>WIDGET SMILEY </a:t>
+            </a:r>
+            <a:r>
+              <a:rPr lang="en-US" sz="1200" dirty="0"/>
+              <a:t>opens</a:t>
+            </a:r>
+          </a:p>
+        </p:txBody>
+      </p:sp>
+      <p:sp>
+        <p:nvSpPr>
+          <p:cNvPr id="75" name="TextBox 74">
+            <a:extLst>
+              <a:ext uri="{FF2B5EF4-FFF2-40B4-BE49-F238E27FC236}">
+                <a16:creationId xmlns:a16="http://schemas.microsoft.com/office/drawing/2014/main" id="{82045D11-6BDE-4943-B128-34F2C5EC367C}"/>
+              </a:ext>
+            </a:extLst>
+          </p:cNvPr>
+          <p:cNvSpPr txBox="1"/>
+          <p:nvPr/>
+        </p:nvSpPr>
+        <p:spPr>
+          <a:xfrm>
+            <a:off x="5329394" y="6936719"/>
+            <a:ext cx="1633781" cy="276999"/>
+          </a:xfrm>
+          <a:prstGeom prst="rect">
+            <a:avLst/>
+          </a:prstGeom>
+          <a:noFill/>
+        </p:spPr>
+        <p:txBody>
+          <a:bodyPr wrap="none" rtlCol="0">
+            <a:spAutoFit/>
+          </a:bodyPr>
+          <a:lstStyle/>
+          <a:p>
+            <a:r>
+              <a:rPr lang="en-US" sz="1200" b="1" dirty="0"/>
+              <a:t>WIDGET SMILEY </a:t>
+            </a:r>
+            <a:r>
+              <a:rPr lang="en-US" sz="1200" dirty="0"/>
+              <a:t>opens</a:t>
+            </a:r>
+          </a:p>
+        </p:txBody>
+      </p:sp>
+      <p:sp>
+        <p:nvSpPr>
+          <p:cNvPr id="76" name="Left Brace 75">
+            <a:extLst>
+              <a:ext uri="{FF2B5EF4-FFF2-40B4-BE49-F238E27FC236}">
+                <a16:creationId xmlns:a16="http://schemas.microsoft.com/office/drawing/2014/main" id="{70AA5B9D-1FC6-400B-B9A9-3B4C4A0675C8}"/>
+              </a:ext>
+            </a:extLst>
+          </p:cNvPr>
+          <p:cNvSpPr/>
+          <p:nvPr/>
+        </p:nvSpPr>
+        <p:spPr>
+          <a:xfrm>
+            <a:off x="1855176" y="7042354"/>
+            <a:ext cx="135209" cy="482092"/>
+          </a:xfrm>
+          <a:prstGeom prst="leftBrace">
+            <a:avLst/>
+          </a:prstGeom>
+        </p:spPr>
+        <p:style>
+          <a:lnRef idx="1">
+            <a:schemeClr val="accent1"/>
+          </a:lnRef>
+          <a:fillRef idx="0">
+            <a:schemeClr val="accent1"/>
+          </a:fillRef>
+          <a:effectRef idx="0">
+            <a:schemeClr val="accent1"/>
+          </a:effectRef>
+          <a:fontRef idx="minor">
+            <a:schemeClr val="tx1"/>
+          </a:fontRef>
+        </p:style>
+        <p:txBody>
+          <a:bodyPr rtlCol="0" anchor="ctr"/>
+          <a:lstStyle/>
+          <a:p>
+            <a:pPr algn="ctr"/>
+            <a:endParaRPr lang="en-US"/>
+          </a:p>
+        </p:txBody>
+      </p:sp>
+      <p:sp>
+        <p:nvSpPr>
+          <p:cNvPr id="78" name="Left Brace 77">
+            <a:extLst>
+              <a:ext uri="{FF2B5EF4-FFF2-40B4-BE49-F238E27FC236}">
+                <a16:creationId xmlns:a16="http://schemas.microsoft.com/office/drawing/2014/main" id="{8AF64F36-B589-468F-B3B6-258C20520ED6}"/>
+              </a:ext>
+            </a:extLst>
+          </p:cNvPr>
+          <p:cNvSpPr/>
+          <p:nvPr/>
+        </p:nvSpPr>
+        <p:spPr>
+          <a:xfrm>
+            <a:off x="5215960" y="6987590"/>
+            <a:ext cx="135209" cy="482092"/>
+          </a:xfrm>
+          <a:prstGeom prst="leftBrace">
+            <a:avLst/>
+          </a:prstGeom>
+        </p:spPr>
+        <p:style>
+          <a:lnRef idx="1">
+            <a:schemeClr val="accent1"/>
+          </a:lnRef>
+          <a:fillRef idx="0">
+            <a:schemeClr val="accent1"/>
+          </a:fillRef>
+          <a:effectRef idx="0">
+            <a:schemeClr val="accent1"/>
+          </a:effectRef>
+          <a:fontRef idx="minor">
+            <a:schemeClr val="tx1"/>
+          </a:fontRef>
+        </p:style>
+        <p:txBody>
+          <a:bodyPr rtlCol="0" anchor="ctr"/>
+          <a:lstStyle/>
+          <a:p>
+            <a:pPr algn="ctr"/>
+            <a:endParaRPr lang="en-US"/>
+          </a:p>
+        </p:txBody>
+      </p:sp>
+      <p:sp>
+        <p:nvSpPr>
+          <p:cNvPr id="87" name="Freeform: Shape 86">
+            <a:extLst>
+              <a:ext uri="{FF2B5EF4-FFF2-40B4-BE49-F238E27FC236}">
+                <a16:creationId xmlns:a16="http://schemas.microsoft.com/office/drawing/2014/main" id="{F66A8AB5-1523-4E82-8B8C-308CAA666E31}"/>
+              </a:ext>
+            </a:extLst>
+          </p:cNvPr>
+          <p:cNvSpPr/>
+          <p:nvPr/>
+        </p:nvSpPr>
+        <p:spPr>
+          <a:xfrm>
+            <a:off x="2176938" y="1973580"/>
+            <a:ext cx="1716882" cy="571976"/>
+          </a:xfrm>
+          <a:custGeom>
+            <a:avLst/>
+            <a:gdLst>
+              <a:gd name="connsiteX0" fmla="*/ 1714500 w 1714500"/>
+              <a:gd name="connsiteY0" fmla="*/ 0 h 579120"/>
+              <a:gd name="connsiteX1" fmla="*/ 1181100 w 1714500"/>
+              <a:gd name="connsiteY1" fmla="*/ 0 h 579120"/>
+              <a:gd name="connsiteX2" fmla="*/ 1181100 w 1714500"/>
+              <a:gd name="connsiteY2" fmla="*/ 571500 h 579120"/>
+              <a:gd name="connsiteX3" fmla="*/ 0 w 1714500"/>
+              <a:gd name="connsiteY3" fmla="*/ 579120 h 579120"/>
+              <a:gd name="connsiteX0" fmla="*/ 1716882 w 1716882"/>
+              <a:gd name="connsiteY0" fmla="*/ 0 h 571976"/>
+              <a:gd name="connsiteX1" fmla="*/ 1183482 w 1716882"/>
+              <a:gd name="connsiteY1" fmla="*/ 0 h 571976"/>
+              <a:gd name="connsiteX2" fmla="*/ 1183482 w 1716882"/>
+              <a:gd name="connsiteY2" fmla="*/ 571500 h 571976"/>
+              <a:gd name="connsiteX3" fmla="*/ 0 w 1716882"/>
+              <a:gd name="connsiteY3" fmla="*/ 571976 h 571976"/>
+            </a:gdLst>
+            <a:ahLst/>
+            <a:cxnLst>
+              <a:cxn ang="0">
+                <a:pos x="connsiteX0" y="connsiteY0"/>
+              </a:cxn>
+              <a:cxn ang="0">
+                <a:pos x="connsiteX1" y="connsiteY1"/>
+              </a:cxn>
+              <a:cxn ang="0">
+                <a:pos x="connsiteX2" y="connsiteY2"/>
+              </a:cxn>
+              <a:cxn ang="0">
+                <a:pos x="connsiteX3" y="connsiteY3"/>
+              </a:cxn>
+            </a:cxnLst>
+            <a:rect l="l" t="t" r="r" b="b"/>
+            <a:pathLst>
+              <a:path w="1716882" h="571976">
+                <a:moveTo>
+                  <a:pt x="1716882" y="0"/>
+                </a:moveTo>
+                <a:lnTo>
+                  <a:pt x="1183482" y="0"/>
+                </a:lnTo>
+                <a:lnTo>
+                  <a:pt x="1183482" y="571500"/>
+                </a:lnTo>
+                <a:lnTo>
+                  <a:pt x="0" y="571976"/>
+                </a:lnTo>
+              </a:path>
+            </a:pathLst>
+          </a:custGeom>
+          <a:ln>
+            <a:tailEnd type="triangle"/>
+          </a:ln>
+        </p:spPr>
+        <p:style>
+          <a:lnRef idx="1">
+            <a:schemeClr val="accent1"/>
+          </a:lnRef>
+          <a:fillRef idx="0">
+            <a:schemeClr val="accent1"/>
+          </a:fillRef>
+          <a:effectRef idx="0">
+            <a:schemeClr val="accent1"/>
+          </a:effectRef>
+          <a:fontRef idx="minor">
+            <a:schemeClr val="tx1"/>
+          </a:fontRef>
+        </p:style>
+        <p:txBody>
+          <a:bodyPr rot="0" spcFirstLastPara="0" vertOverflow="overflow" horzOverflow="overflow" vert="horz" wrap="square" lIns="91440" tIns="45720" rIns="91440" bIns="45720" numCol="1" spcCol="0" rtlCol="0" fromWordArt="0" anchor="ctr" anchorCtr="0" forceAA="0" compatLnSpc="1">
+            <a:prstTxWarp prst="textNoShape">
+              <a:avLst/>
+            </a:prstTxWarp>
+            <a:noAutofit/>
+          </a:bodyPr>
+          <a:lstStyle/>
+          <a:p>
+            <a:pPr algn="ctr"/>
+            <a:endParaRPr lang="en-US">
+              <a:solidFill>
+                <a:schemeClr val="tx1"/>
+              </a:solidFill>
+            </a:endParaRPr>
+          </a:p>
+        </p:txBody>
+      </p:sp>
+      <p:cxnSp>
+        <p:nvCxnSpPr>
+          <p:cNvPr id="90" name="Connector: Elbow 89">
+            <a:extLst>
+              <a:ext uri="{FF2B5EF4-FFF2-40B4-BE49-F238E27FC236}">
+                <a16:creationId xmlns:a16="http://schemas.microsoft.com/office/drawing/2014/main" id="{21AF14FD-C8E7-491E-B0C9-8005A501017F}"/>
+              </a:ext>
+            </a:extLst>
+          </p:cNvPr>
+          <p:cNvCxnSpPr>
+            <a:cxnSpLocks/>
+            <a:stCxn id="12" idx="2"/>
+            <a:endCxn id="20" idx="0"/>
+          </p:cNvCxnSpPr>
+          <p:nvPr/>
+        </p:nvCxnSpPr>
+        <p:spPr>
+          <a:xfrm rot="5400000">
+            <a:off x="3835013" y="483503"/>
+            <a:ext cx="4838873" cy="6874435"/>
+          </a:xfrm>
+          <a:prstGeom prst="bentConnector3">
+            <a:avLst>
+              <a:gd name="adj1" fmla="val 94880"/>
+            </a:avLst>
+          </a:prstGeom>
+          <a:ln>
+            <a:tailEnd type="triangle"/>
+          </a:ln>
+        </p:spPr>
+        <p:style>
+          <a:lnRef idx="1">
+            <a:schemeClr val="accent1"/>
+          </a:lnRef>
+          <a:fillRef idx="0">
+            <a:schemeClr val="accent1"/>
+          </a:fillRef>
+          <a:effectRef idx="0">
+            <a:schemeClr val="accent1"/>
+          </a:effectRef>
+          <a:fontRef idx="minor">
+            <a:schemeClr val="tx1"/>
+          </a:fontRef>
+        </p:style>
+      </p:cxnSp>
+      <p:cxnSp>
+        <p:nvCxnSpPr>
+          <p:cNvPr id="93" name="Connector: Elbow 92">
+            <a:extLst>
+              <a:ext uri="{FF2B5EF4-FFF2-40B4-BE49-F238E27FC236}">
+                <a16:creationId xmlns:a16="http://schemas.microsoft.com/office/drawing/2014/main" id="{572437DE-E3D0-46CA-9D28-E167F04C94F8}"/>
+              </a:ext>
+            </a:extLst>
+          </p:cNvPr>
+          <p:cNvCxnSpPr>
+            <a:cxnSpLocks/>
+            <a:stCxn id="15" idx="2"/>
+            <a:endCxn id="20" idx="0"/>
+          </p:cNvCxnSpPr>
+          <p:nvPr/>
+        </p:nvCxnSpPr>
+        <p:spPr>
+          <a:xfrm rot="16200000" flipH="1">
+            <a:off x="2564908" y="6087833"/>
+            <a:ext cx="357879" cy="146767"/>
+          </a:xfrm>
+          <a:prstGeom prst="bentConnector3">
+            <a:avLst/>
+          </a:prstGeom>
+          <a:ln>
+            <a:tailEnd type="triangle"/>
+          </a:ln>
+        </p:spPr>
+        <p:style>
+          <a:lnRef idx="1">
+            <a:schemeClr val="accent1"/>
+          </a:lnRef>
+          <a:fillRef idx="0">
+            <a:schemeClr val="accent1"/>
+          </a:fillRef>
+          <a:effectRef idx="0">
+            <a:schemeClr val="accent1"/>
+          </a:effectRef>
+          <a:fontRef idx="minor">
+            <a:schemeClr val="tx1"/>
+          </a:fontRef>
+        </p:style>
+      </p:cxnSp>
+      <p:cxnSp>
+        <p:nvCxnSpPr>
+          <p:cNvPr id="95" name="Connector: Elbow 94">
+            <a:extLst>
+              <a:ext uri="{FF2B5EF4-FFF2-40B4-BE49-F238E27FC236}">
+                <a16:creationId xmlns:a16="http://schemas.microsoft.com/office/drawing/2014/main" id="{9B08F7BB-A344-42D0-8A85-6A3F9ABE66A5}"/>
+              </a:ext>
+            </a:extLst>
+          </p:cNvPr>
+          <p:cNvCxnSpPr>
+            <a:stCxn id="14" idx="2"/>
+            <a:endCxn id="20" idx="0"/>
+          </p:cNvCxnSpPr>
+          <p:nvPr/>
+        </p:nvCxnSpPr>
+        <p:spPr>
+          <a:xfrm rot="5400000">
+            <a:off x="3429422" y="5306588"/>
+            <a:ext cx="421379" cy="1645759"/>
+          </a:xfrm>
+          <a:prstGeom prst="bentConnector3">
+            <a:avLst>
+              <a:gd name="adj1" fmla="val 50000"/>
+            </a:avLst>
+          </a:prstGeom>
+          <a:ln>
+            <a:tailEnd type="triangle"/>
+          </a:ln>
+        </p:spPr>
+        <p:style>
+          <a:lnRef idx="1">
+            <a:schemeClr val="accent1"/>
+          </a:lnRef>
+          <a:fillRef idx="0">
+            <a:schemeClr val="accent1"/>
+          </a:fillRef>
+          <a:effectRef idx="0">
+            <a:schemeClr val="accent1"/>
+          </a:effectRef>
+          <a:fontRef idx="minor">
+            <a:schemeClr val="tx1"/>
+          </a:fontRef>
+        </p:style>
+      </p:cxnSp>
+      <p:sp>
+        <p:nvSpPr>
+          <p:cNvPr id="99" name="TextBox 98">
+            <a:extLst>
+              <a:ext uri="{FF2B5EF4-FFF2-40B4-BE49-F238E27FC236}">
+                <a16:creationId xmlns:a16="http://schemas.microsoft.com/office/drawing/2014/main" id="{766EEE7F-A083-4B41-9BA4-AF0ADBF27FB0}"/>
+              </a:ext>
+            </a:extLst>
+          </p:cNvPr>
+          <p:cNvSpPr txBox="1"/>
+          <p:nvPr/>
+        </p:nvSpPr>
+        <p:spPr>
+          <a:xfrm>
+            <a:off x="1825741" y="8212691"/>
+            <a:ext cx="3007875" cy="1200329"/>
+          </a:xfrm>
+          <a:prstGeom prst="rect">
+            <a:avLst/>
+          </a:prstGeom>
+          <a:noFill/>
+        </p:spPr>
+        <p:txBody>
+          <a:bodyPr wrap="none" rtlCol="0">
+            <a:spAutoFit/>
+          </a:bodyPr>
+          <a:lstStyle/>
+          <a:p>
+            <a:r>
+              <a:rPr lang="en-US" sz="1200" b="1" dirty="0"/>
+              <a:t>Routine </a:t>
+            </a:r>
+            <a:r>
+              <a:rPr lang="en-US" sz="1200" b="1" dirty="0" err="1"/>
+              <a:t>set_Ref_Zero</a:t>
+            </a:r>
+            <a:r>
+              <a:rPr lang="en-US" sz="1200" b="1" dirty="0"/>
+              <a:t>(MAP_NAME.CANVAS)</a:t>
+            </a:r>
+            <a:endParaRPr lang="en-US" sz="1200" dirty="0"/>
+          </a:p>
+          <a:p>
+            <a:r>
+              <a:rPr lang="en-US" sz="1200" dirty="0"/>
+              <a:t>	Map(MAP_NAME).zoom</a:t>
+            </a:r>
+          </a:p>
+          <a:p>
+            <a:r>
+              <a:rPr lang="en-US" sz="1200" dirty="0"/>
+              <a:t>	Map(MAP_NAME).drag</a:t>
+            </a:r>
+          </a:p>
+          <a:p>
+            <a:r>
+              <a:rPr lang="en-US" sz="1200" dirty="0"/>
+              <a:t>	Sets </a:t>
+            </a:r>
+            <a:r>
+              <a:rPr lang="en-US" sz="1200" dirty="0" err="1"/>
+              <a:t>Ref_Zero</a:t>
+            </a:r>
+            <a:r>
+              <a:rPr lang="en-US" sz="1200" dirty="0"/>
+              <a:t>(X0,Y0)</a:t>
+            </a:r>
+          </a:p>
+          <a:p>
+            <a:r>
+              <a:rPr lang="en-US" sz="1200" dirty="0"/>
+              <a:t>	</a:t>
+            </a:r>
+            <a:r>
+              <a:rPr lang="en-US" sz="1200" dirty="0" err="1"/>
+              <a:t>X_Moves</a:t>
+            </a:r>
+            <a:r>
+              <a:rPr lang="en-US" sz="1200" dirty="0"/>
+              <a:t>=Sum(</a:t>
+            </a:r>
+            <a:r>
+              <a:rPr lang="en-US" sz="1200" dirty="0" err="1"/>
+              <a:t>zoom_i</a:t>
+            </a:r>
+            <a:r>
+              <a:rPr lang="en-US" sz="1200" dirty="0"/>
+              <a:t>(</a:t>
+            </a:r>
+            <a:r>
+              <a:rPr lang="en-US" sz="1200" dirty="0" err="1"/>
+              <a:t>Delta_X_i</a:t>
+            </a:r>
+            <a:r>
+              <a:rPr lang="en-US" sz="1200" dirty="0"/>
+              <a:t>))</a:t>
+            </a:r>
+          </a:p>
+          <a:p>
+            <a:r>
+              <a:rPr lang="en-US" sz="1200" dirty="0"/>
+              <a:t>	</a:t>
+            </a:r>
+            <a:r>
+              <a:rPr lang="en-US" sz="1200" dirty="0" err="1"/>
+              <a:t>Y_Moves</a:t>
+            </a:r>
+            <a:r>
+              <a:rPr lang="en-US" sz="1200" dirty="0"/>
+              <a:t>=Sum(</a:t>
+            </a:r>
+            <a:r>
+              <a:rPr lang="en-US" sz="1200" dirty="0" err="1"/>
+              <a:t>zoom_i</a:t>
+            </a:r>
+            <a:r>
+              <a:rPr lang="en-US" sz="1200" dirty="0"/>
+              <a:t>(</a:t>
+            </a:r>
+            <a:r>
+              <a:rPr lang="en-US" sz="1200" dirty="0" err="1"/>
+              <a:t>Delta_Y_i</a:t>
+            </a:r>
+            <a:r>
+              <a:rPr lang="en-US" sz="1200" dirty="0"/>
+              <a:t>))</a:t>
+            </a:r>
+          </a:p>
+        </p:txBody>
+      </p:sp>
+      <p:sp>
+        <p:nvSpPr>
+          <p:cNvPr id="100" name="TextBox 99">
+            <a:extLst>
+              <a:ext uri="{FF2B5EF4-FFF2-40B4-BE49-F238E27FC236}">
+                <a16:creationId xmlns:a16="http://schemas.microsoft.com/office/drawing/2014/main" id="{F5A164CE-7CC1-46B0-B5A0-76A7668930A7}"/>
+              </a:ext>
+            </a:extLst>
+          </p:cNvPr>
+          <p:cNvSpPr txBox="1"/>
+          <p:nvPr/>
+        </p:nvSpPr>
+        <p:spPr>
+          <a:xfrm>
+            <a:off x="1825741" y="9528464"/>
+            <a:ext cx="3042371" cy="276999"/>
+          </a:xfrm>
+          <a:prstGeom prst="rect">
+            <a:avLst/>
+          </a:prstGeom>
+          <a:noFill/>
+        </p:spPr>
+        <p:txBody>
+          <a:bodyPr wrap="none" rtlCol="0">
+            <a:spAutoFit/>
+          </a:bodyPr>
+          <a:lstStyle/>
+          <a:p>
+            <a:r>
+              <a:rPr lang="en-US" sz="1200" b="1" dirty="0"/>
+              <a:t>WIDGET SMILEY  </a:t>
+            </a:r>
+            <a:r>
+              <a:rPr lang="en-US" sz="1200" dirty="0"/>
+              <a:t>on mouse event DoubleClick</a:t>
+            </a:r>
+          </a:p>
+        </p:txBody>
+      </p:sp>
+      <p:sp>
+        <p:nvSpPr>
+          <p:cNvPr id="101" name="TextBox 100">
+            <a:extLst>
+              <a:ext uri="{FF2B5EF4-FFF2-40B4-BE49-F238E27FC236}">
+                <a16:creationId xmlns:a16="http://schemas.microsoft.com/office/drawing/2014/main" id="{DDF59134-3D74-4719-B5BA-EF300EB05F97}"/>
+              </a:ext>
+            </a:extLst>
+          </p:cNvPr>
+          <p:cNvSpPr txBox="1"/>
+          <p:nvPr/>
+        </p:nvSpPr>
+        <p:spPr>
+          <a:xfrm>
+            <a:off x="5377740" y="9528464"/>
+            <a:ext cx="3042371" cy="276999"/>
+          </a:xfrm>
+          <a:prstGeom prst="rect">
+            <a:avLst/>
+          </a:prstGeom>
+          <a:noFill/>
+        </p:spPr>
+        <p:txBody>
+          <a:bodyPr wrap="none" rtlCol="0">
+            <a:spAutoFit/>
+          </a:bodyPr>
+          <a:lstStyle/>
+          <a:p>
+            <a:r>
+              <a:rPr lang="en-US" sz="1200" b="1" dirty="0"/>
+              <a:t>WIDGET SMILEY  </a:t>
+            </a:r>
+            <a:r>
+              <a:rPr lang="en-US" sz="1200" dirty="0"/>
+              <a:t>on mouse event DoubleClick</a:t>
+            </a:r>
+          </a:p>
+        </p:txBody>
+      </p:sp>
+      <p:cxnSp>
+        <p:nvCxnSpPr>
+          <p:cNvPr id="103" name="Connector: Elbow 102">
+            <a:extLst>
+              <a:ext uri="{FF2B5EF4-FFF2-40B4-BE49-F238E27FC236}">
+                <a16:creationId xmlns:a16="http://schemas.microsoft.com/office/drawing/2014/main" id="{909532A1-16CE-4296-ADFC-4C370F2DA3E1}"/>
+              </a:ext>
+            </a:extLst>
+          </p:cNvPr>
+          <p:cNvCxnSpPr>
+            <a:cxnSpLocks/>
+            <a:stCxn id="17" idx="2"/>
+          </p:cNvCxnSpPr>
+          <p:nvPr/>
+        </p:nvCxnSpPr>
+        <p:spPr>
+          <a:xfrm rot="5400000" flipH="1">
+            <a:off x="41606" y="7553164"/>
+            <a:ext cx="3736957" cy="2372986"/>
+          </a:xfrm>
+          <a:prstGeom prst="bentConnector3">
+            <a:avLst>
+              <a:gd name="adj1" fmla="val -6117"/>
+            </a:avLst>
+          </a:prstGeom>
+          <a:ln>
+            <a:tailEnd type="triangle"/>
+          </a:ln>
+        </p:spPr>
+        <p:style>
+          <a:lnRef idx="1">
+            <a:schemeClr val="accent1"/>
+          </a:lnRef>
+          <a:fillRef idx="0">
+            <a:schemeClr val="accent1"/>
+          </a:fillRef>
+          <a:effectRef idx="0">
+            <a:schemeClr val="accent1"/>
+          </a:effectRef>
+          <a:fontRef idx="minor">
+            <a:schemeClr val="tx1"/>
+          </a:fontRef>
+        </p:style>
+      </p:cxnSp>
+      <p:sp>
+        <p:nvSpPr>
+          <p:cNvPr id="20" name="TextBox 19">
+            <a:extLst>
+              <a:ext uri="{FF2B5EF4-FFF2-40B4-BE49-F238E27FC236}">
+                <a16:creationId xmlns:a16="http://schemas.microsoft.com/office/drawing/2014/main" id="{C6402CD7-8D6E-4A13-8A69-B6924F70410D}"/>
+              </a:ext>
+            </a:extLst>
+          </p:cNvPr>
+          <p:cNvSpPr txBox="1"/>
+          <p:nvPr/>
+        </p:nvSpPr>
+        <p:spPr>
+          <a:xfrm>
+            <a:off x="2510897" y="6340157"/>
+            <a:ext cx="612668" cy="276999"/>
+          </a:xfrm>
+          <a:prstGeom prst="rect">
+            <a:avLst/>
+          </a:prstGeom>
+          <a:solidFill>
+            <a:schemeClr val="bg1"/>
+          </a:solidFill>
+          <a:ln w="3175">
+            <a:solidFill>
+              <a:schemeClr val="tx1"/>
+            </a:solidFill>
+          </a:ln>
+        </p:spPr>
+        <p:txBody>
+          <a:bodyPr wrap="none" rtlCol="0">
+            <a:spAutoFit/>
+          </a:bodyPr>
+          <a:lstStyle/>
+          <a:p>
+            <a:r>
+              <a:rPr lang="en-US" sz="1200" dirty="0"/>
+              <a:t>ITER=1</a:t>
+            </a:r>
+          </a:p>
+        </p:txBody>
+      </p:sp>
+      <p:cxnSp>
+        <p:nvCxnSpPr>
+          <p:cNvPr id="117" name="Straight Arrow Connector 116">
+            <a:extLst>
+              <a:ext uri="{FF2B5EF4-FFF2-40B4-BE49-F238E27FC236}">
+                <a16:creationId xmlns:a16="http://schemas.microsoft.com/office/drawing/2014/main" id="{3EB862B7-07E8-405D-9891-A550E3B48C69}"/>
+              </a:ext>
+            </a:extLst>
+          </p:cNvPr>
+          <p:cNvCxnSpPr>
+            <a:cxnSpLocks/>
+            <a:endCxn id="74" idx="0"/>
+          </p:cNvCxnSpPr>
+          <p:nvPr/>
+        </p:nvCxnSpPr>
+        <p:spPr>
+          <a:xfrm>
+            <a:off x="2817230" y="6871177"/>
+            <a:ext cx="1" cy="135224"/>
+          </a:xfrm>
+          <a:prstGeom prst="straightConnector1">
+            <a:avLst/>
+          </a:prstGeom>
+          <a:ln>
+            <a:tailEnd type="triangle"/>
+          </a:ln>
+        </p:spPr>
+        <p:style>
+          <a:lnRef idx="1">
+            <a:schemeClr val="accent1"/>
+          </a:lnRef>
+          <a:fillRef idx="0">
+            <a:schemeClr val="accent1"/>
+          </a:fillRef>
+          <a:effectRef idx="0">
+            <a:schemeClr val="accent1"/>
+          </a:effectRef>
+          <a:fontRef idx="minor">
+            <a:schemeClr val="tx1"/>
+          </a:fontRef>
+        </p:style>
+      </p:cxnSp>
+      <p:cxnSp>
+        <p:nvCxnSpPr>
+          <p:cNvPr id="123" name="Straight Arrow Connector 122">
+            <a:extLst>
+              <a:ext uri="{FF2B5EF4-FFF2-40B4-BE49-F238E27FC236}">
+                <a16:creationId xmlns:a16="http://schemas.microsoft.com/office/drawing/2014/main" id="{1B8E2811-7A8D-4AE7-B130-0E1651D756AC}"/>
+              </a:ext>
+            </a:extLst>
+          </p:cNvPr>
+          <p:cNvCxnSpPr>
+            <a:cxnSpLocks/>
+          </p:cNvCxnSpPr>
+          <p:nvPr/>
+        </p:nvCxnSpPr>
+        <p:spPr>
+          <a:xfrm>
+            <a:off x="2817230" y="6610439"/>
+            <a:ext cx="1" cy="192851"/>
+          </a:xfrm>
+          <a:prstGeom prst="straightConnector1">
+            <a:avLst/>
+          </a:prstGeom>
+          <a:ln>
+            <a:tailEnd type="triangle"/>
+          </a:ln>
+        </p:spPr>
+        <p:style>
+          <a:lnRef idx="1">
+            <a:schemeClr val="accent1"/>
+          </a:lnRef>
+          <a:fillRef idx="0">
+            <a:schemeClr val="accent1"/>
+          </a:fillRef>
+          <a:effectRef idx="0">
+            <a:schemeClr val="accent1"/>
+          </a:effectRef>
+          <a:fontRef idx="minor">
+            <a:schemeClr val="tx1"/>
+          </a:fontRef>
+        </p:style>
+      </p:cxnSp>
+      <p:cxnSp>
+        <p:nvCxnSpPr>
+          <p:cNvPr id="134" name="Connector: Elbow 133">
+            <a:extLst>
+              <a:ext uri="{FF2B5EF4-FFF2-40B4-BE49-F238E27FC236}">
+                <a16:creationId xmlns:a16="http://schemas.microsoft.com/office/drawing/2014/main" id="{C79D77CA-5565-412B-A937-790C25B12B3C}"/>
+              </a:ext>
+            </a:extLst>
+          </p:cNvPr>
+          <p:cNvCxnSpPr>
+            <a:cxnSpLocks/>
+            <a:endCxn id="21" idx="1"/>
+          </p:cNvCxnSpPr>
+          <p:nvPr/>
+        </p:nvCxnSpPr>
+        <p:spPr>
+          <a:xfrm flipV="1">
+            <a:off x="723591" y="6811362"/>
+            <a:ext cx="5086321" cy="3289903"/>
+          </a:xfrm>
+          <a:prstGeom prst="bentConnector3">
+            <a:avLst>
+              <a:gd name="adj1" fmla="val 62"/>
+            </a:avLst>
+          </a:prstGeom>
+          <a:ln>
+            <a:tailEnd type="triangle"/>
+          </a:ln>
+        </p:spPr>
+        <p:style>
+          <a:lnRef idx="1">
+            <a:schemeClr val="accent1"/>
+          </a:lnRef>
+          <a:fillRef idx="0">
+            <a:schemeClr val="accent1"/>
+          </a:fillRef>
+          <a:effectRef idx="0">
+            <a:schemeClr val="accent1"/>
+          </a:effectRef>
+          <a:fontRef idx="minor">
+            <a:schemeClr val="tx1"/>
+          </a:fontRef>
+        </p:style>
+      </p:cxnSp>
+      <p:sp>
+        <p:nvSpPr>
+          <p:cNvPr id="137" name="TextBox 136">
+            <a:extLst>
+              <a:ext uri="{FF2B5EF4-FFF2-40B4-BE49-F238E27FC236}">
+                <a16:creationId xmlns:a16="http://schemas.microsoft.com/office/drawing/2014/main" id="{70B7796E-0344-4A1B-9A89-B14B3729ABCF}"/>
+              </a:ext>
+            </a:extLst>
+          </p:cNvPr>
+          <p:cNvSpPr txBox="1"/>
+          <p:nvPr/>
+        </p:nvSpPr>
+        <p:spPr>
+          <a:xfrm>
+            <a:off x="5321300" y="8179487"/>
+            <a:ext cx="3275833" cy="1200329"/>
+          </a:xfrm>
+          <a:prstGeom prst="rect">
+            <a:avLst/>
+          </a:prstGeom>
+          <a:noFill/>
+        </p:spPr>
+        <p:txBody>
+          <a:bodyPr wrap="none" rtlCol="0">
+            <a:spAutoFit/>
+          </a:bodyPr>
+          <a:lstStyle/>
+          <a:p>
+            <a:r>
+              <a:rPr lang="en-US" sz="1200" b="1" dirty="0"/>
+              <a:t>Routine </a:t>
+            </a:r>
+            <a:r>
+              <a:rPr lang="en-US" sz="1200" b="1" dirty="0" err="1"/>
+              <a:t>set_Ref_MOVES</a:t>
+            </a:r>
+            <a:r>
+              <a:rPr lang="en-US" sz="1200" b="1" dirty="0"/>
+              <a:t>(MAP_NAME.CANVAS)</a:t>
+            </a:r>
+            <a:endParaRPr lang="en-US" sz="1200" dirty="0"/>
+          </a:p>
+          <a:p>
+            <a:r>
+              <a:rPr lang="en-US" sz="1200" dirty="0"/>
+              <a:t>	Map(MAP_NAME).zoom</a:t>
+            </a:r>
+          </a:p>
+          <a:p>
+            <a:r>
+              <a:rPr lang="en-US" sz="1200" dirty="0"/>
+              <a:t>	Map(MAP_NAME).drag</a:t>
+            </a:r>
+          </a:p>
+          <a:p>
+            <a:r>
+              <a:rPr lang="en-US" sz="1200" dirty="0"/>
+              <a:t>	</a:t>
+            </a:r>
+            <a:r>
+              <a:rPr lang="en-US" sz="1200" dirty="0" err="1"/>
+              <a:t>X_Moves</a:t>
+            </a:r>
+            <a:r>
+              <a:rPr lang="en-US" sz="1200" dirty="0"/>
+              <a:t>=Sum(</a:t>
+            </a:r>
+            <a:r>
+              <a:rPr lang="en-US" sz="1200" dirty="0" err="1"/>
+              <a:t>zoom_i</a:t>
+            </a:r>
+            <a:r>
+              <a:rPr lang="en-US" sz="1200" dirty="0"/>
+              <a:t>(</a:t>
+            </a:r>
+            <a:r>
+              <a:rPr lang="en-US" sz="1200" dirty="0" err="1"/>
+              <a:t>Delta_X_i</a:t>
+            </a:r>
+            <a:r>
+              <a:rPr lang="en-US" sz="1200" dirty="0"/>
+              <a:t>))</a:t>
+            </a:r>
+          </a:p>
+          <a:p>
+            <a:r>
+              <a:rPr lang="en-US" sz="1200" dirty="0"/>
+              <a:t>	</a:t>
+            </a:r>
+            <a:r>
+              <a:rPr lang="en-US" sz="1200" dirty="0" err="1"/>
+              <a:t>Y_Moves</a:t>
+            </a:r>
+            <a:r>
+              <a:rPr lang="en-US" sz="1200" dirty="0"/>
+              <a:t>=Sum(</a:t>
+            </a:r>
+            <a:r>
+              <a:rPr lang="en-US" sz="1200" dirty="0" err="1"/>
+              <a:t>zoom_i</a:t>
+            </a:r>
+            <a:r>
+              <a:rPr lang="en-US" sz="1200" dirty="0"/>
+              <a:t>(</a:t>
+            </a:r>
+            <a:r>
+              <a:rPr lang="en-US" sz="1200" dirty="0" err="1"/>
+              <a:t>Delta_Y_i</a:t>
+            </a:r>
+            <a:r>
+              <a:rPr lang="en-US" sz="1200" dirty="0"/>
+              <a:t>))</a:t>
+            </a:r>
+          </a:p>
+          <a:p>
+            <a:r>
+              <a:rPr lang="en-US" sz="1200" dirty="0"/>
+              <a:t>	</a:t>
+            </a:r>
+          </a:p>
+        </p:txBody>
+      </p:sp>
+      <p:cxnSp>
+        <p:nvCxnSpPr>
+          <p:cNvPr id="139" name="Connector: Elbow 138">
+            <a:extLst>
+              <a:ext uri="{FF2B5EF4-FFF2-40B4-BE49-F238E27FC236}">
+                <a16:creationId xmlns:a16="http://schemas.microsoft.com/office/drawing/2014/main" id="{BD0F67D4-69E6-4B26-B853-2A97501DE277}"/>
+              </a:ext>
+            </a:extLst>
+          </p:cNvPr>
+          <p:cNvCxnSpPr>
+            <a:stCxn id="14" idx="3"/>
+            <a:endCxn id="22" idx="0"/>
+          </p:cNvCxnSpPr>
+          <p:nvPr/>
+        </p:nvCxnSpPr>
+        <p:spPr>
+          <a:xfrm>
+            <a:off x="5382152" y="5041615"/>
+            <a:ext cx="5419108" cy="1679189"/>
+          </a:xfrm>
+          <a:prstGeom prst="bentConnector2">
+            <a:avLst/>
+          </a:prstGeom>
+          <a:ln>
+            <a:tailEnd type="triangle"/>
+          </a:ln>
+        </p:spPr>
+        <p:style>
+          <a:lnRef idx="1">
+            <a:schemeClr val="accent1"/>
+          </a:lnRef>
+          <a:fillRef idx="0">
+            <a:schemeClr val="accent1"/>
+          </a:fillRef>
+          <a:effectRef idx="0">
+            <a:schemeClr val="accent1"/>
+          </a:effectRef>
+          <a:fontRef idx="minor">
+            <a:schemeClr val="tx1"/>
+          </a:fontRef>
+        </p:style>
+      </p:cxnSp>
+      <p:cxnSp>
+        <p:nvCxnSpPr>
+          <p:cNvPr id="141" name="Connector: Elbow 140">
+            <a:extLst>
+              <a:ext uri="{FF2B5EF4-FFF2-40B4-BE49-F238E27FC236}">
+                <a16:creationId xmlns:a16="http://schemas.microsoft.com/office/drawing/2014/main" id="{3CE11861-9860-46F7-87D2-F8CFA4BBC8F8}"/>
+              </a:ext>
+            </a:extLst>
+          </p:cNvPr>
+          <p:cNvCxnSpPr>
+            <a:stCxn id="22" idx="2"/>
+            <a:endCxn id="24" idx="0"/>
+          </p:cNvCxnSpPr>
+          <p:nvPr/>
+        </p:nvCxnSpPr>
+        <p:spPr>
+          <a:xfrm rot="16200000" flipH="1">
+            <a:off x="10694923" y="7842803"/>
+            <a:ext cx="374634" cy="161961"/>
+          </a:xfrm>
+          <a:prstGeom prst="bentConnector3">
+            <a:avLst/>
+          </a:prstGeom>
+          <a:ln>
+            <a:tailEnd type="triangle"/>
+          </a:ln>
+        </p:spPr>
+        <p:style>
+          <a:lnRef idx="1">
+            <a:schemeClr val="accent1"/>
+          </a:lnRef>
+          <a:fillRef idx="0">
+            <a:schemeClr val="accent1"/>
+          </a:fillRef>
+          <a:effectRef idx="0">
+            <a:schemeClr val="accent1"/>
+          </a:effectRef>
+          <a:fontRef idx="minor">
+            <a:schemeClr val="tx1"/>
+          </a:fontRef>
+        </p:style>
+      </p:cxnSp>
+      <p:cxnSp>
+        <p:nvCxnSpPr>
+          <p:cNvPr id="145" name="Connector: Elbow 144">
+            <a:extLst>
+              <a:ext uri="{FF2B5EF4-FFF2-40B4-BE49-F238E27FC236}">
+                <a16:creationId xmlns:a16="http://schemas.microsoft.com/office/drawing/2014/main" id="{6552CCF6-CE69-41DA-96AC-2538CB0C9BFA}"/>
+              </a:ext>
+            </a:extLst>
+          </p:cNvPr>
+          <p:cNvCxnSpPr>
+            <a:cxnSpLocks/>
+            <a:stCxn id="18" idx="3"/>
+            <a:endCxn id="22" idx="0"/>
+          </p:cNvCxnSpPr>
+          <p:nvPr/>
+        </p:nvCxnSpPr>
+        <p:spPr>
+          <a:xfrm flipV="1">
+            <a:off x="8207121" y="6720804"/>
+            <a:ext cx="2594139" cy="3407825"/>
+          </a:xfrm>
+          <a:prstGeom prst="bentConnector4">
+            <a:avLst>
+              <a:gd name="adj1" fmla="val 21840"/>
+              <a:gd name="adj2" fmla="val 106708"/>
+            </a:avLst>
+          </a:prstGeom>
+          <a:ln>
+            <a:tailEnd type="triangle"/>
+          </a:ln>
+        </p:spPr>
+        <p:style>
+          <a:lnRef idx="1">
+            <a:schemeClr val="accent1"/>
+          </a:lnRef>
+          <a:fillRef idx="0">
+            <a:schemeClr val="accent1"/>
+          </a:fillRef>
+          <a:effectRef idx="0">
+            <a:schemeClr val="accent1"/>
+          </a:effectRef>
+          <a:fontRef idx="minor">
+            <a:schemeClr val="tx1"/>
+          </a:fontRef>
+        </p:style>
+      </p:cxnSp>
     </p:spTree>
     <p:extLst>
       <p:ext uri="{BB962C8B-B14F-4D97-AF65-F5344CB8AC3E}">

--- a/info-plotting/FlowChart.pptx
+++ b/info-plotting/FlowChart.pptx
@@ -5987,7 +5987,7 @@
         </p:nvSpPr>
         <p:spPr>
           <a:xfrm>
-            <a:off x="456998" y="1166933"/>
+            <a:off x="456998" y="810473"/>
             <a:ext cx="1458220" cy="461665"/>
           </a:xfrm>
           <a:prstGeom prst="rect">
@@ -6028,7 +6028,7 @@
         </p:nvSpPr>
         <p:spPr>
           <a:xfrm>
-            <a:off x="456997" y="458273"/>
+            <a:off x="456997" y="101813"/>
             <a:ext cx="731611" cy="276999"/>
           </a:xfrm>
           <a:prstGeom prst="rect">
@@ -6066,7 +6066,7 @@
         </p:nvCxnSpPr>
         <p:spPr>
           <a:xfrm rot="16200000" flipH="1">
-            <a:off x="788625" y="769449"/>
+            <a:off x="788625" y="412989"/>
             <a:ext cx="431661" cy="363305"/>
           </a:xfrm>
           <a:prstGeom prst="bentConnector3">
@@ -6105,7 +6105,7 @@
         </p:nvSpPr>
         <p:spPr>
           <a:xfrm>
-            <a:off x="487138" y="1909140"/>
+            <a:off x="487138" y="1552680"/>
             <a:ext cx="2422458" cy="461665"/>
           </a:xfrm>
           <a:prstGeom prst="rect">
@@ -6146,7 +6146,7 @@
         </p:nvSpPr>
         <p:spPr>
           <a:xfrm>
-            <a:off x="3892903" y="1166932"/>
+            <a:off x="3892903" y="810472"/>
             <a:ext cx="1633781" cy="276999"/>
           </a:xfrm>
           <a:prstGeom prst="rect">
@@ -6185,7 +6185,7 @@
         </p:nvSpPr>
         <p:spPr>
           <a:xfrm>
-            <a:off x="3892903" y="1837599"/>
+            <a:off x="3892903" y="1481139"/>
             <a:ext cx="3042371" cy="276999"/>
           </a:xfrm>
           <a:prstGeom prst="rect">
@@ -6224,7 +6224,7 @@
         </p:nvSpPr>
         <p:spPr>
           <a:xfrm>
-            <a:off x="8420111" y="485621"/>
+            <a:off x="8420111" y="129161"/>
             <a:ext cx="2543110" cy="1015663"/>
           </a:xfrm>
           <a:prstGeom prst="rect">
@@ -6317,7 +6317,7 @@
         </p:nvSpPr>
         <p:spPr>
           <a:xfrm>
-            <a:off x="2000340" y="7260422"/>
+            <a:off x="2000340" y="6903962"/>
             <a:ext cx="2901179" cy="830997"/>
           </a:xfrm>
           <a:prstGeom prst="rect">
@@ -6401,7 +6401,7 @@
         </p:nvSpPr>
         <p:spPr>
           <a:xfrm>
-            <a:off x="3543828" y="4164452"/>
+            <a:off x="3543828" y="3807992"/>
             <a:ext cx="1838324" cy="1754326"/>
           </a:xfrm>
           <a:prstGeom prst="rect">
@@ -6509,7 +6509,7 @@
         </p:nvSpPr>
         <p:spPr>
           <a:xfrm>
-            <a:off x="1855176" y="4227952"/>
+            <a:off x="1855176" y="3871492"/>
             <a:ext cx="1630575" cy="1754326"/>
           </a:xfrm>
           <a:prstGeom prst="rect">
@@ -6617,7 +6617,7 @@
         </p:nvSpPr>
         <p:spPr>
           <a:xfrm>
-            <a:off x="695119" y="3113665"/>
+            <a:off x="695119" y="2757205"/>
             <a:ext cx="2818272" cy="1015663"/>
           </a:xfrm>
           <a:prstGeom prst="rect">
@@ -6680,7 +6680,7 @@
         </p:nvSpPr>
         <p:spPr>
           <a:xfrm>
-            <a:off x="1859188" y="9777138"/>
+            <a:off x="1859188" y="9420678"/>
             <a:ext cx="2474780" cy="830997"/>
           </a:xfrm>
           <a:prstGeom prst="rect">
@@ -6764,7 +6764,7 @@
         </p:nvSpPr>
         <p:spPr>
           <a:xfrm>
-            <a:off x="5416549" y="9805463"/>
+            <a:off x="5416549" y="9449003"/>
             <a:ext cx="2790572" cy="646331"/>
           </a:xfrm>
           <a:prstGeom prst="rect">
@@ -6842,7 +6842,7 @@
         </p:nvSpPr>
         <p:spPr>
           <a:xfrm>
-            <a:off x="786045" y="2719927"/>
+            <a:off x="786045" y="2363467"/>
             <a:ext cx="1401025" cy="276999"/>
           </a:xfrm>
           <a:prstGeom prst="rect">
@@ -6876,7 +6876,7 @@
         </p:nvSpPr>
         <p:spPr>
           <a:xfrm>
-            <a:off x="5809912" y="6672862"/>
+            <a:off x="5809912" y="6316402"/>
             <a:ext cx="612668" cy="276999"/>
           </a:xfrm>
           <a:prstGeom prst="rect">
@@ -6916,7 +6916,7 @@
         </p:nvSpPr>
         <p:spPr>
           <a:xfrm>
-            <a:off x="9340251" y="6720804"/>
+            <a:off x="9340251" y="6658812"/>
             <a:ext cx="2922018" cy="1015663"/>
           </a:xfrm>
           <a:prstGeom prst="rect">
@@ -6932,7 +6932,7 @@
           <a:p>
             <a:r>
               <a:rPr lang="en-US" sz="1200" b="1" dirty="0"/>
-              <a:t>POPUP3</a:t>
+              <a:t>Window POPUP3</a:t>
             </a:r>
           </a:p>
           <a:p>
@@ -7006,7 +7006,7 @@
         </p:nvSpPr>
         <p:spPr>
           <a:xfrm>
-            <a:off x="5349303" y="7190874"/>
+            <a:off x="5349303" y="6834414"/>
             <a:ext cx="3146439" cy="830997"/>
           </a:xfrm>
           <a:prstGeom prst="rect">
@@ -7080,7 +7080,7 @@
         </p:nvSpPr>
         <p:spPr>
           <a:xfrm>
-            <a:off x="9502212" y="8111101"/>
+            <a:off x="9422202" y="8170842"/>
             <a:ext cx="2922018" cy="830997"/>
           </a:xfrm>
           <a:prstGeom prst="rect">
@@ -7182,7 +7182,7 @@
         </p:nvCxnSpPr>
         <p:spPr>
           <a:xfrm rot="16200000" flipH="1">
-            <a:off x="1301966" y="1512739"/>
+            <a:off x="1301966" y="1156279"/>
             <a:ext cx="280542" cy="512259"/>
           </a:xfrm>
           <a:prstGeom prst="bentConnector3">
@@ -7226,7 +7226,7 @@
         </p:nvCxnSpPr>
         <p:spPr>
           <a:xfrm flipH="1">
-            <a:off x="1486558" y="2139973"/>
+            <a:off x="1486558" y="1783513"/>
             <a:ext cx="1423038" cy="579954"/>
           </a:xfrm>
           <a:prstGeom prst="bentConnector4">
@@ -7271,7 +7271,7 @@
         </p:nvCxnSpPr>
         <p:spPr>
           <a:xfrm flipV="1">
-            <a:off x="1915218" y="1305432"/>
+            <a:off x="1915218" y="948972"/>
             <a:ext cx="1977685" cy="92334"/>
           </a:xfrm>
           <a:prstGeom prst="bentConnector3">
@@ -7313,7 +7313,7 @@
         </p:nvCxnSpPr>
         <p:spPr>
           <a:xfrm flipH="1">
-            <a:off x="695119" y="2858427"/>
+            <a:off x="695119" y="2501967"/>
             <a:ext cx="1491951" cy="763070"/>
           </a:xfrm>
           <a:prstGeom prst="bentConnector5">
@@ -7359,7 +7359,7 @@
         </p:nvCxnSpPr>
         <p:spPr>
           <a:xfrm rot="16200000" flipH="1">
-            <a:off x="4865107" y="1288617"/>
+            <a:off x="4865107" y="932157"/>
             <a:ext cx="393668" cy="704295"/>
           </a:xfrm>
           <a:prstGeom prst="bentConnector3">
@@ -7398,7 +7398,7 @@
         </p:nvSpPr>
         <p:spPr>
           <a:xfrm>
-            <a:off x="2184400" y="1149350"/>
+            <a:off x="2184400" y="792890"/>
             <a:ext cx="6273800" cy="1703387"/>
           </a:xfrm>
           <a:custGeom>
@@ -7654,7 +7654,7 @@
         </p:nvCxnSpPr>
         <p:spPr>
           <a:xfrm>
-            <a:off x="2241096" y="3973182"/>
+            <a:off x="2241096" y="3616722"/>
             <a:ext cx="429368" cy="254770"/>
           </a:xfrm>
           <a:prstGeom prst="bentConnector2">
@@ -7695,7 +7695,7 @@
         </p:nvCxnSpPr>
         <p:spPr>
           <a:xfrm>
-            <a:off x="2163451" y="3581097"/>
+            <a:off x="2163451" y="3224637"/>
             <a:ext cx="2299539" cy="583355"/>
           </a:xfrm>
           <a:prstGeom prst="bentConnector2">
@@ -7734,7 +7734,7 @@
         </p:nvSpPr>
         <p:spPr>
           <a:xfrm>
-            <a:off x="2000340" y="7006401"/>
+            <a:off x="2000340" y="6649941"/>
             <a:ext cx="1633781" cy="276999"/>
           </a:xfrm>
           <a:prstGeom prst="rect">
@@ -7773,7 +7773,7 @@
         </p:nvSpPr>
         <p:spPr>
           <a:xfrm>
-            <a:off x="5329394" y="6936719"/>
+            <a:off x="5329394" y="6580259"/>
             <a:ext cx="1633781" cy="276999"/>
           </a:xfrm>
           <a:prstGeom prst="rect">
@@ -7812,7 +7812,7 @@
         </p:nvSpPr>
         <p:spPr>
           <a:xfrm>
-            <a:off x="1855176" y="7042354"/>
+            <a:off x="1855176" y="6685894"/>
             <a:ext cx="135209" cy="482092"/>
           </a:xfrm>
           <a:prstGeom prst="leftBrace">
@@ -7856,7 +7856,7 @@
         </p:nvSpPr>
         <p:spPr>
           <a:xfrm>
-            <a:off x="5215960" y="6987590"/>
+            <a:off x="5215960" y="6631130"/>
             <a:ext cx="135209" cy="482092"/>
           </a:xfrm>
           <a:prstGeom prst="leftBrace">
@@ -7900,7 +7900,7 @@
         </p:nvSpPr>
         <p:spPr>
           <a:xfrm>
-            <a:off x="2176938" y="1973580"/>
+            <a:off x="2176938" y="1617120"/>
             <a:ext cx="1716882" cy="571976"/>
           </a:xfrm>
           <a:custGeom>
@@ -8010,7 +8010,7 @@
         </p:nvCxnSpPr>
         <p:spPr>
           <a:xfrm rot="5400000">
-            <a:off x="3835013" y="483503"/>
+            <a:off x="3835013" y="127043"/>
             <a:ext cx="4838873" cy="6874435"/>
           </a:xfrm>
           <a:prstGeom prst="bentConnector3">
@@ -8055,7 +8055,7 @@
         </p:nvCxnSpPr>
         <p:spPr>
           <a:xfrm rot="16200000" flipH="1">
-            <a:off x="2564908" y="6087833"/>
+            <a:off x="2564908" y="5731373"/>
             <a:ext cx="357879" cy="146767"/>
           </a:xfrm>
           <a:prstGeom prst="bentConnector3">
@@ -8097,7 +8097,7 @@
         </p:nvCxnSpPr>
         <p:spPr>
           <a:xfrm rot="5400000">
-            <a:off x="3429422" y="5306588"/>
+            <a:off x="3429422" y="4950128"/>
             <a:ext cx="421379" cy="1645759"/>
           </a:xfrm>
           <a:prstGeom prst="bentConnector3">
@@ -8138,7 +8138,7 @@
         </p:nvSpPr>
         <p:spPr>
           <a:xfrm>
-            <a:off x="1825741" y="8212691"/>
+            <a:off x="1825741" y="7856231"/>
             <a:ext cx="3007875" cy="1200329"/>
           </a:xfrm>
           <a:prstGeom prst="rect">
@@ -8268,7 +8268,7 @@
         </p:nvSpPr>
         <p:spPr>
           <a:xfrm>
-            <a:off x="1825741" y="9528464"/>
+            <a:off x="1825741" y="9172004"/>
             <a:ext cx="3042371" cy="276999"/>
           </a:xfrm>
           <a:prstGeom prst="rect">
@@ -8307,7 +8307,7 @@
         </p:nvSpPr>
         <p:spPr>
           <a:xfrm>
-            <a:off x="5377740" y="9528464"/>
+            <a:off x="5377740" y="9172004"/>
             <a:ext cx="3042371" cy="276999"/>
           </a:xfrm>
           <a:prstGeom prst="rect">
@@ -8349,7 +8349,7 @@
         </p:nvCxnSpPr>
         <p:spPr>
           <a:xfrm rot="5400000" flipH="1">
-            <a:off x="41606" y="7553164"/>
+            <a:off x="41606" y="7196704"/>
             <a:ext cx="3736957" cy="2372986"/>
           </a:xfrm>
           <a:prstGeom prst="bentConnector3">
@@ -8390,7 +8390,7 @@
         </p:nvSpPr>
         <p:spPr>
           <a:xfrm>
-            <a:off x="2510897" y="6340157"/>
+            <a:off x="2510897" y="5983697"/>
             <a:ext cx="612668" cy="276999"/>
           </a:xfrm>
           <a:prstGeom prst="rect">
@@ -8435,7 +8435,7 @@
         </p:nvCxnSpPr>
         <p:spPr>
           <a:xfrm>
-            <a:off x="2817230" y="6871177"/>
+            <a:off x="2817230" y="6514717"/>
             <a:ext cx="1" cy="135224"/>
           </a:xfrm>
           <a:prstGeom prst="straightConnector1">
@@ -8476,7 +8476,7 @@
         </p:nvCxnSpPr>
         <p:spPr>
           <a:xfrm>
-            <a:off x="2817230" y="6610439"/>
+            <a:off x="2817230" y="6253979"/>
             <a:ext cx="1" cy="192851"/>
           </a:xfrm>
           <a:prstGeom prst="straightConnector1">
@@ -8518,7 +8518,7 @@
         </p:nvCxnSpPr>
         <p:spPr>
           <a:xfrm flipV="1">
-            <a:off x="723591" y="6811362"/>
+            <a:off x="723591" y="6454902"/>
             <a:ext cx="5086321" cy="3289903"/>
           </a:xfrm>
           <a:prstGeom prst="bentConnector3">
@@ -8559,7 +8559,7 @@
         </p:nvSpPr>
         <p:spPr>
           <a:xfrm>
-            <a:off x="5321300" y="8179487"/>
+            <a:off x="5321300" y="7823027"/>
             <a:ext cx="3275833" cy="1200329"/>
           </a:xfrm>
           <a:prstGeom prst="rect">
@@ -8677,59 +8677,18 @@
             </a:extLst>
           </p:cNvPr>
           <p:cNvCxnSpPr>
+            <a:cxnSpLocks/>
             <a:stCxn id="14" idx="3"/>
-            <a:endCxn id="22" idx="0"/>
+            <a:endCxn id="151" idx="0"/>
           </p:cNvCxnSpPr>
           <p:nvPr/>
         </p:nvCxnSpPr>
         <p:spPr>
           <a:xfrm>
-            <a:off x="5382152" y="5041615"/>
-            <a:ext cx="5419108" cy="1679189"/>
+            <a:off x="5382152" y="4685155"/>
+            <a:ext cx="4774990" cy="1768031"/>
           </a:xfrm>
           <a:prstGeom prst="bentConnector2">
-            <a:avLst/>
-          </a:prstGeom>
-          <a:ln>
-            <a:tailEnd type="triangle"/>
-          </a:ln>
-        </p:spPr>
-        <p:style>
-          <a:lnRef idx="1">
-            <a:schemeClr val="accent1"/>
-          </a:lnRef>
-          <a:fillRef idx="0">
-            <a:schemeClr val="accent1"/>
-          </a:fillRef>
-          <a:effectRef idx="0">
-            <a:schemeClr val="accent1"/>
-          </a:effectRef>
-          <a:fontRef idx="minor">
-            <a:schemeClr val="tx1"/>
-          </a:fontRef>
-        </p:style>
-      </p:cxnSp>
-      <p:cxnSp>
-        <p:nvCxnSpPr>
-          <p:cNvPr id="141" name="Connector: Elbow 140">
-            <a:extLst>
-              <a:ext uri="{FF2B5EF4-FFF2-40B4-BE49-F238E27FC236}">
-                <a16:creationId xmlns:a16="http://schemas.microsoft.com/office/drawing/2014/main" id="{3CE11861-9860-46F7-87D2-F8CFA4BBC8F8}"/>
-              </a:ext>
-            </a:extLst>
-          </p:cNvPr>
-          <p:cNvCxnSpPr>
-            <a:stCxn id="22" idx="2"/>
-            <a:endCxn id="24" idx="0"/>
-          </p:cNvCxnSpPr>
-          <p:nvPr/>
-        </p:nvCxnSpPr>
-        <p:spPr>
-          <a:xfrm rot="16200000" flipH="1">
-            <a:off x="10694923" y="7842803"/>
-            <a:ext cx="374634" cy="161961"/>
-          </a:xfrm>
-          <a:prstGeom prst="bentConnector3">
             <a:avLst/>
           </a:prstGeom>
           <a:ln>
@@ -8763,19 +8722,19 @@
           <p:cNvCxnSpPr>
             <a:cxnSpLocks/>
             <a:stCxn id="18" idx="3"/>
-            <a:endCxn id="22" idx="0"/>
+            <a:endCxn id="151" idx="0"/>
           </p:cNvCxnSpPr>
           <p:nvPr/>
         </p:nvCxnSpPr>
         <p:spPr>
           <a:xfrm flipV="1">
-            <a:off x="8207121" y="6720804"/>
-            <a:ext cx="2594139" cy="3407825"/>
+            <a:off x="8207121" y="6453186"/>
+            <a:ext cx="1950021" cy="3318983"/>
           </a:xfrm>
           <a:prstGeom prst="bentConnector4">
             <a:avLst>
-              <a:gd name="adj1" fmla="val 21840"/>
-              <a:gd name="adj2" fmla="val 106708"/>
+              <a:gd name="adj1" fmla="val 29054"/>
+              <a:gd name="adj2" fmla="val 106888"/>
             </a:avLst>
           </a:prstGeom>
           <a:ln>
@@ -8797,6 +8756,727 @@
           </a:fontRef>
         </p:style>
       </p:cxnSp>
+      <p:sp>
+        <p:nvSpPr>
+          <p:cNvPr id="151" name="TextBox 150">
+            <a:extLst>
+              <a:ext uri="{FF2B5EF4-FFF2-40B4-BE49-F238E27FC236}">
+                <a16:creationId xmlns:a16="http://schemas.microsoft.com/office/drawing/2014/main" id="{855037A4-5217-4BE3-8A05-73F4463D7B7F}"/>
+              </a:ext>
+            </a:extLst>
+          </p:cNvPr>
+          <p:cNvSpPr txBox="1"/>
+          <p:nvPr/>
+        </p:nvSpPr>
+        <p:spPr>
+          <a:xfrm>
+            <a:off x="9340251" y="6453186"/>
+            <a:ext cx="1633781" cy="276999"/>
+          </a:xfrm>
+          <a:prstGeom prst="rect">
+            <a:avLst/>
+          </a:prstGeom>
+          <a:noFill/>
+        </p:spPr>
+        <p:txBody>
+          <a:bodyPr wrap="none" rtlCol="0">
+            <a:spAutoFit/>
+          </a:bodyPr>
+          <a:lstStyle/>
+          <a:p>
+            <a:r>
+              <a:rPr lang="en-US" sz="1200" b="1" dirty="0"/>
+              <a:t>WIDGET SMILEY </a:t>
+            </a:r>
+            <a:r>
+              <a:rPr lang="en-US" sz="1200" dirty="0"/>
+              <a:t>opens</a:t>
+            </a:r>
+          </a:p>
+        </p:txBody>
+      </p:sp>
+      <p:sp>
+        <p:nvSpPr>
+          <p:cNvPr id="152" name="Left Brace 151">
+            <a:extLst>
+              <a:ext uri="{FF2B5EF4-FFF2-40B4-BE49-F238E27FC236}">
+                <a16:creationId xmlns:a16="http://schemas.microsoft.com/office/drawing/2014/main" id="{FBA0CE24-F4B1-4641-9C21-01283A225EF9}"/>
+              </a:ext>
+            </a:extLst>
+          </p:cNvPr>
+          <p:cNvSpPr/>
+          <p:nvPr/>
+        </p:nvSpPr>
+        <p:spPr>
+          <a:xfrm>
+            <a:off x="9226817" y="6442065"/>
+            <a:ext cx="135209" cy="482092"/>
+          </a:xfrm>
+          <a:prstGeom prst="leftBrace">
+            <a:avLst/>
+          </a:prstGeom>
+        </p:spPr>
+        <p:style>
+          <a:lnRef idx="1">
+            <a:schemeClr val="accent1"/>
+          </a:lnRef>
+          <a:fillRef idx="0">
+            <a:schemeClr val="accent1"/>
+          </a:fillRef>
+          <a:effectRef idx="0">
+            <a:schemeClr val="accent1"/>
+          </a:effectRef>
+          <a:fontRef idx="minor">
+            <a:schemeClr val="tx1"/>
+          </a:fontRef>
+        </p:style>
+        <p:txBody>
+          <a:bodyPr rtlCol="0" anchor="ctr"/>
+          <a:lstStyle/>
+          <a:p>
+            <a:pPr algn="ctr"/>
+            <a:endParaRPr lang="en-US"/>
+          </a:p>
+        </p:txBody>
+      </p:sp>
+      <p:sp>
+        <p:nvSpPr>
+          <p:cNvPr id="158" name="TextBox 157">
+            <a:extLst>
+              <a:ext uri="{FF2B5EF4-FFF2-40B4-BE49-F238E27FC236}">
+                <a16:creationId xmlns:a16="http://schemas.microsoft.com/office/drawing/2014/main" id="{BD77D5A2-C5E6-4C01-A77A-6E3441E98D02}"/>
+              </a:ext>
+            </a:extLst>
+          </p:cNvPr>
+          <p:cNvSpPr txBox="1"/>
+          <p:nvPr/>
+        </p:nvSpPr>
+        <p:spPr>
+          <a:xfrm>
+            <a:off x="9362026" y="7866965"/>
+            <a:ext cx="3042371" cy="276999"/>
+          </a:xfrm>
+          <a:prstGeom prst="rect">
+            <a:avLst/>
+          </a:prstGeom>
+          <a:noFill/>
+        </p:spPr>
+        <p:txBody>
+          <a:bodyPr wrap="none" rtlCol="0">
+            <a:spAutoFit/>
+          </a:bodyPr>
+          <a:lstStyle/>
+          <a:p>
+            <a:r>
+              <a:rPr lang="en-US" sz="1200" b="1" dirty="0"/>
+              <a:t>WIDGET SMILEY  </a:t>
+            </a:r>
+            <a:r>
+              <a:rPr lang="en-US" sz="1200" dirty="0"/>
+              <a:t>on mouse event DoubleClick</a:t>
+            </a:r>
+          </a:p>
+        </p:txBody>
+      </p:sp>
+      <p:sp>
+        <p:nvSpPr>
+          <p:cNvPr id="163" name="TextBox 162">
+            <a:extLst>
+              <a:ext uri="{FF2B5EF4-FFF2-40B4-BE49-F238E27FC236}">
+                <a16:creationId xmlns:a16="http://schemas.microsoft.com/office/drawing/2014/main" id="{BF4386F9-43B7-46D4-A4D6-FAB3D0E0F18D}"/>
+              </a:ext>
+            </a:extLst>
+          </p:cNvPr>
+          <p:cNvSpPr txBox="1"/>
+          <p:nvPr/>
+        </p:nvSpPr>
+        <p:spPr>
+          <a:xfrm>
+            <a:off x="707550" y="11362379"/>
+            <a:ext cx="3086551" cy="830997"/>
+          </a:xfrm>
+          <a:prstGeom prst="rect">
+            <a:avLst/>
+          </a:prstGeom>
+          <a:noFill/>
+        </p:spPr>
+        <p:txBody>
+          <a:bodyPr wrap="none" rtlCol="0">
+            <a:spAutoFit/>
+          </a:bodyPr>
+          <a:lstStyle/>
+          <a:p>
+            <a:r>
+              <a:rPr lang="en-US" sz="1200" b="1" dirty="0"/>
+              <a:t>WIDGET NORTH </a:t>
+            </a:r>
+            <a:r>
+              <a:rPr lang="en-US" sz="1200" dirty="0"/>
+              <a:t>opens</a:t>
+            </a:r>
+          </a:p>
+          <a:p>
+            <a:r>
+              <a:rPr lang="en-US" sz="1200" dirty="0"/>
+              <a:t>IFPOLARIS: POLARIS WIDGET</a:t>
+            </a:r>
+          </a:p>
+          <a:p>
+            <a:r>
+              <a:rPr lang="en-US" sz="1200" dirty="0"/>
+              <a:t>IFMAGNETIC: MN WIDGET</a:t>
+            </a:r>
+          </a:p>
+          <a:p>
+            <a:r>
+              <a:rPr lang="en-US" sz="1200" dirty="0"/>
+              <a:t>	WIDGET set to screen vertical direction</a:t>
+            </a:r>
+          </a:p>
+        </p:txBody>
+      </p:sp>
+      <p:sp>
+        <p:nvSpPr>
+          <p:cNvPr id="164" name="TextBox 163">
+            <a:extLst>
+              <a:ext uri="{FF2B5EF4-FFF2-40B4-BE49-F238E27FC236}">
+                <a16:creationId xmlns:a16="http://schemas.microsoft.com/office/drawing/2014/main" id="{B10FFE40-6528-4E1C-89C7-B21D459B2CDA}"/>
+              </a:ext>
+            </a:extLst>
+          </p:cNvPr>
+          <p:cNvSpPr txBox="1"/>
+          <p:nvPr/>
+        </p:nvSpPr>
+        <p:spPr>
+          <a:xfrm>
+            <a:off x="723591" y="10716047"/>
+            <a:ext cx="4262514" cy="646331"/>
+          </a:xfrm>
+          <a:prstGeom prst="rect">
+            <a:avLst/>
+          </a:prstGeom>
+          <a:noFill/>
+        </p:spPr>
+        <p:txBody>
+          <a:bodyPr wrap="none" rtlCol="0">
+            <a:spAutoFit/>
+          </a:bodyPr>
+          <a:lstStyle/>
+          <a:p>
+            <a:r>
+              <a:rPr lang="en-US" sz="1200" b="1" dirty="0"/>
+              <a:t>Routine </a:t>
+            </a:r>
+            <a:r>
+              <a:rPr lang="en-US" sz="1200" b="1" dirty="0" err="1"/>
+              <a:t>Ref_Zero</a:t>
+            </a:r>
+            <a:r>
+              <a:rPr lang="en-US" sz="1200" b="1" dirty="0"/>
+              <a:t>(MAP_NAME.CANVAS)</a:t>
+            </a:r>
+          </a:p>
+          <a:p>
+            <a:r>
+              <a:rPr lang="en-US" sz="1200" dirty="0"/>
+              <a:t>	Sets to zoom 100%</a:t>
+            </a:r>
+          </a:p>
+          <a:p>
+            <a:r>
+              <a:rPr lang="en-US" sz="1200" dirty="0"/>
+              <a:t>	Drags Map to </a:t>
+            </a:r>
+            <a:r>
+              <a:rPr lang="en-US" sz="1200" dirty="0" err="1"/>
+              <a:t>Ref_zero</a:t>
+            </a:r>
+            <a:r>
+              <a:rPr lang="en-US" sz="1200" dirty="0"/>
+              <a:t> (back to the center of the screen)</a:t>
+            </a:r>
+          </a:p>
+        </p:txBody>
+      </p:sp>
+      <p:sp>
+        <p:nvSpPr>
+          <p:cNvPr id="165" name="Left Brace 164">
+            <a:extLst>
+              <a:ext uri="{FF2B5EF4-FFF2-40B4-BE49-F238E27FC236}">
+                <a16:creationId xmlns:a16="http://schemas.microsoft.com/office/drawing/2014/main" id="{76521FD8-9457-46EE-81C5-80D89F8A990C}"/>
+              </a:ext>
+            </a:extLst>
+          </p:cNvPr>
+          <p:cNvSpPr/>
+          <p:nvPr/>
+        </p:nvSpPr>
+        <p:spPr>
+          <a:xfrm>
+            <a:off x="487138" y="10747042"/>
+            <a:ext cx="207981" cy="830997"/>
+          </a:xfrm>
+          <a:prstGeom prst="leftBrace">
+            <a:avLst/>
+          </a:prstGeom>
+        </p:spPr>
+        <p:style>
+          <a:lnRef idx="1">
+            <a:schemeClr val="accent1"/>
+          </a:lnRef>
+          <a:fillRef idx="0">
+            <a:schemeClr val="accent1"/>
+          </a:fillRef>
+          <a:effectRef idx="0">
+            <a:schemeClr val="accent1"/>
+          </a:effectRef>
+          <a:fontRef idx="minor">
+            <a:schemeClr val="tx1"/>
+          </a:fontRef>
+        </p:style>
+        <p:txBody>
+          <a:bodyPr rtlCol="0" anchor="ctr"/>
+          <a:lstStyle/>
+          <a:p>
+            <a:pPr algn="ctr"/>
+            <a:endParaRPr lang="en-US"/>
+          </a:p>
+        </p:txBody>
+      </p:sp>
+      <p:cxnSp>
+        <p:nvCxnSpPr>
+          <p:cNvPr id="167" name="Connector: Elbow 166">
+            <a:extLst>
+              <a:ext uri="{FF2B5EF4-FFF2-40B4-BE49-F238E27FC236}">
+                <a16:creationId xmlns:a16="http://schemas.microsoft.com/office/drawing/2014/main" id="{60CBB2E2-3586-4CDD-A3B4-E9E89D49B432}"/>
+              </a:ext>
+            </a:extLst>
+          </p:cNvPr>
+          <p:cNvCxnSpPr>
+            <a:cxnSpLocks/>
+            <a:stCxn id="24" idx="2"/>
+            <a:endCxn id="165" idx="1"/>
+          </p:cNvCxnSpPr>
+          <p:nvPr/>
+        </p:nvCxnSpPr>
+        <p:spPr>
+          <a:xfrm rot="5400000">
+            <a:off x="4604824" y="4884154"/>
+            <a:ext cx="2160702" cy="10396073"/>
+          </a:xfrm>
+          <a:prstGeom prst="bentConnector4">
+            <a:avLst>
+              <a:gd name="adj1" fmla="val 74097"/>
+              <a:gd name="adj2" fmla="val 102199"/>
+            </a:avLst>
+          </a:prstGeom>
+          <a:ln>
+            <a:tailEnd type="triangle"/>
+          </a:ln>
+        </p:spPr>
+        <p:style>
+          <a:lnRef idx="1">
+            <a:schemeClr val="accent1"/>
+          </a:lnRef>
+          <a:fillRef idx="0">
+            <a:schemeClr val="accent1"/>
+          </a:fillRef>
+          <a:effectRef idx="0">
+            <a:schemeClr val="accent1"/>
+          </a:effectRef>
+          <a:fontRef idx="minor">
+            <a:schemeClr val="tx1"/>
+          </a:fontRef>
+        </p:style>
+      </p:cxnSp>
+      <p:sp>
+        <p:nvSpPr>
+          <p:cNvPr id="170" name="TextBox 169">
+            <a:extLst>
+              <a:ext uri="{FF2B5EF4-FFF2-40B4-BE49-F238E27FC236}">
+                <a16:creationId xmlns:a16="http://schemas.microsoft.com/office/drawing/2014/main" id="{5C53EB9C-8785-4390-B501-1EDE7095391C}"/>
+              </a:ext>
+            </a:extLst>
+          </p:cNvPr>
+          <p:cNvSpPr txBox="1"/>
+          <p:nvPr/>
+        </p:nvSpPr>
+        <p:spPr>
+          <a:xfrm>
+            <a:off x="5349303" y="10716047"/>
+            <a:ext cx="3063339" cy="461665"/>
+          </a:xfrm>
+          <a:prstGeom prst="rect">
+            <a:avLst/>
+          </a:prstGeom>
+          <a:noFill/>
+        </p:spPr>
+        <p:txBody>
+          <a:bodyPr wrap="none" rtlCol="0">
+            <a:spAutoFit/>
+          </a:bodyPr>
+          <a:lstStyle/>
+          <a:p>
+            <a:r>
+              <a:rPr lang="en-US" sz="1200" b="1" dirty="0"/>
+              <a:t>WIDGET NORTH  </a:t>
+            </a:r>
+            <a:r>
+              <a:rPr lang="en-US" sz="1200" dirty="0"/>
+              <a:t>on mouse event DoubleClick</a:t>
+            </a:r>
+          </a:p>
+          <a:p>
+            <a:r>
+              <a:rPr lang="en-US" sz="1200" dirty="0"/>
+              <a:t>	starts the </a:t>
+            </a:r>
+            <a:r>
+              <a:rPr lang="en-US" sz="1200" dirty="0" err="1"/>
+              <a:t>processus</a:t>
+            </a:r>
+            <a:endParaRPr lang="en-US" sz="1200" dirty="0"/>
+          </a:p>
+        </p:txBody>
+      </p:sp>
+      <p:cxnSp>
+        <p:nvCxnSpPr>
+          <p:cNvPr id="172" name="Connector: Elbow 171">
+            <a:extLst>
+              <a:ext uri="{FF2B5EF4-FFF2-40B4-BE49-F238E27FC236}">
+                <a16:creationId xmlns:a16="http://schemas.microsoft.com/office/drawing/2014/main" id="{CC502123-905F-462F-8E9B-0470E06F08DE}"/>
+              </a:ext>
+            </a:extLst>
+          </p:cNvPr>
+          <p:cNvCxnSpPr>
+            <a:stCxn id="163" idx="3"/>
+            <a:endCxn id="170" idx="1"/>
+          </p:cNvCxnSpPr>
+          <p:nvPr/>
+        </p:nvCxnSpPr>
+        <p:spPr>
+          <a:xfrm flipV="1">
+            <a:off x="3794101" y="10946880"/>
+            <a:ext cx="1555202" cy="830998"/>
+          </a:xfrm>
+          <a:prstGeom prst="bentConnector3">
+            <a:avLst>
+              <a:gd name="adj1" fmla="val 79896"/>
+            </a:avLst>
+          </a:prstGeom>
+          <a:ln>
+            <a:tailEnd type="triangle"/>
+          </a:ln>
+        </p:spPr>
+        <p:style>
+          <a:lnRef idx="1">
+            <a:schemeClr val="accent1"/>
+          </a:lnRef>
+          <a:fillRef idx="0">
+            <a:schemeClr val="accent1"/>
+          </a:fillRef>
+          <a:effectRef idx="0">
+            <a:schemeClr val="accent1"/>
+          </a:effectRef>
+          <a:fontRef idx="minor">
+            <a:schemeClr val="tx1"/>
+          </a:fontRef>
+        </p:style>
+      </p:cxnSp>
+      <p:sp>
+        <p:nvSpPr>
+          <p:cNvPr id="174" name="TextBox 173">
+            <a:extLst>
+              <a:ext uri="{FF2B5EF4-FFF2-40B4-BE49-F238E27FC236}">
+                <a16:creationId xmlns:a16="http://schemas.microsoft.com/office/drawing/2014/main" id="{337F2171-5264-44F6-9481-568A9D49C9E9}"/>
+              </a:ext>
+            </a:extLst>
+          </p:cNvPr>
+          <p:cNvSpPr txBox="1"/>
+          <p:nvPr/>
+        </p:nvSpPr>
+        <p:spPr>
+          <a:xfrm>
+            <a:off x="6254449" y="11353578"/>
+            <a:ext cx="4999671" cy="1200329"/>
+          </a:xfrm>
+          <a:prstGeom prst="rect">
+            <a:avLst/>
+          </a:prstGeom>
+          <a:noFill/>
+        </p:spPr>
+        <p:txBody>
+          <a:bodyPr wrap="square" rtlCol="0">
+            <a:spAutoFit/>
+          </a:bodyPr>
+          <a:lstStyle/>
+          <a:p>
+            <a:r>
+              <a:rPr lang="en-US" sz="1200" b="1" dirty="0"/>
+              <a:t>Routine Main(MAP_NAME.CANVAS)	</a:t>
+            </a:r>
+          </a:p>
+          <a:p>
+            <a:r>
+              <a:rPr lang="en-US" sz="1200" dirty="0"/>
+              <a:t>	While (not WIDGET NORTH  on mouse event DoubleClick)</a:t>
+            </a:r>
+          </a:p>
+          <a:p>
+            <a:r>
+              <a:rPr lang="en-US" sz="1200" dirty="0"/>
+              <a:t>		Calls </a:t>
+            </a:r>
+            <a:r>
+              <a:rPr lang="en-US" sz="1200" dirty="0" err="1"/>
+              <a:t>My_Current_Position</a:t>
+            </a:r>
+            <a:endParaRPr lang="en-US" sz="1200" dirty="0"/>
+          </a:p>
+          <a:p>
+            <a:r>
+              <a:rPr lang="en-US" sz="1200" dirty="0"/>
+              <a:t>		Calls </a:t>
+            </a:r>
+            <a:r>
+              <a:rPr lang="en-US" sz="1200" dirty="0" err="1"/>
+              <a:t>My_Current_North</a:t>
+            </a:r>
+            <a:endParaRPr lang="en-US" sz="1200" dirty="0"/>
+          </a:p>
+          <a:p>
+            <a:r>
+              <a:rPr lang="en-US" sz="1200" dirty="0"/>
+              <a:t>		Calls </a:t>
+            </a:r>
+            <a:r>
+              <a:rPr lang="en-US" sz="1200" dirty="0" err="1"/>
+              <a:t>Plot_Current_Positiion</a:t>
+            </a:r>
+            <a:r>
+              <a:rPr lang="en-US" sz="1200" dirty="0"/>
+              <a:t> (Sum(</a:t>
+            </a:r>
+            <a:r>
+              <a:rPr lang="en-US" sz="1200" dirty="0" err="1"/>
+              <a:t>Zoom_i</a:t>
+            </a:r>
+            <a:r>
+              <a:rPr lang="en-US" sz="1200" dirty="0"/>
+              <a:t>(</a:t>
+            </a:r>
+            <a:r>
+              <a:rPr lang="en-US" sz="1200" dirty="0" err="1"/>
+              <a:t>Moves_i</a:t>
+            </a:r>
+            <a:r>
+              <a:rPr lang="en-US" sz="1200" dirty="0"/>
+              <a:t>))</a:t>
+            </a:r>
+          </a:p>
+          <a:p>
+            <a:r>
+              <a:rPr lang="en-US" sz="1200" dirty="0"/>
+              <a:t>		Calls </a:t>
+            </a:r>
+            <a:r>
+              <a:rPr lang="en-US" sz="1200" dirty="0" err="1"/>
+              <a:t>Plot_Track</a:t>
+            </a:r>
+            <a:endParaRPr lang="en-US" sz="1200" dirty="0"/>
+          </a:p>
+        </p:txBody>
+      </p:sp>
+      <p:sp>
+        <p:nvSpPr>
+          <p:cNvPr id="184" name="Freeform: Shape 183">
+            <a:extLst>
+              <a:ext uri="{FF2B5EF4-FFF2-40B4-BE49-F238E27FC236}">
+                <a16:creationId xmlns:a16="http://schemas.microsoft.com/office/drawing/2014/main" id="{6D988E15-BEBF-410B-8818-E5537BDAAFB4}"/>
+              </a:ext>
+            </a:extLst>
+          </p:cNvPr>
+          <p:cNvSpPr/>
+          <p:nvPr/>
+        </p:nvSpPr>
+        <p:spPr>
+          <a:xfrm>
+            <a:off x="5730820" y="11034793"/>
+            <a:ext cx="3132918" cy="1134175"/>
+          </a:xfrm>
+          <a:custGeom>
+            <a:avLst/>
+            <a:gdLst>
+              <a:gd name="connsiteX0" fmla="*/ 2774197 w 3967566"/>
+              <a:gd name="connsiteY0" fmla="*/ 30996 h 1177871"/>
+              <a:gd name="connsiteX1" fmla="*/ 3952068 w 3967566"/>
+              <a:gd name="connsiteY1" fmla="*/ 0 h 1177871"/>
+              <a:gd name="connsiteX2" fmla="*/ 3967566 w 3967566"/>
+              <a:gd name="connsiteY2" fmla="*/ 309966 h 1177871"/>
+              <a:gd name="connsiteX3" fmla="*/ 0 w 3967566"/>
+              <a:gd name="connsiteY3" fmla="*/ 340962 h 1177871"/>
+              <a:gd name="connsiteX4" fmla="*/ 46495 w 3967566"/>
+              <a:gd name="connsiteY4" fmla="*/ 1177871 h 1177871"/>
+              <a:gd name="connsiteX5" fmla="*/ 526943 w 3967566"/>
+              <a:gd name="connsiteY5" fmla="*/ 1162372 h 1177871"/>
+              <a:gd name="connsiteX0" fmla="*/ 2791202 w 3984571"/>
+              <a:gd name="connsiteY0" fmla="*/ 30996 h 1165171"/>
+              <a:gd name="connsiteX1" fmla="*/ 3969073 w 3984571"/>
+              <a:gd name="connsiteY1" fmla="*/ 0 h 1165171"/>
+              <a:gd name="connsiteX2" fmla="*/ 3984571 w 3984571"/>
+              <a:gd name="connsiteY2" fmla="*/ 309966 h 1165171"/>
+              <a:gd name="connsiteX3" fmla="*/ 17005 w 3984571"/>
+              <a:gd name="connsiteY3" fmla="*/ 340962 h 1165171"/>
+              <a:gd name="connsiteX4" fmla="*/ 0 w 3984571"/>
+              <a:gd name="connsiteY4" fmla="*/ 1165171 h 1165171"/>
+              <a:gd name="connsiteX5" fmla="*/ 543948 w 3984571"/>
+              <a:gd name="connsiteY5" fmla="*/ 1162372 h 1165171"/>
+              <a:gd name="connsiteX0" fmla="*/ 2799597 w 3992966"/>
+              <a:gd name="connsiteY0" fmla="*/ 30996 h 1165171"/>
+              <a:gd name="connsiteX1" fmla="*/ 3977468 w 3992966"/>
+              <a:gd name="connsiteY1" fmla="*/ 0 h 1165171"/>
+              <a:gd name="connsiteX2" fmla="*/ 3992966 w 3992966"/>
+              <a:gd name="connsiteY2" fmla="*/ 309966 h 1165171"/>
+              <a:gd name="connsiteX3" fmla="*/ 0 w 3992966"/>
+              <a:gd name="connsiteY3" fmla="*/ 340962 h 1165171"/>
+              <a:gd name="connsiteX4" fmla="*/ 8395 w 3992966"/>
+              <a:gd name="connsiteY4" fmla="*/ 1165171 h 1165171"/>
+              <a:gd name="connsiteX5" fmla="*/ 552343 w 3992966"/>
+              <a:gd name="connsiteY5" fmla="*/ 1162372 h 1165171"/>
+              <a:gd name="connsiteX0" fmla="*/ 2793247 w 3986616"/>
+              <a:gd name="connsiteY0" fmla="*/ 30996 h 1165171"/>
+              <a:gd name="connsiteX1" fmla="*/ 3971118 w 3986616"/>
+              <a:gd name="connsiteY1" fmla="*/ 0 h 1165171"/>
+              <a:gd name="connsiteX2" fmla="*/ 3986616 w 3986616"/>
+              <a:gd name="connsiteY2" fmla="*/ 309966 h 1165171"/>
+              <a:gd name="connsiteX3" fmla="*/ 0 w 3986616"/>
+              <a:gd name="connsiteY3" fmla="*/ 252062 h 1165171"/>
+              <a:gd name="connsiteX4" fmla="*/ 2045 w 3986616"/>
+              <a:gd name="connsiteY4" fmla="*/ 1165171 h 1165171"/>
+              <a:gd name="connsiteX5" fmla="*/ 545993 w 3986616"/>
+              <a:gd name="connsiteY5" fmla="*/ 1162372 h 1165171"/>
+              <a:gd name="connsiteX0" fmla="*/ 2793247 w 3971118"/>
+              <a:gd name="connsiteY0" fmla="*/ 30996 h 1165171"/>
+              <a:gd name="connsiteX1" fmla="*/ 3971118 w 3971118"/>
+              <a:gd name="connsiteY1" fmla="*/ 0 h 1165171"/>
+              <a:gd name="connsiteX2" fmla="*/ 3123016 w 3971118"/>
+              <a:gd name="connsiteY2" fmla="*/ 246466 h 1165171"/>
+              <a:gd name="connsiteX3" fmla="*/ 0 w 3971118"/>
+              <a:gd name="connsiteY3" fmla="*/ 252062 h 1165171"/>
+              <a:gd name="connsiteX4" fmla="*/ 2045 w 3971118"/>
+              <a:gd name="connsiteY4" fmla="*/ 1165171 h 1165171"/>
+              <a:gd name="connsiteX5" fmla="*/ 545993 w 3971118"/>
+              <a:gd name="connsiteY5" fmla="*/ 1162372 h 1165171"/>
+              <a:gd name="connsiteX0" fmla="*/ 2793247 w 3164668"/>
+              <a:gd name="connsiteY0" fmla="*/ 0 h 1134175"/>
+              <a:gd name="connsiteX1" fmla="*/ 3164668 w 3164668"/>
+              <a:gd name="connsiteY1" fmla="*/ 754 h 1134175"/>
+              <a:gd name="connsiteX2" fmla="*/ 3123016 w 3164668"/>
+              <a:gd name="connsiteY2" fmla="*/ 215470 h 1134175"/>
+              <a:gd name="connsiteX3" fmla="*/ 0 w 3164668"/>
+              <a:gd name="connsiteY3" fmla="*/ 221066 h 1134175"/>
+              <a:gd name="connsiteX4" fmla="*/ 2045 w 3164668"/>
+              <a:gd name="connsiteY4" fmla="*/ 1134175 h 1134175"/>
+              <a:gd name="connsiteX5" fmla="*/ 545993 w 3164668"/>
+              <a:gd name="connsiteY5" fmla="*/ 1131376 h 1134175"/>
+              <a:gd name="connsiteX0" fmla="*/ 2793247 w 3139268"/>
+              <a:gd name="connsiteY0" fmla="*/ 0 h 1134175"/>
+              <a:gd name="connsiteX1" fmla="*/ 3139268 w 3139268"/>
+              <a:gd name="connsiteY1" fmla="*/ 754 h 1134175"/>
+              <a:gd name="connsiteX2" fmla="*/ 3123016 w 3139268"/>
+              <a:gd name="connsiteY2" fmla="*/ 215470 h 1134175"/>
+              <a:gd name="connsiteX3" fmla="*/ 0 w 3139268"/>
+              <a:gd name="connsiteY3" fmla="*/ 221066 h 1134175"/>
+              <a:gd name="connsiteX4" fmla="*/ 2045 w 3139268"/>
+              <a:gd name="connsiteY4" fmla="*/ 1134175 h 1134175"/>
+              <a:gd name="connsiteX5" fmla="*/ 545993 w 3139268"/>
+              <a:gd name="connsiteY5" fmla="*/ 1131376 h 1134175"/>
+              <a:gd name="connsiteX0" fmla="*/ 2793247 w 3132918"/>
+              <a:gd name="connsiteY0" fmla="*/ 0 h 1134175"/>
+              <a:gd name="connsiteX1" fmla="*/ 3132918 w 3132918"/>
+              <a:gd name="connsiteY1" fmla="*/ 754 h 1134175"/>
+              <a:gd name="connsiteX2" fmla="*/ 3123016 w 3132918"/>
+              <a:gd name="connsiteY2" fmla="*/ 215470 h 1134175"/>
+              <a:gd name="connsiteX3" fmla="*/ 0 w 3132918"/>
+              <a:gd name="connsiteY3" fmla="*/ 221066 h 1134175"/>
+              <a:gd name="connsiteX4" fmla="*/ 2045 w 3132918"/>
+              <a:gd name="connsiteY4" fmla="*/ 1134175 h 1134175"/>
+              <a:gd name="connsiteX5" fmla="*/ 545993 w 3132918"/>
+              <a:gd name="connsiteY5" fmla="*/ 1131376 h 1134175"/>
+            </a:gdLst>
+            <a:ahLst/>
+            <a:cxnLst>
+              <a:cxn ang="0">
+                <a:pos x="connsiteX0" y="connsiteY0"/>
+              </a:cxn>
+              <a:cxn ang="0">
+                <a:pos x="connsiteX1" y="connsiteY1"/>
+              </a:cxn>
+              <a:cxn ang="0">
+                <a:pos x="connsiteX2" y="connsiteY2"/>
+              </a:cxn>
+              <a:cxn ang="0">
+                <a:pos x="connsiteX3" y="connsiteY3"/>
+              </a:cxn>
+              <a:cxn ang="0">
+                <a:pos x="connsiteX4" y="connsiteY4"/>
+              </a:cxn>
+              <a:cxn ang="0">
+                <a:pos x="connsiteX5" y="connsiteY5"/>
+              </a:cxn>
+            </a:cxnLst>
+            <a:rect l="l" t="t" r="r" b="b"/>
+            <a:pathLst>
+              <a:path w="3132918" h="1134175">
+                <a:moveTo>
+                  <a:pt x="2793247" y="0"/>
+                </a:moveTo>
+                <a:lnTo>
+                  <a:pt x="3132918" y="754"/>
+                </a:lnTo>
+                <a:lnTo>
+                  <a:pt x="3123016" y="215470"/>
+                </a:lnTo>
+                <a:lnTo>
+                  <a:pt x="0" y="221066"/>
+                </a:lnTo>
+                <a:cubicBezTo>
+                  <a:pt x="2798" y="495802"/>
+                  <a:pt x="-753" y="859439"/>
+                  <a:pt x="2045" y="1134175"/>
+                </a:cubicBezTo>
+                <a:lnTo>
+                  <a:pt x="545993" y="1131376"/>
+                </a:lnTo>
+              </a:path>
+            </a:pathLst>
+          </a:custGeom>
+          <a:ln>
+            <a:tailEnd type="triangle"/>
+          </a:ln>
+        </p:spPr>
+        <p:style>
+          <a:lnRef idx="1">
+            <a:schemeClr val="accent1"/>
+          </a:lnRef>
+          <a:fillRef idx="0">
+            <a:schemeClr val="accent1"/>
+          </a:fillRef>
+          <a:effectRef idx="0">
+            <a:schemeClr val="accent1"/>
+          </a:effectRef>
+          <a:fontRef idx="minor">
+            <a:schemeClr val="tx1"/>
+          </a:fontRef>
+        </p:style>
+        <p:txBody>
+          <a:bodyPr rtlCol="0" anchor="ctr"/>
+          <a:lstStyle/>
+          <a:p>
+            <a:pPr algn="ctr"/>
+            <a:endParaRPr lang="en-US" dirty="0"/>
+          </a:p>
+        </p:txBody>
+      </p:sp>
     </p:spTree>
     <p:extLst>
       <p:ext uri="{BB962C8B-B14F-4D97-AF65-F5344CB8AC3E}">

--- a/info-plotting/FlowChart.pptx
+++ b/info-plotting/FlowChart.pptx
@@ -7,6 +7,7 @@
   <p:sldIdLst>
     <p:sldId id="256" r:id="rId2"/>
     <p:sldId id="257" r:id="rId3"/>
+    <p:sldId id="258" r:id="rId4"/>
   </p:sldIdLst>
   <p:sldSz cx="12801600" cy="12801600"/>
   <p:notesSz cx="6858000" cy="9144000"/>
@@ -9249,12 +9250,16 @@
               <a:t>		Calls </a:t>
             </a:r>
             <a:r>
-              <a:rPr lang="en-US" sz="1200" dirty="0" err="1"/>
-              <a:t>Plot_Current_Positiion</a:t>
-            </a:r>
-            <a:r>
-              <a:rPr lang="en-US" sz="1200" dirty="0"/>
-              <a:t> (Sum(</a:t>
+              <a:rPr lang="en-US" sz="1200" dirty="0" err="1" smtClean="0"/>
+              <a:t>Plot_Current_Position</a:t>
+            </a:r>
+            <a:r>
+              <a:rPr lang="en-US" sz="1200" dirty="0" smtClean="0"/>
+              <a:t> </a:t>
+            </a:r>
+            <a:r>
+              <a:rPr lang="en-US" sz="1200" dirty="0"/>
+              <a:t>(Sum(</a:t>
             </a:r>
             <a:r>
               <a:rPr lang="en-US" sz="1200" dirty="0" err="1"/>
@@ -9481,6 +9486,555 @@
     <p:extLst>
       <p:ext uri="{BB962C8B-B14F-4D97-AF65-F5344CB8AC3E}">
         <p14:creationId xmlns:p14="http://schemas.microsoft.com/office/powerpoint/2010/main" val="963423317"/>
+      </p:ext>
+    </p:extLst>
+  </p:cSld>
+  <p:clrMapOvr>
+    <a:masterClrMapping/>
+  </p:clrMapOvr>
+</p:sld>
+</file>
+
+<file path=ppt/slides/slide3.xml><?xml version="1.0" encoding="utf-8"?>
+<p:sld xmlns:a="http://schemas.openxmlformats.org/drawingml/2006/main" xmlns:r="http://schemas.openxmlformats.org/officeDocument/2006/relationships" xmlns:p="http://schemas.openxmlformats.org/presentationml/2006/main">
+  <p:cSld>
+    <p:spTree>
+      <p:nvGrpSpPr>
+        <p:cNvPr id="1" name=""/>
+        <p:cNvGrpSpPr/>
+        <p:nvPr/>
+      </p:nvGrpSpPr>
+      <p:grpSpPr>
+        <a:xfrm>
+          <a:off x="0" y="0"/>
+          <a:ext cx="0" cy="0"/>
+          <a:chOff x="0" y="0"/>
+          <a:chExt cx="0" cy="0"/>
+        </a:xfrm>
+      </p:grpSpPr>
+      <p:sp>
+        <p:nvSpPr>
+          <p:cNvPr id="2" name="TextBox 1">
+            <a:extLst>
+              <a:ext uri="{FF2B5EF4-FFF2-40B4-BE49-F238E27FC236}">
+                <a16:creationId xmlns:a16="http://schemas.microsoft.com/office/drawing/2014/main" id="{337F2171-5264-44F6-9481-568A9D49C9E9}"/>
+              </a:ext>
+            </a:extLst>
+          </p:cNvPr>
+          <p:cNvSpPr txBox="1"/>
+          <p:nvPr/>
+        </p:nvSpPr>
+        <p:spPr>
+          <a:xfrm>
+            <a:off x="1155506" y="324759"/>
+            <a:ext cx="4999671" cy="1200329"/>
+          </a:xfrm>
+          <a:prstGeom prst="rect">
+            <a:avLst/>
+          </a:prstGeom>
+          <a:noFill/>
+        </p:spPr>
+        <p:txBody>
+          <a:bodyPr wrap="square" rtlCol="0">
+            <a:spAutoFit/>
+          </a:bodyPr>
+          <a:lstStyle/>
+          <a:p>
+            <a:r>
+              <a:rPr lang="en-US" sz="1200" b="1" dirty="0"/>
+              <a:t>Routine Main(MAP_NAME.CANVAS)	</a:t>
+            </a:r>
+          </a:p>
+          <a:p>
+            <a:r>
+              <a:rPr lang="en-US" sz="1200" dirty="0"/>
+              <a:t>	While (not WIDGET NORTH  on mouse event DoubleClick)</a:t>
+            </a:r>
+          </a:p>
+          <a:p>
+            <a:r>
+              <a:rPr lang="en-US" sz="1200" dirty="0"/>
+              <a:t>		Calls </a:t>
+            </a:r>
+            <a:r>
+              <a:rPr lang="en-US" sz="1200" dirty="0" err="1"/>
+              <a:t>My_Current_Position</a:t>
+            </a:r>
+            <a:endParaRPr lang="en-US" sz="1200" dirty="0"/>
+          </a:p>
+          <a:p>
+            <a:r>
+              <a:rPr lang="en-US" sz="1200" dirty="0"/>
+              <a:t>		Calls </a:t>
+            </a:r>
+            <a:r>
+              <a:rPr lang="en-US" sz="1200" dirty="0" err="1"/>
+              <a:t>My_Current_North</a:t>
+            </a:r>
+            <a:endParaRPr lang="en-US" sz="1200" dirty="0"/>
+          </a:p>
+          <a:p>
+            <a:r>
+              <a:rPr lang="en-US" sz="1200" dirty="0"/>
+              <a:t>		Calls </a:t>
+            </a:r>
+            <a:r>
+              <a:rPr lang="en-US" sz="1200" dirty="0" err="1" smtClean="0"/>
+              <a:t>Plot_Current_Position</a:t>
+            </a:r>
+            <a:r>
+              <a:rPr lang="en-US" sz="1200" dirty="0" smtClean="0"/>
+              <a:t> </a:t>
+            </a:r>
+            <a:r>
+              <a:rPr lang="en-US" sz="1200" dirty="0"/>
+              <a:t>(Sum(</a:t>
+            </a:r>
+            <a:r>
+              <a:rPr lang="en-US" sz="1200" dirty="0" err="1"/>
+              <a:t>Zoom_i</a:t>
+            </a:r>
+            <a:r>
+              <a:rPr lang="en-US" sz="1200" dirty="0"/>
+              <a:t>(</a:t>
+            </a:r>
+            <a:r>
+              <a:rPr lang="en-US" sz="1200" dirty="0" err="1"/>
+              <a:t>Moves_i</a:t>
+            </a:r>
+            <a:r>
+              <a:rPr lang="en-US" sz="1200" dirty="0"/>
+              <a:t>))</a:t>
+            </a:r>
+          </a:p>
+          <a:p>
+            <a:r>
+              <a:rPr lang="en-US" sz="1200" dirty="0"/>
+              <a:t>		Calls </a:t>
+            </a:r>
+            <a:r>
+              <a:rPr lang="en-US" sz="1200" dirty="0" err="1"/>
+              <a:t>Plot_Track</a:t>
+            </a:r>
+            <a:endParaRPr lang="en-US" sz="1200" dirty="0"/>
+          </a:p>
+        </p:txBody>
+      </p:sp>
+      <p:sp>
+        <p:nvSpPr>
+          <p:cNvPr id="3" name="Rectangle 2"/>
+          <p:cNvSpPr/>
+          <p:nvPr/>
+        </p:nvSpPr>
+        <p:spPr>
+          <a:xfrm>
+            <a:off x="1155506" y="2419048"/>
+            <a:ext cx="6837193" cy="646331"/>
+          </a:xfrm>
+          <a:prstGeom prst="rect">
+            <a:avLst/>
+          </a:prstGeom>
+        </p:spPr>
+        <p:txBody>
+          <a:bodyPr wrap="none">
+            <a:spAutoFit/>
+          </a:bodyPr>
+          <a:lstStyle/>
+          <a:p>
+            <a:r>
+              <a:rPr lang="en-US" sz="1200" b="1" dirty="0" smtClean="0"/>
+              <a:t>Routine </a:t>
+            </a:r>
+            <a:r>
+              <a:rPr lang="en-US" sz="1200" b="1" dirty="0" err="1" smtClean="0"/>
+              <a:t>My_Current_Position</a:t>
+            </a:r>
+            <a:r>
+              <a:rPr lang="en-US" sz="1200" b="1" dirty="0" smtClean="0"/>
+              <a:t>()</a:t>
+            </a:r>
+          </a:p>
+          <a:p>
+            <a:r>
+              <a:rPr lang="en-US" sz="1200" b="1" dirty="0"/>
+              <a:t>	</a:t>
+            </a:r>
+            <a:r>
+              <a:rPr lang="en-US" sz="1200" dirty="0" err="1" smtClean="0"/>
+              <a:t>GetGPSCurrentPosition</a:t>
+            </a:r>
+            <a:r>
+              <a:rPr lang="en-US" sz="1200" dirty="0" smtClean="0"/>
+              <a:t>(</a:t>
+            </a:r>
+            <a:r>
+              <a:rPr lang="en-US" sz="1200" dirty="0" err="1" smtClean="0"/>
+              <a:t>Current_Latitude</a:t>
+            </a:r>
+            <a:r>
+              <a:rPr lang="en-US" sz="1200" dirty="0" smtClean="0"/>
+              <a:t>, </a:t>
+            </a:r>
+            <a:r>
+              <a:rPr lang="en-US" sz="1200" dirty="0" err="1" smtClean="0"/>
+              <a:t>Current_Longitude</a:t>
+            </a:r>
+            <a:r>
+              <a:rPr lang="en-US" sz="1200" dirty="0" smtClean="0"/>
+              <a:t>)</a:t>
+            </a:r>
+          </a:p>
+          <a:p>
+            <a:r>
+              <a:rPr lang="en-US" sz="1200" dirty="0"/>
+              <a:t>	</a:t>
+            </a:r>
+            <a:r>
+              <a:rPr lang="en-US" sz="1200" dirty="0" err="1" smtClean="0"/>
+              <a:t>My_Current_Position</a:t>
+            </a:r>
+            <a:r>
+              <a:rPr lang="en-US" sz="1200" dirty="0" smtClean="0"/>
+              <a:t>=</a:t>
+            </a:r>
+            <a:r>
+              <a:rPr lang="en-US" sz="1200" dirty="0" err="1" smtClean="0"/>
+              <a:t>REF_ZERO+CANVAS_POS_Coordinates</a:t>
+            </a:r>
+            <a:r>
+              <a:rPr lang="en-US" sz="1200" dirty="0" smtClean="0"/>
+              <a:t>(</a:t>
+            </a:r>
+            <a:r>
+              <a:rPr lang="en-US" sz="1200" dirty="0" err="1" smtClean="0"/>
+              <a:t>Current_Latitude</a:t>
+            </a:r>
+            <a:r>
+              <a:rPr lang="en-US" sz="1200" dirty="0"/>
+              <a:t>, </a:t>
+            </a:r>
+            <a:r>
+              <a:rPr lang="en-US" sz="1200" dirty="0" err="1" smtClean="0"/>
+              <a:t>Current_Longitude</a:t>
+            </a:r>
+            <a:r>
+              <a:rPr lang="en-US" sz="1200" dirty="0" smtClean="0"/>
+              <a:t>)</a:t>
+            </a:r>
+            <a:endParaRPr lang="en-US" sz="1200" dirty="0"/>
+          </a:p>
+        </p:txBody>
+      </p:sp>
+      <p:sp>
+        <p:nvSpPr>
+          <p:cNvPr id="4" name="Rectangle 3"/>
+          <p:cNvSpPr/>
+          <p:nvPr/>
+        </p:nvSpPr>
+        <p:spPr>
+          <a:xfrm>
+            <a:off x="1155506" y="3118817"/>
+            <a:ext cx="3453959" cy="830997"/>
+          </a:xfrm>
+          <a:prstGeom prst="rect">
+            <a:avLst/>
+          </a:prstGeom>
+        </p:spPr>
+        <p:txBody>
+          <a:bodyPr wrap="none">
+            <a:spAutoFit/>
+          </a:bodyPr>
+          <a:lstStyle/>
+          <a:p>
+            <a:r>
+              <a:rPr lang="en-US" sz="1200" b="1" dirty="0" smtClean="0"/>
+              <a:t>Routine </a:t>
+            </a:r>
+            <a:r>
+              <a:rPr lang="en-US" sz="1200" b="1" dirty="0" err="1" smtClean="0"/>
+              <a:t>My_Current_North</a:t>
+            </a:r>
+            <a:r>
+              <a:rPr lang="en-US" sz="1200" b="1" dirty="0" smtClean="0"/>
+              <a:t>(</a:t>
+            </a:r>
+            <a:r>
+              <a:rPr lang="en-US" sz="1200" b="1" dirty="0" err="1" smtClean="0"/>
+              <a:t>Current_Rot</a:t>
+            </a:r>
+            <a:r>
+              <a:rPr lang="en-US" sz="1200" b="1" dirty="0" smtClean="0"/>
+              <a:t>)</a:t>
+            </a:r>
+          </a:p>
+          <a:p>
+            <a:r>
+              <a:rPr lang="en-US" sz="1200" dirty="0" smtClean="0"/>
+              <a:t>** if North=‘P’ or North=‘M’ use sensors accordingly</a:t>
+            </a:r>
+          </a:p>
+          <a:p>
+            <a:r>
+              <a:rPr lang="en-US" sz="1200" b="1" dirty="0"/>
+              <a:t>	</a:t>
+            </a:r>
+            <a:r>
+              <a:rPr lang="en-US" sz="1200" dirty="0" err="1" smtClean="0"/>
+              <a:t>GetSensorsData</a:t>
+            </a:r>
+            <a:r>
+              <a:rPr lang="en-US" sz="1200" dirty="0" smtClean="0"/>
+              <a:t> And Calculate North</a:t>
+            </a:r>
+          </a:p>
+          <a:p>
+            <a:r>
+              <a:rPr lang="en-US" sz="1200" dirty="0"/>
+              <a:t>	</a:t>
+            </a:r>
+            <a:r>
+              <a:rPr lang="en-US" sz="1200" dirty="0" smtClean="0"/>
+              <a:t>Calculate </a:t>
+            </a:r>
+            <a:r>
+              <a:rPr lang="en-US" sz="1200" dirty="0" err="1" smtClean="0"/>
+              <a:t>Map.CANVAS.Rotation</a:t>
+            </a:r>
+            <a:endParaRPr lang="en-US" sz="1200" dirty="0"/>
+          </a:p>
+        </p:txBody>
+      </p:sp>
+      <p:sp>
+        <p:nvSpPr>
+          <p:cNvPr id="5" name="Rectangle 4"/>
+          <p:cNvSpPr/>
+          <p:nvPr/>
+        </p:nvSpPr>
+        <p:spPr>
+          <a:xfrm>
+            <a:off x="1155506" y="4187918"/>
+            <a:ext cx="4447500" cy="1200329"/>
+          </a:xfrm>
+          <a:prstGeom prst="rect">
+            <a:avLst/>
+          </a:prstGeom>
+        </p:spPr>
+        <p:txBody>
+          <a:bodyPr wrap="none">
+            <a:spAutoFit/>
+          </a:bodyPr>
+          <a:lstStyle/>
+          <a:p>
+            <a:r>
+              <a:rPr lang="en-US" sz="1200" b="1" dirty="0" smtClean="0"/>
+              <a:t>Routine </a:t>
+            </a:r>
+            <a:r>
+              <a:rPr lang="en-US" sz="1200" b="1" dirty="0" err="1" smtClean="0"/>
+              <a:t>Plot_Current_Position</a:t>
+            </a:r>
+            <a:r>
+              <a:rPr lang="en-US" sz="1200" b="1" dirty="0" smtClean="0"/>
+              <a:t> </a:t>
+            </a:r>
+            <a:r>
+              <a:rPr lang="en-US" sz="1200" b="1" dirty="0"/>
+              <a:t>(Sum(</a:t>
+            </a:r>
+            <a:r>
+              <a:rPr lang="en-US" sz="1200" b="1" dirty="0" err="1"/>
+              <a:t>Zoom_i</a:t>
+            </a:r>
+            <a:r>
+              <a:rPr lang="en-US" sz="1200" b="1" dirty="0"/>
+              <a:t>(</a:t>
+            </a:r>
+            <a:r>
+              <a:rPr lang="en-US" sz="1200" b="1" dirty="0" err="1"/>
+              <a:t>Moves_i</a:t>
+            </a:r>
+            <a:r>
+              <a:rPr lang="en-US" sz="1200" b="1" dirty="0" smtClean="0"/>
+              <a:t>))</a:t>
+            </a:r>
+          </a:p>
+          <a:p>
+            <a:r>
+              <a:rPr lang="en-US" sz="1200" dirty="0" smtClean="0"/>
+              <a:t>** plots at the current zoom level</a:t>
+            </a:r>
+          </a:p>
+          <a:p>
+            <a:r>
+              <a:rPr lang="en-US" sz="1200" dirty="0"/>
+              <a:t>	</a:t>
+            </a:r>
+            <a:r>
+              <a:rPr lang="en-US" sz="1200" dirty="0" smtClean="0"/>
+              <a:t>Calculate CenterPoint (Sum(</a:t>
+            </a:r>
+            <a:r>
+              <a:rPr lang="en-US" sz="1200" dirty="0" err="1" smtClean="0"/>
+              <a:t>Zoom_i</a:t>
+            </a:r>
+            <a:r>
+              <a:rPr lang="en-US" sz="1200" dirty="0" smtClean="0"/>
+              <a:t>(</a:t>
+            </a:r>
+            <a:r>
+              <a:rPr lang="en-US" sz="1200" dirty="0" err="1" smtClean="0"/>
+              <a:t>Moves_X_i</a:t>
+            </a:r>
+            <a:r>
+              <a:rPr lang="en-US" sz="1200" dirty="0" smtClean="0"/>
+              <a:t>,</a:t>
+            </a:r>
+            <a:r>
+              <a:rPr lang="en-US" sz="1200" dirty="0"/>
+              <a:t> </a:t>
+            </a:r>
+            <a:r>
+              <a:rPr lang="en-US" sz="1200" dirty="0" err="1" smtClean="0"/>
+              <a:t>Moves_Y_i</a:t>
+            </a:r>
+            <a:r>
+              <a:rPr lang="en-US" sz="1200" dirty="0" smtClean="0"/>
+              <a:t>))</a:t>
+            </a:r>
+          </a:p>
+          <a:p>
+            <a:r>
+              <a:rPr lang="en-US" sz="1200" dirty="0"/>
+              <a:t>	</a:t>
+            </a:r>
+            <a:r>
+              <a:rPr lang="en-US" sz="1200" dirty="0" err="1" smtClean="0"/>
+              <a:t>My_Current_Position.Plot</a:t>
+            </a:r>
+            <a:endParaRPr lang="en-US" sz="1200" dirty="0" smtClean="0"/>
+          </a:p>
+          <a:p>
+            <a:r>
+              <a:rPr lang="en-US" sz="1200" dirty="0" smtClean="0"/>
+              <a:t>	</a:t>
+            </a:r>
+            <a:r>
+              <a:rPr lang="en-US" sz="1200" dirty="0" err="1" smtClean="0"/>
+              <a:t>Canvas.Rotate</a:t>
+            </a:r>
+            <a:r>
+              <a:rPr lang="en-US" sz="1200" dirty="0" smtClean="0"/>
+              <a:t>(</a:t>
+            </a:r>
+            <a:r>
+              <a:rPr lang="en-US" sz="1200" dirty="0" err="1" smtClean="0"/>
+              <a:t>Current_Rot</a:t>
+            </a:r>
+            <a:r>
+              <a:rPr lang="en-US" sz="1200" dirty="0" smtClean="0"/>
+              <a:t>)</a:t>
+            </a:r>
+          </a:p>
+          <a:p>
+            <a:r>
+              <a:rPr lang="en-US" sz="1200" dirty="0"/>
+              <a:t>	</a:t>
+            </a:r>
+            <a:r>
+              <a:rPr lang="en-US" sz="1200" dirty="0" smtClean="0"/>
+              <a:t>Map(</a:t>
+            </a:r>
+            <a:r>
+              <a:rPr lang="en-US" sz="1200" dirty="0" err="1" smtClean="0"/>
+              <a:t>Map_name</a:t>
+            </a:r>
+            <a:r>
+              <a:rPr lang="en-US" sz="1200" dirty="0" smtClean="0"/>
+              <a:t>).display</a:t>
+            </a:r>
+            <a:endParaRPr lang="en-US" sz="1200" dirty="0"/>
+          </a:p>
+        </p:txBody>
+      </p:sp>
+      <p:sp>
+        <p:nvSpPr>
+          <p:cNvPr id="7" name="Rectangle 6"/>
+          <p:cNvSpPr/>
+          <p:nvPr/>
+        </p:nvSpPr>
+        <p:spPr>
+          <a:xfrm>
+            <a:off x="1155506" y="5626351"/>
+            <a:ext cx="2490297" cy="461665"/>
+          </a:xfrm>
+          <a:prstGeom prst="rect">
+            <a:avLst/>
+          </a:prstGeom>
+        </p:spPr>
+        <p:txBody>
+          <a:bodyPr wrap="none">
+            <a:spAutoFit/>
+          </a:bodyPr>
+          <a:lstStyle/>
+          <a:p>
+            <a:r>
+              <a:rPr lang="en-US" sz="1200" b="1" dirty="0" smtClean="0"/>
+              <a:t>Routine </a:t>
+            </a:r>
+            <a:r>
+              <a:rPr lang="en-US" sz="1200" b="1" dirty="0" err="1" smtClean="0"/>
+              <a:t>Plot_Track</a:t>
+            </a:r>
+            <a:r>
+              <a:rPr lang="en-US" sz="1200" b="1" dirty="0" smtClean="0"/>
+              <a:t>(</a:t>
+            </a:r>
+            <a:r>
+              <a:rPr lang="en-US" sz="1200" b="1" dirty="0" err="1" smtClean="0"/>
+              <a:t>NewX</a:t>
+            </a:r>
+            <a:r>
+              <a:rPr lang="en-US" sz="1200" b="1" dirty="0" smtClean="0"/>
+              <a:t>, </a:t>
+            </a:r>
+            <a:r>
+              <a:rPr lang="en-US" sz="1200" b="1" dirty="0" err="1" smtClean="0"/>
+              <a:t>NewY</a:t>
+            </a:r>
+            <a:r>
+              <a:rPr lang="en-US" sz="1200" b="1" dirty="0" smtClean="0"/>
+              <a:t>)</a:t>
+            </a:r>
+          </a:p>
+          <a:p>
+            <a:r>
+              <a:rPr lang="en-US" sz="1200" dirty="0" smtClean="0"/>
+              <a:t>	</a:t>
+            </a:r>
+            <a:r>
+              <a:rPr lang="en-US" sz="1200" dirty="0" err="1" smtClean="0"/>
+              <a:t>Track.display</a:t>
+            </a:r>
+            <a:r>
+              <a:rPr lang="en-US" sz="1200" dirty="0" smtClean="0"/>
+              <a:t> // [</a:t>
+            </a:r>
+            <a:r>
+              <a:rPr lang="en-US" sz="1200" dirty="0" err="1" smtClean="0"/>
+              <a:t>NewX,NewY</a:t>
+            </a:r>
+            <a:r>
+              <a:rPr lang="en-US" sz="1200" dirty="0" smtClean="0"/>
+              <a:t>]</a:t>
+            </a:r>
+            <a:endParaRPr lang="en-US" sz="1200" dirty="0"/>
+          </a:p>
+        </p:txBody>
+      </p:sp>
+    </p:spTree>
+    <p:extLst>
+      <p:ext uri="{BB962C8B-B14F-4D97-AF65-F5344CB8AC3E}">
+        <p14:creationId xmlns:p14="http://schemas.microsoft.com/office/powerpoint/2010/main" val="1801181582"/>
       </p:ext>
     </p:extLst>
   </p:cSld>

--- a/info-plotting/FlowChart.pptx
+++ b/info-plotting/FlowChart.pptx
@@ -9628,7 +9628,7 @@
         </p:nvSpPr>
         <p:spPr>
           <a:xfrm>
-            <a:off x="1155506" y="2419048"/>
+            <a:off x="1155506" y="3937882"/>
             <a:ext cx="6837193" cy="646331"/>
           </a:xfrm>
           <a:prstGeom prst="rect">
@@ -9733,7 +9733,7 @@
         </p:nvSpPr>
         <p:spPr>
           <a:xfrm>
-            <a:off x="1155506" y="3118817"/>
+            <a:off x="1155506" y="4729984"/>
             <a:ext cx="3453959" cy="830997"/>
           </a:xfrm>
           <a:prstGeom prst="rect">
@@ -9812,7 +9812,7 @@
         </p:nvSpPr>
         <p:spPr>
           <a:xfrm>
-            <a:off x="1155506" y="4187918"/>
+            <a:off x="1155506" y="5706752"/>
             <a:ext cx="4447500" cy="1200329"/>
           </a:xfrm>
           <a:prstGeom prst="rect">
@@ -9964,7 +9964,7 @@
         </p:nvSpPr>
         <p:spPr>
           <a:xfrm>
-            <a:off x="1155506" y="5626351"/>
+            <a:off x="1155506" y="7145185"/>
             <a:ext cx="2490297" cy="461665"/>
           </a:xfrm>
           <a:prstGeom prst="rect">
@@ -10028,6 +10028,105 @@
               <a:t>]</a:t>
             </a:r>
             <a:endParaRPr lang="en-US" sz="1200" dirty="0"/>
+          </a:p>
+        </p:txBody>
+      </p:sp>
+      <p:sp>
+        <p:nvSpPr>
+          <p:cNvPr id="11" name="Freeform 10"/>
+          <p:cNvSpPr/>
+          <p:nvPr/>
+        </p:nvSpPr>
+        <p:spPr>
+          <a:xfrm>
+            <a:off x="2603715" y="619932"/>
+            <a:ext cx="5594888" cy="1921790"/>
+          </a:xfrm>
+          <a:custGeom>
+            <a:avLst/>
+            <a:gdLst>
+              <a:gd name="connsiteX0" fmla="*/ 2991173 w 5594888"/>
+              <a:gd name="connsiteY0" fmla="*/ 0 h 1921790"/>
+              <a:gd name="connsiteX1" fmla="*/ 5594888 w 5594888"/>
+              <a:gd name="connsiteY1" fmla="*/ 15499 h 1921790"/>
+              <a:gd name="connsiteX2" fmla="*/ 5579390 w 5594888"/>
+              <a:gd name="connsiteY2" fmla="*/ 1921790 h 1921790"/>
+              <a:gd name="connsiteX3" fmla="*/ 0 w 5594888"/>
+              <a:gd name="connsiteY3" fmla="*/ 1890793 h 1921790"/>
+              <a:gd name="connsiteX4" fmla="*/ 0 w 5594888"/>
+              <a:gd name="connsiteY4" fmla="*/ 991892 h 1921790"/>
+              <a:gd name="connsiteX5" fmla="*/ 0 w 5594888"/>
+              <a:gd name="connsiteY5" fmla="*/ 991892 h 1921790"/>
+            </a:gdLst>
+            <a:ahLst/>
+            <a:cxnLst>
+              <a:cxn ang="0">
+                <a:pos x="connsiteX0" y="connsiteY0"/>
+              </a:cxn>
+              <a:cxn ang="0">
+                <a:pos x="connsiteX1" y="connsiteY1"/>
+              </a:cxn>
+              <a:cxn ang="0">
+                <a:pos x="connsiteX2" y="connsiteY2"/>
+              </a:cxn>
+              <a:cxn ang="0">
+                <a:pos x="connsiteX3" y="connsiteY3"/>
+              </a:cxn>
+              <a:cxn ang="0">
+                <a:pos x="connsiteX4" y="connsiteY4"/>
+              </a:cxn>
+              <a:cxn ang="0">
+                <a:pos x="connsiteX5" y="connsiteY5"/>
+              </a:cxn>
+            </a:cxnLst>
+            <a:rect l="l" t="t" r="r" b="b"/>
+            <a:pathLst>
+              <a:path w="5594888" h="1921790">
+                <a:moveTo>
+                  <a:pt x="2991173" y="0"/>
+                </a:moveTo>
+                <a:lnTo>
+                  <a:pt x="5594888" y="15499"/>
+                </a:lnTo>
+                <a:lnTo>
+                  <a:pt x="5579390" y="1921790"/>
+                </a:lnTo>
+                <a:lnTo>
+                  <a:pt x="0" y="1890793"/>
+                </a:lnTo>
+                <a:lnTo>
+                  <a:pt x="0" y="991892"/>
+                </a:lnTo>
+                <a:lnTo>
+                  <a:pt x="0" y="991892"/>
+                </a:lnTo>
+              </a:path>
+            </a:pathLst>
+          </a:custGeom>
+          <a:ln>
+            <a:tailEnd type="triangle"/>
+          </a:ln>
+        </p:spPr>
+        <p:style>
+          <a:lnRef idx="1">
+            <a:schemeClr val="accent1"/>
+          </a:lnRef>
+          <a:fillRef idx="0">
+            <a:schemeClr val="accent1"/>
+          </a:fillRef>
+          <a:effectRef idx="0">
+            <a:schemeClr val="accent1"/>
+          </a:effectRef>
+          <a:fontRef idx="minor">
+            <a:schemeClr val="tx1"/>
+          </a:fontRef>
+        </p:style>
+        <p:txBody>
+          <a:bodyPr rtlCol="0" anchor="ctr"/>
+          <a:lstStyle/>
+          <a:p>
+            <a:pPr algn="ctr"/>
+            <a:endParaRPr lang="en-US"/>
           </a:p>
         </p:txBody>
       </p:sp>

--- a/info-plotting/FlowChart.pptx
+++ b/info-plotting/FlowChart.pptx
@@ -9250,16 +9250,12 @@
               <a:t>		Calls </a:t>
             </a:r>
             <a:r>
-              <a:rPr lang="en-US" sz="1200" dirty="0" err="1" smtClean="0"/>
+              <a:rPr lang="en-US" sz="1200" dirty="0" err="1"/>
               <a:t>Plot_Current_Position</a:t>
             </a:r>
             <a:r>
-              <a:rPr lang="en-US" sz="1200" dirty="0" smtClean="0"/>
-              <a:t> </a:t>
-            </a:r>
-            <a:r>
-              <a:rPr lang="en-US" sz="1200" dirty="0"/>
-              <a:t>(Sum(</a:t>
+              <a:rPr lang="en-US" sz="1200" dirty="0"/>
+              <a:t> (Sum(</a:t>
             </a:r>
             <a:r>
               <a:rPr lang="en-US" sz="1200" dirty="0" err="1"/>
@@ -9526,8 +9522,8 @@
         </p:nvSpPr>
         <p:spPr>
           <a:xfrm>
-            <a:off x="1155506" y="324759"/>
-            <a:ext cx="4999671" cy="1200329"/>
+            <a:off x="2387406" y="451398"/>
+            <a:ext cx="4999671" cy="646331"/>
           </a:xfrm>
           <a:prstGeom prst="rect">
             <a:avLst/>
@@ -9548,75 +9544,14 @@
           <a:p>
             <a:r>
               <a:rPr lang="en-US" sz="1200" dirty="0"/>
-              <a:t>	While (not WIDGET NORTH  on mouse event DoubleClick)</a:t>
-            </a:r>
-          </a:p>
-          <a:p>
-            <a:r>
-              <a:rPr lang="en-US" sz="1200" dirty="0"/>
-              <a:t>		Calls </a:t>
-            </a:r>
-            <a:r>
-              <a:rPr lang="en-US" sz="1200" dirty="0" err="1"/>
-              <a:t>My_Current_Position</a:t>
-            </a:r>
-            <a:endParaRPr lang="en-US" sz="1200" dirty="0"/>
-          </a:p>
-          <a:p>
-            <a:r>
-              <a:rPr lang="en-US" sz="1200" dirty="0"/>
-              <a:t>		Calls </a:t>
-            </a:r>
-            <a:r>
-              <a:rPr lang="en-US" sz="1200" dirty="0" err="1"/>
-              <a:t>My_Current_North</a:t>
-            </a:r>
-            <a:endParaRPr lang="en-US" sz="1200" dirty="0"/>
-          </a:p>
-          <a:p>
-            <a:r>
-              <a:rPr lang="en-US" sz="1200" dirty="0"/>
-              <a:t>		Calls </a:t>
-            </a:r>
-            <a:r>
-              <a:rPr lang="en-US" sz="1200" dirty="0" err="1" smtClean="0"/>
-              <a:t>Plot_Current_Position</a:t>
-            </a:r>
-            <a:r>
-              <a:rPr lang="en-US" sz="1200" dirty="0" smtClean="0"/>
-              <a:t> </a:t>
-            </a:r>
-            <a:r>
-              <a:rPr lang="en-US" sz="1200" dirty="0"/>
-              <a:t>(Sum(</a:t>
-            </a:r>
-            <a:r>
-              <a:rPr lang="en-US" sz="1200" dirty="0" err="1"/>
-              <a:t>Zoom_i</a:t>
-            </a:r>
-            <a:r>
-              <a:rPr lang="en-US" sz="1200" dirty="0"/>
-              <a:t>(</a:t>
-            </a:r>
-            <a:r>
-              <a:rPr lang="en-US" sz="1200" dirty="0" err="1"/>
-              <a:t>Moves_i</a:t>
-            </a:r>
-            <a:r>
-              <a:rPr lang="en-US" sz="1200" dirty="0"/>
-              <a:t>))</a:t>
-            </a:r>
-          </a:p>
-          <a:p>
-            <a:r>
-              <a:rPr lang="en-US" sz="1200" dirty="0"/>
-              <a:t>		Calls </a:t>
-            </a:r>
-            <a:r>
-              <a:rPr lang="en-US" sz="1200" dirty="0" err="1"/>
-              <a:t>Plot_Track</a:t>
-            </a:r>
-            <a:endParaRPr lang="en-US" sz="1200" dirty="0"/>
+              <a:t>	While (not WIDGET NORTH  on mouse/finger event DoubleClick)</a:t>
+            </a:r>
+          </a:p>
+          <a:p>
+            <a:r>
+              <a:rPr lang="en-US" sz="1200" dirty="0"/>
+              <a:t>		</a:t>
+            </a:r>
           </a:p>
         </p:txBody>
       </p:sp>
@@ -9628,7 +9563,7 @@
         </p:nvSpPr>
         <p:spPr>
           <a:xfrm>
-            <a:off x="1155506" y="3937882"/>
+            <a:off x="2387406" y="3798182"/>
             <a:ext cx="6837193" cy="646331"/>
           </a:xfrm>
           <a:prstGeom prst="rect">
@@ -9642,15 +9577,15 @@
           <a:lstStyle/>
           <a:p>
             <a:r>
-              <a:rPr lang="en-US" sz="1200" b="1" dirty="0" smtClean="0"/>
+              <a:rPr lang="en-US" sz="1200" b="1" dirty="0"/>
               <a:t>Routine </a:t>
             </a:r>
             <a:r>
-              <a:rPr lang="en-US" sz="1200" b="1" dirty="0" err="1" smtClean="0"/>
+              <a:rPr lang="en-US" sz="1200" b="1" dirty="0" err="1"/>
               <a:t>My_Current_Position</a:t>
             </a:r>
             <a:r>
-              <a:rPr lang="en-US" sz="1200" b="1" dirty="0" smtClean="0"/>
+              <a:rPr lang="en-US" sz="1200" b="1" dirty="0"/>
               <a:t>()</a:t>
             </a:r>
           </a:p>
@@ -9660,27 +9595,27 @@
               <a:t>	</a:t>
             </a:r>
             <a:r>
-              <a:rPr lang="en-US" sz="1200" dirty="0" err="1" smtClean="0"/>
+              <a:rPr lang="en-US" sz="1200" dirty="0" err="1"/>
               <a:t>GetGPSCurrentPosition</a:t>
             </a:r>
             <a:r>
-              <a:rPr lang="en-US" sz="1200" dirty="0" smtClean="0"/>
+              <a:rPr lang="en-US" sz="1200" dirty="0"/>
               <a:t>(</a:t>
             </a:r>
             <a:r>
-              <a:rPr lang="en-US" sz="1200" dirty="0" err="1" smtClean="0"/>
+              <a:rPr lang="en-US" sz="1200" dirty="0" err="1"/>
               <a:t>Current_Latitude</a:t>
             </a:r>
             <a:r>
-              <a:rPr lang="en-US" sz="1200" dirty="0" smtClean="0"/>
+              <a:rPr lang="en-US" sz="1200" dirty="0"/>
               <a:t>, </a:t>
             </a:r>
             <a:r>
-              <a:rPr lang="en-US" sz="1200" dirty="0" err="1" smtClean="0"/>
+              <a:rPr lang="en-US" sz="1200" dirty="0" err="1"/>
               <a:t>Current_Longitude</a:t>
             </a:r>
             <a:r>
-              <a:rPr lang="en-US" sz="1200" dirty="0" smtClean="0"/>
+              <a:rPr lang="en-US" sz="1200" dirty="0"/>
               <a:t>)</a:t>
             </a:r>
           </a:p>
@@ -9690,23 +9625,23 @@
               <a:t>	</a:t>
             </a:r>
             <a:r>
-              <a:rPr lang="en-US" sz="1200" dirty="0" err="1" smtClean="0"/>
+              <a:rPr lang="en-US" sz="1200" dirty="0" err="1"/>
               <a:t>My_Current_Position</a:t>
             </a:r>
             <a:r>
-              <a:rPr lang="en-US" sz="1200" dirty="0" smtClean="0"/>
+              <a:rPr lang="en-US" sz="1200" dirty="0"/>
               <a:t>=</a:t>
             </a:r>
             <a:r>
-              <a:rPr lang="en-US" sz="1200" dirty="0" err="1" smtClean="0"/>
+              <a:rPr lang="en-US" sz="1200" dirty="0" err="1"/>
               <a:t>REF_ZERO+CANVAS_POS_Coordinates</a:t>
             </a:r>
             <a:r>
-              <a:rPr lang="en-US" sz="1200" dirty="0" smtClean="0"/>
+              <a:rPr lang="en-US" sz="1200" dirty="0"/>
               <a:t>(</a:t>
             </a:r>
             <a:r>
-              <a:rPr lang="en-US" sz="1200" dirty="0" err="1" smtClean="0"/>
+              <a:rPr lang="en-US" sz="1200" dirty="0" err="1"/>
               <a:t>Current_Latitude</a:t>
             </a:r>
             <a:r>
@@ -9714,14 +9649,13 @@
               <a:t>, </a:t>
             </a:r>
             <a:r>
-              <a:rPr lang="en-US" sz="1200" dirty="0" err="1" smtClean="0"/>
+              <a:rPr lang="en-US" sz="1200" dirty="0" err="1"/>
               <a:t>Current_Longitude</a:t>
             </a:r>
             <a:r>
-              <a:rPr lang="en-US" sz="1200" dirty="0" smtClean="0"/>
+              <a:rPr lang="en-US" sz="1200" dirty="0"/>
               <a:t>)</a:t>
             </a:r>
-            <a:endParaRPr lang="en-US" sz="1200" dirty="0"/>
           </a:p>
         </p:txBody>
       </p:sp>
@@ -9733,7 +9667,7 @@
         </p:nvSpPr>
         <p:spPr>
           <a:xfrm>
-            <a:off x="1155506" y="4729984"/>
+            <a:off x="2387406" y="4590284"/>
             <a:ext cx="3453959" cy="830997"/>
           </a:xfrm>
           <a:prstGeom prst="rect">
@@ -9747,29 +9681,29 @@
           <a:lstStyle/>
           <a:p>
             <a:r>
-              <a:rPr lang="en-US" sz="1200" b="1" dirty="0" smtClean="0"/>
+              <a:rPr lang="en-US" sz="1200" b="1" dirty="0"/>
               <a:t>Routine </a:t>
             </a:r>
             <a:r>
-              <a:rPr lang="en-US" sz="1200" b="1" dirty="0" err="1" smtClean="0"/>
+              <a:rPr lang="en-US" sz="1200" b="1" dirty="0" err="1"/>
               <a:t>My_Current_North</a:t>
             </a:r>
             <a:r>
-              <a:rPr lang="en-US" sz="1200" b="1" dirty="0" smtClean="0"/>
+              <a:rPr lang="en-US" sz="1200" b="1" dirty="0"/>
               <a:t>(</a:t>
             </a:r>
             <a:r>
-              <a:rPr lang="en-US" sz="1200" b="1" dirty="0" err="1" smtClean="0"/>
+              <a:rPr lang="en-US" sz="1200" b="1" dirty="0" err="1"/>
               <a:t>Current_Rot</a:t>
             </a:r>
             <a:r>
-              <a:rPr lang="en-US" sz="1200" b="1" dirty="0" smtClean="0"/>
+              <a:rPr lang="en-US" sz="1200" b="1" dirty="0"/>
               <a:t>)</a:t>
             </a:r>
           </a:p>
           <a:p>
             <a:r>
-              <a:rPr lang="en-US" sz="1200" dirty="0" smtClean="0"/>
+              <a:rPr lang="en-US" sz="1200" dirty="0"/>
               <a:t>** if North=‘P’ or North=‘M’ use sensors accordingly</a:t>
             </a:r>
           </a:p>
@@ -9779,25 +9713,21 @@
               <a:t>	</a:t>
             </a:r>
             <a:r>
-              <a:rPr lang="en-US" sz="1200" dirty="0" err="1" smtClean="0"/>
+              <a:rPr lang="en-US" sz="1200" dirty="0" err="1"/>
               <a:t>GetSensorsData</a:t>
             </a:r>
             <a:r>
-              <a:rPr lang="en-US" sz="1200" dirty="0" smtClean="0"/>
+              <a:rPr lang="en-US" sz="1200" dirty="0"/>
               <a:t> And Calculate North</a:t>
             </a:r>
           </a:p>
           <a:p>
             <a:r>
               <a:rPr lang="en-US" sz="1200" dirty="0"/>
-              <a:t>	</a:t>
-            </a:r>
-            <a:r>
-              <a:rPr lang="en-US" sz="1200" dirty="0" smtClean="0"/>
-              <a:t>Calculate </a:t>
-            </a:r>
-            <a:r>
-              <a:rPr lang="en-US" sz="1200" dirty="0" err="1" smtClean="0"/>
+              <a:t>	Calculate </a:t>
+            </a:r>
+            <a:r>
+              <a:rPr lang="en-US" sz="1200" dirty="0" err="1"/>
               <a:t>Map.CANVAS.Rotation</a:t>
             </a:r>
             <a:endParaRPr lang="en-US" sz="1200" dirty="0"/>
@@ -9812,7 +9742,7 @@
         </p:nvSpPr>
         <p:spPr>
           <a:xfrm>
-            <a:off x="1155506" y="5706752"/>
+            <a:off x="2387406" y="5567052"/>
             <a:ext cx="4447500" cy="1200329"/>
           </a:xfrm>
           <a:prstGeom prst="rect">
@@ -9826,20 +9756,16 @@
           <a:lstStyle/>
           <a:p>
             <a:r>
-              <a:rPr lang="en-US" sz="1200" b="1" dirty="0" smtClean="0"/>
+              <a:rPr lang="en-US" sz="1200" b="1" dirty="0"/>
               <a:t>Routine </a:t>
             </a:r>
             <a:r>
-              <a:rPr lang="en-US" sz="1200" b="1" dirty="0" err="1" smtClean="0"/>
+              <a:rPr lang="en-US" sz="1200" b="1" dirty="0" err="1"/>
               <a:t>Plot_Current_Position</a:t>
             </a:r>
             <a:r>
-              <a:rPr lang="en-US" sz="1200" b="1" dirty="0" smtClean="0"/>
-              <a:t> </a:t>
-            </a:r>
-            <a:r>
               <a:rPr lang="en-US" sz="1200" b="1" dirty="0"/>
-              <a:t>(Sum(</a:t>
+              <a:t> (Sum(</a:t>
             </a:r>
             <a:r>
               <a:rPr lang="en-US" sz="1200" b="1" dirty="0" err="1"/>
@@ -9854,105 +9780,92 @@
               <a:t>Moves_i</a:t>
             </a:r>
             <a:r>
-              <a:rPr lang="en-US" sz="1200" b="1" dirty="0" smtClean="0"/>
+              <a:rPr lang="en-US" sz="1200" b="1" dirty="0"/>
               <a:t>))</a:t>
             </a:r>
           </a:p>
           <a:p>
             <a:r>
-              <a:rPr lang="en-US" sz="1200" dirty="0" smtClean="0"/>
+              <a:rPr lang="en-US" sz="1200" dirty="0"/>
               <a:t>** plots at the current zoom level</a:t>
             </a:r>
           </a:p>
           <a:p>
             <a:r>
               <a:rPr lang="en-US" sz="1200" dirty="0"/>
+              <a:t>	Calculate CenterPoint (Sum(</a:t>
+            </a:r>
+            <a:r>
+              <a:rPr lang="en-US" sz="1200" dirty="0" err="1"/>
+              <a:t>Zoom_i</a:t>
+            </a:r>
+            <a:r>
+              <a:rPr lang="en-US" sz="1200" dirty="0"/>
+              <a:t>(</a:t>
+            </a:r>
+            <a:r>
+              <a:rPr lang="en-US" sz="1200" dirty="0" err="1"/>
+              <a:t>Moves_X_i</a:t>
+            </a:r>
+            <a:r>
+              <a:rPr lang="en-US" sz="1200" dirty="0"/>
+              <a:t>, </a:t>
+            </a:r>
+            <a:r>
+              <a:rPr lang="en-US" sz="1200" dirty="0" err="1"/>
+              <a:t>Moves_Y_i</a:t>
+            </a:r>
+            <a:r>
+              <a:rPr lang="en-US" sz="1200" dirty="0"/>
+              <a:t>))</a:t>
+            </a:r>
+          </a:p>
+          <a:p>
+            <a:r>
+              <a:rPr lang="en-US" sz="1200" dirty="0"/>
               <a:t>	</a:t>
             </a:r>
             <a:r>
-              <a:rPr lang="en-US" sz="1200" dirty="0" smtClean="0"/>
-              <a:t>Calculate CenterPoint (Sum(</a:t>
-            </a:r>
-            <a:r>
-              <a:rPr lang="en-US" sz="1200" dirty="0" err="1" smtClean="0"/>
-              <a:t>Zoom_i</a:t>
-            </a:r>
-            <a:r>
-              <a:rPr lang="en-US" sz="1200" dirty="0" smtClean="0"/>
+              <a:rPr lang="en-US" sz="1200" dirty="0" err="1"/>
+              <a:t>My_Current_Position.Plot</a:t>
+            </a:r>
+            <a:endParaRPr lang="en-US" sz="1200" dirty="0"/>
+          </a:p>
+          <a:p>
+            <a:r>
+              <a:rPr lang="en-US" sz="1200" dirty="0"/>
+              <a:t>	</a:t>
+            </a:r>
+            <a:r>
+              <a:rPr lang="en-US" sz="1200" dirty="0" err="1"/>
+              <a:t>Canvas.Rotate</a:t>
+            </a:r>
+            <a:r>
+              <a:rPr lang="en-US" sz="1200" dirty="0"/>
               <a:t>(</a:t>
             </a:r>
             <a:r>
-              <a:rPr lang="en-US" sz="1200" dirty="0" err="1" smtClean="0"/>
-              <a:t>Moves_X_i</a:t>
-            </a:r>
-            <a:r>
-              <a:rPr lang="en-US" sz="1200" dirty="0" smtClean="0"/>
-              <a:t>,</a:t>
-            </a:r>
-            <a:r>
-              <a:rPr lang="en-US" sz="1200" dirty="0"/>
-              <a:t> </a:t>
-            </a:r>
-            <a:r>
-              <a:rPr lang="en-US" sz="1200" dirty="0" err="1" smtClean="0"/>
-              <a:t>Moves_Y_i</a:t>
-            </a:r>
-            <a:r>
-              <a:rPr lang="en-US" sz="1200" dirty="0" smtClean="0"/>
-              <a:t>))</a:t>
-            </a:r>
-          </a:p>
-          <a:p>
-            <a:r>
-              <a:rPr lang="en-US" sz="1200" dirty="0"/>
-              <a:t>	</a:t>
-            </a:r>
-            <a:r>
-              <a:rPr lang="en-US" sz="1200" dirty="0" err="1" smtClean="0"/>
-              <a:t>My_Current_Position.Plot</a:t>
-            </a:r>
-            <a:endParaRPr lang="en-US" sz="1200" dirty="0" smtClean="0"/>
-          </a:p>
-          <a:p>
-            <a:r>
-              <a:rPr lang="en-US" sz="1200" dirty="0" smtClean="0"/>
-              <a:t>	</a:t>
-            </a:r>
-            <a:r>
-              <a:rPr lang="en-US" sz="1200" dirty="0" err="1" smtClean="0"/>
-              <a:t>Canvas.Rotate</a:t>
-            </a:r>
-            <a:r>
-              <a:rPr lang="en-US" sz="1200" dirty="0" smtClean="0"/>
-              <a:t>(</a:t>
-            </a:r>
-            <a:r>
-              <a:rPr lang="en-US" sz="1200" dirty="0" err="1" smtClean="0"/>
+              <a:rPr lang="en-US" sz="1200" dirty="0" err="1"/>
               <a:t>Current_Rot</a:t>
             </a:r>
             <a:r>
-              <a:rPr lang="en-US" sz="1200" dirty="0" smtClean="0"/>
+              <a:rPr lang="en-US" sz="1200" dirty="0"/>
               <a:t>)</a:t>
             </a:r>
           </a:p>
           <a:p>
             <a:r>
               <a:rPr lang="en-US" sz="1200" dirty="0"/>
-              <a:t>	</a:t>
-            </a:r>
-            <a:r>
-              <a:rPr lang="en-US" sz="1200" dirty="0" smtClean="0"/>
-              <a:t>Map(</a:t>
-            </a:r>
-            <a:r>
-              <a:rPr lang="en-US" sz="1200" dirty="0" err="1" smtClean="0"/>
+              <a:t>	Map(</a:t>
+            </a:r>
+            <a:r>
+              <a:rPr lang="en-US" sz="1200" dirty="0" err="1"/>
               <a:t>Map_name</a:t>
             </a:r>
             <a:r>
-              <a:rPr lang="en-US" sz="1200" dirty="0" smtClean="0"/>
+              <a:rPr lang="en-US" sz="1200" dirty="0"/>
               <a:t>).display</a:t>
             </a:r>
-            <a:endParaRPr lang="en-US" sz="1200" dirty="0"/>
           </a:p>
         </p:txBody>
       </p:sp>
@@ -9964,7 +9877,7 @@
         </p:nvSpPr>
         <p:spPr>
           <a:xfrm>
-            <a:off x="1155506" y="7145185"/>
+            <a:off x="2387406" y="7005485"/>
             <a:ext cx="2490297" cy="461665"/>
           </a:xfrm>
           <a:prstGeom prst="rect">
@@ -9978,56 +9891,55 @@
           <a:lstStyle/>
           <a:p>
             <a:r>
-              <a:rPr lang="en-US" sz="1200" b="1" dirty="0" smtClean="0"/>
+              <a:rPr lang="en-US" sz="1200" b="1" dirty="0"/>
               <a:t>Routine </a:t>
             </a:r>
             <a:r>
-              <a:rPr lang="en-US" sz="1200" b="1" dirty="0" err="1" smtClean="0"/>
+              <a:rPr lang="en-US" sz="1200" b="1" dirty="0" err="1"/>
               <a:t>Plot_Track</a:t>
             </a:r>
             <a:r>
-              <a:rPr lang="en-US" sz="1200" b="1" dirty="0" smtClean="0"/>
+              <a:rPr lang="en-US" sz="1200" b="1" dirty="0"/>
               <a:t>(</a:t>
             </a:r>
             <a:r>
-              <a:rPr lang="en-US" sz="1200" b="1" dirty="0" err="1" smtClean="0"/>
+              <a:rPr lang="en-US" sz="1200" b="1" dirty="0" err="1"/>
               <a:t>NewX</a:t>
             </a:r>
             <a:r>
-              <a:rPr lang="en-US" sz="1200" b="1" dirty="0" smtClean="0"/>
+              <a:rPr lang="en-US" sz="1200" b="1" dirty="0"/>
               <a:t>, </a:t>
             </a:r>
             <a:r>
-              <a:rPr lang="en-US" sz="1200" b="1" dirty="0" err="1" smtClean="0"/>
+              <a:rPr lang="en-US" sz="1200" b="1" dirty="0" err="1"/>
               <a:t>NewY</a:t>
             </a:r>
             <a:r>
-              <a:rPr lang="en-US" sz="1200" b="1" dirty="0" smtClean="0"/>
+              <a:rPr lang="en-US" sz="1200" b="1" dirty="0"/>
               <a:t>)</a:t>
             </a:r>
           </a:p>
           <a:p>
             <a:r>
-              <a:rPr lang="en-US" sz="1200" dirty="0" smtClean="0"/>
+              <a:rPr lang="en-US" sz="1200" dirty="0"/>
               <a:t>	</a:t>
             </a:r>
             <a:r>
-              <a:rPr lang="en-US" sz="1200" dirty="0" err="1" smtClean="0"/>
+              <a:rPr lang="en-US" sz="1200" dirty="0" err="1"/>
               <a:t>Track.display</a:t>
             </a:r>
             <a:r>
-              <a:rPr lang="en-US" sz="1200" dirty="0" smtClean="0"/>
+              <a:rPr lang="en-US" sz="1200" dirty="0"/>
               <a:t> // [</a:t>
             </a:r>
             <a:r>
-              <a:rPr lang="en-US" sz="1200" dirty="0" err="1" smtClean="0"/>
+              <a:rPr lang="en-US" sz="1200" dirty="0" err="1"/>
               <a:t>NewX,NewY</a:t>
             </a:r>
             <a:r>
-              <a:rPr lang="en-US" sz="1200" dirty="0" smtClean="0"/>
+              <a:rPr lang="en-US" sz="1200" dirty="0"/>
               <a:t>]</a:t>
             </a:r>
-            <a:endParaRPr lang="en-US" sz="1200" dirty="0"/>
           </a:p>
         </p:txBody>
       </p:sp>
@@ -10039,7 +9951,7 @@
         </p:nvSpPr>
         <p:spPr>
           <a:xfrm>
-            <a:off x="2603715" y="619932"/>
+            <a:off x="4381085" y="774563"/>
             <a:ext cx="5594888" cy="1921790"/>
           </a:xfrm>
           <a:custGeom>
@@ -10104,7 +10016,8 @@
             </a:pathLst>
           </a:custGeom>
           <a:ln>
-            <a:tailEnd type="triangle"/>
+            <a:headEnd type="triangle" w="med" len="med"/>
+            <a:tailEnd type="none" w="med" len="med"/>
           </a:ln>
         </p:spPr>
         <p:style>
@@ -10130,6 +10043,360 @@
           </a:p>
         </p:txBody>
       </p:sp>
+      <p:graphicFrame>
+        <p:nvGraphicFramePr>
+          <p:cNvPr id="6" name="Table 5">
+            <a:extLst>
+              <a:ext uri="{FF2B5EF4-FFF2-40B4-BE49-F238E27FC236}">
+                <a16:creationId xmlns:a16="http://schemas.microsoft.com/office/drawing/2014/main" id="{6C207FFB-B80B-4DFF-8D69-AE29ECA91723}"/>
+              </a:ext>
+            </a:extLst>
+          </p:cNvPr>
+          <p:cNvGraphicFramePr>
+            <a:graphicFrameLocks noGrp="1"/>
+          </p:cNvGraphicFramePr>
+          <p:nvPr>
+            <p:extLst>
+              <p:ext uri="{D42A27DB-BD31-4B8C-83A1-F6EECF244321}">
+                <p14:modId xmlns:p14="http://schemas.microsoft.com/office/powerpoint/2010/main" val="3711380215"/>
+              </p:ext>
+            </p:extLst>
+          </p:nvPr>
+        </p:nvGraphicFramePr>
+        <p:xfrm>
+          <a:off x="2037812" y="924353"/>
+          <a:ext cx="5594888" cy="822960"/>
+        </p:xfrm>
+        <a:graphic>
+          <a:graphicData uri="http://schemas.openxmlformats.org/drawingml/2006/table">
+            <a:tbl>
+              <a:tblPr firstRow="1" bandRow="1">
+                <a:tableStyleId>{5C22544A-7EE6-4342-B048-85BDC9FD1C3A}</a:tableStyleId>
+              </a:tblPr>
+              <a:tblGrid>
+                <a:gridCol w="3754684">
+                  <a:extLst>
+                    <a:ext uri="{9D8B030D-6E8A-4147-A177-3AD203B41FA5}">
+                      <a16:colId xmlns:a16="http://schemas.microsoft.com/office/drawing/2014/main" val="3744584506"/>
+                    </a:ext>
+                  </a:extLst>
+                </a:gridCol>
+                <a:gridCol w="1840204">
+                  <a:extLst>
+                    <a:ext uri="{9D8B030D-6E8A-4147-A177-3AD203B41FA5}">
+                      <a16:colId xmlns:a16="http://schemas.microsoft.com/office/drawing/2014/main" val="2968849647"/>
+                    </a:ext>
+                  </a:extLst>
+                </a:gridCol>
+              </a:tblGrid>
+              <a:tr h="370840">
+                <a:tc>
+                  <a:txBody>
+                    <a:bodyPr/>
+                    <a:lstStyle/>
+                    <a:p>
+                      <a:pPr marL="0" algn="l" defTabSz="1280160" rtl="0" eaLnBrk="1" latinLnBrk="0" hangingPunct="1"/>
+                      <a:r>
+                        <a:rPr lang="en-US" sz="1200" b="0" kern="1200" dirty="0">
+                          <a:solidFill>
+                            <a:schemeClr val="tx1"/>
+                          </a:solidFill>
+                          <a:latin typeface="+mn-lt"/>
+                          <a:ea typeface="+mn-ea"/>
+                          <a:cs typeface="+mn-cs"/>
+                        </a:rPr>
+                        <a:t>Calls </a:t>
+                      </a:r>
+                      <a:r>
+                        <a:rPr lang="en-US" sz="1200" b="0" kern="1200" dirty="0" err="1">
+                          <a:solidFill>
+                            <a:schemeClr val="tx1"/>
+                          </a:solidFill>
+                          <a:latin typeface="+mn-lt"/>
+                          <a:ea typeface="+mn-ea"/>
+                          <a:cs typeface="+mn-cs"/>
+                        </a:rPr>
+                        <a:t>My_Current_Position</a:t>
+                      </a:r>
+                      <a:endParaRPr lang="en-US" sz="1200" b="0" kern="1200" dirty="0">
+                        <a:solidFill>
+                          <a:schemeClr val="tx1"/>
+                        </a:solidFill>
+                        <a:latin typeface="+mn-lt"/>
+                        <a:ea typeface="+mn-ea"/>
+                        <a:cs typeface="+mn-cs"/>
+                      </a:endParaRPr>
+                    </a:p>
+                    <a:p>
+                      <a:pPr marL="0" algn="l" defTabSz="1280160" rtl="0" eaLnBrk="1" latinLnBrk="0" hangingPunct="1"/>
+                      <a:r>
+                        <a:rPr lang="en-US" sz="1200" b="0" kern="1200" dirty="0">
+                          <a:solidFill>
+                            <a:schemeClr val="tx1"/>
+                          </a:solidFill>
+                          <a:latin typeface="+mn-lt"/>
+                          <a:ea typeface="+mn-ea"/>
+                          <a:cs typeface="+mn-cs"/>
+                        </a:rPr>
+                        <a:t>Calls </a:t>
+                      </a:r>
+                      <a:r>
+                        <a:rPr lang="en-US" sz="1200" b="0" kern="1200" dirty="0" err="1">
+                          <a:solidFill>
+                            <a:schemeClr val="tx1"/>
+                          </a:solidFill>
+                          <a:latin typeface="+mn-lt"/>
+                          <a:ea typeface="+mn-ea"/>
+                          <a:cs typeface="+mn-cs"/>
+                        </a:rPr>
+                        <a:t>My_Current_North</a:t>
+                      </a:r>
+                      <a:endParaRPr lang="en-US" sz="1200" b="0" kern="1200" dirty="0">
+                        <a:solidFill>
+                          <a:schemeClr val="tx1"/>
+                        </a:solidFill>
+                        <a:latin typeface="+mn-lt"/>
+                        <a:ea typeface="+mn-ea"/>
+                        <a:cs typeface="+mn-cs"/>
+                      </a:endParaRPr>
+                    </a:p>
+                    <a:p>
+                      <a:pPr marL="0" algn="l" defTabSz="1280160" rtl="0" eaLnBrk="1" latinLnBrk="0" hangingPunct="1"/>
+                      <a:r>
+                        <a:rPr lang="en-US" sz="1200" b="0" kern="1200" dirty="0">
+                          <a:solidFill>
+                            <a:schemeClr val="tx1"/>
+                          </a:solidFill>
+                          <a:latin typeface="+mn-lt"/>
+                          <a:ea typeface="+mn-ea"/>
+                          <a:cs typeface="+mn-cs"/>
+                        </a:rPr>
+                        <a:t>Calls </a:t>
+                      </a:r>
+                      <a:r>
+                        <a:rPr lang="en-US" sz="1200" b="0" kern="1200" dirty="0" err="1">
+                          <a:solidFill>
+                            <a:schemeClr val="tx1"/>
+                          </a:solidFill>
+                          <a:latin typeface="+mn-lt"/>
+                          <a:ea typeface="+mn-ea"/>
+                          <a:cs typeface="+mn-cs"/>
+                        </a:rPr>
+                        <a:t>Plot_Current_Position</a:t>
+                      </a:r>
+                      <a:r>
+                        <a:rPr lang="en-US" sz="1200" b="0" kern="1200" dirty="0">
+                          <a:solidFill>
+                            <a:schemeClr val="tx1"/>
+                          </a:solidFill>
+                          <a:latin typeface="+mn-lt"/>
+                          <a:ea typeface="+mn-ea"/>
+                          <a:cs typeface="+mn-cs"/>
+                        </a:rPr>
+                        <a:t> (Sum(</a:t>
+                      </a:r>
+                      <a:r>
+                        <a:rPr lang="en-US" sz="1200" b="0" kern="1200" dirty="0" err="1">
+                          <a:solidFill>
+                            <a:schemeClr val="tx1"/>
+                          </a:solidFill>
+                          <a:latin typeface="+mn-lt"/>
+                          <a:ea typeface="+mn-ea"/>
+                          <a:cs typeface="+mn-cs"/>
+                        </a:rPr>
+                        <a:t>Zoom_i</a:t>
+                      </a:r>
+                      <a:r>
+                        <a:rPr lang="en-US" sz="1200" b="0" kern="1200" dirty="0">
+                          <a:solidFill>
+                            <a:schemeClr val="tx1"/>
+                          </a:solidFill>
+                          <a:latin typeface="+mn-lt"/>
+                          <a:ea typeface="+mn-ea"/>
+                          <a:cs typeface="+mn-cs"/>
+                        </a:rPr>
+                        <a:t>(</a:t>
+                      </a:r>
+                      <a:r>
+                        <a:rPr lang="en-US" sz="1200" b="0" kern="1200" dirty="0" err="1">
+                          <a:solidFill>
+                            <a:schemeClr val="tx1"/>
+                          </a:solidFill>
+                          <a:latin typeface="+mn-lt"/>
+                          <a:ea typeface="+mn-ea"/>
+                          <a:cs typeface="+mn-cs"/>
+                        </a:rPr>
+                        <a:t>Moves_i</a:t>
+                      </a:r>
+                      <a:r>
+                        <a:rPr lang="en-US" sz="1200" b="0" kern="1200" dirty="0">
+                          <a:solidFill>
+                            <a:schemeClr val="tx1"/>
+                          </a:solidFill>
+                          <a:latin typeface="+mn-lt"/>
+                          <a:ea typeface="+mn-ea"/>
+                          <a:cs typeface="+mn-cs"/>
+                        </a:rPr>
+                        <a:t>))</a:t>
+                      </a:r>
+                    </a:p>
+                    <a:p>
+                      <a:pPr marL="0" algn="l" defTabSz="1280160" rtl="0" eaLnBrk="1" latinLnBrk="0" hangingPunct="1"/>
+                      <a:r>
+                        <a:rPr lang="en-US" sz="1200" b="0" kern="1200" dirty="0">
+                          <a:solidFill>
+                            <a:schemeClr val="tx1"/>
+                          </a:solidFill>
+                          <a:latin typeface="+mn-lt"/>
+                          <a:ea typeface="+mn-ea"/>
+                          <a:cs typeface="+mn-cs"/>
+                        </a:rPr>
+                        <a:t>Calls </a:t>
+                      </a:r>
+                      <a:r>
+                        <a:rPr lang="en-US" sz="1200" b="0" kern="1200" dirty="0" err="1">
+                          <a:solidFill>
+                            <a:schemeClr val="tx1"/>
+                          </a:solidFill>
+                          <a:latin typeface="+mn-lt"/>
+                          <a:ea typeface="+mn-ea"/>
+                          <a:cs typeface="+mn-cs"/>
+                        </a:rPr>
+                        <a:t>Plot_Track</a:t>
+                      </a:r>
+                      <a:endParaRPr lang="en-US" sz="1200" b="0" kern="1200" dirty="0">
+                        <a:solidFill>
+                          <a:schemeClr val="tx1"/>
+                        </a:solidFill>
+                        <a:latin typeface="+mn-lt"/>
+                        <a:ea typeface="+mn-ea"/>
+                        <a:cs typeface="+mn-cs"/>
+                      </a:endParaRPr>
+                    </a:p>
+                  </a:txBody>
+                  <a:tcPr>
+                    <a:lnL w="12700" cap="flat" cmpd="sng" algn="ctr">
+                      <a:solidFill>
+                        <a:schemeClr val="bg2"/>
+                      </a:solidFill>
+                      <a:prstDash val="solid"/>
+                      <a:round/>
+                      <a:headEnd type="none" w="med" len="med"/>
+                      <a:tailEnd type="none" w="med" len="med"/>
+                    </a:lnL>
+                    <a:lnR w="12700" cap="flat" cmpd="sng" algn="ctr">
+                      <a:solidFill>
+                        <a:schemeClr val="bg2"/>
+                      </a:solidFill>
+                      <a:prstDash val="solid"/>
+                      <a:round/>
+                      <a:headEnd type="none" w="med" len="med"/>
+                      <a:tailEnd type="none" w="med" len="med"/>
+                    </a:lnR>
+                    <a:lnT w="12700" cap="flat" cmpd="sng" algn="ctr">
+                      <a:solidFill>
+                        <a:schemeClr val="bg2"/>
+                      </a:solidFill>
+                      <a:prstDash val="solid"/>
+                      <a:round/>
+                      <a:headEnd type="none" w="med" len="med"/>
+                      <a:tailEnd type="none" w="med" len="med"/>
+                    </a:lnT>
+                    <a:lnB w="12700" cap="flat" cmpd="sng" algn="ctr">
+                      <a:solidFill>
+                        <a:schemeClr val="bg2"/>
+                      </a:solidFill>
+                      <a:prstDash val="solid"/>
+                      <a:round/>
+                      <a:headEnd type="none" w="med" len="med"/>
+                      <a:tailEnd type="none" w="med" len="med"/>
+                    </a:lnB>
+                    <a:noFill/>
+                  </a:tcPr>
+                </a:tc>
+                <a:tc>
+                  <a:txBody>
+                    <a:bodyPr/>
+                    <a:lstStyle/>
+                    <a:p>
+                      <a:pPr marL="0" algn="l" defTabSz="1280160" rtl="0" eaLnBrk="1" latinLnBrk="0" hangingPunct="1"/>
+                      <a:r>
+                        <a:rPr lang="nl-NL" sz="1200" b="0" kern="1200" dirty="0">
+                          <a:solidFill>
+                            <a:schemeClr val="tx1"/>
+                          </a:solidFill>
+                          <a:latin typeface="+mn-lt"/>
+                          <a:ea typeface="+mn-ea"/>
+                          <a:cs typeface="+mn-cs"/>
+                        </a:rPr>
+                        <a:t>Map(MAP_NAME).zoom</a:t>
+                      </a:r>
+                    </a:p>
+                    <a:p>
+                      <a:pPr marL="0" algn="l" defTabSz="1280160" rtl="0" eaLnBrk="1" latinLnBrk="0" hangingPunct="1"/>
+                      <a:r>
+                        <a:rPr lang="nl-NL" sz="1200" b="0" kern="1200" dirty="0">
+                          <a:solidFill>
+                            <a:schemeClr val="tx1"/>
+                          </a:solidFill>
+                          <a:latin typeface="+mn-lt"/>
+                          <a:ea typeface="+mn-ea"/>
+                          <a:cs typeface="+mn-cs"/>
+                        </a:rPr>
+                        <a:t>Map(MAP_NAME).drag</a:t>
+                      </a:r>
+                    </a:p>
+                  </a:txBody>
+                  <a:tcPr>
+                    <a:lnL w="12700" cap="flat" cmpd="sng" algn="ctr">
+                      <a:solidFill>
+                        <a:schemeClr val="bg2"/>
+                      </a:solidFill>
+                      <a:prstDash val="solid"/>
+                      <a:round/>
+                      <a:headEnd type="none" w="med" len="med"/>
+                      <a:tailEnd type="none" w="med" len="med"/>
+                    </a:lnL>
+                    <a:lnR w="12700" cap="flat" cmpd="sng" algn="ctr">
+                      <a:solidFill>
+                        <a:schemeClr val="bg2"/>
+                      </a:solidFill>
+                      <a:prstDash val="solid"/>
+                      <a:round/>
+                      <a:headEnd type="none" w="med" len="med"/>
+                      <a:tailEnd type="none" w="med" len="med"/>
+                    </a:lnR>
+                    <a:lnT w="12700" cap="flat" cmpd="sng" algn="ctr">
+                      <a:solidFill>
+                        <a:schemeClr val="bg2"/>
+                      </a:solidFill>
+                      <a:prstDash val="solid"/>
+                      <a:round/>
+                      <a:headEnd type="none" w="med" len="med"/>
+                      <a:tailEnd type="none" w="med" len="med"/>
+                    </a:lnT>
+                    <a:lnB w="12700" cap="flat" cmpd="sng" algn="ctr">
+                      <a:solidFill>
+                        <a:schemeClr val="bg2"/>
+                      </a:solidFill>
+                      <a:prstDash val="solid"/>
+                      <a:round/>
+                      <a:headEnd type="none" w="med" len="med"/>
+                      <a:tailEnd type="none" w="med" len="med"/>
+                    </a:lnB>
+                    <a:noFill/>
+                  </a:tcPr>
+                </a:tc>
+                <a:extLst>
+                  <a:ext uri="{0D108BD9-81ED-4DB2-BD59-A6C34878D82A}">
+                    <a16:rowId xmlns:a16="http://schemas.microsoft.com/office/drawing/2014/main" val="3021579019"/>
+                  </a:ext>
+                </a:extLst>
+              </a:tr>
+            </a:tbl>
+          </a:graphicData>
+        </a:graphic>
+      </p:graphicFrame>
     </p:spTree>
     <p:extLst>
       <p:ext uri="{BB962C8B-B14F-4D97-AF65-F5344CB8AC3E}">

--- a/info-plotting/FlowChart.pptx
+++ b/info-plotting/FlowChart.pptx
@@ -245,7 +245,7 @@
           <a:p>
             <a:fld id="{CC3FB59E-B561-4CF6-927F-5F946CB43DCE}" type="datetimeFigureOut">
               <a:rPr lang="en-US" smtClean="0"/>
-              <a:t>12/30/2024</a:t>
+              <a:t>12/31/2024</a:t>
             </a:fld>
             <a:endParaRPr lang="en-US"/>
           </a:p>
@@ -415,7 +415,7 @@
           <a:p>
             <a:fld id="{CC3FB59E-B561-4CF6-927F-5F946CB43DCE}" type="datetimeFigureOut">
               <a:rPr lang="en-US" smtClean="0"/>
-              <a:t>12/30/2024</a:t>
+              <a:t>12/31/2024</a:t>
             </a:fld>
             <a:endParaRPr lang="en-US"/>
           </a:p>
@@ -595,7 +595,7 @@
           <a:p>
             <a:fld id="{CC3FB59E-B561-4CF6-927F-5F946CB43DCE}" type="datetimeFigureOut">
               <a:rPr lang="en-US" smtClean="0"/>
-              <a:t>12/30/2024</a:t>
+              <a:t>12/31/2024</a:t>
             </a:fld>
             <a:endParaRPr lang="en-US"/>
           </a:p>
@@ -765,7 +765,7 @@
           <a:p>
             <a:fld id="{CC3FB59E-B561-4CF6-927F-5F946CB43DCE}" type="datetimeFigureOut">
               <a:rPr lang="en-US" smtClean="0"/>
-              <a:t>12/30/2024</a:t>
+              <a:t>12/31/2024</a:t>
             </a:fld>
             <a:endParaRPr lang="en-US"/>
           </a:p>
@@ -1009,7 +1009,7 @@
           <a:p>
             <a:fld id="{CC3FB59E-B561-4CF6-927F-5F946CB43DCE}" type="datetimeFigureOut">
               <a:rPr lang="en-US" smtClean="0"/>
-              <a:t>12/30/2024</a:t>
+              <a:t>12/31/2024</a:t>
             </a:fld>
             <a:endParaRPr lang="en-US"/>
           </a:p>
@@ -1241,7 +1241,7 @@
           <a:p>
             <a:fld id="{CC3FB59E-B561-4CF6-927F-5F946CB43DCE}" type="datetimeFigureOut">
               <a:rPr lang="en-US" smtClean="0"/>
-              <a:t>12/30/2024</a:t>
+              <a:t>12/31/2024</a:t>
             </a:fld>
             <a:endParaRPr lang="en-US"/>
           </a:p>
@@ -1608,7 +1608,7 @@
           <a:p>
             <a:fld id="{CC3FB59E-B561-4CF6-927F-5F946CB43DCE}" type="datetimeFigureOut">
               <a:rPr lang="en-US" smtClean="0"/>
-              <a:t>12/30/2024</a:t>
+              <a:t>12/31/2024</a:t>
             </a:fld>
             <a:endParaRPr lang="en-US"/>
           </a:p>
@@ -1726,7 +1726,7 @@
           <a:p>
             <a:fld id="{CC3FB59E-B561-4CF6-927F-5F946CB43DCE}" type="datetimeFigureOut">
               <a:rPr lang="en-US" smtClean="0"/>
-              <a:t>12/30/2024</a:t>
+              <a:t>12/31/2024</a:t>
             </a:fld>
             <a:endParaRPr lang="en-US"/>
           </a:p>
@@ -1821,7 +1821,7 @@
           <a:p>
             <a:fld id="{CC3FB59E-B561-4CF6-927F-5F946CB43DCE}" type="datetimeFigureOut">
               <a:rPr lang="en-US" smtClean="0"/>
-              <a:t>12/30/2024</a:t>
+              <a:t>12/31/2024</a:t>
             </a:fld>
             <a:endParaRPr lang="en-US"/>
           </a:p>
@@ -2098,7 +2098,7 @@
           <a:p>
             <a:fld id="{CC3FB59E-B561-4CF6-927F-5F946CB43DCE}" type="datetimeFigureOut">
               <a:rPr lang="en-US" smtClean="0"/>
-              <a:t>12/30/2024</a:t>
+              <a:t>12/31/2024</a:t>
             </a:fld>
             <a:endParaRPr lang="en-US"/>
           </a:p>
@@ -2355,7 +2355,7 @@
           <a:p>
             <a:fld id="{CC3FB59E-B561-4CF6-927F-5F946CB43DCE}" type="datetimeFigureOut">
               <a:rPr lang="en-US" smtClean="0"/>
-              <a:t>12/30/2024</a:t>
+              <a:t>12/31/2024</a:t>
             </a:fld>
             <a:endParaRPr lang="en-US"/>
           </a:p>
@@ -2568,7 +2568,7 @@
           <a:p>
             <a:fld id="{CC3FB59E-B561-4CF6-927F-5F946CB43DCE}" type="datetimeFigureOut">
               <a:rPr lang="en-US" smtClean="0"/>
-              <a:t>12/30/2024</a:t>
+              <a:t>12/31/2024</a:t>
             </a:fld>
             <a:endParaRPr lang="en-US"/>
           </a:p>
@@ -5988,8 +5988,8 @@
         </p:nvSpPr>
         <p:spPr>
           <a:xfrm>
-            <a:off x="456998" y="810473"/>
-            <a:ext cx="1458220" cy="461665"/>
+            <a:off x="513925" y="628855"/>
+            <a:ext cx="1690847" cy="646331"/>
           </a:xfrm>
           <a:prstGeom prst="rect">
             <a:avLst/>
@@ -6011,6 +6011,12 @@
             <a:r>
               <a:rPr lang="en-US" sz="1200" dirty="0"/>
               <a:t>Sets MAP_NAME=“”</a:t>
+            </a:r>
+          </a:p>
+          <a:p>
+            <a:r>
+              <a:rPr lang="en-US" sz="1200" dirty="0"/>
+              <a:t>Gets system parameters</a:t>
             </a:r>
           </a:p>
         </p:txBody>
@@ -6067,11 +6073,13 @@
         </p:nvCxnSpPr>
         <p:spPr>
           <a:xfrm rot="16200000" flipH="1">
-            <a:off x="788625" y="412989"/>
-            <a:ext cx="431661" cy="363305"/>
+            <a:off x="966055" y="235560"/>
+            <a:ext cx="250043" cy="536546"/>
           </a:xfrm>
           <a:prstGeom prst="bentConnector3">
-            <a:avLst/>
+            <a:avLst>
+              <a:gd name="adj1" fmla="val 50000"/>
+            </a:avLst>
           </a:prstGeom>
           <a:ln>
             <a:tailEnd type="triangle"/>
@@ -6282,7 +6290,7 @@
             </a:r>
             <a:r>
               <a:rPr lang="en-US" sz="1200" dirty="0" err="1"/>
-              <a:t>VerPix_map</a:t>
+              <a:t>VerPix_Map</a:t>
             </a:r>
             <a:endParaRPr lang="en-US" sz="1200" dirty="0"/>
           </a:p>
@@ -7183,8 +7191,8 @@
         </p:nvCxnSpPr>
         <p:spPr>
           <a:xfrm rot="16200000" flipH="1">
-            <a:off x="1301966" y="1156279"/>
-            <a:ext cx="280542" cy="512259"/>
+            <a:off x="1390111" y="1244424"/>
+            <a:ext cx="277494" cy="339018"/>
           </a:xfrm>
           <a:prstGeom prst="bentConnector3">
             <a:avLst>
@@ -7272,8 +7280,8 @@
         </p:nvCxnSpPr>
         <p:spPr>
           <a:xfrm flipV="1">
-            <a:off x="1915218" y="948972"/>
-            <a:ext cx="1977685" cy="92334"/>
+            <a:off x="2204772" y="948972"/>
+            <a:ext cx="1688131" cy="3049"/>
           </a:xfrm>
           <a:prstGeom prst="bentConnector3">
             <a:avLst/>
@@ -9478,6 +9486,1717 @@
           </a:p>
         </p:txBody>
       </p:sp>
+      <p:sp>
+        <p:nvSpPr>
+          <p:cNvPr id="4" name="TextBox 3">
+            <a:extLst>
+              <a:ext uri="{FF2B5EF4-FFF2-40B4-BE49-F238E27FC236}">
+                <a16:creationId xmlns:a16="http://schemas.microsoft.com/office/drawing/2014/main" id="{4D1B1834-23F6-4B33-9783-2E0E134993A4}"/>
+              </a:ext>
+            </a:extLst>
+          </p:cNvPr>
+          <p:cNvSpPr txBox="1"/>
+          <p:nvPr/>
+        </p:nvSpPr>
+        <p:spPr>
+          <a:xfrm>
+            <a:off x="443378" y="1915190"/>
+            <a:ext cx="3108543" cy="246221"/>
+          </a:xfrm>
+          <a:prstGeom prst="rect">
+            <a:avLst/>
+          </a:prstGeom>
+          <a:noFill/>
+        </p:spPr>
+        <p:txBody>
+          <a:bodyPr wrap="none" rtlCol="0">
+            <a:spAutoFit/>
+          </a:bodyPr>
+          <a:lstStyle/>
+          <a:p>
+            <a:r>
+              <a:rPr lang="en-US" sz="1000" i="1" dirty="0">
+                <a:solidFill>
+                  <a:srgbClr val="0000FF"/>
+                </a:solidFill>
+                <a:latin typeface="Courier New" panose="02070309020205020404" pitchFamily="49" charset="0"/>
+                <a:cs typeface="Courier New" panose="02070309020205020404" pitchFamily="49" charset="0"/>
+              </a:rPr>
+              <a:t>“union-plaza-ocad-4000-04-09-2021.png”</a:t>
+            </a:r>
+          </a:p>
+        </p:txBody>
+      </p:sp>
+      <p:sp>
+        <p:nvSpPr>
+          <p:cNvPr id="60" name="TextBox 59">
+            <a:extLst>
+              <a:ext uri="{FF2B5EF4-FFF2-40B4-BE49-F238E27FC236}">
+                <a16:creationId xmlns:a16="http://schemas.microsoft.com/office/drawing/2014/main" id="{4F30507F-7027-49A9-8A90-F1749A53602A}"/>
+              </a:ext>
+            </a:extLst>
+          </p:cNvPr>
+          <p:cNvSpPr txBox="1"/>
+          <p:nvPr/>
+        </p:nvSpPr>
+        <p:spPr>
+          <a:xfrm>
+            <a:off x="4698877" y="2651878"/>
+            <a:ext cx="3031599" cy="1015663"/>
+          </a:xfrm>
+          <a:prstGeom prst="rect">
+            <a:avLst/>
+          </a:prstGeom>
+          <a:noFill/>
+        </p:spPr>
+        <p:txBody>
+          <a:bodyPr wrap="none" rtlCol="0">
+            <a:spAutoFit/>
+          </a:bodyPr>
+          <a:lstStyle/>
+          <a:p>
+            <a:r>
+              <a:rPr lang="en-US" sz="1000" i="1" dirty="0">
+                <a:solidFill>
+                  <a:srgbClr val="0000FF"/>
+                </a:solidFill>
+                <a:latin typeface="Courier New" panose="02070309020205020404" pitchFamily="49" charset="0"/>
+                <a:cs typeface="Courier New" panose="02070309020205020404" pitchFamily="49" charset="0"/>
+              </a:rPr>
+              <a:t>40.81147001400959, -96.68791604213915</a:t>
+            </a:r>
+          </a:p>
+          <a:p>
+            <a:r>
+              <a:rPr lang="en-US" sz="1000" i="1" dirty="0">
+                <a:solidFill>
+                  <a:srgbClr val="0000FF"/>
+                </a:solidFill>
+                <a:latin typeface="Courier New" panose="02070309020205020404" pitchFamily="49" charset="0"/>
+                <a:cs typeface="Courier New" panose="02070309020205020404" pitchFamily="49" charset="0"/>
+              </a:rPr>
+              <a:t>40.81908575866586, -96.69120127972548</a:t>
+            </a:r>
+          </a:p>
+          <a:p>
+            <a:r>
+              <a:rPr lang="en-US" sz="1000" i="1" dirty="0">
+                <a:solidFill>
+                  <a:srgbClr val="0000FF"/>
+                </a:solidFill>
+                <a:latin typeface="Courier New" panose="02070309020205020404" pitchFamily="49" charset="0"/>
+                <a:cs typeface="Courier New" panose="02070309020205020404" pitchFamily="49" charset="0"/>
+              </a:rPr>
+              <a:t>890.73</a:t>
+            </a:r>
+          </a:p>
+          <a:p>
+            <a:r>
+              <a:rPr lang="en-US" sz="1000" i="1" dirty="0">
+                <a:solidFill>
+                  <a:srgbClr val="0000FF"/>
+                </a:solidFill>
+                <a:latin typeface="Courier New" panose="02070309020205020404" pitchFamily="49" charset="0"/>
+                <a:cs typeface="Courier New" panose="02070309020205020404" pitchFamily="49" charset="0"/>
+              </a:rPr>
+              <a:t>4000</a:t>
+            </a:r>
+          </a:p>
+          <a:p>
+            <a:r>
+              <a:rPr lang="en-US" sz="1000" i="1" dirty="0">
+                <a:solidFill>
+                  <a:srgbClr val="0000FF"/>
+                </a:solidFill>
+                <a:latin typeface="Courier New" panose="02070309020205020404" pitchFamily="49" charset="0"/>
+                <a:cs typeface="Courier New" panose="02070309020205020404" pitchFamily="49" charset="0"/>
+              </a:rPr>
+              <a:t>4</a:t>
+            </a:r>
+          </a:p>
+          <a:p>
+            <a:r>
+              <a:rPr lang="en-US" sz="1000" i="1" dirty="0">
+                <a:solidFill>
+                  <a:srgbClr val="0000FF"/>
+                </a:solidFill>
+                <a:latin typeface="Courier New" panose="02070309020205020404" pitchFamily="49" charset="0"/>
+                <a:cs typeface="Courier New" panose="02070309020205020404" pitchFamily="49" charset="0"/>
+              </a:rPr>
+              <a:t>P</a:t>
+            </a:r>
+          </a:p>
+        </p:txBody>
+      </p:sp>
+      <p:sp>
+        <p:nvSpPr>
+          <p:cNvPr id="61" name="TextBox 60">
+            <a:extLst>
+              <a:ext uri="{FF2B5EF4-FFF2-40B4-BE49-F238E27FC236}">
+                <a16:creationId xmlns:a16="http://schemas.microsoft.com/office/drawing/2014/main" id="{43E8B429-0F5D-4F83-94B6-A55F57A2A4EC}"/>
+              </a:ext>
+            </a:extLst>
+          </p:cNvPr>
+          <p:cNvSpPr txBox="1"/>
+          <p:nvPr/>
+        </p:nvSpPr>
+        <p:spPr>
+          <a:xfrm>
+            <a:off x="467779" y="2506737"/>
+            <a:ext cx="3108543" cy="246221"/>
+          </a:xfrm>
+          <a:prstGeom prst="rect">
+            <a:avLst/>
+          </a:prstGeom>
+          <a:noFill/>
+        </p:spPr>
+        <p:txBody>
+          <a:bodyPr wrap="none" rtlCol="0">
+            <a:spAutoFit/>
+          </a:bodyPr>
+          <a:lstStyle/>
+          <a:p>
+            <a:r>
+              <a:rPr lang="en-US" sz="1000" i="1" dirty="0">
+                <a:solidFill>
+                  <a:srgbClr val="0000FF"/>
+                </a:solidFill>
+                <a:latin typeface="Courier New" panose="02070309020205020404" pitchFamily="49" charset="0"/>
+                <a:cs typeface="Courier New" panose="02070309020205020404" pitchFamily="49" charset="0"/>
+              </a:rPr>
+              <a:t>“union-plaza-ocad-4000-04-09-2021.png”</a:t>
+            </a:r>
+          </a:p>
+        </p:txBody>
+      </p:sp>
+      <p:sp>
+        <p:nvSpPr>
+          <p:cNvPr id="68" name="TextBox 67">
+            <a:extLst>
+              <a:ext uri="{FF2B5EF4-FFF2-40B4-BE49-F238E27FC236}">
+                <a16:creationId xmlns:a16="http://schemas.microsoft.com/office/drawing/2014/main" id="{699E69B5-0B9A-4EFE-8DC9-3657A35992E0}"/>
+              </a:ext>
+            </a:extLst>
+          </p:cNvPr>
+          <p:cNvSpPr txBox="1"/>
+          <p:nvPr/>
+        </p:nvSpPr>
+        <p:spPr>
+          <a:xfrm>
+            <a:off x="2172914" y="973943"/>
+            <a:ext cx="1646605" cy="707886"/>
+          </a:xfrm>
+          <a:prstGeom prst="rect">
+            <a:avLst/>
+          </a:prstGeom>
+          <a:noFill/>
+        </p:spPr>
+        <p:txBody>
+          <a:bodyPr wrap="none" rtlCol="0">
+            <a:spAutoFit/>
+          </a:bodyPr>
+          <a:lstStyle/>
+          <a:p>
+            <a:r>
+              <a:rPr lang="en-US" sz="1000" i="1" dirty="0">
+                <a:solidFill>
+                  <a:srgbClr val="0000FF"/>
+                </a:solidFill>
+                <a:latin typeface="Courier New" panose="02070309020205020404" pitchFamily="49" charset="0"/>
+                <a:cs typeface="Courier New" panose="02070309020205020404" pitchFamily="49" charset="0"/>
+              </a:rPr>
+              <a:t>Default Window Size</a:t>
+            </a:r>
+          </a:p>
+          <a:p>
+            <a:r>
+              <a:rPr lang="en-US" sz="1000" i="1" dirty="0">
+                <a:solidFill>
+                  <a:srgbClr val="0000FF"/>
+                </a:solidFill>
+                <a:latin typeface="Courier New" panose="02070309020205020404" pitchFamily="49" charset="0"/>
+                <a:cs typeface="Courier New" panose="02070309020205020404" pitchFamily="49" charset="0"/>
+              </a:rPr>
+              <a:t>360 x 800   (px)</a:t>
+            </a:r>
+          </a:p>
+          <a:p>
+            <a:r>
+              <a:rPr lang="en-US" sz="1000" i="1" dirty="0" err="1">
+                <a:solidFill>
+                  <a:srgbClr val="0000FF"/>
+                </a:solidFill>
+                <a:latin typeface="Courier New" panose="02070309020205020404" pitchFamily="49" charset="0"/>
+                <a:cs typeface="Courier New" panose="02070309020205020404" pitchFamily="49" charset="0"/>
+              </a:rPr>
+              <a:t>HorPix_Screen</a:t>
+            </a:r>
+            <a:r>
+              <a:rPr lang="en-US" sz="1000" i="1" dirty="0">
+                <a:solidFill>
+                  <a:srgbClr val="0000FF"/>
+                </a:solidFill>
+                <a:latin typeface="Courier New" panose="02070309020205020404" pitchFamily="49" charset="0"/>
+                <a:cs typeface="Courier New" panose="02070309020205020404" pitchFamily="49" charset="0"/>
+              </a:rPr>
+              <a:t>=360</a:t>
+            </a:r>
+          </a:p>
+          <a:p>
+            <a:r>
+              <a:rPr lang="en-US" sz="1000" i="1" dirty="0" err="1">
+                <a:solidFill>
+                  <a:srgbClr val="0000FF"/>
+                </a:solidFill>
+                <a:latin typeface="Courier New" panose="02070309020205020404" pitchFamily="49" charset="0"/>
+                <a:cs typeface="Courier New" panose="02070309020205020404" pitchFamily="49" charset="0"/>
+              </a:rPr>
+              <a:t>VerPix_Screen</a:t>
+            </a:r>
+            <a:r>
+              <a:rPr lang="en-US" sz="1000" i="1" dirty="0">
+                <a:solidFill>
+                  <a:srgbClr val="0000FF"/>
+                </a:solidFill>
+                <a:latin typeface="Courier New" panose="02070309020205020404" pitchFamily="49" charset="0"/>
+                <a:cs typeface="Courier New" panose="02070309020205020404" pitchFamily="49" charset="0"/>
+              </a:rPr>
+              <a:t>=800</a:t>
+            </a:r>
+          </a:p>
+        </p:txBody>
+      </p:sp>
+      <p:sp>
+        <p:nvSpPr>
+          <p:cNvPr id="71" name="TextBox 70">
+            <a:extLst>
+              <a:ext uri="{FF2B5EF4-FFF2-40B4-BE49-F238E27FC236}">
+                <a16:creationId xmlns:a16="http://schemas.microsoft.com/office/drawing/2014/main" id="{2B36AB3C-BF88-4224-A56D-272C32F33161}"/>
+              </a:ext>
+            </a:extLst>
+          </p:cNvPr>
+          <p:cNvSpPr txBox="1"/>
+          <p:nvPr/>
+        </p:nvSpPr>
+        <p:spPr>
+          <a:xfrm>
+            <a:off x="294083" y="8122146"/>
+            <a:ext cx="2031325" cy="1015663"/>
+          </a:xfrm>
+          <a:prstGeom prst="rect">
+            <a:avLst/>
+          </a:prstGeom>
+          <a:noFill/>
+        </p:spPr>
+        <p:txBody>
+          <a:bodyPr wrap="none" rtlCol="0">
+            <a:spAutoFit/>
+          </a:bodyPr>
+          <a:lstStyle/>
+          <a:p>
+            <a:r>
+              <a:rPr lang="en-US" sz="1000" i="1" dirty="0" err="1">
+                <a:solidFill>
+                  <a:srgbClr val="0000FF"/>
+                </a:solidFill>
+                <a:latin typeface="Courier New" panose="02070309020205020404" pitchFamily="49" charset="0"/>
+                <a:cs typeface="Courier New" panose="02070309020205020404" pitchFamily="49" charset="0"/>
+              </a:rPr>
+              <a:t>X_Moves</a:t>
+            </a:r>
+            <a:r>
+              <a:rPr lang="en-US" sz="1000" i="1" dirty="0">
+                <a:solidFill>
+                  <a:srgbClr val="0000FF"/>
+                </a:solidFill>
+                <a:latin typeface="Courier New" panose="02070309020205020404" pitchFamily="49" charset="0"/>
+                <a:cs typeface="Courier New" panose="02070309020205020404" pitchFamily="49" charset="0"/>
+              </a:rPr>
+              <a:t> = -63.84</a:t>
+            </a:r>
+          </a:p>
+          <a:p>
+            <a:r>
+              <a:rPr lang="en-US" sz="1000" i="1" dirty="0" err="1">
+                <a:solidFill>
+                  <a:srgbClr val="0000FF"/>
+                </a:solidFill>
+                <a:latin typeface="Courier New" panose="02070309020205020404" pitchFamily="49" charset="0"/>
+                <a:cs typeface="Courier New" panose="02070309020205020404" pitchFamily="49" charset="0"/>
+              </a:rPr>
+              <a:t>Y_Moves</a:t>
+            </a:r>
+            <a:r>
+              <a:rPr lang="en-US" sz="1000" i="1" dirty="0">
+                <a:solidFill>
+                  <a:srgbClr val="0000FF"/>
+                </a:solidFill>
+                <a:latin typeface="Courier New" panose="02070309020205020404" pitchFamily="49" charset="0"/>
+                <a:cs typeface="Courier New" panose="02070309020205020404" pitchFamily="49" charset="0"/>
+              </a:rPr>
+              <a:t> = -336.144</a:t>
+            </a:r>
+          </a:p>
+          <a:p>
+            <a:r>
+              <a:rPr lang="en-US" sz="1000" i="1" dirty="0">
+                <a:solidFill>
+                  <a:srgbClr val="0000FF"/>
+                </a:solidFill>
+                <a:latin typeface="Courier New" panose="02070309020205020404" pitchFamily="49" charset="0"/>
+                <a:cs typeface="Courier New" panose="02070309020205020404" pitchFamily="49" charset="0"/>
+              </a:rPr>
+              <a:t>X0= 63.84 = -</a:t>
+            </a:r>
+            <a:r>
+              <a:rPr lang="en-US" sz="1000" i="1" dirty="0" err="1">
+                <a:solidFill>
+                  <a:srgbClr val="0000FF"/>
+                </a:solidFill>
+                <a:latin typeface="Courier New" panose="02070309020205020404" pitchFamily="49" charset="0"/>
+                <a:cs typeface="Courier New" panose="02070309020205020404" pitchFamily="49" charset="0"/>
+              </a:rPr>
+              <a:t>X_Moves</a:t>
+            </a:r>
+            <a:r>
+              <a:rPr lang="en-US" sz="1000" i="1" dirty="0">
+                <a:solidFill>
+                  <a:srgbClr val="0000FF"/>
+                </a:solidFill>
+                <a:latin typeface="Courier New" panose="02070309020205020404" pitchFamily="49" charset="0"/>
+                <a:cs typeface="Courier New" panose="02070309020205020404" pitchFamily="49" charset="0"/>
+              </a:rPr>
+              <a:t> </a:t>
+            </a:r>
+          </a:p>
+          <a:p>
+            <a:r>
+              <a:rPr lang="en-US" sz="1000" i="1" dirty="0">
+                <a:solidFill>
+                  <a:srgbClr val="0000FF"/>
+                </a:solidFill>
+                <a:latin typeface="Courier New" panose="02070309020205020404" pitchFamily="49" charset="0"/>
+                <a:cs typeface="Courier New" panose="02070309020205020404" pitchFamily="49" charset="0"/>
+              </a:rPr>
+              <a:t>Y0 = 336.144 = -</a:t>
+            </a:r>
+            <a:r>
+              <a:rPr lang="en-US" sz="1000" i="1" dirty="0" err="1">
+                <a:solidFill>
+                  <a:srgbClr val="0000FF"/>
+                </a:solidFill>
+                <a:latin typeface="Courier New" panose="02070309020205020404" pitchFamily="49" charset="0"/>
+                <a:cs typeface="Courier New" panose="02070309020205020404" pitchFamily="49" charset="0"/>
+              </a:rPr>
+              <a:t>Y_Moves</a:t>
+            </a:r>
+            <a:endParaRPr lang="en-US" sz="1000" i="1" dirty="0">
+              <a:solidFill>
+                <a:srgbClr val="0000FF"/>
+              </a:solidFill>
+              <a:latin typeface="Courier New" panose="02070309020205020404" pitchFamily="49" charset="0"/>
+              <a:cs typeface="Courier New" panose="02070309020205020404" pitchFamily="49" charset="0"/>
+            </a:endParaRPr>
+          </a:p>
+          <a:p>
+            <a:r>
+              <a:rPr lang="en-US" sz="1000" i="1" dirty="0" err="1">
+                <a:solidFill>
+                  <a:srgbClr val="0000FF"/>
+                </a:solidFill>
+                <a:latin typeface="Courier New" panose="02070309020205020404" pitchFamily="49" charset="0"/>
+                <a:cs typeface="Courier New" panose="02070309020205020404" pitchFamily="49" charset="0"/>
+              </a:rPr>
+              <a:t>X_Moves</a:t>
+            </a:r>
+            <a:r>
+              <a:rPr lang="en-US" sz="1000" i="1" dirty="0">
+                <a:solidFill>
+                  <a:srgbClr val="0000FF"/>
+                </a:solidFill>
+                <a:latin typeface="Courier New" panose="02070309020205020404" pitchFamily="49" charset="0"/>
+                <a:cs typeface="Courier New" panose="02070309020205020404" pitchFamily="49" charset="0"/>
+              </a:rPr>
+              <a:t> = 0</a:t>
+            </a:r>
+          </a:p>
+          <a:p>
+            <a:r>
+              <a:rPr lang="en-US" sz="1000" i="1" dirty="0" err="1">
+                <a:solidFill>
+                  <a:srgbClr val="0000FF"/>
+                </a:solidFill>
+                <a:latin typeface="Courier New" panose="02070309020205020404" pitchFamily="49" charset="0"/>
+                <a:cs typeface="Courier New" panose="02070309020205020404" pitchFamily="49" charset="0"/>
+              </a:rPr>
+              <a:t>Y_Moves</a:t>
+            </a:r>
+            <a:r>
+              <a:rPr lang="en-US" sz="1000" i="1" dirty="0">
+                <a:solidFill>
+                  <a:srgbClr val="0000FF"/>
+                </a:solidFill>
+                <a:latin typeface="Courier New" panose="02070309020205020404" pitchFamily="49" charset="0"/>
+                <a:cs typeface="Courier New" panose="02070309020205020404" pitchFamily="49" charset="0"/>
+              </a:rPr>
+              <a:t> = 0</a:t>
+            </a:r>
+          </a:p>
+        </p:txBody>
+      </p:sp>
+      <p:sp>
+        <p:nvSpPr>
+          <p:cNvPr id="72" name="TextBox 71">
+            <a:extLst>
+              <a:ext uri="{FF2B5EF4-FFF2-40B4-BE49-F238E27FC236}">
+                <a16:creationId xmlns:a16="http://schemas.microsoft.com/office/drawing/2014/main" id="{7DD22BF9-1139-41A0-BCE0-9FC5576C3FB5}"/>
+              </a:ext>
+            </a:extLst>
+          </p:cNvPr>
+          <p:cNvSpPr txBox="1"/>
+          <p:nvPr/>
+        </p:nvSpPr>
+        <p:spPr>
+          <a:xfrm>
+            <a:off x="4455277" y="8075092"/>
+            <a:ext cx="1415772" cy="707886"/>
+          </a:xfrm>
+          <a:prstGeom prst="rect">
+            <a:avLst/>
+          </a:prstGeom>
+          <a:noFill/>
+        </p:spPr>
+        <p:txBody>
+          <a:bodyPr wrap="none" rtlCol="0">
+            <a:spAutoFit/>
+          </a:bodyPr>
+          <a:lstStyle/>
+          <a:p>
+            <a:r>
+              <a:rPr lang="en-US" sz="1000" i="1" dirty="0" err="1">
+                <a:solidFill>
+                  <a:srgbClr val="0000FF"/>
+                </a:solidFill>
+                <a:latin typeface="Courier New" panose="02070309020205020404" pitchFamily="49" charset="0"/>
+                <a:cs typeface="Courier New" panose="02070309020205020404" pitchFamily="49" charset="0"/>
+              </a:rPr>
+              <a:t>X_Moves</a:t>
+            </a:r>
+            <a:r>
+              <a:rPr lang="en-US" sz="1000" i="1" dirty="0">
+                <a:solidFill>
+                  <a:srgbClr val="0000FF"/>
+                </a:solidFill>
+                <a:latin typeface="Courier New" panose="02070309020205020404" pitchFamily="49" charset="0"/>
+                <a:cs typeface="Courier New" panose="02070309020205020404" pitchFamily="49" charset="0"/>
+              </a:rPr>
+              <a:t>= 251.616</a:t>
+            </a:r>
+          </a:p>
+          <a:p>
+            <a:r>
+              <a:rPr lang="en-US" sz="1000" i="1" dirty="0" err="1">
+                <a:solidFill>
+                  <a:srgbClr val="0000FF"/>
+                </a:solidFill>
+                <a:latin typeface="Courier New" panose="02070309020205020404" pitchFamily="49" charset="0"/>
+                <a:cs typeface="Courier New" panose="02070309020205020404" pitchFamily="49" charset="0"/>
+              </a:rPr>
+              <a:t>Y_Moves</a:t>
+            </a:r>
+            <a:r>
+              <a:rPr lang="en-US" sz="1000" i="1" dirty="0">
+                <a:solidFill>
+                  <a:srgbClr val="0000FF"/>
+                </a:solidFill>
+                <a:latin typeface="Courier New" panose="02070309020205020404" pitchFamily="49" charset="0"/>
+                <a:cs typeface="Courier New" panose="02070309020205020404" pitchFamily="49" charset="0"/>
+              </a:rPr>
+              <a:t>= 796.992</a:t>
+            </a:r>
+          </a:p>
+          <a:p>
+            <a:r>
+              <a:rPr lang="en-US" sz="1000" i="1" dirty="0">
+                <a:solidFill>
+                  <a:srgbClr val="0000FF"/>
+                </a:solidFill>
+                <a:latin typeface="Courier New" panose="02070309020205020404" pitchFamily="49" charset="0"/>
+                <a:cs typeface="Courier New" panose="02070309020205020404" pitchFamily="49" charset="0"/>
+              </a:rPr>
+              <a:t>X2= 187.776</a:t>
+            </a:r>
+          </a:p>
+          <a:p>
+            <a:r>
+              <a:rPr lang="en-US" sz="1000" i="1" dirty="0">
+                <a:solidFill>
+                  <a:srgbClr val="0000FF"/>
+                </a:solidFill>
+                <a:latin typeface="Courier New" panose="02070309020205020404" pitchFamily="49" charset="0"/>
+                <a:cs typeface="Courier New" panose="02070309020205020404" pitchFamily="49" charset="0"/>
+              </a:rPr>
+              <a:t>Y2= 460.848</a:t>
+            </a:r>
+          </a:p>
+        </p:txBody>
+      </p:sp>
+      <p:sp>
+        <p:nvSpPr>
+          <p:cNvPr id="63" name="TextBox 62">
+            <a:extLst>
+              <a:ext uri="{FF2B5EF4-FFF2-40B4-BE49-F238E27FC236}">
+                <a16:creationId xmlns:a16="http://schemas.microsoft.com/office/drawing/2014/main" id="{51C40FA9-F82C-4B0E-98BD-282FBC05F9A2}"/>
+              </a:ext>
+            </a:extLst>
+          </p:cNvPr>
+          <p:cNvSpPr txBox="1"/>
+          <p:nvPr/>
+        </p:nvSpPr>
+        <p:spPr>
+          <a:xfrm>
+            <a:off x="9403008" y="1145748"/>
+            <a:ext cx="5955476" cy="1785104"/>
+          </a:xfrm>
+          <a:prstGeom prst="rect">
+            <a:avLst/>
+          </a:prstGeom>
+          <a:noFill/>
+        </p:spPr>
+        <p:txBody>
+          <a:bodyPr wrap="none" rtlCol="0">
+            <a:spAutoFit/>
+          </a:bodyPr>
+          <a:lstStyle/>
+          <a:p>
+            <a:r>
+              <a:rPr lang="en-US" sz="1000" i="1" dirty="0" err="1">
+                <a:solidFill>
+                  <a:srgbClr val="0000FF"/>
+                </a:solidFill>
+                <a:latin typeface="Courier New" panose="02070309020205020404" pitchFamily="49" charset="0"/>
+                <a:cs typeface="Courier New" panose="02070309020205020404" pitchFamily="49" charset="0"/>
+              </a:rPr>
+              <a:t>HorPix_Map</a:t>
+            </a:r>
+            <a:r>
+              <a:rPr lang="en-US" sz="1000" i="1" dirty="0">
+                <a:solidFill>
+                  <a:srgbClr val="0000FF"/>
+                </a:solidFill>
+                <a:latin typeface="Courier New" panose="02070309020205020404" pitchFamily="49" charset="0"/>
+                <a:cs typeface="Courier New" panose="02070309020205020404" pitchFamily="49" charset="0"/>
+              </a:rPr>
+              <a:t>=1056 (px)</a:t>
+            </a:r>
+          </a:p>
+          <a:p>
+            <a:r>
+              <a:rPr lang="en-US" sz="1000" i="1" dirty="0" err="1">
+                <a:solidFill>
+                  <a:srgbClr val="0000FF"/>
+                </a:solidFill>
+                <a:latin typeface="Courier New" panose="02070309020205020404" pitchFamily="49" charset="0"/>
+                <a:cs typeface="Courier New" panose="02070309020205020404" pitchFamily="49" charset="0"/>
+              </a:rPr>
+              <a:t>VerPix_Map</a:t>
+            </a:r>
+            <a:r>
+              <a:rPr lang="en-US" sz="1000" i="1" dirty="0">
+                <a:solidFill>
+                  <a:srgbClr val="0000FF"/>
+                </a:solidFill>
+                <a:latin typeface="Courier New" panose="02070309020205020404" pitchFamily="49" charset="0"/>
+                <a:cs typeface="Courier New" panose="02070309020205020404" pitchFamily="49" charset="0"/>
+              </a:rPr>
+              <a:t>=1632 (px)</a:t>
+            </a:r>
+          </a:p>
+          <a:p>
+            <a:endParaRPr lang="en-US" sz="1000" i="1" dirty="0">
+              <a:solidFill>
+                <a:srgbClr val="0000FF"/>
+              </a:solidFill>
+              <a:latin typeface="Courier New" panose="02070309020205020404" pitchFamily="49" charset="0"/>
+              <a:cs typeface="Courier New" panose="02070309020205020404" pitchFamily="49" charset="0"/>
+            </a:endParaRPr>
+          </a:p>
+          <a:p>
+            <a:r>
+              <a:rPr lang="en-US" sz="1000" i="1" dirty="0">
+                <a:solidFill>
+                  <a:srgbClr val="0000FF"/>
+                </a:solidFill>
+                <a:latin typeface="Courier New" panose="02070309020205020404" pitchFamily="49" charset="0"/>
+                <a:cs typeface="Courier New" panose="02070309020205020404" pitchFamily="49" charset="0"/>
+              </a:rPr>
+              <a:t>MAP_CANVAS_ZERO=(-1056/2,+1632/2)</a:t>
+            </a:r>
+          </a:p>
+          <a:p>
+            <a:r>
+              <a:rPr lang="en-US" sz="1000" i="1" dirty="0">
+                <a:solidFill>
+                  <a:srgbClr val="0000FF"/>
+                </a:solidFill>
+                <a:latin typeface="Courier New" panose="02070309020205020404" pitchFamily="49" charset="0"/>
+                <a:cs typeface="Courier New" panose="02070309020205020404" pitchFamily="49" charset="0"/>
+              </a:rPr>
+              <a:t>MAP_CANVAS_CENTER</a:t>
+            </a:r>
+          </a:p>
+          <a:p>
+            <a:r>
+              <a:rPr lang="en-US" sz="1000" i="1" dirty="0">
+                <a:solidFill>
+                  <a:srgbClr val="0000FF"/>
+                </a:solidFill>
+                <a:latin typeface="Courier New" panose="02070309020205020404" pitchFamily="49" charset="0"/>
+                <a:cs typeface="Courier New" panose="02070309020205020404" pitchFamily="49" charset="0"/>
+              </a:rPr>
+              <a:t>MAP_CANVAS_CENTER=(0,0) [at zoom 100%]</a:t>
+            </a:r>
+          </a:p>
+          <a:p>
+            <a:endParaRPr lang="en-US" sz="1000" i="1" dirty="0">
+              <a:solidFill>
+                <a:srgbClr val="0000FF"/>
+              </a:solidFill>
+              <a:latin typeface="Courier New" panose="02070309020205020404" pitchFamily="49" charset="0"/>
+              <a:cs typeface="Courier New" panose="02070309020205020404" pitchFamily="49" charset="0"/>
+            </a:endParaRPr>
+          </a:p>
+          <a:p>
+            <a:r>
+              <a:rPr lang="en-US" sz="1000" i="1" dirty="0">
+                <a:solidFill>
+                  <a:srgbClr val="0000FF"/>
+                </a:solidFill>
+                <a:latin typeface="Courier New" panose="02070309020205020404" pitchFamily="49" charset="0"/>
+                <a:cs typeface="Courier New" panose="02070309020205020404" pitchFamily="49" charset="0"/>
+              </a:rPr>
+              <a:t>Displayed in 360x800 window</a:t>
+            </a:r>
+          </a:p>
+          <a:p>
+            <a:r>
+              <a:rPr lang="en-US" sz="1000" i="1" dirty="0">
+                <a:solidFill>
+                  <a:srgbClr val="0000FF"/>
+                </a:solidFill>
+                <a:latin typeface="Courier New" panose="02070309020205020404" pitchFamily="49" charset="0"/>
+                <a:cs typeface="Courier New" panose="02070309020205020404" pitchFamily="49" charset="0"/>
+              </a:rPr>
+              <a:t>Map(MAP_NAME).zoom=min(</a:t>
+            </a:r>
+            <a:r>
+              <a:rPr lang="en-US" sz="1000" i="1" dirty="0" err="1">
+                <a:solidFill>
+                  <a:srgbClr val="0000FF"/>
+                </a:solidFill>
+                <a:latin typeface="Courier New" panose="02070309020205020404" pitchFamily="49" charset="0"/>
+                <a:cs typeface="Courier New" panose="02070309020205020404" pitchFamily="49" charset="0"/>
+              </a:rPr>
+              <a:t>HorPix_Screen</a:t>
+            </a:r>
+            <a:r>
+              <a:rPr lang="en-US" sz="1000" i="1" dirty="0">
+                <a:solidFill>
+                  <a:srgbClr val="0000FF"/>
+                </a:solidFill>
+                <a:latin typeface="Courier New" panose="02070309020205020404" pitchFamily="49" charset="0"/>
+                <a:cs typeface="Courier New" panose="02070309020205020404" pitchFamily="49" charset="0"/>
+              </a:rPr>
+              <a:t>/</a:t>
+            </a:r>
+            <a:r>
+              <a:rPr lang="en-US" sz="1000" i="1" dirty="0" err="1">
+                <a:solidFill>
+                  <a:srgbClr val="0000FF"/>
+                </a:solidFill>
+                <a:latin typeface="Courier New" panose="02070309020205020404" pitchFamily="49" charset="0"/>
+                <a:cs typeface="Courier New" panose="02070309020205020404" pitchFamily="49" charset="0"/>
+              </a:rPr>
+              <a:t>HorPix_Map</a:t>
+            </a:r>
+            <a:r>
+              <a:rPr lang="en-US" sz="1000" i="1" dirty="0">
+                <a:solidFill>
+                  <a:srgbClr val="0000FF"/>
+                </a:solidFill>
+                <a:latin typeface="Courier New" panose="02070309020205020404" pitchFamily="49" charset="0"/>
+                <a:cs typeface="Courier New" panose="02070309020205020404" pitchFamily="49" charset="0"/>
+              </a:rPr>
+              <a:t>, </a:t>
+            </a:r>
+            <a:r>
+              <a:rPr lang="en-US" sz="1000" i="1" dirty="0" err="1">
+                <a:solidFill>
+                  <a:srgbClr val="0000FF"/>
+                </a:solidFill>
+                <a:latin typeface="Courier New" panose="02070309020205020404" pitchFamily="49" charset="0"/>
+                <a:cs typeface="Courier New" panose="02070309020205020404" pitchFamily="49" charset="0"/>
+              </a:rPr>
+              <a:t>VerPix_Screen</a:t>
+            </a:r>
+            <a:r>
+              <a:rPr lang="en-US" sz="1000" i="1" dirty="0">
+                <a:solidFill>
+                  <a:srgbClr val="0000FF"/>
+                </a:solidFill>
+                <a:latin typeface="Courier New" panose="02070309020205020404" pitchFamily="49" charset="0"/>
+                <a:cs typeface="Courier New" panose="02070309020205020404" pitchFamily="49" charset="0"/>
+              </a:rPr>
+              <a:t>/</a:t>
+            </a:r>
+            <a:r>
+              <a:rPr lang="en-US" sz="1000" i="1" dirty="0" err="1">
+                <a:solidFill>
+                  <a:srgbClr val="0000FF"/>
+                </a:solidFill>
+                <a:latin typeface="Courier New" panose="02070309020205020404" pitchFamily="49" charset="0"/>
+                <a:cs typeface="Courier New" panose="02070309020205020404" pitchFamily="49" charset="0"/>
+              </a:rPr>
+              <a:t>VerPix_Map</a:t>
+            </a:r>
+            <a:r>
+              <a:rPr lang="en-US" sz="1000" i="1" dirty="0">
+                <a:solidFill>
+                  <a:srgbClr val="0000FF"/>
+                </a:solidFill>
+                <a:latin typeface="Courier New" panose="02070309020205020404" pitchFamily="49" charset="0"/>
+                <a:cs typeface="Courier New" panose="02070309020205020404" pitchFamily="49" charset="0"/>
+              </a:rPr>
+              <a:t>) </a:t>
+            </a:r>
+          </a:p>
+          <a:p>
+            <a:endParaRPr lang="en-US" sz="1000" i="1" dirty="0">
+              <a:solidFill>
+                <a:srgbClr val="0000FF"/>
+              </a:solidFill>
+              <a:latin typeface="Courier New" panose="02070309020205020404" pitchFamily="49" charset="0"/>
+              <a:cs typeface="Courier New" panose="02070309020205020404" pitchFamily="49" charset="0"/>
+            </a:endParaRPr>
+          </a:p>
+          <a:p>
+            <a:r>
+              <a:rPr lang="en-US" sz="1000" i="1" dirty="0">
+                <a:solidFill>
+                  <a:srgbClr val="0000FF"/>
+                </a:solidFill>
+                <a:latin typeface="Courier New" panose="02070309020205020404" pitchFamily="49" charset="0"/>
+                <a:cs typeface="Courier New" panose="02070309020205020404" pitchFamily="49" charset="0"/>
+              </a:rPr>
+              <a:t>[Here @ zoom 34%]</a:t>
+            </a:r>
+          </a:p>
+        </p:txBody>
+      </p:sp>
+      <p:sp>
+        <p:nvSpPr>
+          <p:cNvPr id="79" name="TextBox 78">
+            <a:extLst>
+              <a:ext uri="{FF2B5EF4-FFF2-40B4-BE49-F238E27FC236}">
+                <a16:creationId xmlns:a16="http://schemas.microsoft.com/office/drawing/2014/main" id="{8D777EF8-10DA-4F34-A880-326ABF5AC6F9}"/>
+              </a:ext>
+            </a:extLst>
+          </p:cNvPr>
+          <p:cNvSpPr txBox="1"/>
+          <p:nvPr/>
+        </p:nvSpPr>
+        <p:spPr>
+          <a:xfrm>
+            <a:off x="8902713" y="3189377"/>
+            <a:ext cx="1261884" cy="861774"/>
+          </a:xfrm>
+          <a:prstGeom prst="rect">
+            <a:avLst/>
+          </a:prstGeom>
+          <a:noFill/>
+        </p:spPr>
+        <p:txBody>
+          <a:bodyPr wrap="none" rtlCol="0">
+            <a:spAutoFit/>
+          </a:bodyPr>
+          <a:lstStyle/>
+          <a:p>
+            <a:r>
+              <a:rPr lang="en-US" sz="1000" i="1" dirty="0" err="1">
+                <a:solidFill>
+                  <a:srgbClr val="0000FF"/>
+                </a:solidFill>
+                <a:latin typeface="Courier New" panose="02070309020205020404" pitchFamily="49" charset="0"/>
+                <a:cs typeface="Courier New" panose="02070309020205020404" pitchFamily="49" charset="0"/>
+              </a:rPr>
+              <a:t>initialisation</a:t>
+            </a:r>
+            <a:endParaRPr lang="en-US" sz="1000" i="1" dirty="0">
+              <a:solidFill>
+                <a:srgbClr val="0000FF"/>
+              </a:solidFill>
+              <a:latin typeface="Courier New" panose="02070309020205020404" pitchFamily="49" charset="0"/>
+              <a:cs typeface="Courier New" panose="02070309020205020404" pitchFamily="49" charset="0"/>
+            </a:endParaRPr>
+          </a:p>
+          <a:p>
+            <a:r>
+              <a:rPr lang="en-US" sz="1000" i="1" dirty="0" err="1">
+                <a:solidFill>
+                  <a:srgbClr val="0000FF"/>
+                </a:solidFill>
+                <a:latin typeface="Courier New" panose="02070309020205020404" pitchFamily="49" charset="0"/>
+                <a:cs typeface="Courier New" panose="02070309020205020404" pitchFamily="49" charset="0"/>
+              </a:rPr>
+              <a:t>X_Moves</a:t>
+            </a:r>
+            <a:r>
+              <a:rPr lang="en-US" sz="1000" i="1" dirty="0">
+                <a:solidFill>
+                  <a:srgbClr val="0000FF"/>
+                </a:solidFill>
+                <a:latin typeface="Courier New" panose="02070309020205020404" pitchFamily="49" charset="0"/>
+                <a:cs typeface="Courier New" panose="02070309020205020404" pitchFamily="49" charset="0"/>
+              </a:rPr>
+              <a:t> = 0</a:t>
+            </a:r>
+          </a:p>
+          <a:p>
+            <a:r>
+              <a:rPr lang="en-US" sz="1000" i="1" dirty="0" err="1">
+                <a:solidFill>
+                  <a:srgbClr val="0000FF"/>
+                </a:solidFill>
+                <a:latin typeface="Courier New" panose="02070309020205020404" pitchFamily="49" charset="0"/>
+                <a:cs typeface="Courier New" panose="02070309020205020404" pitchFamily="49" charset="0"/>
+              </a:rPr>
+              <a:t>Y_Moves</a:t>
+            </a:r>
+            <a:r>
+              <a:rPr lang="en-US" sz="1000" i="1" dirty="0">
+                <a:solidFill>
+                  <a:srgbClr val="0000FF"/>
+                </a:solidFill>
+                <a:latin typeface="Courier New" panose="02070309020205020404" pitchFamily="49" charset="0"/>
+                <a:cs typeface="Courier New" panose="02070309020205020404" pitchFamily="49" charset="0"/>
+              </a:rPr>
+              <a:t> = 0</a:t>
+            </a:r>
+          </a:p>
+          <a:p>
+            <a:r>
+              <a:rPr lang="en-US" sz="1000" i="1" dirty="0">
+                <a:solidFill>
+                  <a:srgbClr val="0000FF"/>
+                </a:solidFill>
+                <a:latin typeface="Courier New" panose="02070309020205020404" pitchFamily="49" charset="0"/>
+                <a:cs typeface="Courier New" panose="02070309020205020404" pitchFamily="49" charset="0"/>
+              </a:rPr>
+              <a:t>X0 = 0</a:t>
+            </a:r>
+          </a:p>
+          <a:p>
+            <a:r>
+              <a:rPr lang="en-US" sz="1000" i="1" dirty="0">
+                <a:solidFill>
+                  <a:srgbClr val="0000FF"/>
+                </a:solidFill>
+                <a:latin typeface="Courier New" panose="02070309020205020404" pitchFamily="49" charset="0"/>
+                <a:cs typeface="Courier New" panose="02070309020205020404" pitchFamily="49" charset="0"/>
+              </a:rPr>
+              <a:t>Y0 = 0</a:t>
+            </a:r>
+          </a:p>
+        </p:txBody>
+      </p:sp>
+      <p:sp>
+        <p:nvSpPr>
+          <p:cNvPr id="81" name="TextBox 80">
+            <a:extLst>
+              <a:ext uri="{FF2B5EF4-FFF2-40B4-BE49-F238E27FC236}">
+                <a16:creationId xmlns:a16="http://schemas.microsoft.com/office/drawing/2014/main" id="{C8ADB9E3-30DB-4E23-B64C-D83F608C3C19}"/>
+              </a:ext>
+            </a:extLst>
+          </p:cNvPr>
+          <p:cNvSpPr txBox="1"/>
+          <p:nvPr/>
+        </p:nvSpPr>
+        <p:spPr>
+          <a:xfrm>
+            <a:off x="4572295" y="8799333"/>
+            <a:ext cx="3416320" cy="246221"/>
+          </a:xfrm>
+          <a:prstGeom prst="rect">
+            <a:avLst/>
+          </a:prstGeom>
+          <a:noFill/>
+        </p:spPr>
+        <p:txBody>
+          <a:bodyPr wrap="none" rtlCol="0">
+            <a:spAutoFit/>
+          </a:bodyPr>
+          <a:lstStyle/>
+          <a:p>
+            <a:r>
+              <a:rPr lang="en-US" sz="1000" i="1" dirty="0">
+                <a:solidFill>
+                  <a:srgbClr val="0000FF"/>
+                </a:solidFill>
+                <a:latin typeface="Courier New" panose="02070309020205020404" pitchFamily="49" charset="0"/>
+                <a:cs typeface="Courier New" panose="02070309020205020404" pitchFamily="49" charset="0"/>
+              </a:rPr>
+              <a:t>DISTANCE_REF_MAP=SQRT((X0-X2)^2+(Y0-Y2)^2)</a:t>
+            </a:r>
+          </a:p>
+        </p:txBody>
+      </p:sp>
+      <p:sp>
+        <p:nvSpPr>
+          <p:cNvPr id="82" name="TextBox 81">
+            <a:extLst>
+              <a:ext uri="{FF2B5EF4-FFF2-40B4-BE49-F238E27FC236}">
+                <a16:creationId xmlns:a16="http://schemas.microsoft.com/office/drawing/2014/main" id="{8FFB4D89-B594-4810-A072-DD73744B154E}"/>
+              </a:ext>
+            </a:extLst>
+          </p:cNvPr>
+          <p:cNvSpPr txBox="1"/>
+          <p:nvPr/>
+        </p:nvSpPr>
+        <p:spPr>
+          <a:xfrm>
+            <a:off x="9244093" y="9218170"/>
+            <a:ext cx="3339376" cy="553998"/>
+          </a:xfrm>
+          <a:prstGeom prst="rect">
+            <a:avLst/>
+          </a:prstGeom>
+          <a:noFill/>
+        </p:spPr>
+        <p:txBody>
+          <a:bodyPr wrap="none" rtlCol="0">
+            <a:spAutoFit/>
+          </a:bodyPr>
+          <a:lstStyle/>
+          <a:p>
+            <a:r>
+              <a:rPr lang="en-US" sz="1000" i="1" dirty="0">
+                <a:solidFill>
+                  <a:srgbClr val="0000FF"/>
+                </a:solidFill>
+                <a:latin typeface="Courier New" panose="02070309020205020404" pitchFamily="49" charset="0"/>
+                <a:cs typeface="Courier New" panose="02070309020205020404" pitchFamily="49" charset="0"/>
+              </a:rPr>
+              <a:t>RESOLUTIONS CALCULATION</a:t>
+            </a:r>
+          </a:p>
+          <a:p>
+            <a:r>
+              <a:rPr lang="en-US" sz="1000" i="1" dirty="0">
+                <a:solidFill>
+                  <a:srgbClr val="0000FF"/>
+                </a:solidFill>
+                <a:latin typeface="Courier New" panose="02070309020205020404" pitchFamily="49" charset="0"/>
+                <a:cs typeface="Courier New" panose="02070309020205020404" pitchFamily="49" charset="0"/>
+              </a:rPr>
+              <a:t>RES_LAT=(Y0-Y2)/(LAT0-LAT2)   [mm/deg]</a:t>
+            </a:r>
+          </a:p>
+          <a:p>
+            <a:r>
+              <a:rPr lang="en-US" sz="1000" i="1" dirty="0">
+                <a:solidFill>
+                  <a:srgbClr val="0000FF"/>
+                </a:solidFill>
+                <a:latin typeface="Courier New" panose="02070309020205020404" pitchFamily="49" charset="0"/>
+                <a:cs typeface="Courier New" panose="02070309020205020404" pitchFamily="49" charset="0"/>
+              </a:rPr>
+              <a:t>RES_LONG=(X0-X2)/(LONG0-LONG2)   [mm/deg]</a:t>
+            </a:r>
+          </a:p>
+        </p:txBody>
+      </p:sp>
+      <p:sp>
+        <p:nvSpPr>
+          <p:cNvPr id="83" name="TextBox 82">
+            <a:extLst>
+              <a:ext uri="{FF2B5EF4-FFF2-40B4-BE49-F238E27FC236}">
+                <a16:creationId xmlns:a16="http://schemas.microsoft.com/office/drawing/2014/main" id="{D5300153-B485-43A0-981D-9F577560C57F}"/>
+              </a:ext>
+            </a:extLst>
+          </p:cNvPr>
+          <p:cNvSpPr txBox="1"/>
+          <p:nvPr/>
+        </p:nvSpPr>
+        <p:spPr>
+          <a:xfrm>
+            <a:off x="9198006" y="9901786"/>
+            <a:ext cx="3552051" cy="1169551"/>
+          </a:xfrm>
+          <a:prstGeom prst="rect">
+            <a:avLst/>
+          </a:prstGeom>
+          <a:noFill/>
+        </p:spPr>
+        <p:txBody>
+          <a:bodyPr wrap="square" rtlCol="0">
+            <a:spAutoFit/>
+          </a:bodyPr>
+          <a:lstStyle/>
+          <a:p>
+            <a:r>
+              <a:rPr lang="en-US" sz="1000" i="1" dirty="0">
+                <a:solidFill>
+                  <a:srgbClr val="0000FF"/>
+                </a:solidFill>
+                <a:latin typeface="Courier New" panose="02070309020205020404" pitchFamily="49" charset="0"/>
+                <a:cs typeface="Courier New" panose="02070309020205020404" pitchFamily="49" charset="0"/>
+              </a:rPr>
+              <a:t>IF NOT(</a:t>
+            </a:r>
+            <a:r>
+              <a:rPr lang="en-US" sz="1000" i="1" dirty="0" err="1">
+                <a:solidFill>
+                  <a:srgbClr val="0000FF"/>
+                </a:solidFill>
+                <a:latin typeface="Courier New" panose="02070309020205020404" pitchFamily="49" charset="0"/>
+                <a:cs typeface="Courier New" panose="02070309020205020404" pitchFamily="49" charset="0"/>
+              </a:rPr>
+              <a:t>Rotation_Angle</a:t>
+            </a:r>
+            <a:r>
+              <a:rPr lang="en-US" sz="1000" i="1" dirty="0">
+                <a:solidFill>
+                  <a:srgbClr val="0000FF"/>
+                </a:solidFill>
+                <a:latin typeface="Courier New" panose="02070309020205020404" pitchFamily="49" charset="0"/>
+                <a:cs typeface="Courier New" panose="02070309020205020404" pitchFamily="49" charset="0"/>
+              </a:rPr>
+              <a:t> = 0)</a:t>
+            </a:r>
+          </a:p>
+          <a:p>
+            <a:r>
+              <a:rPr lang="en-US" sz="1000" i="1" dirty="0">
+                <a:solidFill>
+                  <a:srgbClr val="0000FF"/>
+                </a:solidFill>
+                <a:latin typeface="Courier New" panose="02070309020205020404" pitchFamily="49" charset="0"/>
+                <a:cs typeface="Courier New" panose="02070309020205020404" pitchFamily="49" charset="0"/>
+              </a:rPr>
+              <a:t>	Map(MAP_NAME).Rotate = </a:t>
+            </a:r>
+            <a:r>
+              <a:rPr lang="en-US" sz="1000" i="1" dirty="0" err="1">
+                <a:solidFill>
+                  <a:srgbClr val="0000FF"/>
+                </a:solidFill>
+                <a:latin typeface="Courier New" panose="02070309020205020404" pitchFamily="49" charset="0"/>
+                <a:cs typeface="Courier New" panose="02070309020205020404" pitchFamily="49" charset="0"/>
+              </a:rPr>
+              <a:t>Rotation_Angle</a:t>
+            </a:r>
+            <a:endParaRPr lang="en-US" sz="1000" i="1" dirty="0">
+              <a:solidFill>
+                <a:srgbClr val="0000FF"/>
+              </a:solidFill>
+              <a:latin typeface="Courier New" panose="02070309020205020404" pitchFamily="49" charset="0"/>
+              <a:cs typeface="Courier New" panose="02070309020205020404" pitchFamily="49" charset="0"/>
+            </a:endParaRPr>
+          </a:p>
+          <a:p>
+            <a:endParaRPr lang="en-US" sz="1000" i="1" dirty="0">
+              <a:solidFill>
+                <a:srgbClr val="0000FF"/>
+              </a:solidFill>
+              <a:latin typeface="Courier New" panose="02070309020205020404" pitchFamily="49" charset="0"/>
+              <a:cs typeface="Courier New" panose="02070309020205020404" pitchFamily="49" charset="0"/>
+            </a:endParaRPr>
+          </a:p>
+          <a:p>
+            <a:r>
+              <a:rPr lang="en-US" sz="1000" i="1" dirty="0">
+                <a:solidFill>
+                  <a:srgbClr val="0000FF"/>
+                </a:solidFill>
+                <a:latin typeface="Courier New" panose="02070309020205020404" pitchFamily="49" charset="0"/>
+                <a:cs typeface="Courier New" panose="02070309020205020404" pitchFamily="49" charset="0"/>
+              </a:rPr>
+              <a:t>Linear Transformations</a:t>
+            </a:r>
+          </a:p>
+          <a:p>
+            <a:r>
+              <a:rPr lang="en-US" sz="1000" i="1" dirty="0" err="1">
+                <a:solidFill>
+                  <a:srgbClr val="0000FF"/>
+                </a:solidFill>
+                <a:latin typeface="Courier New" panose="02070309020205020404" pitchFamily="49" charset="0"/>
+                <a:cs typeface="Courier New" panose="02070309020205020404" pitchFamily="49" charset="0"/>
+              </a:rPr>
+              <a:t>a,b</a:t>
+            </a:r>
+            <a:r>
+              <a:rPr lang="en-US" sz="1000" i="1" dirty="0">
+                <a:solidFill>
+                  <a:srgbClr val="0000FF"/>
+                </a:solidFill>
+                <a:latin typeface="Courier New" panose="02070309020205020404" pitchFamily="49" charset="0"/>
+                <a:cs typeface="Courier New" panose="02070309020205020404" pitchFamily="49" charset="0"/>
+              </a:rPr>
+              <a:t> coefficients calculations for latitudes and longitudes</a:t>
+            </a:r>
+          </a:p>
+          <a:p>
+            <a:endParaRPr lang="en-US" sz="1000" i="1" dirty="0">
+              <a:solidFill>
+                <a:srgbClr val="0000FF"/>
+              </a:solidFill>
+              <a:latin typeface="Courier New" panose="02070309020205020404" pitchFamily="49" charset="0"/>
+              <a:cs typeface="Courier New" panose="02070309020205020404" pitchFamily="49" charset="0"/>
+            </a:endParaRPr>
+          </a:p>
+        </p:txBody>
+      </p:sp>
+      <p:grpSp>
+        <p:nvGrpSpPr>
+          <p:cNvPr id="33" name="Group 32">
+            <a:extLst>
+              <a:ext uri="{FF2B5EF4-FFF2-40B4-BE49-F238E27FC236}">
+                <a16:creationId xmlns:a16="http://schemas.microsoft.com/office/drawing/2014/main" id="{6B243068-28FF-46E8-9957-928A88635638}"/>
+              </a:ext>
+            </a:extLst>
+          </p:cNvPr>
+          <p:cNvGrpSpPr/>
+          <p:nvPr/>
+        </p:nvGrpSpPr>
+        <p:grpSpPr>
+          <a:xfrm>
+            <a:off x="10157141" y="1694643"/>
+            <a:ext cx="2509095" cy="3802769"/>
+            <a:chOff x="10157141" y="1694643"/>
+            <a:chExt cx="2509095" cy="3802769"/>
+          </a:xfrm>
+        </p:grpSpPr>
+        <p:sp>
+          <p:nvSpPr>
+            <p:cNvPr id="77" name="Rectangle 76">
+              <a:extLst>
+                <a:ext uri="{FF2B5EF4-FFF2-40B4-BE49-F238E27FC236}">
+                  <a16:creationId xmlns:a16="http://schemas.microsoft.com/office/drawing/2014/main" id="{80D43F0A-BF10-4B84-8375-F2106F11E369}"/>
+                </a:ext>
+              </a:extLst>
+            </p:cNvPr>
+            <p:cNvSpPr>
+              <a:spLocks noChangeAspect="1"/>
+            </p:cNvSpPr>
+            <p:nvPr/>
+          </p:nvSpPr>
+          <p:spPr>
+            <a:xfrm>
+              <a:off x="10246731" y="1694643"/>
+              <a:ext cx="2419505" cy="3739233"/>
+            </a:xfrm>
+            <a:prstGeom prst="rect">
+              <a:avLst/>
+            </a:prstGeom>
+            <a:solidFill>
+              <a:srgbClr val="70AD47">
+                <a:alpha val="50196"/>
+              </a:srgbClr>
+            </a:solidFill>
+          </p:spPr>
+          <p:style>
+            <a:lnRef idx="2">
+              <a:schemeClr val="accent6">
+                <a:shade val="50000"/>
+              </a:schemeClr>
+            </a:lnRef>
+            <a:fillRef idx="1">
+              <a:schemeClr val="accent6"/>
+            </a:fillRef>
+            <a:effectRef idx="0">
+              <a:schemeClr val="accent6"/>
+            </a:effectRef>
+            <a:fontRef idx="minor">
+              <a:schemeClr val="lt1"/>
+            </a:fontRef>
+          </p:style>
+          <p:txBody>
+            <a:bodyPr rot="0" spcFirstLastPara="0" vert="horz" wrap="square" lIns="91440" tIns="45720" rIns="91440" bIns="45720" numCol="1" spcCol="0" rtlCol="0" fromWordArt="0" anchor="t" anchorCtr="0" forceAA="0" compatLnSpc="1">
+              <a:prstTxWarp prst="textNoShape">
+                <a:avLst/>
+              </a:prstTxWarp>
+              <a:noAutofit/>
+            </a:bodyPr>
+            <a:lstStyle>
+              <a:lvl1pPr marL="0" indent="0">
+                <a:defRPr sz="1100">
+                  <a:solidFill>
+                    <a:schemeClr val="lt1"/>
+                  </a:solidFill>
+                  <a:latin typeface="+mn-lt"/>
+                  <a:ea typeface="+mn-ea"/>
+                  <a:cs typeface="+mn-cs"/>
+                </a:defRPr>
+              </a:lvl1pPr>
+              <a:lvl2pPr marL="457200" indent="0">
+                <a:defRPr sz="1100">
+                  <a:solidFill>
+                    <a:schemeClr val="lt1"/>
+                  </a:solidFill>
+                  <a:latin typeface="+mn-lt"/>
+                  <a:ea typeface="+mn-ea"/>
+                  <a:cs typeface="+mn-cs"/>
+                </a:defRPr>
+              </a:lvl2pPr>
+              <a:lvl3pPr marL="914400" indent="0">
+                <a:defRPr sz="1100">
+                  <a:solidFill>
+                    <a:schemeClr val="lt1"/>
+                  </a:solidFill>
+                  <a:latin typeface="+mn-lt"/>
+                  <a:ea typeface="+mn-ea"/>
+                  <a:cs typeface="+mn-cs"/>
+                </a:defRPr>
+              </a:lvl3pPr>
+              <a:lvl4pPr marL="1371600" indent="0">
+                <a:defRPr sz="1100">
+                  <a:solidFill>
+                    <a:schemeClr val="lt1"/>
+                  </a:solidFill>
+                  <a:latin typeface="+mn-lt"/>
+                  <a:ea typeface="+mn-ea"/>
+                  <a:cs typeface="+mn-cs"/>
+                </a:defRPr>
+              </a:lvl4pPr>
+              <a:lvl5pPr marL="1828800" indent="0">
+                <a:defRPr sz="1100">
+                  <a:solidFill>
+                    <a:schemeClr val="lt1"/>
+                  </a:solidFill>
+                  <a:latin typeface="+mn-lt"/>
+                  <a:ea typeface="+mn-ea"/>
+                  <a:cs typeface="+mn-cs"/>
+                </a:defRPr>
+              </a:lvl5pPr>
+              <a:lvl6pPr marL="2286000" indent="0">
+                <a:defRPr sz="1100">
+                  <a:solidFill>
+                    <a:schemeClr val="lt1"/>
+                  </a:solidFill>
+                  <a:latin typeface="+mn-lt"/>
+                  <a:ea typeface="+mn-ea"/>
+                  <a:cs typeface="+mn-cs"/>
+                </a:defRPr>
+              </a:lvl6pPr>
+              <a:lvl7pPr marL="2743200" indent="0">
+                <a:defRPr sz="1100">
+                  <a:solidFill>
+                    <a:schemeClr val="lt1"/>
+                  </a:solidFill>
+                  <a:latin typeface="+mn-lt"/>
+                  <a:ea typeface="+mn-ea"/>
+                  <a:cs typeface="+mn-cs"/>
+                </a:defRPr>
+              </a:lvl7pPr>
+              <a:lvl8pPr marL="3200400" indent="0">
+                <a:defRPr sz="1100">
+                  <a:solidFill>
+                    <a:schemeClr val="lt1"/>
+                  </a:solidFill>
+                  <a:latin typeface="+mn-lt"/>
+                  <a:ea typeface="+mn-ea"/>
+                  <a:cs typeface="+mn-cs"/>
+                </a:defRPr>
+              </a:lvl8pPr>
+              <a:lvl9pPr marL="3657600" indent="0">
+                <a:defRPr sz="1100">
+                  <a:solidFill>
+                    <a:schemeClr val="lt1"/>
+                  </a:solidFill>
+                  <a:latin typeface="+mn-lt"/>
+                  <a:ea typeface="+mn-ea"/>
+                  <a:cs typeface="+mn-cs"/>
+                </a:defRPr>
+              </a:lvl9pPr>
+            </a:lstStyle>
+            <a:p>
+              <a:pPr algn="l"/>
+              <a:endParaRPr lang="en-US" sz="1100" dirty="0"/>
+            </a:p>
+          </p:txBody>
+        </p:sp>
+        <p:sp>
+          <p:nvSpPr>
+            <p:cNvPr id="69" name="Rectangle 68">
+              <a:extLst>
+                <a:ext uri="{FF2B5EF4-FFF2-40B4-BE49-F238E27FC236}">
+                  <a16:creationId xmlns:a16="http://schemas.microsoft.com/office/drawing/2014/main" id="{631129B7-26B5-4A5C-BE37-79099F7FBBA7}"/>
+                </a:ext>
+              </a:extLst>
+            </p:cNvPr>
+            <p:cNvSpPr>
+              <a:spLocks noChangeAspect="1"/>
+            </p:cNvSpPr>
+            <p:nvPr/>
+          </p:nvSpPr>
+          <p:spPr>
+            <a:xfrm>
+              <a:off x="11045008" y="2666856"/>
+              <a:ext cx="822960" cy="1828800"/>
+            </a:xfrm>
+            <a:prstGeom prst="rect">
+              <a:avLst/>
+            </a:prstGeom>
+          </p:spPr>
+          <p:style>
+            <a:lnRef idx="2">
+              <a:schemeClr val="accent1">
+                <a:shade val="50000"/>
+              </a:schemeClr>
+            </a:lnRef>
+            <a:fillRef idx="1">
+              <a:schemeClr val="accent1"/>
+            </a:fillRef>
+            <a:effectRef idx="0">
+              <a:schemeClr val="accent1"/>
+            </a:effectRef>
+            <a:fontRef idx="minor">
+              <a:schemeClr val="lt1"/>
+            </a:fontRef>
+          </p:style>
+          <p:txBody>
+            <a:bodyPr rot="0" spcFirstLastPara="0" vert="horz" wrap="square" lIns="91440" tIns="45720" rIns="91440" bIns="45720" numCol="1" spcCol="0" rtlCol="0" fromWordArt="0" anchor="t" anchorCtr="0" forceAA="0" compatLnSpc="1">
+              <a:prstTxWarp prst="textNoShape">
+                <a:avLst/>
+              </a:prstTxWarp>
+              <a:noAutofit/>
+            </a:bodyPr>
+            <a:lstStyle>
+              <a:lvl1pPr marL="0" indent="0">
+                <a:defRPr sz="1100">
+                  <a:solidFill>
+                    <a:schemeClr val="lt1"/>
+                  </a:solidFill>
+                  <a:latin typeface="+mn-lt"/>
+                  <a:ea typeface="+mn-ea"/>
+                  <a:cs typeface="+mn-cs"/>
+                </a:defRPr>
+              </a:lvl1pPr>
+              <a:lvl2pPr marL="457200" indent="0">
+                <a:defRPr sz="1100">
+                  <a:solidFill>
+                    <a:schemeClr val="lt1"/>
+                  </a:solidFill>
+                  <a:latin typeface="+mn-lt"/>
+                  <a:ea typeface="+mn-ea"/>
+                  <a:cs typeface="+mn-cs"/>
+                </a:defRPr>
+              </a:lvl2pPr>
+              <a:lvl3pPr marL="914400" indent="0">
+                <a:defRPr sz="1100">
+                  <a:solidFill>
+                    <a:schemeClr val="lt1"/>
+                  </a:solidFill>
+                  <a:latin typeface="+mn-lt"/>
+                  <a:ea typeface="+mn-ea"/>
+                  <a:cs typeface="+mn-cs"/>
+                </a:defRPr>
+              </a:lvl3pPr>
+              <a:lvl4pPr marL="1371600" indent="0">
+                <a:defRPr sz="1100">
+                  <a:solidFill>
+                    <a:schemeClr val="lt1"/>
+                  </a:solidFill>
+                  <a:latin typeface="+mn-lt"/>
+                  <a:ea typeface="+mn-ea"/>
+                  <a:cs typeface="+mn-cs"/>
+                </a:defRPr>
+              </a:lvl4pPr>
+              <a:lvl5pPr marL="1828800" indent="0">
+                <a:defRPr sz="1100">
+                  <a:solidFill>
+                    <a:schemeClr val="lt1"/>
+                  </a:solidFill>
+                  <a:latin typeface="+mn-lt"/>
+                  <a:ea typeface="+mn-ea"/>
+                  <a:cs typeface="+mn-cs"/>
+                </a:defRPr>
+              </a:lvl5pPr>
+              <a:lvl6pPr marL="2286000" indent="0">
+                <a:defRPr sz="1100">
+                  <a:solidFill>
+                    <a:schemeClr val="lt1"/>
+                  </a:solidFill>
+                  <a:latin typeface="+mn-lt"/>
+                  <a:ea typeface="+mn-ea"/>
+                  <a:cs typeface="+mn-cs"/>
+                </a:defRPr>
+              </a:lvl6pPr>
+              <a:lvl7pPr marL="2743200" indent="0">
+                <a:defRPr sz="1100">
+                  <a:solidFill>
+                    <a:schemeClr val="lt1"/>
+                  </a:solidFill>
+                  <a:latin typeface="+mn-lt"/>
+                  <a:ea typeface="+mn-ea"/>
+                  <a:cs typeface="+mn-cs"/>
+                </a:defRPr>
+              </a:lvl7pPr>
+              <a:lvl8pPr marL="3200400" indent="0">
+                <a:defRPr sz="1100">
+                  <a:solidFill>
+                    <a:schemeClr val="lt1"/>
+                  </a:solidFill>
+                  <a:latin typeface="+mn-lt"/>
+                  <a:ea typeface="+mn-ea"/>
+                  <a:cs typeface="+mn-cs"/>
+                </a:defRPr>
+              </a:lvl8pPr>
+              <a:lvl9pPr marL="3657600" indent="0">
+                <a:defRPr sz="1100">
+                  <a:solidFill>
+                    <a:schemeClr val="lt1"/>
+                  </a:solidFill>
+                  <a:latin typeface="+mn-lt"/>
+                  <a:ea typeface="+mn-ea"/>
+                  <a:cs typeface="+mn-cs"/>
+                </a:defRPr>
+              </a:lvl9pPr>
+            </a:lstStyle>
+            <a:p>
+              <a:pPr algn="l"/>
+              <a:endParaRPr lang="en-US" sz="1100"/>
+            </a:p>
+          </p:txBody>
+        </p:sp>
+        <p:sp>
+          <p:nvSpPr>
+            <p:cNvPr id="70" name="Rectangle 69">
+              <a:extLst>
+                <a:ext uri="{FF2B5EF4-FFF2-40B4-BE49-F238E27FC236}">
+                  <a16:creationId xmlns:a16="http://schemas.microsoft.com/office/drawing/2014/main" id="{BFE60935-6262-4898-BD70-8AA154A41B5D}"/>
+                </a:ext>
+              </a:extLst>
+            </p:cNvPr>
+            <p:cNvSpPr>
+              <a:spLocks noChangeAspect="1"/>
+            </p:cNvSpPr>
+            <p:nvPr/>
+          </p:nvSpPr>
+          <p:spPr>
+            <a:xfrm>
+              <a:off x="11045004" y="2942021"/>
+              <a:ext cx="822961" cy="1271848"/>
+            </a:xfrm>
+            <a:prstGeom prst="rect">
+              <a:avLst/>
+            </a:prstGeom>
+          </p:spPr>
+          <p:style>
+            <a:lnRef idx="2">
+              <a:schemeClr val="accent6">
+                <a:shade val="50000"/>
+              </a:schemeClr>
+            </a:lnRef>
+            <a:fillRef idx="1">
+              <a:schemeClr val="accent6"/>
+            </a:fillRef>
+            <a:effectRef idx="0">
+              <a:schemeClr val="accent6"/>
+            </a:effectRef>
+            <a:fontRef idx="minor">
+              <a:schemeClr val="lt1"/>
+            </a:fontRef>
+          </p:style>
+          <p:txBody>
+            <a:bodyPr rot="0" spcFirstLastPara="0" vert="horz" wrap="square" lIns="91440" tIns="45720" rIns="91440" bIns="45720" numCol="1" spcCol="0" rtlCol="0" fromWordArt="0" anchor="t" anchorCtr="0" forceAA="0" compatLnSpc="1">
+              <a:prstTxWarp prst="textNoShape">
+                <a:avLst/>
+              </a:prstTxWarp>
+              <a:noAutofit/>
+            </a:bodyPr>
+            <a:lstStyle>
+              <a:lvl1pPr marL="0" indent="0">
+                <a:defRPr sz="1100">
+                  <a:solidFill>
+                    <a:schemeClr val="lt1"/>
+                  </a:solidFill>
+                  <a:latin typeface="+mn-lt"/>
+                  <a:ea typeface="+mn-ea"/>
+                  <a:cs typeface="+mn-cs"/>
+                </a:defRPr>
+              </a:lvl1pPr>
+              <a:lvl2pPr marL="457200" indent="0">
+                <a:defRPr sz="1100">
+                  <a:solidFill>
+                    <a:schemeClr val="lt1"/>
+                  </a:solidFill>
+                  <a:latin typeface="+mn-lt"/>
+                  <a:ea typeface="+mn-ea"/>
+                  <a:cs typeface="+mn-cs"/>
+                </a:defRPr>
+              </a:lvl2pPr>
+              <a:lvl3pPr marL="914400" indent="0">
+                <a:defRPr sz="1100">
+                  <a:solidFill>
+                    <a:schemeClr val="lt1"/>
+                  </a:solidFill>
+                  <a:latin typeface="+mn-lt"/>
+                  <a:ea typeface="+mn-ea"/>
+                  <a:cs typeface="+mn-cs"/>
+                </a:defRPr>
+              </a:lvl3pPr>
+              <a:lvl4pPr marL="1371600" indent="0">
+                <a:defRPr sz="1100">
+                  <a:solidFill>
+                    <a:schemeClr val="lt1"/>
+                  </a:solidFill>
+                  <a:latin typeface="+mn-lt"/>
+                  <a:ea typeface="+mn-ea"/>
+                  <a:cs typeface="+mn-cs"/>
+                </a:defRPr>
+              </a:lvl4pPr>
+              <a:lvl5pPr marL="1828800" indent="0">
+                <a:defRPr sz="1100">
+                  <a:solidFill>
+                    <a:schemeClr val="lt1"/>
+                  </a:solidFill>
+                  <a:latin typeface="+mn-lt"/>
+                  <a:ea typeface="+mn-ea"/>
+                  <a:cs typeface="+mn-cs"/>
+                </a:defRPr>
+              </a:lvl5pPr>
+              <a:lvl6pPr marL="2286000" indent="0">
+                <a:defRPr sz="1100">
+                  <a:solidFill>
+                    <a:schemeClr val="lt1"/>
+                  </a:solidFill>
+                  <a:latin typeface="+mn-lt"/>
+                  <a:ea typeface="+mn-ea"/>
+                  <a:cs typeface="+mn-cs"/>
+                </a:defRPr>
+              </a:lvl6pPr>
+              <a:lvl7pPr marL="2743200" indent="0">
+                <a:defRPr sz="1100">
+                  <a:solidFill>
+                    <a:schemeClr val="lt1"/>
+                  </a:solidFill>
+                  <a:latin typeface="+mn-lt"/>
+                  <a:ea typeface="+mn-ea"/>
+                  <a:cs typeface="+mn-cs"/>
+                </a:defRPr>
+              </a:lvl7pPr>
+              <a:lvl8pPr marL="3200400" indent="0">
+                <a:defRPr sz="1100">
+                  <a:solidFill>
+                    <a:schemeClr val="lt1"/>
+                  </a:solidFill>
+                  <a:latin typeface="+mn-lt"/>
+                  <a:ea typeface="+mn-ea"/>
+                  <a:cs typeface="+mn-cs"/>
+                </a:defRPr>
+              </a:lvl8pPr>
+              <a:lvl9pPr marL="3657600" indent="0">
+                <a:defRPr sz="1100">
+                  <a:solidFill>
+                    <a:schemeClr val="lt1"/>
+                  </a:solidFill>
+                  <a:latin typeface="+mn-lt"/>
+                  <a:ea typeface="+mn-ea"/>
+                  <a:cs typeface="+mn-cs"/>
+                </a:defRPr>
+              </a:lvl9pPr>
+            </a:lstStyle>
+            <a:p>
+              <a:pPr algn="l"/>
+              <a:endParaRPr lang="en-US" sz="1100" dirty="0"/>
+            </a:p>
+          </p:txBody>
+        </p:sp>
+        <p:sp>
+          <p:nvSpPr>
+            <p:cNvPr id="32" name="Rectangle 31">
+              <a:extLst>
+                <a:ext uri="{FF2B5EF4-FFF2-40B4-BE49-F238E27FC236}">
+                  <a16:creationId xmlns:a16="http://schemas.microsoft.com/office/drawing/2014/main" id="{E81E97BE-72AE-48C2-9A34-5181ABD2D42D}"/>
+                </a:ext>
+              </a:extLst>
+            </p:cNvPr>
+            <p:cNvSpPr/>
+            <p:nvPr/>
+          </p:nvSpPr>
+          <p:spPr>
+            <a:xfrm>
+              <a:off x="10976115" y="3994526"/>
+              <a:ext cx="415498" cy="246221"/>
+            </a:xfrm>
+            <a:prstGeom prst="rect">
+              <a:avLst/>
+            </a:prstGeom>
+          </p:spPr>
+          <p:txBody>
+            <a:bodyPr wrap="none">
+              <a:spAutoFit/>
+            </a:bodyPr>
+            <a:lstStyle/>
+            <a:p>
+              <a:r>
+                <a:rPr lang="en-US" sz="1000" i="1" dirty="0">
+                  <a:solidFill>
+                    <a:srgbClr val="0000FF"/>
+                  </a:solidFill>
+                  <a:latin typeface="Courier New" panose="02070309020205020404" pitchFamily="49" charset="0"/>
+                  <a:cs typeface="Courier New" panose="02070309020205020404" pitchFamily="49" charset="0"/>
+                </a:rPr>
+                <a:t>34%</a:t>
+              </a:r>
+              <a:endParaRPr lang="en-US" sz="1000" dirty="0"/>
+            </a:p>
+          </p:txBody>
+        </p:sp>
+        <p:sp>
+          <p:nvSpPr>
+            <p:cNvPr id="84" name="Rectangle 83">
+              <a:extLst>
+                <a:ext uri="{FF2B5EF4-FFF2-40B4-BE49-F238E27FC236}">
+                  <a16:creationId xmlns:a16="http://schemas.microsoft.com/office/drawing/2014/main" id="{6066A8E0-EAD7-4F8D-A716-93E450ED9B8E}"/>
+                </a:ext>
+              </a:extLst>
+            </p:cNvPr>
+            <p:cNvSpPr/>
+            <p:nvPr/>
+          </p:nvSpPr>
+          <p:spPr>
+            <a:xfrm>
+              <a:off x="10157141" y="5251191"/>
+              <a:ext cx="492443" cy="246221"/>
+            </a:xfrm>
+            <a:prstGeom prst="rect">
+              <a:avLst/>
+            </a:prstGeom>
+          </p:spPr>
+          <p:txBody>
+            <a:bodyPr wrap="none">
+              <a:spAutoFit/>
+            </a:bodyPr>
+            <a:lstStyle/>
+            <a:p>
+              <a:r>
+                <a:rPr lang="en-US" sz="1000" i="1" dirty="0">
+                  <a:solidFill>
+                    <a:srgbClr val="0000FF"/>
+                  </a:solidFill>
+                  <a:latin typeface="Courier New" panose="02070309020205020404" pitchFamily="49" charset="0"/>
+                  <a:cs typeface="Courier New" panose="02070309020205020404" pitchFamily="49" charset="0"/>
+                </a:rPr>
+                <a:t>100%</a:t>
+              </a:r>
+              <a:endParaRPr lang="en-US" sz="1000" dirty="0"/>
+            </a:p>
+          </p:txBody>
+        </p:sp>
+      </p:grpSp>
     </p:spTree>
     <p:extLst>
       <p:ext uri="{BB962C8B-B14F-4D97-AF65-F5344CB8AC3E}">
@@ -9522,7 +11241,7 @@
         </p:nvSpPr>
         <p:spPr>
           <a:xfrm>
-            <a:off x="2387406" y="451398"/>
+            <a:off x="2330256" y="4718598"/>
             <a:ext cx="4999671" cy="646331"/>
           </a:xfrm>
           <a:prstGeom prst="rect">
@@ -9563,7 +11282,7 @@
         </p:nvSpPr>
         <p:spPr>
           <a:xfrm>
-            <a:off x="2387406" y="3798182"/>
+            <a:off x="2330256" y="8065382"/>
             <a:ext cx="6837193" cy="646331"/>
           </a:xfrm>
           <a:prstGeom prst="rect">
@@ -9667,7 +11386,7 @@
         </p:nvSpPr>
         <p:spPr>
           <a:xfrm>
-            <a:off x="2387406" y="4590284"/>
+            <a:off x="2330256" y="8857484"/>
             <a:ext cx="3453959" cy="830997"/>
           </a:xfrm>
           <a:prstGeom prst="rect">
@@ -9742,7 +11461,7 @@
         </p:nvSpPr>
         <p:spPr>
           <a:xfrm>
-            <a:off x="2387406" y="5567052"/>
+            <a:off x="2330256" y="9834252"/>
             <a:ext cx="4447500" cy="1200329"/>
           </a:xfrm>
           <a:prstGeom prst="rect">
@@ -9877,7 +11596,7 @@
         </p:nvSpPr>
         <p:spPr>
           <a:xfrm>
-            <a:off x="2387406" y="7005485"/>
+            <a:off x="2330256" y="11272685"/>
             <a:ext cx="2490297" cy="461665"/>
           </a:xfrm>
           <a:prstGeom prst="rect">
@@ -9951,7 +11670,7 @@
         </p:nvSpPr>
         <p:spPr>
           <a:xfrm>
-            <a:off x="4381085" y="774563"/>
+            <a:off x="4323935" y="5041763"/>
             <a:ext cx="5594888" cy="1921790"/>
           </a:xfrm>
           <a:custGeom>
@@ -10058,13 +11777,13 @@
           <p:nvPr>
             <p:extLst>
               <p:ext uri="{D42A27DB-BD31-4B8C-83A1-F6EECF244321}">
-                <p14:modId xmlns:p14="http://schemas.microsoft.com/office/powerpoint/2010/main" val="3711380215"/>
+                <p14:modId xmlns:p14="http://schemas.microsoft.com/office/powerpoint/2010/main" val="3621019182"/>
               </p:ext>
             </p:extLst>
           </p:nvPr>
         </p:nvGraphicFramePr>
         <p:xfrm>
-          <a:off x="2037812" y="924353"/>
+          <a:off x="1980662" y="5191553"/>
           <a:ext cx="5594888" cy="822960"/>
         </p:xfrm>
         <a:graphic>
@@ -10397,6 +12116,435 @@
           </a:graphicData>
         </a:graphic>
       </p:graphicFrame>
+      <p:sp>
+        <p:nvSpPr>
+          <p:cNvPr id="8" name="TextBox 7">
+            <a:extLst>
+              <a:ext uri="{FF2B5EF4-FFF2-40B4-BE49-F238E27FC236}">
+                <a16:creationId xmlns:a16="http://schemas.microsoft.com/office/drawing/2014/main" id="{EA9D680C-9FE0-44A7-920B-A21EC85C951A}"/>
+              </a:ext>
+            </a:extLst>
+          </p:cNvPr>
+          <p:cNvSpPr txBox="1"/>
+          <p:nvPr/>
+        </p:nvSpPr>
+        <p:spPr>
+          <a:xfrm>
+            <a:off x="8897664" y="11734350"/>
+            <a:ext cx="1463862" cy="461665"/>
+          </a:xfrm>
+          <a:prstGeom prst="rect">
+            <a:avLst/>
+          </a:prstGeom>
+          <a:noFill/>
+        </p:spPr>
+        <p:txBody>
+          <a:bodyPr wrap="none" rtlCol="0">
+            <a:spAutoFit/>
+          </a:bodyPr>
+          <a:lstStyle/>
+          <a:p>
+            <a:r>
+              <a:rPr lang="en-US" sz="1200" i="1" dirty="0"/>
+              <a:t>Actual North Display</a:t>
+            </a:r>
+          </a:p>
+          <a:p>
+            <a:r>
+              <a:rPr lang="en-US" sz="1200" i="1" dirty="0"/>
+              <a:t>Actual Scale Display</a:t>
+            </a:r>
+          </a:p>
+        </p:txBody>
+      </p:sp>
+      <p:grpSp>
+        <p:nvGrpSpPr>
+          <p:cNvPr id="10" name="Group 9">
+            <a:extLst>
+              <a:ext uri="{FF2B5EF4-FFF2-40B4-BE49-F238E27FC236}">
+                <a16:creationId xmlns:a16="http://schemas.microsoft.com/office/drawing/2014/main" id="{D8782D18-00BF-4A11-B956-6BCA39674EC2}"/>
+              </a:ext>
+            </a:extLst>
+          </p:cNvPr>
+          <p:cNvGrpSpPr/>
+          <p:nvPr/>
+        </p:nvGrpSpPr>
+        <p:grpSpPr>
+          <a:xfrm>
+            <a:off x="4699367" y="445462"/>
+            <a:ext cx="2592045" cy="3739233"/>
+            <a:chOff x="10074191" y="1694643"/>
+            <a:chExt cx="2592045" cy="3739233"/>
+          </a:xfrm>
+        </p:grpSpPr>
+        <p:sp>
+          <p:nvSpPr>
+            <p:cNvPr id="12" name="Rectangle 11">
+              <a:extLst>
+                <a:ext uri="{FF2B5EF4-FFF2-40B4-BE49-F238E27FC236}">
+                  <a16:creationId xmlns:a16="http://schemas.microsoft.com/office/drawing/2014/main" id="{1ED519AE-6F79-414D-8522-B4AFB0E1F835}"/>
+                </a:ext>
+              </a:extLst>
+            </p:cNvPr>
+            <p:cNvSpPr>
+              <a:spLocks noChangeAspect="1"/>
+            </p:cNvSpPr>
+            <p:nvPr/>
+          </p:nvSpPr>
+          <p:spPr>
+            <a:xfrm rot="240000">
+              <a:off x="10246731" y="1694643"/>
+              <a:ext cx="2419505" cy="3739233"/>
+            </a:xfrm>
+            <a:prstGeom prst="rect">
+              <a:avLst/>
+            </a:prstGeom>
+            <a:solidFill>
+              <a:srgbClr val="70AD47"/>
+            </a:solidFill>
+          </p:spPr>
+          <p:style>
+            <a:lnRef idx="2">
+              <a:schemeClr val="accent6">
+                <a:shade val="50000"/>
+              </a:schemeClr>
+            </a:lnRef>
+            <a:fillRef idx="1">
+              <a:schemeClr val="accent6"/>
+            </a:fillRef>
+            <a:effectRef idx="0">
+              <a:schemeClr val="accent6"/>
+            </a:effectRef>
+            <a:fontRef idx="minor">
+              <a:schemeClr val="lt1"/>
+            </a:fontRef>
+          </p:style>
+          <p:txBody>
+            <a:bodyPr rot="0" spcFirstLastPara="0" vert="horz" wrap="square" lIns="91440" tIns="45720" rIns="91440" bIns="45720" numCol="1" spcCol="0" rtlCol="0" fromWordArt="0" anchor="t" anchorCtr="0" forceAA="0" compatLnSpc="1">
+              <a:prstTxWarp prst="textNoShape">
+                <a:avLst/>
+              </a:prstTxWarp>
+              <a:noAutofit/>
+            </a:bodyPr>
+            <a:lstStyle>
+              <a:lvl1pPr marL="0" indent="0">
+                <a:defRPr sz="1100">
+                  <a:solidFill>
+                    <a:schemeClr val="lt1"/>
+                  </a:solidFill>
+                  <a:latin typeface="+mn-lt"/>
+                  <a:ea typeface="+mn-ea"/>
+                  <a:cs typeface="+mn-cs"/>
+                </a:defRPr>
+              </a:lvl1pPr>
+              <a:lvl2pPr marL="457200" indent="0">
+                <a:defRPr sz="1100">
+                  <a:solidFill>
+                    <a:schemeClr val="lt1"/>
+                  </a:solidFill>
+                  <a:latin typeface="+mn-lt"/>
+                  <a:ea typeface="+mn-ea"/>
+                  <a:cs typeface="+mn-cs"/>
+                </a:defRPr>
+              </a:lvl2pPr>
+              <a:lvl3pPr marL="914400" indent="0">
+                <a:defRPr sz="1100">
+                  <a:solidFill>
+                    <a:schemeClr val="lt1"/>
+                  </a:solidFill>
+                  <a:latin typeface="+mn-lt"/>
+                  <a:ea typeface="+mn-ea"/>
+                  <a:cs typeface="+mn-cs"/>
+                </a:defRPr>
+              </a:lvl3pPr>
+              <a:lvl4pPr marL="1371600" indent="0">
+                <a:defRPr sz="1100">
+                  <a:solidFill>
+                    <a:schemeClr val="lt1"/>
+                  </a:solidFill>
+                  <a:latin typeface="+mn-lt"/>
+                  <a:ea typeface="+mn-ea"/>
+                  <a:cs typeface="+mn-cs"/>
+                </a:defRPr>
+              </a:lvl4pPr>
+              <a:lvl5pPr marL="1828800" indent="0">
+                <a:defRPr sz="1100">
+                  <a:solidFill>
+                    <a:schemeClr val="lt1"/>
+                  </a:solidFill>
+                  <a:latin typeface="+mn-lt"/>
+                  <a:ea typeface="+mn-ea"/>
+                  <a:cs typeface="+mn-cs"/>
+                </a:defRPr>
+              </a:lvl5pPr>
+              <a:lvl6pPr marL="2286000" indent="0">
+                <a:defRPr sz="1100">
+                  <a:solidFill>
+                    <a:schemeClr val="lt1"/>
+                  </a:solidFill>
+                  <a:latin typeface="+mn-lt"/>
+                  <a:ea typeface="+mn-ea"/>
+                  <a:cs typeface="+mn-cs"/>
+                </a:defRPr>
+              </a:lvl6pPr>
+              <a:lvl7pPr marL="2743200" indent="0">
+                <a:defRPr sz="1100">
+                  <a:solidFill>
+                    <a:schemeClr val="lt1"/>
+                  </a:solidFill>
+                  <a:latin typeface="+mn-lt"/>
+                  <a:ea typeface="+mn-ea"/>
+                  <a:cs typeface="+mn-cs"/>
+                </a:defRPr>
+              </a:lvl7pPr>
+              <a:lvl8pPr marL="3200400" indent="0">
+                <a:defRPr sz="1100">
+                  <a:solidFill>
+                    <a:schemeClr val="lt1"/>
+                  </a:solidFill>
+                  <a:latin typeface="+mn-lt"/>
+                  <a:ea typeface="+mn-ea"/>
+                  <a:cs typeface="+mn-cs"/>
+                </a:defRPr>
+              </a:lvl8pPr>
+              <a:lvl9pPr marL="3657600" indent="0">
+                <a:defRPr sz="1100">
+                  <a:solidFill>
+                    <a:schemeClr val="lt1"/>
+                  </a:solidFill>
+                  <a:latin typeface="+mn-lt"/>
+                  <a:ea typeface="+mn-ea"/>
+                  <a:cs typeface="+mn-cs"/>
+                </a:defRPr>
+              </a:lvl9pPr>
+            </a:lstStyle>
+            <a:p>
+              <a:pPr algn="l"/>
+              <a:endParaRPr lang="en-US" sz="1100" dirty="0"/>
+            </a:p>
+          </p:txBody>
+        </p:sp>
+        <p:sp>
+          <p:nvSpPr>
+            <p:cNvPr id="13" name="Rectangle 12">
+              <a:extLst>
+                <a:ext uri="{FF2B5EF4-FFF2-40B4-BE49-F238E27FC236}">
+                  <a16:creationId xmlns:a16="http://schemas.microsoft.com/office/drawing/2014/main" id="{C358444A-B506-49F9-BA0D-9EC3061A090F}"/>
+                </a:ext>
+              </a:extLst>
+            </p:cNvPr>
+            <p:cNvSpPr>
+              <a:spLocks noChangeAspect="1"/>
+            </p:cNvSpPr>
+            <p:nvPr/>
+          </p:nvSpPr>
+          <p:spPr>
+            <a:xfrm>
+              <a:off x="11045008" y="2666856"/>
+              <a:ext cx="822960" cy="1828800"/>
+            </a:xfrm>
+            <a:prstGeom prst="rect">
+              <a:avLst/>
+            </a:prstGeom>
+          </p:spPr>
+          <p:style>
+            <a:lnRef idx="2">
+              <a:schemeClr val="accent1">
+                <a:shade val="50000"/>
+              </a:schemeClr>
+            </a:lnRef>
+            <a:fillRef idx="1">
+              <a:schemeClr val="accent1"/>
+            </a:fillRef>
+            <a:effectRef idx="0">
+              <a:schemeClr val="accent1"/>
+            </a:effectRef>
+            <a:fontRef idx="minor">
+              <a:schemeClr val="lt1"/>
+            </a:fontRef>
+          </p:style>
+          <p:txBody>
+            <a:bodyPr rot="0" spcFirstLastPara="0" vert="horz" wrap="square" lIns="91440" tIns="45720" rIns="91440" bIns="45720" numCol="1" spcCol="0" rtlCol="0" fromWordArt="0" anchor="t" anchorCtr="0" forceAA="0" compatLnSpc="1">
+              <a:prstTxWarp prst="textNoShape">
+                <a:avLst/>
+              </a:prstTxWarp>
+              <a:noAutofit/>
+            </a:bodyPr>
+            <a:lstStyle>
+              <a:lvl1pPr marL="0" indent="0">
+                <a:defRPr sz="1100">
+                  <a:solidFill>
+                    <a:schemeClr val="lt1"/>
+                  </a:solidFill>
+                  <a:latin typeface="+mn-lt"/>
+                  <a:ea typeface="+mn-ea"/>
+                  <a:cs typeface="+mn-cs"/>
+                </a:defRPr>
+              </a:lvl1pPr>
+              <a:lvl2pPr marL="457200" indent="0">
+                <a:defRPr sz="1100">
+                  <a:solidFill>
+                    <a:schemeClr val="lt1"/>
+                  </a:solidFill>
+                  <a:latin typeface="+mn-lt"/>
+                  <a:ea typeface="+mn-ea"/>
+                  <a:cs typeface="+mn-cs"/>
+                </a:defRPr>
+              </a:lvl2pPr>
+              <a:lvl3pPr marL="914400" indent="0">
+                <a:defRPr sz="1100">
+                  <a:solidFill>
+                    <a:schemeClr val="lt1"/>
+                  </a:solidFill>
+                  <a:latin typeface="+mn-lt"/>
+                  <a:ea typeface="+mn-ea"/>
+                  <a:cs typeface="+mn-cs"/>
+                </a:defRPr>
+              </a:lvl3pPr>
+              <a:lvl4pPr marL="1371600" indent="0">
+                <a:defRPr sz="1100">
+                  <a:solidFill>
+                    <a:schemeClr val="lt1"/>
+                  </a:solidFill>
+                  <a:latin typeface="+mn-lt"/>
+                  <a:ea typeface="+mn-ea"/>
+                  <a:cs typeface="+mn-cs"/>
+                </a:defRPr>
+              </a:lvl4pPr>
+              <a:lvl5pPr marL="1828800" indent="0">
+                <a:defRPr sz="1100">
+                  <a:solidFill>
+                    <a:schemeClr val="lt1"/>
+                  </a:solidFill>
+                  <a:latin typeface="+mn-lt"/>
+                  <a:ea typeface="+mn-ea"/>
+                  <a:cs typeface="+mn-cs"/>
+                </a:defRPr>
+              </a:lvl5pPr>
+              <a:lvl6pPr marL="2286000" indent="0">
+                <a:defRPr sz="1100">
+                  <a:solidFill>
+                    <a:schemeClr val="lt1"/>
+                  </a:solidFill>
+                  <a:latin typeface="+mn-lt"/>
+                  <a:ea typeface="+mn-ea"/>
+                  <a:cs typeface="+mn-cs"/>
+                </a:defRPr>
+              </a:lvl6pPr>
+              <a:lvl7pPr marL="2743200" indent="0">
+                <a:defRPr sz="1100">
+                  <a:solidFill>
+                    <a:schemeClr val="lt1"/>
+                  </a:solidFill>
+                  <a:latin typeface="+mn-lt"/>
+                  <a:ea typeface="+mn-ea"/>
+                  <a:cs typeface="+mn-cs"/>
+                </a:defRPr>
+              </a:lvl7pPr>
+              <a:lvl8pPr marL="3200400" indent="0">
+                <a:defRPr sz="1100">
+                  <a:solidFill>
+                    <a:schemeClr val="lt1"/>
+                  </a:solidFill>
+                  <a:latin typeface="+mn-lt"/>
+                  <a:ea typeface="+mn-ea"/>
+                  <a:cs typeface="+mn-cs"/>
+                </a:defRPr>
+              </a:lvl8pPr>
+              <a:lvl9pPr marL="3657600" indent="0">
+                <a:defRPr sz="1100">
+                  <a:solidFill>
+                    <a:schemeClr val="lt1"/>
+                  </a:solidFill>
+                  <a:latin typeface="+mn-lt"/>
+                  <a:ea typeface="+mn-ea"/>
+                  <a:cs typeface="+mn-cs"/>
+                </a:defRPr>
+              </a:lvl9pPr>
+            </a:lstStyle>
+            <a:p>
+              <a:pPr algn="l"/>
+              <a:endParaRPr lang="en-US" sz="1100"/>
+            </a:p>
+          </p:txBody>
+        </p:sp>
+        <p:sp>
+          <p:nvSpPr>
+            <p:cNvPr id="14" name="Rectangle 13">
+              <a:extLst>
+                <a:ext uri="{FF2B5EF4-FFF2-40B4-BE49-F238E27FC236}">
+                  <a16:creationId xmlns:a16="http://schemas.microsoft.com/office/drawing/2014/main" id="{61756F0C-32AB-4790-86C8-6040EA37F094}"/>
+                </a:ext>
+              </a:extLst>
+            </p:cNvPr>
+            <p:cNvSpPr/>
+            <p:nvPr/>
+          </p:nvSpPr>
+          <p:spPr>
+            <a:xfrm rot="240000">
+              <a:off x="10074191" y="5142456"/>
+              <a:ext cx="492443" cy="246221"/>
+            </a:xfrm>
+            <a:prstGeom prst="rect">
+              <a:avLst/>
+            </a:prstGeom>
+          </p:spPr>
+          <p:txBody>
+            <a:bodyPr wrap="none">
+              <a:spAutoFit/>
+            </a:bodyPr>
+            <a:lstStyle/>
+            <a:p>
+              <a:r>
+                <a:rPr lang="en-US" sz="1000" i="1" dirty="0">
+                  <a:solidFill>
+                    <a:srgbClr val="0000FF"/>
+                  </a:solidFill>
+                  <a:latin typeface="Courier New" panose="02070309020205020404" pitchFamily="49" charset="0"/>
+                  <a:cs typeface="Courier New" panose="02070309020205020404" pitchFamily="49" charset="0"/>
+                </a:rPr>
+                <a:t>100%</a:t>
+              </a:r>
+              <a:endParaRPr lang="en-US" sz="1000" dirty="0"/>
+            </a:p>
+          </p:txBody>
+        </p:sp>
+      </p:grpSp>
+      <p:sp>
+        <p:nvSpPr>
+          <p:cNvPr id="15" name="TextBox 14">
+            <a:extLst>
+              <a:ext uri="{FF2B5EF4-FFF2-40B4-BE49-F238E27FC236}">
+                <a16:creationId xmlns:a16="http://schemas.microsoft.com/office/drawing/2014/main" id="{9B5228FF-6C88-40EF-9DB9-4F6F23A6983E}"/>
+              </a:ext>
+            </a:extLst>
+          </p:cNvPr>
+          <p:cNvSpPr txBox="1"/>
+          <p:nvPr/>
+        </p:nvSpPr>
+        <p:spPr>
+          <a:xfrm>
+            <a:off x="8454961" y="605585"/>
+            <a:ext cx="849079" cy="276999"/>
+          </a:xfrm>
+          <a:prstGeom prst="rect">
+            <a:avLst/>
+          </a:prstGeom>
+          <a:noFill/>
+        </p:spPr>
+        <p:txBody>
+          <a:bodyPr wrap="none" rtlCol="0">
+            <a:spAutoFit/>
+          </a:bodyPr>
+          <a:lstStyle/>
+          <a:p>
+            <a:r>
+              <a:rPr lang="en-US" sz="1200" i="1" dirty="0"/>
+              <a:t>Map setup</a:t>
+            </a:r>
+          </a:p>
+        </p:txBody>
+      </p:sp>
     </p:spTree>
     <p:extLst>
       <p:ext uri="{BB962C8B-B14F-4D97-AF65-F5344CB8AC3E}">

--- a/info-plotting/FlowChart.pptx
+++ b/info-plotting/FlowChart.pptx
@@ -5974,4689 +5974,6 @@
           <a:chExt cx="0" cy="0"/>
         </a:xfrm>
       </p:grpSpPr>
-      <p:sp>
-        <p:nvSpPr>
-          <p:cNvPr id="2" name="TextBox 1">
-            <a:extLst>
-              <a:ext uri="{FF2B5EF4-FFF2-40B4-BE49-F238E27FC236}">
-                <a16:creationId xmlns:a16="http://schemas.microsoft.com/office/drawing/2014/main" id="{BF16C64F-842E-4E5B-A5FB-E401158964A7}"/>
-              </a:ext>
-            </a:extLst>
-          </p:cNvPr>
-          <p:cNvSpPr txBox="1"/>
-          <p:nvPr/>
-        </p:nvSpPr>
-        <p:spPr>
-          <a:xfrm>
-            <a:off x="513925" y="628855"/>
-            <a:ext cx="1690847" cy="646331"/>
-          </a:xfrm>
-          <a:prstGeom prst="rect">
-            <a:avLst/>
-          </a:prstGeom>
-          <a:noFill/>
-        </p:spPr>
-        <p:txBody>
-          <a:bodyPr wrap="none" rtlCol="0">
-            <a:spAutoFit/>
-          </a:bodyPr>
-          <a:lstStyle/>
-          <a:p>
-            <a:r>
-              <a:rPr lang="en-US" sz="1200" dirty="0"/>
-              <a:t>App: opens</a:t>
-            </a:r>
-          </a:p>
-          <a:p>
-            <a:r>
-              <a:rPr lang="en-US" sz="1200" dirty="0"/>
-              <a:t>Sets MAP_NAME=“”</a:t>
-            </a:r>
-          </a:p>
-          <a:p>
-            <a:r>
-              <a:rPr lang="en-US" sz="1200" dirty="0"/>
-              <a:t>Gets system parameters</a:t>
-            </a:r>
-          </a:p>
-        </p:txBody>
-      </p:sp>
-      <p:sp>
-        <p:nvSpPr>
-          <p:cNvPr id="3" name="TextBox 2">
-            <a:extLst>
-              <a:ext uri="{FF2B5EF4-FFF2-40B4-BE49-F238E27FC236}">
-                <a16:creationId xmlns:a16="http://schemas.microsoft.com/office/drawing/2014/main" id="{D2FB0986-A2AB-48A4-8651-EE2E2C5D987B}"/>
-              </a:ext>
-            </a:extLst>
-          </p:cNvPr>
-          <p:cNvSpPr txBox="1"/>
-          <p:nvPr/>
-        </p:nvSpPr>
-        <p:spPr>
-          <a:xfrm>
-            <a:off x="456997" y="101813"/>
-            <a:ext cx="731611" cy="276999"/>
-          </a:xfrm>
-          <a:prstGeom prst="rect">
-            <a:avLst/>
-          </a:prstGeom>
-          <a:noFill/>
-        </p:spPr>
-        <p:txBody>
-          <a:bodyPr wrap="none" rtlCol="0">
-            <a:spAutoFit/>
-          </a:bodyPr>
-          <a:lstStyle/>
-          <a:p>
-            <a:r>
-              <a:rPr lang="en-US" sz="1200" dirty="0"/>
-              <a:t>App icon</a:t>
-            </a:r>
-          </a:p>
-        </p:txBody>
-      </p:sp>
-      <p:cxnSp>
-        <p:nvCxnSpPr>
-          <p:cNvPr id="5" name="Connector: Elbow 4">
-            <a:extLst>
-              <a:ext uri="{FF2B5EF4-FFF2-40B4-BE49-F238E27FC236}">
-                <a16:creationId xmlns:a16="http://schemas.microsoft.com/office/drawing/2014/main" id="{25F3C8D4-D3D5-4902-9CA4-CD0D9D5CC1CF}"/>
-              </a:ext>
-            </a:extLst>
-          </p:cNvPr>
-          <p:cNvCxnSpPr>
-            <a:stCxn id="3" idx="2"/>
-            <a:endCxn id="2" idx="0"/>
-          </p:cNvCxnSpPr>
-          <p:nvPr/>
-        </p:nvCxnSpPr>
-        <p:spPr>
-          <a:xfrm rot="16200000" flipH="1">
-            <a:off x="966055" y="235560"/>
-            <a:ext cx="250043" cy="536546"/>
-          </a:xfrm>
-          <a:prstGeom prst="bentConnector3">
-            <a:avLst>
-              <a:gd name="adj1" fmla="val 50000"/>
-            </a:avLst>
-          </a:prstGeom>
-          <a:ln>
-            <a:tailEnd type="triangle"/>
-          </a:ln>
-        </p:spPr>
-        <p:style>
-          <a:lnRef idx="1">
-            <a:schemeClr val="accent1"/>
-          </a:lnRef>
-          <a:fillRef idx="0">
-            <a:schemeClr val="accent1"/>
-          </a:fillRef>
-          <a:effectRef idx="0">
-            <a:schemeClr val="accent1"/>
-          </a:effectRef>
-          <a:fontRef idx="minor">
-            <a:schemeClr val="tx1"/>
-          </a:fontRef>
-        </p:style>
-      </p:cxnSp>
-      <p:sp>
-        <p:nvSpPr>
-          <p:cNvPr id="7" name="TextBox 6">
-            <a:extLst>
-              <a:ext uri="{FF2B5EF4-FFF2-40B4-BE49-F238E27FC236}">
-                <a16:creationId xmlns:a16="http://schemas.microsoft.com/office/drawing/2014/main" id="{26D8665F-4028-4EE0-BA3D-38778DFF863E}"/>
-              </a:ext>
-            </a:extLst>
-          </p:cNvPr>
-          <p:cNvSpPr txBox="1"/>
-          <p:nvPr/>
-        </p:nvSpPr>
-        <p:spPr>
-          <a:xfrm>
-            <a:off x="487138" y="1552680"/>
-            <a:ext cx="2422458" cy="461665"/>
-          </a:xfrm>
-          <a:prstGeom prst="rect">
-            <a:avLst/>
-          </a:prstGeom>
-          <a:noFill/>
-        </p:spPr>
-        <p:txBody>
-          <a:bodyPr wrap="none" rtlCol="0">
-            <a:spAutoFit/>
-          </a:bodyPr>
-          <a:lstStyle/>
-          <a:p>
-            <a:r>
-              <a:rPr lang="en-US" sz="1200" b="1" dirty="0"/>
-              <a:t>Window POPUP1</a:t>
-            </a:r>
-          </a:p>
-          <a:p>
-            <a:r>
-              <a:rPr lang="en-US" sz="1200" dirty="0"/>
-              <a:t>Load Map (prompt for MAP_NAME)</a:t>
-            </a:r>
-          </a:p>
-        </p:txBody>
-      </p:sp>
-      <p:sp>
-        <p:nvSpPr>
-          <p:cNvPr id="8" name="TextBox 7">
-            <a:extLst>
-              <a:ext uri="{FF2B5EF4-FFF2-40B4-BE49-F238E27FC236}">
-                <a16:creationId xmlns:a16="http://schemas.microsoft.com/office/drawing/2014/main" id="{101117B2-FCF1-487E-A595-5BA52A307157}"/>
-              </a:ext>
-            </a:extLst>
-          </p:cNvPr>
-          <p:cNvSpPr txBox="1"/>
-          <p:nvPr/>
-        </p:nvSpPr>
-        <p:spPr>
-          <a:xfrm>
-            <a:off x="3892903" y="810472"/>
-            <a:ext cx="1633781" cy="276999"/>
-          </a:xfrm>
-          <a:prstGeom prst="rect">
-            <a:avLst/>
-          </a:prstGeom>
-          <a:noFill/>
-        </p:spPr>
-        <p:txBody>
-          <a:bodyPr wrap="none" rtlCol="0">
-            <a:spAutoFit/>
-          </a:bodyPr>
-          <a:lstStyle/>
-          <a:p>
-            <a:r>
-              <a:rPr lang="en-US" sz="1200" b="1" dirty="0"/>
-              <a:t>WIDGET SMILEY </a:t>
-            </a:r>
-            <a:r>
-              <a:rPr lang="en-US" sz="1200" dirty="0"/>
-              <a:t>opens</a:t>
-            </a:r>
-          </a:p>
-        </p:txBody>
-      </p:sp>
-      <p:sp>
-        <p:nvSpPr>
-          <p:cNvPr id="11" name="TextBox 10">
-            <a:extLst>
-              <a:ext uri="{FF2B5EF4-FFF2-40B4-BE49-F238E27FC236}">
-                <a16:creationId xmlns:a16="http://schemas.microsoft.com/office/drawing/2014/main" id="{0B6AFCCD-292A-48CE-988B-920F32E68B41}"/>
-              </a:ext>
-            </a:extLst>
-          </p:cNvPr>
-          <p:cNvSpPr txBox="1"/>
-          <p:nvPr/>
-        </p:nvSpPr>
-        <p:spPr>
-          <a:xfrm>
-            <a:off x="3892903" y="1481139"/>
-            <a:ext cx="3042371" cy="276999"/>
-          </a:xfrm>
-          <a:prstGeom prst="rect">
-            <a:avLst/>
-          </a:prstGeom>
-          <a:noFill/>
-        </p:spPr>
-        <p:txBody>
-          <a:bodyPr wrap="none" rtlCol="0">
-            <a:spAutoFit/>
-          </a:bodyPr>
-          <a:lstStyle/>
-          <a:p>
-            <a:r>
-              <a:rPr lang="en-US" sz="1200" b="1" dirty="0"/>
-              <a:t>WIDGET SMILEY  </a:t>
-            </a:r>
-            <a:r>
-              <a:rPr lang="en-US" sz="1200" dirty="0"/>
-              <a:t>on mouse event DoubleClick</a:t>
-            </a:r>
-          </a:p>
-        </p:txBody>
-      </p:sp>
-      <p:sp>
-        <p:nvSpPr>
-          <p:cNvPr id="12" name="TextBox 11">
-            <a:extLst>
-              <a:ext uri="{FF2B5EF4-FFF2-40B4-BE49-F238E27FC236}">
-                <a16:creationId xmlns:a16="http://schemas.microsoft.com/office/drawing/2014/main" id="{59F6227F-7CC7-460E-864D-DEE2A9369E46}"/>
-              </a:ext>
-            </a:extLst>
-          </p:cNvPr>
-          <p:cNvSpPr txBox="1"/>
-          <p:nvPr/>
-        </p:nvSpPr>
-        <p:spPr>
-          <a:xfrm>
-            <a:off x="8420111" y="129161"/>
-            <a:ext cx="2543110" cy="1015663"/>
-          </a:xfrm>
-          <a:prstGeom prst="rect">
-            <a:avLst/>
-          </a:prstGeom>
-          <a:noFill/>
-        </p:spPr>
-        <p:txBody>
-          <a:bodyPr wrap="square" rtlCol="0">
-            <a:spAutoFit/>
-          </a:bodyPr>
-          <a:lstStyle/>
-          <a:p>
-            <a:r>
-              <a:rPr lang="en-US" sz="1200" b="1" dirty="0"/>
-              <a:t>Routine LOAD_MAP</a:t>
-            </a:r>
-            <a:r>
-              <a:rPr lang="en-US" sz="1200" dirty="0"/>
-              <a:t>(MAP_NAME)</a:t>
-            </a:r>
-          </a:p>
-          <a:p>
-            <a:r>
-              <a:rPr lang="en-US" sz="1200" dirty="0"/>
-              <a:t>sets </a:t>
-            </a:r>
-            <a:r>
-              <a:rPr lang="en-US" sz="1200" dirty="0" err="1"/>
-              <a:t>width_MAP</a:t>
-            </a:r>
-            <a:r>
-              <a:rPr lang="en-US" sz="1200" dirty="0"/>
-              <a:t>, </a:t>
-            </a:r>
-            <a:r>
-              <a:rPr lang="en-US" sz="1200" dirty="0" err="1"/>
-              <a:t>height_Map</a:t>
-            </a:r>
-            <a:endParaRPr lang="en-US" sz="1200" dirty="0"/>
-          </a:p>
-          <a:p>
-            <a:r>
-              <a:rPr lang="en-US" sz="1200" dirty="0"/>
-              <a:t>Sets </a:t>
-            </a:r>
-            <a:r>
-              <a:rPr lang="en-US" sz="1200" dirty="0" err="1"/>
-              <a:t>HorPix_Map</a:t>
-            </a:r>
-            <a:r>
-              <a:rPr lang="en-US" sz="1200" dirty="0"/>
-              <a:t>, </a:t>
-            </a:r>
-            <a:r>
-              <a:rPr lang="en-US" sz="1200" dirty="0" err="1"/>
-              <a:t>VerPix_Map</a:t>
-            </a:r>
-            <a:endParaRPr lang="en-US" sz="1200" dirty="0"/>
-          </a:p>
-          <a:p>
-            <a:r>
-              <a:rPr lang="en-US" sz="1200" dirty="0"/>
-              <a:t>sets MAP_CANVAS_ZERO</a:t>
-            </a:r>
-          </a:p>
-          <a:p>
-            <a:r>
-              <a:rPr lang="en-US" sz="1200" dirty="0" err="1"/>
-              <a:t>inits</a:t>
-            </a:r>
-            <a:r>
-              <a:rPr lang="en-US" sz="1200" dirty="0"/>
-              <a:t> MOVES_CANVAS …</a:t>
-            </a:r>
-          </a:p>
-        </p:txBody>
-      </p:sp>
-      <p:sp>
-        <p:nvSpPr>
-          <p:cNvPr id="13" name="TextBox 12">
-            <a:extLst>
-              <a:ext uri="{FF2B5EF4-FFF2-40B4-BE49-F238E27FC236}">
-                <a16:creationId xmlns:a16="http://schemas.microsoft.com/office/drawing/2014/main" id="{6F1E896F-F34E-4881-9949-E301F05994A8}"/>
-              </a:ext>
-            </a:extLst>
-          </p:cNvPr>
-          <p:cNvSpPr txBox="1"/>
-          <p:nvPr/>
-        </p:nvSpPr>
-        <p:spPr>
-          <a:xfrm>
-            <a:off x="2000340" y="6903962"/>
-            <a:ext cx="2901179" cy="830997"/>
-          </a:xfrm>
-          <a:prstGeom prst="rect">
-            <a:avLst/>
-          </a:prstGeom>
-          <a:noFill/>
-        </p:spPr>
-        <p:txBody>
-          <a:bodyPr wrap="none" rtlCol="0">
-            <a:spAutoFit/>
-          </a:bodyPr>
-          <a:lstStyle/>
-          <a:p>
-            <a:r>
-              <a:rPr lang="en-US" sz="1200" b="1" dirty="0"/>
-              <a:t>Window POPUP2</a:t>
-            </a:r>
-          </a:p>
-          <a:p>
-            <a:r>
-              <a:rPr lang="en-US" sz="1200" dirty="0"/>
-              <a:t>	</a:t>
-            </a:r>
-            <a:r>
-              <a:rPr lang="en-US" sz="1200" dirty="0" err="1"/>
-              <a:t>Point_PROMPT</a:t>
-            </a:r>
-            <a:endParaRPr lang="en-US" sz="1200" dirty="0"/>
-          </a:p>
-          <a:p>
-            <a:r>
-              <a:rPr lang="en-US" sz="1200" dirty="0"/>
-              <a:t>	</a:t>
-            </a:r>
-            <a:r>
-              <a:rPr lang="en-US" sz="1200" dirty="0" err="1"/>
-              <a:t>Latitude_PROMPT</a:t>
-            </a:r>
-            <a:r>
-              <a:rPr lang="en-US" sz="1200" dirty="0"/>
-              <a:t>=</a:t>
-            </a:r>
-            <a:r>
-              <a:rPr lang="en-US" sz="1200" dirty="0" err="1"/>
-              <a:t>Latitude_REF</a:t>
-            </a:r>
-            <a:endParaRPr lang="en-US" sz="1200" dirty="0"/>
-          </a:p>
-          <a:p>
-            <a:r>
-              <a:rPr lang="en-US" sz="1200" dirty="0"/>
-              <a:t>	</a:t>
-            </a:r>
-            <a:r>
-              <a:rPr lang="en-US" sz="1200" dirty="0" err="1"/>
-              <a:t>Longitude_PROMPT</a:t>
-            </a:r>
-            <a:r>
-              <a:rPr lang="en-US" sz="1200" dirty="0"/>
-              <a:t>=</a:t>
-            </a:r>
-            <a:r>
-              <a:rPr lang="en-US" sz="1200" dirty="0" err="1"/>
-              <a:t>Longitude_REF</a:t>
-            </a:r>
-            <a:endParaRPr lang="en-US" sz="1200" dirty="0"/>
-          </a:p>
-        </p:txBody>
-      </p:sp>
-      <p:sp>
-        <p:nvSpPr>
-          <p:cNvPr id="14" name="TextBox 13">
-            <a:extLst>
-              <a:ext uri="{FF2B5EF4-FFF2-40B4-BE49-F238E27FC236}">
-                <a16:creationId xmlns:a16="http://schemas.microsoft.com/office/drawing/2014/main" id="{6C1A19B2-2D2C-4964-AC90-E8E6C41CF091}"/>
-              </a:ext>
-            </a:extLst>
-          </p:cNvPr>
-          <p:cNvSpPr txBox="1"/>
-          <p:nvPr/>
-        </p:nvSpPr>
-        <p:spPr>
-          <a:xfrm>
-            <a:off x="3543828" y="3807992"/>
-            <a:ext cx="1838324" cy="1754326"/>
-          </a:xfrm>
-          <a:prstGeom prst="rect">
-            <a:avLst/>
-          </a:prstGeom>
-          <a:noFill/>
-          <a:ln w="3175">
-            <a:solidFill>
-              <a:schemeClr val="tx1"/>
-            </a:solidFill>
-          </a:ln>
-        </p:spPr>
-        <p:txBody>
-          <a:bodyPr wrap="none" rtlCol="0">
-            <a:spAutoFit/>
-          </a:bodyPr>
-          <a:lstStyle/>
-          <a:p>
-            <a:r>
-              <a:rPr lang="en-US" sz="1200" dirty="0"/>
-              <a:t>Variables assignments:</a:t>
-            </a:r>
-          </a:p>
-          <a:p>
-            <a:r>
-              <a:rPr lang="en-US" sz="1200" dirty="0" err="1"/>
-              <a:t>Latitude_REF</a:t>
-            </a:r>
-            <a:r>
-              <a:rPr lang="en-US" sz="1200" dirty="0"/>
-              <a:t>=value</a:t>
-            </a:r>
-          </a:p>
-          <a:p>
-            <a:r>
-              <a:rPr lang="en-US" sz="1200" dirty="0" err="1"/>
-              <a:t>Longitude_REF</a:t>
-            </a:r>
-            <a:r>
-              <a:rPr lang="en-US" sz="1200" dirty="0"/>
-              <a:t>=value</a:t>
-            </a:r>
-          </a:p>
-          <a:p>
-            <a:r>
-              <a:rPr lang="en-US" sz="1200" dirty="0"/>
-              <a:t>Latitude_POINT2=value</a:t>
-            </a:r>
-          </a:p>
-          <a:p>
-            <a:r>
-              <a:rPr lang="en-US" sz="1200" dirty="0"/>
-              <a:t>Longitude_ POINT2 =value</a:t>
-            </a:r>
-          </a:p>
-          <a:p>
-            <a:r>
-              <a:rPr lang="en-US" sz="1200" dirty="0" err="1"/>
-              <a:t>Distance_REF</a:t>
-            </a:r>
-            <a:r>
-              <a:rPr lang="en-US" sz="1200" dirty="0"/>
-              <a:t>=value</a:t>
-            </a:r>
-          </a:p>
-          <a:p>
-            <a:r>
-              <a:rPr lang="en-US" sz="1200" dirty="0"/>
-              <a:t>Scale =value</a:t>
-            </a:r>
-          </a:p>
-          <a:p>
-            <a:r>
-              <a:rPr lang="en-US" sz="1200" dirty="0" err="1"/>
-              <a:t>Rotation_Angle</a:t>
-            </a:r>
-            <a:r>
-              <a:rPr lang="en-US" sz="1200" dirty="0"/>
-              <a:t> =value</a:t>
-            </a:r>
-          </a:p>
-          <a:p>
-            <a:r>
-              <a:rPr lang="en-US" sz="1200" dirty="0" err="1"/>
-              <a:t>North_Mode</a:t>
-            </a:r>
-            <a:r>
-              <a:rPr lang="en-US" sz="1200" dirty="0"/>
-              <a:t> =value</a:t>
-            </a:r>
-          </a:p>
-        </p:txBody>
-      </p:sp>
-      <p:sp>
-        <p:nvSpPr>
-          <p:cNvPr id="15" name="TextBox 14">
-            <a:extLst>
-              <a:ext uri="{FF2B5EF4-FFF2-40B4-BE49-F238E27FC236}">
-                <a16:creationId xmlns:a16="http://schemas.microsoft.com/office/drawing/2014/main" id="{1A7D0027-BD19-422F-B4A8-98092D01095B}"/>
-              </a:ext>
-            </a:extLst>
-          </p:cNvPr>
-          <p:cNvSpPr txBox="1"/>
-          <p:nvPr/>
-        </p:nvSpPr>
-        <p:spPr>
-          <a:xfrm>
-            <a:off x="1855176" y="3871492"/>
-            <a:ext cx="1630575" cy="1754326"/>
-          </a:xfrm>
-          <a:prstGeom prst="rect">
-            <a:avLst/>
-          </a:prstGeom>
-          <a:noFill/>
-          <a:ln w="3175">
-            <a:solidFill>
-              <a:schemeClr val="tx1"/>
-            </a:solidFill>
-          </a:ln>
-        </p:spPr>
-        <p:txBody>
-          <a:bodyPr wrap="none" rtlCol="0">
-            <a:spAutoFit/>
-          </a:bodyPr>
-          <a:lstStyle/>
-          <a:p>
-            <a:r>
-              <a:rPr lang="en-US" sz="1200" dirty="0"/>
-              <a:t>Variables assignments:</a:t>
-            </a:r>
-          </a:p>
-          <a:p>
-            <a:r>
-              <a:rPr lang="en-US" sz="1200" dirty="0" err="1"/>
-              <a:t>Latitude_REF</a:t>
-            </a:r>
-            <a:r>
-              <a:rPr lang="en-US" sz="1200" dirty="0"/>
-              <a:t>=“”</a:t>
-            </a:r>
-          </a:p>
-          <a:p>
-            <a:r>
-              <a:rPr lang="en-US" sz="1200" dirty="0" err="1"/>
-              <a:t>Longitude_REF</a:t>
-            </a:r>
-            <a:r>
-              <a:rPr lang="en-US" sz="1200" dirty="0"/>
-              <a:t>=“”</a:t>
-            </a:r>
-          </a:p>
-          <a:p>
-            <a:r>
-              <a:rPr lang="en-US" sz="1200" dirty="0"/>
-              <a:t>Latitude_POINT2=“”</a:t>
-            </a:r>
-          </a:p>
-          <a:p>
-            <a:r>
-              <a:rPr lang="en-US" sz="1200" dirty="0"/>
-              <a:t>Longitude_ POINT2 =“”</a:t>
-            </a:r>
-          </a:p>
-          <a:p>
-            <a:r>
-              <a:rPr lang="en-US" sz="1200" dirty="0" err="1"/>
-              <a:t>Distance_REF</a:t>
-            </a:r>
-            <a:r>
-              <a:rPr lang="en-US" sz="1200" dirty="0"/>
-              <a:t>=“”</a:t>
-            </a:r>
-          </a:p>
-          <a:p>
-            <a:r>
-              <a:rPr lang="en-US" sz="1200" dirty="0"/>
-              <a:t>Scale =“”</a:t>
-            </a:r>
-          </a:p>
-          <a:p>
-            <a:r>
-              <a:rPr lang="en-US" sz="1200" dirty="0" err="1"/>
-              <a:t>Rotation_Angle</a:t>
-            </a:r>
-            <a:r>
-              <a:rPr lang="en-US" sz="1200" dirty="0"/>
-              <a:t> =“”</a:t>
-            </a:r>
-          </a:p>
-          <a:p>
-            <a:r>
-              <a:rPr lang="en-US" sz="1200" dirty="0" err="1"/>
-              <a:t>North_Mode</a:t>
-            </a:r>
-            <a:r>
-              <a:rPr lang="en-US" sz="1200" dirty="0"/>
-              <a:t> =“”</a:t>
-            </a:r>
-          </a:p>
-        </p:txBody>
-      </p:sp>
-      <p:sp>
-        <p:nvSpPr>
-          <p:cNvPr id="16" name="TextBox 15">
-            <a:extLst>
-              <a:ext uri="{FF2B5EF4-FFF2-40B4-BE49-F238E27FC236}">
-                <a16:creationId xmlns:a16="http://schemas.microsoft.com/office/drawing/2014/main" id="{032AB9B5-FE9D-4A43-8786-CA2B86D2DC24}"/>
-              </a:ext>
-            </a:extLst>
-          </p:cNvPr>
-          <p:cNvSpPr txBox="1"/>
-          <p:nvPr/>
-        </p:nvSpPr>
-        <p:spPr>
-          <a:xfrm>
-            <a:off x="695119" y="2757205"/>
-            <a:ext cx="2818272" cy="1015663"/>
-          </a:xfrm>
-          <a:prstGeom prst="rect">
-            <a:avLst/>
-          </a:prstGeom>
-          <a:noFill/>
-        </p:spPr>
-        <p:txBody>
-          <a:bodyPr wrap="none" rtlCol="0">
-            <a:spAutoFit/>
-          </a:bodyPr>
-          <a:lstStyle/>
-          <a:p>
-            <a:r>
-              <a:rPr lang="en-US" sz="1200" b="1" dirty="0"/>
-              <a:t>Routine INPUT_FILE_CHECK</a:t>
-            </a:r>
-            <a:r>
-              <a:rPr lang="en-US" sz="1200" dirty="0"/>
-              <a:t>(MAP_NAME)</a:t>
-            </a:r>
-          </a:p>
-          <a:p>
-            <a:r>
-              <a:rPr lang="en-US" sz="1200" dirty="0"/>
-              <a:t>IF INPUT FILE EXISTS:</a:t>
-            </a:r>
-          </a:p>
-          <a:p>
-            <a:r>
-              <a:rPr lang="en-US" sz="1200" dirty="0"/>
-              <a:t>INPUTEXISTS=TRUE</a:t>
-            </a:r>
-          </a:p>
-          <a:p>
-            <a:r>
-              <a:rPr lang="en-US" sz="1200" dirty="0"/>
-              <a:t>ELSE:</a:t>
-            </a:r>
-          </a:p>
-          <a:p>
-            <a:r>
-              <a:rPr lang="en-US" sz="1200" dirty="0"/>
-              <a:t>INPUTEXISTS=FALSE</a:t>
-            </a:r>
-          </a:p>
-        </p:txBody>
-      </p:sp>
-      <p:sp>
-        <p:nvSpPr>
-          <p:cNvPr id="17" name="TextBox 16">
-            <a:extLst>
-              <a:ext uri="{FF2B5EF4-FFF2-40B4-BE49-F238E27FC236}">
-                <a16:creationId xmlns:a16="http://schemas.microsoft.com/office/drawing/2014/main" id="{81AE2384-18E2-40DE-B481-D886AF4CF6AE}"/>
-              </a:ext>
-            </a:extLst>
-          </p:cNvPr>
-          <p:cNvSpPr txBox="1"/>
-          <p:nvPr/>
-        </p:nvSpPr>
-        <p:spPr>
-          <a:xfrm>
-            <a:off x="1859188" y="9420678"/>
-            <a:ext cx="2474780" cy="830997"/>
-          </a:xfrm>
-          <a:prstGeom prst="rect">
-            <a:avLst/>
-          </a:prstGeom>
-          <a:noFill/>
-          <a:ln w="3175">
-            <a:solidFill>
-              <a:schemeClr val="tx1"/>
-            </a:solidFill>
-          </a:ln>
-        </p:spPr>
-        <p:txBody>
-          <a:bodyPr wrap="none" rtlCol="0">
-            <a:spAutoFit/>
-          </a:bodyPr>
-          <a:lstStyle/>
-          <a:p>
-            <a:r>
-              <a:rPr lang="en-US" sz="1200" dirty="0"/>
-              <a:t>Sets MOVES_CANVAS</a:t>
-            </a:r>
-          </a:p>
-          <a:p>
-            <a:r>
-              <a:rPr lang="en-US" sz="1200" dirty="0"/>
-              <a:t>Sets </a:t>
-            </a:r>
-            <a:r>
-              <a:rPr lang="en-US" sz="1200" dirty="0" err="1"/>
-              <a:t>Ref_MOVES</a:t>
-            </a:r>
-            <a:r>
-              <a:rPr lang="en-US" sz="1200" dirty="0"/>
-              <a:t>=0</a:t>
-            </a:r>
-          </a:p>
-          <a:p>
-            <a:r>
-              <a:rPr lang="en-US" sz="1200" dirty="0" err="1"/>
-              <a:t>Latitude_REF</a:t>
-            </a:r>
-            <a:r>
-              <a:rPr lang="en-US" sz="1200" dirty="0"/>
-              <a:t>= </a:t>
-            </a:r>
-            <a:r>
-              <a:rPr lang="en-US" sz="1200" dirty="0" err="1"/>
-              <a:t>Latitude_PROMPT</a:t>
-            </a:r>
-            <a:endParaRPr lang="en-US" sz="1200" dirty="0"/>
-          </a:p>
-          <a:p>
-            <a:r>
-              <a:rPr lang="en-US" sz="1200" dirty="0" err="1"/>
-              <a:t>Longitude_REF</a:t>
-            </a:r>
-            <a:r>
-              <a:rPr lang="en-US" sz="1200" dirty="0"/>
-              <a:t>= </a:t>
-            </a:r>
-            <a:r>
-              <a:rPr lang="en-US" sz="1200" dirty="0" err="1"/>
-              <a:t>Longitude_PROMPT</a:t>
-            </a:r>
-            <a:endParaRPr lang="en-US" sz="1200" dirty="0"/>
-          </a:p>
-        </p:txBody>
-      </p:sp>
-      <p:sp>
-        <p:nvSpPr>
-          <p:cNvPr id="18" name="TextBox 17">
-            <a:extLst>
-              <a:ext uri="{FF2B5EF4-FFF2-40B4-BE49-F238E27FC236}">
-                <a16:creationId xmlns:a16="http://schemas.microsoft.com/office/drawing/2014/main" id="{7103DB9A-2F63-41AB-953A-DF430BAC7364}"/>
-              </a:ext>
-            </a:extLst>
-          </p:cNvPr>
-          <p:cNvSpPr txBox="1"/>
-          <p:nvPr/>
-        </p:nvSpPr>
-        <p:spPr>
-          <a:xfrm>
-            <a:off x="5416549" y="9449003"/>
-            <a:ext cx="2790572" cy="646331"/>
-          </a:xfrm>
-          <a:prstGeom prst="rect">
-            <a:avLst/>
-          </a:prstGeom>
-          <a:noFill/>
-          <a:ln w="3175">
-            <a:solidFill>
-              <a:schemeClr val="tx1"/>
-            </a:solidFill>
-          </a:ln>
-        </p:spPr>
-        <p:txBody>
-          <a:bodyPr wrap="none" rtlCol="0">
-            <a:spAutoFit/>
-          </a:bodyPr>
-          <a:lstStyle/>
-          <a:p>
-            <a:r>
-              <a:rPr lang="en-US" sz="1200" dirty="0"/>
-              <a:t>Sets </a:t>
-            </a:r>
-            <a:r>
-              <a:rPr lang="en-US" sz="1200" dirty="0" err="1"/>
-              <a:t>Ref_MOVES</a:t>
-            </a:r>
-            <a:r>
-              <a:rPr lang="en-US" sz="1200" dirty="0"/>
-              <a:t>(</a:t>
-            </a:r>
-            <a:r>
-              <a:rPr lang="en-US" sz="1200" dirty="0" err="1"/>
-              <a:t>X_Moves,Y_Moves</a:t>
-            </a:r>
-            <a:r>
-              <a:rPr lang="en-US" sz="1200" dirty="0"/>
-              <a:t>)</a:t>
-            </a:r>
-          </a:p>
-          <a:p>
-            <a:r>
-              <a:rPr lang="en-US" sz="1200" dirty="0"/>
-              <a:t>Latitude_ POINT2 = </a:t>
-            </a:r>
-            <a:r>
-              <a:rPr lang="en-US" sz="1200" dirty="0" err="1"/>
-              <a:t>Latitude_PROMPT</a:t>
-            </a:r>
-            <a:endParaRPr lang="en-US" sz="1200" dirty="0"/>
-          </a:p>
-          <a:p>
-            <a:r>
-              <a:rPr lang="en-US" sz="1200" dirty="0"/>
-              <a:t>Longitude_ POINT2 = </a:t>
-            </a:r>
-            <a:r>
-              <a:rPr lang="en-US" sz="1200" dirty="0" err="1"/>
-              <a:t>Longitude_PROMPT</a:t>
-            </a:r>
-            <a:endParaRPr lang="en-US" sz="1200" dirty="0"/>
-          </a:p>
-        </p:txBody>
-      </p:sp>
-      <p:sp>
-        <p:nvSpPr>
-          <p:cNvPr id="19" name="Rectangle 18">
-            <a:extLst>
-              <a:ext uri="{FF2B5EF4-FFF2-40B4-BE49-F238E27FC236}">
-                <a16:creationId xmlns:a16="http://schemas.microsoft.com/office/drawing/2014/main" id="{F4467DB0-5B6E-499B-98E8-4AD50F4E8D9D}"/>
-              </a:ext>
-            </a:extLst>
-          </p:cNvPr>
-          <p:cNvSpPr/>
-          <p:nvPr/>
-        </p:nvSpPr>
-        <p:spPr>
-          <a:xfrm>
-            <a:off x="786045" y="2363467"/>
-            <a:ext cx="1401025" cy="276999"/>
-          </a:xfrm>
-          <a:prstGeom prst="rect">
-            <a:avLst/>
-          </a:prstGeom>
-        </p:spPr>
-        <p:txBody>
-          <a:bodyPr wrap="none">
-            <a:spAutoFit/>
-          </a:bodyPr>
-          <a:lstStyle/>
-          <a:p>
-            <a:r>
-              <a:rPr lang="en-US" sz="1200" dirty="0"/>
-              <a:t>Resets MAP_NAME</a:t>
-            </a:r>
-          </a:p>
-        </p:txBody>
-      </p:sp>
-      <p:sp>
-        <p:nvSpPr>
-          <p:cNvPr id="21" name="TextBox 20">
-            <a:extLst>
-              <a:ext uri="{FF2B5EF4-FFF2-40B4-BE49-F238E27FC236}">
-                <a16:creationId xmlns:a16="http://schemas.microsoft.com/office/drawing/2014/main" id="{4A5BB1B9-3E9E-4B7E-B94C-F35C879C9457}"/>
-              </a:ext>
-            </a:extLst>
-          </p:cNvPr>
-          <p:cNvSpPr txBox="1"/>
-          <p:nvPr/>
-        </p:nvSpPr>
-        <p:spPr>
-          <a:xfrm>
-            <a:off x="5809912" y="6316402"/>
-            <a:ext cx="612668" cy="276999"/>
-          </a:xfrm>
-          <a:prstGeom prst="rect">
-            <a:avLst/>
-          </a:prstGeom>
-          <a:noFill/>
-          <a:ln w="3175">
-            <a:solidFill>
-              <a:schemeClr val="tx1"/>
-            </a:solidFill>
-          </a:ln>
-        </p:spPr>
-        <p:txBody>
-          <a:bodyPr wrap="none" rtlCol="0">
-            <a:spAutoFit/>
-          </a:bodyPr>
-          <a:lstStyle/>
-          <a:p>
-            <a:r>
-              <a:rPr lang="en-US" sz="1200" dirty="0"/>
-              <a:t>ITER=2</a:t>
-            </a:r>
-          </a:p>
-        </p:txBody>
-      </p:sp>
-      <p:sp>
-        <p:nvSpPr>
-          <p:cNvPr id="22" name="TextBox 21">
-            <a:extLst>
-              <a:ext uri="{FF2B5EF4-FFF2-40B4-BE49-F238E27FC236}">
-                <a16:creationId xmlns:a16="http://schemas.microsoft.com/office/drawing/2014/main" id="{D9540B5F-FD13-4BA0-894A-508294B49E12}"/>
-              </a:ext>
-            </a:extLst>
-          </p:cNvPr>
-          <p:cNvSpPr txBox="1"/>
-          <p:nvPr/>
-        </p:nvSpPr>
-        <p:spPr>
-          <a:xfrm>
-            <a:off x="9340251" y="6658812"/>
-            <a:ext cx="2922018" cy="1015663"/>
-          </a:xfrm>
-          <a:prstGeom prst="rect">
-            <a:avLst/>
-          </a:prstGeom>
-          <a:noFill/>
-        </p:spPr>
-        <p:txBody>
-          <a:bodyPr wrap="none" rtlCol="0">
-            <a:spAutoFit/>
-          </a:bodyPr>
-          <a:lstStyle/>
-          <a:p>
-            <a:r>
-              <a:rPr lang="en-US" sz="1200" b="1" dirty="0"/>
-              <a:t>Window POPUP3</a:t>
-            </a:r>
-          </a:p>
-          <a:p>
-            <a:r>
-              <a:rPr lang="en-US" sz="1200" dirty="0" err="1"/>
-              <a:t>Distance_REF</a:t>
-            </a:r>
-            <a:r>
-              <a:rPr lang="en-US" sz="1200" dirty="0"/>
-              <a:t> _PROMPT= </a:t>
-            </a:r>
-            <a:r>
-              <a:rPr lang="en-US" sz="1200" dirty="0" err="1"/>
-              <a:t>Distance_REF</a:t>
-            </a:r>
-            <a:endParaRPr lang="en-US" sz="1200" dirty="0"/>
-          </a:p>
-          <a:p>
-            <a:r>
-              <a:rPr lang="en-US" sz="1200" dirty="0" err="1"/>
-              <a:t>Scale_PROMPT</a:t>
-            </a:r>
-            <a:r>
-              <a:rPr lang="en-US" sz="1200" dirty="0"/>
-              <a:t>= Scale</a:t>
-            </a:r>
-          </a:p>
-          <a:p>
-            <a:r>
-              <a:rPr lang="en-US" sz="1200" dirty="0" err="1"/>
-              <a:t>Rotation_Angle</a:t>
-            </a:r>
-            <a:r>
-              <a:rPr lang="en-US" sz="1200" dirty="0"/>
-              <a:t>_ PROMPT = </a:t>
-            </a:r>
-            <a:r>
-              <a:rPr lang="en-US" sz="1200" dirty="0" err="1"/>
-              <a:t>Rotation_Angle</a:t>
-            </a:r>
-            <a:endParaRPr lang="en-US" sz="1200" dirty="0"/>
-          </a:p>
-          <a:p>
-            <a:r>
-              <a:rPr lang="en-US" sz="1200" dirty="0" err="1"/>
-              <a:t>North_Mode</a:t>
-            </a:r>
-            <a:r>
-              <a:rPr lang="en-US" sz="1200" dirty="0"/>
-              <a:t>_ PROMPT = </a:t>
-            </a:r>
-            <a:r>
-              <a:rPr lang="en-US" sz="1200" dirty="0" err="1"/>
-              <a:t>North_Mode</a:t>
-            </a:r>
-            <a:endParaRPr lang="en-US" sz="1200" dirty="0"/>
-          </a:p>
-        </p:txBody>
-      </p:sp>
-      <p:sp>
-        <p:nvSpPr>
-          <p:cNvPr id="23" name="TextBox 22">
-            <a:extLst>
-              <a:ext uri="{FF2B5EF4-FFF2-40B4-BE49-F238E27FC236}">
-                <a16:creationId xmlns:a16="http://schemas.microsoft.com/office/drawing/2014/main" id="{460ADE07-F705-41DC-B867-C1FA5D5FFDAF}"/>
-              </a:ext>
-            </a:extLst>
-          </p:cNvPr>
-          <p:cNvSpPr txBox="1"/>
-          <p:nvPr/>
-        </p:nvSpPr>
-        <p:spPr>
-          <a:xfrm>
-            <a:off x="5349303" y="6834414"/>
-            <a:ext cx="3146439" cy="830997"/>
-          </a:xfrm>
-          <a:prstGeom prst="rect">
-            <a:avLst/>
-          </a:prstGeom>
-          <a:noFill/>
-        </p:spPr>
-        <p:txBody>
-          <a:bodyPr wrap="none" rtlCol="0">
-            <a:spAutoFit/>
-          </a:bodyPr>
-          <a:lstStyle/>
-          <a:p>
-            <a:r>
-              <a:rPr lang="en-US" sz="1200" b="1" dirty="0"/>
-              <a:t>Window POPUP2</a:t>
-            </a:r>
-          </a:p>
-          <a:p>
-            <a:r>
-              <a:rPr lang="en-US" sz="1200" dirty="0"/>
-              <a:t>	</a:t>
-            </a:r>
-            <a:r>
-              <a:rPr lang="en-US" sz="1200" dirty="0" err="1"/>
-              <a:t>Point_PROMPT</a:t>
-            </a:r>
-            <a:endParaRPr lang="en-US" sz="1200" dirty="0"/>
-          </a:p>
-          <a:p>
-            <a:r>
-              <a:rPr lang="en-US" sz="1200" dirty="0"/>
-              <a:t>	</a:t>
-            </a:r>
-            <a:r>
-              <a:rPr lang="en-US" sz="1200" dirty="0" err="1"/>
-              <a:t>Latitude_PROMPT</a:t>
-            </a:r>
-            <a:r>
-              <a:rPr lang="en-US" sz="1200" dirty="0"/>
-              <a:t>=Latitude_POINT2</a:t>
-            </a:r>
-          </a:p>
-          <a:p>
-            <a:r>
-              <a:rPr lang="en-US" sz="1200" dirty="0"/>
-              <a:t>	</a:t>
-            </a:r>
-            <a:r>
-              <a:rPr lang="en-US" sz="1200" dirty="0" err="1"/>
-              <a:t>Longitude_PROMPT</a:t>
-            </a:r>
-            <a:r>
-              <a:rPr lang="en-US" sz="1200" dirty="0"/>
-              <a:t>=Longitude_POINT2</a:t>
-            </a:r>
-          </a:p>
-        </p:txBody>
-      </p:sp>
-      <p:sp>
-        <p:nvSpPr>
-          <p:cNvPr id="24" name="TextBox 23">
-            <a:extLst>
-              <a:ext uri="{FF2B5EF4-FFF2-40B4-BE49-F238E27FC236}">
-                <a16:creationId xmlns:a16="http://schemas.microsoft.com/office/drawing/2014/main" id="{F39F54EF-7C78-4CC6-852C-08EFA5663B7A}"/>
-              </a:ext>
-            </a:extLst>
-          </p:cNvPr>
-          <p:cNvSpPr txBox="1"/>
-          <p:nvPr/>
-        </p:nvSpPr>
-        <p:spPr>
-          <a:xfrm>
-            <a:off x="9422202" y="8170842"/>
-            <a:ext cx="2922018" cy="830997"/>
-          </a:xfrm>
-          <a:prstGeom prst="rect">
-            <a:avLst/>
-          </a:prstGeom>
-          <a:noFill/>
-          <a:ln w="3175">
-            <a:solidFill>
-              <a:schemeClr val="tx1"/>
-            </a:solidFill>
-          </a:ln>
-        </p:spPr>
-        <p:txBody>
-          <a:bodyPr wrap="none" rtlCol="0">
-            <a:spAutoFit/>
-          </a:bodyPr>
-          <a:lstStyle/>
-          <a:p>
-            <a:r>
-              <a:rPr lang="en-US" sz="1200" dirty="0" err="1"/>
-              <a:t>Distance_REF</a:t>
-            </a:r>
-            <a:r>
-              <a:rPr lang="en-US" sz="1200" dirty="0"/>
-              <a:t> = </a:t>
-            </a:r>
-            <a:r>
-              <a:rPr lang="en-US" sz="1200" dirty="0" err="1"/>
-              <a:t>Distance_REF</a:t>
-            </a:r>
-            <a:r>
-              <a:rPr lang="en-US" sz="1200" dirty="0"/>
-              <a:t> _PROMPT</a:t>
-            </a:r>
-          </a:p>
-          <a:p>
-            <a:r>
-              <a:rPr lang="en-US" sz="1200" dirty="0"/>
-              <a:t>Scale = </a:t>
-            </a:r>
-            <a:r>
-              <a:rPr lang="en-US" sz="1200" dirty="0" err="1"/>
-              <a:t>Scale_PROMPT</a:t>
-            </a:r>
-            <a:endParaRPr lang="en-US" sz="1200" dirty="0"/>
-          </a:p>
-          <a:p>
-            <a:r>
-              <a:rPr lang="en-US" sz="1200" dirty="0" err="1"/>
-              <a:t>Rotation_Angle</a:t>
-            </a:r>
-            <a:r>
-              <a:rPr lang="en-US" sz="1200" dirty="0"/>
-              <a:t> = </a:t>
-            </a:r>
-            <a:r>
-              <a:rPr lang="en-US" sz="1200" dirty="0" err="1"/>
-              <a:t>Rotation_Angle</a:t>
-            </a:r>
-            <a:r>
-              <a:rPr lang="en-US" sz="1200" dirty="0"/>
-              <a:t>_ PROMPT</a:t>
-            </a:r>
-          </a:p>
-          <a:p>
-            <a:r>
-              <a:rPr lang="en-US" sz="1200" dirty="0" err="1"/>
-              <a:t>North_Mode</a:t>
-            </a:r>
-            <a:r>
-              <a:rPr lang="en-US" sz="1200" dirty="0"/>
-              <a:t> = </a:t>
-            </a:r>
-            <a:r>
-              <a:rPr lang="en-US" sz="1200" dirty="0" err="1"/>
-              <a:t>North_Mode</a:t>
-            </a:r>
-            <a:r>
-              <a:rPr lang="en-US" sz="1200" dirty="0"/>
-              <a:t>_ PROMPT</a:t>
-            </a:r>
-          </a:p>
-        </p:txBody>
-      </p:sp>
-      <p:cxnSp>
-        <p:nvCxnSpPr>
-          <p:cNvPr id="26" name="Connector: Elbow 25">
-            <a:extLst>
-              <a:ext uri="{FF2B5EF4-FFF2-40B4-BE49-F238E27FC236}">
-                <a16:creationId xmlns:a16="http://schemas.microsoft.com/office/drawing/2014/main" id="{5D50EDCC-3521-47A8-99DA-2C238932499A}"/>
-              </a:ext>
-            </a:extLst>
-          </p:cNvPr>
-          <p:cNvCxnSpPr>
-            <a:stCxn id="2" idx="2"/>
-            <a:endCxn id="7" idx="0"/>
-          </p:cNvCxnSpPr>
-          <p:nvPr/>
-        </p:nvCxnSpPr>
-        <p:spPr>
-          <a:xfrm rot="16200000" flipH="1">
-            <a:off x="1390111" y="1244424"/>
-            <a:ext cx="277494" cy="339018"/>
-          </a:xfrm>
-          <a:prstGeom prst="bentConnector3">
-            <a:avLst>
-              <a:gd name="adj1" fmla="val 50000"/>
-            </a:avLst>
-          </a:prstGeom>
-          <a:ln>
-            <a:tailEnd type="triangle"/>
-          </a:ln>
-        </p:spPr>
-        <p:style>
-          <a:lnRef idx="1">
-            <a:schemeClr val="accent1"/>
-          </a:lnRef>
-          <a:fillRef idx="0">
-            <a:schemeClr val="accent1"/>
-          </a:fillRef>
-          <a:effectRef idx="0">
-            <a:schemeClr val="accent1"/>
-          </a:effectRef>
-          <a:fontRef idx="minor">
-            <a:schemeClr val="tx1"/>
-          </a:fontRef>
-        </p:style>
-      </p:cxnSp>
-      <p:cxnSp>
-        <p:nvCxnSpPr>
-          <p:cNvPr id="29" name="Connector: Elbow 28">
-            <a:extLst>
-              <a:ext uri="{FF2B5EF4-FFF2-40B4-BE49-F238E27FC236}">
-                <a16:creationId xmlns:a16="http://schemas.microsoft.com/office/drawing/2014/main" id="{C6DB65A4-0595-4D3B-BE76-2A9BD1479D63}"/>
-              </a:ext>
-            </a:extLst>
-          </p:cNvPr>
-          <p:cNvCxnSpPr>
-            <a:stCxn id="7" idx="3"/>
-            <a:endCxn id="19" idx="0"/>
-          </p:cNvCxnSpPr>
-          <p:nvPr/>
-        </p:nvCxnSpPr>
-        <p:spPr>
-          <a:xfrm flipH="1">
-            <a:off x="1486558" y="1783513"/>
-            <a:ext cx="1423038" cy="579954"/>
-          </a:xfrm>
-          <a:prstGeom prst="bentConnector4">
-            <a:avLst>
-              <a:gd name="adj1" fmla="val -16064"/>
-              <a:gd name="adj2" fmla="val 69901"/>
-            </a:avLst>
-          </a:prstGeom>
-          <a:ln>
-            <a:tailEnd type="triangle"/>
-          </a:ln>
-        </p:spPr>
-        <p:style>
-          <a:lnRef idx="1">
-            <a:schemeClr val="accent1"/>
-          </a:lnRef>
-          <a:fillRef idx="0">
-            <a:schemeClr val="accent1"/>
-          </a:fillRef>
-          <a:effectRef idx="0">
-            <a:schemeClr val="accent1"/>
-          </a:effectRef>
-          <a:fontRef idx="minor">
-            <a:schemeClr val="tx1"/>
-          </a:fontRef>
-        </p:style>
-      </p:cxnSp>
-      <p:cxnSp>
-        <p:nvCxnSpPr>
-          <p:cNvPr id="41" name="Connector: Elbow 40">
-            <a:extLst>
-              <a:ext uri="{FF2B5EF4-FFF2-40B4-BE49-F238E27FC236}">
-                <a16:creationId xmlns:a16="http://schemas.microsoft.com/office/drawing/2014/main" id="{4A97B4F9-48BF-4028-8F5B-6E569E79A9F1}"/>
-              </a:ext>
-            </a:extLst>
-          </p:cNvPr>
-          <p:cNvCxnSpPr>
-            <a:stCxn id="2" idx="3"/>
-            <a:endCxn id="8" idx="1"/>
-          </p:cNvCxnSpPr>
-          <p:nvPr/>
-        </p:nvCxnSpPr>
-        <p:spPr>
-          <a:xfrm flipV="1">
-            <a:off x="2204772" y="948972"/>
-            <a:ext cx="1688131" cy="3049"/>
-          </a:xfrm>
-          <a:prstGeom prst="bentConnector3">
-            <a:avLst/>
-          </a:prstGeom>
-          <a:ln>
-            <a:tailEnd type="triangle"/>
-          </a:ln>
-        </p:spPr>
-        <p:style>
-          <a:lnRef idx="1">
-            <a:schemeClr val="accent1"/>
-          </a:lnRef>
-          <a:fillRef idx="0">
-            <a:schemeClr val="accent1"/>
-          </a:fillRef>
-          <a:effectRef idx="0">
-            <a:schemeClr val="accent1"/>
-          </a:effectRef>
-          <a:fontRef idx="minor">
-            <a:schemeClr val="tx1"/>
-          </a:fontRef>
-        </p:style>
-      </p:cxnSp>
-      <p:cxnSp>
-        <p:nvCxnSpPr>
-          <p:cNvPr id="43" name="Connector: Elbow 42">
-            <a:extLst>
-              <a:ext uri="{FF2B5EF4-FFF2-40B4-BE49-F238E27FC236}">
-                <a16:creationId xmlns:a16="http://schemas.microsoft.com/office/drawing/2014/main" id="{283285D8-B741-446C-ACF5-23318CC47870}"/>
-              </a:ext>
-            </a:extLst>
-          </p:cNvPr>
-          <p:cNvCxnSpPr>
-            <a:stCxn id="19" idx="3"/>
-            <a:endCxn id="16" idx="1"/>
-          </p:cNvCxnSpPr>
-          <p:nvPr/>
-        </p:nvCxnSpPr>
-        <p:spPr>
-          <a:xfrm flipH="1">
-            <a:off x="695119" y="2501967"/>
-            <a:ext cx="1491951" cy="763070"/>
-          </a:xfrm>
-          <a:prstGeom prst="bentConnector5">
-            <a:avLst>
-              <a:gd name="adj1" fmla="val -15322"/>
-              <a:gd name="adj2" fmla="val 25799"/>
-              <a:gd name="adj3" fmla="val 115322"/>
-            </a:avLst>
-          </a:prstGeom>
-          <a:ln>
-            <a:tailEnd type="triangle"/>
-          </a:ln>
-        </p:spPr>
-        <p:style>
-          <a:lnRef idx="1">
-            <a:schemeClr val="accent1"/>
-          </a:lnRef>
-          <a:fillRef idx="0">
-            <a:schemeClr val="accent1"/>
-          </a:fillRef>
-          <a:effectRef idx="0">
-            <a:schemeClr val="accent1"/>
-          </a:effectRef>
-          <a:fontRef idx="minor">
-            <a:schemeClr val="tx1"/>
-          </a:fontRef>
-        </p:style>
-      </p:cxnSp>
-      <p:cxnSp>
-        <p:nvCxnSpPr>
-          <p:cNvPr id="49" name="Connector: Elbow 48">
-            <a:extLst>
-              <a:ext uri="{FF2B5EF4-FFF2-40B4-BE49-F238E27FC236}">
-                <a16:creationId xmlns:a16="http://schemas.microsoft.com/office/drawing/2014/main" id="{B18021BC-B23A-4572-932E-0FC6BD42B9FD}"/>
-              </a:ext>
-            </a:extLst>
-          </p:cNvPr>
-          <p:cNvCxnSpPr>
-            <a:stCxn id="8" idx="2"/>
-            <a:endCxn id="11" idx="0"/>
-          </p:cNvCxnSpPr>
-          <p:nvPr/>
-        </p:nvCxnSpPr>
-        <p:spPr>
-          <a:xfrm rot="16200000" flipH="1">
-            <a:off x="4865107" y="932157"/>
-            <a:ext cx="393668" cy="704295"/>
-          </a:xfrm>
-          <a:prstGeom prst="bentConnector3">
-            <a:avLst/>
-          </a:prstGeom>
-          <a:ln>
-            <a:tailEnd type="triangle"/>
-          </a:ln>
-        </p:spPr>
-        <p:style>
-          <a:lnRef idx="1">
-            <a:schemeClr val="accent1"/>
-          </a:lnRef>
-          <a:fillRef idx="0">
-            <a:schemeClr val="accent1"/>
-          </a:fillRef>
-          <a:effectRef idx="0">
-            <a:schemeClr val="accent1"/>
-          </a:effectRef>
-          <a:fontRef idx="minor">
-            <a:schemeClr val="tx1"/>
-          </a:fontRef>
-        </p:style>
-      </p:cxnSp>
-      <p:sp>
-        <p:nvSpPr>
-          <p:cNvPr id="62" name="Freeform: Shape 61">
-            <a:extLst>
-              <a:ext uri="{FF2B5EF4-FFF2-40B4-BE49-F238E27FC236}">
-                <a16:creationId xmlns:a16="http://schemas.microsoft.com/office/drawing/2014/main" id="{36DCCFBB-346E-4C6A-978F-1A72183D6F32}"/>
-              </a:ext>
-            </a:extLst>
-          </p:cNvPr>
-          <p:cNvSpPr/>
-          <p:nvPr/>
-        </p:nvSpPr>
-        <p:spPr>
-          <a:xfrm>
-            <a:off x="2184400" y="792890"/>
-            <a:ext cx="6273800" cy="1703387"/>
-          </a:xfrm>
-          <a:custGeom>
-            <a:avLst/>
-            <a:gdLst>
-              <a:gd name="connsiteX0" fmla="*/ 0 w 4483100"/>
-              <a:gd name="connsiteY0" fmla="*/ 1435100 h 1435100"/>
-              <a:gd name="connsiteX1" fmla="*/ 368300 w 4483100"/>
-              <a:gd name="connsiteY1" fmla="*/ 1435100 h 1435100"/>
-              <a:gd name="connsiteX2" fmla="*/ 368300 w 4483100"/>
-              <a:gd name="connsiteY2" fmla="*/ 1028700 h 1435100"/>
-              <a:gd name="connsiteX3" fmla="*/ 3441700 w 4483100"/>
-              <a:gd name="connsiteY3" fmla="*/ 1028700 h 1435100"/>
-              <a:gd name="connsiteX4" fmla="*/ 3429000 w 4483100"/>
-              <a:gd name="connsiteY4" fmla="*/ 12700 h 1435100"/>
-              <a:gd name="connsiteX5" fmla="*/ 4483100 w 4483100"/>
-              <a:gd name="connsiteY5" fmla="*/ 0 h 1435100"/>
-              <a:gd name="connsiteX0" fmla="*/ 0 w 4483100"/>
-              <a:gd name="connsiteY0" fmla="*/ 1435100 h 1435100"/>
-              <a:gd name="connsiteX1" fmla="*/ 368300 w 4483100"/>
-              <a:gd name="connsiteY1" fmla="*/ 1435100 h 1435100"/>
-              <a:gd name="connsiteX2" fmla="*/ 368300 w 4483100"/>
-              <a:gd name="connsiteY2" fmla="*/ 1028700 h 1435100"/>
-              <a:gd name="connsiteX3" fmla="*/ 3436937 w 4483100"/>
-              <a:gd name="connsiteY3" fmla="*/ 1023938 h 1435100"/>
-              <a:gd name="connsiteX4" fmla="*/ 3429000 w 4483100"/>
-              <a:gd name="connsiteY4" fmla="*/ 12700 h 1435100"/>
-              <a:gd name="connsiteX5" fmla="*/ 4483100 w 4483100"/>
-              <a:gd name="connsiteY5" fmla="*/ 0 h 1435100"/>
-              <a:gd name="connsiteX0" fmla="*/ 0 w 4483100"/>
-              <a:gd name="connsiteY0" fmla="*/ 1435100 h 1435100"/>
-              <a:gd name="connsiteX1" fmla="*/ 373063 w 4483100"/>
-              <a:gd name="connsiteY1" fmla="*/ 1430337 h 1435100"/>
-              <a:gd name="connsiteX2" fmla="*/ 368300 w 4483100"/>
-              <a:gd name="connsiteY2" fmla="*/ 1028700 h 1435100"/>
-              <a:gd name="connsiteX3" fmla="*/ 3436937 w 4483100"/>
-              <a:gd name="connsiteY3" fmla="*/ 1023938 h 1435100"/>
-              <a:gd name="connsiteX4" fmla="*/ 3429000 w 4483100"/>
-              <a:gd name="connsiteY4" fmla="*/ 12700 h 1435100"/>
-              <a:gd name="connsiteX5" fmla="*/ 4483100 w 4483100"/>
-              <a:gd name="connsiteY5" fmla="*/ 0 h 1435100"/>
-              <a:gd name="connsiteX0" fmla="*/ 0 w 4483100"/>
-              <a:gd name="connsiteY0" fmla="*/ 1435100 h 1435100"/>
-              <a:gd name="connsiteX1" fmla="*/ 373063 w 4483100"/>
-              <a:gd name="connsiteY1" fmla="*/ 1430337 h 1435100"/>
-              <a:gd name="connsiteX2" fmla="*/ 368300 w 4483100"/>
-              <a:gd name="connsiteY2" fmla="*/ 1028700 h 1435100"/>
-              <a:gd name="connsiteX3" fmla="*/ 3413125 w 4483100"/>
-              <a:gd name="connsiteY3" fmla="*/ 1021557 h 1435100"/>
-              <a:gd name="connsiteX4" fmla="*/ 3429000 w 4483100"/>
-              <a:gd name="connsiteY4" fmla="*/ 12700 h 1435100"/>
-              <a:gd name="connsiteX5" fmla="*/ 4483100 w 4483100"/>
-              <a:gd name="connsiteY5" fmla="*/ 0 h 1435100"/>
-              <a:gd name="connsiteX0" fmla="*/ 0 w 4483100"/>
-              <a:gd name="connsiteY0" fmla="*/ 1435100 h 1435100"/>
-              <a:gd name="connsiteX1" fmla="*/ 373063 w 4483100"/>
-              <a:gd name="connsiteY1" fmla="*/ 1430337 h 1435100"/>
-              <a:gd name="connsiteX2" fmla="*/ 368300 w 4483100"/>
-              <a:gd name="connsiteY2" fmla="*/ 1028700 h 1435100"/>
-              <a:gd name="connsiteX3" fmla="*/ 3413125 w 4483100"/>
-              <a:gd name="connsiteY3" fmla="*/ 1021557 h 1435100"/>
-              <a:gd name="connsiteX4" fmla="*/ 3414712 w 4483100"/>
-              <a:gd name="connsiteY4" fmla="*/ 12700 h 1435100"/>
-              <a:gd name="connsiteX5" fmla="*/ 4483100 w 4483100"/>
-              <a:gd name="connsiteY5" fmla="*/ 0 h 1435100"/>
-              <a:gd name="connsiteX0" fmla="*/ 0 w 4483100"/>
-              <a:gd name="connsiteY0" fmla="*/ 1435100 h 1435100"/>
-              <a:gd name="connsiteX1" fmla="*/ 368300 w 4483100"/>
-              <a:gd name="connsiteY1" fmla="*/ 1435100 h 1435100"/>
-              <a:gd name="connsiteX2" fmla="*/ 368300 w 4483100"/>
-              <a:gd name="connsiteY2" fmla="*/ 1028700 h 1435100"/>
-              <a:gd name="connsiteX3" fmla="*/ 3413125 w 4483100"/>
-              <a:gd name="connsiteY3" fmla="*/ 1021557 h 1435100"/>
-              <a:gd name="connsiteX4" fmla="*/ 3414712 w 4483100"/>
-              <a:gd name="connsiteY4" fmla="*/ 12700 h 1435100"/>
-              <a:gd name="connsiteX5" fmla="*/ 4483100 w 4483100"/>
-              <a:gd name="connsiteY5" fmla="*/ 0 h 1435100"/>
-              <a:gd name="connsiteX0" fmla="*/ 0 w 6273800"/>
-              <a:gd name="connsiteY0" fmla="*/ 1695450 h 1695450"/>
-              <a:gd name="connsiteX1" fmla="*/ 2159000 w 6273800"/>
-              <a:gd name="connsiteY1" fmla="*/ 1435100 h 1695450"/>
-              <a:gd name="connsiteX2" fmla="*/ 2159000 w 6273800"/>
-              <a:gd name="connsiteY2" fmla="*/ 1028700 h 1695450"/>
-              <a:gd name="connsiteX3" fmla="*/ 5203825 w 6273800"/>
-              <a:gd name="connsiteY3" fmla="*/ 1021557 h 1695450"/>
-              <a:gd name="connsiteX4" fmla="*/ 5205412 w 6273800"/>
-              <a:gd name="connsiteY4" fmla="*/ 12700 h 1695450"/>
-              <a:gd name="connsiteX5" fmla="*/ 6273800 w 6273800"/>
-              <a:gd name="connsiteY5" fmla="*/ 0 h 1695450"/>
-              <a:gd name="connsiteX0" fmla="*/ 0 w 6273800"/>
-              <a:gd name="connsiteY0" fmla="*/ 1695450 h 1695450"/>
-              <a:gd name="connsiteX1" fmla="*/ 1441450 w 6273800"/>
-              <a:gd name="connsiteY1" fmla="*/ 1670050 h 1695450"/>
-              <a:gd name="connsiteX2" fmla="*/ 2159000 w 6273800"/>
-              <a:gd name="connsiteY2" fmla="*/ 1028700 h 1695450"/>
-              <a:gd name="connsiteX3" fmla="*/ 5203825 w 6273800"/>
-              <a:gd name="connsiteY3" fmla="*/ 1021557 h 1695450"/>
-              <a:gd name="connsiteX4" fmla="*/ 5205412 w 6273800"/>
-              <a:gd name="connsiteY4" fmla="*/ 12700 h 1695450"/>
-              <a:gd name="connsiteX5" fmla="*/ 6273800 w 6273800"/>
-              <a:gd name="connsiteY5" fmla="*/ 0 h 1695450"/>
-              <a:gd name="connsiteX0" fmla="*/ 0 w 6273800"/>
-              <a:gd name="connsiteY0" fmla="*/ 1695450 h 1695450"/>
-              <a:gd name="connsiteX1" fmla="*/ 1441450 w 6273800"/>
-              <a:gd name="connsiteY1" fmla="*/ 1670050 h 1695450"/>
-              <a:gd name="connsiteX2" fmla="*/ 1416050 w 6273800"/>
-              <a:gd name="connsiteY2" fmla="*/ 1028700 h 1695450"/>
-              <a:gd name="connsiteX3" fmla="*/ 5203825 w 6273800"/>
-              <a:gd name="connsiteY3" fmla="*/ 1021557 h 1695450"/>
-              <a:gd name="connsiteX4" fmla="*/ 5205412 w 6273800"/>
-              <a:gd name="connsiteY4" fmla="*/ 12700 h 1695450"/>
-              <a:gd name="connsiteX5" fmla="*/ 6273800 w 6273800"/>
-              <a:gd name="connsiteY5" fmla="*/ 0 h 1695450"/>
-              <a:gd name="connsiteX0" fmla="*/ 0 w 6273800"/>
-              <a:gd name="connsiteY0" fmla="*/ 1695450 h 1695450"/>
-              <a:gd name="connsiteX1" fmla="*/ 1422400 w 6273800"/>
-              <a:gd name="connsiteY1" fmla="*/ 1682750 h 1695450"/>
-              <a:gd name="connsiteX2" fmla="*/ 1416050 w 6273800"/>
-              <a:gd name="connsiteY2" fmla="*/ 1028700 h 1695450"/>
-              <a:gd name="connsiteX3" fmla="*/ 5203825 w 6273800"/>
-              <a:gd name="connsiteY3" fmla="*/ 1021557 h 1695450"/>
-              <a:gd name="connsiteX4" fmla="*/ 5205412 w 6273800"/>
-              <a:gd name="connsiteY4" fmla="*/ 12700 h 1695450"/>
-              <a:gd name="connsiteX5" fmla="*/ 6273800 w 6273800"/>
-              <a:gd name="connsiteY5" fmla="*/ 0 h 1695450"/>
-              <a:gd name="connsiteX0" fmla="*/ 0 w 6273800"/>
-              <a:gd name="connsiteY0" fmla="*/ 1695450 h 1695450"/>
-              <a:gd name="connsiteX1" fmla="*/ 1422400 w 6273800"/>
-              <a:gd name="connsiteY1" fmla="*/ 1682750 h 1695450"/>
-              <a:gd name="connsiteX2" fmla="*/ 1416050 w 6273800"/>
-              <a:gd name="connsiteY2" fmla="*/ 1028700 h 1695450"/>
-              <a:gd name="connsiteX3" fmla="*/ 5203825 w 6273800"/>
-              <a:gd name="connsiteY3" fmla="*/ 1021557 h 1695450"/>
-              <a:gd name="connsiteX4" fmla="*/ 5205412 w 6273800"/>
-              <a:gd name="connsiteY4" fmla="*/ 12700 h 1695450"/>
-              <a:gd name="connsiteX5" fmla="*/ 6273800 w 6273800"/>
-              <a:gd name="connsiteY5" fmla="*/ 0 h 1695450"/>
-              <a:gd name="connsiteX0" fmla="*/ 0 w 6273800"/>
-              <a:gd name="connsiteY0" fmla="*/ 1695450 h 1697037"/>
-              <a:gd name="connsiteX1" fmla="*/ 1420019 w 6273800"/>
-              <a:gd name="connsiteY1" fmla="*/ 1697037 h 1697037"/>
-              <a:gd name="connsiteX2" fmla="*/ 1416050 w 6273800"/>
-              <a:gd name="connsiteY2" fmla="*/ 1028700 h 1697037"/>
-              <a:gd name="connsiteX3" fmla="*/ 5203825 w 6273800"/>
-              <a:gd name="connsiteY3" fmla="*/ 1021557 h 1697037"/>
-              <a:gd name="connsiteX4" fmla="*/ 5205412 w 6273800"/>
-              <a:gd name="connsiteY4" fmla="*/ 12700 h 1697037"/>
-              <a:gd name="connsiteX5" fmla="*/ 6273800 w 6273800"/>
-              <a:gd name="connsiteY5" fmla="*/ 0 h 1697037"/>
-              <a:gd name="connsiteX0" fmla="*/ 0 w 6273800"/>
-              <a:gd name="connsiteY0" fmla="*/ 1701800 h 1703387"/>
-              <a:gd name="connsiteX1" fmla="*/ 1420019 w 6273800"/>
-              <a:gd name="connsiteY1" fmla="*/ 1703387 h 1703387"/>
-              <a:gd name="connsiteX2" fmla="*/ 1416050 w 6273800"/>
-              <a:gd name="connsiteY2" fmla="*/ 1035050 h 1703387"/>
-              <a:gd name="connsiteX3" fmla="*/ 5203825 w 6273800"/>
-              <a:gd name="connsiteY3" fmla="*/ 1027907 h 1703387"/>
-              <a:gd name="connsiteX4" fmla="*/ 5199062 w 6273800"/>
-              <a:gd name="connsiteY4" fmla="*/ 0 h 1703387"/>
-              <a:gd name="connsiteX5" fmla="*/ 6273800 w 6273800"/>
-              <a:gd name="connsiteY5" fmla="*/ 6350 h 1703387"/>
-            </a:gdLst>
-            <a:ahLst/>
-            <a:cxnLst>
-              <a:cxn ang="0">
-                <a:pos x="connsiteX0" y="connsiteY0"/>
-              </a:cxn>
-              <a:cxn ang="0">
-                <a:pos x="connsiteX1" y="connsiteY1"/>
-              </a:cxn>
-              <a:cxn ang="0">
-                <a:pos x="connsiteX2" y="connsiteY2"/>
-              </a:cxn>
-              <a:cxn ang="0">
-                <a:pos x="connsiteX3" y="connsiteY3"/>
-              </a:cxn>
-              <a:cxn ang="0">
-                <a:pos x="connsiteX4" y="connsiteY4"/>
-              </a:cxn>
-              <a:cxn ang="0">
-                <a:pos x="connsiteX5" y="connsiteY5"/>
-              </a:cxn>
-            </a:cxnLst>
-            <a:rect l="l" t="t" r="r" b="b"/>
-            <a:pathLst>
-              <a:path w="6273800" h="1703387">
-                <a:moveTo>
-                  <a:pt x="0" y="1701800"/>
-                </a:moveTo>
-                <a:lnTo>
-                  <a:pt x="1420019" y="1703387"/>
-                </a:lnTo>
-                <a:cubicBezTo>
-                  <a:pt x="1416844" y="1376362"/>
-                  <a:pt x="1417638" y="1168929"/>
-                  <a:pt x="1416050" y="1035050"/>
-                </a:cubicBezTo>
-                <a:lnTo>
-                  <a:pt x="5203825" y="1027907"/>
-                </a:lnTo>
-                <a:cubicBezTo>
-                  <a:pt x="5201179" y="690828"/>
-                  <a:pt x="5201708" y="337079"/>
-                  <a:pt x="5199062" y="0"/>
-                </a:cubicBezTo>
-                <a:lnTo>
-                  <a:pt x="6273800" y="6350"/>
-                </a:lnTo>
-              </a:path>
-            </a:pathLst>
-          </a:custGeom>
-          <a:ln>
-            <a:tailEnd type="triangle"/>
-          </a:ln>
-        </p:spPr>
-        <p:style>
-          <a:lnRef idx="1">
-            <a:schemeClr val="accent1"/>
-          </a:lnRef>
-          <a:fillRef idx="0">
-            <a:schemeClr val="accent1"/>
-          </a:fillRef>
-          <a:effectRef idx="0">
-            <a:schemeClr val="accent1"/>
-          </a:effectRef>
-          <a:fontRef idx="minor">
-            <a:schemeClr val="tx1"/>
-          </a:fontRef>
-        </p:style>
-        <p:txBody>
-          <a:bodyPr rtlCol="0" anchor="ctr"/>
-          <a:lstStyle/>
-          <a:p>
-            <a:pPr algn="ctr"/>
-            <a:endParaRPr lang="en-US" dirty="0"/>
-          </a:p>
-        </p:txBody>
-      </p:sp>
-      <p:cxnSp>
-        <p:nvCxnSpPr>
-          <p:cNvPr id="65" name="Connector: Elbow 64">
-            <a:extLst>
-              <a:ext uri="{FF2B5EF4-FFF2-40B4-BE49-F238E27FC236}">
-                <a16:creationId xmlns:a16="http://schemas.microsoft.com/office/drawing/2014/main" id="{0DF6A7DB-3A75-4859-98D4-84D6712B0914}"/>
-              </a:ext>
-            </a:extLst>
-          </p:cNvPr>
-          <p:cNvCxnSpPr>
-            <a:cxnSpLocks/>
-            <a:endCxn id="15" idx="0"/>
-          </p:cNvCxnSpPr>
-          <p:nvPr/>
-        </p:nvCxnSpPr>
-        <p:spPr>
-          <a:xfrm>
-            <a:off x="2241096" y="3616722"/>
-            <a:ext cx="429368" cy="254770"/>
-          </a:xfrm>
-          <a:prstGeom prst="bentConnector2">
-            <a:avLst/>
-          </a:prstGeom>
-          <a:ln>
-            <a:tailEnd type="triangle"/>
-          </a:ln>
-        </p:spPr>
-        <p:style>
-          <a:lnRef idx="1">
-            <a:schemeClr val="accent1"/>
-          </a:lnRef>
-          <a:fillRef idx="0">
-            <a:schemeClr val="accent1"/>
-          </a:fillRef>
-          <a:effectRef idx="0">
-            <a:schemeClr val="accent1"/>
-          </a:effectRef>
-          <a:fontRef idx="minor">
-            <a:schemeClr val="tx1"/>
-          </a:fontRef>
-        </p:style>
-      </p:cxnSp>
-      <p:cxnSp>
-        <p:nvCxnSpPr>
-          <p:cNvPr id="73" name="Connector: Elbow 72">
-            <a:extLst>
-              <a:ext uri="{FF2B5EF4-FFF2-40B4-BE49-F238E27FC236}">
-                <a16:creationId xmlns:a16="http://schemas.microsoft.com/office/drawing/2014/main" id="{E12B9D40-D7AF-4BBC-965C-F182A3990B1B}"/>
-              </a:ext>
-            </a:extLst>
-          </p:cNvPr>
-          <p:cNvCxnSpPr>
-            <a:endCxn id="14" idx="0"/>
-          </p:cNvCxnSpPr>
-          <p:nvPr/>
-        </p:nvCxnSpPr>
-        <p:spPr>
-          <a:xfrm>
-            <a:off x="2163451" y="3224637"/>
-            <a:ext cx="2299539" cy="583355"/>
-          </a:xfrm>
-          <a:prstGeom prst="bentConnector2">
-            <a:avLst/>
-          </a:prstGeom>
-          <a:ln>
-            <a:tailEnd type="triangle"/>
-          </a:ln>
-        </p:spPr>
-        <p:style>
-          <a:lnRef idx="1">
-            <a:schemeClr val="accent1"/>
-          </a:lnRef>
-          <a:fillRef idx="0">
-            <a:schemeClr val="accent1"/>
-          </a:fillRef>
-          <a:effectRef idx="0">
-            <a:schemeClr val="accent1"/>
-          </a:effectRef>
-          <a:fontRef idx="minor">
-            <a:schemeClr val="tx1"/>
-          </a:fontRef>
-        </p:style>
-      </p:cxnSp>
-      <p:sp>
-        <p:nvSpPr>
-          <p:cNvPr id="74" name="TextBox 73">
-            <a:extLst>
-              <a:ext uri="{FF2B5EF4-FFF2-40B4-BE49-F238E27FC236}">
-                <a16:creationId xmlns:a16="http://schemas.microsoft.com/office/drawing/2014/main" id="{67BE84AB-5F8C-47C8-8345-863B66E01BF7}"/>
-              </a:ext>
-            </a:extLst>
-          </p:cNvPr>
-          <p:cNvSpPr txBox="1"/>
-          <p:nvPr/>
-        </p:nvSpPr>
-        <p:spPr>
-          <a:xfrm>
-            <a:off x="2000340" y="6649941"/>
-            <a:ext cx="1633781" cy="276999"/>
-          </a:xfrm>
-          <a:prstGeom prst="rect">
-            <a:avLst/>
-          </a:prstGeom>
-          <a:noFill/>
-        </p:spPr>
-        <p:txBody>
-          <a:bodyPr wrap="none" rtlCol="0">
-            <a:spAutoFit/>
-          </a:bodyPr>
-          <a:lstStyle/>
-          <a:p>
-            <a:r>
-              <a:rPr lang="en-US" sz="1200" b="1" dirty="0"/>
-              <a:t>WIDGET SMILEY </a:t>
-            </a:r>
-            <a:r>
-              <a:rPr lang="en-US" sz="1200" dirty="0"/>
-              <a:t>opens</a:t>
-            </a:r>
-          </a:p>
-        </p:txBody>
-      </p:sp>
-      <p:sp>
-        <p:nvSpPr>
-          <p:cNvPr id="75" name="TextBox 74">
-            <a:extLst>
-              <a:ext uri="{FF2B5EF4-FFF2-40B4-BE49-F238E27FC236}">
-                <a16:creationId xmlns:a16="http://schemas.microsoft.com/office/drawing/2014/main" id="{82045D11-6BDE-4943-B128-34F2C5EC367C}"/>
-              </a:ext>
-            </a:extLst>
-          </p:cNvPr>
-          <p:cNvSpPr txBox="1"/>
-          <p:nvPr/>
-        </p:nvSpPr>
-        <p:spPr>
-          <a:xfrm>
-            <a:off x="5329394" y="6580259"/>
-            <a:ext cx="1633781" cy="276999"/>
-          </a:xfrm>
-          <a:prstGeom prst="rect">
-            <a:avLst/>
-          </a:prstGeom>
-          <a:noFill/>
-        </p:spPr>
-        <p:txBody>
-          <a:bodyPr wrap="none" rtlCol="0">
-            <a:spAutoFit/>
-          </a:bodyPr>
-          <a:lstStyle/>
-          <a:p>
-            <a:r>
-              <a:rPr lang="en-US" sz="1200" b="1" dirty="0"/>
-              <a:t>WIDGET SMILEY </a:t>
-            </a:r>
-            <a:r>
-              <a:rPr lang="en-US" sz="1200" dirty="0"/>
-              <a:t>opens</a:t>
-            </a:r>
-          </a:p>
-        </p:txBody>
-      </p:sp>
-      <p:sp>
-        <p:nvSpPr>
-          <p:cNvPr id="76" name="Left Brace 75">
-            <a:extLst>
-              <a:ext uri="{FF2B5EF4-FFF2-40B4-BE49-F238E27FC236}">
-                <a16:creationId xmlns:a16="http://schemas.microsoft.com/office/drawing/2014/main" id="{70AA5B9D-1FC6-400B-B9A9-3B4C4A0675C8}"/>
-              </a:ext>
-            </a:extLst>
-          </p:cNvPr>
-          <p:cNvSpPr/>
-          <p:nvPr/>
-        </p:nvSpPr>
-        <p:spPr>
-          <a:xfrm>
-            <a:off x="1855176" y="6685894"/>
-            <a:ext cx="135209" cy="482092"/>
-          </a:xfrm>
-          <a:prstGeom prst="leftBrace">
-            <a:avLst/>
-          </a:prstGeom>
-        </p:spPr>
-        <p:style>
-          <a:lnRef idx="1">
-            <a:schemeClr val="accent1"/>
-          </a:lnRef>
-          <a:fillRef idx="0">
-            <a:schemeClr val="accent1"/>
-          </a:fillRef>
-          <a:effectRef idx="0">
-            <a:schemeClr val="accent1"/>
-          </a:effectRef>
-          <a:fontRef idx="minor">
-            <a:schemeClr val="tx1"/>
-          </a:fontRef>
-        </p:style>
-        <p:txBody>
-          <a:bodyPr rtlCol="0" anchor="ctr"/>
-          <a:lstStyle/>
-          <a:p>
-            <a:pPr algn="ctr"/>
-            <a:endParaRPr lang="en-US"/>
-          </a:p>
-        </p:txBody>
-      </p:sp>
-      <p:sp>
-        <p:nvSpPr>
-          <p:cNvPr id="78" name="Left Brace 77">
-            <a:extLst>
-              <a:ext uri="{FF2B5EF4-FFF2-40B4-BE49-F238E27FC236}">
-                <a16:creationId xmlns:a16="http://schemas.microsoft.com/office/drawing/2014/main" id="{8AF64F36-B589-468F-B3B6-258C20520ED6}"/>
-              </a:ext>
-            </a:extLst>
-          </p:cNvPr>
-          <p:cNvSpPr/>
-          <p:nvPr/>
-        </p:nvSpPr>
-        <p:spPr>
-          <a:xfrm>
-            <a:off x="5215960" y="6631130"/>
-            <a:ext cx="135209" cy="482092"/>
-          </a:xfrm>
-          <a:prstGeom prst="leftBrace">
-            <a:avLst/>
-          </a:prstGeom>
-        </p:spPr>
-        <p:style>
-          <a:lnRef idx="1">
-            <a:schemeClr val="accent1"/>
-          </a:lnRef>
-          <a:fillRef idx="0">
-            <a:schemeClr val="accent1"/>
-          </a:fillRef>
-          <a:effectRef idx="0">
-            <a:schemeClr val="accent1"/>
-          </a:effectRef>
-          <a:fontRef idx="minor">
-            <a:schemeClr val="tx1"/>
-          </a:fontRef>
-        </p:style>
-        <p:txBody>
-          <a:bodyPr rtlCol="0" anchor="ctr"/>
-          <a:lstStyle/>
-          <a:p>
-            <a:pPr algn="ctr"/>
-            <a:endParaRPr lang="en-US"/>
-          </a:p>
-        </p:txBody>
-      </p:sp>
-      <p:sp>
-        <p:nvSpPr>
-          <p:cNvPr id="87" name="Freeform: Shape 86">
-            <a:extLst>
-              <a:ext uri="{FF2B5EF4-FFF2-40B4-BE49-F238E27FC236}">
-                <a16:creationId xmlns:a16="http://schemas.microsoft.com/office/drawing/2014/main" id="{F66A8AB5-1523-4E82-8B8C-308CAA666E31}"/>
-              </a:ext>
-            </a:extLst>
-          </p:cNvPr>
-          <p:cNvSpPr/>
-          <p:nvPr/>
-        </p:nvSpPr>
-        <p:spPr>
-          <a:xfrm>
-            <a:off x="2176938" y="1617120"/>
-            <a:ext cx="1716882" cy="571976"/>
-          </a:xfrm>
-          <a:custGeom>
-            <a:avLst/>
-            <a:gdLst>
-              <a:gd name="connsiteX0" fmla="*/ 1714500 w 1714500"/>
-              <a:gd name="connsiteY0" fmla="*/ 0 h 579120"/>
-              <a:gd name="connsiteX1" fmla="*/ 1181100 w 1714500"/>
-              <a:gd name="connsiteY1" fmla="*/ 0 h 579120"/>
-              <a:gd name="connsiteX2" fmla="*/ 1181100 w 1714500"/>
-              <a:gd name="connsiteY2" fmla="*/ 571500 h 579120"/>
-              <a:gd name="connsiteX3" fmla="*/ 0 w 1714500"/>
-              <a:gd name="connsiteY3" fmla="*/ 579120 h 579120"/>
-              <a:gd name="connsiteX0" fmla="*/ 1716882 w 1716882"/>
-              <a:gd name="connsiteY0" fmla="*/ 0 h 571976"/>
-              <a:gd name="connsiteX1" fmla="*/ 1183482 w 1716882"/>
-              <a:gd name="connsiteY1" fmla="*/ 0 h 571976"/>
-              <a:gd name="connsiteX2" fmla="*/ 1183482 w 1716882"/>
-              <a:gd name="connsiteY2" fmla="*/ 571500 h 571976"/>
-              <a:gd name="connsiteX3" fmla="*/ 0 w 1716882"/>
-              <a:gd name="connsiteY3" fmla="*/ 571976 h 571976"/>
-            </a:gdLst>
-            <a:ahLst/>
-            <a:cxnLst>
-              <a:cxn ang="0">
-                <a:pos x="connsiteX0" y="connsiteY0"/>
-              </a:cxn>
-              <a:cxn ang="0">
-                <a:pos x="connsiteX1" y="connsiteY1"/>
-              </a:cxn>
-              <a:cxn ang="0">
-                <a:pos x="connsiteX2" y="connsiteY2"/>
-              </a:cxn>
-              <a:cxn ang="0">
-                <a:pos x="connsiteX3" y="connsiteY3"/>
-              </a:cxn>
-            </a:cxnLst>
-            <a:rect l="l" t="t" r="r" b="b"/>
-            <a:pathLst>
-              <a:path w="1716882" h="571976">
-                <a:moveTo>
-                  <a:pt x="1716882" y="0"/>
-                </a:moveTo>
-                <a:lnTo>
-                  <a:pt x="1183482" y="0"/>
-                </a:lnTo>
-                <a:lnTo>
-                  <a:pt x="1183482" y="571500"/>
-                </a:lnTo>
-                <a:lnTo>
-                  <a:pt x="0" y="571976"/>
-                </a:lnTo>
-              </a:path>
-            </a:pathLst>
-          </a:custGeom>
-          <a:ln>
-            <a:tailEnd type="triangle"/>
-          </a:ln>
-        </p:spPr>
-        <p:style>
-          <a:lnRef idx="1">
-            <a:schemeClr val="accent1"/>
-          </a:lnRef>
-          <a:fillRef idx="0">
-            <a:schemeClr val="accent1"/>
-          </a:fillRef>
-          <a:effectRef idx="0">
-            <a:schemeClr val="accent1"/>
-          </a:effectRef>
-          <a:fontRef idx="minor">
-            <a:schemeClr val="tx1"/>
-          </a:fontRef>
-        </p:style>
-        <p:txBody>
-          <a:bodyPr rot="0" spcFirstLastPara="0" vertOverflow="overflow" horzOverflow="overflow" vert="horz" wrap="square" lIns="91440" tIns="45720" rIns="91440" bIns="45720" numCol="1" spcCol="0" rtlCol="0" fromWordArt="0" anchor="ctr" anchorCtr="0" forceAA="0" compatLnSpc="1">
-            <a:prstTxWarp prst="textNoShape">
-              <a:avLst/>
-            </a:prstTxWarp>
-            <a:noAutofit/>
-          </a:bodyPr>
-          <a:lstStyle/>
-          <a:p>
-            <a:pPr algn="ctr"/>
-            <a:endParaRPr lang="en-US">
-              <a:solidFill>
-                <a:schemeClr val="tx1"/>
-              </a:solidFill>
-            </a:endParaRPr>
-          </a:p>
-        </p:txBody>
-      </p:sp>
-      <p:cxnSp>
-        <p:nvCxnSpPr>
-          <p:cNvPr id="90" name="Connector: Elbow 89">
-            <a:extLst>
-              <a:ext uri="{FF2B5EF4-FFF2-40B4-BE49-F238E27FC236}">
-                <a16:creationId xmlns:a16="http://schemas.microsoft.com/office/drawing/2014/main" id="{21AF14FD-C8E7-491E-B0C9-8005A501017F}"/>
-              </a:ext>
-            </a:extLst>
-          </p:cNvPr>
-          <p:cNvCxnSpPr>
-            <a:cxnSpLocks/>
-            <a:stCxn id="12" idx="2"/>
-            <a:endCxn id="20" idx="0"/>
-          </p:cNvCxnSpPr>
-          <p:nvPr/>
-        </p:nvCxnSpPr>
-        <p:spPr>
-          <a:xfrm rot="5400000">
-            <a:off x="3835013" y="127043"/>
-            <a:ext cx="4838873" cy="6874435"/>
-          </a:xfrm>
-          <a:prstGeom prst="bentConnector3">
-            <a:avLst>
-              <a:gd name="adj1" fmla="val 94880"/>
-            </a:avLst>
-          </a:prstGeom>
-          <a:ln>
-            <a:tailEnd type="triangle"/>
-          </a:ln>
-        </p:spPr>
-        <p:style>
-          <a:lnRef idx="1">
-            <a:schemeClr val="accent1"/>
-          </a:lnRef>
-          <a:fillRef idx="0">
-            <a:schemeClr val="accent1"/>
-          </a:fillRef>
-          <a:effectRef idx="0">
-            <a:schemeClr val="accent1"/>
-          </a:effectRef>
-          <a:fontRef idx="minor">
-            <a:schemeClr val="tx1"/>
-          </a:fontRef>
-        </p:style>
-      </p:cxnSp>
-      <p:cxnSp>
-        <p:nvCxnSpPr>
-          <p:cNvPr id="93" name="Connector: Elbow 92">
-            <a:extLst>
-              <a:ext uri="{FF2B5EF4-FFF2-40B4-BE49-F238E27FC236}">
-                <a16:creationId xmlns:a16="http://schemas.microsoft.com/office/drawing/2014/main" id="{572437DE-E3D0-46CA-9D28-E167F04C94F8}"/>
-              </a:ext>
-            </a:extLst>
-          </p:cNvPr>
-          <p:cNvCxnSpPr>
-            <a:cxnSpLocks/>
-            <a:stCxn id="15" idx="2"/>
-            <a:endCxn id="20" idx="0"/>
-          </p:cNvCxnSpPr>
-          <p:nvPr/>
-        </p:nvCxnSpPr>
-        <p:spPr>
-          <a:xfrm rot="16200000" flipH="1">
-            <a:off x="2564908" y="5731373"/>
-            <a:ext cx="357879" cy="146767"/>
-          </a:xfrm>
-          <a:prstGeom prst="bentConnector3">
-            <a:avLst/>
-          </a:prstGeom>
-          <a:ln>
-            <a:tailEnd type="triangle"/>
-          </a:ln>
-        </p:spPr>
-        <p:style>
-          <a:lnRef idx="1">
-            <a:schemeClr val="accent1"/>
-          </a:lnRef>
-          <a:fillRef idx="0">
-            <a:schemeClr val="accent1"/>
-          </a:fillRef>
-          <a:effectRef idx="0">
-            <a:schemeClr val="accent1"/>
-          </a:effectRef>
-          <a:fontRef idx="minor">
-            <a:schemeClr val="tx1"/>
-          </a:fontRef>
-        </p:style>
-      </p:cxnSp>
-      <p:cxnSp>
-        <p:nvCxnSpPr>
-          <p:cNvPr id="95" name="Connector: Elbow 94">
-            <a:extLst>
-              <a:ext uri="{FF2B5EF4-FFF2-40B4-BE49-F238E27FC236}">
-                <a16:creationId xmlns:a16="http://schemas.microsoft.com/office/drawing/2014/main" id="{9B08F7BB-A344-42D0-8A85-6A3F9ABE66A5}"/>
-              </a:ext>
-            </a:extLst>
-          </p:cNvPr>
-          <p:cNvCxnSpPr>
-            <a:stCxn id="14" idx="2"/>
-            <a:endCxn id="20" idx="0"/>
-          </p:cNvCxnSpPr>
-          <p:nvPr/>
-        </p:nvCxnSpPr>
-        <p:spPr>
-          <a:xfrm rot="5400000">
-            <a:off x="3429422" y="4950128"/>
-            <a:ext cx="421379" cy="1645759"/>
-          </a:xfrm>
-          <a:prstGeom prst="bentConnector3">
-            <a:avLst>
-              <a:gd name="adj1" fmla="val 50000"/>
-            </a:avLst>
-          </a:prstGeom>
-          <a:ln>
-            <a:tailEnd type="triangle"/>
-          </a:ln>
-        </p:spPr>
-        <p:style>
-          <a:lnRef idx="1">
-            <a:schemeClr val="accent1"/>
-          </a:lnRef>
-          <a:fillRef idx="0">
-            <a:schemeClr val="accent1"/>
-          </a:fillRef>
-          <a:effectRef idx="0">
-            <a:schemeClr val="accent1"/>
-          </a:effectRef>
-          <a:fontRef idx="minor">
-            <a:schemeClr val="tx1"/>
-          </a:fontRef>
-        </p:style>
-      </p:cxnSp>
-      <p:sp>
-        <p:nvSpPr>
-          <p:cNvPr id="99" name="TextBox 98">
-            <a:extLst>
-              <a:ext uri="{FF2B5EF4-FFF2-40B4-BE49-F238E27FC236}">
-                <a16:creationId xmlns:a16="http://schemas.microsoft.com/office/drawing/2014/main" id="{766EEE7F-A083-4B41-9BA4-AF0ADBF27FB0}"/>
-              </a:ext>
-            </a:extLst>
-          </p:cNvPr>
-          <p:cNvSpPr txBox="1"/>
-          <p:nvPr/>
-        </p:nvSpPr>
-        <p:spPr>
-          <a:xfrm>
-            <a:off x="1825741" y="7856231"/>
-            <a:ext cx="3007875" cy="1200329"/>
-          </a:xfrm>
-          <a:prstGeom prst="rect">
-            <a:avLst/>
-          </a:prstGeom>
-          <a:noFill/>
-        </p:spPr>
-        <p:txBody>
-          <a:bodyPr wrap="none" rtlCol="0">
-            <a:spAutoFit/>
-          </a:bodyPr>
-          <a:lstStyle/>
-          <a:p>
-            <a:r>
-              <a:rPr lang="en-US" sz="1200" b="1" dirty="0"/>
-              <a:t>Routine </a:t>
-            </a:r>
-            <a:r>
-              <a:rPr lang="en-US" sz="1200" b="1" dirty="0" err="1"/>
-              <a:t>set_Ref_Zero</a:t>
-            </a:r>
-            <a:r>
-              <a:rPr lang="en-US" sz="1200" b="1" dirty="0"/>
-              <a:t>(MAP_NAME.CANVAS)</a:t>
-            </a:r>
-            <a:endParaRPr lang="en-US" sz="1200" dirty="0"/>
-          </a:p>
-          <a:p>
-            <a:r>
-              <a:rPr lang="en-US" sz="1200" dirty="0"/>
-              <a:t>	Map(MAP_NAME).zoom</a:t>
-            </a:r>
-          </a:p>
-          <a:p>
-            <a:r>
-              <a:rPr lang="en-US" sz="1200" dirty="0"/>
-              <a:t>	Map(MAP_NAME).drag</a:t>
-            </a:r>
-          </a:p>
-          <a:p>
-            <a:r>
-              <a:rPr lang="en-US" sz="1200" dirty="0"/>
-              <a:t>	Sets </a:t>
-            </a:r>
-            <a:r>
-              <a:rPr lang="en-US" sz="1200" dirty="0" err="1"/>
-              <a:t>Ref_Zero</a:t>
-            </a:r>
-            <a:r>
-              <a:rPr lang="en-US" sz="1200" dirty="0"/>
-              <a:t>(X0,Y0)</a:t>
-            </a:r>
-          </a:p>
-          <a:p>
-            <a:r>
-              <a:rPr lang="en-US" sz="1200" dirty="0"/>
-              <a:t>	</a:t>
-            </a:r>
-            <a:r>
-              <a:rPr lang="en-US" sz="1200" dirty="0" err="1"/>
-              <a:t>X_Moves</a:t>
-            </a:r>
-            <a:r>
-              <a:rPr lang="en-US" sz="1200" dirty="0"/>
-              <a:t>=Sum(</a:t>
-            </a:r>
-            <a:r>
-              <a:rPr lang="en-US" sz="1200" dirty="0" err="1"/>
-              <a:t>zoom_i</a:t>
-            </a:r>
-            <a:r>
-              <a:rPr lang="en-US" sz="1200" dirty="0"/>
-              <a:t>(</a:t>
-            </a:r>
-            <a:r>
-              <a:rPr lang="en-US" sz="1200" dirty="0" err="1"/>
-              <a:t>Delta_X_i</a:t>
-            </a:r>
-            <a:r>
-              <a:rPr lang="en-US" sz="1200" dirty="0"/>
-              <a:t>))</a:t>
-            </a:r>
-          </a:p>
-          <a:p>
-            <a:r>
-              <a:rPr lang="en-US" sz="1200" dirty="0"/>
-              <a:t>	</a:t>
-            </a:r>
-            <a:r>
-              <a:rPr lang="en-US" sz="1200" dirty="0" err="1"/>
-              <a:t>Y_Moves</a:t>
-            </a:r>
-            <a:r>
-              <a:rPr lang="en-US" sz="1200" dirty="0"/>
-              <a:t>=Sum(</a:t>
-            </a:r>
-            <a:r>
-              <a:rPr lang="en-US" sz="1200" dirty="0" err="1"/>
-              <a:t>zoom_i</a:t>
-            </a:r>
-            <a:r>
-              <a:rPr lang="en-US" sz="1200" dirty="0"/>
-              <a:t>(</a:t>
-            </a:r>
-            <a:r>
-              <a:rPr lang="en-US" sz="1200" dirty="0" err="1"/>
-              <a:t>Delta_Y_i</a:t>
-            </a:r>
-            <a:r>
-              <a:rPr lang="en-US" sz="1200" dirty="0"/>
-              <a:t>))</a:t>
-            </a:r>
-          </a:p>
-        </p:txBody>
-      </p:sp>
-      <p:sp>
-        <p:nvSpPr>
-          <p:cNvPr id="100" name="TextBox 99">
-            <a:extLst>
-              <a:ext uri="{FF2B5EF4-FFF2-40B4-BE49-F238E27FC236}">
-                <a16:creationId xmlns:a16="http://schemas.microsoft.com/office/drawing/2014/main" id="{F5A164CE-7CC1-46B0-B5A0-76A7668930A7}"/>
-              </a:ext>
-            </a:extLst>
-          </p:cNvPr>
-          <p:cNvSpPr txBox="1"/>
-          <p:nvPr/>
-        </p:nvSpPr>
-        <p:spPr>
-          <a:xfrm>
-            <a:off x="1825741" y="9172004"/>
-            <a:ext cx="3042371" cy="276999"/>
-          </a:xfrm>
-          <a:prstGeom prst="rect">
-            <a:avLst/>
-          </a:prstGeom>
-          <a:noFill/>
-        </p:spPr>
-        <p:txBody>
-          <a:bodyPr wrap="none" rtlCol="0">
-            <a:spAutoFit/>
-          </a:bodyPr>
-          <a:lstStyle/>
-          <a:p>
-            <a:r>
-              <a:rPr lang="en-US" sz="1200" b="1" dirty="0"/>
-              <a:t>WIDGET SMILEY  </a:t>
-            </a:r>
-            <a:r>
-              <a:rPr lang="en-US" sz="1200" dirty="0"/>
-              <a:t>on mouse event DoubleClick</a:t>
-            </a:r>
-          </a:p>
-        </p:txBody>
-      </p:sp>
-      <p:sp>
-        <p:nvSpPr>
-          <p:cNvPr id="101" name="TextBox 100">
-            <a:extLst>
-              <a:ext uri="{FF2B5EF4-FFF2-40B4-BE49-F238E27FC236}">
-                <a16:creationId xmlns:a16="http://schemas.microsoft.com/office/drawing/2014/main" id="{DDF59134-3D74-4719-B5BA-EF300EB05F97}"/>
-              </a:ext>
-            </a:extLst>
-          </p:cNvPr>
-          <p:cNvSpPr txBox="1"/>
-          <p:nvPr/>
-        </p:nvSpPr>
-        <p:spPr>
-          <a:xfrm>
-            <a:off x="5377740" y="9172004"/>
-            <a:ext cx="3042371" cy="276999"/>
-          </a:xfrm>
-          <a:prstGeom prst="rect">
-            <a:avLst/>
-          </a:prstGeom>
-          <a:noFill/>
-        </p:spPr>
-        <p:txBody>
-          <a:bodyPr wrap="none" rtlCol="0">
-            <a:spAutoFit/>
-          </a:bodyPr>
-          <a:lstStyle/>
-          <a:p>
-            <a:r>
-              <a:rPr lang="en-US" sz="1200" b="1" dirty="0"/>
-              <a:t>WIDGET SMILEY  </a:t>
-            </a:r>
-            <a:r>
-              <a:rPr lang="en-US" sz="1200" dirty="0"/>
-              <a:t>on mouse event DoubleClick</a:t>
-            </a:r>
-          </a:p>
-        </p:txBody>
-      </p:sp>
-      <p:cxnSp>
-        <p:nvCxnSpPr>
-          <p:cNvPr id="103" name="Connector: Elbow 102">
-            <a:extLst>
-              <a:ext uri="{FF2B5EF4-FFF2-40B4-BE49-F238E27FC236}">
-                <a16:creationId xmlns:a16="http://schemas.microsoft.com/office/drawing/2014/main" id="{909532A1-16CE-4296-ADFC-4C370F2DA3E1}"/>
-              </a:ext>
-            </a:extLst>
-          </p:cNvPr>
-          <p:cNvCxnSpPr>
-            <a:cxnSpLocks/>
-            <a:stCxn id="17" idx="2"/>
-          </p:cNvCxnSpPr>
-          <p:nvPr/>
-        </p:nvCxnSpPr>
-        <p:spPr>
-          <a:xfrm rot="5400000" flipH="1">
-            <a:off x="41606" y="7196704"/>
-            <a:ext cx="3736957" cy="2372986"/>
-          </a:xfrm>
-          <a:prstGeom prst="bentConnector3">
-            <a:avLst>
-              <a:gd name="adj1" fmla="val -6117"/>
-            </a:avLst>
-          </a:prstGeom>
-          <a:ln>
-            <a:tailEnd type="triangle"/>
-          </a:ln>
-        </p:spPr>
-        <p:style>
-          <a:lnRef idx="1">
-            <a:schemeClr val="accent1"/>
-          </a:lnRef>
-          <a:fillRef idx="0">
-            <a:schemeClr val="accent1"/>
-          </a:fillRef>
-          <a:effectRef idx="0">
-            <a:schemeClr val="accent1"/>
-          </a:effectRef>
-          <a:fontRef idx="minor">
-            <a:schemeClr val="tx1"/>
-          </a:fontRef>
-        </p:style>
-      </p:cxnSp>
-      <p:sp>
-        <p:nvSpPr>
-          <p:cNvPr id="20" name="TextBox 19">
-            <a:extLst>
-              <a:ext uri="{FF2B5EF4-FFF2-40B4-BE49-F238E27FC236}">
-                <a16:creationId xmlns:a16="http://schemas.microsoft.com/office/drawing/2014/main" id="{C6402CD7-8D6E-4A13-8A69-B6924F70410D}"/>
-              </a:ext>
-            </a:extLst>
-          </p:cNvPr>
-          <p:cNvSpPr txBox="1"/>
-          <p:nvPr/>
-        </p:nvSpPr>
-        <p:spPr>
-          <a:xfrm>
-            <a:off x="2510897" y="5983697"/>
-            <a:ext cx="612668" cy="276999"/>
-          </a:xfrm>
-          <a:prstGeom prst="rect">
-            <a:avLst/>
-          </a:prstGeom>
-          <a:solidFill>
-            <a:schemeClr val="bg1"/>
-          </a:solidFill>
-          <a:ln w="3175">
-            <a:solidFill>
-              <a:schemeClr val="tx1"/>
-            </a:solidFill>
-          </a:ln>
-        </p:spPr>
-        <p:txBody>
-          <a:bodyPr wrap="none" rtlCol="0">
-            <a:spAutoFit/>
-          </a:bodyPr>
-          <a:lstStyle/>
-          <a:p>
-            <a:r>
-              <a:rPr lang="en-US" sz="1200" dirty="0"/>
-              <a:t>ITER=1</a:t>
-            </a:r>
-          </a:p>
-        </p:txBody>
-      </p:sp>
-      <p:cxnSp>
-        <p:nvCxnSpPr>
-          <p:cNvPr id="117" name="Straight Arrow Connector 116">
-            <a:extLst>
-              <a:ext uri="{FF2B5EF4-FFF2-40B4-BE49-F238E27FC236}">
-                <a16:creationId xmlns:a16="http://schemas.microsoft.com/office/drawing/2014/main" id="{3EB862B7-07E8-405D-9891-A550E3B48C69}"/>
-              </a:ext>
-            </a:extLst>
-          </p:cNvPr>
-          <p:cNvCxnSpPr>
-            <a:cxnSpLocks/>
-            <a:endCxn id="74" idx="0"/>
-          </p:cNvCxnSpPr>
-          <p:nvPr/>
-        </p:nvCxnSpPr>
-        <p:spPr>
-          <a:xfrm>
-            <a:off x="2817230" y="6514717"/>
-            <a:ext cx="1" cy="135224"/>
-          </a:xfrm>
-          <a:prstGeom prst="straightConnector1">
-            <a:avLst/>
-          </a:prstGeom>
-          <a:ln>
-            <a:tailEnd type="triangle"/>
-          </a:ln>
-        </p:spPr>
-        <p:style>
-          <a:lnRef idx="1">
-            <a:schemeClr val="accent1"/>
-          </a:lnRef>
-          <a:fillRef idx="0">
-            <a:schemeClr val="accent1"/>
-          </a:fillRef>
-          <a:effectRef idx="0">
-            <a:schemeClr val="accent1"/>
-          </a:effectRef>
-          <a:fontRef idx="minor">
-            <a:schemeClr val="tx1"/>
-          </a:fontRef>
-        </p:style>
-      </p:cxnSp>
-      <p:cxnSp>
-        <p:nvCxnSpPr>
-          <p:cNvPr id="123" name="Straight Arrow Connector 122">
-            <a:extLst>
-              <a:ext uri="{FF2B5EF4-FFF2-40B4-BE49-F238E27FC236}">
-                <a16:creationId xmlns:a16="http://schemas.microsoft.com/office/drawing/2014/main" id="{1B8E2811-7A8D-4AE7-B130-0E1651D756AC}"/>
-              </a:ext>
-            </a:extLst>
-          </p:cNvPr>
-          <p:cNvCxnSpPr>
-            <a:cxnSpLocks/>
-          </p:cNvCxnSpPr>
-          <p:nvPr/>
-        </p:nvCxnSpPr>
-        <p:spPr>
-          <a:xfrm>
-            <a:off x="2817230" y="6253979"/>
-            <a:ext cx="1" cy="192851"/>
-          </a:xfrm>
-          <a:prstGeom prst="straightConnector1">
-            <a:avLst/>
-          </a:prstGeom>
-          <a:ln>
-            <a:tailEnd type="triangle"/>
-          </a:ln>
-        </p:spPr>
-        <p:style>
-          <a:lnRef idx="1">
-            <a:schemeClr val="accent1"/>
-          </a:lnRef>
-          <a:fillRef idx="0">
-            <a:schemeClr val="accent1"/>
-          </a:fillRef>
-          <a:effectRef idx="0">
-            <a:schemeClr val="accent1"/>
-          </a:effectRef>
-          <a:fontRef idx="minor">
-            <a:schemeClr val="tx1"/>
-          </a:fontRef>
-        </p:style>
-      </p:cxnSp>
-      <p:cxnSp>
-        <p:nvCxnSpPr>
-          <p:cNvPr id="134" name="Connector: Elbow 133">
-            <a:extLst>
-              <a:ext uri="{FF2B5EF4-FFF2-40B4-BE49-F238E27FC236}">
-                <a16:creationId xmlns:a16="http://schemas.microsoft.com/office/drawing/2014/main" id="{C79D77CA-5565-412B-A937-790C25B12B3C}"/>
-              </a:ext>
-            </a:extLst>
-          </p:cNvPr>
-          <p:cNvCxnSpPr>
-            <a:cxnSpLocks/>
-            <a:endCxn id="21" idx="1"/>
-          </p:cNvCxnSpPr>
-          <p:nvPr/>
-        </p:nvCxnSpPr>
-        <p:spPr>
-          <a:xfrm flipV="1">
-            <a:off x="723591" y="6454902"/>
-            <a:ext cx="5086321" cy="3289903"/>
-          </a:xfrm>
-          <a:prstGeom prst="bentConnector3">
-            <a:avLst>
-              <a:gd name="adj1" fmla="val 62"/>
-            </a:avLst>
-          </a:prstGeom>
-          <a:ln>
-            <a:tailEnd type="triangle"/>
-          </a:ln>
-        </p:spPr>
-        <p:style>
-          <a:lnRef idx="1">
-            <a:schemeClr val="accent1"/>
-          </a:lnRef>
-          <a:fillRef idx="0">
-            <a:schemeClr val="accent1"/>
-          </a:fillRef>
-          <a:effectRef idx="0">
-            <a:schemeClr val="accent1"/>
-          </a:effectRef>
-          <a:fontRef idx="minor">
-            <a:schemeClr val="tx1"/>
-          </a:fontRef>
-        </p:style>
-      </p:cxnSp>
-      <p:sp>
-        <p:nvSpPr>
-          <p:cNvPr id="137" name="TextBox 136">
-            <a:extLst>
-              <a:ext uri="{FF2B5EF4-FFF2-40B4-BE49-F238E27FC236}">
-                <a16:creationId xmlns:a16="http://schemas.microsoft.com/office/drawing/2014/main" id="{70B7796E-0344-4A1B-9A89-B14B3729ABCF}"/>
-              </a:ext>
-            </a:extLst>
-          </p:cNvPr>
-          <p:cNvSpPr txBox="1"/>
-          <p:nvPr/>
-        </p:nvSpPr>
-        <p:spPr>
-          <a:xfrm>
-            <a:off x="5321300" y="7823027"/>
-            <a:ext cx="3275833" cy="1200329"/>
-          </a:xfrm>
-          <a:prstGeom prst="rect">
-            <a:avLst/>
-          </a:prstGeom>
-          <a:noFill/>
-        </p:spPr>
-        <p:txBody>
-          <a:bodyPr wrap="none" rtlCol="0">
-            <a:spAutoFit/>
-          </a:bodyPr>
-          <a:lstStyle/>
-          <a:p>
-            <a:r>
-              <a:rPr lang="en-US" sz="1200" b="1" dirty="0"/>
-              <a:t>Routine </a:t>
-            </a:r>
-            <a:r>
-              <a:rPr lang="en-US" sz="1200" b="1" dirty="0" err="1"/>
-              <a:t>set_Ref_MOVES</a:t>
-            </a:r>
-            <a:r>
-              <a:rPr lang="en-US" sz="1200" b="1" dirty="0"/>
-              <a:t>(MAP_NAME.CANVAS)</a:t>
-            </a:r>
-            <a:endParaRPr lang="en-US" sz="1200" dirty="0"/>
-          </a:p>
-          <a:p>
-            <a:r>
-              <a:rPr lang="en-US" sz="1200" dirty="0"/>
-              <a:t>	Map(MAP_NAME).zoom</a:t>
-            </a:r>
-          </a:p>
-          <a:p>
-            <a:r>
-              <a:rPr lang="en-US" sz="1200" dirty="0"/>
-              <a:t>	Map(MAP_NAME).drag</a:t>
-            </a:r>
-          </a:p>
-          <a:p>
-            <a:r>
-              <a:rPr lang="en-US" sz="1200" dirty="0"/>
-              <a:t>	</a:t>
-            </a:r>
-            <a:r>
-              <a:rPr lang="en-US" sz="1200" dirty="0" err="1"/>
-              <a:t>X_Moves</a:t>
-            </a:r>
-            <a:r>
-              <a:rPr lang="en-US" sz="1200" dirty="0"/>
-              <a:t>=Sum(</a:t>
-            </a:r>
-            <a:r>
-              <a:rPr lang="en-US" sz="1200" dirty="0" err="1"/>
-              <a:t>zoom_i</a:t>
-            </a:r>
-            <a:r>
-              <a:rPr lang="en-US" sz="1200" dirty="0"/>
-              <a:t>(</a:t>
-            </a:r>
-            <a:r>
-              <a:rPr lang="en-US" sz="1200" dirty="0" err="1"/>
-              <a:t>Delta_X_i</a:t>
-            </a:r>
-            <a:r>
-              <a:rPr lang="en-US" sz="1200" dirty="0"/>
-              <a:t>))</a:t>
-            </a:r>
-          </a:p>
-          <a:p>
-            <a:r>
-              <a:rPr lang="en-US" sz="1200" dirty="0"/>
-              <a:t>	</a:t>
-            </a:r>
-            <a:r>
-              <a:rPr lang="en-US" sz="1200" dirty="0" err="1"/>
-              <a:t>Y_Moves</a:t>
-            </a:r>
-            <a:r>
-              <a:rPr lang="en-US" sz="1200" dirty="0"/>
-              <a:t>=Sum(</a:t>
-            </a:r>
-            <a:r>
-              <a:rPr lang="en-US" sz="1200" dirty="0" err="1"/>
-              <a:t>zoom_i</a:t>
-            </a:r>
-            <a:r>
-              <a:rPr lang="en-US" sz="1200" dirty="0"/>
-              <a:t>(</a:t>
-            </a:r>
-            <a:r>
-              <a:rPr lang="en-US" sz="1200" dirty="0" err="1"/>
-              <a:t>Delta_Y_i</a:t>
-            </a:r>
-            <a:r>
-              <a:rPr lang="en-US" sz="1200" dirty="0"/>
-              <a:t>))</a:t>
-            </a:r>
-          </a:p>
-          <a:p>
-            <a:r>
-              <a:rPr lang="en-US" sz="1200" dirty="0"/>
-              <a:t>	</a:t>
-            </a:r>
-          </a:p>
-        </p:txBody>
-      </p:sp>
-      <p:cxnSp>
-        <p:nvCxnSpPr>
-          <p:cNvPr id="139" name="Connector: Elbow 138">
-            <a:extLst>
-              <a:ext uri="{FF2B5EF4-FFF2-40B4-BE49-F238E27FC236}">
-                <a16:creationId xmlns:a16="http://schemas.microsoft.com/office/drawing/2014/main" id="{BD0F67D4-69E6-4B26-B853-2A97501DE277}"/>
-              </a:ext>
-            </a:extLst>
-          </p:cNvPr>
-          <p:cNvCxnSpPr>
-            <a:cxnSpLocks/>
-            <a:stCxn id="14" idx="3"/>
-            <a:endCxn id="151" idx="0"/>
-          </p:cNvCxnSpPr>
-          <p:nvPr/>
-        </p:nvCxnSpPr>
-        <p:spPr>
-          <a:xfrm>
-            <a:off x="5382152" y="4685155"/>
-            <a:ext cx="4774990" cy="1768031"/>
-          </a:xfrm>
-          <a:prstGeom prst="bentConnector2">
-            <a:avLst/>
-          </a:prstGeom>
-          <a:ln>
-            <a:tailEnd type="triangle"/>
-          </a:ln>
-        </p:spPr>
-        <p:style>
-          <a:lnRef idx="1">
-            <a:schemeClr val="accent1"/>
-          </a:lnRef>
-          <a:fillRef idx="0">
-            <a:schemeClr val="accent1"/>
-          </a:fillRef>
-          <a:effectRef idx="0">
-            <a:schemeClr val="accent1"/>
-          </a:effectRef>
-          <a:fontRef idx="minor">
-            <a:schemeClr val="tx1"/>
-          </a:fontRef>
-        </p:style>
-      </p:cxnSp>
-      <p:cxnSp>
-        <p:nvCxnSpPr>
-          <p:cNvPr id="145" name="Connector: Elbow 144">
-            <a:extLst>
-              <a:ext uri="{FF2B5EF4-FFF2-40B4-BE49-F238E27FC236}">
-                <a16:creationId xmlns:a16="http://schemas.microsoft.com/office/drawing/2014/main" id="{6552CCF6-CE69-41DA-96AC-2538CB0C9BFA}"/>
-              </a:ext>
-            </a:extLst>
-          </p:cNvPr>
-          <p:cNvCxnSpPr>
-            <a:cxnSpLocks/>
-            <a:stCxn id="18" idx="3"/>
-            <a:endCxn id="151" idx="0"/>
-          </p:cNvCxnSpPr>
-          <p:nvPr/>
-        </p:nvCxnSpPr>
-        <p:spPr>
-          <a:xfrm flipV="1">
-            <a:off x="8207121" y="6453186"/>
-            <a:ext cx="1950021" cy="3318983"/>
-          </a:xfrm>
-          <a:prstGeom prst="bentConnector4">
-            <a:avLst>
-              <a:gd name="adj1" fmla="val 29054"/>
-              <a:gd name="adj2" fmla="val 106888"/>
-            </a:avLst>
-          </a:prstGeom>
-          <a:ln>
-            <a:tailEnd type="triangle"/>
-          </a:ln>
-        </p:spPr>
-        <p:style>
-          <a:lnRef idx="1">
-            <a:schemeClr val="accent1"/>
-          </a:lnRef>
-          <a:fillRef idx="0">
-            <a:schemeClr val="accent1"/>
-          </a:fillRef>
-          <a:effectRef idx="0">
-            <a:schemeClr val="accent1"/>
-          </a:effectRef>
-          <a:fontRef idx="minor">
-            <a:schemeClr val="tx1"/>
-          </a:fontRef>
-        </p:style>
-      </p:cxnSp>
-      <p:sp>
-        <p:nvSpPr>
-          <p:cNvPr id="151" name="TextBox 150">
-            <a:extLst>
-              <a:ext uri="{FF2B5EF4-FFF2-40B4-BE49-F238E27FC236}">
-                <a16:creationId xmlns:a16="http://schemas.microsoft.com/office/drawing/2014/main" id="{855037A4-5217-4BE3-8A05-73F4463D7B7F}"/>
-              </a:ext>
-            </a:extLst>
-          </p:cNvPr>
-          <p:cNvSpPr txBox="1"/>
-          <p:nvPr/>
-        </p:nvSpPr>
-        <p:spPr>
-          <a:xfrm>
-            <a:off x="9340251" y="6453186"/>
-            <a:ext cx="1633781" cy="276999"/>
-          </a:xfrm>
-          <a:prstGeom prst="rect">
-            <a:avLst/>
-          </a:prstGeom>
-          <a:noFill/>
-        </p:spPr>
-        <p:txBody>
-          <a:bodyPr wrap="none" rtlCol="0">
-            <a:spAutoFit/>
-          </a:bodyPr>
-          <a:lstStyle/>
-          <a:p>
-            <a:r>
-              <a:rPr lang="en-US" sz="1200" b="1" dirty="0"/>
-              <a:t>WIDGET SMILEY </a:t>
-            </a:r>
-            <a:r>
-              <a:rPr lang="en-US" sz="1200" dirty="0"/>
-              <a:t>opens</a:t>
-            </a:r>
-          </a:p>
-        </p:txBody>
-      </p:sp>
-      <p:sp>
-        <p:nvSpPr>
-          <p:cNvPr id="152" name="Left Brace 151">
-            <a:extLst>
-              <a:ext uri="{FF2B5EF4-FFF2-40B4-BE49-F238E27FC236}">
-                <a16:creationId xmlns:a16="http://schemas.microsoft.com/office/drawing/2014/main" id="{FBA0CE24-F4B1-4641-9C21-01283A225EF9}"/>
-              </a:ext>
-            </a:extLst>
-          </p:cNvPr>
-          <p:cNvSpPr/>
-          <p:nvPr/>
-        </p:nvSpPr>
-        <p:spPr>
-          <a:xfrm>
-            <a:off x="9226817" y="6442065"/>
-            <a:ext cx="135209" cy="482092"/>
-          </a:xfrm>
-          <a:prstGeom prst="leftBrace">
-            <a:avLst/>
-          </a:prstGeom>
-        </p:spPr>
-        <p:style>
-          <a:lnRef idx="1">
-            <a:schemeClr val="accent1"/>
-          </a:lnRef>
-          <a:fillRef idx="0">
-            <a:schemeClr val="accent1"/>
-          </a:fillRef>
-          <a:effectRef idx="0">
-            <a:schemeClr val="accent1"/>
-          </a:effectRef>
-          <a:fontRef idx="minor">
-            <a:schemeClr val="tx1"/>
-          </a:fontRef>
-        </p:style>
-        <p:txBody>
-          <a:bodyPr rtlCol="0" anchor="ctr"/>
-          <a:lstStyle/>
-          <a:p>
-            <a:pPr algn="ctr"/>
-            <a:endParaRPr lang="en-US"/>
-          </a:p>
-        </p:txBody>
-      </p:sp>
-      <p:sp>
-        <p:nvSpPr>
-          <p:cNvPr id="158" name="TextBox 157">
-            <a:extLst>
-              <a:ext uri="{FF2B5EF4-FFF2-40B4-BE49-F238E27FC236}">
-                <a16:creationId xmlns:a16="http://schemas.microsoft.com/office/drawing/2014/main" id="{BD77D5A2-C5E6-4C01-A77A-6E3441E98D02}"/>
-              </a:ext>
-            </a:extLst>
-          </p:cNvPr>
-          <p:cNvSpPr txBox="1"/>
-          <p:nvPr/>
-        </p:nvSpPr>
-        <p:spPr>
-          <a:xfrm>
-            <a:off x="9362026" y="7866965"/>
-            <a:ext cx="3042371" cy="276999"/>
-          </a:xfrm>
-          <a:prstGeom prst="rect">
-            <a:avLst/>
-          </a:prstGeom>
-          <a:noFill/>
-        </p:spPr>
-        <p:txBody>
-          <a:bodyPr wrap="none" rtlCol="0">
-            <a:spAutoFit/>
-          </a:bodyPr>
-          <a:lstStyle/>
-          <a:p>
-            <a:r>
-              <a:rPr lang="en-US" sz="1200" b="1" dirty="0"/>
-              <a:t>WIDGET SMILEY  </a:t>
-            </a:r>
-            <a:r>
-              <a:rPr lang="en-US" sz="1200" dirty="0"/>
-              <a:t>on mouse event DoubleClick</a:t>
-            </a:r>
-          </a:p>
-        </p:txBody>
-      </p:sp>
-      <p:sp>
-        <p:nvSpPr>
-          <p:cNvPr id="163" name="TextBox 162">
-            <a:extLst>
-              <a:ext uri="{FF2B5EF4-FFF2-40B4-BE49-F238E27FC236}">
-                <a16:creationId xmlns:a16="http://schemas.microsoft.com/office/drawing/2014/main" id="{BF4386F9-43B7-46D4-A4D6-FAB3D0E0F18D}"/>
-              </a:ext>
-            </a:extLst>
-          </p:cNvPr>
-          <p:cNvSpPr txBox="1"/>
-          <p:nvPr/>
-        </p:nvSpPr>
-        <p:spPr>
-          <a:xfrm>
-            <a:off x="707550" y="11362379"/>
-            <a:ext cx="3086551" cy="830997"/>
-          </a:xfrm>
-          <a:prstGeom prst="rect">
-            <a:avLst/>
-          </a:prstGeom>
-          <a:noFill/>
-        </p:spPr>
-        <p:txBody>
-          <a:bodyPr wrap="none" rtlCol="0">
-            <a:spAutoFit/>
-          </a:bodyPr>
-          <a:lstStyle/>
-          <a:p>
-            <a:r>
-              <a:rPr lang="en-US" sz="1200" b="1" dirty="0"/>
-              <a:t>WIDGET NORTH </a:t>
-            </a:r>
-            <a:r>
-              <a:rPr lang="en-US" sz="1200" dirty="0"/>
-              <a:t>opens</a:t>
-            </a:r>
-          </a:p>
-          <a:p>
-            <a:r>
-              <a:rPr lang="en-US" sz="1200" dirty="0"/>
-              <a:t>IFPOLARIS: POLARIS WIDGET</a:t>
-            </a:r>
-          </a:p>
-          <a:p>
-            <a:r>
-              <a:rPr lang="en-US" sz="1200" dirty="0"/>
-              <a:t>IFMAGNETIC: MN WIDGET</a:t>
-            </a:r>
-          </a:p>
-          <a:p>
-            <a:r>
-              <a:rPr lang="en-US" sz="1200" dirty="0"/>
-              <a:t>	WIDGET set to screen vertical direction</a:t>
-            </a:r>
-          </a:p>
-        </p:txBody>
-      </p:sp>
-      <p:sp>
-        <p:nvSpPr>
-          <p:cNvPr id="164" name="TextBox 163">
-            <a:extLst>
-              <a:ext uri="{FF2B5EF4-FFF2-40B4-BE49-F238E27FC236}">
-                <a16:creationId xmlns:a16="http://schemas.microsoft.com/office/drawing/2014/main" id="{B10FFE40-6528-4E1C-89C7-B21D459B2CDA}"/>
-              </a:ext>
-            </a:extLst>
-          </p:cNvPr>
-          <p:cNvSpPr txBox="1"/>
-          <p:nvPr/>
-        </p:nvSpPr>
-        <p:spPr>
-          <a:xfrm>
-            <a:off x="723591" y="10716047"/>
-            <a:ext cx="4262514" cy="646331"/>
-          </a:xfrm>
-          <a:prstGeom prst="rect">
-            <a:avLst/>
-          </a:prstGeom>
-          <a:noFill/>
-        </p:spPr>
-        <p:txBody>
-          <a:bodyPr wrap="none" rtlCol="0">
-            <a:spAutoFit/>
-          </a:bodyPr>
-          <a:lstStyle/>
-          <a:p>
-            <a:r>
-              <a:rPr lang="en-US" sz="1200" b="1" dirty="0"/>
-              <a:t>Routine </a:t>
-            </a:r>
-            <a:r>
-              <a:rPr lang="en-US" sz="1200" b="1" dirty="0" err="1"/>
-              <a:t>Ref_Zero</a:t>
-            </a:r>
-            <a:r>
-              <a:rPr lang="en-US" sz="1200" b="1" dirty="0"/>
-              <a:t>(MAP_NAME.CANVAS)</a:t>
-            </a:r>
-          </a:p>
-          <a:p>
-            <a:r>
-              <a:rPr lang="en-US" sz="1200" dirty="0"/>
-              <a:t>	Sets to zoom 100%</a:t>
-            </a:r>
-          </a:p>
-          <a:p>
-            <a:r>
-              <a:rPr lang="en-US" sz="1200" dirty="0"/>
-              <a:t>	Drags Map to </a:t>
-            </a:r>
-            <a:r>
-              <a:rPr lang="en-US" sz="1200" dirty="0" err="1"/>
-              <a:t>Ref_zero</a:t>
-            </a:r>
-            <a:r>
-              <a:rPr lang="en-US" sz="1200" dirty="0"/>
-              <a:t> (back to the center of the screen)</a:t>
-            </a:r>
-          </a:p>
-        </p:txBody>
-      </p:sp>
-      <p:sp>
-        <p:nvSpPr>
-          <p:cNvPr id="165" name="Left Brace 164">
-            <a:extLst>
-              <a:ext uri="{FF2B5EF4-FFF2-40B4-BE49-F238E27FC236}">
-                <a16:creationId xmlns:a16="http://schemas.microsoft.com/office/drawing/2014/main" id="{76521FD8-9457-46EE-81C5-80D89F8A990C}"/>
-              </a:ext>
-            </a:extLst>
-          </p:cNvPr>
-          <p:cNvSpPr/>
-          <p:nvPr/>
-        </p:nvSpPr>
-        <p:spPr>
-          <a:xfrm>
-            <a:off x="487138" y="10747042"/>
-            <a:ext cx="207981" cy="830997"/>
-          </a:xfrm>
-          <a:prstGeom prst="leftBrace">
-            <a:avLst/>
-          </a:prstGeom>
-        </p:spPr>
-        <p:style>
-          <a:lnRef idx="1">
-            <a:schemeClr val="accent1"/>
-          </a:lnRef>
-          <a:fillRef idx="0">
-            <a:schemeClr val="accent1"/>
-          </a:fillRef>
-          <a:effectRef idx="0">
-            <a:schemeClr val="accent1"/>
-          </a:effectRef>
-          <a:fontRef idx="minor">
-            <a:schemeClr val="tx1"/>
-          </a:fontRef>
-        </p:style>
-        <p:txBody>
-          <a:bodyPr rtlCol="0" anchor="ctr"/>
-          <a:lstStyle/>
-          <a:p>
-            <a:pPr algn="ctr"/>
-            <a:endParaRPr lang="en-US"/>
-          </a:p>
-        </p:txBody>
-      </p:sp>
-      <p:cxnSp>
-        <p:nvCxnSpPr>
-          <p:cNvPr id="167" name="Connector: Elbow 166">
-            <a:extLst>
-              <a:ext uri="{FF2B5EF4-FFF2-40B4-BE49-F238E27FC236}">
-                <a16:creationId xmlns:a16="http://schemas.microsoft.com/office/drawing/2014/main" id="{60CBB2E2-3586-4CDD-A3B4-E9E89D49B432}"/>
-              </a:ext>
-            </a:extLst>
-          </p:cNvPr>
-          <p:cNvCxnSpPr>
-            <a:cxnSpLocks/>
-            <a:stCxn id="24" idx="2"/>
-            <a:endCxn id="165" idx="1"/>
-          </p:cNvCxnSpPr>
-          <p:nvPr/>
-        </p:nvCxnSpPr>
-        <p:spPr>
-          <a:xfrm rot="5400000">
-            <a:off x="4604824" y="4884154"/>
-            <a:ext cx="2160702" cy="10396073"/>
-          </a:xfrm>
-          <a:prstGeom prst="bentConnector4">
-            <a:avLst>
-              <a:gd name="adj1" fmla="val 74097"/>
-              <a:gd name="adj2" fmla="val 102199"/>
-            </a:avLst>
-          </a:prstGeom>
-          <a:ln>
-            <a:tailEnd type="triangle"/>
-          </a:ln>
-        </p:spPr>
-        <p:style>
-          <a:lnRef idx="1">
-            <a:schemeClr val="accent1"/>
-          </a:lnRef>
-          <a:fillRef idx="0">
-            <a:schemeClr val="accent1"/>
-          </a:fillRef>
-          <a:effectRef idx="0">
-            <a:schemeClr val="accent1"/>
-          </a:effectRef>
-          <a:fontRef idx="minor">
-            <a:schemeClr val="tx1"/>
-          </a:fontRef>
-        </p:style>
-      </p:cxnSp>
-      <p:sp>
-        <p:nvSpPr>
-          <p:cNvPr id="170" name="TextBox 169">
-            <a:extLst>
-              <a:ext uri="{FF2B5EF4-FFF2-40B4-BE49-F238E27FC236}">
-                <a16:creationId xmlns:a16="http://schemas.microsoft.com/office/drawing/2014/main" id="{5C53EB9C-8785-4390-B501-1EDE7095391C}"/>
-              </a:ext>
-            </a:extLst>
-          </p:cNvPr>
-          <p:cNvSpPr txBox="1"/>
-          <p:nvPr/>
-        </p:nvSpPr>
-        <p:spPr>
-          <a:xfrm>
-            <a:off x="5349303" y="10716047"/>
-            <a:ext cx="3063339" cy="461665"/>
-          </a:xfrm>
-          <a:prstGeom prst="rect">
-            <a:avLst/>
-          </a:prstGeom>
-          <a:noFill/>
-        </p:spPr>
-        <p:txBody>
-          <a:bodyPr wrap="none" rtlCol="0">
-            <a:spAutoFit/>
-          </a:bodyPr>
-          <a:lstStyle/>
-          <a:p>
-            <a:r>
-              <a:rPr lang="en-US" sz="1200" b="1" dirty="0"/>
-              <a:t>WIDGET NORTH  </a:t>
-            </a:r>
-            <a:r>
-              <a:rPr lang="en-US" sz="1200" dirty="0"/>
-              <a:t>on mouse event DoubleClick</a:t>
-            </a:r>
-          </a:p>
-          <a:p>
-            <a:r>
-              <a:rPr lang="en-US" sz="1200" dirty="0"/>
-              <a:t>	starts the </a:t>
-            </a:r>
-            <a:r>
-              <a:rPr lang="en-US" sz="1200" dirty="0" err="1"/>
-              <a:t>processus</a:t>
-            </a:r>
-            <a:endParaRPr lang="en-US" sz="1200" dirty="0"/>
-          </a:p>
-        </p:txBody>
-      </p:sp>
-      <p:cxnSp>
-        <p:nvCxnSpPr>
-          <p:cNvPr id="172" name="Connector: Elbow 171">
-            <a:extLst>
-              <a:ext uri="{FF2B5EF4-FFF2-40B4-BE49-F238E27FC236}">
-                <a16:creationId xmlns:a16="http://schemas.microsoft.com/office/drawing/2014/main" id="{CC502123-905F-462F-8E9B-0470E06F08DE}"/>
-              </a:ext>
-            </a:extLst>
-          </p:cNvPr>
-          <p:cNvCxnSpPr>
-            <a:stCxn id="163" idx="3"/>
-            <a:endCxn id="170" idx="1"/>
-          </p:cNvCxnSpPr>
-          <p:nvPr/>
-        </p:nvCxnSpPr>
-        <p:spPr>
-          <a:xfrm flipV="1">
-            <a:off x="3794101" y="10946880"/>
-            <a:ext cx="1555202" cy="830998"/>
-          </a:xfrm>
-          <a:prstGeom prst="bentConnector3">
-            <a:avLst>
-              <a:gd name="adj1" fmla="val 79896"/>
-            </a:avLst>
-          </a:prstGeom>
-          <a:ln>
-            <a:tailEnd type="triangle"/>
-          </a:ln>
-        </p:spPr>
-        <p:style>
-          <a:lnRef idx="1">
-            <a:schemeClr val="accent1"/>
-          </a:lnRef>
-          <a:fillRef idx="0">
-            <a:schemeClr val="accent1"/>
-          </a:fillRef>
-          <a:effectRef idx="0">
-            <a:schemeClr val="accent1"/>
-          </a:effectRef>
-          <a:fontRef idx="minor">
-            <a:schemeClr val="tx1"/>
-          </a:fontRef>
-        </p:style>
-      </p:cxnSp>
-      <p:sp>
-        <p:nvSpPr>
-          <p:cNvPr id="174" name="TextBox 173">
-            <a:extLst>
-              <a:ext uri="{FF2B5EF4-FFF2-40B4-BE49-F238E27FC236}">
-                <a16:creationId xmlns:a16="http://schemas.microsoft.com/office/drawing/2014/main" id="{337F2171-5264-44F6-9481-568A9D49C9E9}"/>
-              </a:ext>
-            </a:extLst>
-          </p:cNvPr>
-          <p:cNvSpPr txBox="1"/>
-          <p:nvPr/>
-        </p:nvSpPr>
-        <p:spPr>
-          <a:xfrm>
-            <a:off x="6254449" y="11353578"/>
-            <a:ext cx="4999671" cy="1200329"/>
-          </a:xfrm>
-          <a:prstGeom prst="rect">
-            <a:avLst/>
-          </a:prstGeom>
-          <a:noFill/>
-        </p:spPr>
-        <p:txBody>
-          <a:bodyPr wrap="square" rtlCol="0">
-            <a:spAutoFit/>
-          </a:bodyPr>
-          <a:lstStyle/>
-          <a:p>
-            <a:r>
-              <a:rPr lang="en-US" sz="1200" b="1" dirty="0"/>
-              <a:t>Routine Main(MAP_NAME.CANVAS)	</a:t>
-            </a:r>
-          </a:p>
-          <a:p>
-            <a:r>
-              <a:rPr lang="en-US" sz="1200" dirty="0"/>
-              <a:t>	While (not WIDGET NORTH  on mouse event DoubleClick)</a:t>
-            </a:r>
-          </a:p>
-          <a:p>
-            <a:r>
-              <a:rPr lang="en-US" sz="1200" dirty="0"/>
-              <a:t>		Calls </a:t>
-            </a:r>
-            <a:r>
-              <a:rPr lang="en-US" sz="1200" dirty="0" err="1"/>
-              <a:t>My_Current_Position</a:t>
-            </a:r>
-            <a:endParaRPr lang="en-US" sz="1200" dirty="0"/>
-          </a:p>
-          <a:p>
-            <a:r>
-              <a:rPr lang="en-US" sz="1200" dirty="0"/>
-              <a:t>		Calls </a:t>
-            </a:r>
-            <a:r>
-              <a:rPr lang="en-US" sz="1200" dirty="0" err="1"/>
-              <a:t>My_Current_North</a:t>
-            </a:r>
-            <a:endParaRPr lang="en-US" sz="1200" dirty="0"/>
-          </a:p>
-          <a:p>
-            <a:r>
-              <a:rPr lang="en-US" sz="1200" dirty="0"/>
-              <a:t>		Calls </a:t>
-            </a:r>
-            <a:r>
-              <a:rPr lang="en-US" sz="1200" dirty="0" err="1"/>
-              <a:t>Plot_Current_Position</a:t>
-            </a:r>
-            <a:r>
-              <a:rPr lang="en-US" sz="1200" dirty="0"/>
-              <a:t> (Sum(</a:t>
-            </a:r>
-            <a:r>
-              <a:rPr lang="en-US" sz="1200" dirty="0" err="1"/>
-              <a:t>Zoom_i</a:t>
-            </a:r>
-            <a:r>
-              <a:rPr lang="en-US" sz="1200" dirty="0"/>
-              <a:t>(</a:t>
-            </a:r>
-            <a:r>
-              <a:rPr lang="en-US" sz="1200" dirty="0" err="1"/>
-              <a:t>Moves_i</a:t>
-            </a:r>
-            <a:r>
-              <a:rPr lang="en-US" sz="1200" dirty="0"/>
-              <a:t>))</a:t>
-            </a:r>
-          </a:p>
-          <a:p>
-            <a:r>
-              <a:rPr lang="en-US" sz="1200" dirty="0"/>
-              <a:t>		Calls </a:t>
-            </a:r>
-            <a:r>
-              <a:rPr lang="en-US" sz="1200" dirty="0" err="1"/>
-              <a:t>Plot_Track</a:t>
-            </a:r>
-            <a:endParaRPr lang="en-US" sz="1200" dirty="0"/>
-          </a:p>
-        </p:txBody>
-      </p:sp>
-      <p:sp>
-        <p:nvSpPr>
-          <p:cNvPr id="184" name="Freeform: Shape 183">
-            <a:extLst>
-              <a:ext uri="{FF2B5EF4-FFF2-40B4-BE49-F238E27FC236}">
-                <a16:creationId xmlns:a16="http://schemas.microsoft.com/office/drawing/2014/main" id="{6D988E15-BEBF-410B-8818-E5537BDAAFB4}"/>
-              </a:ext>
-            </a:extLst>
-          </p:cNvPr>
-          <p:cNvSpPr/>
-          <p:nvPr/>
-        </p:nvSpPr>
-        <p:spPr>
-          <a:xfrm>
-            <a:off x="5730820" y="11034793"/>
-            <a:ext cx="3132918" cy="1134175"/>
-          </a:xfrm>
-          <a:custGeom>
-            <a:avLst/>
-            <a:gdLst>
-              <a:gd name="connsiteX0" fmla="*/ 2774197 w 3967566"/>
-              <a:gd name="connsiteY0" fmla="*/ 30996 h 1177871"/>
-              <a:gd name="connsiteX1" fmla="*/ 3952068 w 3967566"/>
-              <a:gd name="connsiteY1" fmla="*/ 0 h 1177871"/>
-              <a:gd name="connsiteX2" fmla="*/ 3967566 w 3967566"/>
-              <a:gd name="connsiteY2" fmla="*/ 309966 h 1177871"/>
-              <a:gd name="connsiteX3" fmla="*/ 0 w 3967566"/>
-              <a:gd name="connsiteY3" fmla="*/ 340962 h 1177871"/>
-              <a:gd name="connsiteX4" fmla="*/ 46495 w 3967566"/>
-              <a:gd name="connsiteY4" fmla="*/ 1177871 h 1177871"/>
-              <a:gd name="connsiteX5" fmla="*/ 526943 w 3967566"/>
-              <a:gd name="connsiteY5" fmla="*/ 1162372 h 1177871"/>
-              <a:gd name="connsiteX0" fmla="*/ 2791202 w 3984571"/>
-              <a:gd name="connsiteY0" fmla="*/ 30996 h 1165171"/>
-              <a:gd name="connsiteX1" fmla="*/ 3969073 w 3984571"/>
-              <a:gd name="connsiteY1" fmla="*/ 0 h 1165171"/>
-              <a:gd name="connsiteX2" fmla="*/ 3984571 w 3984571"/>
-              <a:gd name="connsiteY2" fmla="*/ 309966 h 1165171"/>
-              <a:gd name="connsiteX3" fmla="*/ 17005 w 3984571"/>
-              <a:gd name="connsiteY3" fmla="*/ 340962 h 1165171"/>
-              <a:gd name="connsiteX4" fmla="*/ 0 w 3984571"/>
-              <a:gd name="connsiteY4" fmla="*/ 1165171 h 1165171"/>
-              <a:gd name="connsiteX5" fmla="*/ 543948 w 3984571"/>
-              <a:gd name="connsiteY5" fmla="*/ 1162372 h 1165171"/>
-              <a:gd name="connsiteX0" fmla="*/ 2799597 w 3992966"/>
-              <a:gd name="connsiteY0" fmla="*/ 30996 h 1165171"/>
-              <a:gd name="connsiteX1" fmla="*/ 3977468 w 3992966"/>
-              <a:gd name="connsiteY1" fmla="*/ 0 h 1165171"/>
-              <a:gd name="connsiteX2" fmla="*/ 3992966 w 3992966"/>
-              <a:gd name="connsiteY2" fmla="*/ 309966 h 1165171"/>
-              <a:gd name="connsiteX3" fmla="*/ 0 w 3992966"/>
-              <a:gd name="connsiteY3" fmla="*/ 340962 h 1165171"/>
-              <a:gd name="connsiteX4" fmla="*/ 8395 w 3992966"/>
-              <a:gd name="connsiteY4" fmla="*/ 1165171 h 1165171"/>
-              <a:gd name="connsiteX5" fmla="*/ 552343 w 3992966"/>
-              <a:gd name="connsiteY5" fmla="*/ 1162372 h 1165171"/>
-              <a:gd name="connsiteX0" fmla="*/ 2793247 w 3986616"/>
-              <a:gd name="connsiteY0" fmla="*/ 30996 h 1165171"/>
-              <a:gd name="connsiteX1" fmla="*/ 3971118 w 3986616"/>
-              <a:gd name="connsiteY1" fmla="*/ 0 h 1165171"/>
-              <a:gd name="connsiteX2" fmla="*/ 3986616 w 3986616"/>
-              <a:gd name="connsiteY2" fmla="*/ 309966 h 1165171"/>
-              <a:gd name="connsiteX3" fmla="*/ 0 w 3986616"/>
-              <a:gd name="connsiteY3" fmla="*/ 252062 h 1165171"/>
-              <a:gd name="connsiteX4" fmla="*/ 2045 w 3986616"/>
-              <a:gd name="connsiteY4" fmla="*/ 1165171 h 1165171"/>
-              <a:gd name="connsiteX5" fmla="*/ 545993 w 3986616"/>
-              <a:gd name="connsiteY5" fmla="*/ 1162372 h 1165171"/>
-              <a:gd name="connsiteX0" fmla="*/ 2793247 w 3971118"/>
-              <a:gd name="connsiteY0" fmla="*/ 30996 h 1165171"/>
-              <a:gd name="connsiteX1" fmla="*/ 3971118 w 3971118"/>
-              <a:gd name="connsiteY1" fmla="*/ 0 h 1165171"/>
-              <a:gd name="connsiteX2" fmla="*/ 3123016 w 3971118"/>
-              <a:gd name="connsiteY2" fmla="*/ 246466 h 1165171"/>
-              <a:gd name="connsiteX3" fmla="*/ 0 w 3971118"/>
-              <a:gd name="connsiteY3" fmla="*/ 252062 h 1165171"/>
-              <a:gd name="connsiteX4" fmla="*/ 2045 w 3971118"/>
-              <a:gd name="connsiteY4" fmla="*/ 1165171 h 1165171"/>
-              <a:gd name="connsiteX5" fmla="*/ 545993 w 3971118"/>
-              <a:gd name="connsiteY5" fmla="*/ 1162372 h 1165171"/>
-              <a:gd name="connsiteX0" fmla="*/ 2793247 w 3164668"/>
-              <a:gd name="connsiteY0" fmla="*/ 0 h 1134175"/>
-              <a:gd name="connsiteX1" fmla="*/ 3164668 w 3164668"/>
-              <a:gd name="connsiteY1" fmla="*/ 754 h 1134175"/>
-              <a:gd name="connsiteX2" fmla="*/ 3123016 w 3164668"/>
-              <a:gd name="connsiteY2" fmla="*/ 215470 h 1134175"/>
-              <a:gd name="connsiteX3" fmla="*/ 0 w 3164668"/>
-              <a:gd name="connsiteY3" fmla="*/ 221066 h 1134175"/>
-              <a:gd name="connsiteX4" fmla="*/ 2045 w 3164668"/>
-              <a:gd name="connsiteY4" fmla="*/ 1134175 h 1134175"/>
-              <a:gd name="connsiteX5" fmla="*/ 545993 w 3164668"/>
-              <a:gd name="connsiteY5" fmla="*/ 1131376 h 1134175"/>
-              <a:gd name="connsiteX0" fmla="*/ 2793247 w 3139268"/>
-              <a:gd name="connsiteY0" fmla="*/ 0 h 1134175"/>
-              <a:gd name="connsiteX1" fmla="*/ 3139268 w 3139268"/>
-              <a:gd name="connsiteY1" fmla="*/ 754 h 1134175"/>
-              <a:gd name="connsiteX2" fmla="*/ 3123016 w 3139268"/>
-              <a:gd name="connsiteY2" fmla="*/ 215470 h 1134175"/>
-              <a:gd name="connsiteX3" fmla="*/ 0 w 3139268"/>
-              <a:gd name="connsiteY3" fmla="*/ 221066 h 1134175"/>
-              <a:gd name="connsiteX4" fmla="*/ 2045 w 3139268"/>
-              <a:gd name="connsiteY4" fmla="*/ 1134175 h 1134175"/>
-              <a:gd name="connsiteX5" fmla="*/ 545993 w 3139268"/>
-              <a:gd name="connsiteY5" fmla="*/ 1131376 h 1134175"/>
-              <a:gd name="connsiteX0" fmla="*/ 2793247 w 3132918"/>
-              <a:gd name="connsiteY0" fmla="*/ 0 h 1134175"/>
-              <a:gd name="connsiteX1" fmla="*/ 3132918 w 3132918"/>
-              <a:gd name="connsiteY1" fmla="*/ 754 h 1134175"/>
-              <a:gd name="connsiteX2" fmla="*/ 3123016 w 3132918"/>
-              <a:gd name="connsiteY2" fmla="*/ 215470 h 1134175"/>
-              <a:gd name="connsiteX3" fmla="*/ 0 w 3132918"/>
-              <a:gd name="connsiteY3" fmla="*/ 221066 h 1134175"/>
-              <a:gd name="connsiteX4" fmla="*/ 2045 w 3132918"/>
-              <a:gd name="connsiteY4" fmla="*/ 1134175 h 1134175"/>
-              <a:gd name="connsiteX5" fmla="*/ 545993 w 3132918"/>
-              <a:gd name="connsiteY5" fmla="*/ 1131376 h 1134175"/>
-            </a:gdLst>
-            <a:ahLst/>
-            <a:cxnLst>
-              <a:cxn ang="0">
-                <a:pos x="connsiteX0" y="connsiteY0"/>
-              </a:cxn>
-              <a:cxn ang="0">
-                <a:pos x="connsiteX1" y="connsiteY1"/>
-              </a:cxn>
-              <a:cxn ang="0">
-                <a:pos x="connsiteX2" y="connsiteY2"/>
-              </a:cxn>
-              <a:cxn ang="0">
-                <a:pos x="connsiteX3" y="connsiteY3"/>
-              </a:cxn>
-              <a:cxn ang="0">
-                <a:pos x="connsiteX4" y="connsiteY4"/>
-              </a:cxn>
-              <a:cxn ang="0">
-                <a:pos x="connsiteX5" y="connsiteY5"/>
-              </a:cxn>
-            </a:cxnLst>
-            <a:rect l="l" t="t" r="r" b="b"/>
-            <a:pathLst>
-              <a:path w="3132918" h="1134175">
-                <a:moveTo>
-                  <a:pt x="2793247" y="0"/>
-                </a:moveTo>
-                <a:lnTo>
-                  <a:pt x="3132918" y="754"/>
-                </a:lnTo>
-                <a:lnTo>
-                  <a:pt x="3123016" y="215470"/>
-                </a:lnTo>
-                <a:lnTo>
-                  <a:pt x="0" y="221066"/>
-                </a:lnTo>
-                <a:cubicBezTo>
-                  <a:pt x="2798" y="495802"/>
-                  <a:pt x="-753" y="859439"/>
-                  <a:pt x="2045" y="1134175"/>
-                </a:cubicBezTo>
-                <a:lnTo>
-                  <a:pt x="545993" y="1131376"/>
-                </a:lnTo>
-              </a:path>
-            </a:pathLst>
-          </a:custGeom>
-          <a:ln>
-            <a:tailEnd type="triangle"/>
-          </a:ln>
-        </p:spPr>
-        <p:style>
-          <a:lnRef idx="1">
-            <a:schemeClr val="accent1"/>
-          </a:lnRef>
-          <a:fillRef idx="0">
-            <a:schemeClr val="accent1"/>
-          </a:fillRef>
-          <a:effectRef idx="0">
-            <a:schemeClr val="accent1"/>
-          </a:effectRef>
-          <a:fontRef idx="minor">
-            <a:schemeClr val="tx1"/>
-          </a:fontRef>
-        </p:style>
-        <p:txBody>
-          <a:bodyPr rtlCol="0" anchor="ctr"/>
-          <a:lstStyle/>
-          <a:p>
-            <a:pPr algn="ctr"/>
-            <a:endParaRPr lang="en-US" dirty="0"/>
-          </a:p>
-        </p:txBody>
-      </p:sp>
-      <p:sp>
-        <p:nvSpPr>
-          <p:cNvPr id="4" name="TextBox 3">
-            <a:extLst>
-              <a:ext uri="{FF2B5EF4-FFF2-40B4-BE49-F238E27FC236}">
-                <a16:creationId xmlns:a16="http://schemas.microsoft.com/office/drawing/2014/main" id="{4D1B1834-23F6-4B33-9783-2E0E134993A4}"/>
-              </a:ext>
-            </a:extLst>
-          </p:cNvPr>
-          <p:cNvSpPr txBox="1"/>
-          <p:nvPr/>
-        </p:nvSpPr>
-        <p:spPr>
-          <a:xfrm>
-            <a:off x="443378" y="1915190"/>
-            <a:ext cx="3108543" cy="246221"/>
-          </a:xfrm>
-          <a:prstGeom prst="rect">
-            <a:avLst/>
-          </a:prstGeom>
-          <a:noFill/>
-        </p:spPr>
-        <p:txBody>
-          <a:bodyPr wrap="none" rtlCol="0">
-            <a:spAutoFit/>
-          </a:bodyPr>
-          <a:lstStyle/>
-          <a:p>
-            <a:r>
-              <a:rPr lang="en-US" sz="1000" i="1" dirty="0">
-                <a:solidFill>
-                  <a:srgbClr val="0000FF"/>
-                </a:solidFill>
-                <a:latin typeface="Courier New" panose="02070309020205020404" pitchFamily="49" charset="0"/>
-                <a:cs typeface="Courier New" panose="02070309020205020404" pitchFamily="49" charset="0"/>
-              </a:rPr>
-              <a:t>“union-plaza-ocad-4000-04-09-2021.png”</a:t>
-            </a:r>
-          </a:p>
-        </p:txBody>
-      </p:sp>
-      <p:sp>
-        <p:nvSpPr>
-          <p:cNvPr id="60" name="TextBox 59">
-            <a:extLst>
-              <a:ext uri="{FF2B5EF4-FFF2-40B4-BE49-F238E27FC236}">
-                <a16:creationId xmlns:a16="http://schemas.microsoft.com/office/drawing/2014/main" id="{4F30507F-7027-49A9-8A90-F1749A53602A}"/>
-              </a:ext>
-            </a:extLst>
-          </p:cNvPr>
-          <p:cNvSpPr txBox="1"/>
-          <p:nvPr/>
-        </p:nvSpPr>
-        <p:spPr>
-          <a:xfrm>
-            <a:off x="4698877" y="2651878"/>
-            <a:ext cx="3031599" cy="1015663"/>
-          </a:xfrm>
-          <a:prstGeom prst="rect">
-            <a:avLst/>
-          </a:prstGeom>
-          <a:noFill/>
-        </p:spPr>
-        <p:txBody>
-          <a:bodyPr wrap="none" rtlCol="0">
-            <a:spAutoFit/>
-          </a:bodyPr>
-          <a:lstStyle/>
-          <a:p>
-            <a:r>
-              <a:rPr lang="en-US" sz="1000" i="1" dirty="0">
-                <a:solidFill>
-                  <a:srgbClr val="0000FF"/>
-                </a:solidFill>
-                <a:latin typeface="Courier New" panose="02070309020205020404" pitchFamily="49" charset="0"/>
-                <a:cs typeface="Courier New" panose="02070309020205020404" pitchFamily="49" charset="0"/>
-              </a:rPr>
-              <a:t>40.81147001400959, -96.68791604213915</a:t>
-            </a:r>
-          </a:p>
-          <a:p>
-            <a:r>
-              <a:rPr lang="en-US" sz="1000" i="1" dirty="0">
-                <a:solidFill>
-                  <a:srgbClr val="0000FF"/>
-                </a:solidFill>
-                <a:latin typeface="Courier New" panose="02070309020205020404" pitchFamily="49" charset="0"/>
-                <a:cs typeface="Courier New" panose="02070309020205020404" pitchFamily="49" charset="0"/>
-              </a:rPr>
-              <a:t>40.81908575866586, -96.69120127972548</a:t>
-            </a:r>
-          </a:p>
-          <a:p>
-            <a:r>
-              <a:rPr lang="en-US" sz="1000" i="1" dirty="0">
-                <a:solidFill>
-                  <a:srgbClr val="0000FF"/>
-                </a:solidFill>
-                <a:latin typeface="Courier New" panose="02070309020205020404" pitchFamily="49" charset="0"/>
-                <a:cs typeface="Courier New" panose="02070309020205020404" pitchFamily="49" charset="0"/>
-              </a:rPr>
-              <a:t>890.73</a:t>
-            </a:r>
-          </a:p>
-          <a:p>
-            <a:r>
-              <a:rPr lang="en-US" sz="1000" i="1" dirty="0">
-                <a:solidFill>
-                  <a:srgbClr val="0000FF"/>
-                </a:solidFill>
-                <a:latin typeface="Courier New" panose="02070309020205020404" pitchFamily="49" charset="0"/>
-                <a:cs typeface="Courier New" panose="02070309020205020404" pitchFamily="49" charset="0"/>
-              </a:rPr>
-              <a:t>4000</a:t>
-            </a:r>
-          </a:p>
-          <a:p>
-            <a:r>
-              <a:rPr lang="en-US" sz="1000" i="1" dirty="0">
-                <a:solidFill>
-                  <a:srgbClr val="0000FF"/>
-                </a:solidFill>
-                <a:latin typeface="Courier New" panose="02070309020205020404" pitchFamily="49" charset="0"/>
-                <a:cs typeface="Courier New" panose="02070309020205020404" pitchFamily="49" charset="0"/>
-              </a:rPr>
-              <a:t>4</a:t>
-            </a:r>
-          </a:p>
-          <a:p>
-            <a:r>
-              <a:rPr lang="en-US" sz="1000" i="1" dirty="0">
-                <a:solidFill>
-                  <a:srgbClr val="0000FF"/>
-                </a:solidFill>
-                <a:latin typeface="Courier New" panose="02070309020205020404" pitchFamily="49" charset="0"/>
-                <a:cs typeface="Courier New" panose="02070309020205020404" pitchFamily="49" charset="0"/>
-              </a:rPr>
-              <a:t>P</a:t>
-            </a:r>
-          </a:p>
-        </p:txBody>
-      </p:sp>
-      <p:sp>
-        <p:nvSpPr>
-          <p:cNvPr id="61" name="TextBox 60">
-            <a:extLst>
-              <a:ext uri="{FF2B5EF4-FFF2-40B4-BE49-F238E27FC236}">
-                <a16:creationId xmlns:a16="http://schemas.microsoft.com/office/drawing/2014/main" id="{43E8B429-0F5D-4F83-94B6-A55F57A2A4EC}"/>
-              </a:ext>
-            </a:extLst>
-          </p:cNvPr>
-          <p:cNvSpPr txBox="1"/>
-          <p:nvPr/>
-        </p:nvSpPr>
-        <p:spPr>
-          <a:xfrm>
-            <a:off x="467779" y="2506737"/>
-            <a:ext cx="3108543" cy="246221"/>
-          </a:xfrm>
-          <a:prstGeom prst="rect">
-            <a:avLst/>
-          </a:prstGeom>
-          <a:noFill/>
-        </p:spPr>
-        <p:txBody>
-          <a:bodyPr wrap="none" rtlCol="0">
-            <a:spAutoFit/>
-          </a:bodyPr>
-          <a:lstStyle/>
-          <a:p>
-            <a:r>
-              <a:rPr lang="en-US" sz="1000" i="1" dirty="0">
-                <a:solidFill>
-                  <a:srgbClr val="0000FF"/>
-                </a:solidFill>
-                <a:latin typeface="Courier New" panose="02070309020205020404" pitchFamily="49" charset="0"/>
-                <a:cs typeface="Courier New" panose="02070309020205020404" pitchFamily="49" charset="0"/>
-              </a:rPr>
-              <a:t>“union-plaza-ocad-4000-04-09-2021.png”</a:t>
-            </a:r>
-          </a:p>
-        </p:txBody>
-      </p:sp>
-      <p:sp>
-        <p:nvSpPr>
-          <p:cNvPr id="68" name="TextBox 67">
-            <a:extLst>
-              <a:ext uri="{FF2B5EF4-FFF2-40B4-BE49-F238E27FC236}">
-                <a16:creationId xmlns:a16="http://schemas.microsoft.com/office/drawing/2014/main" id="{699E69B5-0B9A-4EFE-8DC9-3657A35992E0}"/>
-              </a:ext>
-            </a:extLst>
-          </p:cNvPr>
-          <p:cNvSpPr txBox="1"/>
-          <p:nvPr/>
-        </p:nvSpPr>
-        <p:spPr>
-          <a:xfrm>
-            <a:off x="2172914" y="973943"/>
-            <a:ext cx="1646605" cy="707886"/>
-          </a:xfrm>
-          <a:prstGeom prst="rect">
-            <a:avLst/>
-          </a:prstGeom>
-          <a:noFill/>
-        </p:spPr>
-        <p:txBody>
-          <a:bodyPr wrap="none" rtlCol="0">
-            <a:spAutoFit/>
-          </a:bodyPr>
-          <a:lstStyle/>
-          <a:p>
-            <a:r>
-              <a:rPr lang="en-US" sz="1000" i="1" dirty="0">
-                <a:solidFill>
-                  <a:srgbClr val="0000FF"/>
-                </a:solidFill>
-                <a:latin typeface="Courier New" panose="02070309020205020404" pitchFamily="49" charset="0"/>
-                <a:cs typeface="Courier New" panose="02070309020205020404" pitchFamily="49" charset="0"/>
-              </a:rPr>
-              <a:t>Default Window Size</a:t>
-            </a:r>
-          </a:p>
-          <a:p>
-            <a:r>
-              <a:rPr lang="en-US" sz="1000" i="1" dirty="0">
-                <a:solidFill>
-                  <a:srgbClr val="0000FF"/>
-                </a:solidFill>
-                <a:latin typeface="Courier New" panose="02070309020205020404" pitchFamily="49" charset="0"/>
-                <a:cs typeface="Courier New" panose="02070309020205020404" pitchFamily="49" charset="0"/>
-              </a:rPr>
-              <a:t>360 x 800   (px)</a:t>
-            </a:r>
-          </a:p>
-          <a:p>
-            <a:r>
-              <a:rPr lang="en-US" sz="1000" i="1" dirty="0" err="1">
-                <a:solidFill>
-                  <a:srgbClr val="0000FF"/>
-                </a:solidFill>
-                <a:latin typeface="Courier New" panose="02070309020205020404" pitchFamily="49" charset="0"/>
-                <a:cs typeface="Courier New" panose="02070309020205020404" pitchFamily="49" charset="0"/>
-              </a:rPr>
-              <a:t>HorPix_Screen</a:t>
-            </a:r>
-            <a:r>
-              <a:rPr lang="en-US" sz="1000" i="1" dirty="0">
-                <a:solidFill>
-                  <a:srgbClr val="0000FF"/>
-                </a:solidFill>
-                <a:latin typeface="Courier New" panose="02070309020205020404" pitchFamily="49" charset="0"/>
-                <a:cs typeface="Courier New" panose="02070309020205020404" pitchFamily="49" charset="0"/>
-              </a:rPr>
-              <a:t>=360</a:t>
-            </a:r>
-          </a:p>
-          <a:p>
-            <a:r>
-              <a:rPr lang="en-US" sz="1000" i="1" dirty="0" err="1">
-                <a:solidFill>
-                  <a:srgbClr val="0000FF"/>
-                </a:solidFill>
-                <a:latin typeface="Courier New" panose="02070309020205020404" pitchFamily="49" charset="0"/>
-                <a:cs typeface="Courier New" panose="02070309020205020404" pitchFamily="49" charset="0"/>
-              </a:rPr>
-              <a:t>VerPix_Screen</a:t>
-            </a:r>
-            <a:r>
-              <a:rPr lang="en-US" sz="1000" i="1" dirty="0">
-                <a:solidFill>
-                  <a:srgbClr val="0000FF"/>
-                </a:solidFill>
-                <a:latin typeface="Courier New" panose="02070309020205020404" pitchFamily="49" charset="0"/>
-                <a:cs typeface="Courier New" panose="02070309020205020404" pitchFamily="49" charset="0"/>
-              </a:rPr>
-              <a:t>=800</a:t>
-            </a:r>
-          </a:p>
-        </p:txBody>
-      </p:sp>
-      <p:sp>
-        <p:nvSpPr>
-          <p:cNvPr id="71" name="TextBox 70">
-            <a:extLst>
-              <a:ext uri="{FF2B5EF4-FFF2-40B4-BE49-F238E27FC236}">
-                <a16:creationId xmlns:a16="http://schemas.microsoft.com/office/drawing/2014/main" id="{2B36AB3C-BF88-4224-A56D-272C32F33161}"/>
-              </a:ext>
-            </a:extLst>
-          </p:cNvPr>
-          <p:cNvSpPr txBox="1"/>
-          <p:nvPr/>
-        </p:nvSpPr>
-        <p:spPr>
-          <a:xfrm>
-            <a:off x="294083" y="8122146"/>
-            <a:ext cx="2031325" cy="1015663"/>
-          </a:xfrm>
-          <a:prstGeom prst="rect">
-            <a:avLst/>
-          </a:prstGeom>
-          <a:noFill/>
-        </p:spPr>
-        <p:txBody>
-          <a:bodyPr wrap="none" rtlCol="0">
-            <a:spAutoFit/>
-          </a:bodyPr>
-          <a:lstStyle/>
-          <a:p>
-            <a:r>
-              <a:rPr lang="en-US" sz="1000" i="1" dirty="0" err="1">
-                <a:solidFill>
-                  <a:srgbClr val="0000FF"/>
-                </a:solidFill>
-                <a:latin typeface="Courier New" panose="02070309020205020404" pitchFamily="49" charset="0"/>
-                <a:cs typeface="Courier New" panose="02070309020205020404" pitchFamily="49" charset="0"/>
-              </a:rPr>
-              <a:t>X_Moves</a:t>
-            </a:r>
-            <a:r>
-              <a:rPr lang="en-US" sz="1000" i="1" dirty="0">
-                <a:solidFill>
-                  <a:srgbClr val="0000FF"/>
-                </a:solidFill>
-                <a:latin typeface="Courier New" panose="02070309020205020404" pitchFamily="49" charset="0"/>
-                <a:cs typeface="Courier New" panose="02070309020205020404" pitchFamily="49" charset="0"/>
-              </a:rPr>
-              <a:t> = -63.84</a:t>
-            </a:r>
-          </a:p>
-          <a:p>
-            <a:r>
-              <a:rPr lang="en-US" sz="1000" i="1" dirty="0" err="1">
-                <a:solidFill>
-                  <a:srgbClr val="0000FF"/>
-                </a:solidFill>
-                <a:latin typeface="Courier New" panose="02070309020205020404" pitchFamily="49" charset="0"/>
-                <a:cs typeface="Courier New" panose="02070309020205020404" pitchFamily="49" charset="0"/>
-              </a:rPr>
-              <a:t>Y_Moves</a:t>
-            </a:r>
-            <a:r>
-              <a:rPr lang="en-US" sz="1000" i="1" dirty="0">
-                <a:solidFill>
-                  <a:srgbClr val="0000FF"/>
-                </a:solidFill>
-                <a:latin typeface="Courier New" panose="02070309020205020404" pitchFamily="49" charset="0"/>
-                <a:cs typeface="Courier New" panose="02070309020205020404" pitchFamily="49" charset="0"/>
-              </a:rPr>
-              <a:t> = -336.144</a:t>
-            </a:r>
-          </a:p>
-          <a:p>
-            <a:r>
-              <a:rPr lang="en-US" sz="1000" i="1" dirty="0">
-                <a:solidFill>
-                  <a:srgbClr val="0000FF"/>
-                </a:solidFill>
-                <a:latin typeface="Courier New" panose="02070309020205020404" pitchFamily="49" charset="0"/>
-                <a:cs typeface="Courier New" panose="02070309020205020404" pitchFamily="49" charset="0"/>
-              </a:rPr>
-              <a:t>X0= 63.84 = -</a:t>
-            </a:r>
-            <a:r>
-              <a:rPr lang="en-US" sz="1000" i="1" dirty="0" err="1">
-                <a:solidFill>
-                  <a:srgbClr val="0000FF"/>
-                </a:solidFill>
-                <a:latin typeface="Courier New" panose="02070309020205020404" pitchFamily="49" charset="0"/>
-                <a:cs typeface="Courier New" panose="02070309020205020404" pitchFamily="49" charset="0"/>
-              </a:rPr>
-              <a:t>X_Moves</a:t>
-            </a:r>
-            <a:r>
-              <a:rPr lang="en-US" sz="1000" i="1" dirty="0">
-                <a:solidFill>
-                  <a:srgbClr val="0000FF"/>
-                </a:solidFill>
-                <a:latin typeface="Courier New" panose="02070309020205020404" pitchFamily="49" charset="0"/>
-                <a:cs typeface="Courier New" panose="02070309020205020404" pitchFamily="49" charset="0"/>
-              </a:rPr>
-              <a:t> </a:t>
-            </a:r>
-          </a:p>
-          <a:p>
-            <a:r>
-              <a:rPr lang="en-US" sz="1000" i="1" dirty="0">
-                <a:solidFill>
-                  <a:srgbClr val="0000FF"/>
-                </a:solidFill>
-                <a:latin typeface="Courier New" panose="02070309020205020404" pitchFamily="49" charset="0"/>
-                <a:cs typeface="Courier New" panose="02070309020205020404" pitchFamily="49" charset="0"/>
-              </a:rPr>
-              <a:t>Y0 = 336.144 = -</a:t>
-            </a:r>
-            <a:r>
-              <a:rPr lang="en-US" sz="1000" i="1" dirty="0" err="1">
-                <a:solidFill>
-                  <a:srgbClr val="0000FF"/>
-                </a:solidFill>
-                <a:latin typeface="Courier New" panose="02070309020205020404" pitchFamily="49" charset="0"/>
-                <a:cs typeface="Courier New" panose="02070309020205020404" pitchFamily="49" charset="0"/>
-              </a:rPr>
-              <a:t>Y_Moves</a:t>
-            </a:r>
-            <a:endParaRPr lang="en-US" sz="1000" i="1" dirty="0">
-              <a:solidFill>
-                <a:srgbClr val="0000FF"/>
-              </a:solidFill>
-              <a:latin typeface="Courier New" panose="02070309020205020404" pitchFamily="49" charset="0"/>
-              <a:cs typeface="Courier New" panose="02070309020205020404" pitchFamily="49" charset="0"/>
-            </a:endParaRPr>
-          </a:p>
-          <a:p>
-            <a:r>
-              <a:rPr lang="en-US" sz="1000" i="1" dirty="0" err="1">
-                <a:solidFill>
-                  <a:srgbClr val="0000FF"/>
-                </a:solidFill>
-                <a:latin typeface="Courier New" panose="02070309020205020404" pitchFamily="49" charset="0"/>
-                <a:cs typeface="Courier New" panose="02070309020205020404" pitchFamily="49" charset="0"/>
-              </a:rPr>
-              <a:t>X_Moves</a:t>
-            </a:r>
-            <a:r>
-              <a:rPr lang="en-US" sz="1000" i="1" dirty="0">
-                <a:solidFill>
-                  <a:srgbClr val="0000FF"/>
-                </a:solidFill>
-                <a:latin typeface="Courier New" panose="02070309020205020404" pitchFamily="49" charset="0"/>
-                <a:cs typeface="Courier New" panose="02070309020205020404" pitchFamily="49" charset="0"/>
-              </a:rPr>
-              <a:t> = 0</a:t>
-            </a:r>
-          </a:p>
-          <a:p>
-            <a:r>
-              <a:rPr lang="en-US" sz="1000" i="1" dirty="0" err="1">
-                <a:solidFill>
-                  <a:srgbClr val="0000FF"/>
-                </a:solidFill>
-                <a:latin typeface="Courier New" panose="02070309020205020404" pitchFamily="49" charset="0"/>
-                <a:cs typeface="Courier New" panose="02070309020205020404" pitchFamily="49" charset="0"/>
-              </a:rPr>
-              <a:t>Y_Moves</a:t>
-            </a:r>
-            <a:r>
-              <a:rPr lang="en-US" sz="1000" i="1" dirty="0">
-                <a:solidFill>
-                  <a:srgbClr val="0000FF"/>
-                </a:solidFill>
-                <a:latin typeface="Courier New" panose="02070309020205020404" pitchFamily="49" charset="0"/>
-                <a:cs typeface="Courier New" panose="02070309020205020404" pitchFamily="49" charset="0"/>
-              </a:rPr>
-              <a:t> = 0</a:t>
-            </a:r>
-          </a:p>
-        </p:txBody>
-      </p:sp>
-      <p:sp>
-        <p:nvSpPr>
-          <p:cNvPr id="72" name="TextBox 71">
-            <a:extLst>
-              <a:ext uri="{FF2B5EF4-FFF2-40B4-BE49-F238E27FC236}">
-                <a16:creationId xmlns:a16="http://schemas.microsoft.com/office/drawing/2014/main" id="{7DD22BF9-1139-41A0-BCE0-9FC5576C3FB5}"/>
-              </a:ext>
-            </a:extLst>
-          </p:cNvPr>
-          <p:cNvSpPr txBox="1"/>
-          <p:nvPr/>
-        </p:nvSpPr>
-        <p:spPr>
-          <a:xfrm>
-            <a:off x="4455277" y="8075092"/>
-            <a:ext cx="1415772" cy="707886"/>
-          </a:xfrm>
-          <a:prstGeom prst="rect">
-            <a:avLst/>
-          </a:prstGeom>
-          <a:noFill/>
-        </p:spPr>
-        <p:txBody>
-          <a:bodyPr wrap="none" rtlCol="0">
-            <a:spAutoFit/>
-          </a:bodyPr>
-          <a:lstStyle/>
-          <a:p>
-            <a:r>
-              <a:rPr lang="en-US" sz="1000" i="1" dirty="0" err="1">
-                <a:solidFill>
-                  <a:srgbClr val="0000FF"/>
-                </a:solidFill>
-                <a:latin typeface="Courier New" panose="02070309020205020404" pitchFamily="49" charset="0"/>
-                <a:cs typeface="Courier New" panose="02070309020205020404" pitchFamily="49" charset="0"/>
-              </a:rPr>
-              <a:t>X_Moves</a:t>
-            </a:r>
-            <a:r>
-              <a:rPr lang="en-US" sz="1000" i="1" dirty="0">
-                <a:solidFill>
-                  <a:srgbClr val="0000FF"/>
-                </a:solidFill>
-                <a:latin typeface="Courier New" panose="02070309020205020404" pitchFamily="49" charset="0"/>
-                <a:cs typeface="Courier New" panose="02070309020205020404" pitchFamily="49" charset="0"/>
-              </a:rPr>
-              <a:t>= 251.616</a:t>
-            </a:r>
-          </a:p>
-          <a:p>
-            <a:r>
-              <a:rPr lang="en-US" sz="1000" i="1" dirty="0" err="1">
-                <a:solidFill>
-                  <a:srgbClr val="0000FF"/>
-                </a:solidFill>
-                <a:latin typeface="Courier New" panose="02070309020205020404" pitchFamily="49" charset="0"/>
-                <a:cs typeface="Courier New" panose="02070309020205020404" pitchFamily="49" charset="0"/>
-              </a:rPr>
-              <a:t>Y_Moves</a:t>
-            </a:r>
-            <a:r>
-              <a:rPr lang="en-US" sz="1000" i="1" dirty="0">
-                <a:solidFill>
-                  <a:srgbClr val="0000FF"/>
-                </a:solidFill>
-                <a:latin typeface="Courier New" panose="02070309020205020404" pitchFamily="49" charset="0"/>
-                <a:cs typeface="Courier New" panose="02070309020205020404" pitchFamily="49" charset="0"/>
-              </a:rPr>
-              <a:t>= 796.992</a:t>
-            </a:r>
-          </a:p>
-          <a:p>
-            <a:r>
-              <a:rPr lang="en-US" sz="1000" i="1" dirty="0">
-                <a:solidFill>
-                  <a:srgbClr val="0000FF"/>
-                </a:solidFill>
-                <a:latin typeface="Courier New" panose="02070309020205020404" pitchFamily="49" charset="0"/>
-                <a:cs typeface="Courier New" panose="02070309020205020404" pitchFamily="49" charset="0"/>
-              </a:rPr>
-              <a:t>X2= 187.776</a:t>
-            </a:r>
-          </a:p>
-          <a:p>
-            <a:r>
-              <a:rPr lang="en-US" sz="1000" i="1" dirty="0">
-                <a:solidFill>
-                  <a:srgbClr val="0000FF"/>
-                </a:solidFill>
-                <a:latin typeface="Courier New" panose="02070309020205020404" pitchFamily="49" charset="0"/>
-                <a:cs typeface="Courier New" panose="02070309020205020404" pitchFamily="49" charset="0"/>
-              </a:rPr>
-              <a:t>Y2= 460.848</a:t>
-            </a:r>
-          </a:p>
-        </p:txBody>
-      </p:sp>
-      <p:sp>
-        <p:nvSpPr>
-          <p:cNvPr id="63" name="TextBox 62">
-            <a:extLst>
-              <a:ext uri="{FF2B5EF4-FFF2-40B4-BE49-F238E27FC236}">
-                <a16:creationId xmlns:a16="http://schemas.microsoft.com/office/drawing/2014/main" id="{51C40FA9-F82C-4B0E-98BD-282FBC05F9A2}"/>
-              </a:ext>
-            </a:extLst>
-          </p:cNvPr>
-          <p:cNvSpPr txBox="1"/>
-          <p:nvPr/>
-        </p:nvSpPr>
-        <p:spPr>
-          <a:xfrm>
-            <a:off x="9403008" y="1145748"/>
-            <a:ext cx="5955476" cy="1785104"/>
-          </a:xfrm>
-          <a:prstGeom prst="rect">
-            <a:avLst/>
-          </a:prstGeom>
-          <a:noFill/>
-        </p:spPr>
-        <p:txBody>
-          <a:bodyPr wrap="none" rtlCol="0">
-            <a:spAutoFit/>
-          </a:bodyPr>
-          <a:lstStyle/>
-          <a:p>
-            <a:r>
-              <a:rPr lang="en-US" sz="1000" i="1" dirty="0" err="1">
-                <a:solidFill>
-                  <a:srgbClr val="0000FF"/>
-                </a:solidFill>
-                <a:latin typeface="Courier New" panose="02070309020205020404" pitchFamily="49" charset="0"/>
-                <a:cs typeface="Courier New" panose="02070309020205020404" pitchFamily="49" charset="0"/>
-              </a:rPr>
-              <a:t>HorPix_Map</a:t>
-            </a:r>
-            <a:r>
-              <a:rPr lang="en-US" sz="1000" i="1" dirty="0">
-                <a:solidFill>
-                  <a:srgbClr val="0000FF"/>
-                </a:solidFill>
-                <a:latin typeface="Courier New" panose="02070309020205020404" pitchFamily="49" charset="0"/>
-                <a:cs typeface="Courier New" panose="02070309020205020404" pitchFamily="49" charset="0"/>
-              </a:rPr>
-              <a:t>=1056 (px)</a:t>
-            </a:r>
-          </a:p>
-          <a:p>
-            <a:r>
-              <a:rPr lang="en-US" sz="1000" i="1" dirty="0" err="1">
-                <a:solidFill>
-                  <a:srgbClr val="0000FF"/>
-                </a:solidFill>
-                <a:latin typeface="Courier New" panose="02070309020205020404" pitchFamily="49" charset="0"/>
-                <a:cs typeface="Courier New" panose="02070309020205020404" pitchFamily="49" charset="0"/>
-              </a:rPr>
-              <a:t>VerPix_Map</a:t>
-            </a:r>
-            <a:r>
-              <a:rPr lang="en-US" sz="1000" i="1" dirty="0">
-                <a:solidFill>
-                  <a:srgbClr val="0000FF"/>
-                </a:solidFill>
-                <a:latin typeface="Courier New" panose="02070309020205020404" pitchFamily="49" charset="0"/>
-                <a:cs typeface="Courier New" panose="02070309020205020404" pitchFamily="49" charset="0"/>
-              </a:rPr>
-              <a:t>=1632 (px)</a:t>
-            </a:r>
-          </a:p>
-          <a:p>
-            <a:endParaRPr lang="en-US" sz="1000" i="1" dirty="0">
-              <a:solidFill>
-                <a:srgbClr val="0000FF"/>
-              </a:solidFill>
-              <a:latin typeface="Courier New" panose="02070309020205020404" pitchFamily="49" charset="0"/>
-              <a:cs typeface="Courier New" panose="02070309020205020404" pitchFamily="49" charset="0"/>
-            </a:endParaRPr>
-          </a:p>
-          <a:p>
-            <a:r>
-              <a:rPr lang="en-US" sz="1000" i="1" dirty="0">
-                <a:solidFill>
-                  <a:srgbClr val="0000FF"/>
-                </a:solidFill>
-                <a:latin typeface="Courier New" panose="02070309020205020404" pitchFamily="49" charset="0"/>
-                <a:cs typeface="Courier New" panose="02070309020205020404" pitchFamily="49" charset="0"/>
-              </a:rPr>
-              <a:t>MAP_CANVAS_ZERO=(-1056/2,+1632/2)</a:t>
-            </a:r>
-          </a:p>
-          <a:p>
-            <a:r>
-              <a:rPr lang="en-US" sz="1000" i="1" dirty="0">
-                <a:solidFill>
-                  <a:srgbClr val="0000FF"/>
-                </a:solidFill>
-                <a:latin typeface="Courier New" panose="02070309020205020404" pitchFamily="49" charset="0"/>
-                <a:cs typeface="Courier New" panose="02070309020205020404" pitchFamily="49" charset="0"/>
-              </a:rPr>
-              <a:t>MAP_CANVAS_CENTER</a:t>
-            </a:r>
-          </a:p>
-          <a:p>
-            <a:r>
-              <a:rPr lang="en-US" sz="1000" i="1" dirty="0">
-                <a:solidFill>
-                  <a:srgbClr val="0000FF"/>
-                </a:solidFill>
-                <a:latin typeface="Courier New" panose="02070309020205020404" pitchFamily="49" charset="0"/>
-                <a:cs typeface="Courier New" panose="02070309020205020404" pitchFamily="49" charset="0"/>
-              </a:rPr>
-              <a:t>MAP_CANVAS_CENTER=(0,0) [at zoom 100%]</a:t>
-            </a:r>
-          </a:p>
-          <a:p>
-            <a:endParaRPr lang="en-US" sz="1000" i="1" dirty="0">
-              <a:solidFill>
-                <a:srgbClr val="0000FF"/>
-              </a:solidFill>
-              <a:latin typeface="Courier New" panose="02070309020205020404" pitchFamily="49" charset="0"/>
-              <a:cs typeface="Courier New" panose="02070309020205020404" pitchFamily="49" charset="0"/>
-            </a:endParaRPr>
-          </a:p>
-          <a:p>
-            <a:r>
-              <a:rPr lang="en-US" sz="1000" i="1" dirty="0">
-                <a:solidFill>
-                  <a:srgbClr val="0000FF"/>
-                </a:solidFill>
-                <a:latin typeface="Courier New" panose="02070309020205020404" pitchFamily="49" charset="0"/>
-                <a:cs typeface="Courier New" panose="02070309020205020404" pitchFamily="49" charset="0"/>
-              </a:rPr>
-              <a:t>Displayed in 360x800 window</a:t>
-            </a:r>
-          </a:p>
-          <a:p>
-            <a:r>
-              <a:rPr lang="en-US" sz="1000" i="1" dirty="0">
-                <a:solidFill>
-                  <a:srgbClr val="0000FF"/>
-                </a:solidFill>
-                <a:latin typeface="Courier New" panose="02070309020205020404" pitchFamily="49" charset="0"/>
-                <a:cs typeface="Courier New" panose="02070309020205020404" pitchFamily="49" charset="0"/>
-              </a:rPr>
-              <a:t>Map(MAP_NAME).zoom=min(</a:t>
-            </a:r>
-            <a:r>
-              <a:rPr lang="en-US" sz="1000" i="1" dirty="0" err="1">
-                <a:solidFill>
-                  <a:srgbClr val="0000FF"/>
-                </a:solidFill>
-                <a:latin typeface="Courier New" panose="02070309020205020404" pitchFamily="49" charset="0"/>
-                <a:cs typeface="Courier New" panose="02070309020205020404" pitchFamily="49" charset="0"/>
-              </a:rPr>
-              <a:t>HorPix_Screen</a:t>
-            </a:r>
-            <a:r>
-              <a:rPr lang="en-US" sz="1000" i="1" dirty="0">
-                <a:solidFill>
-                  <a:srgbClr val="0000FF"/>
-                </a:solidFill>
-                <a:latin typeface="Courier New" panose="02070309020205020404" pitchFamily="49" charset="0"/>
-                <a:cs typeface="Courier New" panose="02070309020205020404" pitchFamily="49" charset="0"/>
-              </a:rPr>
-              <a:t>/</a:t>
-            </a:r>
-            <a:r>
-              <a:rPr lang="en-US" sz="1000" i="1" dirty="0" err="1">
-                <a:solidFill>
-                  <a:srgbClr val="0000FF"/>
-                </a:solidFill>
-                <a:latin typeface="Courier New" panose="02070309020205020404" pitchFamily="49" charset="0"/>
-                <a:cs typeface="Courier New" panose="02070309020205020404" pitchFamily="49" charset="0"/>
-              </a:rPr>
-              <a:t>HorPix_Map</a:t>
-            </a:r>
-            <a:r>
-              <a:rPr lang="en-US" sz="1000" i="1" dirty="0">
-                <a:solidFill>
-                  <a:srgbClr val="0000FF"/>
-                </a:solidFill>
-                <a:latin typeface="Courier New" panose="02070309020205020404" pitchFamily="49" charset="0"/>
-                <a:cs typeface="Courier New" panose="02070309020205020404" pitchFamily="49" charset="0"/>
-              </a:rPr>
-              <a:t>, </a:t>
-            </a:r>
-            <a:r>
-              <a:rPr lang="en-US" sz="1000" i="1" dirty="0" err="1">
-                <a:solidFill>
-                  <a:srgbClr val="0000FF"/>
-                </a:solidFill>
-                <a:latin typeface="Courier New" panose="02070309020205020404" pitchFamily="49" charset="0"/>
-                <a:cs typeface="Courier New" panose="02070309020205020404" pitchFamily="49" charset="0"/>
-              </a:rPr>
-              <a:t>VerPix_Screen</a:t>
-            </a:r>
-            <a:r>
-              <a:rPr lang="en-US" sz="1000" i="1" dirty="0">
-                <a:solidFill>
-                  <a:srgbClr val="0000FF"/>
-                </a:solidFill>
-                <a:latin typeface="Courier New" panose="02070309020205020404" pitchFamily="49" charset="0"/>
-                <a:cs typeface="Courier New" panose="02070309020205020404" pitchFamily="49" charset="0"/>
-              </a:rPr>
-              <a:t>/</a:t>
-            </a:r>
-            <a:r>
-              <a:rPr lang="en-US" sz="1000" i="1" dirty="0" err="1">
-                <a:solidFill>
-                  <a:srgbClr val="0000FF"/>
-                </a:solidFill>
-                <a:latin typeface="Courier New" panose="02070309020205020404" pitchFamily="49" charset="0"/>
-                <a:cs typeface="Courier New" panose="02070309020205020404" pitchFamily="49" charset="0"/>
-              </a:rPr>
-              <a:t>VerPix_Map</a:t>
-            </a:r>
-            <a:r>
-              <a:rPr lang="en-US" sz="1000" i="1" dirty="0">
-                <a:solidFill>
-                  <a:srgbClr val="0000FF"/>
-                </a:solidFill>
-                <a:latin typeface="Courier New" panose="02070309020205020404" pitchFamily="49" charset="0"/>
-                <a:cs typeface="Courier New" panose="02070309020205020404" pitchFamily="49" charset="0"/>
-              </a:rPr>
-              <a:t>) </a:t>
-            </a:r>
-          </a:p>
-          <a:p>
-            <a:endParaRPr lang="en-US" sz="1000" i="1" dirty="0">
-              <a:solidFill>
-                <a:srgbClr val="0000FF"/>
-              </a:solidFill>
-              <a:latin typeface="Courier New" panose="02070309020205020404" pitchFamily="49" charset="0"/>
-              <a:cs typeface="Courier New" panose="02070309020205020404" pitchFamily="49" charset="0"/>
-            </a:endParaRPr>
-          </a:p>
-          <a:p>
-            <a:r>
-              <a:rPr lang="en-US" sz="1000" i="1" dirty="0">
-                <a:solidFill>
-                  <a:srgbClr val="0000FF"/>
-                </a:solidFill>
-                <a:latin typeface="Courier New" panose="02070309020205020404" pitchFamily="49" charset="0"/>
-                <a:cs typeface="Courier New" panose="02070309020205020404" pitchFamily="49" charset="0"/>
-              </a:rPr>
-              <a:t>[Here @ zoom 34%]</a:t>
-            </a:r>
-          </a:p>
-        </p:txBody>
-      </p:sp>
-      <p:sp>
-        <p:nvSpPr>
-          <p:cNvPr id="79" name="TextBox 78">
-            <a:extLst>
-              <a:ext uri="{FF2B5EF4-FFF2-40B4-BE49-F238E27FC236}">
-                <a16:creationId xmlns:a16="http://schemas.microsoft.com/office/drawing/2014/main" id="{8D777EF8-10DA-4F34-A880-326ABF5AC6F9}"/>
-              </a:ext>
-            </a:extLst>
-          </p:cNvPr>
-          <p:cNvSpPr txBox="1"/>
-          <p:nvPr/>
-        </p:nvSpPr>
-        <p:spPr>
-          <a:xfrm>
-            <a:off x="8902713" y="3189377"/>
-            <a:ext cx="1261884" cy="861774"/>
-          </a:xfrm>
-          <a:prstGeom prst="rect">
-            <a:avLst/>
-          </a:prstGeom>
-          <a:noFill/>
-        </p:spPr>
-        <p:txBody>
-          <a:bodyPr wrap="none" rtlCol="0">
-            <a:spAutoFit/>
-          </a:bodyPr>
-          <a:lstStyle/>
-          <a:p>
-            <a:r>
-              <a:rPr lang="en-US" sz="1000" i="1" dirty="0" err="1">
-                <a:solidFill>
-                  <a:srgbClr val="0000FF"/>
-                </a:solidFill>
-                <a:latin typeface="Courier New" panose="02070309020205020404" pitchFamily="49" charset="0"/>
-                <a:cs typeface="Courier New" panose="02070309020205020404" pitchFamily="49" charset="0"/>
-              </a:rPr>
-              <a:t>initialisation</a:t>
-            </a:r>
-            <a:endParaRPr lang="en-US" sz="1000" i="1" dirty="0">
-              <a:solidFill>
-                <a:srgbClr val="0000FF"/>
-              </a:solidFill>
-              <a:latin typeface="Courier New" panose="02070309020205020404" pitchFamily="49" charset="0"/>
-              <a:cs typeface="Courier New" panose="02070309020205020404" pitchFamily="49" charset="0"/>
-            </a:endParaRPr>
-          </a:p>
-          <a:p>
-            <a:r>
-              <a:rPr lang="en-US" sz="1000" i="1" dirty="0" err="1">
-                <a:solidFill>
-                  <a:srgbClr val="0000FF"/>
-                </a:solidFill>
-                <a:latin typeface="Courier New" panose="02070309020205020404" pitchFamily="49" charset="0"/>
-                <a:cs typeface="Courier New" panose="02070309020205020404" pitchFamily="49" charset="0"/>
-              </a:rPr>
-              <a:t>X_Moves</a:t>
-            </a:r>
-            <a:r>
-              <a:rPr lang="en-US" sz="1000" i="1" dirty="0">
-                <a:solidFill>
-                  <a:srgbClr val="0000FF"/>
-                </a:solidFill>
-                <a:latin typeface="Courier New" panose="02070309020205020404" pitchFamily="49" charset="0"/>
-                <a:cs typeface="Courier New" panose="02070309020205020404" pitchFamily="49" charset="0"/>
-              </a:rPr>
-              <a:t> = 0</a:t>
-            </a:r>
-          </a:p>
-          <a:p>
-            <a:r>
-              <a:rPr lang="en-US" sz="1000" i="1" dirty="0" err="1">
-                <a:solidFill>
-                  <a:srgbClr val="0000FF"/>
-                </a:solidFill>
-                <a:latin typeface="Courier New" panose="02070309020205020404" pitchFamily="49" charset="0"/>
-                <a:cs typeface="Courier New" panose="02070309020205020404" pitchFamily="49" charset="0"/>
-              </a:rPr>
-              <a:t>Y_Moves</a:t>
-            </a:r>
-            <a:r>
-              <a:rPr lang="en-US" sz="1000" i="1" dirty="0">
-                <a:solidFill>
-                  <a:srgbClr val="0000FF"/>
-                </a:solidFill>
-                <a:latin typeface="Courier New" panose="02070309020205020404" pitchFamily="49" charset="0"/>
-                <a:cs typeface="Courier New" panose="02070309020205020404" pitchFamily="49" charset="0"/>
-              </a:rPr>
-              <a:t> = 0</a:t>
-            </a:r>
-          </a:p>
-          <a:p>
-            <a:r>
-              <a:rPr lang="en-US" sz="1000" i="1" dirty="0">
-                <a:solidFill>
-                  <a:srgbClr val="0000FF"/>
-                </a:solidFill>
-                <a:latin typeface="Courier New" panose="02070309020205020404" pitchFamily="49" charset="0"/>
-                <a:cs typeface="Courier New" panose="02070309020205020404" pitchFamily="49" charset="0"/>
-              </a:rPr>
-              <a:t>X0 = 0</a:t>
-            </a:r>
-          </a:p>
-          <a:p>
-            <a:r>
-              <a:rPr lang="en-US" sz="1000" i="1" dirty="0">
-                <a:solidFill>
-                  <a:srgbClr val="0000FF"/>
-                </a:solidFill>
-                <a:latin typeface="Courier New" panose="02070309020205020404" pitchFamily="49" charset="0"/>
-                <a:cs typeface="Courier New" panose="02070309020205020404" pitchFamily="49" charset="0"/>
-              </a:rPr>
-              <a:t>Y0 = 0</a:t>
-            </a:r>
-          </a:p>
-        </p:txBody>
-      </p:sp>
-      <p:sp>
-        <p:nvSpPr>
-          <p:cNvPr id="81" name="TextBox 80">
-            <a:extLst>
-              <a:ext uri="{FF2B5EF4-FFF2-40B4-BE49-F238E27FC236}">
-                <a16:creationId xmlns:a16="http://schemas.microsoft.com/office/drawing/2014/main" id="{C8ADB9E3-30DB-4E23-B64C-D83F608C3C19}"/>
-              </a:ext>
-            </a:extLst>
-          </p:cNvPr>
-          <p:cNvSpPr txBox="1"/>
-          <p:nvPr/>
-        </p:nvSpPr>
-        <p:spPr>
-          <a:xfrm>
-            <a:off x="4572295" y="8799333"/>
-            <a:ext cx="3416320" cy="246221"/>
-          </a:xfrm>
-          <a:prstGeom prst="rect">
-            <a:avLst/>
-          </a:prstGeom>
-          <a:noFill/>
-        </p:spPr>
-        <p:txBody>
-          <a:bodyPr wrap="none" rtlCol="0">
-            <a:spAutoFit/>
-          </a:bodyPr>
-          <a:lstStyle/>
-          <a:p>
-            <a:r>
-              <a:rPr lang="en-US" sz="1000" i="1" dirty="0">
-                <a:solidFill>
-                  <a:srgbClr val="0000FF"/>
-                </a:solidFill>
-                <a:latin typeface="Courier New" panose="02070309020205020404" pitchFamily="49" charset="0"/>
-                <a:cs typeface="Courier New" panose="02070309020205020404" pitchFamily="49" charset="0"/>
-              </a:rPr>
-              <a:t>DISTANCE_REF_MAP=SQRT((X0-X2)^2+(Y0-Y2)^2)</a:t>
-            </a:r>
-          </a:p>
-        </p:txBody>
-      </p:sp>
-      <p:sp>
-        <p:nvSpPr>
-          <p:cNvPr id="82" name="TextBox 81">
-            <a:extLst>
-              <a:ext uri="{FF2B5EF4-FFF2-40B4-BE49-F238E27FC236}">
-                <a16:creationId xmlns:a16="http://schemas.microsoft.com/office/drawing/2014/main" id="{8FFB4D89-B594-4810-A072-DD73744B154E}"/>
-              </a:ext>
-            </a:extLst>
-          </p:cNvPr>
-          <p:cNvSpPr txBox="1"/>
-          <p:nvPr/>
-        </p:nvSpPr>
-        <p:spPr>
-          <a:xfrm>
-            <a:off x="9244093" y="9218170"/>
-            <a:ext cx="3339376" cy="553998"/>
-          </a:xfrm>
-          <a:prstGeom prst="rect">
-            <a:avLst/>
-          </a:prstGeom>
-          <a:noFill/>
-        </p:spPr>
-        <p:txBody>
-          <a:bodyPr wrap="none" rtlCol="0">
-            <a:spAutoFit/>
-          </a:bodyPr>
-          <a:lstStyle/>
-          <a:p>
-            <a:r>
-              <a:rPr lang="en-US" sz="1000" i="1" dirty="0">
-                <a:solidFill>
-                  <a:srgbClr val="0000FF"/>
-                </a:solidFill>
-                <a:latin typeface="Courier New" panose="02070309020205020404" pitchFamily="49" charset="0"/>
-                <a:cs typeface="Courier New" panose="02070309020205020404" pitchFamily="49" charset="0"/>
-              </a:rPr>
-              <a:t>RESOLUTIONS CALCULATION</a:t>
-            </a:r>
-          </a:p>
-          <a:p>
-            <a:r>
-              <a:rPr lang="en-US" sz="1000" i="1" dirty="0">
-                <a:solidFill>
-                  <a:srgbClr val="0000FF"/>
-                </a:solidFill>
-                <a:latin typeface="Courier New" panose="02070309020205020404" pitchFamily="49" charset="0"/>
-                <a:cs typeface="Courier New" panose="02070309020205020404" pitchFamily="49" charset="0"/>
-              </a:rPr>
-              <a:t>RES_LAT=(Y0-Y2)/(LAT0-LAT2)   [mm/deg]</a:t>
-            </a:r>
-          </a:p>
-          <a:p>
-            <a:r>
-              <a:rPr lang="en-US" sz="1000" i="1" dirty="0">
-                <a:solidFill>
-                  <a:srgbClr val="0000FF"/>
-                </a:solidFill>
-                <a:latin typeface="Courier New" panose="02070309020205020404" pitchFamily="49" charset="0"/>
-                <a:cs typeface="Courier New" panose="02070309020205020404" pitchFamily="49" charset="0"/>
-              </a:rPr>
-              <a:t>RES_LONG=(X0-X2)/(LONG0-LONG2)   [mm/deg]</a:t>
-            </a:r>
-          </a:p>
-        </p:txBody>
-      </p:sp>
-      <p:sp>
-        <p:nvSpPr>
-          <p:cNvPr id="83" name="TextBox 82">
-            <a:extLst>
-              <a:ext uri="{FF2B5EF4-FFF2-40B4-BE49-F238E27FC236}">
-                <a16:creationId xmlns:a16="http://schemas.microsoft.com/office/drawing/2014/main" id="{D5300153-B485-43A0-981D-9F577560C57F}"/>
-              </a:ext>
-            </a:extLst>
-          </p:cNvPr>
-          <p:cNvSpPr txBox="1"/>
-          <p:nvPr/>
-        </p:nvSpPr>
-        <p:spPr>
-          <a:xfrm>
-            <a:off x="9198006" y="9901786"/>
-            <a:ext cx="3552051" cy="1169551"/>
-          </a:xfrm>
-          <a:prstGeom prst="rect">
-            <a:avLst/>
-          </a:prstGeom>
-          <a:noFill/>
-        </p:spPr>
-        <p:txBody>
-          <a:bodyPr wrap="square" rtlCol="0">
-            <a:spAutoFit/>
-          </a:bodyPr>
-          <a:lstStyle/>
-          <a:p>
-            <a:r>
-              <a:rPr lang="en-US" sz="1000" i="1" dirty="0">
-                <a:solidFill>
-                  <a:srgbClr val="0000FF"/>
-                </a:solidFill>
-                <a:latin typeface="Courier New" panose="02070309020205020404" pitchFamily="49" charset="0"/>
-                <a:cs typeface="Courier New" panose="02070309020205020404" pitchFamily="49" charset="0"/>
-              </a:rPr>
-              <a:t>IF NOT(</a:t>
-            </a:r>
-            <a:r>
-              <a:rPr lang="en-US" sz="1000" i="1" dirty="0" err="1">
-                <a:solidFill>
-                  <a:srgbClr val="0000FF"/>
-                </a:solidFill>
-                <a:latin typeface="Courier New" panose="02070309020205020404" pitchFamily="49" charset="0"/>
-                <a:cs typeface="Courier New" panose="02070309020205020404" pitchFamily="49" charset="0"/>
-              </a:rPr>
-              <a:t>Rotation_Angle</a:t>
-            </a:r>
-            <a:r>
-              <a:rPr lang="en-US" sz="1000" i="1" dirty="0">
-                <a:solidFill>
-                  <a:srgbClr val="0000FF"/>
-                </a:solidFill>
-                <a:latin typeface="Courier New" panose="02070309020205020404" pitchFamily="49" charset="0"/>
-                <a:cs typeface="Courier New" panose="02070309020205020404" pitchFamily="49" charset="0"/>
-              </a:rPr>
-              <a:t> = 0)</a:t>
-            </a:r>
-          </a:p>
-          <a:p>
-            <a:r>
-              <a:rPr lang="en-US" sz="1000" i="1" dirty="0">
-                <a:solidFill>
-                  <a:srgbClr val="0000FF"/>
-                </a:solidFill>
-                <a:latin typeface="Courier New" panose="02070309020205020404" pitchFamily="49" charset="0"/>
-                <a:cs typeface="Courier New" panose="02070309020205020404" pitchFamily="49" charset="0"/>
-              </a:rPr>
-              <a:t>	Map(MAP_NAME).Rotate = </a:t>
-            </a:r>
-            <a:r>
-              <a:rPr lang="en-US" sz="1000" i="1" dirty="0" err="1">
-                <a:solidFill>
-                  <a:srgbClr val="0000FF"/>
-                </a:solidFill>
-                <a:latin typeface="Courier New" panose="02070309020205020404" pitchFamily="49" charset="0"/>
-                <a:cs typeface="Courier New" panose="02070309020205020404" pitchFamily="49" charset="0"/>
-              </a:rPr>
-              <a:t>Rotation_Angle</a:t>
-            </a:r>
-            <a:endParaRPr lang="en-US" sz="1000" i="1" dirty="0">
-              <a:solidFill>
-                <a:srgbClr val="0000FF"/>
-              </a:solidFill>
-              <a:latin typeface="Courier New" panose="02070309020205020404" pitchFamily="49" charset="0"/>
-              <a:cs typeface="Courier New" panose="02070309020205020404" pitchFamily="49" charset="0"/>
-            </a:endParaRPr>
-          </a:p>
-          <a:p>
-            <a:endParaRPr lang="en-US" sz="1000" i="1" dirty="0">
-              <a:solidFill>
-                <a:srgbClr val="0000FF"/>
-              </a:solidFill>
-              <a:latin typeface="Courier New" panose="02070309020205020404" pitchFamily="49" charset="0"/>
-              <a:cs typeface="Courier New" panose="02070309020205020404" pitchFamily="49" charset="0"/>
-            </a:endParaRPr>
-          </a:p>
-          <a:p>
-            <a:r>
-              <a:rPr lang="en-US" sz="1000" i="1" dirty="0">
-                <a:solidFill>
-                  <a:srgbClr val="0000FF"/>
-                </a:solidFill>
-                <a:latin typeface="Courier New" panose="02070309020205020404" pitchFamily="49" charset="0"/>
-                <a:cs typeface="Courier New" panose="02070309020205020404" pitchFamily="49" charset="0"/>
-              </a:rPr>
-              <a:t>Linear Transformations</a:t>
-            </a:r>
-          </a:p>
-          <a:p>
-            <a:r>
-              <a:rPr lang="en-US" sz="1000" i="1" dirty="0" err="1">
-                <a:solidFill>
-                  <a:srgbClr val="0000FF"/>
-                </a:solidFill>
-                <a:latin typeface="Courier New" panose="02070309020205020404" pitchFamily="49" charset="0"/>
-                <a:cs typeface="Courier New" panose="02070309020205020404" pitchFamily="49" charset="0"/>
-              </a:rPr>
-              <a:t>a,b</a:t>
-            </a:r>
-            <a:r>
-              <a:rPr lang="en-US" sz="1000" i="1" dirty="0">
-                <a:solidFill>
-                  <a:srgbClr val="0000FF"/>
-                </a:solidFill>
-                <a:latin typeface="Courier New" panose="02070309020205020404" pitchFamily="49" charset="0"/>
-                <a:cs typeface="Courier New" panose="02070309020205020404" pitchFamily="49" charset="0"/>
-              </a:rPr>
-              <a:t> coefficients calculations for latitudes and longitudes</a:t>
-            </a:r>
-          </a:p>
-          <a:p>
-            <a:endParaRPr lang="en-US" sz="1000" i="1" dirty="0">
-              <a:solidFill>
-                <a:srgbClr val="0000FF"/>
-              </a:solidFill>
-              <a:latin typeface="Courier New" panose="02070309020205020404" pitchFamily="49" charset="0"/>
-              <a:cs typeface="Courier New" panose="02070309020205020404" pitchFamily="49" charset="0"/>
-            </a:endParaRPr>
-          </a:p>
-        </p:txBody>
-      </p:sp>
       <p:grpSp>
         <p:nvGrpSpPr>
           <p:cNvPr id="33" name="Group 32">
@@ -11197,6 +6514,5034 @@
           </p:txBody>
         </p:sp>
       </p:grpSp>
+      <p:sp>
+        <p:nvSpPr>
+          <p:cNvPr id="2" name="TextBox 1">
+            <a:extLst>
+              <a:ext uri="{FF2B5EF4-FFF2-40B4-BE49-F238E27FC236}">
+                <a16:creationId xmlns:a16="http://schemas.microsoft.com/office/drawing/2014/main" id="{BF16C64F-842E-4E5B-A5FB-E401158964A7}"/>
+              </a:ext>
+            </a:extLst>
+          </p:cNvPr>
+          <p:cNvSpPr txBox="1"/>
+          <p:nvPr/>
+        </p:nvSpPr>
+        <p:spPr>
+          <a:xfrm>
+            <a:off x="513925" y="628855"/>
+            <a:ext cx="1690847" cy="646331"/>
+          </a:xfrm>
+          <a:prstGeom prst="rect">
+            <a:avLst/>
+          </a:prstGeom>
+          <a:noFill/>
+        </p:spPr>
+        <p:txBody>
+          <a:bodyPr wrap="none" rtlCol="0">
+            <a:spAutoFit/>
+          </a:bodyPr>
+          <a:lstStyle/>
+          <a:p>
+            <a:r>
+              <a:rPr lang="en-US" sz="1200" dirty="0"/>
+              <a:t>App: opens</a:t>
+            </a:r>
+          </a:p>
+          <a:p>
+            <a:r>
+              <a:rPr lang="en-US" sz="1200" dirty="0"/>
+              <a:t>Sets MAP_NAME=“”</a:t>
+            </a:r>
+          </a:p>
+          <a:p>
+            <a:r>
+              <a:rPr lang="en-US" sz="1200" dirty="0"/>
+              <a:t>Gets system parameters</a:t>
+            </a:r>
+          </a:p>
+        </p:txBody>
+      </p:sp>
+      <p:sp>
+        <p:nvSpPr>
+          <p:cNvPr id="3" name="TextBox 2">
+            <a:extLst>
+              <a:ext uri="{FF2B5EF4-FFF2-40B4-BE49-F238E27FC236}">
+                <a16:creationId xmlns:a16="http://schemas.microsoft.com/office/drawing/2014/main" id="{D2FB0986-A2AB-48A4-8651-EE2E2C5D987B}"/>
+              </a:ext>
+            </a:extLst>
+          </p:cNvPr>
+          <p:cNvSpPr txBox="1"/>
+          <p:nvPr/>
+        </p:nvSpPr>
+        <p:spPr>
+          <a:xfrm>
+            <a:off x="456997" y="101813"/>
+            <a:ext cx="731611" cy="276999"/>
+          </a:xfrm>
+          <a:prstGeom prst="rect">
+            <a:avLst/>
+          </a:prstGeom>
+          <a:noFill/>
+        </p:spPr>
+        <p:txBody>
+          <a:bodyPr wrap="none" rtlCol="0">
+            <a:spAutoFit/>
+          </a:bodyPr>
+          <a:lstStyle/>
+          <a:p>
+            <a:r>
+              <a:rPr lang="en-US" sz="1200" dirty="0"/>
+              <a:t>App icon</a:t>
+            </a:r>
+          </a:p>
+        </p:txBody>
+      </p:sp>
+      <p:cxnSp>
+        <p:nvCxnSpPr>
+          <p:cNvPr id="5" name="Connector: Elbow 4">
+            <a:extLst>
+              <a:ext uri="{FF2B5EF4-FFF2-40B4-BE49-F238E27FC236}">
+                <a16:creationId xmlns:a16="http://schemas.microsoft.com/office/drawing/2014/main" id="{25F3C8D4-D3D5-4902-9CA4-CD0D9D5CC1CF}"/>
+              </a:ext>
+            </a:extLst>
+          </p:cNvPr>
+          <p:cNvCxnSpPr>
+            <a:stCxn id="3" idx="2"/>
+            <a:endCxn id="2" idx="0"/>
+          </p:cNvCxnSpPr>
+          <p:nvPr/>
+        </p:nvCxnSpPr>
+        <p:spPr>
+          <a:xfrm rot="16200000" flipH="1">
+            <a:off x="966055" y="235560"/>
+            <a:ext cx="250043" cy="536546"/>
+          </a:xfrm>
+          <a:prstGeom prst="bentConnector3">
+            <a:avLst>
+              <a:gd name="adj1" fmla="val 50000"/>
+            </a:avLst>
+          </a:prstGeom>
+          <a:ln>
+            <a:tailEnd type="triangle"/>
+          </a:ln>
+        </p:spPr>
+        <p:style>
+          <a:lnRef idx="1">
+            <a:schemeClr val="accent1"/>
+          </a:lnRef>
+          <a:fillRef idx="0">
+            <a:schemeClr val="accent1"/>
+          </a:fillRef>
+          <a:effectRef idx="0">
+            <a:schemeClr val="accent1"/>
+          </a:effectRef>
+          <a:fontRef idx="minor">
+            <a:schemeClr val="tx1"/>
+          </a:fontRef>
+        </p:style>
+      </p:cxnSp>
+      <p:sp>
+        <p:nvSpPr>
+          <p:cNvPr id="7" name="TextBox 6">
+            <a:extLst>
+              <a:ext uri="{FF2B5EF4-FFF2-40B4-BE49-F238E27FC236}">
+                <a16:creationId xmlns:a16="http://schemas.microsoft.com/office/drawing/2014/main" id="{26D8665F-4028-4EE0-BA3D-38778DFF863E}"/>
+              </a:ext>
+            </a:extLst>
+          </p:cNvPr>
+          <p:cNvSpPr txBox="1"/>
+          <p:nvPr/>
+        </p:nvSpPr>
+        <p:spPr>
+          <a:xfrm>
+            <a:off x="487138" y="1552680"/>
+            <a:ext cx="2422458" cy="461665"/>
+          </a:xfrm>
+          <a:prstGeom prst="rect">
+            <a:avLst/>
+          </a:prstGeom>
+          <a:noFill/>
+        </p:spPr>
+        <p:txBody>
+          <a:bodyPr wrap="none" rtlCol="0">
+            <a:spAutoFit/>
+          </a:bodyPr>
+          <a:lstStyle/>
+          <a:p>
+            <a:r>
+              <a:rPr lang="en-US" sz="1200" b="1" dirty="0"/>
+              <a:t>Window POPUP1</a:t>
+            </a:r>
+          </a:p>
+          <a:p>
+            <a:r>
+              <a:rPr lang="en-US" sz="1200" dirty="0"/>
+              <a:t>Load Map (prompt for MAP_NAME)</a:t>
+            </a:r>
+          </a:p>
+        </p:txBody>
+      </p:sp>
+      <p:sp>
+        <p:nvSpPr>
+          <p:cNvPr id="8" name="TextBox 7">
+            <a:extLst>
+              <a:ext uri="{FF2B5EF4-FFF2-40B4-BE49-F238E27FC236}">
+                <a16:creationId xmlns:a16="http://schemas.microsoft.com/office/drawing/2014/main" id="{101117B2-FCF1-487E-A595-5BA52A307157}"/>
+              </a:ext>
+            </a:extLst>
+          </p:cNvPr>
+          <p:cNvSpPr txBox="1"/>
+          <p:nvPr/>
+        </p:nvSpPr>
+        <p:spPr>
+          <a:xfrm>
+            <a:off x="3892903" y="810472"/>
+            <a:ext cx="1633781" cy="276999"/>
+          </a:xfrm>
+          <a:prstGeom prst="rect">
+            <a:avLst/>
+          </a:prstGeom>
+          <a:noFill/>
+        </p:spPr>
+        <p:txBody>
+          <a:bodyPr wrap="none" rtlCol="0">
+            <a:spAutoFit/>
+          </a:bodyPr>
+          <a:lstStyle/>
+          <a:p>
+            <a:r>
+              <a:rPr lang="en-US" sz="1200" b="1" dirty="0"/>
+              <a:t>WIDGET SMILEY </a:t>
+            </a:r>
+            <a:r>
+              <a:rPr lang="en-US" sz="1200" dirty="0"/>
+              <a:t>opens</a:t>
+            </a:r>
+          </a:p>
+        </p:txBody>
+      </p:sp>
+      <p:sp>
+        <p:nvSpPr>
+          <p:cNvPr id="11" name="TextBox 10">
+            <a:extLst>
+              <a:ext uri="{FF2B5EF4-FFF2-40B4-BE49-F238E27FC236}">
+                <a16:creationId xmlns:a16="http://schemas.microsoft.com/office/drawing/2014/main" id="{0B6AFCCD-292A-48CE-988B-920F32E68B41}"/>
+              </a:ext>
+            </a:extLst>
+          </p:cNvPr>
+          <p:cNvSpPr txBox="1"/>
+          <p:nvPr/>
+        </p:nvSpPr>
+        <p:spPr>
+          <a:xfrm>
+            <a:off x="3892903" y="1481139"/>
+            <a:ext cx="3042371" cy="276999"/>
+          </a:xfrm>
+          <a:prstGeom prst="rect">
+            <a:avLst/>
+          </a:prstGeom>
+          <a:noFill/>
+        </p:spPr>
+        <p:txBody>
+          <a:bodyPr wrap="none" rtlCol="0">
+            <a:spAutoFit/>
+          </a:bodyPr>
+          <a:lstStyle/>
+          <a:p>
+            <a:r>
+              <a:rPr lang="en-US" sz="1200" b="1" dirty="0"/>
+              <a:t>WIDGET SMILEY  </a:t>
+            </a:r>
+            <a:r>
+              <a:rPr lang="en-US" sz="1200" dirty="0"/>
+              <a:t>on mouse event DoubleClick</a:t>
+            </a:r>
+          </a:p>
+        </p:txBody>
+      </p:sp>
+      <p:sp>
+        <p:nvSpPr>
+          <p:cNvPr id="12" name="TextBox 11">
+            <a:extLst>
+              <a:ext uri="{FF2B5EF4-FFF2-40B4-BE49-F238E27FC236}">
+                <a16:creationId xmlns:a16="http://schemas.microsoft.com/office/drawing/2014/main" id="{59F6227F-7CC7-460E-864D-DEE2A9369E46}"/>
+              </a:ext>
+            </a:extLst>
+          </p:cNvPr>
+          <p:cNvSpPr txBox="1"/>
+          <p:nvPr/>
+        </p:nvSpPr>
+        <p:spPr>
+          <a:xfrm>
+            <a:off x="8420111" y="129161"/>
+            <a:ext cx="2543110" cy="1015663"/>
+          </a:xfrm>
+          <a:prstGeom prst="rect">
+            <a:avLst/>
+          </a:prstGeom>
+          <a:noFill/>
+        </p:spPr>
+        <p:txBody>
+          <a:bodyPr wrap="square" rtlCol="0">
+            <a:spAutoFit/>
+          </a:bodyPr>
+          <a:lstStyle/>
+          <a:p>
+            <a:r>
+              <a:rPr lang="en-US" sz="1200" b="1" dirty="0"/>
+              <a:t>Routine LOAD_MAP</a:t>
+            </a:r>
+            <a:r>
+              <a:rPr lang="en-US" sz="1200" dirty="0"/>
+              <a:t>(MAP_NAME)</a:t>
+            </a:r>
+          </a:p>
+          <a:p>
+            <a:r>
+              <a:rPr lang="en-US" sz="1200" dirty="0"/>
+              <a:t>sets </a:t>
+            </a:r>
+            <a:r>
+              <a:rPr lang="en-US" sz="1200" dirty="0" err="1"/>
+              <a:t>width_MAP</a:t>
+            </a:r>
+            <a:r>
+              <a:rPr lang="en-US" sz="1200" dirty="0"/>
+              <a:t>, </a:t>
+            </a:r>
+            <a:r>
+              <a:rPr lang="en-US" sz="1200" dirty="0" err="1"/>
+              <a:t>height_Map</a:t>
+            </a:r>
+            <a:endParaRPr lang="en-US" sz="1200" dirty="0"/>
+          </a:p>
+          <a:p>
+            <a:r>
+              <a:rPr lang="en-US" sz="1200" dirty="0"/>
+              <a:t>Sets </a:t>
+            </a:r>
+            <a:r>
+              <a:rPr lang="en-US" sz="1200" dirty="0" err="1"/>
+              <a:t>HorPix_Map</a:t>
+            </a:r>
+            <a:r>
+              <a:rPr lang="en-US" sz="1200" dirty="0"/>
+              <a:t>, </a:t>
+            </a:r>
+            <a:r>
+              <a:rPr lang="en-US" sz="1200" dirty="0" err="1"/>
+              <a:t>VerPix_Map</a:t>
+            </a:r>
+            <a:endParaRPr lang="en-US" sz="1200" dirty="0"/>
+          </a:p>
+          <a:p>
+            <a:r>
+              <a:rPr lang="en-US" sz="1200" dirty="0"/>
+              <a:t>sets MAP_CANVAS_ZERO</a:t>
+            </a:r>
+          </a:p>
+          <a:p>
+            <a:r>
+              <a:rPr lang="en-US" sz="1200" dirty="0" err="1"/>
+              <a:t>inits</a:t>
+            </a:r>
+            <a:r>
+              <a:rPr lang="en-US" sz="1200" dirty="0"/>
+              <a:t> MOVES_CANVAS …</a:t>
+            </a:r>
+          </a:p>
+        </p:txBody>
+      </p:sp>
+      <p:sp>
+        <p:nvSpPr>
+          <p:cNvPr id="13" name="TextBox 12">
+            <a:extLst>
+              <a:ext uri="{FF2B5EF4-FFF2-40B4-BE49-F238E27FC236}">
+                <a16:creationId xmlns:a16="http://schemas.microsoft.com/office/drawing/2014/main" id="{6F1E896F-F34E-4881-9949-E301F05994A8}"/>
+              </a:ext>
+            </a:extLst>
+          </p:cNvPr>
+          <p:cNvSpPr txBox="1"/>
+          <p:nvPr/>
+        </p:nvSpPr>
+        <p:spPr>
+          <a:xfrm>
+            <a:off x="2000340" y="6903962"/>
+            <a:ext cx="2901179" cy="830997"/>
+          </a:xfrm>
+          <a:prstGeom prst="rect">
+            <a:avLst/>
+          </a:prstGeom>
+          <a:noFill/>
+        </p:spPr>
+        <p:txBody>
+          <a:bodyPr wrap="none" rtlCol="0">
+            <a:spAutoFit/>
+          </a:bodyPr>
+          <a:lstStyle/>
+          <a:p>
+            <a:r>
+              <a:rPr lang="en-US" sz="1200" b="1" dirty="0"/>
+              <a:t>Window POPUP2</a:t>
+            </a:r>
+          </a:p>
+          <a:p>
+            <a:r>
+              <a:rPr lang="en-US" sz="1200" dirty="0"/>
+              <a:t>	</a:t>
+            </a:r>
+            <a:r>
+              <a:rPr lang="en-US" sz="1200" dirty="0" err="1"/>
+              <a:t>Point_PROMPT</a:t>
+            </a:r>
+            <a:endParaRPr lang="en-US" sz="1200" dirty="0"/>
+          </a:p>
+          <a:p>
+            <a:r>
+              <a:rPr lang="en-US" sz="1200" dirty="0"/>
+              <a:t>	</a:t>
+            </a:r>
+            <a:r>
+              <a:rPr lang="en-US" sz="1200" dirty="0" err="1"/>
+              <a:t>Latitude_PROMPT</a:t>
+            </a:r>
+            <a:r>
+              <a:rPr lang="en-US" sz="1200" dirty="0"/>
+              <a:t>=</a:t>
+            </a:r>
+            <a:r>
+              <a:rPr lang="en-US" sz="1200" dirty="0" err="1"/>
+              <a:t>Latitude_REF</a:t>
+            </a:r>
+            <a:endParaRPr lang="en-US" sz="1200" dirty="0"/>
+          </a:p>
+          <a:p>
+            <a:r>
+              <a:rPr lang="en-US" sz="1200" dirty="0"/>
+              <a:t>	</a:t>
+            </a:r>
+            <a:r>
+              <a:rPr lang="en-US" sz="1200" dirty="0" err="1"/>
+              <a:t>Longitude_PROMPT</a:t>
+            </a:r>
+            <a:r>
+              <a:rPr lang="en-US" sz="1200" dirty="0"/>
+              <a:t>=</a:t>
+            </a:r>
+            <a:r>
+              <a:rPr lang="en-US" sz="1200" dirty="0" err="1"/>
+              <a:t>Longitude_REF</a:t>
+            </a:r>
+            <a:endParaRPr lang="en-US" sz="1200" dirty="0"/>
+          </a:p>
+        </p:txBody>
+      </p:sp>
+      <p:sp>
+        <p:nvSpPr>
+          <p:cNvPr id="14" name="TextBox 13">
+            <a:extLst>
+              <a:ext uri="{FF2B5EF4-FFF2-40B4-BE49-F238E27FC236}">
+                <a16:creationId xmlns:a16="http://schemas.microsoft.com/office/drawing/2014/main" id="{6C1A19B2-2D2C-4964-AC90-E8E6C41CF091}"/>
+              </a:ext>
+            </a:extLst>
+          </p:cNvPr>
+          <p:cNvSpPr txBox="1"/>
+          <p:nvPr/>
+        </p:nvSpPr>
+        <p:spPr>
+          <a:xfrm>
+            <a:off x="3543828" y="3807992"/>
+            <a:ext cx="1838324" cy="1754326"/>
+          </a:xfrm>
+          <a:prstGeom prst="rect">
+            <a:avLst/>
+          </a:prstGeom>
+          <a:noFill/>
+          <a:ln w="3175">
+            <a:solidFill>
+              <a:schemeClr val="tx1"/>
+            </a:solidFill>
+          </a:ln>
+        </p:spPr>
+        <p:txBody>
+          <a:bodyPr wrap="none" rtlCol="0">
+            <a:spAutoFit/>
+          </a:bodyPr>
+          <a:lstStyle/>
+          <a:p>
+            <a:r>
+              <a:rPr lang="en-US" sz="1200" dirty="0"/>
+              <a:t>Variables assignments:</a:t>
+            </a:r>
+          </a:p>
+          <a:p>
+            <a:r>
+              <a:rPr lang="en-US" sz="1200" dirty="0" err="1"/>
+              <a:t>Latitude_REF</a:t>
+            </a:r>
+            <a:r>
+              <a:rPr lang="en-US" sz="1200" dirty="0"/>
+              <a:t>=value</a:t>
+            </a:r>
+          </a:p>
+          <a:p>
+            <a:r>
+              <a:rPr lang="en-US" sz="1200" dirty="0" err="1"/>
+              <a:t>Longitude_REF</a:t>
+            </a:r>
+            <a:r>
+              <a:rPr lang="en-US" sz="1200" dirty="0"/>
+              <a:t>=value</a:t>
+            </a:r>
+          </a:p>
+          <a:p>
+            <a:r>
+              <a:rPr lang="en-US" sz="1200" dirty="0"/>
+              <a:t>Latitude_POINT2=value</a:t>
+            </a:r>
+          </a:p>
+          <a:p>
+            <a:r>
+              <a:rPr lang="en-US" sz="1200" dirty="0"/>
+              <a:t>Longitude_ POINT2 =value</a:t>
+            </a:r>
+          </a:p>
+          <a:p>
+            <a:r>
+              <a:rPr lang="en-US" sz="1200" dirty="0" err="1"/>
+              <a:t>Distance_REF</a:t>
+            </a:r>
+            <a:r>
+              <a:rPr lang="en-US" sz="1200" dirty="0"/>
+              <a:t>=value</a:t>
+            </a:r>
+          </a:p>
+          <a:p>
+            <a:r>
+              <a:rPr lang="en-US" sz="1200" dirty="0"/>
+              <a:t>Scale =value</a:t>
+            </a:r>
+          </a:p>
+          <a:p>
+            <a:r>
+              <a:rPr lang="en-US" sz="1200" dirty="0" err="1"/>
+              <a:t>Rotation_Angle</a:t>
+            </a:r>
+            <a:r>
+              <a:rPr lang="en-US" sz="1200" dirty="0"/>
+              <a:t> =value</a:t>
+            </a:r>
+          </a:p>
+          <a:p>
+            <a:r>
+              <a:rPr lang="en-US" sz="1200" dirty="0" err="1"/>
+              <a:t>North_Mode</a:t>
+            </a:r>
+            <a:r>
+              <a:rPr lang="en-US" sz="1200" dirty="0"/>
+              <a:t> =value</a:t>
+            </a:r>
+          </a:p>
+        </p:txBody>
+      </p:sp>
+      <p:sp>
+        <p:nvSpPr>
+          <p:cNvPr id="15" name="TextBox 14">
+            <a:extLst>
+              <a:ext uri="{FF2B5EF4-FFF2-40B4-BE49-F238E27FC236}">
+                <a16:creationId xmlns:a16="http://schemas.microsoft.com/office/drawing/2014/main" id="{1A7D0027-BD19-422F-B4A8-98092D01095B}"/>
+              </a:ext>
+            </a:extLst>
+          </p:cNvPr>
+          <p:cNvSpPr txBox="1"/>
+          <p:nvPr/>
+        </p:nvSpPr>
+        <p:spPr>
+          <a:xfrm>
+            <a:off x="1855176" y="3871492"/>
+            <a:ext cx="1630575" cy="1754326"/>
+          </a:xfrm>
+          <a:prstGeom prst="rect">
+            <a:avLst/>
+          </a:prstGeom>
+          <a:noFill/>
+          <a:ln w="3175">
+            <a:solidFill>
+              <a:schemeClr val="tx1"/>
+            </a:solidFill>
+          </a:ln>
+        </p:spPr>
+        <p:txBody>
+          <a:bodyPr wrap="none" rtlCol="0">
+            <a:spAutoFit/>
+          </a:bodyPr>
+          <a:lstStyle/>
+          <a:p>
+            <a:r>
+              <a:rPr lang="en-US" sz="1200" dirty="0"/>
+              <a:t>Variables assignments:</a:t>
+            </a:r>
+          </a:p>
+          <a:p>
+            <a:r>
+              <a:rPr lang="en-US" sz="1200" dirty="0" err="1"/>
+              <a:t>Latitude_REF</a:t>
+            </a:r>
+            <a:r>
+              <a:rPr lang="en-US" sz="1200" dirty="0"/>
+              <a:t>=“”</a:t>
+            </a:r>
+          </a:p>
+          <a:p>
+            <a:r>
+              <a:rPr lang="en-US" sz="1200" dirty="0" err="1"/>
+              <a:t>Longitude_REF</a:t>
+            </a:r>
+            <a:r>
+              <a:rPr lang="en-US" sz="1200" dirty="0"/>
+              <a:t>=“”</a:t>
+            </a:r>
+          </a:p>
+          <a:p>
+            <a:r>
+              <a:rPr lang="en-US" sz="1200" dirty="0"/>
+              <a:t>Latitude_POINT2=“”</a:t>
+            </a:r>
+          </a:p>
+          <a:p>
+            <a:r>
+              <a:rPr lang="en-US" sz="1200" dirty="0"/>
+              <a:t>Longitude_ POINT2 =“”</a:t>
+            </a:r>
+          </a:p>
+          <a:p>
+            <a:r>
+              <a:rPr lang="en-US" sz="1200" dirty="0" err="1"/>
+              <a:t>Distance_REF</a:t>
+            </a:r>
+            <a:r>
+              <a:rPr lang="en-US" sz="1200" dirty="0"/>
+              <a:t>=“”</a:t>
+            </a:r>
+          </a:p>
+          <a:p>
+            <a:r>
+              <a:rPr lang="en-US" sz="1200" dirty="0"/>
+              <a:t>Scale =“”</a:t>
+            </a:r>
+          </a:p>
+          <a:p>
+            <a:r>
+              <a:rPr lang="en-US" sz="1200" dirty="0" err="1"/>
+              <a:t>Rotation_Angle</a:t>
+            </a:r>
+            <a:r>
+              <a:rPr lang="en-US" sz="1200" dirty="0"/>
+              <a:t> =“”</a:t>
+            </a:r>
+          </a:p>
+          <a:p>
+            <a:r>
+              <a:rPr lang="en-US" sz="1200" dirty="0" err="1"/>
+              <a:t>North_Mode</a:t>
+            </a:r>
+            <a:r>
+              <a:rPr lang="en-US" sz="1200" dirty="0"/>
+              <a:t> =“”</a:t>
+            </a:r>
+          </a:p>
+        </p:txBody>
+      </p:sp>
+      <p:sp>
+        <p:nvSpPr>
+          <p:cNvPr id="16" name="TextBox 15">
+            <a:extLst>
+              <a:ext uri="{FF2B5EF4-FFF2-40B4-BE49-F238E27FC236}">
+                <a16:creationId xmlns:a16="http://schemas.microsoft.com/office/drawing/2014/main" id="{032AB9B5-FE9D-4A43-8786-CA2B86D2DC24}"/>
+              </a:ext>
+            </a:extLst>
+          </p:cNvPr>
+          <p:cNvSpPr txBox="1"/>
+          <p:nvPr/>
+        </p:nvSpPr>
+        <p:spPr>
+          <a:xfrm>
+            <a:off x="695119" y="2757205"/>
+            <a:ext cx="2818272" cy="1015663"/>
+          </a:xfrm>
+          <a:prstGeom prst="rect">
+            <a:avLst/>
+          </a:prstGeom>
+          <a:noFill/>
+        </p:spPr>
+        <p:txBody>
+          <a:bodyPr wrap="none" rtlCol="0">
+            <a:spAutoFit/>
+          </a:bodyPr>
+          <a:lstStyle/>
+          <a:p>
+            <a:r>
+              <a:rPr lang="en-US" sz="1200" b="1" dirty="0"/>
+              <a:t>Routine INPUT_FILE_CHECK</a:t>
+            </a:r>
+            <a:r>
+              <a:rPr lang="en-US" sz="1200" dirty="0"/>
+              <a:t>(MAP_NAME)</a:t>
+            </a:r>
+          </a:p>
+          <a:p>
+            <a:r>
+              <a:rPr lang="en-US" sz="1200" dirty="0"/>
+              <a:t>IF INPUT FILE EXISTS:</a:t>
+            </a:r>
+          </a:p>
+          <a:p>
+            <a:r>
+              <a:rPr lang="en-US" sz="1200" dirty="0"/>
+              <a:t>INPUTEXISTS=TRUE</a:t>
+            </a:r>
+          </a:p>
+          <a:p>
+            <a:r>
+              <a:rPr lang="en-US" sz="1200" dirty="0"/>
+              <a:t>ELSE:</a:t>
+            </a:r>
+          </a:p>
+          <a:p>
+            <a:r>
+              <a:rPr lang="en-US" sz="1200" dirty="0"/>
+              <a:t>INPUTEXISTS=FALSE</a:t>
+            </a:r>
+          </a:p>
+        </p:txBody>
+      </p:sp>
+      <p:sp>
+        <p:nvSpPr>
+          <p:cNvPr id="17" name="TextBox 16">
+            <a:extLst>
+              <a:ext uri="{FF2B5EF4-FFF2-40B4-BE49-F238E27FC236}">
+                <a16:creationId xmlns:a16="http://schemas.microsoft.com/office/drawing/2014/main" id="{81AE2384-18E2-40DE-B481-D886AF4CF6AE}"/>
+              </a:ext>
+            </a:extLst>
+          </p:cNvPr>
+          <p:cNvSpPr txBox="1"/>
+          <p:nvPr/>
+        </p:nvSpPr>
+        <p:spPr>
+          <a:xfrm>
+            <a:off x="1859188" y="9420678"/>
+            <a:ext cx="2474780" cy="830997"/>
+          </a:xfrm>
+          <a:prstGeom prst="rect">
+            <a:avLst/>
+          </a:prstGeom>
+          <a:noFill/>
+          <a:ln w="3175">
+            <a:solidFill>
+              <a:schemeClr val="tx1"/>
+            </a:solidFill>
+          </a:ln>
+        </p:spPr>
+        <p:txBody>
+          <a:bodyPr wrap="none" rtlCol="0">
+            <a:spAutoFit/>
+          </a:bodyPr>
+          <a:lstStyle/>
+          <a:p>
+            <a:r>
+              <a:rPr lang="en-US" sz="1200" dirty="0"/>
+              <a:t>Sets MOVES_CANVAS</a:t>
+            </a:r>
+          </a:p>
+          <a:p>
+            <a:r>
+              <a:rPr lang="en-US" sz="1200" dirty="0"/>
+              <a:t>Sets </a:t>
+            </a:r>
+            <a:r>
+              <a:rPr lang="en-US" sz="1200" dirty="0" err="1"/>
+              <a:t>Ref_MOVES</a:t>
+            </a:r>
+            <a:r>
+              <a:rPr lang="en-US" sz="1200" dirty="0"/>
+              <a:t>=0</a:t>
+            </a:r>
+          </a:p>
+          <a:p>
+            <a:r>
+              <a:rPr lang="en-US" sz="1200" dirty="0" err="1"/>
+              <a:t>Latitude_REF</a:t>
+            </a:r>
+            <a:r>
+              <a:rPr lang="en-US" sz="1200" dirty="0"/>
+              <a:t>= </a:t>
+            </a:r>
+            <a:r>
+              <a:rPr lang="en-US" sz="1200" dirty="0" err="1"/>
+              <a:t>Latitude_PROMPT</a:t>
+            </a:r>
+            <a:endParaRPr lang="en-US" sz="1200" dirty="0"/>
+          </a:p>
+          <a:p>
+            <a:r>
+              <a:rPr lang="en-US" sz="1200" dirty="0" err="1"/>
+              <a:t>Longitude_REF</a:t>
+            </a:r>
+            <a:r>
+              <a:rPr lang="en-US" sz="1200" dirty="0"/>
+              <a:t>= </a:t>
+            </a:r>
+            <a:r>
+              <a:rPr lang="en-US" sz="1200" dirty="0" err="1"/>
+              <a:t>Longitude_PROMPT</a:t>
+            </a:r>
+            <a:endParaRPr lang="en-US" sz="1200" dirty="0"/>
+          </a:p>
+        </p:txBody>
+      </p:sp>
+      <p:sp>
+        <p:nvSpPr>
+          <p:cNvPr id="18" name="TextBox 17">
+            <a:extLst>
+              <a:ext uri="{FF2B5EF4-FFF2-40B4-BE49-F238E27FC236}">
+                <a16:creationId xmlns:a16="http://schemas.microsoft.com/office/drawing/2014/main" id="{7103DB9A-2F63-41AB-953A-DF430BAC7364}"/>
+              </a:ext>
+            </a:extLst>
+          </p:cNvPr>
+          <p:cNvSpPr txBox="1"/>
+          <p:nvPr/>
+        </p:nvSpPr>
+        <p:spPr>
+          <a:xfrm>
+            <a:off x="5416549" y="9449003"/>
+            <a:ext cx="2790572" cy="646331"/>
+          </a:xfrm>
+          <a:prstGeom prst="rect">
+            <a:avLst/>
+          </a:prstGeom>
+          <a:noFill/>
+          <a:ln w="3175">
+            <a:solidFill>
+              <a:schemeClr val="tx1"/>
+            </a:solidFill>
+          </a:ln>
+        </p:spPr>
+        <p:txBody>
+          <a:bodyPr wrap="none" rtlCol="0">
+            <a:spAutoFit/>
+          </a:bodyPr>
+          <a:lstStyle/>
+          <a:p>
+            <a:r>
+              <a:rPr lang="en-US" sz="1200" dirty="0"/>
+              <a:t>Sets </a:t>
+            </a:r>
+            <a:r>
+              <a:rPr lang="en-US" sz="1200" dirty="0" err="1"/>
+              <a:t>Ref_MOVES</a:t>
+            </a:r>
+            <a:r>
+              <a:rPr lang="en-US" sz="1200" dirty="0"/>
+              <a:t>(</a:t>
+            </a:r>
+            <a:r>
+              <a:rPr lang="en-US" sz="1200" dirty="0" err="1"/>
+              <a:t>X_Moves,Y_Moves</a:t>
+            </a:r>
+            <a:r>
+              <a:rPr lang="en-US" sz="1200" dirty="0"/>
+              <a:t>)</a:t>
+            </a:r>
+          </a:p>
+          <a:p>
+            <a:r>
+              <a:rPr lang="en-US" sz="1200" dirty="0"/>
+              <a:t>Latitude_ POINT2 = </a:t>
+            </a:r>
+            <a:r>
+              <a:rPr lang="en-US" sz="1200" dirty="0" err="1"/>
+              <a:t>Latitude_PROMPT</a:t>
+            </a:r>
+            <a:endParaRPr lang="en-US" sz="1200" dirty="0"/>
+          </a:p>
+          <a:p>
+            <a:r>
+              <a:rPr lang="en-US" sz="1200" dirty="0"/>
+              <a:t>Longitude_ POINT2 = </a:t>
+            </a:r>
+            <a:r>
+              <a:rPr lang="en-US" sz="1200" dirty="0" err="1"/>
+              <a:t>Longitude_PROMPT</a:t>
+            </a:r>
+            <a:endParaRPr lang="en-US" sz="1200" dirty="0"/>
+          </a:p>
+        </p:txBody>
+      </p:sp>
+      <p:sp>
+        <p:nvSpPr>
+          <p:cNvPr id="19" name="Rectangle 18">
+            <a:extLst>
+              <a:ext uri="{FF2B5EF4-FFF2-40B4-BE49-F238E27FC236}">
+                <a16:creationId xmlns:a16="http://schemas.microsoft.com/office/drawing/2014/main" id="{F4467DB0-5B6E-499B-98E8-4AD50F4E8D9D}"/>
+              </a:ext>
+            </a:extLst>
+          </p:cNvPr>
+          <p:cNvSpPr/>
+          <p:nvPr/>
+        </p:nvSpPr>
+        <p:spPr>
+          <a:xfrm>
+            <a:off x="786045" y="2363467"/>
+            <a:ext cx="1401025" cy="276999"/>
+          </a:xfrm>
+          <a:prstGeom prst="rect">
+            <a:avLst/>
+          </a:prstGeom>
+        </p:spPr>
+        <p:txBody>
+          <a:bodyPr wrap="none">
+            <a:spAutoFit/>
+          </a:bodyPr>
+          <a:lstStyle/>
+          <a:p>
+            <a:r>
+              <a:rPr lang="en-US" sz="1200" dirty="0"/>
+              <a:t>Resets MAP_NAME</a:t>
+            </a:r>
+          </a:p>
+        </p:txBody>
+      </p:sp>
+      <p:sp>
+        <p:nvSpPr>
+          <p:cNvPr id="21" name="TextBox 20">
+            <a:extLst>
+              <a:ext uri="{FF2B5EF4-FFF2-40B4-BE49-F238E27FC236}">
+                <a16:creationId xmlns:a16="http://schemas.microsoft.com/office/drawing/2014/main" id="{4A5BB1B9-3E9E-4B7E-B94C-F35C879C9457}"/>
+              </a:ext>
+            </a:extLst>
+          </p:cNvPr>
+          <p:cNvSpPr txBox="1"/>
+          <p:nvPr/>
+        </p:nvSpPr>
+        <p:spPr>
+          <a:xfrm>
+            <a:off x="5809912" y="6316402"/>
+            <a:ext cx="612668" cy="276999"/>
+          </a:xfrm>
+          <a:prstGeom prst="rect">
+            <a:avLst/>
+          </a:prstGeom>
+          <a:noFill/>
+          <a:ln w="3175">
+            <a:solidFill>
+              <a:schemeClr val="tx1"/>
+            </a:solidFill>
+          </a:ln>
+        </p:spPr>
+        <p:txBody>
+          <a:bodyPr wrap="none" rtlCol="0">
+            <a:spAutoFit/>
+          </a:bodyPr>
+          <a:lstStyle/>
+          <a:p>
+            <a:r>
+              <a:rPr lang="en-US" sz="1200" dirty="0"/>
+              <a:t>ITER=2</a:t>
+            </a:r>
+          </a:p>
+        </p:txBody>
+      </p:sp>
+      <p:sp>
+        <p:nvSpPr>
+          <p:cNvPr id="22" name="TextBox 21">
+            <a:extLst>
+              <a:ext uri="{FF2B5EF4-FFF2-40B4-BE49-F238E27FC236}">
+                <a16:creationId xmlns:a16="http://schemas.microsoft.com/office/drawing/2014/main" id="{D9540B5F-FD13-4BA0-894A-508294B49E12}"/>
+              </a:ext>
+            </a:extLst>
+          </p:cNvPr>
+          <p:cNvSpPr txBox="1"/>
+          <p:nvPr/>
+        </p:nvSpPr>
+        <p:spPr>
+          <a:xfrm>
+            <a:off x="9340251" y="6658812"/>
+            <a:ext cx="2922018" cy="1015663"/>
+          </a:xfrm>
+          <a:prstGeom prst="rect">
+            <a:avLst/>
+          </a:prstGeom>
+          <a:noFill/>
+        </p:spPr>
+        <p:txBody>
+          <a:bodyPr wrap="none" rtlCol="0">
+            <a:spAutoFit/>
+          </a:bodyPr>
+          <a:lstStyle/>
+          <a:p>
+            <a:r>
+              <a:rPr lang="en-US" sz="1200" b="1" dirty="0"/>
+              <a:t>Window POPUP3</a:t>
+            </a:r>
+          </a:p>
+          <a:p>
+            <a:r>
+              <a:rPr lang="en-US" sz="1200" dirty="0" err="1"/>
+              <a:t>Distance_REF</a:t>
+            </a:r>
+            <a:r>
+              <a:rPr lang="en-US" sz="1200" dirty="0"/>
+              <a:t> _PROMPT= </a:t>
+            </a:r>
+            <a:r>
+              <a:rPr lang="en-US" sz="1200" dirty="0" err="1"/>
+              <a:t>Distance_REF</a:t>
+            </a:r>
+            <a:endParaRPr lang="en-US" sz="1200" dirty="0"/>
+          </a:p>
+          <a:p>
+            <a:r>
+              <a:rPr lang="en-US" sz="1200" dirty="0" err="1"/>
+              <a:t>Scale_PROMPT</a:t>
+            </a:r>
+            <a:r>
+              <a:rPr lang="en-US" sz="1200" dirty="0"/>
+              <a:t>= Scale</a:t>
+            </a:r>
+          </a:p>
+          <a:p>
+            <a:r>
+              <a:rPr lang="en-US" sz="1200" dirty="0" err="1"/>
+              <a:t>Rotation_Angle</a:t>
+            </a:r>
+            <a:r>
+              <a:rPr lang="en-US" sz="1200" dirty="0"/>
+              <a:t>_ PROMPT = </a:t>
+            </a:r>
+            <a:r>
+              <a:rPr lang="en-US" sz="1200" dirty="0" err="1"/>
+              <a:t>Rotation_Angle</a:t>
+            </a:r>
+            <a:endParaRPr lang="en-US" sz="1200" dirty="0"/>
+          </a:p>
+          <a:p>
+            <a:r>
+              <a:rPr lang="en-US" sz="1200" dirty="0" err="1"/>
+              <a:t>North_Mode</a:t>
+            </a:r>
+            <a:r>
+              <a:rPr lang="en-US" sz="1200" dirty="0"/>
+              <a:t>_ PROMPT = </a:t>
+            </a:r>
+            <a:r>
+              <a:rPr lang="en-US" sz="1200" dirty="0" err="1"/>
+              <a:t>North_Mode</a:t>
+            </a:r>
+            <a:endParaRPr lang="en-US" sz="1200" dirty="0"/>
+          </a:p>
+        </p:txBody>
+      </p:sp>
+      <p:sp>
+        <p:nvSpPr>
+          <p:cNvPr id="23" name="TextBox 22">
+            <a:extLst>
+              <a:ext uri="{FF2B5EF4-FFF2-40B4-BE49-F238E27FC236}">
+                <a16:creationId xmlns:a16="http://schemas.microsoft.com/office/drawing/2014/main" id="{460ADE07-F705-41DC-B867-C1FA5D5FFDAF}"/>
+              </a:ext>
+            </a:extLst>
+          </p:cNvPr>
+          <p:cNvSpPr txBox="1"/>
+          <p:nvPr/>
+        </p:nvSpPr>
+        <p:spPr>
+          <a:xfrm>
+            <a:off x="5349303" y="6834414"/>
+            <a:ext cx="3146439" cy="830997"/>
+          </a:xfrm>
+          <a:prstGeom prst="rect">
+            <a:avLst/>
+          </a:prstGeom>
+          <a:noFill/>
+        </p:spPr>
+        <p:txBody>
+          <a:bodyPr wrap="none" rtlCol="0">
+            <a:spAutoFit/>
+          </a:bodyPr>
+          <a:lstStyle/>
+          <a:p>
+            <a:r>
+              <a:rPr lang="en-US" sz="1200" b="1" dirty="0"/>
+              <a:t>Window POPUP2</a:t>
+            </a:r>
+          </a:p>
+          <a:p>
+            <a:r>
+              <a:rPr lang="en-US" sz="1200" dirty="0"/>
+              <a:t>	</a:t>
+            </a:r>
+            <a:r>
+              <a:rPr lang="en-US" sz="1200" dirty="0" err="1"/>
+              <a:t>Point_PROMPT</a:t>
+            </a:r>
+            <a:endParaRPr lang="en-US" sz="1200" dirty="0"/>
+          </a:p>
+          <a:p>
+            <a:r>
+              <a:rPr lang="en-US" sz="1200" dirty="0"/>
+              <a:t>	</a:t>
+            </a:r>
+            <a:r>
+              <a:rPr lang="en-US" sz="1200" dirty="0" err="1"/>
+              <a:t>Latitude_PROMPT</a:t>
+            </a:r>
+            <a:r>
+              <a:rPr lang="en-US" sz="1200" dirty="0"/>
+              <a:t>=Latitude_POINT2</a:t>
+            </a:r>
+          </a:p>
+          <a:p>
+            <a:r>
+              <a:rPr lang="en-US" sz="1200" dirty="0"/>
+              <a:t>	</a:t>
+            </a:r>
+            <a:r>
+              <a:rPr lang="en-US" sz="1200" dirty="0" err="1"/>
+              <a:t>Longitude_PROMPT</a:t>
+            </a:r>
+            <a:r>
+              <a:rPr lang="en-US" sz="1200" dirty="0"/>
+              <a:t>=Longitude_POINT2</a:t>
+            </a:r>
+          </a:p>
+        </p:txBody>
+      </p:sp>
+      <p:sp>
+        <p:nvSpPr>
+          <p:cNvPr id="24" name="TextBox 23">
+            <a:extLst>
+              <a:ext uri="{FF2B5EF4-FFF2-40B4-BE49-F238E27FC236}">
+                <a16:creationId xmlns:a16="http://schemas.microsoft.com/office/drawing/2014/main" id="{F39F54EF-7C78-4CC6-852C-08EFA5663B7A}"/>
+              </a:ext>
+            </a:extLst>
+          </p:cNvPr>
+          <p:cNvSpPr txBox="1"/>
+          <p:nvPr/>
+        </p:nvSpPr>
+        <p:spPr>
+          <a:xfrm>
+            <a:off x="9422202" y="8170842"/>
+            <a:ext cx="2922018" cy="830997"/>
+          </a:xfrm>
+          <a:prstGeom prst="rect">
+            <a:avLst/>
+          </a:prstGeom>
+          <a:noFill/>
+          <a:ln w="3175">
+            <a:solidFill>
+              <a:schemeClr val="tx1"/>
+            </a:solidFill>
+          </a:ln>
+        </p:spPr>
+        <p:txBody>
+          <a:bodyPr wrap="none" rtlCol="0">
+            <a:spAutoFit/>
+          </a:bodyPr>
+          <a:lstStyle/>
+          <a:p>
+            <a:r>
+              <a:rPr lang="en-US" sz="1200" dirty="0" err="1"/>
+              <a:t>Distance_REF</a:t>
+            </a:r>
+            <a:r>
+              <a:rPr lang="en-US" sz="1200" dirty="0"/>
+              <a:t> = </a:t>
+            </a:r>
+            <a:r>
+              <a:rPr lang="en-US" sz="1200" dirty="0" err="1"/>
+              <a:t>Distance_REF</a:t>
+            </a:r>
+            <a:r>
+              <a:rPr lang="en-US" sz="1200" dirty="0"/>
+              <a:t> _PROMPT</a:t>
+            </a:r>
+          </a:p>
+          <a:p>
+            <a:r>
+              <a:rPr lang="en-US" sz="1200" dirty="0"/>
+              <a:t>Scale = </a:t>
+            </a:r>
+            <a:r>
+              <a:rPr lang="en-US" sz="1200" dirty="0" err="1"/>
+              <a:t>Scale_PROMPT</a:t>
+            </a:r>
+            <a:endParaRPr lang="en-US" sz="1200" dirty="0"/>
+          </a:p>
+          <a:p>
+            <a:r>
+              <a:rPr lang="en-US" sz="1200" dirty="0" err="1"/>
+              <a:t>Rotation_Angle</a:t>
+            </a:r>
+            <a:r>
+              <a:rPr lang="en-US" sz="1200" dirty="0"/>
+              <a:t> = </a:t>
+            </a:r>
+            <a:r>
+              <a:rPr lang="en-US" sz="1200" dirty="0" err="1"/>
+              <a:t>Rotation_Angle</a:t>
+            </a:r>
+            <a:r>
+              <a:rPr lang="en-US" sz="1200" dirty="0"/>
+              <a:t>_ PROMPT</a:t>
+            </a:r>
+          </a:p>
+          <a:p>
+            <a:r>
+              <a:rPr lang="en-US" sz="1200" dirty="0" err="1"/>
+              <a:t>North_Mode</a:t>
+            </a:r>
+            <a:r>
+              <a:rPr lang="en-US" sz="1200" dirty="0"/>
+              <a:t> = </a:t>
+            </a:r>
+            <a:r>
+              <a:rPr lang="en-US" sz="1200" dirty="0" err="1"/>
+              <a:t>North_Mode</a:t>
+            </a:r>
+            <a:r>
+              <a:rPr lang="en-US" sz="1200" dirty="0"/>
+              <a:t>_ PROMPT</a:t>
+            </a:r>
+          </a:p>
+        </p:txBody>
+      </p:sp>
+      <p:cxnSp>
+        <p:nvCxnSpPr>
+          <p:cNvPr id="26" name="Connector: Elbow 25">
+            <a:extLst>
+              <a:ext uri="{FF2B5EF4-FFF2-40B4-BE49-F238E27FC236}">
+                <a16:creationId xmlns:a16="http://schemas.microsoft.com/office/drawing/2014/main" id="{5D50EDCC-3521-47A8-99DA-2C238932499A}"/>
+              </a:ext>
+            </a:extLst>
+          </p:cNvPr>
+          <p:cNvCxnSpPr>
+            <a:stCxn id="2" idx="2"/>
+            <a:endCxn id="7" idx="0"/>
+          </p:cNvCxnSpPr>
+          <p:nvPr/>
+        </p:nvCxnSpPr>
+        <p:spPr>
+          <a:xfrm rot="16200000" flipH="1">
+            <a:off x="1390111" y="1244424"/>
+            <a:ext cx="277494" cy="339018"/>
+          </a:xfrm>
+          <a:prstGeom prst="bentConnector3">
+            <a:avLst>
+              <a:gd name="adj1" fmla="val 50000"/>
+            </a:avLst>
+          </a:prstGeom>
+          <a:ln>
+            <a:tailEnd type="triangle"/>
+          </a:ln>
+        </p:spPr>
+        <p:style>
+          <a:lnRef idx="1">
+            <a:schemeClr val="accent1"/>
+          </a:lnRef>
+          <a:fillRef idx="0">
+            <a:schemeClr val="accent1"/>
+          </a:fillRef>
+          <a:effectRef idx="0">
+            <a:schemeClr val="accent1"/>
+          </a:effectRef>
+          <a:fontRef idx="minor">
+            <a:schemeClr val="tx1"/>
+          </a:fontRef>
+        </p:style>
+      </p:cxnSp>
+      <p:cxnSp>
+        <p:nvCxnSpPr>
+          <p:cNvPr id="29" name="Connector: Elbow 28">
+            <a:extLst>
+              <a:ext uri="{FF2B5EF4-FFF2-40B4-BE49-F238E27FC236}">
+                <a16:creationId xmlns:a16="http://schemas.microsoft.com/office/drawing/2014/main" id="{C6DB65A4-0595-4D3B-BE76-2A9BD1479D63}"/>
+              </a:ext>
+            </a:extLst>
+          </p:cNvPr>
+          <p:cNvCxnSpPr>
+            <a:stCxn id="7" idx="3"/>
+            <a:endCxn id="19" idx="0"/>
+          </p:cNvCxnSpPr>
+          <p:nvPr/>
+        </p:nvCxnSpPr>
+        <p:spPr>
+          <a:xfrm flipH="1">
+            <a:off x="1486558" y="1783513"/>
+            <a:ext cx="1423038" cy="579954"/>
+          </a:xfrm>
+          <a:prstGeom prst="bentConnector4">
+            <a:avLst>
+              <a:gd name="adj1" fmla="val -16064"/>
+              <a:gd name="adj2" fmla="val 69901"/>
+            </a:avLst>
+          </a:prstGeom>
+          <a:ln>
+            <a:tailEnd type="triangle"/>
+          </a:ln>
+        </p:spPr>
+        <p:style>
+          <a:lnRef idx="1">
+            <a:schemeClr val="accent1"/>
+          </a:lnRef>
+          <a:fillRef idx="0">
+            <a:schemeClr val="accent1"/>
+          </a:fillRef>
+          <a:effectRef idx="0">
+            <a:schemeClr val="accent1"/>
+          </a:effectRef>
+          <a:fontRef idx="minor">
+            <a:schemeClr val="tx1"/>
+          </a:fontRef>
+        </p:style>
+      </p:cxnSp>
+      <p:cxnSp>
+        <p:nvCxnSpPr>
+          <p:cNvPr id="41" name="Connector: Elbow 40">
+            <a:extLst>
+              <a:ext uri="{FF2B5EF4-FFF2-40B4-BE49-F238E27FC236}">
+                <a16:creationId xmlns:a16="http://schemas.microsoft.com/office/drawing/2014/main" id="{4A97B4F9-48BF-4028-8F5B-6E569E79A9F1}"/>
+              </a:ext>
+            </a:extLst>
+          </p:cNvPr>
+          <p:cNvCxnSpPr>
+            <a:stCxn id="2" idx="3"/>
+            <a:endCxn id="8" idx="1"/>
+          </p:cNvCxnSpPr>
+          <p:nvPr/>
+        </p:nvCxnSpPr>
+        <p:spPr>
+          <a:xfrm flipV="1">
+            <a:off x="2204772" y="948972"/>
+            <a:ext cx="1688131" cy="3049"/>
+          </a:xfrm>
+          <a:prstGeom prst="bentConnector3">
+            <a:avLst/>
+          </a:prstGeom>
+          <a:ln>
+            <a:tailEnd type="triangle"/>
+          </a:ln>
+        </p:spPr>
+        <p:style>
+          <a:lnRef idx="1">
+            <a:schemeClr val="accent1"/>
+          </a:lnRef>
+          <a:fillRef idx="0">
+            <a:schemeClr val="accent1"/>
+          </a:fillRef>
+          <a:effectRef idx="0">
+            <a:schemeClr val="accent1"/>
+          </a:effectRef>
+          <a:fontRef idx="minor">
+            <a:schemeClr val="tx1"/>
+          </a:fontRef>
+        </p:style>
+      </p:cxnSp>
+      <p:cxnSp>
+        <p:nvCxnSpPr>
+          <p:cNvPr id="43" name="Connector: Elbow 42">
+            <a:extLst>
+              <a:ext uri="{FF2B5EF4-FFF2-40B4-BE49-F238E27FC236}">
+                <a16:creationId xmlns:a16="http://schemas.microsoft.com/office/drawing/2014/main" id="{283285D8-B741-446C-ACF5-23318CC47870}"/>
+              </a:ext>
+            </a:extLst>
+          </p:cNvPr>
+          <p:cNvCxnSpPr>
+            <a:stCxn id="19" idx="3"/>
+            <a:endCxn id="16" idx="1"/>
+          </p:cNvCxnSpPr>
+          <p:nvPr/>
+        </p:nvCxnSpPr>
+        <p:spPr>
+          <a:xfrm flipH="1">
+            <a:off x="695119" y="2501967"/>
+            <a:ext cx="1491951" cy="763070"/>
+          </a:xfrm>
+          <a:prstGeom prst="bentConnector5">
+            <a:avLst>
+              <a:gd name="adj1" fmla="val -15322"/>
+              <a:gd name="adj2" fmla="val 25799"/>
+              <a:gd name="adj3" fmla="val 115322"/>
+            </a:avLst>
+          </a:prstGeom>
+          <a:ln>
+            <a:tailEnd type="triangle"/>
+          </a:ln>
+        </p:spPr>
+        <p:style>
+          <a:lnRef idx="1">
+            <a:schemeClr val="accent1"/>
+          </a:lnRef>
+          <a:fillRef idx="0">
+            <a:schemeClr val="accent1"/>
+          </a:fillRef>
+          <a:effectRef idx="0">
+            <a:schemeClr val="accent1"/>
+          </a:effectRef>
+          <a:fontRef idx="minor">
+            <a:schemeClr val="tx1"/>
+          </a:fontRef>
+        </p:style>
+      </p:cxnSp>
+      <p:cxnSp>
+        <p:nvCxnSpPr>
+          <p:cNvPr id="49" name="Connector: Elbow 48">
+            <a:extLst>
+              <a:ext uri="{FF2B5EF4-FFF2-40B4-BE49-F238E27FC236}">
+                <a16:creationId xmlns:a16="http://schemas.microsoft.com/office/drawing/2014/main" id="{B18021BC-B23A-4572-932E-0FC6BD42B9FD}"/>
+              </a:ext>
+            </a:extLst>
+          </p:cNvPr>
+          <p:cNvCxnSpPr>
+            <a:stCxn id="8" idx="2"/>
+            <a:endCxn id="11" idx="0"/>
+          </p:cNvCxnSpPr>
+          <p:nvPr/>
+        </p:nvCxnSpPr>
+        <p:spPr>
+          <a:xfrm rot="16200000" flipH="1">
+            <a:off x="4865107" y="932157"/>
+            <a:ext cx="393668" cy="704295"/>
+          </a:xfrm>
+          <a:prstGeom prst="bentConnector3">
+            <a:avLst/>
+          </a:prstGeom>
+          <a:ln>
+            <a:tailEnd type="triangle"/>
+          </a:ln>
+        </p:spPr>
+        <p:style>
+          <a:lnRef idx="1">
+            <a:schemeClr val="accent1"/>
+          </a:lnRef>
+          <a:fillRef idx="0">
+            <a:schemeClr val="accent1"/>
+          </a:fillRef>
+          <a:effectRef idx="0">
+            <a:schemeClr val="accent1"/>
+          </a:effectRef>
+          <a:fontRef idx="minor">
+            <a:schemeClr val="tx1"/>
+          </a:fontRef>
+        </p:style>
+      </p:cxnSp>
+      <p:sp>
+        <p:nvSpPr>
+          <p:cNvPr id="62" name="Freeform: Shape 61">
+            <a:extLst>
+              <a:ext uri="{FF2B5EF4-FFF2-40B4-BE49-F238E27FC236}">
+                <a16:creationId xmlns:a16="http://schemas.microsoft.com/office/drawing/2014/main" id="{36DCCFBB-346E-4C6A-978F-1A72183D6F32}"/>
+              </a:ext>
+            </a:extLst>
+          </p:cNvPr>
+          <p:cNvSpPr/>
+          <p:nvPr/>
+        </p:nvSpPr>
+        <p:spPr>
+          <a:xfrm>
+            <a:off x="2184400" y="792890"/>
+            <a:ext cx="6273800" cy="1703387"/>
+          </a:xfrm>
+          <a:custGeom>
+            <a:avLst/>
+            <a:gdLst>
+              <a:gd name="connsiteX0" fmla="*/ 0 w 4483100"/>
+              <a:gd name="connsiteY0" fmla="*/ 1435100 h 1435100"/>
+              <a:gd name="connsiteX1" fmla="*/ 368300 w 4483100"/>
+              <a:gd name="connsiteY1" fmla="*/ 1435100 h 1435100"/>
+              <a:gd name="connsiteX2" fmla="*/ 368300 w 4483100"/>
+              <a:gd name="connsiteY2" fmla="*/ 1028700 h 1435100"/>
+              <a:gd name="connsiteX3" fmla="*/ 3441700 w 4483100"/>
+              <a:gd name="connsiteY3" fmla="*/ 1028700 h 1435100"/>
+              <a:gd name="connsiteX4" fmla="*/ 3429000 w 4483100"/>
+              <a:gd name="connsiteY4" fmla="*/ 12700 h 1435100"/>
+              <a:gd name="connsiteX5" fmla="*/ 4483100 w 4483100"/>
+              <a:gd name="connsiteY5" fmla="*/ 0 h 1435100"/>
+              <a:gd name="connsiteX0" fmla="*/ 0 w 4483100"/>
+              <a:gd name="connsiteY0" fmla="*/ 1435100 h 1435100"/>
+              <a:gd name="connsiteX1" fmla="*/ 368300 w 4483100"/>
+              <a:gd name="connsiteY1" fmla="*/ 1435100 h 1435100"/>
+              <a:gd name="connsiteX2" fmla="*/ 368300 w 4483100"/>
+              <a:gd name="connsiteY2" fmla="*/ 1028700 h 1435100"/>
+              <a:gd name="connsiteX3" fmla="*/ 3436937 w 4483100"/>
+              <a:gd name="connsiteY3" fmla="*/ 1023938 h 1435100"/>
+              <a:gd name="connsiteX4" fmla="*/ 3429000 w 4483100"/>
+              <a:gd name="connsiteY4" fmla="*/ 12700 h 1435100"/>
+              <a:gd name="connsiteX5" fmla="*/ 4483100 w 4483100"/>
+              <a:gd name="connsiteY5" fmla="*/ 0 h 1435100"/>
+              <a:gd name="connsiteX0" fmla="*/ 0 w 4483100"/>
+              <a:gd name="connsiteY0" fmla="*/ 1435100 h 1435100"/>
+              <a:gd name="connsiteX1" fmla="*/ 373063 w 4483100"/>
+              <a:gd name="connsiteY1" fmla="*/ 1430337 h 1435100"/>
+              <a:gd name="connsiteX2" fmla="*/ 368300 w 4483100"/>
+              <a:gd name="connsiteY2" fmla="*/ 1028700 h 1435100"/>
+              <a:gd name="connsiteX3" fmla="*/ 3436937 w 4483100"/>
+              <a:gd name="connsiteY3" fmla="*/ 1023938 h 1435100"/>
+              <a:gd name="connsiteX4" fmla="*/ 3429000 w 4483100"/>
+              <a:gd name="connsiteY4" fmla="*/ 12700 h 1435100"/>
+              <a:gd name="connsiteX5" fmla="*/ 4483100 w 4483100"/>
+              <a:gd name="connsiteY5" fmla="*/ 0 h 1435100"/>
+              <a:gd name="connsiteX0" fmla="*/ 0 w 4483100"/>
+              <a:gd name="connsiteY0" fmla="*/ 1435100 h 1435100"/>
+              <a:gd name="connsiteX1" fmla="*/ 373063 w 4483100"/>
+              <a:gd name="connsiteY1" fmla="*/ 1430337 h 1435100"/>
+              <a:gd name="connsiteX2" fmla="*/ 368300 w 4483100"/>
+              <a:gd name="connsiteY2" fmla="*/ 1028700 h 1435100"/>
+              <a:gd name="connsiteX3" fmla="*/ 3413125 w 4483100"/>
+              <a:gd name="connsiteY3" fmla="*/ 1021557 h 1435100"/>
+              <a:gd name="connsiteX4" fmla="*/ 3429000 w 4483100"/>
+              <a:gd name="connsiteY4" fmla="*/ 12700 h 1435100"/>
+              <a:gd name="connsiteX5" fmla="*/ 4483100 w 4483100"/>
+              <a:gd name="connsiteY5" fmla="*/ 0 h 1435100"/>
+              <a:gd name="connsiteX0" fmla="*/ 0 w 4483100"/>
+              <a:gd name="connsiteY0" fmla="*/ 1435100 h 1435100"/>
+              <a:gd name="connsiteX1" fmla="*/ 373063 w 4483100"/>
+              <a:gd name="connsiteY1" fmla="*/ 1430337 h 1435100"/>
+              <a:gd name="connsiteX2" fmla="*/ 368300 w 4483100"/>
+              <a:gd name="connsiteY2" fmla="*/ 1028700 h 1435100"/>
+              <a:gd name="connsiteX3" fmla="*/ 3413125 w 4483100"/>
+              <a:gd name="connsiteY3" fmla="*/ 1021557 h 1435100"/>
+              <a:gd name="connsiteX4" fmla="*/ 3414712 w 4483100"/>
+              <a:gd name="connsiteY4" fmla="*/ 12700 h 1435100"/>
+              <a:gd name="connsiteX5" fmla="*/ 4483100 w 4483100"/>
+              <a:gd name="connsiteY5" fmla="*/ 0 h 1435100"/>
+              <a:gd name="connsiteX0" fmla="*/ 0 w 4483100"/>
+              <a:gd name="connsiteY0" fmla="*/ 1435100 h 1435100"/>
+              <a:gd name="connsiteX1" fmla="*/ 368300 w 4483100"/>
+              <a:gd name="connsiteY1" fmla="*/ 1435100 h 1435100"/>
+              <a:gd name="connsiteX2" fmla="*/ 368300 w 4483100"/>
+              <a:gd name="connsiteY2" fmla="*/ 1028700 h 1435100"/>
+              <a:gd name="connsiteX3" fmla="*/ 3413125 w 4483100"/>
+              <a:gd name="connsiteY3" fmla="*/ 1021557 h 1435100"/>
+              <a:gd name="connsiteX4" fmla="*/ 3414712 w 4483100"/>
+              <a:gd name="connsiteY4" fmla="*/ 12700 h 1435100"/>
+              <a:gd name="connsiteX5" fmla="*/ 4483100 w 4483100"/>
+              <a:gd name="connsiteY5" fmla="*/ 0 h 1435100"/>
+              <a:gd name="connsiteX0" fmla="*/ 0 w 6273800"/>
+              <a:gd name="connsiteY0" fmla="*/ 1695450 h 1695450"/>
+              <a:gd name="connsiteX1" fmla="*/ 2159000 w 6273800"/>
+              <a:gd name="connsiteY1" fmla="*/ 1435100 h 1695450"/>
+              <a:gd name="connsiteX2" fmla="*/ 2159000 w 6273800"/>
+              <a:gd name="connsiteY2" fmla="*/ 1028700 h 1695450"/>
+              <a:gd name="connsiteX3" fmla="*/ 5203825 w 6273800"/>
+              <a:gd name="connsiteY3" fmla="*/ 1021557 h 1695450"/>
+              <a:gd name="connsiteX4" fmla="*/ 5205412 w 6273800"/>
+              <a:gd name="connsiteY4" fmla="*/ 12700 h 1695450"/>
+              <a:gd name="connsiteX5" fmla="*/ 6273800 w 6273800"/>
+              <a:gd name="connsiteY5" fmla="*/ 0 h 1695450"/>
+              <a:gd name="connsiteX0" fmla="*/ 0 w 6273800"/>
+              <a:gd name="connsiteY0" fmla="*/ 1695450 h 1695450"/>
+              <a:gd name="connsiteX1" fmla="*/ 1441450 w 6273800"/>
+              <a:gd name="connsiteY1" fmla="*/ 1670050 h 1695450"/>
+              <a:gd name="connsiteX2" fmla="*/ 2159000 w 6273800"/>
+              <a:gd name="connsiteY2" fmla="*/ 1028700 h 1695450"/>
+              <a:gd name="connsiteX3" fmla="*/ 5203825 w 6273800"/>
+              <a:gd name="connsiteY3" fmla="*/ 1021557 h 1695450"/>
+              <a:gd name="connsiteX4" fmla="*/ 5205412 w 6273800"/>
+              <a:gd name="connsiteY4" fmla="*/ 12700 h 1695450"/>
+              <a:gd name="connsiteX5" fmla="*/ 6273800 w 6273800"/>
+              <a:gd name="connsiteY5" fmla="*/ 0 h 1695450"/>
+              <a:gd name="connsiteX0" fmla="*/ 0 w 6273800"/>
+              <a:gd name="connsiteY0" fmla="*/ 1695450 h 1695450"/>
+              <a:gd name="connsiteX1" fmla="*/ 1441450 w 6273800"/>
+              <a:gd name="connsiteY1" fmla="*/ 1670050 h 1695450"/>
+              <a:gd name="connsiteX2" fmla="*/ 1416050 w 6273800"/>
+              <a:gd name="connsiteY2" fmla="*/ 1028700 h 1695450"/>
+              <a:gd name="connsiteX3" fmla="*/ 5203825 w 6273800"/>
+              <a:gd name="connsiteY3" fmla="*/ 1021557 h 1695450"/>
+              <a:gd name="connsiteX4" fmla="*/ 5205412 w 6273800"/>
+              <a:gd name="connsiteY4" fmla="*/ 12700 h 1695450"/>
+              <a:gd name="connsiteX5" fmla="*/ 6273800 w 6273800"/>
+              <a:gd name="connsiteY5" fmla="*/ 0 h 1695450"/>
+              <a:gd name="connsiteX0" fmla="*/ 0 w 6273800"/>
+              <a:gd name="connsiteY0" fmla="*/ 1695450 h 1695450"/>
+              <a:gd name="connsiteX1" fmla="*/ 1422400 w 6273800"/>
+              <a:gd name="connsiteY1" fmla="*/ 1682750 h 1695450"/>
+              <a:gd name="connsiteX2" fmla="*/ 1416050 w 6273800"/>
+              <a:gd name="connsiteY2" fmla="*/ 1028700 h 1695450"/>
+              <a:gd name="connsiteX3" fmla="*/ 5203825 w 6273800"/>
+              <a:gd name="connsiteY3" fmla="*/ 1021557 h 1695450"/>
+              <a:gd name="connsiteX4" fmla="*/ 5205412 w 6273800"/>
+              <a:gd name="connsiteY4" fmla="*/ 12700 h 1695450"/>
+              <a:gd name="connsiteX5" fmla="*/ 6273800 w 6273800"/>
+              <a:gd name="connsiteY5" fmla="*/ 0 h 1695450"/>
+              <a:gd name="connsiteX0" fmla="*/ 0 w 6273800"/>
+              <a:gd name="connsiteY0" fmla="*/ 1695450 h 1695450"/>
+              <a:gd name="connsiteX1" fmla="*/ 1422400 w 6273800"/>
+              <a:gd name="connsiteY1" fmla="*/ 1682750 h 1695450"/>
+              <a:gd name="connsiteX2" fmla="*/ 1416050 w 6273800"/>
+              <a:gd name="connsiteY2" fmla="*/ 1028700 h 1695450"/>
+              <a:gd name="connsiteX3" fmla="*/ 5203825 w 6273800"/>
+              <a:gd name="connsiteY3" fmla="*/ 1021557 h 1695450"/>
+              <a:gd name="connsiteX4" fmla="*/ 5205412 w 6273800"/>
+              <a:gd name="connsiteY4" fmla="*/ 12700 h 1695450"/>
+              <a:gd name="connsiteX5" fmla="*/ 6273800 w 6273800"/>
+              <a:gd name="connsiteY5" fmla="*/ 0 h 1695450"/>
+              <a:gd name="connsiteX0" fmla="*/ 0 w 6273800"/>
+              <a:gd name="connsiteY0" fmla="*/ 1695450 h 1697037"/>
+              <a:gd name="connsiteX1" fmla="*/ 1420019 w 6273800"/>
+              <a:gd name="connsiteY1" fmla="*/ 1697037 h 1697037"/>
+              <a:gd name="connsiteX2" fmla="*/ 1416050 w 6273800"/>
+              <a:gd name="connsiteY2" fmla="*/ 1028700 h 1697037"/>
+              <a:gd name="connsiteX3" fmla="*/ 5203825 w 6273800"/>
+              <a:gd name="connsiteY3" fmla="*/ 1021557 h 1697037"/>
+              <a:gd name="connsiteX4" fmla="*/ 5205412 w 6273800"/>
+              <a:gd name="connsiteY4" fmla="*/ 12700 h 1697037"/>
+              <a:gd name="connsiteX5" fmla="*/ 6273800 w 6273800"/>
+              <a:gd name="connsiteY5" fmla="*/ 0 h 1697037"/>
+              <a:gd name="connsiteX0" fmla="*/ 0 w 6273800"/>
+              <a:gd name="connsiteY0" fmla="*/ 1701800 h 1703387"/>
+              <a:gd name="connsiteX1" fmla="*/ 1420019 w 6273800"/>
+              <a:gd name="connsiteY1" fmla="*/ 1703387 h 1703387"/>
+              <a:gd name="connsiteX2" fmla="*/ 1416050 w 6273800"/>
+              <a:gd name="connsiteY2" fmla="*/ 1035050 h 1703387"/>
+              <a:gd name="connsiteX3" fmla="*/ 5203825 w 6273800"/>
+              <a:gd name="connsiteY3" fmla="*/ 1027907 h 1703387"/>
+              <a:gd name="connsiteX4" fmla="*/ 5199062 w 6273800"/>
+              <a:gd name="connsiteY4" fmla="*/ 0 h 1703387"/>
+              <a:gd name="connsiteX5" fmla="*/ 6273800 w 6273800"/>
+              <a:gd name="connsiteY5" fmla="*/ 6350 h 1703387"/>
+            </a:gdLst>
+            <a:ahLst/>
+            <a:cxnLst>
+              <a:cxn ang="0">
+                <a:pos x="connsiteX0" y="connsiteY0"/>
+              </a:cxn>
+              <a:cxn ang="0">
+                <a:pos x="connsiteX1" y="connsiteY1"/>
+              </a:cxn>
+              <a:cxn ang="0">
+                <a:pos x="connsiteX2" y="connsiteY2"/>
+              </a:cxn>
+              <a:cxn ang="0">
+                <a:pos x="connsiteX3" y="connsiteY3"/>
+              </a:cxn>
+              <a:cxn ang="0">
+                <a:pos x="connsiteX4" y="connsiteY4"/>
+              </a:cxn>
+              <a:cxn ang="0">
+                <a:pos x="connsiteX5" y="connsiteY5"/>
+              </a:cxn>
+            </a:cxnLst>
+            <a:rect l="l" t="t" r="r" b="b"/>
+            <a:pathLst>
+              <a:path w="6273800" h="1703387">
+                <a:moveTo>
+                  <a:pt x="0" y="1701800"/>
+                </a:moveTo>
+                <a:lnTo>
+                  <a:pt x="1420019" y="1703387"/>
+                </a:lnTo>
+                <a:cubicBezTo>
+                  <a:pt x="1416844" y="1376362"/>
+                  <a:pt x="1417638" y="1168929"/>
+                  <a:pt x="1416050" y="1035050"/>
+                </a:cubicBezTo>
+                <a:lnTo>
+                  <a:pt x="5203825" y="1027907"/>
+                </a:lnTo>
+                <a:cubicBezTo>
+                  <a:pt x="5201179" y="690828"/>
+                  <a:pt x="5201708" y="337079"/>
+                  <a:pt x="5199062" y="0"/>
+                </a:cubicBezTo>
+                <a:lnTo>
+                  <a:pt x="6273800" y="6350"/>
+                </a:lnTo>
+              </a:path>
+            </a:pathLst>
+          </a:custGeom>
+          <a:ln>
+            <a:tailEnd type="triangle"/>
+          </a:ln>
+        </p:spPr>
+        <p:style>
+          <a:lnRef idx="1">
+            <a:schemeClr val="accent1"/>
+          </a:lnRef>
+          <a:fillRef idx="0">
+            <a:schemeClr val="accent1"/>
+          </a:fillRef>
+          <a:effectRef idx="0">
+            <a:schemeClr val="accent1"/>
+          </a:effectRef>
+          <a:fontRef idx="minor">
+            <a:schemeClr val="tx1"/>
+          </a:fontRef>
+        </p:style>
+        <p:txBody>
+          <a:bodyPr rtlCol="0" anchor="ctr"/>
+          <a:lstStyle/>
+          <a:p>
+            <a:pPr algn="ctr"/>
+            <a:endParaRPr lang="en-US" dirty="0"/>
+          </a:p>
+        </p:txBody>
+      </p:sp>
+      <p:cxnSp>
+        <p:nvCxnSpPr>
+          <p:cNvPr id="65" name="Connector: Elbow 64">
+            <a:extLst>
+              <a:ext uri="{FF2B5EF4-FFF2-40B4-BE49-F238E27FC236}">
+                <a16:creationId xmlns:a16="http://schemas.microsoft.com/office/drawing/2014/main" id="{0DF6A7DB-3A75-4859-98D4-84D6712B0914}"/>
+              </a:ext>
+            </a:extLst>
+          </p:cNvPr>
+          <p:cNvCxnSpPr>
+            <a:cxnSpLocks/>
+            <a:endCxn id="15" idx="0"/>
+          </p:cNvCxnSpPr>
+          <p:nvPr/>
+        </p:nvCxnSpPr>
+        <p:spPr>
+          <a:xfrm>
+            <a:off x="2241096" y="3616722"/>
+            <a:ext cx="429368" cy="254770"/>
+          </a:xfrm>
+          <a:prstGeom prst="bentConnector2">
+            <a:avLst/>
+          </a:prstGeom>
+          <a:ln>
+            <a:tailEnd type="triangle"/>
+          </a:ln>
+        </p:spPr>
+        <p:style>
+          <a:lnRef idx="1">
+            <a:schemeClr val="accent1"/>
+          </a:lnRef>
+          <a:fillRef idx="0">
+            <a:schemeClr val="accent1"/>
+          </a:fillRef>
+          <a:effectRef idx="0">
+            <a:schemeClr val="accent1"/>
+          </a:effectRef>
+          <a:fontRef idx="minor">
+            <a:schemeClr val="tx1"/>
+          </a:fontRef>
+        </p:style>
+      </p:cxnSp>
+      <p:cxnSp>
+        <p:nvCxnSpPr>
+          <p:cNvPr id="73" name="Connector: Elbow 72">
+            <a:extLst>
+              <a:ext uri="{FF2B5EF4-FFF2-40B4-BE49-F238E27FC236}">
+                <a16:creationId xmlns:a16="http://schemas.microsoft.com/office/drawing/2014/main" id="{E12B9D40-D7AF-4BBC-965C-F182A3990B1B}"/>
+              </a:ext>
+            </a:extLst>
+          </p:cNvPr>
+          <p:cNvCxnSpPr>
+            <a:endCxn id="14" idx="0"/>
+          </p:cNvCxnSpPr>
+          <p:nvPr/>
+        </p:nvCxnSpPr>
+        <p:spPr>
+          <a:xfrm>
+            <a:off x="2163451" y="3224637"/>
+            <a:ext cx="2299539" cy="583355"/>
+          </a:xfrm>
+          <a:prstGeom prst="bentConnector2">
+            <a:avLst/>
+          </a:prstGeom>
+          <a:ln>
+            <a:tailEnd type="triangle"/>
+          </a:ln>
+        </p:spPr>
+        <p:style>
+          <a:lnRef idx="1">
+            <a:schemeClr val="accent1"/>
+          </a:lnRef>
+          <a:fillRef idx="0">
+            <a:schemeClr val="accent1"/>
+          </a:fillRef>
+          <a:effectRef idx="0">
+            <a:schemeClr val="accent1"/>
+          </a:effectRef>
+          <a:fontRef idx="minor">
+            <a:schemeClr val="tx1"/>
+          </a:fontRef>
+        </p:style>
+      </p:cxnSp>
+      <p:sp>
+        <p:nvSpPr>
+          <p:cNvPr id="74" name="TextBox 73">
+            <a:extLst>
+              <a:ext uri="{FF2B5EF4-FFF2-40B4-BE49-F238E27FC236}">
+                <a16:creationId xmlns:a16="http://schemas.microsoft.com/office/drawing/2014/main" id="{67BE84AB-5F8C-47C8-8345-863B66E01BF7}"/>
+              </a:ext>
+            </a:extLst>
+          </p:cNvPr>
+          <p:cNvSpPr txBox="1"/>
+          <p:nvPr/>
+        </p:nvSpPr>
+        <p:spPr>
+          <a:xfrm>
+            <a:off x="2000340" y="6649941"/>
+            <a:ext cx="1633781" cy="276999"/>
+          </a:xfrm>
+          <a:prstGeom prst="rect">
+            <a:avLst/>
+          </a:prstGeom>
+          <a:noFill/>
+        </p:spPr>
+        <p:txBody>
+          <a:bodyPr wrap="none" rtlCol="0">
+            <a:spAutoFit/>
+          </a:bodyPr>
+          <a:lstStyle/>
+          <a:p>
+            <a:r>
+              <a:rPr lang="en-US" sz="1200" b="1" dirty="0"/>
+              <a:t>WIDGET SMILEY </a:t>
+            </a:r>
+            <a:r>
+              <a:rPr lang="en-US" sz="1200" dirty="0"/>
+              <a:t>opens</a:t>
+            </a:r>
+          </a:p>
+        </p:txBody>
+      </p:sp>
+      <p:sp>
+        <p:nvSpPr>
+          <p:cNvPr id="75" name="TextBox 74">
+            <a:extLst>
+              <a:ext uri="{FF2B5EF4-FFF2-40B4-BE49-F238E27FC236}">
+                <a16:creationId xmlns:a16="http://schemas.microsoft.com/office/drawing/2014/main" id="{82045D11-6BDE-4943-B128-34F2C5EC367C}"/>
+              </a:ext>
+            </a:extLst>
+          </p:cNvPr>
+          <p:cNvSpPr txBox="1"/>
+          <p:nvPr/>
+        </p:nvSpPr>
+        <p:spPr>
+          <a:xfrm>
+            <a:off x="5329394" y="6580259"/>
+            <a:ext cx="1633781" cy="276999"/>
+          </a:xfrm>
+          <a:prstGeom prst="rect">
+            <a:avLst/>
+          </a:prstGeom>
+          <a:noFill/>
+        </p:spPr>
+        <p:txBody>
+          <a:bodyPr wrap="none" rtlCol="0">
+            <a:spAutoFit/>
+          </a:bodyPr>
+          <a:lstStyle/>
+          <a:p>
+            <a:r>
+              <a:rPr lang="en-US" sz="1200" b="1" dirty="0"/>
+              <a:t>WIDGET SMILEY </a:t>
+            </a:r>
+            <a:r>
+              <a:rPr lang="en-US" sz="1200" dirty="0"/>
+              <a:t>opens</a:t>
+            </a:r>
+          </a:p>
+        </p:txBody>
+      </p:sp>
+      <p:sp>
+        <p:nvSpPr>
+          <p:cNvPr id="76" name="Left Brace 75">
+            <a:extLst>
+              <a:ext uri="{FF2B5EF4-FFF2-40B4-BE49-F238E27FC236}">
+                <a16:creationId xmlns:a16="http://schemas.microsoft.com/office/drawing/2014/main" id="{70AA5B9D-1FC6-400B-B9A9-3B4C4A0675C8}"/>
+              </a:ext>
+            </a:extLst>
+          </p:cNvPr>
+          <p:cNvSpPr/>
+          <p:nvPr/>
+        </p:nvSpPr>
+        <p:spPr>
+          <a:xfrm>
+            <a:off x="1855176" y="6685894"/>
+            <a:ext cx="135209" cy="482092"/>
+          </a:xfrm>
+          <a:prstGeom prst="leftBrace">
+            <a:avLst/>
+          </a:prstGeom>
+        </p:spPr>
+        <p:style>
+          <a:lnRef idx="1">
+            <a:schemeClr val="accent1"/>
+          </a:lnRef>
+          <a:fillRef idx="0">
+            <a:schemeClr val="accent1"/>
+          </a:fillRef>
+          <a:effectRef idx="0">
+            <a:schemeClr val="accent1"/>
+          </a:effectRef>
+          <a:fontRef idx="minor">
+            <a:schemeClr val="tx1"/>
+          </a:fontRef>
+        </p:style>
+        <p:txBody>
+          <a:bodyPr rtlCol="0" anchor="ctr"/>
+          <a:lstStyle/>
+          <a:p>
+            <a:pPr algn="ctr"/>
+            <a:endParaRPr lang="en-US"/>
+          </a:p>
+        </p:txBody>
+      </p:sp>
+      <p:sp>
+        <p:nvSpPr>
+          <p:cNvPr id="78" name="Left Brace 77">
+            <a:extLst>
+              <a:ext uri="{FF2B5EF4-FFF2-40B4-BE49-F238E27FC236}">
+                <a16:creationId xmlns:a16="http://schemas.microsoft.com/office/drawing/2014/main" id="{8AF64F36-B589-468F-B3B6-258C20520ED6}"/>
+              </a:ext>
+            </a:extLst>
+          </p:cNvPr>
+          <p:cNvSpPr/>
+          <p:nvPr/>
+        </p:nvSpPr>
+        <p:spPr>
+          <a:xfrm>
+            <a:off x="5215960" y="6631130"/>
+            <a:ext cx="135209" cy="482092"/>
+          </a:xfrm>
+          <a:prstGeom prst="leftBrace">
+            <a:avLst/>
+          </a:prstGeom>
+        </p:spPr>
+        <p:style>
+          <a:lnRef idx="1">
+            <a:schemeClr val="accent1"/>
+          </a:lnRef>
+          <a:fillRef idx="0">
+            <a:schemeClr val="accent1"/>
+          </a:fillRef>
+          <a:effectRef idx="0">
+            <a:schemeClr val="accent1"/>
+          </a:effectRef>
+          <a:fontRef idx="minor">
+            <a:schemeClr val="tx1"/>
+          </a:fontRef>
+        </p:style>
+        <p:txBody>
+          <a:bodyPr rtlCol="0" anchor="ctr"/>
+          <a:lstStyle/>
+          <a:p>
+            <a:pPr algn="ctr"/>
+            <a:endParaRPr lang="en-US"/>
+          </a:p>
+        </p:txBody>
+      </p:sp>
+      <p:sp>
+        <p:nvSpPr>
+          <p:cNvPr id="87" name="Freeform: Shape 86">
+            <a:extLst>
+              <a:ext uri="{FF2B5EF4-FFF2-40B4-BE49-F238E27FC236}">
+                <a16:creationId xmlns:a16="http://schemas.microsoft.com/office/drawing/2014/main" id="{F66A8AB5-1523-4E82-8B8C-308CAA666E31}"/>
+              </a:ext>
+            </a:extLst>
+          </p:cNvPr>
+          <p:cNvSpPr/>
+          <p:nvPr/>
+        </p:nvSpPr>
+        <p:spPr>
+          <a:xfrm>
+            <a:off x="2176938" y="1617120"/>
+            <a:ext cx="1716882" cy="571976"/>
+          </a:xfrm>
+          <a:custGeom>
+            <a:avLst/>
+            <a:gdLst>
+              <a:gd name="connsiteX0" fmla="*/ 1714500 w 1714500"/>
+              <a:gd name="connsiteY0" fmla="*/ 0 h 579120"/>
+              <a:gd name="connsiteX1" fmla="*/ 1181100 w 1714500"/>
+              <a:gd name="connsiteY1" fmla="*/ 0 h 579120"/>
+              <a:gd name="connsiteX2" fmla="*/ 1181100 w 1714500"/>
+              <a:gd name="connsiteY2" fmla="*/ 571500 h 579120"/>
+              <a:gd name="connsiteX3" fmla="*/ 0 w 1714500"/>
+              <a:gd name="connsiteY3" fmla="*/ 579120 h 579120"/>
+              <a:gd name="connsiteX0" fmla="*/ 1716882 w 1716882"/>
+              <a:gd name="connsiteY0" fmla="*/ 0 h 571976"/>
+              <a:gd name="connsiteX1" fmla="*/ 1183482 w 1716882"/>
+              <a:gd name="connsiteY1" fmla="*/ 0 h 571976"/>
+              <a:gd name="connsiteX2" fmla="*/ 1183482 w 1716882"/>
+              <a:gd name="connsiteY2" fmla="*/ 571500 h 571976"/>
+              <a:gd name="connsiteX3" fmla="*/ 0 w 1716882"/>
+              <a:gd name="connsiteY3" fmla="*/ 571976 h 571976"/>
+            </a:gdLst>
+            <a:ahLst/>
+            <a:cxnLst>
+              <a:cxn ang="0">
+                <a:pos x="connsiteX0" y="connsiteY0"/>
+              </a:cxn>
+              <a:cxn ang="0">
+                <a:pos x="connsiteX1" y="connsiteY1"/>
+              </a:cxn>
+              <a:cxn ang="0">
+                <a:pos x="connsiteX2" y="connsiteY2"/>
+              </a:cxn>
+              <a:cxn ang="0">
+                <a:pos x="connsiteX3" y="connsiteY3"/>
+              </a:cxn>
+            </a:cxnLst>
+            <a:rect l="l" t="t" r="r" b="b"/>
+            <a:pathLst>
+              <a:path w="1716882" h="571976">
+                <a:moveTo>
+                  <a:pt x="1716882" y="0"/>
+                </a:moveTo>
+                <a:lnTo>
+                  <a:pt x="1183482" y="0"/>
+                </a:lnTo>
+                <a:lnTo>
+                  <a:pt x="1183482" y="571500"/>
+                </a:lnTo>
+                <a:lnTo>
+                  <a:pt x="0" y="571976"/>
+                </a:lnTo>
+              </a:path>
+            </a:pathLst>
+          </a:custGeom>
+          <a:ln>
+            <a:tailEnd type="triangle"/>
+          </a:ln>
+        </p:spPr>
+        <p:style>
+          <a:lnRef idx="1">
+            <a:schemeClr val="accent1"/>
+          </a:lnRef>
+          <a:fillRef idx="0">
+            <a:schemeClr val="accent1"/>
+          </a:fillRef>
+          <a:effectRef idx="0">
+            <a:schemeClr val="accent1"/>
+          </a:effectRef>
+          <a:fontRef idx="minor">
+            <a:schemeClr val="tx1"/>
+          </a:fontRef>
+        </p:style>
+        <p:txBody>
+          <a:bodyPr rot="0" spcFirstLastPara="0" vertOverflow="overflow" horzOverflow="overflow" vert="horz" wrap="square" lIns="91440" tIns="45720" rIns="91440" bIns="45720" numCol="1" spcCol="0" rtlCol="0" fromWordArt="0" anchor="ctr" anchorCtr="0" forceAA="0" compatLnSpc="1">
+            <a:prstTxWarp prst="textNoShape">
+              <a:avLst/>
+            </a:prstTxWarp>
+            <a:noAutofit/>
+          </a:bodyPr>
+          <a:lstStyle/>
+          <a:p>
+            <a:pPr algn="ctr"/>
+            <a:endParaRPr lang="en-US">
+              <a:solidFill>
+                <a:schemeClr val="tx1"/>
+              </a:solidFill>
+            </a:endParaRPr>
+          </a:p>
+        </p:txBody>
+      </p:sp>
+      <p:cxnSp>
+        <p:nvCxnSpPr>
+          <p:cNvPr id="90" name="Connector: Elbow 89">
+            <a:extLst>
+              <a:ext uri="{FF2B5EF4-FFF2-40B4-BE49-F238E27FC236}">
+                <a16:creationId xmlns:a16="http://schemas.microsoft.com/office/drawing/2014/main" id="{21AF14FD-C8E7-491E-B0C9-8005A501017F}"/>
+              </a:ext>
+            </a:extLst>
+          </p:cNvPr>
+          <p:cNvCxnSpPr>
+            <a:cxnSpLocks/>
+            <a:stCxn id="12" idx="2"/>
+            <a:endCxn id="20" idx="0"/>
+          </p:cNvCxnSpPr>
+          <p:nvPr/>
+        </p:nvCxnSpPr>
+        <p:spPr>
+          <a:xfrm rot="5400000">
+            <a:off x="3835013" y="127043"/>
+            <a:ext cx="4838873" cy="6874435"/>
+          </a:xfrm>
+          <a:prstGeom prst="bentConnector3">
+            <a:avLst>
+              <a:gd name="adj1" fmla="val 94880"/>
+            </a:avLst>
+          </a:prstGeom>
+          <a:ln>
+            <a:tailEnd type="triangle"/>
+          </a:ln>
+        </p:spPr>
+        <p:style>
+          <a:lnRef idx="1">
+            <a:schemeClr val="accent1"/>
+          </a:lnRef>
+          <a:fillRef idx="0">
+            <a:schemeClr val="accent1"/>
+          </a:fillRef>
+          <a:effectRef idx="0">
+            <a:schemeClr val="accent1"/>
+          </a:effectRef>
+          <a:fontRef idx="minor">
+            <a:schemeClr val="tx1"/>
+          </a:fontRef>
+        </p:style>
+      </p:cxnSp>
+      <p:cxnSp>
+        <p:nvCxnSpPr>
+          <p:cNvPr id="93" name="Connector: Elbow 92">
+            <a:extLst>
+              <a:ext uri="{FF2B5EF4-FFF2-40B4-BE49-F238E27FC236}">
+                <a16:creationId xmlns:a16="http://schemas.microsoft.com/office/drawing/2014/main" id="{572437DE-E3D0-46CA-9D28-E167F04C94F8}"/>
+              </a:ext>
+            </a:extLst>
+          </p:cNvPr>
+          <p:cNvCxnSpPr>
+            <a:cxnSpLocks/>
+            <a:stCxn id="15" idx="2"/>
+            <a:endCxn id="20" idx="0"/>
+          </p:cNvCxnSpPr>
+          <p:nvPr/>
+        </p:nvCxnSpPr>
+        <p:spPr>
+          <a:xfrm rot="16200000" flipH="1">
+            <a:off x="2564908" y="5731373"/>
+            <a:ext cx="357879" cy="146767"/>
+          </a:xfrm>
+          <a:prstGeom prst="bentConnector3">
+            <a:avLst/>
+          </a:prstGeom>
+          <a:ln>
+            <a:tailEnd type="triangle"/>
+          </a:ln>
+        </p:spPr>
+        <p:style>
+          <a:lnRef idx="1">
+            <a:schemeClr val="accent1"/>
+          </a:lnRef>
+          <a:fillRef idx="0">
+            <a:schemeClr val="accent1"/>
+          </a:fillRef>
+          <a:effectRef idx="0">
+            <a:schemeClr val="accent1"/>
+          </a:effectRef>
+          <a:fontRef idx="minor">
+            <a:schemeClr val="tx1"/>
+          </a:fontRef>
+        </p:style>
+      </p:cxnSp>
+      <p:cxnSp>
+        <p:nvCxnSpPr>
+          <p:cNvPr id="95" name="Connector: Elbow 94">
+            <a:extLst>
+              <a:ext uri="{FF2B5EF4-FFF2-40B4-BE49-F238E27FC236}">
+                <a16:creationId xmlns:a16="http://schemas.microsoft.com/office/drawing/2014/main" id="{9B08F7BB-A344-42D0-8A85-6A3F9ABE66A5}"/>
+              </a:ext>
+            </a:extLst>
+          </p:cNvPr>
+          <p:cNvCxnSpPr>
+            <a:stCxn id="14" idx="2"/>
+            <a:endCxn id="20" idx="0"/>
+          </p:cNvCxnSpPr>
+          <p:nvPr/>
+        </p:nvCxnSpPr>
+        <p:spPr>
+          <a:xfrm rot="5400000">
+            <a:off x="3429422" y="4950128"/>
+            <a:ext cx="421379" cy="1645759"/>
+          </a:xfrm>
+          <a:prstGeom prst="bentConnector3">
+            <a:avLst>
+              <a:gd name="adj1" fmla="val 50000"/>
+            </a:avLst>
+          </a:prstGeom>
+          <a:ln>
+            <a:tailEnd type="triangle"/>
+          </a:ln>
+        </p:spPr>
+        <p:style>
+          <a:lnRef idx="1">
+            <a:schemeClr val="accent1"/>
+          </a:lnRef>
+          <a:fillRef idx="0">
+            <a:schemeClr val="accent1"/>
+          </a:fillRef>
+          <a:effectRef idx="0">
+            <a:schemeClr val="accent1"/>
+          </a:effectRef>
+          <a:fontRef idx="minor">
+            <a:schemeClr val="tx1"/>
+          </a:fontRef>
+        </p:style>
+      </p:cxnSp>
+      <p:sp>
+        <p:nvSpPr>
+          <p:cNvPr id="99" name="TextBox 98">
+            <a:extLst>
+              <a:ext uri="{FF2B5EF4-FFF2-40B4-BE49-F238E27FC236}">
+                <a16:creationId xmlns:a16="http://schemas.microsoft.com/office/drawing/2014/main" id="{766EEE7F-A083-4B41-9BA4-AF0ADBF27FB0}"/>
+              </a:ext>
+            </a:extLst>
+          </p:cNvPr>
+          <p:cNvSpPr txBox="1"/>
+          <p:nvPr/>
+        </p:nvSpPr>
+        <p:spPr>
+          <a:xfrm>
+            <a:off x="1825741" y="7856231"/>
+            <a:ext cx="3007875" cy="1200329"/>
+          </a:xfrm>
+          <a:prstGeom prst="rect">
+            <a:avLst/>
+          </a:prstGeom>
+          <a:noFill/>
+        </p:spPr>
+        <p:txBody>
+          <a:bodyPr wrap="none" rtlCol="0">
+            <a:spAutoFit/>
+          </a:bodyPr>
+          <a:lstStyle/>
+          <a:p>
+            <a:r>
+              <a:rPr lang="en-US" sz="1200" b="1" dirty="0"/>
+              <a:t>Routine </a:t>
+            </a:r>
+            <a:r>
+              <a:rPr lang="en-US" sz="1200" b="1" dirty="0" err="1"/>
+              <a:t>set_Ref_Zero</a:t>
+            </a:r>
+            <a:r>
+              <a:rPr lang="en-US" sz="1200" b="1" dirty="0"/>
+              <a:t>(MAP_NAME.CANVAS)</a:t>
+            </a:r>
+            <a:endParaRPr lang="en-US" sz="1200" dirty="0"/>
+          </a:p>
+          <a:p>
+            <a:r>
+              <a:rPr lang="en-US" sz="1200" dirty="0"/>
+              <a:t>	Map(MAP_NAME).zoom</a:t>
+            </a:r>
+          </a:p>
+          <a:p>
+            <a:r>
+              <a:rPr lang="en-US" sz="1200" dirty="0"/>
+              <a:t>	Map(MAP_NAME).drag</a:t>
+            </a:r>
+          </a:p>
+          <a:p>
+            <a:r>
+              <a:rPr lang="en-US" sz="1200" dirty="0"/>
+              <a:t>	Sets </a:t>
+            </a:r>
+            <a:r>
+              <a:rPr lang="en-US" sz="1200" dirty="0" err="1"/>
+              <a:t>Ref_Zero</a:t>
+            </a:r>
+            <a:r>
+              <a:rPr lang="en-US" sz="1200" dirty="0"/>
+              <a:t>(X0,Y0)</a:t>
+            </a:r>
+          </a:p>
+          <a:p>
+            <a:r>
+              <a:rPr lang="en-US" sz="1200" dirty="0"/>
+              <a:t>	</a:t>
+            </a:r>
+            <a:r>
+              <a:rPr lang="en-US" sz="1200" dirty="0" err="1"/>
+              <a:t>X_Moves</a:t>
+            </a:r>
+            <a:r>
+              <a:rPr lang="en-US" sz="1200" dirty="0"/>
+              <a:t>=Sum(</a:t>
+            </a:r>
+            <a:r>
+              <a:rPr lang="en-US" sz="1200" dirty="0" err="1"/>
+              <a:t>zoom_i</a:t>
+            </a:r>
+            <a:r>
+              <a:rPr lang="en-US" sz="1200" dirty="0"/>
+              <a:t>(</a:t>
+            </a:r>
+            <a:r>
+              <a:rPr lang="en-US" sz="1200" dirty="0" err="1"/>
+              <a:t>Delta_X_i</a:t>
+            </a:r>
+            <a:r>
+              <a:rPr lang="en-US" sz="1200" dirty="0"/>
+              <a:t>))</a:t>
+            </a:r>
+          </a:p>
+          <a:p>
+            <a:r>
+              <a:rPr lang="en-US" sz="1200" dirty="0"/>
+              <a:t>	</a:t>
+            </a:r>
+            <a:r>
+              <a:rPr lang="en-US" sz="1200" dirty="0" err="1"/>
+              <a:t>Y_Moves</a:t>
+            </a:r>
+            <a:r>
+              <a:rPr lang="en-US" sz="1200" dirty="0"/>
+              <a:t>=Sum(</a:t>
+            </a:r>
+            <a:r>
+              <a:rPr lang="en-US" sz="1200" dirty="0" err="1"/>
+              <a:t>zoom_i</a:t>
+            </a:r>
+            <a:r>
+              <a:rPr lang="en-US" sz="1200" dirty="0"/>
+              <a:t>(</a:t>
+            </a:r>
+            <a:r>
+              <a:rPr lang="en-US" sz="1200" dirty="0" err="1"/>
+              <a:t>Delta_Y_i</a:t>
+            </a:r>
+            <a:r>
+              <a:rPr lang="en-US" sz="1200" dirty="0"/>
+              <a:t>))</a:t>
+            </a:r>
+          </a:p>
+        </p:txBody>
+      </p:sp>
+      <p:sp>
+        <p:nvSpPr>
+          <p:cNvPr id="100" name="TextBox 99">
+            <a:extLst>
+              <a:ext uri="{FF2B5EF4-FFF2-40B4-BE49-F238E27FC236}">
+                <a16:creationId xmlns:a16="http://schemas.microsoft.com/office/drawing/2014/main" id="{F5A164CE-7CC1-46B0-B5A0-76A7668930A7}"/>
+              </a:ext>
+            </a:extLst>
+          </p:cNvPr>
+          <p:cNvSpPr txBox="1"/>
+          <p:nvPr/>
+        </p:nvSpPr>
+        <p:spPr>
+          <a:xfrm>
+            <a:off x="1825741" y="9172004"/>
+            <a:ext cx="3042371" cy="276999"/>
+          </a:xfrm>
+          <a:prstGeom prst="rect">
+            <a:avLst/>
+          </a:prstGeom>
+          <a:noFill/>
+        </p:spPr>
+        <p:txBody>
+          <a:bodyPr wrap="none" rtlCol="0">
+            <a:spAutoFit/>
+          </a:bodyPr>
+          <a:lstStyle/>
+          <a:p>
+            <a:r>
+              <a:rPr lang="en-US" sz="1200" b="1" dirty="0"/>
+              <a:t>WIDGET SMILEY  </a:t>
+            </a:r>
+            <a:r>
+              <a:rPr lang="en-US" sz="1200" dirty="0"/>
+              <a:t>on mouse event DoubleClick</a:t>
+            </a:r>
+          </a:p>
+        </p:txBody>
+      </p:sp>
+      <p:sp>
+        <p:nvSpPr>
+          <p:cNvPr id="101" name="TextBox 100">
+            <a:extLst>
+              <a:ext uri="{FF2B5EF4-FFF2-40B4-BE49-F238E27FC236}">
+                <a16:creationId xmlns:a16="http://schemas.microsoft.com/office/drawing/2014/main" id="{DDF59134-3D74-4719-B5BA-EF300EB05F97}"/>
+              </a:ext>
+            </a:extLst>
+          </p:cNvPr>
+          <p:cNvSpPr txBox="1"/>
+          <p:nvPr/>
+        </p:nvSpPr>
+        <p:spPr>
+          <a:xfrm>
+            <a:off x="5377740" y="9172004"/>
+            <a:ext cx="3042371" cy="276999"/>
+          </a:xfrm>
+          <a:prstGeom prst="rect">
+            <a:avLst/>
+          </a:prstGeom>
+          <a:noFill/>
+        </p:spPr>
+        <p:txBody>
+          <a:bodyPr wrap="none" rtlCol="0">
+            <a:spAutoFit/>
+          </a:bodyPr>
+          <a:lstStyle/>
+          <a:p>
+            <a:r>
+              <a:rPr lang="en-US" sz="1200" b="1" dirty="0"/>
+              <a:t>WIDGET SMILEY  </a:t>
+            </a:r>
+            <a:r>
+              <a:rPr lang="en-US" sz="1200" dirty="0"/>
+              <a:t>on mouse event DoubleClick</a:t>
+            </a:r>
+          </a:p>
+        </p:txBody>
+      </p:sp>
+      <p:cxnSp>
+        <p:nvCxnSpPr>
+          <p:cNvPr id="103" name="Connector: Elbow 102">
+            <a:extLst>
+              <a:ext uri="{FF2B5EF4-FFF2-40B4-BE49-F238E27FC236}">
+                <a16:creationId xmlns:a16="http://schemas.microsoft.com/office/drawing/2014/main" id="{909532A1-16CE-4296-ADFC-4C370F2DA3E1}"/>
+              </a:ext>
+            </a:extLst>
+          </p:cNvPr>
+          <p:cNvCxnSpPr>
+            <a:cxnSpLocks/>
+            <a:stCxn id="17" idx="2"/>
+          </p:cNvCxnSpPr>
+          <p:nvPr/>
+        </p:nvCxnSpPr>
+        <p:spPr>
+          <a:xfrm rot="5400000" flipH="1">
+            <a:off x="41606" y="7196704"/>
+            <a:ext cx="3736957" cy="2372986"/>
+          </a:xfrm>
+          <a:prstGeom prst="bentConnector3">
+            <a:avLst>
+              <a:gd name="adj1" fmla="val -6117"/>
+            </a:avLst>
+          </a:prstGeom>
+          <a:ln>
+            <a:tailEnd type="triangle"/>
+          </a:ln>
+        </p:spPr>
+        <p:style>
+          <a:lnRef idx="1">
+            <a:schemeClr val="accent1"/>
+          </a:lnRef>
+          <a:fillRef idx="0">
+            <a:schemeClr val="accent1"/>
+          </a:fillRef>
+          <a:effectRef idx="0">
+            <a:schemeClr val="accent1"/>
+          </a:effectRef>
+          <a:fontRef idx="minor">
+            <a:schemeClr val="tx1"/>
+          </a:fontRef>
+        </p:style>
+      </p:cxnSp>
+      <p:sp>
+        <p:nvSpPr>
+          <p:cNvPr id="20" name="TextBox 19">
+            <a:extLst>
+              <a:ext uri="{FF2B5EF4-FFF2-40B4-BE49-F238E27FC236}">
+                <a16:creationId xmlns:a16="http://schemas.microsoft.com/office/drawing/2014/main" id="{C6402CD7-8D6E-4A13-8A69-B6924F70410D}"/>
+              </a:ext>
+            </a:extLst>
+          </p:cNvPr>
+          <p:cNvSpPr txBox="1"/>
+          <p:nvPr/>
+        </p:nvSpPr>
+        <p:spPr>
+          <a:xfrm>
+            <a:off x="2510897" y="5983697"/>
+            <a:ext cx="612668" cy="276999"/>
+          </a:xfrm>
+          <a:prstGeom prst="rect">
+            <a:avLst/>
+          </a:prstGeom>
+          <a:solidFill>
+            <a:schemeClr val="bg1"/>
+          </a:solidFill>
+          <a:ln w="3175">
+            <a:solidFill>
+              <a:schemeClr val="tx1"/>
+            </a:solidFill>
+          </a:ln>
+        </p:spPr>
+        <p:txBody>
+          <a:bodyPr wrap="none" rtlCol="0">
+            <a:spAutoFit/>
+          </a:bodyPr>
+          <a:lstStyle/>
+          <a:p>
+            <a:r>
+              <a:rPr lang="en-US" sz="1200" dirty="0"/>
+              <a:t>ITER=1</a:t>
+            </a:r>
+          </a:p>
+        </p:txBody>
+      </p:sp>
+      <p:cxnSp>
+        <p:nvCxnSpPr>
+          <p:cNvPr id="117" name="Straight Arrow Connector 116">
+            <a:extLst>
+              <a:ext uri="{FF2B5EF4-FFF2-40B4-BE49-F238E27FC236}">
+                <a16:creationId xmlns:a16="http://schemas.microsoft.com/office/drawing/2014/main" id="{3EB862B7-07E8-405D-9891-A550E3B48C69}"/>
+              </a:ext>
+            </a:extLst>
+          </p:cNvPr>
+          <p:cNvCxnSpPr>
+            <a:cxnSpLocks/>
+            <a:endCxn id="74" idx="0"/>
+          </p:cNvCxnSpPr>
+          <p:nvPr/>
+        </p:nvCxnSpPr>
+        <p:spPr>
+          <a:xfrm>
+            <a:off x="2817230" y="6514717"/>
+            <a:ext cx="1" cy="135224"/>
+          </a:xfrm>
+          <a:prstGeom prst="straightConnector1">
+            <a:avLst/>
+          </a:prstGeom>
+          <a:ln>
+            <a:tailEnd type="triangle"/>
+          </a:ln>
+        </p:spPr>
+        <p:style>
+          <a:lnRef idx="1">
+            <a:schemeClr val="accent1"/>
+          </a:lnRef>
+          <a:fillRef idx="0">
+            <a:schemeClr val="accent1"/>
+          </a:fillRef>
+          <a:effectRef idx="0">
+            <a:schemeClr val="accent1"/>
+          </a:effectRef>
+          <a:fontRef idx="minor">
+            <a:schemeClr val="tx1"/>
+          </a:fontRef>
+        </p:style>
+      </p:cxnSp>
+      <p:cxnSp>
+        <p:nvCxnSpPr>
+          <p:cNvPr id="123" name="Straight Arrow Connector 122">
+            <a:extLst>
+              <a:ext uri="{FF2B5EF4-FFF2-40B4-BE49-F238E27FC236}">
+                <a16:creationId xmlns:a16="http://schemas.microsoft.com/office/drawing/2014/main" id="{1B8E2811-7A8D-4AE7-B130-0E1651D756AC}"/>
+              </a:ext>
+            </a:extLst>
+          </p:cNvPr>
+          <p:cNvCxnSpPr>
+            <a:cxnSpLocks/>
+          </p:cNvCxnSpPr>
+          <p:nvPr/>
+        </p:nvCxnSpPr>
+        <p:spPr>
+          <a:xfrm>
+            <a:off x="2817230" y="6253979"/>
+            <a:ext cx="1" cy="192851"/>
+          </a:xfrm>
+          <a:prstGeom prst="straightConnector1">
+            <a:avLst/>
+          </a:prstGeom>
+          <a:ln>
+            <a:tailEnd type="triangle"/>
+          </a:ln>
+        </p:spPr>
+        <p:style>
+          <a:lnRef idx="1">
+            <a:schemeClr val="accent1"/>
+          </a:lnRef>
+          <a:fillRef idx="0">
+            <a:schemeClr val="accent1"/>
+          </a:fillRef>
+          <a:effectRef idx="0">
+            <a:schemeClr val="accent1"/>
+          </a:effectRef>
+          <a:fontRef idx="minor">
+            <a:schemeClr val="tx1"/>
+          </a:fontRef>
+        </p:style>
+      </p:cxnSp>
+      <p:cxnSp>
+        <p:nvCxnSpPr>
+          <p:cNvPr id="134" name="Connector: Elbow 133">
+            <a:extLst>
+              <a:ext uri="{FF2B5EF4-FFF2-40B4-BE49-F238E27FC236}">
+                <a16:creationId xmlns:a16="http://schemas.microsoft.com/office/drawing/2014/main" id="{C79D77CA-5565-412B-A937-790C25B12B3C}"/>
+              </a:ext>
+            </a:extLst>
+          </p:cNvPr>
+          <p:cNvCxnSpPr>
+            <a:cxnSpLocks/>
+            <a:endCxn id="21" idx="1"/>
+          </p:cNvCxnSpPr>
+          <p:nvPr/>
+        </p:nvCxnSpPr>
+        <p:spPr>
+          <a:xfrm flipV="1">
+            <a:off x="723591" y="6454902"/>
+            <a:ext cx="5086321" cy="3289903"/>
+          </a:xfrm>
+          <a:prstGeom prst="bentConnector3">
+            <a:avLst>
+              <a:gd name="adj1" fmla="val 62"/>
+            </a:avLst>
+          </a:prstGeom>
+          <a:ln>
+            <a:tailEnd type="triangle"/>
+          </a:ln>
+        </p:spPr>
+        <p:style>
+          <a:lnRef idx="1">
+            <a:schemeClr val="accent1"/>
+          </a:lnRef>
+          <a:fillRef idx="0">
+            <a:schemeClr val="accent1"/>
+          </a:fillRef>
+          <a:effectRef idx="0">
+            <a:schemeClr val="accent1"/>
+          </a:effectRef>
+          <a:fontRef idx="minor">
+            <a:schemeClr val="tx1"/>
+          </a:fontRef>
+        </p:style>
+      </p:cxnSp>
+      <p:sp>
+        <p:nvSpPr>
+          <p:cNvPr id="137" name="TextBox 136">
+            <a:extLst>
+              <a:ext uri="{FF2B5EF4-FFF2-40B4-BE49-F238E27FC236}">
+                <a16:creationId xmlns:a16="http://schemas.microsoft.com/office/drawing/2014/main" id="{70B7796E-0344-4A1B-9A89-B14B3729ABCF}"/>
+              </a:ext>
+            </a:extLst>
+          </p:cNvPr>
+          <p:cNvSpPr txBox="1"/>
+          <p:nvPr/>
+        </p:nvSpPr>
+        <p:spPr>
+          <a:xfrm>
+            <a:off x="5321300" y="7823027"/>
+            <a:ext cx="3275833" cy="1200329"/>
+          </a:xfrm>
+          <a:prstGeom prst="rect">
+            <a:avLst/>
+          </a:prstGeom>
+          <a:noFill/>
+        </p:spPr>
+        <p:txBody>
+          <a:bodyPr wrap="none" rtlCol="0">
+            <a:spAutoFit/>
+          </a:bodyPr>
+          <a:lstStyle/>
+          <a:p>
+            <a:r>
+              <a:rPr lang="en-US" sz="1200" b="1" dirty="0"/>
+              <a:t>Routine </a:t>
+            </a:r>
+            <a:r>
+              <a:rPr lang="en-US" sz="1200" b="1" dirty="0" err="1"/>
+              <a:t>set_Ref_MOVES</a:t>
+            </a:r>
+            <a:r>
+              <a:rPr lang="en-US" sz="1200" b="1" dirty="0"/>
+              <a:t>(MAP_NAME.CANVAS)</a:t>
+            </a:r>
+            <a:endParaRPr lang="en-US" sz="1200" dirty="0"/>
+          </a:p>
+          <a:p>
+            <a:r>
+              <a:rPr lang="en-US" sz="1200" dirty="0"/>
+              <a:t>	Map(MAP_NAME).zoom</a:t>
+            </a:r>
+          </a:p>
+          <a:p>
+            <a:r>
+              <a:rPr lang="en-US" sz="1200" dirty="0"/>
+              <a:t>	Map(MAP_NAME).drag</a:t>
+            </a:r>
+          </a:p>
+          <a:p>
+            <a:r>
+              <a:rPr lang="en-US" sz="1200" dirty="0"/>
+              <a:t>	</a:t>
+            </a:r>
+            <a:r>
+              <a:rPr lang="en-US" sz="1200" dirty="0" err="1"/>
+              <a:t>X_Moves</a:t>
+            </a:r>
+            <a:r>
+              <a:rPr lang="en-US" sz="1200" dirty="0"/>
+              <a:t>=Sum(</a:t>
+            </a:r>
+            <a:r>
+              <a:rPr lang="en-US" sz="1200" dirty="0" err="1"/>
+              <a:t>zoom_i</a:t>
+            </a:r>
+            <a:r>
+              <a:rPr lang="en-US" sz="1200" dirty="0"/>
+              <a:t>(</a:t>
+            </a:r>
+            <a:r>
+              <a:rPr lang="en-US" sz="1200" dirty="0" err="1"/>
+              <a:t>Delta_X_i</a:t>
+            </a:r>
+            <a:r>
+              <a:rPr lang="en-US" sz="1200" dirty="0"/>
+              <a:t>))</a:t>
+            </a:r>
+          </a:p>
+          <a:p>
+            <a:r>
+              <a:rPr lang="en-US" sz="1200" dirty="0"/>
+              <a:t>	</a:t>
+            </a:r>
+            <a:r>
+              <a:rPr lang="en-US" sz="1200" dirty="0" err="1"/>
+              <a:t>Y_Moves</a:t>
+            </a:r>
+            <a:r>
+              <a:rPr lang="en-US" sz="1200" dirty="0"/>
+              <a:t>=Sum(</a:t>
+            </a:r>
+            <a:r>
+              <a:rPr lang="en-US" sz="1200" dirty="0" err="1"/>
+              <a:t>zoom_i</a:t>
+            </a:r>
+            <a:r>
+              <a:rPr lang="en-US" sz="1200" dirty="0"/>
+              <a:t>(</a:t>
+            </a:r>
+            <a:r>
+              <a:rPr lang="en-US" sz="1200" dirty="0" err="1"/>
+              <a:t>Delta_Y_i</a:t>
+            </a:r>
+            <a:r>
+              <a:rPr lang="en-US" sz="1200" dirty="0"/>
+              <a:t>))</a:t>
+            </a:r>
+          </a:p>
+          <a:p>
+            <a:r>
+              <a:rPr lang="en-US" sz="1200" dirty="0"/>
+              <a:t>	</a:t>
+            </a:r>
+          </a:p>
+        </p:txBody>
+      </p:sp>
+      <p:cxnSp>
+        <p:nvCxnSpPr>
+          <p:cNvPr id="139" name="Connector: Elbow 138">
+            <a:extLst>
+              <a:ext uri="{FF2B5EF4-FFF2-40B4-BE49-F238E27FC236}">
+                <a16:creationId xmlns:a16="http://schemas.microsoft.com/office/drawing/2014/main" id="{BD0F67D4-69E6-4B26-B853-2A97501DE277}"/>
+              </a:ext>
+            </a:extLst>
+          </p:cNvPr>
+          <p:cNvCxnSpPr>
+            <a:cxnSpLocks/>
+            <a:stCxn id="14" idx="3"/>
+            <a:endCxn id="151" idx="0"/>
+          </p:cNvCxnSpPr>
+          <p:nvPr/>
+        </p:nvCxnSpPr>
+        <p:spPr>
+          <a:xfrm>
+            <a:off x="5382152" y="4685155"/>
+            <a:ext cx="4774990" cy="1768031"/>
+          </a:xfrm>
+          <a:prstGeom prst="bentConnector2">
+            <a:avLst/>
+          </a:prstGeom>
+          <a:ln>
+            <a:tailEnd type="triangle"/>
+          </a:ln>
+        </p:spPr>
+        <p:style>
+          <a:lnRef idx="1">
+            <a:schemeClr val="accent1"/>
+          </a:lnRef>
+          <a:fillRef idx="0">
+            <a:schemeClr val="accent1"/>
+          </a:fillRef>
+          <a:effectRef idx="0">
+            <a:schemeClr val="accent1"/>
+          </a:effectRef>
+          <a:fontRef idx="minor">
+            <a:schemeClr val="tx1"/>
+          </a:fontRef>
+        </p:style>
+      </p:cxnSp>
+      <p:cxnSp>
+        <p:nvCxnSpPr>
+          <p:cNvPr id="145" name="Connector: Elbow 144">
+            <a:extLst>
+              <a:ext uri="{FF2B5EF4-FFF2-40B4-BE49-F238E27FC236}">
+                <a16:creationId xmlns:a16="http://schemas.microsoft.com/office/drawing/2014/main" id="{6552CCF6-CE69-41DA-96AC-2538CB0C9BFA}"/>
+              </a:ext>
+            </a:extLst>
+          </p:cNvPr>
+          <p:cNvCxnSpPr>
+            <a:cxnSpLocks/>
+            <a:stCxn id="18" idx="3"/>
+            <a:endCxn id="151" idx="0"/>
+          </p:cNvCxnSpPr>
+          <p:nvPr/>
+        </p:nvCxnSpPr>
+        <p:spPr>
+          <a:xfrm flipV="1">
+            <a:off x="8207121" y="6453186"/>
+            <a:ext cx="1950021" cy="3318983"/>
+          </a:xfrm>
+          <a:prstGeom prst="bentConnector4">
+            <a:avLst>
+              <a:gd name="adj1" fmla="val 29054"/>
+              <a:gd name="adj2" fmla="val 106888"/>
+            </a:avLst>
+          </a:prstGeom>
+          <a:ln>
+            <a:tailEnd type="triangle"/>
+          </a:ln>
+        </p:spPr>
+        <p:style>
+          <a:lnRef idx="1">
+            <a:schemeClr val="accent1"/>
+          </a:lnRef>
+          <a:fillRef idx="0">
+            <a:schemeClr val="accent1"/>
+          </a:fillRef>
+          <a:effectRef idx="0">
+            <a:schemeClr val="accent1"/>
+          </a:effectRef>
+          <a:fontRef idx="minor">
+            <a:schemeClr val="tx1"/>
+          </a:fontRef>
+        </p:style>
+      </p:cxnSp>
+      <p:sp>
+        <p:nvSpPr>
+          <p:cNvPr id="151" name="TextBox 150">
+            <a:extLst>
+              <a:ext uri="{FF2B5EF4-FFF2-40B4-BE49-F238E27FC236}">
+                <a16:creationId xmlns:a16="http://schemas.microsoft.com/office/drawing/2014/main" id="{855037A4-5217-4BE3-8A05-73F4463D7B7F}"/>
+              </a:ext>
+            </a:extLst>
+          </p:cNvPr>
+          <p:cNvSpPr txBox="1"/>
+          <p:nvPr/>
+        </p:nvSpPr>
+        <p:spPr>
+          <a:xfrm>
+            <a:off x="9340251" y="6453186"/>
+            <a:ext cx="1633781" cy="276999"/>
+          </a:xfrm>
+          <a:prstGeom prst="rect">
+            <a:avLst/>
+          </a:prstGeom>
+          <a:noFill/>
+        </p:spPr>
+        <p:txBody>
+          <a:bodyPr wrap="none" rtlCol="0">
+            <a:spAutoFit/>
+          </a:bodyPr>
+          <a:lstStyle/>
+          <a:p>
+            <a:r>
+              <a:rPr lang="en-US" sz="1200" b="1" dirty="0"/>
+              <a:t>WIDGET SMILEY </a:t>
+            </a:r>
+            <a:r>
+              <a:rPr lang="en-US" sz="1200" dirty="0"/>
+              <a:t>opens</a:t>
+            </a:r>
+          </a:p>
+        </p:txBody>
+      </p:sp>
+      <p:sp>
+        <p:nvSpPr>
+          <p:cNvPr id="152" name="Left Brace 151">
+            <a:extLst>
+              <a:ext uri="{FF2B5EF4-FFF2-40B4-BE49-F238E27FC236}">
+                <a16:creationId xmlns:a16="http://schemas.microsoft.com/office/drawing/2014/main" id="{FBA0CE24-F4B1-4641-9C21-01283A225EF9}"/>
+              </a:ext>
+            </a:extLst>
+          </p:cNvPr>
+          <p:cNvSpPr/>
+          <p:nvPr/>
+        </p:nvSpPr>
+        <p:spPr>
+          <a:xfrm>
+            <a:off x="9226817" y="6442065"/>
+            <a:ext cx="135209" cy="482092"/>
+          </a:xfrm>
+          <a:prstGeom prst="leftBrace">
+            <a:avLst/>
+          </a:prstGeom>
+        </p:spPr>
+        <p:style>
+          <a:lnRef idx="1">
+            <a:schemeClr val="accent1"/>
+          </a:lnRef>
+          <a:fillRef idx="0">
+            <a:schemeClr val="accent1"/>
+          </a:fillRef>
+          <a:effectRef idx="0">
+            <a:schemeClr val="accent1"/>
+          </a:effectRef>
+          <a:fontRef idx="minor">
+            <a:schemeClr val="tx1"/>
+          </a:fontRef>
+        </p:style>
+        <p:txBody>
+          <a:bodyPr rtlCol="0" anchor="ctr"/>
+          <a:lstStyle/>
+          <a:p>
+            <a:pPr algn="ctr"/>
+            <a:endParaRPr lang="en-US"/>
+          </a:p>
+        </p:txBody>
+      </p:sp>
+      <p:sp>
+        <p:nvSpPr>
+          <p:cNvPr id="158" name="TextBox 157">
+            <a:extLst>
+              <a:ext uri="{FF2B5EF4-FFF2-40B4-BE49-F238E27FC236}">
+                <a16:creationId xmlns:a16="http://schemas.microsoft.com/office/drawing/2014/main" id="{BD77D5A2-C5E6-4C01-A77A-6E3441E98D02}"/>
+              </a:ext>
+            </a:extLst>
+          </p:cNvPr>
+          <p:cNvSpPr txBox="1"/>
+          <p:nvPr/>
+        </p:nvSpPr>
+        <p:spPr>
+          <a:xfrm>
+            <a:off x="9362026" y="7866965"/>
+            <a:ext cx="3042371" cy="276999"/>
+          </a:xfrm>
+          <a:prstGeom prst="rect">
+            <a:avLst/>
+          </a:prstGeom>
+          <a:noFill/>
+        </p:spPr>
+        <p:txBody>
+          <a:bodyPr wrap="none" rtlCol="0">
+            <a:spAutoFit/>
+          </a:bodyPr>
+          <a:lstStyle/>
+          <a:p>
+            <a:r>
+              <a:rPr lang="en-US" sz="1200" b="1" dirty="0"/>
+              <a:t>WIDGET SMILEY  </a:t>
+            </a:r>
+            <a:r>
+              <a:rPr lang="en-US" sz="1200" dirty="0"/>
+              <a:t>on mouse event DoubleClick</a:t>
+            </a:r>
+          </a:p>
+        </p:txBody>
+      </p:sp>
+      <p:sp>
+        <p:nvSpPr>
+          <p:cNvPr id="163" name="TextBox 162">
+            <a:extLst>
+              <a:ext uri="{FF2B5EF4-FFF2-40B4-BE49-F238E27FC236}">
+                <a16:creationId xmlns:a16="http://schemas.microsoft.com/office/drawing/2014/main" id="{BF4386F9-43B7-46D4-A4D6-FAB3D0E0F18D}"/>
+              </a:ext>
+            </a:extLst>
+          </p:cNvPr>
+          <p:cNvSpPr txBox="1"/>
+          <p:nvPr/>
+        </p:nvSpPr>
+        <p:spPr>
+          <a:xfrm>
+            <a:off x="707550" y="11362379"/>
+            <a:ext cx="3086551" cy="830997"/>
+          </a:xfrm>
+          <a:prstGeom prst="rect">
+            <a:avLst/>
+          </a:prstGeom>
+          <a:noFill/>
+        </p:spPr>
+        <p:txBody>
+          <a:bodyPr wrap="none" rtlCol="0">
+            <a:spAutoFit/>
+          </a:bodyPr>
+          <a:lstStyle/>
+          <a:p>
+            <a:r>
+              <a:rPr lang="en-US" sz="1200" b="1" dirty="0"/>
+              <a:t>WIDGET NORTH </a:t>
+            </a:r>
+            <a:r>
+              <a:rPr lang="en-US" sz="1200" dirty="0"/>
+              <a:t>opens</a:t>
+            </a:r>
+          </a:p>
+          <a:p>
+            <a:r>
+              <a:rPr lang="en-US" sz="1200" dirty="0"/>
+              <a:t>IFPOLARIS: POLARIS WIDGET</a:t>
+            </a:r>
+          </a:p>
+          <a:p>
+            <a:r>
+              <a:rPr lang="en-US" sz="1200" dirty="0"/>
+              <a:t>IFMAGNETIC: MN WIDGET</a:t>
+            </a:r>
+          </a:p>
+          <a:p>
+            <a:r>
+              <a:rPr lang="en-US" sz="1200" dirty="0"/>
+              <a:t>	WIDGET set to screen vertical direction</a:t>
+            </a:r>
+          </a:p>
+        </p:txBody>
+      </p:sp>
+      <p:sp>
+        <p:nvSpPr>
+          <p:cNvPr id="164" name="TextBox 163">
+            <a:extLst>
+              <a:ext uri="{FF2B5EF4-FFF2-40B4-BE49-F238E27FC236}">
+                <a16:creationId xmlns:a16="http://schemas.microsoft.com/office/drawing/2014/main" id="{B10FFE40-6528-4E1C-89C7-B21D459B2CDA}"/>
+              </a:ext>
+            </a:extLst>
+          </p:cNvPr>
+          <p:cNvSpPr txBox="1"/>
+          <p:nvPr/>
+        </p:nvSpPr>
+        <p:spPr>
+          <a:xfrm>
+            <a:off x="723591" y="10716047"/>
+            <a:ext cx="4262514" cy="646331"/>
+          </a:xfrm>
+          <a:prstGeom prst="rect">
+            <a:avLst/>
+          </a:prstGeom>
+          <a:noFill/>
+        </p:spPr>
+        <p:txBody>
+          <a:bodyPr wrap="none" rtlCol="0">
+            <a:spAutoFit/>
+          </a:bodyPr>
+          <a:lstStyle/>
+          <a:p>
+            <a:r>
+              <a:rPr lang="en-US" sz="1200" b="1" dirty="0"/>
+              <a:t>Routine </a:t>
+            </a:r>
+            <a:r>
+              <a:rPr lang="en-US" sz="1200" b="1" dirty="0" err="1"/>
+              <a:t>Ref_Zero</a:t>
+            </a:r>
+            <a:r>
+              <a:rPr lang="en-US" sz="1200" b="1" dirty="0"/>
+              <a:t>(MAP_NAME.CANVAS)</a:t>
+            </a:r>
+          </a:p>
+          <a:p>
+            <a:r>
+              <a:rPr lang="en-US" sz="1200" dirty="0"/>
+              <a:t>	Sets to zoom 100%</a:t>
+            </a:r>
+          </a:p>
+          <a:p>
+            <a:r>
+              <a:rPr lang="en-US" sz="1200" dirty="0"/>
+              <a:t>	Drags Map to </a:t>
+            </a:r>
+            <a:r>
+              <a:rPr lang="en-US" sz="1200" dirty="0" err="1"/>
+              <a:t>Ref_zero</a:t>
+            </a:r>
+            <a:r>
+              <a:rPr lang="en-US" sz="1200" dirty="0"/>
+              <a:t> (back to the center of the screen)</a:t>
+            </a:r>
+          </a:p>
+        </p:txBody>
+      </p:sp>
+      <p:sp>
+        <p:nvSpPr>
+          <p:cNvPr id="165" name="Left Brace 164">
+            <a:extLst>
+              <a:ext uri="{FF2B5EF4-FFF2-40B4-BE49-F238E27FC236}">
+                <a16:creationId xmlns:a16="http://schemas.microsoft.com/office/drawing/2014/main" id="{76521FD8-9457-46EE-81C5-80D89F8A990C}"/>
+              </a:ext>
+            </a:extLst>
+          </p:cNvPr>
+          <p:cNvSpPr/>
+          <p:nvPr/>
+        </p:nvSpPr>
+        <p:spPr>
+          <a:xfrm>
+            <a:off x="487138" y="10747042"/>
+            <a:ext cx="207981" cy="830997"/>
+          </a:xfrm>
+          <a:prstGeom prst="leftBrace">
+            <a:avLst/>
+          </a:prstGeom>
+        </p:spPr>
+        <p:style>
+          <a:lnRef idx="1">
+            <a:schemeClr val="accent1"/>
+          </a:lnRef>
+          <a:fillRef idx="0">
+            <a:schemeClr val="accent1"/>
+          </a:fillRef>
+          <a:effectRef idx="0">
+            <a:schemeClr val="accent1"/>
+          </a:effectRef>
+          <a:fontRef idx="minor">
+            <a:schemeClr val="tx1"/>
+          </a:fontRef>
+        </p:style>
+        <p:txBody>
+          <a:bodyPr rtlCol="0" anchor="ctr"/>
+          <a:lstStyle/>
+          <a:p>
+            <a:pPr algn="ctr"/>
+            <a:endParaRPr lang="en-US"/>
+          </a:p>
+        </p:txBody>
+      </p:sp>
+      <p:cxnSp>
+        <p:nvCxnSpPr>
+          <p:cNvPr id="167" name="Connector: Elbow 166">
+            <a:extLst>
+              <a:ext uri="{FF2B5EF4-FFF2-40B4-BE49-F238E27FC236}">
+                <a16:creationId xmlns:a16="http://schemas.microsoft.com/office/drawing/2014/main" id="{60CBB2E2-3586-4CDD-A3B4-E9E89D49B432}"/>
+              </a:ext>
+            </a:extLst>
+          </p:cNvPr>
+          <p:cNvCxnSpPr>
+            <a:cxnSpLocks/>
+            <a:stCxn id="24" idx="2"/>
+            <a:endCxn id="165" idx="1"/>
+          </p:cNvCxnSpPr>
+          <p:nvPr/>
+        </p:nvCxnSpPr>
+        <p:spPr>
+          <a:xfrm rot="5400000">
+            <a:off x="4604824" y="4884154"/>
+            <a:ext cx="2160702" cy="10396073"/>
+          </a:xfrm>
+          <a:prstGeom prst="bentConnector4">
+            <a:avLst>
+              <a:gd name="adj1" fmla="val 74097"/>
+              <a:gd name="adj2" fmla="val 102199"/>
+            </a:avLst>
+          </a:prstGeom>
+          <a:ln>
+            <a:tailEnd type="triangle"/>
+          </a:ln>
+        </p:spPr>
+        <p:style>
+          <a:lnRef idx="1">
+            <a:schemeClr val="accent1"/>
+          </a:lnRef>
+          <a:fillRef idx="0">
+            <a:schemeClr val="accent1"/>
+          </a:fillRef>
+          <a:effectRef idx="0">
+            <a:schemeClr val="accent1"/>
+          </a:effectRef>
+          <a:fontRef idx="minor">
+            <a:schemeClr val="tx1"/>
+          </a:fontRef>
+        </p:style>
+      </p:cxnSp>
+      <p:sp>
+        <p:nvSpPr>
+          <p:cNvPr id="170" name="TextBox 169">
+            <a:extLst>
+              <a:ext uri="{FF2B5EF4-FFF2-40B4-BE49-F238E27FC236}">
+                <a16:creationId xmlns:a16="http://schemas.microsoft.com/office/drawing/2014/main" id="{5C53EB9C-8785-4390-B501-1EDE7095391C}"/>
+              </a:ext>
+            </a:extLst>
+          </p:cNvPr>
+          <p:cNvSpPr txBox="1"/>
+          <p:nvPr/>
+        </p:nvSpPr>
+        <p:spPr>
+          <a:xfrm>
+            <a:off x="5349303" y="10716047"/>
+            <a:ext cx="3063339" cy="461665"/>
+          </a:xfrm>
+          <a:prstGeom prst="rect">
+            <a:avLst/>
+          </a:prstGeom>
+          <a:noFill/>
+        </p:spPr>
+        <p:txBody>
+          <a:bodyPr wrap="none" rtlCol="0">
+            <a:spAutoFit/>
+          </a:bodyPr>
+          <a:lstStyle/>
+          <a:p>
+            <a:r>
+              <a:rPr lang="en-US" sz="1200" b="1" dirty="0"/>
+              <a:t>WIDGET NORTH  </a:t>
+            </a:r>
+            <a:r>
+              <a:rPr lang="en-US" sz="1200" dirty="0"/>
+              <a:t>on mouse event DoubleClick</a:t>
+            </a:r>
+          </a:p>
+          <a:p>
+            <a:r>
+              <a:rPr lang="en-US" sz="1200" dirty="0"/>
+              <a:t>	starts the </a:t>
+            </a:r>
+            <a:r>
+              <a:rPr lang="en-US" sz="1200" dirty="0" err="1"/>
+              <a:t>processus</a:t>
+            </a:r>
+            <a:endParaRPr lang="en-US" sz="1200" dirty="0"/>
+          </a:p>
+        </p:txBody>
+      </p:sp>
+      <p:cxnSp>
+        <p:nvCxnSpPr>
+          <p:cNvPr id="172" name="Connector: Elbow 171">
+            <a:extLst>
+              <a:ext uri="{FF2B5EF4-FFF2-40B4-BE49-F238E27FC236}">
+                <a16:creationId xmlns:a16="http://schemas.microsoft.com/office/drawing/2014/main" id="{CC502123-905F-462F-8E9B-0470E06F08DE}"/>
+              </a:ext>
+            </a:extLst>
+          </p:cNvPr>
+          <p:cNvCxnSpPr>
+            <a:stCxn id="163" idx="3"/>
+            <a:endCxn id="170" idx="1"/>
+          </p:cNvCxnSpPr>
+          <p:nvPr/>
+        </p:nvCxnSpPr>
+        <p:spPr>
+          <a:xfrm flipV="1">
+            <a:off x="3794101" y="10946880"/>
+            <a:ext cx="1555202" cy="830998"/>
+          </a:xfrm>
+          <a:prstGeom prst="bentConnector3">
+            <a:avLst>
+              <a:gd name="adj1" fmla="val 79896"/>
+            </a:avLst>
+          </a:prstGeom>
+          <a:ln>
+            <a:tailEnd type="triangle"/>
+          </a:ln>
+        </p:spPr>
+        <p:style>
+          <a:lnRef idx="1">
+            <a:schemeClr val="accent1"/>
+          </a:lnRef>
+          <a:fillRef idx="0">
+            <a:schemeClr val="accent1"/>
+          </a:fillRef>
+          <a:effectRef idx="0">
+            <a:schemeClr val="accent1"/>
+          </a:effectRef>
+          <a:fontRef idx="minor">
+            <a:schemeClr val="tx1"/>
+          </a:fontRef>
+        </p:style>
+      </p:cxnSp>
+      <p:sp>
+        <p:nvSpPr>
+          <p:cNvPr id="174" name="TextBox 173">
+            <a:extLst>
+              <a:ext uri="{FF2B5EF4-FFF2-40B4-BE49-F238E27FC236}">
+                <a16:creationId xmlns:a16="http://schemas.microsoft.com/office/drawing/2014/main" id="{337F2171-5264-44F6-9481-568A9D49C9E9}"/>
+              </a:ext>
+            </a:extLst>
+          </p:cNvPr>
+          <p:cNvSpPr txBox="1"/>
+          <p:nvPr/>
+        </p:nvSpPr>
+        <p:spPr>
+          <a:xfrm>
+            <a:off x="6254449" y="11353578"/>
+            <a:ext cx="4999671" cy="1200329"/>
+          </a:xfrm>
+          <a:prstGeom prst="rect">
+            <a:avLst/>
+          </a:prstGeom>
+          <a:noFill/>
+        </p:spPr>
+        <p:txBody>
+          <a:bodyPr wrap="square" rtlCol="0">
+            <a:spAutoFit/>
+          </a:bodyPr>
+          <a:lstStyle/>
+          <a:p>
+            <a:r>
+              <a:rPr lang="en-US" sz="1200" b="1" dirty="0"/>
+              <a:t>Routine Main(MAP_NAME.CANVAS)	</a:t>
+            </a:r>
+          </a:p>
+          <a:p>
+            <a:r>
+              <a:rPr lang="en-US" sz="1200" dirty="0"/>
+              <a:t>	While (not WIDGET NORTH  on mouse event DoubleClick)</a:t>
+            </a:r>
+          </a:p>
+          <a:p>
+            <a:r>
+              <a:rPr lang="en-US" sz="1200" dirty="0"/>
+              <a:t>		Calls </a:t>
+            </a:r>
+            <a:r>
+              <a:rPr lang="en-US" sz="1200" dirty="0" err="1"/>
+              <a:t>My_Current_Position</a:t>
+            </a:r>
+            <a:endParaRPr lang="en-US" sz="1200" dirty="0"/>
+          </a:p>
+          <a:p>
+            <a:r>
+              <a:rPr lang="en-US" sz="1200" dirty="0"/>
+              <a:t>		Calls </a:t>
+            </a:r>
+            <a:r>
+              <a:rPr lang="en-US" sz="1200" dirty="0" err="1"/>
+              <a:t>My_Current_North</a:t>
+            </a:r>
+            <a:endParaRPr lang="en-US" sz="1200" dirty="0"/>
+          </a:p>
+          <a:p>
+            <a:r>
+              <a:rPr lang="en-US" sz="1200" dirty="0"/>
+              <a:t>		Calls </a:t>
+            </a:r>
+            <a:r>
+              <a:rPr lang="en-US" sz="1200" dirty="0" err="1"/>
+              <a:t>Plot_Current_Position</a:t>
+            </a:r>
+            <a:r>
+              <a:rPr lang="en-US" sz="1200" dirty="0"/>
+              <a:t> (Sum(</a:t>
+            </a:r>
+            <a:r>
+              <a:rPr lang="en-US" sz="1200" dirty="0" err="1"/>
+              <a:t>Zoom_i</a:t>
+            </a:r>
+            <a:r>
+              <a:rPr lang="en-US" sz="1200" dirty="0"/>
+              <a:t>(</a:t>
+            </a:r>
+            <a:r>
+              <a:rPr lang="en-US" sz="1200" dirty="0" err="1"/>
+              <a:t>Moves_i</a:t>
+            </a:r>
+            <a:r>
+              <a:rPr lang="en-US" sz="1200" dirty="0"/>
+              <a:t>))</a:t>
+            </a:r>
+          </a:p>
+          <a:p>
+            <a:r>
+              <a:rPr lang="en-US" sz="1200" dirty="0"/>
+              <a:t>		Calls </a:t>
+            </a:r>
+            <a:r>
+              <a:rPr lang="en-US" sz="1200" dirty="0" err="1"/>
+              <a:t>Plot_Track</a:t>
+            </a:r>
+            <a:endParaRPr lang="en-US" sz="1200" dirty="0"/>
+          </a:p>
+        </p:txBody>
+      </p:sp>
+      <p:sp>
+        <p:nvSpPr>
+          <p:cNvPr id="184" name="Freeform: Shape 183">
+            <a:extLst>
+              <a:ext uri="{FF2B5EF4-FFF2-40B4-BE49-F238E27FC236}">
+                <a16:creationId xmlns:a16="http://schemas.microsoft.com/office/drawing/2014/main" id="{6D988E15-BEBF-410B-8818-E5537BDAAFB4}"/>
+              </a:ext>
+            </a:extLst>
+          </p:cNvPr>
+          <p:cNvSpPr/>
+          <p:nvPr/>
+        </p:nvSpPr>
+        <p:spPr>
+          <a:xfrm>
+            <a:off x="5730820" y="11034793"/>
+            <a:ext cx="3132918" cy="1134175"/>
+          </a:xfrm>
+          <a:custGeom>
+            <a:avLst/>
+            <a:gdLst>
+              <a:gd name="connsiteX0" fmla="*/ 2774197 w 3967566"/>
+              <a:gd name="connsiteY0" fmla="*/ 30996 h 1177871"/>
+              <a:gd name="connsiteX1" fmla="*/ 3952068 w 3967566"/>
+              <a:gd name="connsiteY1" fmla="*/ 0 h 1177871"/>
+              <a:gd name="connsiteX2" fmla="*/ 3967566 w 3967566"/>
+              <a:gd name="connsiteY2" fmla="*/ 309966 h 1177871"/>
+              <a:gd name="connsiteX3" fmla="*/ 0 w 3967566"/>
+              <a:gd name="connsiteY3" fmla="*/ 340962 h 1177871"/>
+              <a:gd name="connsiteX4" fmla="*/ 46495 w 3967566"/>
+              <a:gd name="connsiteY4" fmla="*/ 1177871 h 1177871"/>
+              <a:gd name="connsiteX5" fmla="*/ 526943 w 3967566"/>
+              <a:gd name="connsiteY5" fmla="*/ 1162372 h 1177871"/>
+              <a:gd name="connsiteX0" fmla="*/ 2791202 w 3984571"/>
+              <a:gd name="connsiteY0" fmla="*/ 30996 h 1165171"/>
+              <a:gd name="connsiteX1" fmla="*/ 3969073 w 3984571"/>
+              <a:gd name="connsiteY1" fmla="*/ 0 h 1165171"/>
+              <a:gd name="connsiteX2" fmla="*/ 3984571 w 3984571"/>
+              <a:gd name="connsiteY2" fmla="*/ 309966 h 1165171"/>
+              <a:gd name="connsiteX3" fmla="*/ 17005 w 3984571"/>
+              <a:gd name="connsiteY3" fmla="*/ 340962 h 1165171"/>
+              <a:gd name="connsiteX4" fmla="*/ 0 w 3984571"/>
+              <a:gd name="connsiteY4" fmla="*/ 1165171 h 1165171"/>
+              <a:gd name="connsiteX5" fmla="*/ 543948 w 3984571"/>
+              <a:gd name="connsiteY5" fmla="*/ 1162372 h 1165171"/>
+              <a:gd name="connsiteX0" fmla="*/ 2799597 w 3992966"/>
+              <a:gd name="connsiteY0" fmla="*/ 30996 h 1165171"/>
+              <a:gd name="connsiteX1" fmla="*/ 3977468 w 3992966"/>
+              <a:gd name="connsiteY1" fmla="*/ 0 h 1165171"/>
+              <a:gd name="connsiteX2" fmla="*/ 3992966 w 3992966"/>
+              <a:gd name="connsiteY2" fmla="*/ 309966 h 1165171"/>
+              <a:gd name="connsiteX3" fmla="*/ 0 w 3992966"/>
+              <a:gd name="connsiteY3" fmla="*/ 340962 h 1165171"/>
+              <a:gd name="connsiteX4" fmla="*/ 8395 w 3992966"/>
+              <a:gd name="connsiteY4" fmla="*/ 1165171 h 1165171"/>
+              <a:gd name="connsiteX5" fmla="*/ 552343 w 3992966"/>
+              <a:gd name="connsiteY5" fmla="*/ 1162372 h 1165171"/>
+              <a:gd name="connsiteX0" fmla="*/ 2793247 w 3986616"/>
+              <a:gd name="connsiteY0" fmla="*/ 30996 h 1165171"/>
+              <a:gd name="connsiteX1" fmla="*/ 3971118 w 3986616"/>
+              <a:gd name="connsiteY1" fmla="*/ 0 h 1165171"/>
+              <a:gd name="connsiteX2" fmla="*/ 3986616 w 3986616"/>
+              <a:gd name="connsiteY2" fmla="*/ 309966 h 1165171"/>
+              <a:gd name="connsiteX3" fmla="*/ 0 w 3986616"/>
+              <a:gd name="connsiteY3" fmla="*/ 252062 h 1165171"/>
+              <a:gd name="connsiteX4" fmla="*/ 2045 w 3986616"/>
+              <a:gd name="connsiteY4" fmla="*/ 1165171 h 1165171"/>
+              <a:gd name="connsiteX5" fmla="*/ 545993 w 3986616"/>
+              <a:gd name="connsiteY5" fmla="*/ 1162372 h 1165171"/>
+              <a:gd name="connsiteX0" fmla="*/ 2793247 w 3971118"/>
+              <a:gd name="connsiteY0" fmla="*/ 30996 h 1165171"/>
+              <a:gd name="connsiteX1" fmla="*/ 3971118 w 3971118"/>
+              <a:gd name="connsiteY1" fmla="*/ 0 h 1165171"/>
+              <a:gd name="connsiteX2" fmla="*/ 3123016 w 3971118"/>
+              <a:gd name="connsiteY2" fmla="*/ 246466 h 1165171"/>
+              <a:gd name="connsiteX3" fmla="*/ 0 w 3971118"/>
+              <a:gd name="connsiteY3" fmla="*/ 252062 h 1165171"/>
+              <a:gd name="connsiteX4" fmla="*/ 2045 w 3971118"/>
+              <a:gd name="connsiteY4" fmla="*/ 1165171 h 1165171"/>
+              <a:gd name="connsiteX5" fmla="*/ 545993 w 3971118"/>
+              <a:gd name="connsiteY5" fmla="*/ 1162372 h 1165171"/>
+              <a:gd name="connsiteX0" fmla="*/ 2793247 w 3164668"/>
+              <a:gd name="connsiteY0" fmla="*/ 0 h 1134175"/>
+              <a:gd name="connsiteX1" fmla="*/ 3164668 w 3164668"/>
+              <a:gd name="connsiteY1" fmla="*/ 754 h 1134175"/>
+              <a:gd name="connsiteX2" fmla="*/ 3123016 w 3164668"/>
+              <a:gd name="connsiteY2" fmla="*/ 215470 h 1134175"/>
+              <a:gd name="connsiteX3" fmla="*/ 0 w 3164668"/>
+              <a:gd name="connsiteY3" fmla="*/ 221066 h 1134175"/>
+              <a:gd name="connsiteX4" fmla="*/ 2045 w 3164668"/>
+              <a:gd name="connsiteY4" fmla="*/ 1134175 h 1134175"/>
+              <a:gd name="connsiteX5" fmla="*/ 545993 w 3164668"/>
+              <a:gd name="connsiteY5" fmla="*/ 1131376 h 1134175"/>
+              <a:gd name="connsiteX0" fmla="*/ 2793247 w 3139268"/>
+              <a:gd name="connsiteY0" fmla="*/ 0 h 1134175"/>
+              <a:gd name="connsiteX1" fmla="*/ 3139268 w 3139268"/>
+              <a:gd name="connsiteY1" fmla="*/ 754 h 1134175"/>
+              <a:gd name="connsiteX2" fmla="*/ 3123016 w 3139268"/>
+              <a:gd name="connsiteY2" fmla="*/ 215470 h 1134175"/>
+              <a:gd name="connsiteX3" fmla="*/ 0 w 3139268"/>
+              <a:gd name="connsiteY3" fmla="*/ 221066 h 1134175"/>
+              <a:gd name="connsiteX4" fmla="*/ 2045 w 3139268"/>
+              <a:gd name="connsiteY4" fmla="*/ 1134175 h 1134175"/>
+              <a:gd name="connsiteX5" fmla="*/ 545993 w 3139268"/>
+              <a:gd name="connsiteY5" fmla="*/ 1131376 h 1134175"/>
+              <a:gd name="connsiteX0" fmla="*/ 2793247 w 3132918"/>
+              <a:gd name="connsiteY0" fmla="*/ 0 h 1134175"/>
+              <a:gd name="connsiteX1" fmla="*/ 3132918 w 3132918"/>
+              <a:gd name="connsiteY1" fmla="*/ 754 h 1134175"/>
+              <a:gd name="connsiteX2" fmla="*/ 3123016 w 3132918"/>
+              <a:gd name="connsiteY2" fmla="*/ 215470 h 1134175"/>
+              <a:gd name="connsiteX3" fmla="*/ 0 w 3132918"/>
+              <a:gd name="connsiteY3" fmla="*/ 221066 h 1134175"/>
+              <a:gd name="connsiteX4" fmla="*/ 2045 w 3132918"/>
+              <a:gd name="connsiteY4" fmla="*/ 1134175 h 1134175"/>
+              <a:gd name="connsiteX5" fmla="*/ 545993 w 3132918"/>
+              <a:gd name="connsiteY5" fmla="*/ 1131376 h 1134175"/>
+            </a:gdLst>
+            <a:ahLst/>
+            <a:cxnLst>
+              <a:cxn ang="0">
+                <a:pos x="connsiteX0" y="connsiteY0"/>
+              </a:cxn>
+              <a:cxn ang="0">
+                <a:pos x="connsiteX1" y="connsiteY1"/>
+              </a:cxn>
+              <a:cxn ang="0">
+                <a:pos x="connsiteX2" y="connsiteY2"/>
+              </a:cxn>
+              <a:cxn ang="0">
+                <a:pos x="connsiteX3" y="connsiteY3"/>
+              </a:cxn>
+              <a:cxn ang="0">
+                <a:pos x="connsiteX4" y="connsiteY4"/>
+              </a:cxn>
+              <a:cxn ang="0">
+                <a:pos x="connsiteX5" y="connsiteY5"/>
+              </a:cxn>
+            </a:cxnLst>
+            <a:rect l="l" t="t" r="r" b="b"/>
+            <a:pathLst>
+              <a:path w="3132918" h="1134175">
+                <a:moveTo>
+                  <a:pt x="2793247" y="0"/>
+                </a:moveTo>
+                <a:lnTo>
+                  <a:pt x="3132918" y="754"/>
+                </a:lnTo>
+                <a:lnTo>
+                  <a:pt x="3123016" y="215470"/>
+                </a:lnTo>
+                <a:lnTo>
+                  <a:pt x="0" y="221066"/>
+                </a:lnTo>
+                <a:cubicBezTo>
+                  <a:pt x="2798" y="495802"/>
+                  <a:pt x="-753" y="859439"/>
+                  <a:pt x="2045" y="1134175"/>
+                </a:cubicBezTo>
+                <a:lnTo>
+                  <a:pt x="545993" y="1131376"/>
+                </a:lnTo>
+              </a:path>
+            </a:pathLst>
+          </a:custGeom>
+          <a:ln>
+            <a:tailEnd type="triangle"/>
+          </a:ln>
+        </p:spPr>
+        <p:style>
+          <a:lnRef idx="1">
+            <a:schemeClr val="accent1"/>
+          </a:lnRef>
+          <a:fillRef idx="0">
+            <a:schemeClr val="accent1"/>
+          </a:fillRef>
+          <a:effectRef idx="0">
+            <a:schemeClr val="accent1"/>
+          </a:effectRef>
+          <a:fontRef idx="minor">
+            <a:schemeClr val="tx1"/>
+          </a:fontRef>
+        </p:style>
+        <p:txBody>
+          <a:bodyPr rtlCol="0" anchor="ctr"/>
+          <a:lstStyle/>
+          <a:p>
+            <a:pPr algn="ctr"/>
+            <a:endParaRPr lang="en-US" dirty="0"/>
+          </a:p>
+        </p:txBody>
+      </p:sp>
+      <p:sp>
+        <p:nvSpPr>
+          <p:cNvPr id="4" name="TextBox 3">
+            <a:extLst>
+              <a:ext uri="{FF2B5EF4-FFF2-40B4-BE49-F238E27FC236}">
+                <a16:creationId xmlns:a16="http://schemas.microsoft.com/office/drawing/2014/main" id="{4D1B1834-23F6-4B33-9783-2E0E134993A4}"/>
+              </a:ext>
+            </a:extLst>
+          </p:cNvPr>
+          <p:cNvSpPr txBox="1"/>
+          <p:nvPr/>
+        </p:nvSpPr>
+        <p:spPr>
+          <a:xfrm>
+            <a:off x="443378" y="1915190"/>
+            <a:ext cx="3108543" cy="246221"/>
+          </a:xfrm>
+          <a:prstGeom prst="rect">
+            <a:avLst/>
+          </a:prstGeom>
+          <a:noFill/>
+        </p:spPr>
+        <p:txBody>
+          <a:bodyPr wrap="none" rtlCol="0">
+            <a:spAutoFit/>
+          </a:bodyPr>
+          <a:lstStyle/>
+          <a:p>
+            <a:r>
+              <a:rPr lang="en-US" sz="1000" i="1" dirty="0">
+                <a:solidFill>
+                  <a:srgbClr val="0000FF"/>
+                </a:solidFill>
+                <a:latin typeface="Courier New" panose="02070309020205020404" pitchFamily="49" charset="0"/>
+                <a:cs typeface="Courier New" panose="02070309020205020404" pitchFamily="49" charset="0"/>
+              </a:rPr>
+              <a:t>“union-plaza-ocad-4000-04-09-2021.png”</a:t>
+            </a:r>
+          </a:p>
+        </p:txBody>
+      </p:sp>
+      <p:sp>
+        <p:nvSpPr>
+          <p:cNvPr id="60" name="TextBox 59">
+            <a:extLst>
+              <a:ext uri="{FF2B5EF4-FFF2-40B4-BE49-F238E27FC236}">
+                <a16:creationId xmlns:a16="http://schemas.microsoft.com/office/drawing/2014/main" id="{4F30507F-7027-49A9-8A90-F1749A53602A}"/>
+              </a:ext>
+            </a:extLst>
+          </p:cNvPr>
+          <p:cNvSpPr txBox="1"/>
+          <p:nvPr/>
+        </p:nvSpPr>
+        <p:spPr>
+          <a:xfrm>
+            <a:off x="4698877" y="2651878"/>
+            <a:ext cx="3031599" cy="1015663"/>
+          </a:xfrm>
+          <a:prstGeom prst="rect">
+            <a:avLst/>
+          </a:prstGeom>
+          <a:noFill/>
+        </p:spPr>
+        <p:txBody>
+          <a:bodyPr wrap="none" rtlCol="0">
+            <a:spAutoFit/>
+          </a:bodyPr>
+          <a:lstStyle/>
+          <a:p>
+            <a:r>
+              <a:rPr lang="en-US" sz="1000" i="1" dirty="0">
+                <a:solidFill>
+                  <a:srgbClr val="0000FF"/>
+                </a:solidFill>
+                <a:latin typeface="Courier New" panose="02070309020205020404" pitchFamily="49" charset="0"/>
+                <a:cs typeface="Courier New" panose="02070309020205020404" pitchFamily="49" charset="0"/>
+              </a:rPr>
+              <a:t>40.81147001400959, -96.68791604213915</a:t>
+            </a:r>
+          </a:p>
+          <a:p>
+            <a:r>
+              <a:rPr lang="en-US" sz="1000" i="1" dirty="0">
+                <a:solidFill>
+                  <a:srgbClr val="0000FF"/>
+                </a:solidFill>
+                <a:latin typeface="Courier New" panose="02070309020205020404" pitchFamily="49" charset="0"/>
+                <a:cs typeface="Courier New" panose="02070309020205020404" pitchFamily="49" charset="0"/>
+              </a:rPr>
+              <a:t>40.81908575866586, -96.69120127972548</a:t>
+            </a:r>
+          </a:p>
+          <a:p>
+            <a:r>
+              <a:rPr lang="en-US" sz="1000" i="1" dirty="0">
+                <a:solidFill>
+                  <a:srgbClr val="0000FF"/>
+                </a:solidFill>
+                <a:latin typeface="Courier New" panose="02070309020205020404" pitchFamily="49" charset="0"/>
+                <a:cs typeface="Courier New" panose="02070309020205020404" pitchFamily="49" charset="0"/>
+              </a:rPr>
+              <a:t>890.73</a:t>
+            </a:r>
+          </a:p>
+          <a:p>
+            <a:r>
+              <a:rPr lang="en-US" sz="1000" i="1" dirty="0">
+                <a:solidFill>
+                  <a:srgbClr val="0000FF"/>
+                </a:solidFill>
+                <a:latin typeface="Courier New" panose="02070309020205020404" pitchFamily="49" charset="0"/>
+                <a:cs typeface="Courier New" panose="02070309020205020404" pitchFamily="49" charset="0"/>
+              </a:rPr>
+              <a:t>4000</a:t>
+            </a:r>
+          </a:p>
+          <a:p>
+            <a:r>
+              <a:rPr lang="en-US" sz="1000" i="1" dirty="0">
+                <a:solidFill>
+                  <a:srgbClr val="0000FF"/>
+                </a:solidFill>
+                <a:latin typeface="Courier New" panose="02070309020205020404" pitchFamily="49" charset="0"/>
+                <a:cs typeface="Courier New" panose="02070309020205020404" pitchFamily="49" charset="0"/>
+              </a:rPr>
+              <a:t>4</a:t>
+            </a:r>
+          </a:p>
+          <a:p>
+            <a:r>
+              <a:rPr lang="en-US" sz="1000" i="1" dirty="0">
+                <a:solidFill>
+                  <a:srgbClr val="0000FF"/>
+                </a:solidFill>
+                <a:latin typeface="Courier New" panose="02070309020205020404" pitchFamily="49" charset="0"/>
+                <a:cs typeface="Courier New" panose="02070309020205020404" pitchFamily="49" charset="0"/>
+              </a:rPr>
+              <a:t>P</a:t>
+            </a:r>
+          </a:p>
+        </p:txBody>
+      </p:sp>
+      <p:sp>
+        <p:nvSpPr>
+          <p:cNvPr id="61" name="TextBox 60">
+            <a:extLst>
+              <a:ext uri="{FF2B5EF4-FFF2-40B4-BE49-F238E27FC236}">
+                <a16:creationId xmlns:a16="http://schemas.microsoft.com/office/drawing/2014/main" id="{43E8B429-0F5D-4F83-94B6-A55F57A2A4EC}"/>
+              </a:ext>
+            </a:extLst>
+          </p:cNvPr>
+          <p:cNvSpPr txBox="1"/>
+          <p:nvPr/>
+        </p:nvSpPr>
+        <p:spPr>
+          <a:xfrm>
+            <a:off x="467779" y="2506737"/>
+            <a:ext cx="3108543" cy="246221"/>
+          </a:xfrm>
+          <a:prstGeom prst="rect">
+            <a:avLst/>
+          </a:prstGeom>
+          <a:noFill/>
+        </p:spPr>
+        <p:txBody>
+          <a:bodyPr wrap="none" rtlCol="0">
+            <a:spAutoFit/>
+          </a:bodyPr>
+          <a:lstStyle/>
+          <a:p>
+            <a:r>
+              <a:rPr lang="en-US" sz="1000" i="1" dirty="0">
+                <a:solidFill>
+                  <a:srgbClr val="0000FF"/>
+                </a:solidFill>
+                <a:latin typeface="Courier New" panose="02070309020205020404" pitchFamily="49" charset="0"/>
+                <a:cs typeface="Courier New" panose="02070309020205020404" pitchFamily="49" charset="0"/>
+              </a:rPr>
+              <a:t>“union-plaza-ocad-4000-04-09-2021.png”</a:t>
+            </a:r>
+          </a:p>
+        </p:txBody>
+      </p:sp>
+      <p:sp>
+        <p:nvSpPr>
+          <p:cNvPr id="68" name="TextBox 67">
+            <a:extLst>
+              <a:ext uri="{FF2B5EF4-FFF2-40B4-BE49-F238E27FC236}">
+                <a16:creationId xmlns:a16="http://schemas.microsoft.com/office/drawing/2014/main" id="{699E69B5-0B9A-4EFE-8DC9-3657A35992E0}"/>
+              </a:ext>
+            </a:extLst>
+          </p:cNvPr>
+          <p:cNvSpPr txBox="1"/>
+          <p:nvPr/>
+        </p:nvSpPr>
+        <p:spPr>
+          <a:xfrm>
+            <a:off x="2172914" y="973943"/>
+            <a:ext cx="1646605" cy="707886"/>
+          </a:xfrm>
+          <a:prstGeom prst="rect">
+            <a:avLst/>
+          </a:prstGeom>
+          <a:noFill/>
+        </p:spPr>
+        <p:txBody>
+          <a:bodyPr wrap="none" rtlCol="0">
+            <a:spAutoFit/>
+          </a:bodyPr>
+          <a:lstStyle/>
+          <a:p>
+            <a:r>
+              <a:rPr lang="en-US" sz="1000" i="1" dirty="0">
+                <a:solidFill>
+                  <a:srgbClr val="0000FF"/>
+                </a:solidFill>
+                <a:latin typeface="Courier New" panose="02070309020205020404" pitchFamily="49" charset="0"/>
+                <a:cs typeface="Courier New" panose="02070309020205020404" pitchFamily="49" charset="0"/>
+              </a:rPr>
+              <a:t>Default Window Size</a:t>
+            </a:r>
+          </a:p>
+          <a:p>
+            <a:r>
+              <a:rPr lang="en-US" sz="1000" i="1" dirty="0">
+                <a:solidFill>
+                  <a:srgbClr val="0000FF"/>
+                </a:solidFill>
+                <a:latin typeface="Courier New" panose="02070309020205020404" pitchFamily="49" charset="0"/>
+                <a:cs typeface="Courier New" panose="02070309020205020404" pitchFamily="49" charset="0"/>
+              </a:rPr>
+              <a:t>360 x 800   (px)</a:t>
+            </a:r>
+          </a:p>
+          <a:p>
+            <a:r>
+              <a:rPr lang="en-US" sz="1000" i="1" dirty="0" err="1">
+                <a:solidFill>
+                  <a:srgbClr val="0000FF"/>
+                </a:solidFill>
+                <a:latin typeface="Courier New" panose="02070309020205020404" pitchFamily="49" charset="0"/>
+                <a:cs typeface="Courier New" panose="02070309020205020404" pitchFamily="49" charset="0"/>
+              </a:rPr>
+              <a:t>HorPix_Screen</a:t>
+            </a:r>
+            <a:r>
+              <a:rPr lang="en-US" sz="1000" i="1" dirty="0">
+                <a:solidFill>
+                  <a:srgbClr val="0000FF"/>
+                </a:solidFill>
+                <a:latin typeface="Courier New" panose="02070309020205020404" pitchFamily="49" charset="0"/>
+                <a:cs typeface="Courier New" panose="02070309020205020404" pitchFamily="49" charset="0"/>
+              </a:rPr>
+              <a:t>=360</a:t>
+            </a:r>
+          </a:p>
+          <a:p>
+            <a:r>
+              <a:rPr lang="en-US" sz="1000" i="1" dirty="0" err="1">
+                <a:solidFill>
+                  <a:srgbClr val="0000FF"/>
+                </a:solidFill>
+                <a:latin typeface="Courier New" panose="02070309020205020404" pitchFamily="49" charset="0"/>
+                <a:cs typeface="Courier New" panose="02070309020205020404" pitchFamily="49" charset="0"/>
+              </a:rPr>
+              <a:t>VerPix_Screen</a:t>
+            </a:r>
+            <a:r>
+              <a:rPr lang="en-US" sz="1000" i="1" dirty="0">
+                <a:solidFill>
+                  <a:srgbClr val="0000FF"/>
+                </a:solidFill>
+                <a:latin typeface="Courier New" panose="02070309020205020404" pitchFamily="49" charset="0"/>
+                <a:cs typeface="Courier New" panose="02070309020205020404" pitchFamily="49" charset="0"/>
+              </a:rPr>
+              <a:t>=800</a:t>
+            </a:r>
+          </a:p>
+        </p:txBody>
+      </p:sp>
+      <p:sp>
+        <p:nvSpPr>
+          <p:cNvPr id="71" name="TextBox 70">
+            <a:extLst>
+              <a:ext uri="{FF2B5EF4-FFF2-40B4-BE49-F238E27FC236}">
+                <a16:creationId xmlns:a16="http://schemas.microsoft.com/office/drawing/2014/main" id="{2B36AB3C-BF88-4224-A56D-272C32F33161}"/>
+              </a:ext>
+            </a:extLst>
+          </p:cNvPr>
+          <p:cNvSpPr txBox="1"/>
+          <p:nvPr/>
+        </p:nvSpPr>
+        <p:spPr>
+          <a:xfrm>
+            <a:off x="294083" y="8122146"/>
+            <a:ext cx="2031325" cy="1015663"/>
+          </a:xfrm>
+          <a:prstGeom prst="rect">
+            <a:avLst/>
+          </a:prstGeom>
+          <a:noFill/>
+        </p:spPr>
+        <p:txBody>
+          <a:bodyPr wrap="none" rtlCol="0">
+            <a:spAutoFit/>
+          </a:bodyPr>
+          <a:lstStyle/>
+          <a:p>
+            <a:r>
+              <a:rPr lang="en-US" sz="1000" i="1" dirty="0" err="1">
+                <a:solidFill>
+                  <a:srgbClr val="0000FF"/>
+                </a:solidFill>
+                <a:latin typeface="Courier New" panose="02070309020205020404" pitchFamily="49" charset="0"/>
+                <a:cs typeface="Courier New" panose="02070309020205020404" pitchFamily="49" charset="0"/>
+              </a:rPr>
+              <a:t>X_Moves</a:t>
+            </a:r>
+            <a:r>
+              <a:rPr lang="en-US" sz="1000" i="1" dirty="0">
+                <a:solidFill>
+                  <a:srgbClr val="0000FF"/>
+                </a:solidFill>
+                <a:latin typeface="Courier New" panose="02070309020205020404" pitchFamily="49" charset="0"/>
+                <a:cs typeface="Courier New" panose="02070309020205020404" pitchFamily="49" charset="0"/>
+              </a:rPr>
+              <a:t> = -63.84</a:t>
+            </a:r>
+          </a:p>
+          <a:p>
+            <a:r>
+              <a:rPr lang="en-US" sz="1000" i="1" dirty="0" err="1">
+                <a:solidFill>
+                  <a:srgbClr val="0000FF"/>
+                </a:solidFill>
+                <a:latin typeface="Courier New" panose="02070309020205020404" pitchFamily="49" charset="0"/>
+                <a:cs typeface="Courier New" panose="02070309020205020404" pitchFamily="49" charset="0"/>
+              </a:rPr>
+              <a:t>Y_Moves</a:t>
+            </a:r>
+            <a:r>
+              <a:rPr lang="en-US" sz="1000" i="1" dirty="0">
+                <a:solidFill>
+                  <a:srgbClr val="0000FF"/>
+                </a:solidFill>
+                <a:latin typeface="Courier New" panose="02070309020205020404" pitchFamily="49" charset="0"/>
+                <a:cs typeface="Courier New" panose="02070309020205020404" pitchFamily="49" charset="0"/>
+              </a:rPr>
+              <a:t> = -336.144</a:t>
+            </a:r>
+          </a:p>
+          <a:p>
+            <a:r>
+              <a:rPr lang="en-US" sz="1000" i="1" dirty="0">
+                <a:solidFill>
+                  <a:srgbClr val="0000FF"/>
+                </a:solidFill>
+                <a:latin typeface="Courier New" panose="02070309020205020404" pitchFamily="49" charset="0"/>
+                <a:cs typeface="Courier New" panose="02070309020205020404" pitchFamily="49" charset="0"/>
+              </a:rPr>
+              <a:t>X0= 63.84 = -</a:t>
+            </a:r>
+            <a:r>
+              <a:rPr lang="en-US" sz="1000" i="1" dirty="0" err="1">
+                <a:solidFill>
+                  <a:srgbClr val="0000FF"/>
+                </a:solidFill>
+                <a:latin typeface="Courier New" panose="02070309020205020404" pitchFamily="49" charset="0"/>
+                <a:cs typeface="Courier New" panose="02070309020205020404" pitchFamily="49" charset="0"/>
+              </a:rPr>
+              <a:t>X_Moves</a:t>
+            </a:r>
+            <a:r>
+              <a:rPr lang="en-US" sz="1000" i="1" dirty="0">
+                <a:solidFill>
+                  <a:srgbClr val="0000FF"/>
+                </a:solidFill>
+                <a:latin typeface="Courier New" panose="02070309020205020404" pitchFamily="49" charset="0"/>
+                <a:cs typeface="Courier New" panose="02070309020205020404" pitchFamily="49" charset="0"/>
+              </a:rPr>
+              <a:t> </a:t>
+            </a:r>
+          </a:p>
+          <a:p>
+            <a:r>
+              <a:rPr lang="en-US" sz="1000" i="1" dirty="0">
+                <a:solidFill>
+                  <a:srgbClr val="0000FF"/>
+                </a:solidFill>
+                <a:latin typeface="Courier New" panose="02070309020205020404" pitchFamily="49" charset="0"/>
+                <a:cs typeface="Courier New" panose="02070309020205020404" pitchFamily="49" charset="0"/>
+              </a:rPr>
+              <a:t>Y0 = 336.144 = -</a:t>
+            </a:r>
+            <a:r>
+              <a:rPr lang="en-US" sz="1000" i="1" dirty="0" err="1">
+                <a:solidFill>
+                  <a:srgbClr val="0000FF"/>
+                </a:solidFill>
+                <a:latin typeface="Courier New" panose="02070309020205020404" pitchFamily="49" charset="0"/>
+                <a:cs typeface="Courier New" panose="02070309020205020404" pitchFamily="49" charset="0"/>
+              </a:rPr>
+              <a:t>Y_Moves</a:t>
+            </a:r>
+            <a:endParaRPr lang="en-US" sz="1000" i="1" dirty="0">
+              <a:solidFill>
+                <a:srgbClr val="0000FF"/>
+              </a:solidFill>
+              <a:latin typeface="Courier New" panose="02070309020205020404" pitchFamily="49" charset="0"/>
+              <a:cs typeface="Courier New" panose="02070309020205020404" pitchFamily="49" charset="0"/>
+            </a:endParaRPr>
+          </a:p>
+          <a:p>
+            <a:r>
+              <a:rPr lang="en-US" sz="1000" i="1" dirty="0" err="1">
+                <a:solidFill>
+                  <a:srgbClr val="0000FF"/>
+                </a:solidFill>
+                <a:latin typeface="Courier New" panose="02070309020205020404" pitchFamily="49" charset="0"/>
+                <a:cs typeface="Courier New" panose="02070309020205020404" pitchFamily="49" charset="0"/>
+              </a:rPr>
+              <a:t>X_Moves</a:t>
+            </a:r>
+            <a:r>
+              <a:rPr lang="en-US" sz="1000" i="1" dirty="0">
+                <a:solidFill>
+                  <a:srgbClr val="0000FF"/>
+                </a:solidFill>
+                <a:latin typeface="Courier New" panose="02070309020205020404" pitchFamily="49" charset="0"/>
+                <a:cs typeface="Courier New" panose="02070309020205020404" pitchFamily="49" charset="0"/>
+              </a:rPr>
+              <a:t> = 0</a:t>
+            </a:r>
+          </a:p>
+          <a:p>
+            <a:r>
+              <a:rPr lang="en-US" sz="1000" i="1" dirty="0" err="1">
+                <a:solidFill>
+                  <a:srgbClr val="0000FF"/>
+                </a:solidFill>
+                <a:latin typeface="Courier New" panose="02070309020205020404" pitchFamily="49" charset="0"/>
+                <a:cs typeface="Courier New" panose="02070309020205020404" pitchFamily="49" charset="0"/>
+              </a:rPr>
+              <a:t>Y_Moves</a:t>
+            </a:r>
+            <a:r>
+              <a:rPr lang="en-US" sz="1000" i="1" dirty="0">
+                <a:solidFill>
+                  <a:srgbClr val="0000FF"/>
+                </a:solidFill>
+                <a:latin typeface="Courier New" panose="02070309020205020404" pitchFamily="49" charset="0"/>
+                <a:cs typeface="Courier New" panose="02070309020205020404" pitchFamily="49" charset="0"/>
+              </a:rPr>
+              <a:t> = 0</a:t>
+            </a:r>
+          </a:p>
+        </p:txBody>
+      </p:sp>
+      <p:sp>
+        <p:nvSpPr>
+          <p:cNvPr id="72" name="TextBox 71">
+            <a:extLst>
+              <a:ext uri="{FF2B5EF4-FFF2-40B4-BE49-F238E27FC236}">
+                <a16:creationId xmlns:a16="http://schemas.microsoft.com/office/drawing/2014/main" id="{7DD22BF9-1139-41A0-BCE0-9FC5576C3FB5}"/>
+              </a:ext>
+            </a:extLst>
+          </p:cNvPr>
+          <p:cNvSpPr txBox="1"/>
+          <p:nvPr/>
+        </p:nvSpPr>
+        <p:spPr>
+          <a:xfrm>
+            <a:off x="4455277" y="8075092"/>
+            <a:ext cx="1415772" cy="707886"/>
+          </a:xfrm>
+          <a:prstGeom prst="rect">
+            <a:avLst/>
+          </a:prstGeom>
+          <a:noFill/>
+        </p:spPr>
+        <p:txBody>
+          <a:bodyPr wrap="none" rtlCol="0">
+            <a:spAutoFit/>
+          </a:bodyPr>
+          <a:lstStyle/>
+          <a:p>
+            <a:r>
+              <a:rPr lang="en-US" sz="1000" i="1" dirty="0" err="1">
+                <a:solidFill>
+                  <a:srgbClr val="0000FF"/>
+                </a:solidFill>
+                <a:latin typeface="Courier New" panose="02070309020205020404" pitchFamily="49" charset="0"/>
+                <a:cs typeface="Courier New" panose="02070309020205020404" pitchFamily="49" charset="0"/>
+              </a:rPr>
+              <a:t>X_Moves</a:t>
+            </a:r>
+            <a:r>
+              <a:rPr lang="en-US" sz="1000" i="1" dirty="0">
+                <a:solidFill>
+                  <a:srgbClr val="0000FF"/>
+                </a:solidFill>
+                <a:latin typeface="Courier New" panose="02070309020205020404" pitchFamily="49" charset="0"/>
+                <a:cs typeface="Courier New" panose="02070309020205020404" pitchFamily="49" charset="0"/>
+              </a:rPr>
+              <a:t>= 251.616</a:t>
+            </a:r>
+          </a:p>
+          <a:p>
+            <a:r>
+              <a:rPr lang="en-US" sz="1000" i="1" dirty="0" err="1">
+                <a:solidFill>
+                  <a:srgbClr val="0000FF"/>
+                </a:solidFill>
+                <a:latin typeface="Courier New" panose="02070309020205020404" pitchFamily="49" charset="0"/>
+                <a:cs typeface="Courier New" panose="02070309020205020404" pitchFamily="49" charset="0"/>
+              </a:rPr>
+              <a:t>Y_Moves</a:t>
+            </a:r>
+            <a:r>
+              <a:rPr lang="en-US" sz="1000" i="1" dirty="0">
+                <a:solidFill>
+                  <a:srgbClr val="0000FF"/>
+                </a:solidFill>
+                <a:latin typeface="Courier New" panose="02070309020205020404" pitchFamily="49" charset="0"/>
+                <a:cs typeface="Courier New" panose="02070309020205020404" pitchFamily="49" charset="0"/>
+              </a:rPr>
+              <a:t>= 796.992</a:t>
+            </a:r>
+          </a:p>
+          <a:p>
+            <a:r>
+              <a:rPr lang="en-US" sz="1000" i="1" dirty="0">
+                <a:solidFill>
+                  <a:srgbClr val="0000FF"/>
+                </a:solidFill>
+                <a:latin typeface="Courier New" panose="02070309020205020404" pitchFamily="49" charset="0"/>
+                <a:cs typeface="Courier New" panose="02070309020205020404" pitchFamily="49" charset="0"/>
+              </a:rPr>
+              <a:t>X2= -187.776</a:t>
+            </a:r>
+          </a:p>
+          <a:p>
+            <a:r>
+              <a:rPr lang="en-US" sz="1000" i="1" dirty="0">
+                <a:solidFill>
+                  <a:srgbClr val="0000FF"/>
+                </a:solidFill>
+                <a:latin typeface="Courier New" panose="02070309020205020404" pitchFamily="49" charset="0"/>
+                <a:cs typeface="Courier New" panose="02070309020205020404" pitchFamily="49" charset="0"/>
+              </a:rPr>
+              <a:t>Y2= -460.848</a:t>
+            </a:r>
+          </a:p>
+        </p:txBody>
+      </p:sp>
+      <p:sp>
+        <p:nvSpPr>
+          <p:cNvPr id="63" name="TextBox 62">
+            <a:extLst>
+              <a:ext uri="{FF2B5EF4-FFF2-40B4-BE49-F238E27FC236}">
+                <a16:creationId xmlns:a16="http://schemas.microsoft.com/office/drawing/2014/main" id="{51C40FA9-F82C-4B0E-98BD-282FBC05F9A2}"/>
+              </a:ext>
+            </a:extLst>
+          </p:cNvPr>
+          <p:cNvSpPr txBox="1"/>
+          <p:nvPr/>
+        </p:nvSpPr>
+        <p:spPr>
+          <a:xfrm>
+            <a:off x="9403008" y="1145748"/>
+            <a:ext cx="5955476" cy="1785104"/>
+          </a:xfrm>
+          <a:prstGeom prst="rect">
+            <a:avLst/>
+          </a:prstGeom>
+          <a:noFill/>
+        </p:spPr>
+        <p:txBody>
+          <a:bodyPr wrap="none" rtlCol="0">
+            <a:spAutoFit/>
+          </a:bodyPr>
+          <a:lstStyle/>
+          <a:p>
+            <a:r>
+              <a:rPr lang="en-US" sz="1000" i="1" dirty="0" err="1">
+                <a:solidFill>
+                  <a:srgbClr val="0000FF"/>
+                </a:solidFill>
+                <a:latin typeface="Courier New" panose="02070309020205020404" pitchFamily="49" charset="0"/>
+                <a:cs typeface="Courier New" panose="02070309020205020404" pitchFamily="49" charset="0"/>
+              </a:rPr>
+              <a:t>HorPix_Map</a:t>
+            </a:r>
+            <a:r>
+              <a:rPr lang="en-US" sz="1000" i="1" dirty="0">
+                <a:solidFill>
+                  <a:srgbClr val="0000FF"/>
+                </a:solidFill>
+                <a:latin typeface="Courier New" panose="02070309020205020404" pitchFamily="49" charset="0"/>
+                <a:cs typeface="Courier New" panose="02070309020205020404" pitchFamily="49" charset="0"/>
+              </a:rPr>
+              <a:t>=1056 (px)</a:t>
+            </a:r>
+          </a:p>
+          <a:p>
+            <a:r>
+              <a:rPr lang="en-US" sz="1000" i="1" dirty="0" err="1">
+                <a:solidFill>
+                  <a:srgbClr val="0000FF"/>
+                </a:solidFill>
+                <a:latin typeface="Courier New" panose="02070309020205020404" pitchFamily="49" charset="0"/>
+                <a:cs typeface="Courier New" panose="02070309020205020404" pitchFamily="49" charset="0"/>
+              </a:rPr>
+              <a:t>VerPix_Map</a:t>
+            </a:r>
+            <a:r>
+              <a:rPr lang="en-US" sz="1000" i="1" dirty="0">
+                <a:solidFill>
+                  <a:srgbClr val="0000FF"/>
+                </a:solidFill>
+                <a:latin typeface="Courier New" panose="02070309020205020404" pitchFamily="49" charset="0"/>
+                <a:cs typeface="Courier New" panose="02070309020205020404" pitchFamily="49" charset="0"/>
+              </a:rPr>
+              <a:t>=1632 (px)</a:t>
+            </a:r>
+          </a:p>
+          <a:p>
+            <a:endParaRPr lang="en-US" sz="1000" i="1" dirty="0">
+              <a:solidFill>
+                <a:srgbClr val="0000FF"/>
+              </a:solidFill>
+              <a:latin typeface="Courier New" panose="02070309020205020404" pitchFamily="49" charset="0"/>
+              <a:cs typeface="Courier New" panose="02070309020205020404" pitchFamily="49" charset="0"/>
+            </a:endParaRPr>
+          </a:p>
+          <a:p>
+            <a:r>
+              <a:rPr lang="en-US" sz="1000" i="1" dirty="0">
+                <a:solidFill>
+                  <a:srgbClr val="0000FF"/>
+                </a:solidFill>
+                <a:latin typeface="Courier New" panose="02070309020205020404" pitchFamily="49" charset="0"/>
+                <a:cs typeface="Courier New" panose="02070309020205020404" pitchFamily="49" charset="0"/>
+              </a:rPr>
+              <a:t>MAP_CANVAS_ZERO=(-1056/2,-1632/2)</a:t>
+            </a:r>
+          </a:p>
+          <a:p>
+            <a:r>
+              <a:rPr lang="en-US" sz="1000" i="1" dirty="0">
+                <a:solidFill>
+                  <a:srgbClr val="0000FF"/>
+                </a:solidFill>
+                <a:latin typeface="Courier New" panose="02070309020205020404" pitchFamily="49" charset="0"/>
+                <a:cs typeface="Courier New" panose="02070309020205020404" pitchFamily="49" charset="0"/>
+              </a:rPr>
+              <a:t>MAP_CANVAS_CENTER</a:t>
+            </a:r>
+          </a:p>
+          <a:p>
+            <a:r>
+              <a:rPr lang="en-US" sz="1000" i="1" dirty="0">
+                <a:solidFill>
+                  <a:srgbClr val="0000FF"/>
+                </a:solidFill>
+                <a:latin typeface="Courier New" panose="02070309020205020404" pitchFamily="49" charset="0"/>
+                <a:cs typeface="Courier New" panose="02070309020205020404" pitchFamily="49" charset="0"/>
+              </a:rPr>
+              <a:t>MAP_CANVAS_CENTER=(0,0) [at zoom 100%]</a:t>
+            </a:r>
+          </a:p>
+          <a:p>
+            <a:endParaRPr lang="en-US" sz="1000" i="1" dirty="0">
+              <a:solidFill>
+                <a:srgbClr val="0000FF"/>
+              </a:solidFill>
+              <a:latin typeface="Courier New" panose="02070309020205020404" pitchFamily="49" charset="0"/>
+              <a:cs typeface="Courier New" panose="02070309020205020404" pitchFamily="49" charset="0"/>
+            </a:endParaRPr>
+          </a:p>
+          <a:p>
+            <a:r>
+              <a:rPr lang="en-US" sz="1000" i="1" dirty="0">
+                <a:solidFill>
+                  <a:srgbClr val="0000FF"/>
+                </a:solidFill>
+                <a:latin typeface="Courier New" panose="02070309020205020404" pitchFamily="49" charset="0"/>
+                <a:cs typeface="Courier New" panose="02070309020205020404" pitchFamily="49" charset="0"/>
+              </a:rPr>
+              <a:t>Displayed in 360x800 window</a:t>
+            </a:r>
+          </a:p>
+          <a:p>
+            <a:r>
+              <a:rPr lang="en-US" sz="1000" i="1" dirty="0">
+                <a:solidFill>
+                  <a:srgbClr val="0000FF"/>
+                </a:solidFill>
+                <a:latin typeface="Courier New" panose="02070309020205020404" pitchFamily="49" charset="0"/>
+                <a:cs typeface="Courier New" panose="02070309020205020404" pitchFamily="49" charset="0"/>
+              </a:rPr>
+              <a:t>Map(MAP_NAME).zoom=min(</a:t>
+            </a:r>
+            <a:r>
+              <a:rPr lang="en-US" sz="1000" i="1" dirty="0" err="1">
+                <a:solidFill>
+                  <a:srgbClr val="0000FF"/>
+                </a:solidFill>
+                <a:latin typeface="Courier New" panose="02070309020205020404" pitchFamily="49" charset="0"/>
+                <a:cs typeface="Courier New" panose="02070309020205020404" pitchFamily="49" charset="0"/>
+              </a:rPr>
+              <a:t>HorPix_Screen</a:t>
+            </a:r>
+            <a:r>
+              <a:rPr lang="en-US" sz="1000" i="1" dirty="0">
+                <a:solidFill>
+                  <a:srgbClr val="0000FF"/>
+                </a:solidFill>
+                <a:latin typeface="Courier New" panose="02070309020205020404" pitchFamily="49" charset="0"/>
+                <a:cs typeface="Courier New" panose="02070309020205020404" pitchFamily="49" charset="0"/>
+              </a:rPr>
+              <a:t>/</a:t>
+            </a:r>
+            <a:r>
+              <a:rPr lang="en-US" sz="1000" i="1" dirty="0" err="1">
+                <a:solidFill>
+                  <a:srgbClr val="0000FF"/>
+                </a:solidFill>
+                <a:latin typeface="Courier New" panose="02070309020205020404" pitchFamily="49" charset="0"/>
+                <a:cs typeface="Courier New" panose="02070309020205020404" pitchFamily="49" charset="0"/>
+              </a:rPr>
+              <a:t>HorPix_Map</a:t>
+            </a:r>
+            <a:r>
+              <a:rPr lang="en-US" sz="1000" i="1" dirty="0">
+                <a:solidFill>
+                  <a:srgbClr val="0000FF"/>
+                </a:solidFill>
+                <a:latin typeface="Courier New" panose="02070309020205020404" pitchFamily="49" charset="0"/>
+                <a:cs typeface="Courier New" panose="02070309020205020404" pitchFamily="49" charset="0"/>
+              </a:rPr>
+              <a:t>, </a:t>
+            </a:r>
+            <a:r>
+              <a:rPr lang="en-US" sz="1000" i="1" dirty="0" err="1">
+                <a:solidFill>
+                  <a:srgbClr val="0000FF"/>
+                </a:solidFill>
+                <a:latin typeface="Courier New" panose="02070309020205020404" pitchFamily="49" charset="0"/>
+                <a:cs typeface="Courier New" panose="02070309020205020404" pitchFamily="49" charset="0"/>
+              </a:rPr>
+              <a:t>VerPix_Screen</a:t>
+            </a:r>
+            <a:r>
+              <a:rPr lang="en-US" sz="1000" i="1" dirty="0">
+                <a:solidFill>
+                  <a:srgbClr val="0000FF"/>
+                </a:solidFill>
+                <a:latin typeface="Courier New" panose="02070309020205020404" pitchFamily="49" charset="0"/>
+                <a:cs typeface="Courier New" panose="02070309020205020404" pitchFamily="49" charset="0"/>
+              </a:rPr>
+              <a:t>/</a:t>
+            </a:r>
+            <a:r>
+              <a:rPr lang="en-US" sz="1000" i="1" dirty="0" err="1">
+                <a:solidFill>
+                  <a:srgbClr val="0000FF"/>
+                </a:solidFill>
+                <a:latin typeface="Courier New" panose="02070309020205020404" pitchFamily="49" charset="0"/>
+                <a:cs typeface="Courier New" panose="02070309020205020404" pitchFamily="49" charset="0"/>
+              </a:rPr>
+              <a:t>VerPix_Map</a:t>
+            </a:r>
+            <a:r>
+              <a:rPr lang="en-US" sz="1000" i="1" dirty="0">
+                <a:solidFill>
+                  <a:srgbClr val="0000FF"/>
+                </a:solidFill>
+                <a:latin typeface="Courier New" panose="02070309020205020404" pitchFamily="49" charset="0"/>
+                <a:cs typeface="Courier New" panose="02070309020205020404" pitchFamily="49" charset="0"/>
+              </a:rPr>
+              <a:t>) </a:t>
+            </a:r>
+          </a:p>
+          <a:p>
+            <a:endParaRPr lang="en-US" sz="1000" i="1" dirty="0">
+              <a:solidFill>
+                <a:srgbClr val="0000FF"/>
+              </a:solidFill>
+              <a:latin typeface="Courier New" panose="02070309020205020404" pitchFamily="49" charset="0"/>
+              <a:cs typeface="Courier New" panose="02070309020205020404" pitchFamily="49" charset="0"/>
+            </a:endParaRPr>
+          </a:p>
+          <a:p>
+            <a:r>
+              <a:rPr lang="en-US" sz="1000" i="1" dirty="0">
+                <a:solidFill>
+                  <a:srgbClr val="0000FF"/>
+                </a:solidFill>
+                <a:latin typeface="Courier New" panose="02070309020205020404" pitchFamily="49" charset="0"/>
+                <a:cs typeface="Courier New" panose="02070309020205020404" pitchFamily="49" charset="0"/>
+              </a:rPr>
+              <a:t>[Here @ zoom 34%]</a:t>
+            </a:r>
+          </a:p>
+        </p:txBody>
+      </p:sp>
+      <p:sp>
+        <p:nvSpPr>
+          <p:cNvPr id="79" name="TextBox 78">
+            <a:extLst>
+              <a:ext uri="{FF2B5EF4-FFF2-40B4-BE49-F238E27FC236}">
+                <a16:creationId xmlns:a16="http://schemas.microsoft.com/office/drawing/2014/main" id="{8D777EF8-10DA-4F34-A880-326ABF5AC6F9}"/>
+              </a:ext>
+            </a:extLst>
+          </p:cNvPr>
+          <p:cNvSpPr txBox="1"/>
+          <p:nvPr/>
+        </p:nvSpPr>
+        <p:spPr>
+          <a:xfrm>
+            <a:off x="8902713" y="3189377"/>
+            <a:ext cx="1261884" cy="861774"/>
+          </a:xfrm>
+          <a:prstGeom prst="rect">
+            <a:avLst/>
+          </a:prstGeom>
+          <a:noFill/>
+        </p:spPr>
+        <p:txBody>
+          <a:bodyPr wrap="none" rtlCol="0">
+            <a:spAutoFit/>
+          </a:bodyPr>
+          <a:lstStyle/>
+          <a:p>
+            <a:r>
+              <a:rPr lang="en-US" sz="1000" i="1" dirty="0" err="1">
+                <a:solidFill>
+                  <a:srgbClr val="0000FF"/>
+                </a:solidFill>
+                <a:latin typeface="Courier New" panose="02070309020205020404" pitchFamily="49" charset="0"/>
+                <a:cs typeface="Courier New" panose="02070309020205020404" pitchFamily="49" charset="0"/>
+              </a:rPr>
+              <a:t>initialisation</a:t>
+            </a:r>
+            <a:endParaRPr lang="en-US" sz="1000" i="1" dirty="0">
+              <a:solidFill>
+                <a:srgbClr val="0000FF"/>
+              </a:solidFill>
+              <a:latin typeface="Courier New" panose="02070309020205020404" pitchFamily="49" charset="0"/>
+              <a:cs typeface="Courier New" panose="02070309020205020404" pitchFamily="49" charset="0"/>
+            </a:endParaRPr>
+          </a:p>
+          <a:p>
+            <a:r>
+              <a:rPr lang="en-US" sz="1000" i="1" dirty="0" err="1">
+                <a:solidFill>
+                  <a:srgbClr val="0000FF"/>
+                </a:solidFill>
+                <a:latin typeface="Courier New" panose="02070309020205020404" pitchFamily="49" charset="0"/>
+                <a:cs typeface="Courier New" panose="02070309020205020404" pitchFamily="49" charset="0"/>
+              </a:rPr>
+              <a:t>X_Moves</a:t>
+            </a:r>
+            <a:r>
+              <a:rPr lang="en-US" sz="1000" i="1" dirty="0">
+                <a:solidFill>
+                  <a:srgbClr val="0000FF"/>
+                </a:solidFill>
+                <a:latin typeface="Courier New" panose="02070309020205020404" pitchFamily="49" charset="0"/>
+                <a:cs typeface="Courier New" panose="02070309020205020404" pitchFamily="49" charset="0"/>
+              </a:rPr>
+              <a:t> = 0</a:t>
+            </a:r>
+          </a:p>
+          <a:p>
+            <a:r>
+              <a:rPr lang="en-US" sz="1000" i="1" dirty="0" err="1">
+                <a:solidFill>
+                  <a:srgbClr val="0000FF"/>
+                </a:solidFill>
+                <a:latin typeface="Courier New" panose="02070309020205020404" pitchFamily="49" charset="0"/>
+                <a:cs typeface="Courier New" panose="02070309020205020404" pitchFamily="49" charset="0"/>
+              </a:rPr>
+              <a:t>Y_Moves</a:t>
+            </a:r>
+            <a:r>
+              <a:rPr lang="en-US" sz="1000" i="1" dirty="0">
+                <a:solidFill>
+                  <a:srgbClr val="0000FF"/>
+                </a:solidFill>
+                <a:latin typeface="Courier New" panose="02070309020205020404" pitchFamily="49" charset="0"/>
+                <a:cs typeface="Courier New" panose="02070309020205020404" pitchFamily="49" charset="0"/>
+              </a:rPr>
+              <a:t> = 0</a:t>
+            </a:r>
+          </a:p>
+          <a:p>
+            <a:r>
+              <a:rPr lang="en-US" sz="1000" i="1" dirty="0">
+                <a:solidFill>
+                  <a:srgbClr val="0000FF"/>
+                </a:solidFill>
+                <a:latin typeface="Courier New" panose="02070309020205020404" pitchFamily="49" charset="0"/>
+                <a:cs typeface="Courier New" panose="02070309020205020404" pitchFamily="49" charset="0"/>
+              </a:rPr>
+              <a:t>X0 = 0</a:t>
+            </a:r>
+          </a:p>
+          <a:p>
+            <a:r>
+              <a:rPr lang="en-US" sz="1000" i="1" dirty="0">
+                <a:solidFill>
+                  <a:srgbClr val="0000FF"/>
+                </a:solidFill>
+                <a:latin typeface="Courier New" panose="02070309020205020404" pitchFamily="49" charset="0"/>
+                <a:cs typeface="Courier New" panose="02070309020205020404" pitchFamily="49" charset="0"/>
+              </a:rPr>
+              <a:t>Y0 = 0</a:t>
+            </a:r>
+          </a:p>
+        </p:txBody>
+      </p:sp>
+      <p:sp>
+        <p:nvSpPr>
+          <p:cNvPr id="81" name="TextBox 80">
+            <a:extLst>
+              <a:ext uri="{FF2B5EF4-FFF2-40B4-BE49-F238E27FC236}">
+                <a16:creationId xmlns:a16="http://schemas.microsoft.com/office/drawing/2014/main" id="{C8ADB9E3-30DB-4E23-B64C-D83F608C3C19}"/>
+              </a:ext>
+            </a:extLst>
+          </p:cNvPr>
+          <p:cNvSpPr txBox="1"/>
+          <p:nvPr/>
+        </p:nvSpPr>
+        <p:spPr>
+          <a:xfrm>
+            <a:off x="4572295" y="8799333"/>
+            <a:ext cx="3416320" cy="246221"/>
+          </a:xfrm>
+          <a:prstGeom prst="rect">
+            <a:avLst/>
+          </a:prstGeom>
+          <a:noFill/>
+        </p:spPr>
+        <p:txBody>
+          <a:bodyPr wrap="none" rtlCol="0">
+            <a:spAutoFit/>
+          </a:bodyPr>
+          <a:lstStyle/>
+          <a:p>
+            <a:r>
+              <a:rPr lang="en-US" sz="1000" i="1" dirty="0">
+                <a:solidFill>
+                  <a:srgbClr val="0000FF"/>
+                </a:solidFill>
+                <a:latin typeface="Courier New" panose="02070309020205020404" pitchFamily="49" charset="0"/>
+                <a:cs typeface="Courier New" panose="02070309020205020404" pitchFamily="49" charset="0"/>
+              </a:rPr>
+              <a:t>DISTANCE_REF_MAP=SQRT((X0-X2)^2+(Y0-Y2)^2)</a:t>
+            </a:r>
+          </a:p>
+        </p:txBody>
+      </p:sp>
+      <p:sp>
+        <p:nvSpPr>
+          <p:cNvPr id="82" name="TextBox 81">
+            <a:extLst>
+              <a:ext uri="{FF2B5EF4-FFF2-40B4-BE49-F238E27FC236}">
+                <a16:creationId xmlns:a16="http://schemas.microsoft.com/office/drawing/2014/main" id="{8FFB4D89-B594-4810-A072-DD73744B154E}"/>
+              </a:ext>
+            </a:extLst>
+          </p:cNvPr>
+          <p:cNvSpPr txBox="1"/>
+          <p:nvPr/>
+        </p:nvSpPr>
+        <p:spPr>
+          <a:xfrm>
+            <a:off x="9153838" y="9444055"/>
+            <a:ext cx="3339376" cy="553998"/>
+          </a:xfrm>
+          <a:prstGeom prst="rect">
+            <a:avLst/>
+          </a:prstGeom>
+          <a:noFill/>
+        </p:spPr>
+        <p:txBody>
+          <a:bodyPr wrap="none" rtlCol="0">
+            <a:spAutoFit/>
+          </a:bodyPr>
+          <a:lstStyle/>
+          <a:p>
+            <a:r>
+              <a:rPr lang="en-US" sz="1000" i="1" dirty="0">
+                <a:solidFill>
+                  <a:srgbClr val="0000FF"/>
+                </a:solidFill>
+                <a:latin typeface="Courier New" panose="02070309020205020404" pitchFamily="49" charset="0"/>
+                <a:cs typeface="Courier New" panose="02070309020205020404" pitchFamily="49" charset="0"/>
+              </a:rPr>
+              <a:t>RESOLUTIONS CALCULATION</a:t>
+            </a:r>
+          </a:p>
+          <a:p>
+            <a:r>
+              <a:rPr lang="en-US" sz="1000" i="1" dirty="0">
+                <a:solidFill>
+                  <a:srgbClr val="0000FF"/>
+                </a:solidFill>
+                <a:latin typeface="Courier New" panose="02070309020205020404" pitchFamily="49" charset="0"/>
+                <a:cs typeface="Courier New" panose="02070309020205020404" pitchFamily="49" charset="0"/>
+              </a:rPr>
+              <a:t>RES_LAT=(Y0-Y2)/(LAT0-LAT2)   [mm/deg]</a:t>
+            </a:r>
+          </a:p>
+          <a:p>
+            <a:r>
+              <a:rPr lang="en-US" sz="1000" i="1" dirty="0">
+                <a:solidFill>
+                  <a:srgbClr val="0000FF"/>
+                </a:solidFill>
+                <a:latin typeface="Courier New" panose="02070309020205020404" pitchFamily="49" charset="0"/>
+                <a:cs typeface="Courier New" panose="02070309020205020404" pitchFamily="49" charset="0"/>
+              </a:rPr>
+              <a:t>RES_LONG=(X0-X2)/(LONG0-LONG2)   [mm/deg]</a:t>
+            </a:r>
+          </a:p>
+        </p:txBody>
+      </p:sp>
+      <p:sp>
+        <p:nvSpPr>
+          <p:cNvPr id="83" name="TextBox 82">
+            <a:extLst>
+              <a:ext uri="{FF2B5EF4-FFF2-40B4-BE49-F238E27FC236}">
+                <a16:creationId xmlns:a16="http://schemas.microsoft.com/office/drawing/2014/main" id="{D5300153-B485-43A0-981D-9F577560C57F}"/>
+              </a:ext>
+            </a:extLst>
+          </p:cNvPr>
+          <p:cNvSpPr txBox="1"/>
+          <p:nvPr/>
+        </p:nvSpPr>
+        <p:spPr>
+          <a:xfrm>
+            <a:off x="9187195" y="10057534"/>
+            <a:ext cx="3552051" cy="1169551"/>
+          </a:xfrm>
+          <a:prstGeom prst="rect">
+            <a:avLst/>
+          </a:prstGeom>
+          <a:noFill/>
+        </p:spPr>
+        <p:txBody>
+          <a:bodyPr wrap="square" rtlCol="0">
+            <a:spAutoFit/>
+          </a:bodyPr>
+          <a:lstStyle/>
+          <a:p>
+            <a:r>
+              <a:rPr lang="en-US" sz="1000" i="1" dirty="0">
+                <a:solidFill>
+                  <a:srgbClr val="0000FF"/>
+                </a:solidFill>
+                <a:latin typeface="Courier New" panose="02070309020205020404" pitchFamily="49" charset="0"/>
+                <a:cs typeface="Courier New" panose="02070309020205020404" pitchFamily="49" charset="0"/>
+              </a:rPr>
+              <a:t>IF NOT(</a:t>
+            </a:r>
+            <a:r>
+              <a:rPr lang="en-US" sz="1000" i="1" dirty="0" err="1">
+                <a:solidFill>
+                  <a:srgbClr val="0000FF"/>
+                </a:solidFill>
+                <a:latin typeface="Courier New" panose="02070309020205020404" pitchFamily="49" charset="0"/>
+                <a:cs typeface="Courier New" panose="02070309020205020404" pitchFamily="49" charset="0"/>
+              </a:rPr>
+              <a:t>Rotation_Angle</a:t>
+            </a:r>
+            <a:r>
+              <a:rPr lang="en-US" sz="1000" i="1" dirty="0">
+                <a:solidFill>
+                  <a:srgbClr val="0000FF"/>
+                </a:solidFill>
+                <a:latin typeface="Courier New" panose="02070309020205020404" pitchFamily="49" charset="0"/>
+                <a:cs typeface="Courier New" panose="02070309020205020404" pitchFamily="49" charset="0"/>
+              </a:rPr>
+              <a:t> = 0)</a:t>
+            </a:r>
+          </a:p>
+          <a:p>
+            <a:r>
+              <a:rPr lang="en-US" sz="1000" i="1" dirty="0">
+                <a:solidFill>
+                  <a:srgbClr val="0000FF"/>
+                </a:solidFill>
+                <a:latin typeface="Courier New" panose="02070309020205020404" pitchFamily="49" charset="0"/>
+                <a:cs typeface="Courier New" panose="02070309020205020404" pitchFamily="49" charset="0"/>
+              </a:rPr>
+              <a:t>	Map(MAP_NAME).Rotate = </a:t>
+            </a:r>
+            <a:r>
+              <a:rPr lang="en-US" sz="1000" i="1" dirty="0" err="1">
+                <a:solidFill>
+                  <a:srgbClr val="0000FF"/>
+                </a:solidFill>
+                <a:latin typeface="Courier New" panose="02070309020205020404" pitchFamily="49" charset="0"/>
+                <a:cs typeface="Courier New" panose="02070309020205020404" pitchFamily="49" charset="0"/>
+              </a:rPr>
+              <a:t>Rotation_Angle</a:t>
+            </a:r>
+            <a:endParaRPr lang="en-US" sz="1000" i="1" dirty="0">
+              <a:solidFill>
+                <a:srgbClr val="0000FF"/>
+              </a:solidFill>
+              <a:latin typeface="Courier New" panose="02070309020205020404" pitchFamily="49" charset="0"/>
+              <a:cs typeface="Courier New" panose="02070309020205020404" pitchFamily="49" charset="0"/>
+            </a:endParaRPr>
+          </a:p>
+          <a:p>
+            <a:endParaRPr lang="en-US" sz="1000" i="1" dirty="0">
+              <a:solidFill>
+                <a:srgbClr val="0000FF"/>
+              </a:solidFill>
+              <a:latin typeface="Courier New" panose="02070309020205020404" pitchFamily="49" charset="0"/>
+              <a:cs typeface="Courier New" panose="02070309020205020404" pitchFamily="49" charset="0"/>
+            </a:endParaRPr>
+          </a:p>
+          <a:p>
+            <a:r>
+              <a:rPr lang="en-US" sz="1000" i="1" dirty="0">
+                <a:solidFill>
+                  <a:srgbClr val="0000FF"/>
+                </a:solidFill>
+                <a:latin typeface="Courier New" panose="02070309020205020404" pitchFamily="49" charset="0"/>
+                <a:cs typeface="Courier New" panose="02070309020205020404" pitchFamily="49" charset="0"/>
+              </a:rPr>
+              <a:t>Linear Transformations</a:t>
+            </a:r>
+          </a:p>
+          <a:p>
+            <a:r>
+              <a:rPr lang="en-US" sz="1000" i="1" dirty="0" err="1">
+                <a:solidFill>
+                  <a:srgbClr val="0000FF"/>
+                </a:solidFill>
+                <a:latin typeface="Courier New" panose="02070309020205020404" pitchFamily="49" charset="0"/>
+                <a:cs typeface="Courier New" panose="02070309020205020404" pitchFamily="49" charset="0"/>
+              </a:rPr>
+              <a:t>a,b</a:t>
+            </a:r>
+            <a:r>
+              <a:rPr lang="en-US" sz="1000" i="1" dirty="0">
+                <a:solidFill>
+                  <a:srgbClr val="0000FF"/>
+                </a:solidFill>
+                <a:latin typeface="Courier New" panose="02070309020205020404" pitchFamily="49" charset="0"/>
+                <a:cs typeface="Courier New" panose="02070309020205020404" pitchFamily="49" charset="0"/>
+              </a:rPr>
+              <a:t> coefficients calculations for latitudes and longitudes</a:t>
+            </a:r>
+          </a:p>
+          <a:p>
+            <a:endParaRPr lang="en-US" sz="1000" i="1" dirty="0">
+              <a:solidFill>
+                <a:srgbClr val="0000FF"/>
+              </a:solidFill>
+              <a:latin typeface="Courier New" panose="02070309020205020404" pitchFamily="49" charset="0"/>
+              <a:cs typeface="Courier New" panose="02070309020205020404" pitchFamily="49" charset="0"/>
+            </a:endParaRPr>
+          </a:p>
+        </p:txBody>
+      </p:sp>
+      <p:sp>
+        <p:nvSpPr>
+          <p:cNvPr id="80" name="TextBox 79">
+            <a:extLst>
+              <a:ext uri="{FF2B5EF4-FFF2-40B4-BE49-F238E27FC236}">
+                <a16:creationId xmlns:a16="http://schemas.microsoft.com/office/drawing/2014/main" id="{088178EB-174C-4828-9572-6DE35AB9340E}"/>
+              </a:ext>
+            </a:extLst>
+          </p:cNvPr>
+          <p:cNvSpPr txBox="1"/>
+          <p:nvPr/>
+        </p:nvSpPr>
+        <p:spPr>
+          <a:xfrm>
+            <a:off x="3091753" y="7610720"/>
+            <a:ext cx="1569660" cy="400110"/>
+          </a:xfrm>
+          <a:prstGeom prst="rect">
+            <a:avLst/>
+          </a:prstGeom>
+          <a:noFill/>
+        </p:spPr>
+        <p:txBody>
+          <a:bodyPr wrap="none" rtlCol="0">
+            <a:spAutoFit/>
+          </a:bodyPr>
+          <a:lstStyle/>
+          <a:p>
+            <a:r>
+              <a:rPr lang="en-US" sz="1000" i="1" dirty="0">
+                <a:solidFill>
+                  <a:srgbClr val="0000FF"/>
+                </a:solidFill>
+                <a:latin typeface="Courier New" panose="02070309020205020404" pitchFamily="49" charset="0"/>
+                <a:cs typeface="Courier New" panose="02070309020205020404" pitchFamily="49" charset="0"/>
+              </a:rPr>
+              <a:t>40.81147001400959</a:t>
+            </a:r>
+          </a:p>
+          <a:p>
+            <a:r>
+              <a:rPr lang="en-US" sz="1000" i="1" dirty="0">
+                <a:solidFill>
+                  <a:srgbClr val="0000FF"/>
+                </a:solidFill>
+                <a:latin typeface="Courier New" panose="02070309020205020404" pitchFamily="49" charset="0"/>
+                <a:cs typeface="Courier New" panose="02070309020205020404" pitchFamily="49" charset="0"/>
+              </a:rPr>
+              <a:t>-96.68791604213915</a:t>
+            </a:r>
+          </a:p>
+        </p:txBody>
+      </p:sp>
+      <p:sp>
+        <p:nvSpPr>
+          <p:cNvPr id="85" name="TextBox 84">
+            <a:extLst>
+              <a:ext uri="{FF2B5EF4-FFF2-40B4-BE49-F238E27FC236}">
+                <a16:creationId xmlns:a16="http://schemas.microsoft.com/office/drawing/2014/main" id="{56E8FC9E-7387-4062-857A-0065CD49CD31}"/>
+              </a:ext>
+            </a:extLst>
+          </p:cNvPr>
+          <p:cNvSpPr txBox="1"/>
+          <p:nvPr/>
+        </p:nvSpPr>
+        <p:spPr>
+          <a:xfrm>
+            <a:off x="6271458" y="7538606"/>
+            <a:ext cx="1646605" cy="400110"/>
+          </a:xfrm>
+          <a:prstGeom prst="rect">
+            <a:avLst/>
+          </a:prstGeom>
+          <a:noFill/>
+        </p:spPr>
+        <p:txBody>
+          <a:bodyPr wrap="none" rtlCol="0">
+            <a:spAutoFit/>
+          </a:bodyPr>
+          <a:lstStyle/>
+          <a:p>
+            <a:r>
+              <a:rPr lang="en-US" sz="1000" i="1" dirty="0">
+                <a:solidFill>
+                  <a:srgbClr val="0000FF"/>
+                </a:solidFill>
+                <a:latin typeface="Courier New" panose="02070309020205020404" pitchFamily="49" charset="0"/>
+                <a:cs typeface="Courier New" panose="02070309020205020404" pitchFamily="49" charset="0"/>
+              </a:rPr>
+              <a:t>40.81908575866586</a:t>
+            </a:r>
+          </a:p>
+          <a:p>
+            <a:r>
+              <a:rPr lang="en-US" sz="1000" i="1" dirty="0">
+                <a:solidFill>
+                  <a:srgbClr val="0000FF"/>
+                </a:solidFill>
+                <a:latin typeface="Courier New" panose="02070309020205020404" pitchFamily="49" charset="0"/>
+                <a:cs typeface="Courier New" panose="02070309020205020404" pitchFamily="49" charset="0"/>
+              </a:rPr>
+              <a:t> -96.69120127972548</a:t>
+            </a:r>
+          </a:p>
+        </p:txBody>
+      </p:sp>
+      <p:sp>
+        <p:nvSpPr>
+          <p:cNvPr id="86" name="TextBox 85">
+            <a:extLst>
+              <a:ext uri="{FF2B5EF4-FFF2-40B4-BE49-F238E27FC236}">
+                <a16:creationId xmlns:a16="http://schemas.microsoft.com/office/drawing/2014/main" id="{5445B250-1FBF-4BF1-8403-E58A5809B1FA}"/>
+              </a:ext>
+            </a:extLst>
+          </p:cNvPr>
+          <p:cNvSpPr txBox="1"/>
+          <p:nvPr/>
+        </p:nvSpPr>
+        <p:spPr>
+          <a:xfrm>
+            <a:off x="12017114" y="6605959"/>
+            <a:ext cx="646331" cy="707886"/>
+          </a:xfrm>
+          <a:prstGeom prst="rect">
+            <a:avLst/>
+          </a:prstGeom>
+          <a:noFill/>
+        </p:spPr>
+        <p:txBody>
+          <a:bodyPr wrap="none" rtlCol="0">
+            <a:spAutoFit/>
+          </a:bodyPr>
+          <a:lstStyle/>
+          <a:p>
+            <a:r>
+              <a:rPr lang="en-US" sz="1000" i="1" dirty="0">
+                <a:solidFill>
+                  <a:srgbClr val="0000FF"/>
+                </a:solidFill>
+                <a:latin typeface="Courier New" panose="02070309020205020404" pitchFamily="49" charset="0"/>
+                <a:cs typeface="Courier New" panose="02070309020205020404" pitchFamily="49" charset="0"/>
+              </a:rPr>
+              <a:t>890.73</a:t>
+            </a:r>
+          </a:p>
+          <a:p>
+            <a:r>
+              <a:rPr lang="en-US" sz="1000" i="1" dirty="0">
+                <a:solidFill>
+                  <a:srgbClr val="0000FF"/>
+                </a:solidFill>
+                <a:latin typeface="Courier New" panose="02070309020205020404" pitchFamily="49" charset="0"/>
+                <a:cs typeface="Courier New" panose="02070309020205020404" pitchFamily="49" charset="0"/>
+              </a:rPr>
+              <a:t>4000</a:t>
+            </a:r>
+          </a:p>
+          <a:p>
+            <a:r>
+              <a:rPr lang="en-US" sz="1000" i="1" dirty="0">
+                <a:solidFill>
+                  <a:srgbClr val="0000FF"/>
+                </a:solidFill>
+                <a:latin typeface="Courier New" panose="02070309020205020404" pitchFamily="49" charset="0"/>
+                <a:cs typeface="Courier New" panose="02070309020205020404" pitchFamily="49" charset="0"/>
+              </a:rPr>
+              <a:t>4</a:t>
+            </a:r>
+          </a:p>
+          <a:p>
+            <a:r>
+              <a:rPr lang="en-US" sz="1000" i="1" dirty="0">
+                <a:solidFill>
+                  <a:srgbClr val="0000FF"/>
+                </a:solidFill>
+                <a:latin typeface="Courier New" panose="02070309020205020404" pitchFamily="49" charset="0"/>
+                <a:cs typeface="Courier New" panose="02070309020205020404" pitchFamily="49" charset="0"/>
+              </a:rPr>
+              <a:t>P</a:t>
+            </a:r>
+          </a:p>
+        </p:txBody>
+      </p:sp>
+      <p:sp>
+        <p:nvSpPr>
+          <p:cNvPr id="6" name="Rectangle 5">
+            <a:extLst>
+              <a:ext uri="{FF2B5EF4-FFF2-40B4-BE49-F238E27FC236}">
+                <a16:creationId xmlns:a16="http://schemas.microsoft.com/office/drawing/2014/main" id="{370A82CC-CD41-4849-88A3-3F1791D30716}"/>
+              </a:ext>
+            </a:extLst>
+          </p:cNvPr>
+          <p:cNvSpPr/>
+          <p:nvPr/>
+        </p:nvSpPr>
+        <p:spPr>
+          <a:xfrm>
+            <a:off x="4571702" y="8978613"/>
+            <a:ext cx="2675732" cy="246221"/>
+          </a:xfrm>
+          <a:prstGeom prst="rect">
+            <a:avLst/>
+          </a:prstGeom>
+        </p:spPr>
+        <p:txBody>
+          <a:bodyPr wrap="none">
+            <a:spAutoFit/>
+          </a:bodyPr>
+          <a:lstStyle/>
+          <a:p>
+            <a:r>
+              <a:rPr lang="en-US" sz="1000" i="1" dirty="0">
+                <a:solidFill>
+                  <a:srgbClr val="0000FF"/>
+                </a:solidFill>
+                <a:latin typeface="Courier New" panose="02070309020205020404" pitchFamily="49" charset="0"/>
+                <a:cs typeface="Courier New" panose="02070309020205020404" pitchFamily="49" charset="0"/>
+              </a:rPr>
+              <a:t>DISTANCE_REF_MAP =</a:t>
+            </a:r>
+            <a:r>
+              <a:rPr lang="en-US" sz="1000" dirty="0"/>
+              <a:t> </a:t>
+            </a:r>
+            <a:r>
+              <a:rPr lang="en-US" sz="1000" i="1" dirty="0">
+                <a:solidFill>
+                  <a:srgbClr val="0000FF"/>
+                </a:solidFill>
+                <a:latin typeface="Courier New" panose="02070309020205020404" pitchFamily="49" charset="0"/>
+                <a:cs typeface="Courier New" panose="02070309020205020404" pitchFamily="49" charset="0"/>
+              </a:rPr>
+              <a:t>835.7672 (px) </a:t>
+            </a:r>
+          </a:p>
+        </p:txBody>
+      </p:sp>
+      <p:sp>
+        <p:nvSpPr>
+          <p:cNvPr id="88" name="Rectangle 87">
+            <a:extLst>
+              <a:ext uri="{FF2B5EF4-FFF2-40B4-BE49-F238E27FC236}">
+                <a16:creationId xmlns:a16="http://schemas.microsoft.com/office/drawing/2014/main" id="{B4ECC7E5-7868-49C9-BEFC-539F401C4FB7}"/>
+              </a:ext>
+            </a:extLst>
+          </p:cNvPr>
+          <p:cNvSpPr/>
+          <p:nvPr/>
+        </p:nvSpPr>
+        <p:spPr>
+          <a:xfrm>
+            <a:off x="9028242" y="8986486"/>
+            <a:ext cx="3676006" cy="246221"/>
+          </a:xfrm>
+          <a:prstGeom prst="rect">
+            <a:avLst/>
+          </a:prstGeom>
+        </p:spPr>
+        <p:txBody>
+          <a:bodyPr wrap="none">
+            <a:spAutoFit/>
+          </a:bodyPr>
+          <a:lstStyle/>
+          <a:p>
+            <a:r>
+              <a:rPr lang="en-US" sz="1000" i="1" dirty="0">
+                <a:solidFill>
+                  <a:srgbClr val="0000FF"/>
+                </a:solidFill>
+                <a:latin typeface="Courier New" panose="02070309020205020404" pitchFamily="49" charset="0"/>
+                <a:cs typeface="Courier New" panose="02070309020205020404" pitchFamily="49" charset="0"/>
+              </a:rPr>
+              <a:t>ACTUAL_SCALE =</a:t>
+            </a:r>
+            <a:r>
+              <a:rPr lang="en-US" sz="1000" dirty="0"/>
+              <a:t> </a:t>
+            </a:r>
+            <a:r>
+              <a:rPr lang="en-US" sz="1000" i="1" dirty="0">
+                <a:solidFill>
+                  <a:srgbClr val="0000FF"/>
+                </a:solidFill>
+                <a:latin typeface="Courier New" panose="02070309020205020404" pitchFamily="49" charset="0"/>
+                <a:cs typeface="Courier New" panose="02070309020205020404" pitchFamily="49" charset="0"/>
+              </a:rPr>
+              <a:t>835.7672/96 x 25.4/DISTANCE_REF</a:t>
+            </a:r>
+          </a:p>
+        </p:txBody>
+      </p:sp>
+      <p:sp>
+        <p:nvSpPr>
+          <p:cNvPr id="89" name="Rectangle 88">
+            <a:extLst>
+              <a:ext uri="{FF2B5EF4-FFF2-40B4-BE49-F238E27FC236}">
+                <a16:creationId xmlns:a16="http://schemas.microsoft.com/office/drawing/2014/main" id="{69A6A40E-6954-4D47-91EA-02124CC3B6F4}"/>
+              </a:ext>
+            </a:extLst>
+          </p:cNvPr>
+          <p:cNvSpPr/>
+          <p:nvPr/>
+        </p:nvSpPr>
+        <p:spPr>
+          <a:xfrm>
+            <a:off x="9028242" y="9136677"/>
+            <a:ext cx="3829895" cy="246221"/>
+          </a:xfrm>
+          <a:prstGeom prst="rect">
+            <a:avLst/>
+          </a:prstGeom>
+        </p:spPr>
+        <p:txBody>
+          <a:bodyPr wrap="none">
+            <a:spAutoFit/>
+          </a:bodyPr>
+          <a:lstStyle/>
+          <a:p>
+            <a:r>
+              <a:rPr lang="en-US" sz="1000" i="1" dirty="0">
+                <a:solidFill>
+                  <a:srgbClr val="0000FF"/>
+                </a:solidFill>
+                <a:latin typeface="Courier New" panose="02070309020205020404" pitchFamily="49" charset="0"/>
+                <a:cs typeface="Courier New" panose="02070309020205020404" pitchFamily="49" charset="0"/>
+              </a:rPr>
+              <a:t>ACTUAL_SCALE = DISTANCE_REF /</a:t>
+            </a:r>
+            <a:r>
+              <a:rPr lang="en-US" sz="1000" dirty="0"/>
+              <a:t> </a:t>
+            </a:r>
+            <a:r>
+              <a:rPr lang="en-US" sz="1000" i="1" dirty="0">
+                <a:solidFill>
+                  <a:srgbClr val="0000FF"/>
+                </a:solidFill>
+                <a:latin typeface="Courier New" panose="02070309020205020404" pitchFamily="49" charset="0"/>
+                <a:cs typeface="Courier New" panose="02070309020205020404" pitchFamily="49" charset="0"/>
+              </a:rPr>
+              <a:t>835.7672/96 x 25.4</a:t>
+            </a:r>
+          </a:p>
+        </p:txBody>
+      </p:sp>
     </p:spTree>
     <p:extLst>
       <p:ext uri="{BB962C8B-B14F-4D97-AF65-F5344CB8AC3E}">

--- a/info-plotting/FlowChart.pptx
+++ b/info-plotting/FlowChart.pptx
@@ -11436,60 +11436,6 @@
       </p:sp>
       <p:sp>
         <p:nvSpPr>
-          <p:cNvPr id="88" name="Rectangle 87">
-            <a:extLst>
-              <a:ext uri="{FF2B5EF4-FFF2-40B4-BE49-F238E27FC236}">
-                <a16:creationId xmlns:a16="http://schemas.microsoft.com/office/drawing/2014/main" id="{B4ECC7E5-7868-49C9-BEFC-539F401C4FB7}"/>
-              </a:ext>
-            </a:extLst>
-          </p:cNvPr>
-          <p:cNvSpPr/>
-          <p:nvPr/>
-        </p:nvSpPr>
-        <p:spPr>
-          <a:xfrm>
-            <a:off x="9028242" y="8986486"/>
-            <a:ext cx="3676006" cy="246221"/>
-          </a:xfrm>
-          <a:prstGeom prst="rect">
-            <a:avLst/>
-          </a:prstGeom>
-        </p:spPr>
-        <p:txBody>
-          <a:bodyPr wrap="none">
-            <a:spAutoFit/>
-          </a:bodyPr>
-          <a:lstStyle/>
-          <a:p>
-            <a:r>
-              <a:rPr lang="en-US" sz="1000" i="1" dirty="0">
-                <a:solidFill>
-                  <a:srgbClr val="0000FF"/>
-                </a:solidFill>
-                <a:latin typeface="Courier New" panose="02070309020205020404" pitchFamily="49" charset="0"/>
-                <a:cs typeface="Courier New" panose="02070309020205020404" pitchFamily="49" charset="0"/>
-              </a:rPr>
-              <a:t>ACTUAL_SCALE =</a:t>
-            </a:r>
-            <a:r>
-              <a:rPr lang="en-US" sz="1000" dirty="0"/>
-              <a:t> </a:t>
-            </a:r>
-            <a:r>
-              <a:rPr lang="en-US" sz="1000" i="1" dirty="0">
-                <a:solidFill>
-                  <a:srgbClr val="0000FF"/>
-                </a:solidFill>
-                <a:latin typeface="Courier New" panose="02070309020205020404" pitchFamily="49" charset="0"/>
-                <a:cs typeface="Courier New" panose="02070309020205020404" pitchFamily="49" charset="0"/>
-              </a:rPr>
-              <a:t>835.7672/96 x 25.4/DISTANCE_REF</a:t>
-            </a:r>
-          </a:p>
-        </p:txBody>
-      </p:sp>
-      <p:sp>
-        <p:nvSpPr>
           <p:cNvPr id="89" name="Rectangle 88">
             <a:extLst>
               <a:ext uri="{FF2B5EF4-FFF2-40B4-BE49-F238E27FC236}">

--- a/info-plotting/FlowChart.pptx
+++ b/info-plotting/FlowChart.pptx
@@ -11448,8 +11448,8 @@
         </p:nvSpPr>
         <p:spPr>
           <a:xfrm>
-            <a:off x="9028242" y="9136677"/>
-            <a:ext cx="3829895" cy="246221"/>
+            <a:off x="8786956" y="9121107"/>
+            <a:ext cx="4060727" cy="246221"/>
           </a:xfrm>
           <a:prstGeom prst="rect">
             <a:avLst/>
@@ -11469,7 +11469,7 @@
                 <a:latin typeface="Courier New" panose="02070309020205020404" pitchFamily="49" charset="0"/>
                 <a:cs typeface="Courier New" panose="02070309020205020404" pitchFamily="49" charset="0"/>
               </a:rPr>
-              <a:t>ACTUAL_SCALE = DISTANCE_REF /</a:t>
+              <a:t>ACTUAL_SCALE = DISTANCE_REF_MM /</a:t>
             </a:r>
             <a:r>
               <a:rPr lang="en-US" sz="1000" dirty="0"/>
@@ -11483,7 +11483,7 @@
                 <a:latin typeface="Courier New" panose="02070309020205020404" pitchFamily="49" charset="0"/>
                 <a:cs typeface="Courier New" panose="02070309020205020404" pitchFamily="49" charset="0"/>
               </a:rPr>
-              <a:t>835.7672/96 x 25.4</a:t>
+              <a:t>835.7672 /96 /25.4</a:t>
             </a:r>
           </a:p>
         </p:txBody>
